--- a/BlockChain/BlockChain.pptx
+++ b/BlockChain/BlockChain.pptx
@@ -4,6 +4,9 @@
   <p:sldMasterIdLst>
     <p:sldMasterId id="2147483779" r:id="rId1"/>
   </p:sldMasterIdLst>
+  <p:notesMasterIdLst>
+    <p:notesMasterId r:id="rId48"/>
+  </p:notesMasterIdLst>
   <p:sldIdLst>
     <p:sldId id="266" r:id="rId2"/>
     <p:sldId id="278" r:id="rId3"/>
@@ -16,24 +19,41 @@
     <p:sldId id="287" r:id="rId10"/>
     <p:sldId id="284" r:id="rId11"/>
     <p:sldId id="289" r:id="rId12"/>
-    <p:sldId id="257" r:id="rId13"/>
+    <p:sldId id="260" r:id="rId13"/>
     <p:sldId id="259" r:id="rId14"/>
-    <p:sldId id="260" r:id="rId15"/>
-    <p:sldId id="268" r:id="rId16"/>
-    <p:sldId id="261" r:id="rId17"/>
-    <p:sldId id="262" r:id="rId18"/>
-    <p:sldId id="263" r:id="rId19"/>
-    <p:sldId id="267" r:id="rId20"/>
-    <p:sldId id="271" r:id="rId21"/>
-    <p:sldId id="269" r:id="rId22"/>
-    <p:sldId id="270" r:id="rId23"/>
-    <p:sldId id="274" r:id="rId24"/>
-    <p:sldId id="273" r:id="rId25"/>
-    <p:sldId id="256" r:id="rId26"/>
-    <p:sldId id="275" r:id="rId27"/>
-    <p:sldId id="276" r:id="rId28"/>
-    <p:sldId id="277" r:id="rId29"/>
-    <p:sldId id="286" r:id="rId30"/>
+    <p:sldId id="262" r:id="rId15"/>
+    <p:sldId id="291" r:id="rId16"/>
+    <p:sldId id="267" r:id="rId17"/>
+    <p:sldId id="293" r:id="rId18"/>
+    <p:sldId id="299" r:id="rId19"/>
+    <p:sldId id="294" r:id="rId20"/>
+    <p:sldId id="300" r:id="rId21"/>
+    <p:sldId id="301" r:id="rId22"/>
+    <p:sldId id="302" r:id="rId23"/>
+    <p:sldId id="303" r:id="rId24"/>
+    <p:sldId id="304" r:id="rId25"/>
+    <p:sldId id="305" r:id="rId26"/>
+    <p:sldId id="306" r:id="rId27"/>
+    <p:sldId id="307" r:id="rId28"/>
+    <p:sldId id="295" r:id="rId29"/>
+    <p:sldId id="296" r:id="rId30"/>
+    <p:sldId id="297" r:id="rId31"/>
+    <p:sldId id="298" r:id="rId32"/>
+    <p:sldId id="290" r:id="rId33"/>
+    <p:sldId id="268" r:id="rId34"/>
+    <p:sldId id="261" r:id="rId35"/>
+    <p:sldId id="263" r:id="rId36"/>
+    <p:sldId id="271" r:id="rId37"/>
+    <p:sldId id="269" r:id="rId38"/>
+    <p:sldId id="270" r:id="rId39"/>
+    <p:sldId id="274" r:id="rId40"/>
+    <p:sldId id="273" r:id="rId41"/>
+    <p:sldId id="256" r:id="rId42"/>
+    <p:sldId id="275" r:id="rId43"/>
+    <p:sldId id="276" r:id="rId44"/>
+    <p:sldId id="277" r:id="rId45"/>
+    <p:sldId id="286" r:id="rId46"/>
+    <p:sldId id="292" r:id="rId47"/>
   </p:sldIdLst>
   <p:sldSz cx="12192000" cy="6858000"/>
   <p:notesSz cx="6858000" cy="9144000"/>
@@ -1949,6 +1969,13 @@
         </dgm:presLayoutVars>
       </dgm:prSet>
       <dgm:spPr/>
+      <dgm:t>
+        <a:bodyPr/>
+        <a:lstStyle/>
+        <a:p>
+          <a:endParaRPr lang="en-US"/>
+        </a:p>
+      </dgm:t>
     </dgm:pt>
     <dgm:pt modelId="{78A126F9-7B1D-4DBC-BDF3-670D76C87A9D}" type="pres">
       <dgm:prSet presAssocID="{92D92F85-F047-441B-9CDA-F16FD67D88B0}" presName="dummyMaxCanvas" presStyleCnt="0"/>
@@ -2015,6 +2042,13 @@
         </dgm:presLayoutVars>
       </dgm:prSet>
       <dgm:spPr/>
+      <dgm:t>
+        <a:bodyPr/>
+        <a:lstStyle/>
+        <a:p>
+          <a:endParaRPr lang="en-US"/>
+        </a:p>
+      </dgm:t>
     </dgm:pt>
     <dgm:pt modelId="{20EDB2D3-6B22-4569-A635-95093CCDABAE}" type="pres">
       <dgm:prSet presAssocID="{92D92F85-F047-441B-9CDA-F16FD67D88B0}" presName="right_22_2" presStyleLbl="node1" presStyleIdx="1" presStyleCnt="4">
@@ -2023,6 +2057,13 @@
         </dgm:presLayoutVars>
       </dgm:prSet>
       <dgm:spPr/>
+      <dgm:t>
+        <a:bodyPr/>
+        <a:lstStyle/>
+        <a:p>
+          <a:endParaRPr lang="en-US"/>
+        </a:p>
+      </dgm:t>
     </dgm:pt>
     <dgm:pt modelId="{BD4683D7-6102-4906-AFB6-1E355101CC77}" type="pres">
       <dgm:prSet presAssocID="{92D92F85-F047-441B-9CDA-F16FD67D88B0}" presName="left_22_1" presStyleLbl="node1" presStyleIdx="2" presStyleCnt="4">
@@ -2031,6 +2072,13 @@
         </dgm:presLayoutVars>
       </dgm:prSet>
       <dgm:spPr/>
+      <dgm:t>
+        <a:bodyPr/>
+        <a:lstStyle/>
+        <a:p>
+          <a:endParaRPr lang="en-US"/>
+        </a:p>
+      </dgm:t>
     </dgm:pt>
     <dgm:pt modelId="{483BAA87-0B38-4B35-B979-08A65CF97267}" type="pres">
       <dgm:prSet presAssocID="{92D92F85-F047-441B-9CDA-F16FD67D88B0}" presName="left_22_2" presStyleLbl="node1" presStyleIdx="3" presStyleCnt="4">
@@ -2039,6 +2087,13 @@
         </dgm:presLayoutVars>
       </dgm:prSet>
       <dgm:spPr/>
+      <dgm:t>
+        <a:bodyPr/>
+        <a:lstStyle/>
+        <a:p>
+          <a:endParaRPr lang="en-US"/>
+        </a:p>
+      </dgm:t>
     </dgm:pt>
   </dgm:ptLst>
   <dgm:cxnLst>
@@ -2144,7 +2199,7 @@
         <a:p>
           <a:r>
             <a:rPr lang="en-US" dirty="0" smtClean="0"/>
-            <a:t>Enhanced security</a:t>
+            <a:t>Transparent &amp; Incorruptible</a:t>
           </a:r>
           <a:endParaRPr lang="en-US" dirty="0"/>
         </a:p>
@@ -2260,7 +2315,7 @@
         <a:p>
           <a:r>
             <a:rPr lang="en-US" dirty="0" smtClean="0"/>
-            <a:t>Transparent &amp; Incorruptible</a:t>
+            <a:t>Enhanced security</a:t>
           </a:r>
           <a:endParaRPr lang="en-US" dirty="0"/>
         </a:p>
@@ -2296,6 +2351,13 @@
         </dgm:presLayoutVars>
       </dgm:prSet>
       <dgm:spPr/>
+      <dgm:t>
+        <a:bodyPr/>
+        <a:lstStyle/>
+        <a:p>
+          <a:endParaRPr lang="en-US"/>
+        </a:p>
+      </dgm:t>
     </dgm:pt>
     <dgm:pt modelId="{60CF439C-49C3-4D7F-8989-D99482B43AC9}" type="pres">
       <dgm:prSet presAssocID="{3B7F73B4-71A6-4F62-89E6-5FE263D310C7}" presName="node" presStyleLbl="node1" presStyleIdx="0" presStyleCnt="5">
@@ -2323,6 +2385,13 @@
         </dgm:presLayoutVars>
       </dgm:prSet>
       <dgm:spPr/>
+      <dgm:t>
+        <a:bodyPr/>
+        <a:lstStyle/>
+        <a:p>
+          <a:endParaRPr lang="en-US"/>
+        </a:p>
+      </dgm:t>
     </dgm:pt>
     <dgm:pt modelId="{C7653508-1A77-47F3-8BF1-533B2D053A1F}" type="pres">
       <dgm:prSet presAssocID="{21742E62-EF4D-4463-83AA-BB3F83B9688D}" presName="sibTrans" presStyleCnt="0"/>
@@ -3167,7 +3236,7 @@
           </a:pPr>
           <a:r>
             <a:rPr lang="en-US" sz="2200" kern="1200" dirty="0" smtClean="0"/>
-            <a:t>Enhanced security</a:t>
+            <a:t>Transparent &amp; Incorruptible</a:t>
           </a:r>
           <a:endParaRPr lang="en-US" sz="2200" kern="1200" dirty="0"/>
         </a:p>
@@ -3414,7 +3483,7 @@
           </a:pPr>
           <a:r>
             <a:rPr lang="en-US" sz="2200" kern="1200" dirty="0" smtClean="0"/>
-            <a:t>Transparent &amp; Incorruptible</a:t>
+            <a:t>Enhanced security</a:t>
           </a:r>
           <a:endParaRPr lang="en-US" sz="2200" kern="1200" dirty="0"/>
         </a:p>
@@ -8738,6 +8807,440 @@
 </dgm:styleDef>
 </file>
 
+<file path=ppt/notesMasters/notesMaster1.xml><?xml version="1.0" encoding="utf-8"?>
+<p:notesMaster xmlns:a="http://schemas.openxmlformats.org/drawingml/2006/main" xmlns:r="http://schemas.openxmlformats.org/officeDocument/2006/relationships" xmlns:p="http://schemas.openxmlformats.org/presentationml/2006/main">
+  <p:cSld>
+    <p:bg>
+      <p:bgRef idx="1001">
+        <a:schemeClr val="bg1"/>
+      </p:bgRef>
+    </p:bg>
+    <p:spTree>
+      <p:nvGrpSpPr>
+        <p:cNvPr id="1" name=""/>
+        <p:cNvGrpSpPr/>
+        <p:nvPr/>
+      </p:nvGrpSpPr>
+      <p:grpSpPr>
+        <a:xfrm>
+          <a:off x="0" y="0"/>
+          <a:ext cx="0" cy="0"/>
+          <a:chOff x="0" y="0"/>
+          <a:chExt cx="0" cy="0"/>
+        </a:xfrm>
+      </p:grpSpPr>
+      <p:sp>
+        <p:nvSpPr>
+          <p:cNvPr id="2" name="Header Placeholder 1"/>
+          <p:cNvSpPr>
+            <a:spLocks noGrp="1"/>
+          </p:cNvSpPr>
+          <p:nvPr>
+            <p:ph type="hdr" sz="quarter"/>
+          </p:nvPr>
+        </p:nvSpPr>
+        <p:spPr>
+          <a:xfrm>
+            <a:off x="0" y="0"/>
+            <a:ext cx="2971800" cy="458788"/>
+          </a:xfrm>
+          <a:prstGeom prst="rect">
+            <a:avLst/>
+          </a:prstGeom>
+        </p:spPr>
+        <p:txBody>
+          <a:bodyPr vert="horz" lIns="91440" tIns="45720" rIns="91440" bIns="45720" rtlCol="0"/>
+          <a:lstStyle>
+            <a:lvl1pPr algn="l">
+              <a:defRPr sz="1200"/>
+            </a:lvl1pPr>
+          </a:lstStyle>
+          <a:p>
+            <a:endParaRPr lang="en-US"/>
+          </a:p>
+        </p:txBody>
+      </p:sp>
+      <p:sp>
+        <p:nvSpPr>
+          <p:cNvPr id="3" name="Date Placeholder 2"/>
+          <p:cNvSpPr>
+            <a:spLocks noGrp="1"/>
+          </p:cNvSpPr>
+          <p:nvPr>
+            <p:ph type="dt" idx="1"/>
+          </p:nvPr>
+        </p:nvSpPr>
+        <p:spPr>
+          <a:xfrm>
+            <a:off x="3884613" y="0"/>
+            <a:ext cx="2971800" cy="458788"/>
+          </a:xfrm>
+          <a:prstGeom prst="rect">
+            <a:avLst/>
+          </a:prstGeom>
+        </p:spPr>
+        <p:txBody>
+          <a:bodyPr vert="horz" lIns="91440" tIns="45720" rIns="91440" bIns="45720" rtlCol="0"/>
+          <a:lstStyle>
+            <a:lvl1pPr algn="r">
+              <a:defRPr sz="1200"/>
+            </a:lvl1pPr>
+          </a:lstStyle>
+          <a:p>
+            <a:fld id="{2E28F09B-44CF-423A-802C-82491C0D83F2}" type="datetimeFigureOut">
+              <a:rPr lang="en-US" smtClean="0"/>
+              <a:t>12/10/2016</a:t>
+            </a:fld>
+            <a:endParaRPr lang="en-US"/>
+          </a:p>
+        </p:txBody>
+      </p:sp>
+      <p:sp>
+        <p:nvSpPr>
+          <p:cNvPr id="4" name="Slide Image Placeholder 3"/>
+          <p:cNvSpPr>
+            <a:spLocks noGrp="1" noRot="1" noChangeAspect="1"/>
+          </p:cNvSpPr>
+          <p:nvPr>
+            <p:ph type="sldImg" idx="2"/>
+          </p:nvPr>
+        </p:nvSpPr>
+        <p:spPr>
+          <a:xfrm>
+            <a:off x="685800" y="1143000"/>
+            <a:ext cx="5486400" cy="3086100"/>
+          </a:xfrm>
+          <a:prstGeom prst="rect">
+            <a:avLst/>
+          </a:prstGeom>
+          <a:noFill/>
+          <a:ln w="12700">
+            <a:solidFill>
+              <a:prstClr val="black"/>
+            </a:solidFill>
+          </a:ln>
+        </p:spPr>
+        <p:txBody>
+          <a:bodyPr vert="horz" lIns="91440" tIns="45720" rIns="91440" bIns="45720" rtlCol="0" anchor="ctr"/>
+          <a:lstStyle/>
+          <a:p>
+            <a:endParaRPr lang="en-US"/>
+          </a:p>
+        </p:txBody>
+      </p:sp>
+      <p:sp>
+        <p:nvSpPr>
+          <p:cNvPr id="5" name="Notes Placeholder 4"/>
+          <p:cNvSpPr>
+            <a:spLocks noGrp="1"/>
+          </p:cNvSpPr>
+          <p:nvPr>
+            <p:ph type="body" sz="quarter" idx="3"/>
+          </p:nvPr>
+        </p:nvSpPr>
+        <p:spPr>
+          <a:xfrm>
+            <a:off x="685800" y="4400550"/>
+            <a:ext cx="5486400" cy="3600450"/>
+          </a:xfrm>
+          <a:prstGeom prst="rect">
+            <a:avLst/>
+          </a:prstGeom>
+        </p:spPr>
+        <p:txBody>
+          <a:bodyPr vert="horz" lIns="91440" tIns="45720" rIns="91440" bIns="45720" rtlCol="0"/>
+          <a:lstStyle/>
+          <a:p>
+            <a:pPr lvl="0"/>
+            <a:r>
+              <a:rPr lang="en-US" smtClean="0"/>
+              <a:t>Click to edit Master text styles</a:t>
+            </a:r>
+          </a:p>
+          <a:p>
+            <a:pPr lvl="1"/>
+            <a:r>
+              <a:rPr lang="en-US" smtClean="0"/>
+              <a:t>Second level</a:t>
+            </a:r>
+          </a:p>
+          <a:p>
+            <a:pPr lvl="2"/>
+            <a:r>
+              <a:rPr lang="en-US" smtClean="0"/>
+              <a:t>Third level</a:t>
+            </a:r>
+          </a:p>
+          <a:p>
+            <a:pPr lvl="3"/>
+            <a:r>
+              <a:rPr lang="en-US" smtClean="0"/>
+              <a:t>Fourth level</a:t>
+            </a:r>
+          </a:p>
+          <a:p>
+            <a:pPr lvl="4"/>
+            <a:r>
+              <a:rPr lang="en-US" smtClean="0"/>
+              <a:t>Fifth level</a:t>
+            </a:r>
+            <a:endParaRPr lang="en-US"/>
+          </a:p>
+        </p:txBody>
+      </p:sp>
+      <p:sp>
+        <p:nvSpPr>
+          <p:cNvPr id="6" name="Footer Placeholder 5"/>
+          <p:cNvSpPr>
+            <a:spLocks noGrp="1"/>
+          </p:cNvSpPr>
+          <p:nvPr>
+            <p:ph type="ftr" sz="quarter" idx="4"/>
+          </p:nvPr>
+        </p:nvSpPr>
+        <p:spPr>
+          <a:xfrm>
+            <a:off x="0" y="8685213"/>
+            <a:ext cx="2971800" cy="458787"/>
+          </a:xfrm>
+          <a:prstGeom prst="rect">
+            <a:avLst/>
+          </a:prstGeom>
+        </p:spPr>
+        <p:txBody>
+          <a:bodyPr vert="horz" lIns="91440" tIns="45720" rIns="91440" bIns="45720" rtlCol="0" anchor="b"/>
+          <a:lstStyle>
+            <a:lvl1pPr algn="l">
+              <a:defRPr sz="1200"/>
+            </a:lvl1pPr>
+          </a:lstStyle>
+          <a:p>
+            <a:endParaRPr lang="en-US"/>
+          </a:p>
+        </p:txBody>
+      </p:sp>
+      <p:sp>
+        <p:nvSpPr>
+          <p:cNvPr id="7" name="Slide Number Placeholder 6"/>
+          <p:cNvSpPr>
+            <a:spLocks noGrp="1"/>
+          </p:cNvSpPr>
+          <p:nvPr>
+            <p:ph type="sldNum" sz="quarter" idx="5"/>
+          </p:nvPr>
+        </p:nvSpPr>
+        <p:spPr>
+          <a:xfrm>
+            <a:off x="3884613" y="8685213"/>
+            <a:ext cx="2971800" cy="458787"/>
+          </a:xfrm>
+          <a:prstGeom prst="rect">
+            <a:avLst/>
+          </a:prstGeom>
+        </p:spPr>
+        <p:txBody>
+          <a:bodyPr vert="horz" lIns="91440" tIns="45720" rIns="91440" bIns="45720" rtlCol="0" anchor="b"/>
+          <a:lstStyle>
+            <a:lvl1pPr algn="r">
+              <a:defRPr sz="1200"/>
+            </a:lvl1pPr>
+          </a:lstStyle>
+          <a:p>
+            <a:fld id="{0DEC71BC-50C3-43D2-8885-28C91E7E4DB0}" type="slidenum">
+              <a:rPr lang="en-US" smtClean="0"/>
+              <a:t>‹#›</a:t>
+            </a:fld>
+            <a:endParaRPr lang="en-US"/>
+          </a:p>
+        </p:txBody>
+      </p:sp>
+    </p:spTree>
+    <p:extLst>
+      <p:ext uri="{BB962C8B-B14F-4D97-AF65-F5344CB8AC3E}">
+        <p14:creationId xmlns:p14="http://schemas.microsoft.com/office/powerpoint/2010/main" val="2891904614"/>
+      </p:ext>
+    </p:extLst>
+  </p:cSld>
+  <p:clrMap bg1="lt1" tx1="dk1" bg2="lt2" tx2="dk2" accent1="accent1" accent2="accent2" accent3="accent3" accent4="accent4" accent5="accent5" accent6="accent6" hlink="hlink" folHlink="folHlink"/>
+  <p:notesStyle>
+    <a:lvl1pPr marL="0" algn="l" defTabSz="914400" rtl="0" eaLnBrk="1" latinLnBrk="0" hangingPunct="1">
+      <a:defRPr sz="1200" kern="1200">
+        <a:solidFill>
+          <a:schemeClr val="tx1"/>
+        </a:solidFill>
+        <a:latin typeface="+mn-lt"/>
+        <a:ea typeface="+mn-ea"/>
+        <a:cs typeface="+mn-cs"/>
+      </a:defRPr>
+    </a:lvl1pPr>
+    <a:lvl2pPr marL="457200" algn="l" defTabSz="914400" rtl="0" eaLnBrk="1" latinLnBrk="0" hangingPunct="1">
+      <a:defRPr sz="1200" kern="1200">
+        <a:solidFill>
+          <a:schemeClr val="tx1"/>
+        </a:solidFill>
+        <a:latin typeface="+mn-lt"/>
+        <a:ea typeface="+mn-ea"/>
+        <a:cs typeface="+mn-cs"/>
+      </a:defRPr>
+    </a:lvl2pPr>
+    <a:lvl3pPr marL="914400" algn="l" defTabSz="914400" rtl="0" eaLnBrk="1" latinLnBrk="0" hangingPunct="1">
+      <a:defRPr sz="1200" kern="1200">
+        <a:solidFill>
+          <a:schemeClr val="tx1"/>
+        </a:solidFill>
+        <a:latin typeface="+mn-lt"/>
+        <a:ea typeface="+mn-ea"/>
+        <a:cs typeface="+mn-cs"/>
+      </a:defRPr>
+    </a:lvl3pPr>
+    <a:lvl4pPr marL="1371600" algn="l" defTabSz="914400" rtl="0" eaLnBrk="1" latinLnBrk="0" hangingPunct="1">
+      <a:defRPr sz="1200" kern="1200">
+        <a:solidFill>
+          <a:schemeClr val="tx1"/>
+        </a:solidFill>
+        <a:latin typeface="+mn-lt"/>
+        <a:ea typeface="+mn-ea"/>
+        <a:cs typeface="+mn-cs"/>
+      </a:defRPr>
+    </a:lvl4pPr>
+    <a:lvl5pPr marL="1828800" algn="l" defTabSz="914400" rtl="0" eaLnBrk="1" latinLnBrk="0" hangingPunct="1">
+      <a:defRPr sz="1200" kern="1200">
+        <a:solidFill>
+          <a:schemeClr val="tx1"/>
+        </a:solidFill>
+        <a:latin typeface="+mn-lt"/>
+        <a:ea typeface="+mn-ea"/>
+        <a:cs typeface="+mn-cs"/>
+      </a:defRPr>
+    </a:lvl5pPr>
+    <a:lvl6pPr marL="2286000" algn="l" defTabSz="914400" rtl="0" eaLnBrk="1" latinLnBrk="0" hangingPunct="1">
+      <a:defRPr sz="1200" kern="1200">
+        <a:solidFill>
+          <a:schemeClr val="tx1"/>
+        </a:solidFill>
+        <a:latin typeface="+mn-lt"/>
+        <a:ea typeface="+mn-ea"/>
+        <a:cs typeface="+mn-cs"/>
+      </a:defRPr>
+    </a:lvl6pPr>
+    <a:lvl7pPr marL="2743200" algn="l" defTabSz="914400" rtl="0" eaLnBrk="1" latinLnBrk="0" hangingPunct="1">
+      <a:defRPr sz="1200" kern="1200">
+        <a:solidFill>
+          <a:schemeClr val="tx1"/>
+        </a:solidFill>
+        <a:latin typeface="+mn-lt"/>
+        <a:ea typeface="+mn-ea"/>
+        <a:cs typeface="+mn-cs"/>
+      </a:defRPr>
+    </a:lvl7pPr>
+    <a:lvl8pPr marL="3200400" algn="l" defTabSz="914400" rtl="0" eaLnBrk="1" latinLnBrk="0" hangingPunct="1">
+      <a:defRPr sz="1200" kern="1200">
+        <a:solidFill>
+          <a:schemeClr val="tx1"/>
+        </a:solidFill>
+        <a:latin typeface="+mn-lt"/>
+        <a:ea typeface="+mn-ea"/>
+        <a:cs typeface="+mn-cs"/>
+      </a:defRPr>
+    </a:lvl8pPr>
+    <a:lvl9pPr marL="3657600" algn="l" defTabSz="914400" rtl="0" eaLnBrk="1" latinLnBrk="0" hangingPunct="1">
+      <a:defRPr sz="1200" kern="1200">
+        <a:solidFill>
+          <a:schemeClr val="tx1"/>
+        </a:solidFill>
+        <a:latin typeface="+mn-lt"/>
+        <a:ea typeface="+mn-ea"/>
+        <a:cs typeface="+mn-cs"/>
+      </a:defRPr>
+    </a:lvl9pPr>
+  </p:notesStyle>
+</p:notesMaster>
+</file>
+
+<file path=ppt/notesSlides/notesSlide1.xml><?xml version="1.0" encoding="utf-8"?>
+<p:notes xmlns:a="http://schemas.openxmlformats.org/drawingml/2006/main" xmlns:r="http://schemas.openxmlformats.org/officeDocument/2006/relationships" xmlns:p="http://schemas.openxmlformats.org/presentationml/2006/main">
+  <p:cSld>
+    <p:spTree>
+      <p:nvGrpSpPr>
+        <p:cNvPr id="1" name=""/>
+        <p:cNvGrpSpPr/>
+        <p:nvPr/>
+      </p:nvGrpSpPr>
+      <p:grpSpPr>
+        <a:xfrm>
+          <a:off x="0" y="0"/>
+          <a:ext cx="0" cy="0"/>
+          <a:chOff x="0" y="0"/>
+          <a:chExt cx="0" cy="0"/>
+        </a:xfrm>
+      </p:grpSpPr>
+      <p:sp>
+        <p:nvSpPr>
+          <p:cNvPr id="2" name="Slide Image Placeholder 1"/>
+          <p:cNvSpPr>
+            <a:spLocks noGrp="1" noRot="1" noChangeAspect="1"/>
+          </p:cNvSpPr>
+          <p:nvPr>
+            <p:ph type="sldImg"/>
+          </p:nvPr>
+        </p:nvSpPr>
+        <p:spPr/>
+      </p:sp>
+      <p:sp>
+        <p:nvSpPr>
+          <p:cNvPr id="3" name="Notes Placeholder 2"/>
+          <p:cNvSpPr>
+            <a:spLocks noGrp="1"/>
+          </p:cNvSpPr>
+          <p:nvPr>
+            <p:ph type="body" idx="1"/>
+          </p:nvPr>
+        </p:nvSpPr>
+        <p:spPr/>
+        <p:txBody>
+          <a:bodyPr/>
+          <a:lstStyle/>
+          <a:p>
+            <a:endParaRPr lang="en-US" dirty="0"/>
+          </a:p>
+        </p:txBody>
+      </p:sp>
+      <p:sp>
+        <p:nvSpPr>
+          <p:cNvPr id="4" name="Slide Number Placeholder 3"/>
+          <p:cNvSpPr>
+            <a:spLocks noGrp="1"/>
+          </p:cNvSpPr>
+          <p:nvPr>
+            <p:ph type="sldNum" sz="quarter" idx="10"/>
+          </p:nvPr>
+        </p:nvSpPr>
+        <p:spPr/>
+        <p:txBody>
+          <a:bodyPr/>
+          <a:lstStyle/>
+          <a:p>
+            <a:fld id="{0DEC71BC-50C3-43D2-8885-28C91E7E4DB0}" type="slidenum">
+              <a:rPr lang="en-US" smtClean="0"/>
+              <a:t>12</a:t>
+            </a:fld>
+            <a:endParaRPr lang="en-US"/>
+          </a:p>
+        </p:txBody>
+      </p:sp>
+    </p:spTree>
+    <p:extLst>
+      <p:ext uri="{BB962C8B-B14F-4D97-AF65-F5344CB8AC3E}">
+        <p14:creationId xmlns:p14="http://schemas.microsoft.com/office/powerpoint/2010/main" val="718543089"/>
+      </p:ext>
+    </p:extLst>
+  </p:cSld>
+  <p:clrMapOvr>
+    <a:masterClrMapping/>
+  </p:clrMapOvr>
+</p:notes>
+</file>
+
 <file path=ppt/slideLayouts/slideLayout1.xml><?xml version="1.0" encoding="utf-8"?>
 <p:sldLayout xmlns:a="http://schemas.openxmlformats.org/drawingml/2006/main" xmlns:r="http://schemas.openxmlformats.org/officeDocument/2006/relationships" xmlns:p="http://schemas.openxmlformats.org/presentationml/2006/main" showMasterSp="0" type="title" preserve="1">
   <p:cSld name="Title Slide">
@@ -8906,7 +9409,7 @@
           <a:p>
             <a:fld id="{E17AC606-863D-4346-A462-FAA7BDFFC6FE}" type="datetimeFigureOut">
               <a:rPr lang="en-US" smtClean="0"/>
-              <a:t>12/7/2016</a:t>
+              <a:t>12/10/2016</a:t>
             </a:fld>
             <a:endParaRPr lang="en-US"/>
           </a:p>
@@ -9139,7 +9642,7 @@
           <a:p>
             <a:fld id="{E17AC606-863D-4346-A462-FAA7BDFFC6FE}" type="datetimeFigureOut">
               <a:rPr lang="en-US" smtClean="0"/>
-              <a:t>12/7/2016</a:t>
+              <a:t>12/10/2016</a:t>
             </a:fld>
             <a:endParaRPr lang="en-US"/>
           </a:p>
@@ -9319,7 +9822,7 @@
           <a:p>
             <a:fld id="{E17AC606-863D-4346-A462-FAA7BDFFC6FE}" type="datetimeFigureOut">
               <a:rPr lang="en-US" smtClean="0"/>
-              <a:t>12/7/2016</a:t>
+              <a:t>12/10/2016</a:t>
             </a:fld>
             <a:endParaRPr lang="en-US"/>
           </a:p>
@@ -9489,7 +9992,7 @@
           <a:p>
             <a:fld id="{E17AC606-863D-4346-A462-FAA7BDFFC6FE}" type="datetimeFigureOut">
               <a:rPr lang="en-US" smtClean="0"/>
-              <a:t>12/7/2016</a:t>
+              <a:t>12/10/2016</a:t>
             </a:fld>
             <a:endParaRPr lang="en-US"/>
           </a:p>
@@ -9743,7 +10246,7 @@
           <a:p>
             <a:fld id="{E17AC606-863D-4346-A462-FAA7BDFFC6FE}" type="datetimeFigureOut">
               <a:rPr lang="en-US" smtClean="0"/>
-              <a:t>12/7/2016</a:t>
+              <a:t>12/10/2016</a:t>
             </a:fld>
             <a:endParaRPr lang="en-US"/>
           </a:p>
@@ -10069,7 +10572,7 @@
           <a:p>
             <a:fld id="{E17AC606-863D-4346-A462-FAA7BDFFC6FE}" type="datetimeFigureOut">
               <a:rPr lang="en-US" smtClean="0"/>
-              <a:t>12/7/2016</a:t>
+              <a:t>12/10/2016</a:t>
             </a:fld>
             <a:endParaRPr lang="en-US"/>
           </a:p>
@@ -10520,7 +11023,7 @@
           <a:p>
             <a:fld id="{E17AC606-863D-4346-A462-FAA7BDFFC6FE}" type="datetimeFigureOut">
               <a:rPr lang="en-US" smtClean="0"/>
-              <a:t>12/7/2016</a:t>
+              <a:t>12/10/2016</a:t>
             </a:fld>
             <a:endParaRPr lang="en-US"/>
           </a:p>
@@ -10638,7 +11141,7 @@
           <a:p>
             <a:fld id="{E17AC606-863D-4346-A462-FAA7BDFFC6FE}" type="datetimeFigureOut">
               <a:rPr lang="en-US" smtClean="0"/>
-              <a:t>12/7/2016</a:t>
+              <a:t>12/10/2016</a:t>
             </a:fld>
             <a:endParaRPr lang="en-US"/>
           </a:p>
@@ -10733,7 +11236,7 @@
           <a:p>
             <a:fld id="{E17AC606-863D-4346-A462-FAA7BDFFC6FE}" type="datetimeFigureOut">
               <a:rPr lang="en-US" smtClean="0"/>
-              <a:t>12/7/2016</a:t>
+              <a:t>12/10/2016</a:t>
             </a:fld>
             <a:endParaRPr lang="en-US"/>
           </a:p>
@@ -11025,7 +11528,7 @@
           <a:p>
             <a:fld id="{E17AC606-863D-4346-A462-FAA7BDFFC6FE}" type="datetimeFigureOut">
               <a:rPr lang="en-US" smtClean="0"/>
-              <a:t>12/7/2016</a:t>
+              <a:t>12/10/2016</a:t>
             </a:fld>
             <a:endParaRPr lang="en-US"/>
           </a:p>
@@ -11352,7 +11855,7 @@
           <a:p>
             <a:fld id="{E17AC606-863D-4346-A462-FAA7BDFFC6FE}" type="datetimeFigureOut">
               <a:rPr lang="en-US" smtClean="0"/>
-              <a:t>12/7/2016</a:t>
+              <a:t>12/10/2016</a:t>
             </a:fld>
             <a:endParaRPr lang="en-US"/>
           </a:p>
@@ -11606,7 +12109,7 @@
           <a:p>
             <a:fld id="{E17AC606-863D-4346-A462-FAA7BDFFC6FE}" type="datetimeFigureOut">
               <a:rPr lang="en-US" smtClean="0"/>
-              <a:t>12/7/2016</a:t>
+              <a:t>12/10/2016</a:t>
             </a:fld>
             <a:endParaRPr lang="en-US"/>
           </a:p>
@@ -12646,7 +13149,12 @@
             <p:ph type="title"/>
           </p:nvPr>
         </p:nvSpPr>
-        <p:spPr/>
+        <p:spPr>
+          <a:xfrm>
+            <a:off x="1261872" y="375385"/>
+            <a:ext cx="9692640" cy="1325562"/>
+          </a:xfrm>
+        </p:spPr>
         <p:txBody>
           <a:bodyPr/>
           <a:lstStyle/>
@@ -12669,7 +13177,7 @@
             <p:ph idx="1"/>
             <p:extLst>
               <p:ext uri="{D42A27DB-BD31-4B8C-83A1-F6EECF244321}">
-                <p14:modId xmlns:p14="http://schemas.microsoft.com/office/powerpoint/2010/main" val="1410530881"/>
+                <p14:modId xmlns:p14="http://schemas.microsoft.com/office/powerpoint/2010/main" val="2020812038"/>
               </p:ext>
             </p:extLst>
           </p:nvPr>
@@ -12721,6 +13229,32 @@
           <a:chExt cx="0" cy="0"/>
         </a:xfrm>
       </p:grpSpPr>
+      <p:pic>
+        <p:nvPicPr>
+          <p:cNvPr id="4" name="Content Placeholder 3"/>
+          <p:cNvPicPr>
+            <a:picLocks noGrp="1" noChangeAspect="1"/>
+          </p:cNvPicPr>
+          <p:nvPr>
+            <p:ph idx="1"/>
+          </p:nvPr>
+        </p:nvPicPr>
+        <p:blipFill>
+          <a:blip r:embed="rId3"/>
+          <a:stretch>
+            <a:fillRect/>
+          </a:stretch>
+        </p:blipFill>
+        <p:spPr>
+          <a:xfrm>
+            <a:off x="6856128" y="2274316"/>
+            <a:ext cx="4377516" cy="3538911"/>
+          </a:xfrm>
+          <a:prstGeom prst="rect">
+            <a:avLst/>
+          </a:prstGeom>
+        </p:spPr>
+      </p:pic>
       <p:sp>
         <p:nvSpPr>
           <p:cNvPr id="2" name="Title 1"/>
@@ -12731,117 +13265,208 @@
             <p:ph type="title"/>
           </p:nvPr>
         </p:nvSpPr>
-        <p:spPr/>
+        <p:spPr>
+          <a:xfrm>
+            <a:off x="1175247" y="365760"/>
+            <a:ext cx="9692640" cy="1325562"/>
+          </a:xfrm>
+        </p:spPr>
         <p:txBody>
           <a:bodyPr/>
           <a:lstStyle/>
           <a:p>
-            <a:endParaRPr lang="en-US"/>
+            <a:pPr lvl="0"/>
+            <a:r>
+              <a:rPr lang="en-US" dirty="0"/>
+              <a:t>Peer to </a:t>
+            </a:r>
+            <a:r>
+              <a:rPr lang="en-US" dirty="0" smtClean="0"/>
+              <a:t>Peer Distributed Database</a:t>
+            </a:r>
+            <a:endParaRPr lang="en-US" dirty="0"/>
           </a:p>
         </p:txBody>
       </p:sp>
       <p:sp>
         <p:nvSpPr>
-          <p:cNvPr id="3" name="Content Placeholder 2"/>
-          <p:cNvSpPr>
-            <a:spLocks noGrp="1"/>
-          </p:cNvSpPr>
-          <p:nvPr>
-            <p:ph idx="1"/>
-          </p:nvPr>
+          <p:cNvPr id="5" name="Rectangle 4"/>
+          <p:cNvSpPr/>
+          <p:nvPr/>
         </p:nvSpPr>
-        <p:spPr/>
+        <p:spPr>
+          <a:xfrm>
+            <a:off x="1155031" y="1722952"/>
+            <a:ext cx="6140917" cy="4524315"/>
+          </a:xfrm>
+          <a:prstGeom prst="rect">
+            <a:avLst/>
+          </a:prstGeom>
+        </p:spPr>
         <p:txBody>
-          <a:bodyPr>
-            <a:normAutofit/>
+          <a:bodyPr wrap="square">
+            <a:spAutoFit/>
           </a:bodyPr>
           <a:lstStyle/>
           <a:p>
-            <a:r>
-              <a:rPr lang="en-US" dirty="0" smtClean="0"/>
-              <a:t>Distributed database that acts as a ledger for all transactions for Bitcoins</a:t>
-            </a:r>
-          </a:p>
-          <a:p>
-            <a:r>
-              <a:rPr lang="en-US" dirty="0"/>
-              <a:t>continuously-growing list of ordered </a:t>
-            </a:r>
-            <a:r>
-              <a:rPr lang="en-US" dirty="0" err="1">
-                <a:hlinkClick r:id="rId2" tooltip="Record (computer science)"/>
-              </a:rPr>
-              <a:t>records</a:t>
-            </a:r>
-            <a:r>
-              <a:rPr lang="en-US" dirty="0" err="1"/>
-              <a:t>called</a:t>
-            </a:r>
-            <a:r>
-              <a:rPr lang="en-US" dirty="0"/>
-              <a:t> </a:t>
-            </a:r>
-            <a:r>
-              <a:rPr lang="en-US" i="1" dirty="0"/>
-              <a:t>blocks</a:t>
-            </a:r>
-            <a:r>
-              <a:rPr lang="en-US" dirty="0"/>
-              <a:t>. Each block contains a </a:t>
-            </a:r>
-            <a:r>
-              <a:rPr lang="en-US" dirty="0">
-                <a:hlinkClick r:id="rId3" tooltip="Trusted timestamping"/>
-              </a:rPr>
-              <a:t>timestamp</a:t>
-            </a:r>
-            <a:r>
-              <a:rPr lang="en-US" dirty="0"/>
-              <a:t> and a link to a previous block.</a:t>
-            </a:r>
-            <a:r>
-              <a:rPr lang="en-US" baseline="30000" dirty="0">
-                <a:hlinkClick r:id="rId4"/>
-              </a:rPr>
-              <a:t>[6]</a:t>
-            </a:r>
-            <a:r>
-              <a:rPr lang="en-US" baseline="30000" dirty="0"/>
-              <a:t>:6</a:t>
-            </a:r>
-            <a:r>
-              <a:rPr lang="en-US" dirty="0"/>
-              <a:t> By design </a:t>
-            </a:r>
-            <a:r>
-              <a:rPr lang="en-US" dirty="0" err="1"/>
-              <a:t>blockchains</a:t>
-            </a:r>
-            <a:r>
-              <a:rPr lang="en-US" dirty="0"/>
-              <a:t> are inherently resistant to modification of the data - once recorded, the data in a block cannot be altered retroactively</a:t>
-            </a:r>
-            <a:r>
-              <a:rPr lang="en-US" dirty="0" smtClean="0"/>
+            <a:pPr marL="285750" indent="-285750">
+              <a:buFont typeface="Wingdings" panose="05000000000000000000" pitchFamily="2" charset="2"/>
+              <a:buChar char="Ø"/>
+            </a:pPr>
+            <a:r>
+              <a:rPr lang="en-US" spc="10" dirty="0"/>
+              <a:t>A network of </a:t>
+            </a:r>
+            <a:r>
+              <a:rPr lang="en-US" spc="10" dirty="0" smtClean="0"/>
+              <a:t>computing </a:t>
+            </a:r>
+            <a:r>
+              <a:rPr lang="en-US" spc="10" dirty="0"/>
+              <a:t>“</a:t>
+            </a:r>
+            <a:r>
+              <a:rPr lang="en-US" b="1" spc="10" dirty="0"/>
+              <a:t>nodes</a:t>
+            </a:r>
+            <a:r>
+              <a:rPr lang="en-US" spc="10" dirty="0"/>
+              <a:t>” make up the blockchain</a:t>
+            </a:r>
+            <a:r>
+              <a:rPr lang="en-US" spc="10" dirty="0" smtClean="0"/>
               <a:t>.</a:t>
             </a:r>
-          </a:p>
-          <a:p>
-            <a:r>
-              <a:rPr lang="en-US" dirty="0" smtClean="0"/>
-              <a:t>The </a:t>
-            </a:r>
-            <a:r>
-              <a:rPr lang="en-US" dirty="0"/>
-              <a:t>blockchain database isn’t stored in any single location, meaning the records it keeps are truly public and easily verifiable. No centralized version of this information exists for a hacker to corrupt. Hosted by millions of computers simultaneously, its data is accessible to anyone on the internet.</a:t>
-            </a:r>
+            <a:endParaRPr lang="en-US" spc="10" dirty="0"/>
+          </a:p>
+          <a:p>
+            <a:pPr marL="285750" indent="-285750">
+              <a:buFont typeface="Wingdings" panose="05000000000000000000" pitchFamily="2" charset="2"/>
+              <a:buChar char="Ø"/>
+            </a:pPr>
+            <a:r>
+              <a:rPr lang="en-US" spc="10" dirty="0" smtClean="0"/>
+              <a:t>Computer </a:t>
+            </a:r>
+            <a:r>
+              <a:rPr lang="en-US" spc="10" dirty="0"/>
+              <a:t>connected to the blockchain network using a client </a:t>
+            </a:r>
+            <a:r>
+              <a:rPr lang="en-US" spc="10" dirty="0" smtClean="0"/>
+              <a:t>gets </a:t>
+            </a:r>
+            <a:r>
+              <a:rPr lang="en-US" spc="10" dirty="0"/>
+              <a:t>a copy of the blockchain, which gets downloaded automatically upon joining the blockchain network</a:t>
+            </a:r>
+            <a:r>
+              <a:rPr lang="en-US" spc="10" dirty="0" smtClean="0"/>
+              <a:t>.</a:t>
+            </a:r>
+          </a:p>
+          <a:p>
+            <a:pPr marL="285750" indent="-285750">
+              <a:buFont typeface="Wingdings" panose="05000000000000000000" pitchFamily="2" charset="2"/>
+              <a:buChar char="Ø"/>
+            </a:pPr>
+            <a:r>
+              <a:rPr lang="en-US" spc="10" dirty="0" smtClean="0"/>
+              <a:t>Every </a:t>
+            </a:r>
+            <a:r>
+              <a:rPr lang="en-US" spc="10" dirty="0"/>
+              <a:t>node is an “administrator” of the blockchain, and joins the network voluntarily (in this sense, the network is decentralized). </a:t>
+            </a:r>
+            <a:endParaRPr lang="en-US" spc="10" dirty="0" smtClean="0"/>
+          </a:p>
+          <a:p>
+            <a:pPr marL="285750" indent="-285750">
+              <a:buFont typeface="Wingdings" panose="05000000000000000000" pitchFamily="2" charset="2"/>
+              <a:buChar char="Ø"/>
+            </a:pPr>
+            <a:r>
+              <a:rPr lang="en-US" spc="10" dirty="0" smtClean="0"/>
+              <a:t>Nodes perform the </a:t>
+            </a:r>
+            <a:r>
+              <a:rPr lang="en-US" spc="10" dirty="0"/>
+              <a:t>task of validating and relaying </a:t>
+            </a:r>
+            <a:r>
+              <a:rPr lang="en-US" spc="10" dirty="0" smtClean="0"/>
+              <a:t>transactions</a:t>
+            </a:r>
+          </a:p>
+          <a:p>
+            <a:pPr marL="285750" indent="-285750">
+              <a:buFont typeface="Wingdings" panose="05000000000000000000" pitchFamily="2" charset="2"/>
+              <a:buChar char="Ø"/>
+            </a:pPr>
+            <a:r>
+              <a:rPr lang="en-US" spc="10" dirty="0" smtClean="0"/>
+              <a:t>Incentive for participating? </a:t>
+            </a:r>
+          </a:p>
+          <a:p>
+            <a:pPr marL="742950" lvl="1" indent="-285750">
+              <a:buFont typeface="Wingdings" panose="05000000000000000000" pitchFamily="2" charset="2"/>
+              <a:buChar char="§"/>
+            </a:pPr>
+            <a:r>
+              <a:rPr lang="en-US" spc="10" dirty="0" smtClean="0"/>
+              <a:t>the </a:t>
+            </a:r>
+            <a:r>
+              <a:rPr lang="en-US" spc="10" dirty="0"/>
+              <a:t>chance of winning </a:t>
+            </a:r>
+            <a:r>
+              <a:rPr lang="en-US" spc="10" dirty="0" smtClean="0"/>
+              <a:t>Bitcoins.</a:t>
+            </a:r>
+          </a:p>
+          <a:p>
+            <a:pPr marL="742950" lvl="1" indent="-285750">
+              <a:buFont typeface="Wingdings" panose="05000000000000000000" pitchFamily="2" charset="2"/>
+              <a:buChar char="§"/>
+            </a:pPr>
+            <a:r>
+              <a:rPr lang="en-US" spc="10" dirty="0" smtClean="0"/>
+              <a:t>Nodes </a:t>
+            </a:r>
+            <a:r>
+              <a:rPr lang="en-US" spc="10" dirty="0"/>
+              <a:t>are said to be “</a:t>
+            </a:r>
+            <a:r>
+              <a:rPr lang="en-US" b="1" spc="10" dirty="0"/>
+              <a:t>mining</a:t>
+            </a:r>
+            <a:r>
+              <a:rPr lang="en-US" spc="10" dirty="0"/>
+              <a:t>” </a:t>
+            </a:r>
+            <a:r>
+              <a:rPr lang="en-US" spc="10" dirty="0" smtClean="0"/>
+              <a:t>Bitcoin. In </a:t>
+            </a:r>
+            <a:r>
+              <a:rPr lang="en-US" spc="10" dirty="0"/>
+              <a:t>fact, each one is competing to win Bitcoins by solving computational puzzles</a:t>
+            </a:r>
+            <a:r>
+              <a:rPr lang="en-US" spc="10" dirty="0"/>
+              <a:t>.</a:t>
+            </a:r>
+            <a:endParaRPr lang="en-US" spc="10" dirty="0"/>
           </a:p>
         </p:txBody>
       </p:sp>
     </p:spTree>
     <p:extLst>
       <p:ext uri="{BB962C8B-B14F-4D97-AF65-F5344CB8AC3E}">
-        <p14:creationId xmlns:p14="http://schemas.microsoft.com/office/powerpoint/2010/main" val="858102487"/>
+        <p14:creationId xmlns:p14="http://schemas.microsoft.com/office/powerpoint/2010/main" val="2801238682"/>
       </p:ext>
     </p:extLst>
   </p:cSld>
@@ -12887,11 +13512,13 @@
         </p:nvSpPr>
         <p:spPr/>
         <p:txBody>
-          <a:bodyPr/>
+          <a:bodyPr vert="horz" lIns="91440" tIns="45720" rIns="91440" bIns="45720" rtlCol="0" anchor="b">
+            <a:normAutofit/>
+          </a:bodyPr>
           <a:lstStyle/>
           <a:p>
             <a:r>
-              <a:rPr lang="en-US" b="1" dirty="0" smtClean="0"/>
+              <a:rPr lang="en-US" dirty="0"/>
               <a:t>Transparent and incorruptible</a:t>
             </a:r>
             <a:endParaRPr lang="en-US" dirty="0"/>
@@ -12915,16 +13542,41 @@
           </a:bodyPr>
           <a:lstStyle/>
           <a:p>
+            <a:pPr marL="0" indent="0">
+              <a:buNone/>
+            </a:pPr>
             <a:r>
               <a:rPr lang="en-US" dirty="0" smtClean="0"/>
-              <a:t>The </a:t>
+              <a:t>A </a:t>
             </a:r>
             <a:r>
               <a:rPr lang="en-US" dirty="0"/>
-              <a:t>blockchain network lives in a state of consensus, one that automatically checks in with itself every ten minutes.  A kind of self-auditing ecosystem of digital value, the network reconciles every transaction that happens in ten minute intervals. Each group of these transactions is referred to as a “block”. Two important properties result from this:</a:t>
-            </a:r>
-          </a:p>
-          <a:p>
+              <a:t>kind of self-auditing ecosystem of digital value, the network reconciles every transaction that happens in ten minute intervals. </a:t>
+            </a:r>
+            <a:r>
+              <a:rPr lang="en-US" dirty="0" smtClean="0"/>
+              <a:t>Two </a:t>
+            </a:r>
+            <a:r>
+              <a:rPr lang="en-US" dirty="0"/>
+              <a:t>important properties result from this</a:t>
+            </a:r>
+            <a:r>
+              <a:rPr lang="en-US" dirty="0" smtClean="0"/>
+              <a:t>:</a:t>
+            </a:r>
+          </a:p>
+          <a:p>
+            <a:pPr marL="0" indent="0">
+              <a:buNone/>
+            </a:pPr>
+            <a:endParaRPr lang="en-US" dirty="0"/>
+          </a:p>
+          <a:p>
+            <a:pPr lvl="1">
+              <a:buFont typeface="Wingdings" panose="05000000000000000000" pitchFamily="2" charset="2"/>
+              <a:buChar char="Ø"/>
+            </a:pPr>
             <a:r>
               <a:rPr lang="en-US" b="1" dirty="0"/>
               <a:t>Transparency</a:t>
@@ -12937,11 +13589,30 @@
               <a:rPr lang="en-US" dirty="0"/>
             </a:br>
             <a:r>
+              <a:rPr lang="en-US" dirty="0" smtClean="0"/>
+              <a:t>Data </a:t>
+            </a:r>
+            <a:r>
               <a:rPr lang="en-US" dirty="0"/>
-              <a:t>data is embedded within network as a whole, by definition it is public.</a:t>
-            </a:r>
-          </a:p>
-          <a:p>
+              <a:t>is embedded within network as a whole, by definition it is public</a:t>
+            </a:r>
+            <a:r>
+              <a:rPr lang="en-US" dirty="0" smtClean="0"/>
+              <a:t>. Everyone knows about everyone else’s transactions.</a:t>
+            </a:r>
+          </a:p>
+          <a:p>
+            <a:pPr lvl="1">
+              <a:buFont typeface="Wingdings" panose="05000000000000000000" pitchFamily="2" charset="2"/>
+              <a:buChar char="Ø"/>
+            </a:pPr>
+            <a:endParaRPr lang="en-US" dirty="0"/>
+          </a:p>
+          <a:p>
+            <a:pPr lvl="1">
+              <a:buFont typeface="Wingdings" panose="05000000000000000000" pitchFamily="2" charset="2"/>
+              <a:buChar char="Ø"/>
+            </a:pPr>
             <a:r>
               <a:rPr lang="en-US" b="1" dirty="0"/>
               <a:t>It cannot be corrupted</a:t>
@@ -12954,9 +13625,18 @@
               <a:rPr lang="en-US" dirty="0"/>
             </a:br>
             <a:r>
+              <a:rPr lang="en-US" dirty="0" smtClean="0"/>
+              <a:t>Altering </a:t>
+            </a:r>
+            <a:r>
               <a:rPr lang="en-US" dirty="0"/>
-              <a:t>altering any unit of information on the blockchain would mean using a huge amount of computing power to override the entire network.</a:t>
-            </a:r>
+              <a:t>any unit of information on the blockchain would mean using a huge amount of computing power to override the entire network</a:t>
+            </a:r>
+            <a:r>
+              <a:rPr lang="en-US" dirty="0" smtClean="0"/>
+              <a:t>. Not impossible, but impractical!</a:t>
+            </a:r>
+            <a:endParaRPr lang="en-US" dirty="0"/>
           </a:p>
           <a:p>
             <a:endParaRPr lang="en-US" dirty="0"/>
@@ -13012,135 +13692,101 @@
         </p:nvSpPr>
         <p:spPr/>
         <p:txBody>
-          <a:bodyPr/>
+          <a:bodyPr vert="horz" lIns="91440" tIns="45720" rIns="91440" bIns="45720" rtlCol="0" anchor="b">
+            <a:normAutofit/>
+          </a:bodyPr>
           <a:lstStyle/>
           <a:p>
             <a:r>
-              <a:rPr lang="en-US" b="1" i="0" dirty="0" smtClean="0">
-                <a:solidFill>
-                  <a:srgbClr val="0A0A0A"/>
-                </a:solidFill>
-                <a:effectLst/>
-                <a:latin typeface="Montserrat"/>
-              </a:rPr>
-              <a:t>A network of nodes</a:t>
+              <a:rPr lang="en-US" dirty="0"/>
+              <a:t>Enhanced security</a:t>
             </a:r>
             <a:endParaRPr lang="en-US" dirty="0"/>
           </a:p>
         </p:txBody>
       </p:sp>
-      <p:pic>
-        <p:nvPicPr>
-          <p:cNvPr id="4" name="Content Placeholder 3"/>
-          <p:cNvPicPr>
-            <a:picLocks noGrp="1" noChangeAspect="1"/>
-          </p:cNvPicPr>
+      <p:sp>
+        <p:nvSpPr>
+          <p:cNvPr id="3" name="Content Placeholder 2"/>
+          <p:cNvSpPr>
+            <a:spLocks noGrp="1"/>
+          </p:cNvSpPr>
           <p:nvPr>
             <p:ph idx="1"/>
           </p:nvPr>
-        </p:nvPicPr>
-        <p:blipFill>
-          <a:blip r:embed="rId2"/>
-          <a:stretch>
-            <a:fillRect/>
-          </a:stretch>
-        </p:blipFill>
-        <p:spPr>
-          <a:xfrm>
-            <a:off x="3073400" y="1994694"/>
-            <a:ext cx="4972050" cy="4019550"/>
-          </a:xfrm>
-          <a:prstGeom prst="rect">
-            <a:avLst/>
-          </a:prstGeom>
-        </p:spPr>
-      </p:pic>
-      <p:sp>
-        <p:nvSpPr>
-          <p:cNvPr id="5" name="Rectangle 4"/>
-          <p:cNvSpPr/>
-          <p:nvPr/>
         </p:nvSpPr>
-        <p:spPr>
-          <a:xfrm>
-            <a:off x="838200" y="2274316"/>
-            <a:ext cx="6096000" cy="4524315"/>
-          </a:xfrm>
-          <a:prstGeom prst="rect">
-            <a:avLst/>
-          </a:prstGeom>
-        </p:spPr>
+        <p:spPr/>
         <p:txBody>
           <a:bodyPr>
-            <a:spAutoFit/>
+            <a:normAutofit/>
           </a:bodyPr>
           <a:lstStyle/>
           <a:p>
-            <a:r>
-              <a:rPr lang="en-US" b="0" i="0" dirty="0" smtClean="0">
-                <a:solidFill>
-                  <a:srgbClr val="0A0A0A"/>
-                </a:solidFill>
-                <a:effectLst/>
-                <a:latin typeface="Montserrat"/>
-              </a:rPr>
-              <a:t>A network of so-called computing “nodes” make up the blockchain.</a:t>
-            </a:r>
-          </a:p>
-          <a:p>
-            <a:endParaRPr lang="en-US" dirty="0">
-              <a:solidFill>
-                <a:srgbClr val="0A0A0A"/>
-              </a:solidFill>
-              <a:latin typeface="Montserrat"/>
-            </a:endParaRPr>
-          </a:p>
-          <a:p>
+            <a:pPr>
+              <a:buFont typeface="Wingdings" panose="05000000000000000000" pitchFamily="2" charset="2"/>
+              <a:buChar char="Ø"/>
+            </a:pPr>
+            <a:r>
+              <a:rPr lang="en-US" dirty="0" smtClean="0"/>
+              <a:t>Deal with anonymous strangers, the system is designed using mathematical functions. And this aspects removes the need for trust.</a:t>
+            </a:r>
+          </a:p>
+          <a:p>
+            <a:pPr>
+              <a:buFont typeface="Wingdings" panose="05000000000000000000" pitchFamily="2" charset="2"/>
+              <a:buChar char="Ø"/>
+            </a:pPr>
+            <a:r>
+              <a:rPr lang="en-US" dirty="0" smtClean="0"/>
+              <a:t>Blockchain </a:t>
+            </a:r>
             <a:r>
               <a:rPr lang="en-US" dirty="0"/>
-              <a:t>(computer connected to the blockchain network using a client that performs the task of validating and relaying transactions) gets a copy of the blockchain, which gets downloaded automatically upon joining the blockchain network</a:t>
+              <a:t>security methods use encryption technology.</a:t>
+            </a:r>
+          </a:p>
+          <a:p>
+            <a:pPr>
+              <a:buFont typeface="Wingdings" panose="05000000000000000000" pitchFamily="2" charset="2"/>
+              <a:buChar char="Ø"/>
+            </a:pPr>
+            <a:r>
+              <a:rPr lang="en-US" dirty="0"/>
+              <a:t>The basis for this are the so-called public and private “keys”. A “public key” (a long, randomly-generated string of numbers) is a users’ address on the blockchain. Bitcoins sent across the network gets recorded as belonging to that address. The “private key” is like a password that gives its owner access to their Bitcoin or other digital assets. </a:t>
+            </a:r>
+            <a:endParaRPr lang="en-US" dirty="0" smtClean="0"/>
+          </a:p>
+          <a:p>
+            <a:pPr>
+              <a:buFont typeface="Wingdings" panose="05000000000000000000" pitchFamily="2" charset="2"/>
+              <a:buChar char="Ø"/>
+            </a:pPr>
+            <a:r>
+              <a:rPr lang="en-US" dirty="0"/>
+              <a:t>P</a:t>
             </a:r>
             <a:r>
               <a:rPr lang="en-US" dirty="0" smtClean="0"/>
-              <a:t>.</a:t>
-            </a:r>
-          </a:p>
-          <a:p>
-            <a:endParaRPr lang="en-US" b="0" i="0" dirty="0">
-              <a:solidFill>
-                <a:srgbClr val="0A0A0A"/>
-              </a:solidFill>
-              <a:effectLst/>
-              <a:latin typeface="Montserrat"/>
-            </a:endParaRPr>
-          </a:p>
-          <a:p>
+              <a:t>rotecting </a:t>
+            </a:r>
             <a:r>
               <a:rPr lang="en-US" dirty="0"/>
-              <a:t>Every node is an “administrator” of the blockchain, and joins the network voluntarily (in this sense, the network is decentralized). However, each one has an incentive for participating on the network: the chance of winning Bitcoins.</a:t>
-            </a:r>
-          </a:p>
-          <a:p>
-            <a:r>
-              <a:rPr lang="en-US" dirty="0"/>
-              <a:t>Nodes are said to be “mining” Bitcoin, but the term is something of a misnomer. In fact, each one is competing to win Bitcoins by solving computational puzzles.</a:t>
-            </a:r>
-          </a:p>
-          <a:p>
-            <a:endParaRPr lang="en-US" b="0" i="0" dirty="0">
-              <a:solidFill>
-                <a:srgbClr val="0A0A0A"/>
-              </a:solidFill>
-              <a:effectLst/>
-              <a:latin typeface="Montserrat"/>
-            </a:endParaRPr>
+              <a:t>your digital assets will also require safeguarding of your private key by printing it out, creating what’s referred to as a paper wallet.</a:t>
+            </a:r>
+          </a:p>
+          <a:p>
+            <a:pPr>
+              <a:buFont typeface="Wingdings" panose="05000000000000000000" pitchFamily="2" charset="2"/>
+              <a:buChar char="Ø"/>
+            </a:pPr>
+            <a:endParaRPr lang="en-US" dirty="0"/>
           </a:p>
         </p:txBody>
       </p:sp>
     </p:spTree>
     <p:extLst>
       <p:ext uri="{BB962C8B-B14F-4D97-AF65-F5344CB8AC3E}">
-        <p14:creationId xmlns:p14="http://schemas.microsoft.com/office/powerpoint/2010/main" val="2801238682"/>
+        <p14:creationId xmlns:p14="http://schemas.microsoft.com/office/powerpoint/2010/main" val="1178355809"/>
       </p:ext>
     </p:extLst>
   </p:cSld>
@@ -13189,47 +13835,44 @@
           <a:bodyPr/>
           <a:lstStyle/>
           <a:p>
-            <a:endParaRPr lang="en-US"/>
+            <a:r>
+              <a:rPr lang="en-US" dirty="0" smtClean="0"/>
+              <a:t>Decentralized Consensus</a:t>
+            </a:r>
+            <a:endParaRPr lang="en-US" dirty="0"/>
           </a:p>
         </p:txBody>
       </p:sp>
-      <p:sp>
-        <p:nvSpPr>
-          <p:cNvPr id="3" name="Content Placeholder 2"/>
-          <p:cNvSpPr>
-            <a:spLocks noGrp="1"/>
-          </p:cNvSpPr>
+      <p:pic>
+        <p:nvPicPr>
+          <p:cNvPr id="4" name="Content Placeholder 3"/>
+          <p:cNvPicPr>
+            <a:picLocks noGrp="1" noChangeAspect="1"/>
+          </p:cNvPicPr>
           <p:nvPr>
             <p:ph idx="1"/>
           </p:nvPr>
-        </p:nvSpPr>
-        <p:spPr/>
-        <p:txBody>
-          <a:bodyPr>
-            <a:normAutofit/>
-          </a:bodyPr>
-          <a:lstStyle/>
-          <a:p>
-            <a:r>
-              <a:rPr lang="en-US" dirty="0"/>
-              <a:t>Miners collect transactions and put them into a single block. A block generally contains four pieces of information: a reference to the previous block, a summary of included transaction, a time stamp, and Proof of Work that went into creating the secure block. The blocks are strung together into a chain—a fluid chain that does not allow for any inconsistencies; this means there are no “bad </a:t>
-            </a:r>
-            <a:r>
-              <a:rPr lang="en-US" dirty="0" err="1"/>
-              <a:t>cheques</a:t>
-            </a:r>
-            <a:r>
-              <a:rPr lang="en-US" dirty="0"/>
-              <a:t>” in the system, and transactions entered are necessarily valid and can be processed. By checking the blockchain and confirming transactions, the entire system is effectively self-regulated and fully secure. No, that doesn’t mean some kid cooped up in a basement can just click “okay” and confirm a billion dollar transfer. Blocks generally need numerous independent confirmations, and the equations are intended to be hard to crack. Not to mention, the hardware required is far more specialized than the average laptop. Finally, what’s to stop someone from simply going back and editing existing blocks? Each block is securely hashed—meaning it is rendered into seeming gibberish and nearly impossible to invert or undo. Once it’s in the blockchain, it’s there forever.</a:t>
-            </a:r>
-            <a:endParaRPr lang="en-US" dirty="0"/>
-          </a:p>
-        </p:txBody>
-      </p:sp>
+        </p:nvPicPr>
+        <p:blipFill>
+          <a:blip r:embed="rId2"/>
+          <a:stretch>
+            <a:fillRect/>
+          </a:stretch>
+        </p:blipFill>
+        <p:spPr>
+          <a:xfrm>
+            <a:off x="6312159" y="2454442"/>
+            <a:ext cx="4642353" cy="2406316"/>
+          </a:xfrm>
+          <a:prstGeom prst="rect">
+            <a:avLst/>
+          </a:prstGeom>
+        </p:spPr>
+      </p:pic>
     </p:spTree>
     <p:extLst>
       <p:ext uri="{BB962C8B-B14F-4D97-AF65-F5344CB8AC3E}">
-        <p14:creationId xmlns:p14="http://schemas.microsoft.com/office/powerpoint/2010/main" val="3068238615"/>
+        <p14:creationId xmlns:p14="http://schemas.microsoft.com/office/powerpoint/2010/main" val="4096729174"/>
       </p:ext>
     </p:extLst>
   </p:cSld>
@@ -13247,325 +13890,6 @@
 </file>
 
 <file path=ppt/slides/slide16.xml><?xml version="1.0" encoding="utf-8"?>
-<p:sld xmlns:a="http://schemas.openxmlformats.org/drawingml/2006/main" xmlns:r="http://schemas.openxmlformats.org/officeDocument/2006/relationships" xmlns:p="http://schemas.openxmlformats.org/presentationml/2006/main">
-  <p:cSld>
-    <p:spTree>
-      <p:nvGrpSpPr>
-        <p:cNvPr id="1" name=""/>
-        <p:cNvGrpSpPr/>
-        <p:nvPr/>
-      </p:nvGrpSpPr>
-      <p:grpSpPr>
-        <a:xfrm>
-          <a:off x="0" y="0"/>
-          <a:ext cx="0" cy="0"/>
-          <a:chOff x="0" y="0"/>
-          <a:chExt cx="0" cy="0"/>
-        </a:xfrm>
-      </p:grpSpPr>
-      <p:sp>
-        <p:nvSpPr>
-          <p:cNvPr id="2" name="Title 1"/>
-          <p:cNvSpPr>
-            <a:spLocks noGrp="1"/>
-          </p:cNvSpPr>
-          <p:nvPr>
-            <p:ph type="title"/>
-          </p:nvPr>
-        </p:nvSpPr>
-        <p:spPr/>
-        <p:txBody>
-          <a:bodyPr/>
-          <a:lstStyle/>
-          <a:p>
-            <a:r>
-              <a:rPr lang="en-US" b="1" dirty="0" smtClean="0"/>
-              <a:t>Who will use the blockchain?</a:t>
-            </a:r>
-            <a:endParaRPr lang="en-US" dirty="0"/>
-          </a:p>
-        </p:txBody>
-      </p:sp>
-      <p:sp>
-        <p:nvSpPr>
-          <p:cNvPr id="3" name="Content Placeholder 2"/>
-          <p:cNvSpPr>
-            <a:spLocks noGrp="1"/>
-          </p:cNvSpPr>
-          <p:nvPr>
-            <p:ph idx="1"/>
-          </p:nvPr>
-        </p:nvSpPr>
-        <p:spPr/>
-        <p:txBody>
-          <a:bodyPr>
-            <a:normAutofit lnSpcReduction="10000"/>
-          </a:bodyPr>
-          <a:lstStyle/>
-          <a:p>
-            <a:r>
-              <a:rPr lang="en-US" dirty="0" smtClean="0"/>
-              <a:t>As </a:t>
-            </a:r>
-            <a:r>
-              <a:rPr lang="en-US" dirty="0"/>
-              <a:t>web infrastructure, you don’t need to know about the blockchain for it to be useful in your life.</a:t>
-            </a:r>
-          </a:p>
-          <a:p>
-            <a:r>
-              <a:rPr lang="en-US" dirty="0"/>
-              <a:t>Currently, finance offers the strongest use cases for the technology. International remittances, for instance. The World Bank estimates that over $430 billion US in money transfers were sent in 2015.</a:t>
-            </a:r>
-          </a:p>
-          <a:p>
-            <a:r>
-              <a:rPr lang="en-US" dirty="0"/>
-              <a:t>The blockchain potentially cuts out the middleman for these types of transactions.  Personal computing became accessible to the general public with the invention of the Graphical User Interface (GUI), which took the form of a “desktop”. Similarly, the most common GUI devised for the blockchain are the so-called “wallet” applications, which people use to buy things with Bitcoin, and store it along with other cryptocurrencies.</a:t>
-            </a:r>
-          </a:p>
-          <a:p>
-            <a:r>
-              <a:rPr lang="en-US" dirty="0"/>
-              <a:t>Transactions online are closely connected to the processes of identity verification. It is easy to imagine that wallet apps will transform in the coming years to include other types of identity management.</a:t>
-            </a:r>
-          </a:p>
-          <a:p>
-            <a:endParaRPr lang="en-US" dirty="0"/>
-          </a:p>
-        </p:txBody>
-      </p:sp>
-    </p:spTree>
-    <p:extLst>
-      <p:ext uri="{BB962C8B-B14F-4D97-AF65-F5344CB8AC3E}">
-        <p14:creationId xmlns:p14="http://schemas.microsoft.com/office/powerpoint/2010/main" val="1937949944"/>
-      </p:ext>
-    </p:extLst>
-  </p:cSld>
-  <p:clrMapOvr>
-    <a:masterClrMapping/>
-  </p:clrMapOvr>
-  <p:timing>
-    <p:tnLst>
-      <p:par>
-        <p:cTn id="1" dur="indefinite" restart="never" nodeType="tmRoot"/>
-      </p:par>
-    </p:tnLst>
-  </p:timing>
-</p:sld>
-</file>
-
-<file path=ppt/slides/slide17.xml><?xml version="1.0" encoding="utf-8"?>
-<p:sld xmlns:a="http://schemas.openxmlformats.org/drawingml/2006/main" xmlns:r="http://schemas.openxmlformats.org/officeDocument/2006/relationships" xmlns:p="http://schemas.openxmlformats.org/presentationml/2006/main">
-  <p:cSld>
-    <p:spTree>
-      <p:nvGrpSpPr>
-        <p:cNvPr id="1" name=""/>
-        <p:cNvGrpSpPr/>
-        <p:nvPr/>
-      </p:nvGrpSpPr>
-      <p:grpSpPr>
-        <a:xfrm>
-          <a:off x="0" y="0"/>
-          <a:ext cx="0" cy="0"/>
-          <a:chOff x="0" y="0"/>
-          <a:chExt cx="0" cy="0"/>
-        </a:xfrm>
-      </p:grpSpPr>
-      <p:sp>
-        <p:nvSpPr>
-          <p:cNvPr id="2" name="Title 1"/>
-          <p:cNvSpPr>
-            <a:spLocks noGrp="1"/>
-          </p:cNvSpPr>
-          <p:nvPr>
-            <p:ph type="title"/>
-          </p:nvPr>
-        </p:nvSpPr>
-        <p:spPr/>
-        <p:txBody>
-          <a:bodyPr/>
-          <a:lstStyle/>
-          <a:p>
-            <a:r>
-              <a:rPr lang="en-US" b="1" dirty="0" smtClean="0"/>
-              <a:t>Enhanced security</a:t>
-            </a:r>
-            <a:endParaRPr lang="en-US" dirty="0"/>
-          </a:p>
-        </p:txBody>
-      </p:sp>
-      <p:sp>
-        <p:nvSpPr>
-          <p:cNvPr id="3" name="Content Placeholder 2"/>
-          <p:cNvSpPr>
-            <a:spLocks noGrp="1"/>
-          </p:cNvSpPr>
-          <p:nvPr>
-            <p:ph idx="1"/>
-          </p:nvPr>
-        </p:nvSpPr>
-        <p:spPr/>
-        <p:txBody>
-          <a:bodyPr>
-            <a:normAutofit lnSpcReduction="10000"/>
-          </a:bodyPr>
-          <a:lstStyle/>
-          <a:p>
-            <a:r>
-              <a:rPr lang="en-US" dirty="0" smtClean="0"/>
-              <a:t>By </a:t>
-            </a:r>
-            <a:r>
-              <a:rPr lang="en-US" dirty="0"/>
-              <a:t>storing data across its network, the blockchain eliminates the risks that come with data being held centrally.</a:t>
-            </a:r>
-          </a:p>
-          <a:p>
-            <a:r>
-              <a:rPr lang="en-US" dirty="0"/>
-              <a:t>Its network lacks centralized points of vulnerability that computer hackers can exploit. Today’s internet has security problems that are familiar to everyone. We all rely on the “username/password” system to protect our identity and assets online. Blockchain security methods use encryption technology.</a:t>
-            </a:r>
-          </a:p>
-          <a:p>
-            <a:r>
-              <a:rPr lang="en-US" dirty="0"/>
-              <a:t>The basis for this are the so-called public and private “keys”. A “public key” (a long, randomly-generated string of numbers) is a users’ address on the blockchain. Bitcoins sent across the network gets recorded as belonging to that address. The “private key” is like a password that gives its owner access to their Bitcoin or other digital assets. Store your data on the blockchain and it is incorruptible. This is true, although protecting your digital assets will also require safeguarding of your private key by printing it out, creating what’s referred to as a paper wallet.</a:t>
-            </a:r>
-          </a:p>
-          <a:p>
-            <a:endParaRPr lang="en-US" dirty="0"/>
-          </a:p>
-        </p:txBody>
-      </p:sp>
-    </p:spTree>
-    <p:extLst>
-      <p:ext uri="{BB962C8B-B14F-4D97-AF65-F5344CB8AC3E}">
-        <p14:creationId xmlns:p14="http://schemas.microsoft.com/office/powerpoint/2010/main" val="1178355809"/>
-      </p:ext>
-    </p:extLst>
-  </p:cSld>
-  <p:clrMapOvr>
-    <a:masterClrMapping/>
-  </p:clrMapOvr>
-  <p:timing>
-    <p:tnLst>
-      <p:par>
-        <p:cTn id="1" dur="indefinite" restart="never" nodeType="tmRoot"/>
-      </p:par>
-    </p:tnLst>
-  </p:timing>
-</p:sld>
-</file>
-
-<file path=ppt/slides/slide18.xml><?xml version="1.0" encoding="utf-8"?>
-<p:sld xmlns:a="http://schemas.openxmlformats.org/drawingml/2006/main" xmlns:r="http://schemas.openxmlformats.org/officeDocument/2006/relationships" xmlns:p="http://schemas.openxmlformats.org/presentationml/2006/main">
-  <p:cSld>
-    <p:spTree>
-      <p:nvGrpSpPr>
-        <p:cNvPr id="1" name=""/>
-        <p:cNvGrpSpPr/>
-        <p:nvPr/>
-      </p:nvGrpSpPr>
-      <p:grpSpPr>
-        <a:xfrm>
-          <a:off x="0" y="0"/>
-          <a:ext cx="0" cy="0"/>
-          <a:chOff x="0" y="0"/>
-          <a:chExt cx="0" cy="0"/>
-        </a:xfrm>
-      </p:grpSpPr>
-      <p:sp>
-        <p:nvSpPr>
-          <p:cNvPr id="2" name="Title 1"/>
-          <p:cNvSpPr>
-            <a:spLocks noGrp="1"/>
-          </p:cNvSpPr>
-          <p:nvPr>
-            <p:ph type="title"/>
-          </p:nvPr>
-        </p:nvSpPr>
-        <p:spPr/>
-        <p:txBody>
-          <a:bodyPr/>
-          <a:lstStyle/>
-          <a:p>
-            <a:endParaRPr lang="en-US"/>
-          </a:p>
-        </p:txBody>
-      </p:sp>
-      <p:sp>
-        <p:nvSpPr>
-          <p:cNvPr id="3" name="Content Placeholder 2"/>
-          <p:cNvSpPr>
-            <a:spLocks noGrp="1"/>
-          </p:cNvSpPr>
-          <p:nvPr>
-            <p:ph idx="1"/>
-          </p:nvPr>
-        </p:nvSpPr>
-        <p:spPr/>
-        <p:txBody>
-          <a:bodyPr>
-            <a:normAutofit/>
-          </a:bodyPr>
-          <a:lstStyle/>
-          <a:p>
-            <a:r>
-              <a:rPr lang="en-US" b="1" dirty="0"/>
-              <a:t>A second-level network</a:t>
-            </a:r>
-          </a:p>
-          <a:p>
-            <a:r>
-              <a:rPr lang="en-US" dirty="0"/>
-              <a:t>With blockchain technology, the web gains a new layer of functionality.</a:t>
-            </a:r>
-          </a:p>
-          <a:p>
-            <a:r>
-              <a:rPr lang="en-US" dirty="0"/>
-              <a:t>Already, users can transact directly with one another — Bitcoin transactions in 2016 averaged over $200,000 US per day. With the added security brought by the blockchain new internet business are on track to unbundle the traditional institutions of finance.</a:t>
-            </a:r>
-          </a:p>
-          <a:p>
-            <a:r>
-              <a:rPr lang="en-US" dirty="0"/>
-              <a:t>Goldman Sachs believes that blockchain technology holds great potential especially to optimize clearing and settlements, and could represent global savings of up to $6bn per year.</a:t>
-            </a:r>
-          </a:p>
-          <a:p>
-            <a:r>
-              <a:rPr lang="en-US" dirty="0"/>
-              <a:t> </a:t>
-            </a:r>
-          </a:p>
-          <a:p>
-            <a:endParaRPr lang="en-US" dirty="0"/>
-          </a:p>
-        </p:txBody>
-      </p:sp>
-    </p:spTree>
-    <p:extLst>
-      <p:ext uri="{BB962C8B-B14F-4D97-AF65-F5344CB8AC3E}">
-        <p14:creationId xmlns:p14="http://schemas.microsoft.com/office/powerpoint/2010/main" val="156406115"/>
-      </p:ext>
-    </p:extLst>
-  </p:cSld>
-  <p:clrMapOvr>
-    <a:masterClrMapping/>
-  </p:clrMapOvr>
-  <p:timing>
-    <p:tnLst>
-      <p:par>
-        <p:cTn id="1" dur="indefinite" restart="never" nodeType="tmRoot"/>
-      </p:par>
-    </p:tnLst>
-  </p:timing>
-</p:sld>
-</file>
-
-<file path=ppt/slides/slide19.xml><?xml version="1.0" encoding="utf-8"?>
 <p:sld xmlns:a="http://schemas.openxmlformats.org/drawingml/2006/main" xmlns:r="http://schemas.openxmlformats.org/officeDocument/2006/relationships" xmlns:p="http://schemas.openxmlformats.org/presentationml/2006/main">
   <p:cSld>
     <p:spTree>
@@ -13643,6 +13967,545 @@
 </p:sld>
 </file>
 
+<file path=ppt/slides/slide17.xml><?xml version="1.0" encoding="utf-8"?>
+<p:sld xmlns:a="http://schemas.openxmlformats.org/drawingml/2006/main" xmlns:r="http://schemas.openxmlformats.org/officeDocument/2006/relationships" xmlns:p="http://schemas.openxmlformats.org/presentationml/2006/main">
+  <p:cSld>
+    <p:spTree>
+      <p:nvGrpSpPr>
+        <p:cNvPr id="1" name=""/>
+        <p:cNvGrpSpPr/>
+        <p:nvPr/>
+      </p:nvGrpSpPr>
+      <p:grpSpPr>
+        <a:xfrm>
+          <a:off x="0" y="0"/>
+          <a:ext cx="0" cy="0"/>
+          <a:chOff x="0" y="0"/>
+          <a:chExt cx="0" cy="0"/>
+        </a:xfrm>
+      </p:grpSpPr>
+      <p:sp>
+        <p:nvSpPr>
+          <p:cNvPr id="2" name="Title 1"/>
+          <p:cNvSpPr>
+            <a:spLocks noGrp="1"/>
+          </p:cNvSpPr>
+          <p:nvPr>
+            <p:ph type="title"/>
+          </p:nvPr>
+        </p:nvSpPr>
+        <p:spPr/>
+        <p:txBody>
+          <a:bodyPr/>
+          <a:lstStyle/>
+          <a:p>
+            <a:r>
+              <a:rPr lang="en-US" dirty="0" smtClean="0"/>
+              <a:t>Agenda</a:t>
+            </a:r>
+            <a:endParaRPr lang="en-US" dirty="0"/>
+          </a:p>
+        </p:txBody>
+      </p:sp>
+      <p:sp>
+        <p:nvSpPr>
+          <p:cNvPr id="3" name="Content Placeholder 2"/>
+          <p:cNvSpPr>
+            <a:spLocks noGrp="1"/>
+          </p:cNvSpPr>
+          <p:nvPr>
+            <p:ph idx="1"/>
+          </p:nvPr>
+        </p:nvSpPr>
+        <p:spPr/>
+        <p:txBody>
+          <a:bodyPr/>
+          <a:lstStyle/>
+          <a:p>
+            <a:pPr>
+              <a:buFont typeface="Wingdings" panose="05000000000000000000" pitchFamily="2" charset="2"/>
+              <a:buChar char="Ø"/>
+            </a:pPr>
+            <a:r>
+              <a:rPr lang="en-US" dirty="0" smtClean="0"/>
+              <a:t>Introduction</a:t>
+            </a:r>
+          </a:p>
+          <a:p>
+            <a:pPr>
+              <a:buFont typeface="Wingdings" panose="05000000000000000000" pitchFamily="2" charset="2"/>
+              <a:buChar char="Ø"/>
+            </a:pPr>
+            <a:r>
+              <a:rPr lang="en-US" dirty="0"/>
+              <a:t>Motivation</a:t>
+            </a:r>
+          </a:p>
+          <a:p>
+            <a:pPr>
+              <a:buFont typeface="Wingdings" panose="05000000000000000000" pitchFamily="2" charset="2"/>
+              <a:buChar char="Ø"/>
+            </a:pPr>
+            <a:r>
+              <a:rPr lang="en-US" dirty="0"/>
+              <a:t>Technical Overview</a:t>
+            </a:r>
+          </a:p>
+          <a:p>
+            <a:pPr>
+              <a:buFont typeface="Wingdings" panose="05000000000000000000" pitchFamily="2" charset="2"/>
+              <a:buChar char="Ø"/>
+            </a:pPr>
+            <a:r>
+              <a:rPr lang="en-US" dirty="0" smtClean="0">
+                <a:solidFill>
+                  <a:srgbClr val="FF0000"/>
+                </a:solidFill>
+              </a:rPr>
+              <a:t>Detailed Feature Descriptions</a:t>
+            </a:r>
+          </a:p>
+          <a:p>
+            <a:pPr>
+              <a:buFont typeface="Wingdings" panose="05000000000000000000" pitchFamily="2" charset="2"/>
+              <a:buChar char="Ø"/>
+            </a:pPr>
+            <a:r>
+              <a:rPr lang="en-US" dirty="0" smtClean="0"/>
+              <a:t>Strengths/Weaknesses</a:t>
+            </a:r>
+          </a:p>
+          <a:p>
+            <a:pPr>
+              <a:buFont typeface="Wingdings" panose="05000000000000000000" pitchFamily="2" charset="2"/>
+              <a:buChar char="Ø"/>
+            </a:pPr>
+            <a:r>
+              <a:rPr lang="en-US" dirty="0" smtClean="0"/>
+              <a:t>Future scope</a:t>
+            </a:r>
+            <a:endParaRPr lang="en-US" dirty="0"/>
+          </a:p>
+        </p:txBody>
+      </p:sp>
+    </p:spTree>
+    <p:extLst>
+      <p:ext uri="{BB962C8B-B14F-4D97-AF65-F5344CB8AC3E}">
+        <p14:creationId xmlns:p14="http://schemas.microsoft.com/office/powerpoint/2010/main" val="3339893914"/>
+      </p:ext>
+    </p:extLst>
+  </p:cSld>
+  <p:clrMapOvr>
+    <a:masterClrMapping/>
+  </p:clrMapOvr>
+  <p:timing>
+    <p:tnLst>
+      <p:par>
+        <p:cTn id="1" dur="indefinite" restart="never" nodeType="tmRoot"/>
+      </p:par>
+    </p:tnLst>
+  </p:timing>
+</p:sld>
+</file>
+
+<file path=ppt/slides/slide18.xml><?xml version="1.0" encoding="utf-8"?>
+<p:sld xmlns:a="http://schemas.openxmlformats.org/drawingml/2006/main" xmlns:r="http://schemas.openxmlformats.org/officeDocument/2006/relationships" xmlns:p="http://schemas.openxmlformats.org/presentationml/2006/main">
+  <p:cSld>
+    <p:spTree>
+      <p:nvGrpSpPr>
+        <p:cNvPr id="1" name=""/>
+        <p:cNvGrpSpPr/>
+        <p:nvPr/>
+      </p:nvGrpSpPr>
+      <p:grpSpPr>
+        <a:xfrm>
+          <a:off x="0" y="0"/>
+          <a:ext cx="0" cy="0"/>
+          <a:chOff x="0" y="0"/>
+          <a:chExt cx="0" cy="0"/>
+        </a:xfrm>
+      </p:grpSpPr>
+      <p:sp>
+        <p:nvSpPr>
+          <p:cNvPr id="3" name="Content Placeholder 2"/>
+          <p:cNvSpPr>
+            <a:spLocks noGrp="1"/>
+          </p:cNvSpPr>
+          <p:nvPr>
+            <p:ph idx="1"/>
+          </p:nvPr>
+        </p:nvSpPr>
+        <p:spPr/>
+        <p:txBody>
+          <a:bodyPr/>
+          <a:lstStyle/>
+          <a:p>
+            <a:pPr marL="0" indent="0">
+              <a:buNone/>
+            </a:pPr>
+            <a:endParaRPr lang="en-US" dirty="0" smtClean="0"/>
+          </a:p>
+          <a:p>
+            <a:pPr marL="0" indent="0">
+              <a:buNone/>
+            </a:pPr>
+            <a:endParaRPr lang="en-US" dirty="0"/>
+          </a:p>
+          <a:p>
+            <a:pPr marL="0" indent="0">
+              <a:buNone/>
+            </a:pPr>
+            <a:endParaRPr lang="en-US" dirty="0" smtClean="0"/>
+          </a:p>
+          <a:p>
+            <a:pPr marL="0" indent="0">
+              <a:buNone/>
+            </a:pPr>
+            <a:r>
+              <a:rPr lang="en-US" sz="2000" dirty="0" smtClean="0"/>
+              <a:t>How can a random group of strangers manage each other’s financial transactions?</a:t>
+            </a:r>
+            <a:endParaRPr lang="en-US" sz="2000" dirty="0"/>
+          </a:p>
+        </p:txBody>
+      </p:sp>
+    </p:spTree>
+    <p:extLst>
+      <p:ext uri="{BB962C8B-B14F-4D97-AF65-F5344CB8AC3E}">
+        <p14:creationId xmlns:p14="http://schemas.microsoft.com/office/powerpoint/2010/main" val="3352378313"/>
+      </p:ext>
+    </p:extLst>
+  </p:cSld>
+  <p:clrMapOvr>
+    <a:masterClrMapping/>
+  </p:clrMapOvr>
+  <p:timing>
+    <p:tnLst>
+      <p:par>
+        <p:cTn id="1" dur="indefinite" restart="never" nodeType="tmRoot"/>
+      </p:par>
+    </p:tnLst>
+  </p:timing>
+</p:sld>
+</file>
+
+<file path=ppt/slides/slide19.xml><?xml version="1.0" encoding="utf-8"?>
+<p:sld xmlns:a="http://schemas.openxmlformats.org/drawingml/2006/main" xmlns:r="http://schemas.openxmlformats.org/officeDocument/2006/relationships" xmlns:p="http://schemas.openxmlformats.org/presentationml/2006/main">
+  <p:cSld>
+    <p:spTree>
+      <p:nvGrpSpPr>
+        <p:cNvPr id="1" name=""/>
+        <p:cNvGrpSpPr/>
+        <p:nvPr/>
+      </p:nvGrpSpPr>
+      <p:grpSpPr>
+        <a:xfrm>
+          <a:off x="0" y="0"/>
+          <a:ext cx="0" cy="0"/>
+          <a:chOff x="0" y="0"/>
+          <a:chExt cx="0" cy="0"/>
+        </a:xfrm>
+      </p:grpSpPr>
+      <p:sp>
+        <p:nvSpPr>
+          <p:cNvPr id="2" name="Title 1"/>
+          <p:cNvSpPr>
+            <a:spLocks noGrp="1"/>
+          </p:cNvSpPr>
+          <p:nvPr>
+            <p:ph type="title"/>
+          </p:nvPr>
+        </p:nvSpPr>
+        <p:spPr/>
+        <p:txBody>
+          <a:bodyPr/>
+          <a:lstStyle/>
+          <a:p>
+            <a:r>
+              <a:rPr lang="en-US" dirty="0" smtClean="0"/>
+              <a:t>Sending</a:t>
+            </a:r>
+            <a:endParaRPr lang="en-US" dirty="0"/>
+          </a:p>
+        </p:txBody>
+      </p:sp>
+      <p:sp>
+        <p:nvSpPr>
+          <p:cNvPr id="3" name="Content Placeholder 2"/>
+          <p:cNvSpPr>
+            <a:spLocks noGrp="1"/>
+          </p:cNvSpPr>
+          <p:nvPr>
+            <p:ph idx="1"/>
+          </p:nvPr>
+        </p:nvSpPr>
+        <p:spPr/>
+        <p:txBody>
+          <a:bodyPr/>
+          <a:lstStyle/>
+          <a:p>
+            <a:endParaRPr lang="en-US" dirty="0" smtClean="0"/>
+          </a:p>
+          <a:p>
+            <a:endParaRPr lang="en-US" dirty="0"/>
+          </a:p>
+          <a:p>
+            <a:endParaRPr lang="en-US" dirty="0" smtClean="0"/>
+          </a:p>
+          <a:p>
+            <a:pPr marL="0" indent="0">
+              <a:buNone/>
+            </a:pPr>
+            <a:endParaRPr lang="en-US" dirty="0" smtClean="0"/>
+          </a:p>
+          <a:p>
+            <a:pPr marL="0" indent="0">
+              <a:buNone/>
+            </a:pPr>
+            <a:endParaRPr lang="en-US" dirty="0"/>
+          </a:p>
+          <a:p>
+            <a:pPr marL="0" indent="0">
+              <a:buNone/>
+            </a:pPr>
+            <a:r>
+              <a:rPr lang="en-US" dirty="0" smtClean="0"/>
+              <a:t>Every node that receives this information, will update their copy of the ledger and pass along the information!</a:t>
+            </a:r>
+            <a:endParaRPr lang="en-US" dirty="0"/>
+          </a:p>
+        </p:txBody>
+      </p:sp>
+      <p:sp>
+        <p:nvSpPr>
+          <p:cNvPr id="5" name="TextBox 4"/>
+          <p:cNvSpPr txBox="1"/>
+          <p:nvPr/>
+        </p:nvSpPr>
+        <p:spPr>
+          <a:xfrm>
+            <a:off x="2309098" y="2733574"/>
+            <a:ext cx="2762451" cy="369332"/>
+          </a:xfrm>
+          <a:prstGeom prst="rect">
+            <a:avLst/>
+          </a:prstGeom>
+          <a:noFill/>
+          <a:ln w="3175">
+            <a:solidFill>
+              <a:schemeClr val="tx1"/>
+            </a:solidFill>
+          </a:ln>
+        </p:spPr>
+        <p:txBody>
+          <a:bodyPr wrap="square" rtlCol="0">
+            <a:spAutoFit/>
+          </a:bodyPr>
+          <a:lstStyle/>
+          <a:p>
+            <a:r>
+              <a:rPr lang="en-US" dirty="0" smtClean="0"/>
+              <a:t>Alice </a:t>
+            </a:r>
+            <a:r>
+              <a:rPr lang="en-US" dirty="0" smtClean="0">
+                <a:sym typeface="Wingdings" panose="05000000000000000000" pitchFamily="2" charset="2"/>
+              </a:rPr>
+              <a:t></a:t>
+            </a:r>
+            <a:r>
+              <a:rPr lang="en-US" dirty="0" smtClean="0"/>
+              <a:t> Bob      5.0 BTC</a:t>
+            </a:r>
+            <a:endParaRPr lang="en-US" dirty="0"/>
+          </a:p>
+        </p:txBody>
+      </p:sp>
+      <p:sp>
+        <p:nvSpPr>
+          <p:cNvPr id="6" name="Cloud 5"/>
+          <p:cNvSpPr/>
+          <p:nvPr/>
+        </p:nvSpPr>
+        <p:spPr>
+          <a:xfrm>
+            <a:off x="5351645" y="2435191"/>
+            <a:ext cx="4225491" cy="991402"/>
+          </a:xfrm>
+          <a:prstGeom prst="cloud">
+            <a:avLst/>
+          </a:prstGeom>
+        </p:spPr>
+        <p:style>
+          <a:lnRef idx="2">
+            <a:schemeClr val="accent1">
+              <a:shade val="50000"/>
+            </a:schemeClr>
+          </a:lnRef>
+          <a:fillRef idx="1">
+            <a:schemeClr val="accent1"/>
+          </a:fillRef>
+          <a:effectRef idx="0">
+            <a:schemeClr val="accent1"/>
+          </a:effectRef>
+          <a:fontRef idx="minor">
+            <a:schemeClr val="lt1"/>
+          </a:fontRef>
+        </p:style>
+        <p:txBody>
+          <a:bodyPr rtlCol="0" anchor="ctr"/>
+          <a:lstStyle/>
+          <a:p>
+            <a:pPr algn="ctr"/>
+            <a:r>
+              <a:rPr lang="en-US" dirty="0" smtClean="0"/>
+              <a:t>Broadcast transaction to network</a:t>
+            </a:r>
+            <a:endParaRPr lang="en-US" dirty="0"/>
+          </a:p>
+        </p:txBody>
+      </p:sp>
+      <p:sp>
+        <p:nvSpPr>
+          <p:cNvPr id="7" name="TextBox 6"/>
+          <p:cNvSpPr txBox="1"/>
+          <p:nvPr/>
+        </p:nvSpPr>
+        <p:spPr>
+          <a:xfrm>
+            <a:off x="3282216" y="5544152"/>
+            <a:ext cx="4206240" cy="646331"/>
+          </a:xfrm>
+          <a:prstGeom prst="rect">
+            <a:avLst/>
+          </a:prstGeom>
+          <a:noFill/>
+        </p:spPr>
+        <p:txBody>
+          <a:bodyPr wrap="square" rtlCol="0">
+            <a:spAutoFit/>
+          </a:bodyPr>
+          <a:lstStyle/>
+          <a:p>
+            <a:pPr algn="ctr"/>
+            <a:r>
+              <a:rPr lang="en-US" dirty="0" smtClean="0">
+                <a:solidFill>
+                  <a:srgbClr val="FF0000"/>
+                </a:solidFill>
+              </a:rPr>
+              <a:t>How does authentication take place??</a:t>
+            </a:r>
+          </a:p>
+          <a:p>
+            <a:pPr algn="ctr"/>
+            <a:r>
+              <a:rPr lang="en-US" dirty="0" smtClean="0">
+                <a:solidFill>
+                  <a:srgbClr val="FF0000"/>
+                </a:solidFill>
+              </a:rPr>
+              <a:t>Alice should be Alice!</a:t>
+            </a:r>
+            <a:endParaRPr lang="en-US" dirty="0">
+              <a:solidFill>
+                <a:srgbClr val="FF0000"/>
+              </a:solidFill>
+            </a:endParaRPr>
+          </a:p>
+        </p:txBody>
+      </p:sp>
+    </p:spTree>
+    <p:extLst>
+      <p:ext uri="{BB962C8B-B14F-4D97-AF65-F5344CB8AC3E}">
+        <p14:creationId xmlns:p14="http://schemas.microsoft.com/office/powerpoint/2010/main" val="1463834412"/>
+      </p:ext>
+    </p:extLst>
+  </p:cSld>
+  <p:clrMapOvr>
+    <a:masterClrMapping/>
+  </p:clrMapOvr>
+  <p:timing>
+    <p:tnLst>
+      <p:par>
+        <p:cTn id="1" dur="indefinite" restart="never" nodeType="tmRoot">
+          <p:childTnLst>
+            <p:seq concurrent="1" nextAc="seek">
+              <p:cTn id="2" dur="indefinite" nodeType="mainSeq">
+                <p:childTnLst>
+                  <p:par>
+                    <p:cTn id="3" fill="hold">
+                      <p:stCondLst>
+                        <p:cond delay="indefinite"/>
+                      </p:stCondLst>
+                      <p:childTnLst>
+                        <p:par>
+                          <p:cTn id="4" fill="hold">
+                            <p:stCondLst>
+                              <p:cond delay="0"/>
+                            </p:stCondLst>
+                            <p:childTnLst>
+                              <p:par>
+                                <p:cTn id="5" presetID="1" presetClass="entr" presetSubtype="0" fill="hold" grpId="0" nodeType="clickEffect">
+                                  <p:stCondLst>
+                                    <p:cond delay="0"/>
+                                  </p:stCondLst>
+                                  <p:childTnLst>
+                                    <p:set>
+                                      <p:cBhvr>
+                                        <p:cTn id="6" dur="1" fill="hold">
+                                          <p:stCondLst>
+                                            <p:cond delay="0"/>
+                                          </p:stCondLst>
+                                        </p:cTn>
+                                        <p:tgtEl>
+                                          <p:spTgt spid="7"/>
+                                        </p:tgtEl>
+                                        <p:attrNameLst>
+                                          <p:attrName>style.visibility</p:attrName>
+                                        </p:attrNameLst>
+                                      </p:cBhvr>
+                                      <p:to>
+                                        <p:strVal val="visible"/>
+                                      </p:to>
+                                    </p:set>
+                                  </p:childTnLst>
+                                </p:cTn>
+                              </p:par>
+                            </p:childTnLst>
+                          </p:cTn>
+                        </p:par>
+                      </p:childTnLst>
+                    </p:cTn>
+                  </p:par>
+                </p:childTnLst>
+              </p:cTn>
+              <p:prevCondLst>
+                <p:cond evt="onPrev" delay="0">
+                  <p:tgtEl>
+                    <p:sldTgt/>
+                  </p:tgtEl>
+                </p:cond>
+              </p:prevCondLst>
+              <p:nextCondLst>
+                <p:cond evt="onNext" delay="0">
+                  <p:tgtEl>
+                    <p:sldTgt/>
+                  </p:tgtEl>
+                </p:cond>
+              </p:nextCondLst>
+            </p:seq>
+          </p:childTnLst>
+        </p:cTn>
+      </p:par>
+    </p:tnLst>
+    <p:bldLst>
+      <p:bldP spid="7" grpId="0"/>
+    </p:bldLst>
+  </p:timing>
+</p:sld>
+</file>
+
 <file path=ppt/slides/slide2.xml><?xml version="1.0" encoding="utf-8"?>
 <p:sld xmlns:a="http://schemas.openxmlformats.org/drawingml/2006/main" xmlns:r="http://schemas.openxmlformats.org/officeDocument/2006/relationships" xmlns:p="http://schemas.openxmlformats.org/presentationml/2006/main">
   <p:cSld>
@@ -13781,6 +14644,2285 @@
 </file>
 
 <file path=ppt/slides/slide20.xml><?xml version="1.0" encoding="utf-8"?>
+<p:sld xmlns:a="http://schemas.openxmlformats.org/drawingml/2006/main" xmlns:r="http://schemas.openxmlformats.org/officeDocument/2006/relationships" xmlns:p="http://schemas.openxmlformats.org/presentationml/2006/main">
+  <p:cSld>
+    <p:spTree>
+      <p:nvGrpSpPr>
+        <p:cNvPr id="1" name=""/>
+        <p:cNvGrpSpPr/>
+        <p:nvPr/>
+      </p:nvGrpSpPr>
+      <p:grpSpPr>
+        <a:xfrm>
+          <a:off x="0" y="0"/>
+          <a:ext cx="0" cy="0"/>
+          <a:chOff x="0" y="0"/>
+          <a:chExt cx="0" cy="0"/>
+        </a:xfrm>
+      </p:grpSpPr>
+      <p:sp>
+        <p:nvSpPr>
+          <p:cNvPr id="2" name="Title 1"/>
+          <p:cNvSpPr>
+            <a:spLocks noGrp="1"/>
+          </p:cNvSpPr>
+          <p:nvPr>
+            <p:ph type="title"/>
+          </p:nvPr>
+        </p:nvSpPr>
+        <p:spPr/>
+        <p:txBody>
+          <a:bodyPr/>
+          <a:lstStyle/>
+          <a:p>
+            <a:r>
+              <a:rPr lang="en-US" dirty="0" smtClean="0"/>
+              <a:t>Authentication</a:t>
+            </a:r>
+            <a:endParaRPr lang="en-US" dirty="0"/>
+          </a:p>
+        </p:txBody>
+      </p:sp>
+      <p:sp>
+        <p:nvSpPr>
+          <p:cNvPr id="3" name="Content Placeholder 2"/>
+          <p:cNvSpPr>
+            <a:spLocks noGrp="1"/>
+          </p:cNvSpPr>
+          <p:nvPr>
+            <p:ph idx="1"/>
+          </p:nvPr>
+        </p:nvSpPr>
+        <p:spPr>
+          <a:xfrm>
+            <a:off x="838356" y="1828800"/>
+            <a:ext cx="5562443" cy="4351337"/>
+          </a:xfrm>
+        </p:spPr>
+        <p:txBody>
+          <a:bodyPr/>
+          <a:lstStyle/>
+          <a:p>
+            <a:pPr>
+              <a:buFont typeface="Wingdings" panose="05000000000000000000" pitchFamily="2" charset="2"/>
+              <a:buChar char="Ø"/>
+            </a:pPr>
+            <a:endParaRPr lang="en-US" dirty="0" smtClean="0"/>
+          </a:p>
+          <a:p>
+            <a:pPr>
+              <a:buFont typeface="Wingdings" panose="05000000000000000000" pitchFamily="2" charset="2"/>
+              <a:buChar char="Ø"/>
+            </a:pPr>
+            <a:endParaRPr lang="en-US" smtClean="0"/>
+          </a:p>
+          <a:p>
+            <a:pPr>
+              <a:buFont typeface="Wingdings" panose="05000000000000000000" pitchFamily="2" charset="2"/>
+              <a:buChar char="Ø"/>
+            </a:pPr>
+            <a:r>
+              <a:rPr lang="en-US" smtClean="0"/>
+              <a:t>Need </a:t>
+            </a:r>
+            <a:r>
+              <a:rPr lang="en-US" dirty="0" smtClean="0"/>
+              <a:t>password to unlock and send funds</a:t>
+            </a:r>
+          </a:p>
+          <a:p>
+            <a:pPr>
+              <a:buFont typeface="Wingdings" panose="05000000000000000000" pitchFamily="2" charset="2"/>
+              <a:buChar char="Ø"/>
+            </a:pPr>
+            <a:r>
+              <a:rPr lang="en-US" b="1" i="1" dirty="0" smtClean="0">
+                <a:solidFill>
+                  <a:srgbClr val="0070C0"/>
+                </a:solidFill>
+              </a:rPr>
+              <a:t>“Digital Signatures”</a:t>
+            </a:r>
+          </a:p>
+          <a:p>
+            <a:pPr>
+              <a:buFont typeface="Wingdings" panose="05000000000000000000" pitchFamily="2" charset="2"/>
+              <a:buChar char="Ø"/>
+            </a:pPr>
+            <a:r>
+              <a:rPr lang="en-US" dirty="0" smtClean="0"/>
+              <a:t>Digital Signatures created by using sender’s private key and transaction, and thus every transaction has a different signature</a:t>
+            </a:r>
+          </a:p>
+          <a:p>
+            <a:pPr>
+              <a:buFont typeface="Wingdings" panose="05000000000000000000" pitchFamily="2" charset="2"/>
+              <a:buChar char="Ø"/>
+            </a:pPr>
+            <a:r>
+              <a:rPr lang="en-US" dirty="0" smtClean="0"/>
+              <a:t>This also prevents any modification of messages in the network. Because, if the message is modified, the digital signature will become invalid.</a:t>
+            </a:r>
+            <a:endParaRPr lang="en-US" dirty="0"/>
+          </a:p>
+        </p:txBody>
+      </p:sp>
+      <p:pic>
+        <p:nvPicPr>
+          <p:cNvPr id="4" name="Picture 3"/>
+          <p:cNvPicPr>
+            <a:picLocks noChangeAspect="1"/>
+          </p:cNvPicPr>
+          <p:nvPr/>
+        </p:nvPicPr>
+        <p:blipFill>
+          <a:blip r:embed="rId2"/>
+          <a:stretch>
+            <a:fillRect/>
+          </a:stretch>
+        </p:blipFill>
+        <p:spPr>
+          <a:xfrm>
+            <a:off x="6535552" y="1691322"/>
+            <a:ext cx="4101325" cy="4300695"/>
+          </a:xfrm>
+          <a:prstGeom prst="rect">
+            <a:avLst/>
+          </a:prstGeom>
+        </p:spPr>
+      </p:pic>
+    </p:spTree>
+    <p:extLst>
+      <p:ext uri="{BB962C8B-B14F-4D97-AF65-F5344CB8AC3E}">
+        <p14:creationId xmlns:p14="http://schemas.microsoft.com/office/powerpoint/2010/main" val="1956023733"/>
+      </p:ext>
+    </p:extLst>
+  </p:cSld>
+  <p:clrMapOvr>
+    <a:masterClrMapping/>
+  </p:clrMapOvr>
+  <p:timing>
+    <p:tnLst>
+      <p:par>
+        <p:cTn id="1" dur="indefinite" restart="never" nodeType="tmRoot"/>
+      </p:par>
+    </p:tnLst>
+  </p:timing>
+</p:sld>
+</file>
+
+<file path=ppt/slides/slide21.xml><?xml version="1.0" encoding="utf-8"?>
+<p:sld xmlns:a="http://schemas.openxmlformats.org/drawingml/2006/main" xmlns:r="http://schemas.openxmlformats.org/officeDocument/2006/relationships" xmlns:p="http://schemas.openxmlformats.org/presentationml/2006/main">
+  <p:cSld>
+    <p:spTree>
+      <p:nvGrpSpPr>
+        <p:cNvPr id="1" name=""/>
+        <p:cNvGrpSpPr/>
+        <p:nvPr/>
+      </p:nvGrpSpPr>
+      <p:grpSpPr>
+        <a:xfrm>
+          <a:off x="0" y="0"/>
+          <a:ext cx="0" cy="0"/>
+          <a:chOff x="0" y="0"/>
+          <a:chExt cx="0" cy="0"/>
+        </a:xfrm>
+      </p:grpSpPr>
+      <p:sp>
+        <p:nvSpPr>
+          <p:cNvPr id="2" name="Title 1"/>
+          <p:cNvSpPr>
+            <a:spLocks noGrp="1"/>
+          </p:cNvSpPr>
+          <p:nvPr>
+            <p:ph type="title"/>
+          </p:nvPr>
+        </p:nvSpPr>
+        <p:spPr/>
+        <p:txBody>
+          <a:bodyPr/>
+          <a:lstStyle/>
+          <a:p>
+            <a:r>
+              <a:rPr lang="en-US" dirty="0" smtClean="0"/>
+              <a:t>Digital Signatures</a:t>
+            </a:r>
+            <a:endParaRPr lang="en-US" dirty="0"/>
+          </a:p>
+        </p:txBody>
+      </p:sp>
+      <p:pic>
+        <p:nvPicPr>
+          <p:cNvPr id="4" name="Content Placeholder 3"/>
+          <p:cNvPicPr>
+            <a:picLocks noGrp="1" noChangeAspect="1"/>
+          </p:cNvPicPr>
+          <p:nvPr>
+            <p:ph idx="1"/>
+          </p:nvPr>
+        </p:nvPicPr>
+        <p:blipFill>
+          <a:blip r:embed="rId2"/>
+          <a:stretch>
+            <a:fillRect/>
+          </a:stretch>
+        </p:blipFill>
+        <p:spPr>
+          <a:xfrm>
+            <a:off x="1261872" y="2003467"/>
+            <a:ext cx="8220075" cy="2943225"/>
+          </a:xfrm>
+          <a:prstGeom prst="rect">
+            <a:avLst/>
+          </a:prstGeom>
+        </p:spPr>
+      </p:pic>
+      <p:sp>
+        <p:nvSpPr>
+          <p:cNvPr id="5" name="TextBox 4"/>
+          <p:cNvSpPr txBox="1"/>
+          <p:nvPr/>
+        </p:nvSpPr>
+        <p:spPr>
+          <a:xfrm>
+            <a:off x="1261872" y="5111015"/>
+            <a:ext cx="2039593" cy="1107996"/>
+          </a:xfrm>
+          <a:prstGeom prst="rect">
+            <a:avLst/>
+          </a:prstGeom>
+          <a:noFill/>
+        </p:spPr>
+        <p:txBody>
+          <a:bodyPr wrap="square" rtlCol="0">
+            <a:spAutoFit/>
+          </a:bodyPr>
+          <a:lstStyle/>
+          <a:p>
+            <a:r>
+              <a:rPr lang="en-US" sz="1600" dirty="0" smtClean="0">
+                <a:solidFill>
+                  <a:schemeClr val="accent3">
+                    <a:lumMod val="75000"/>
+                  </a:schemeClr>
+                </a:solidFill>
+              </a:rPr>
+              <a:t>Create the signature using the private key.</a:t>
+            </a:r>
+          </a:p>
+          <a:p>
+            <a:r>
+              <a:rPr lang="en-US" sz="1600" dirty="0" smtClean="0">
+                <a:solidFill>
+                  <a:schemeClr val="accent3">
+                    <a:lumMod val="75000"/>
+                  </a:schemeClr>
+                </a:solidFill>
+              </a:rPr>
+              <a:t>True password.</a:t>
+            </a:r>
+            <a:endParaRPr lang="en-US" sz="1600" dirty="0">
+              <a:solidFill>
+                <a:schemeClr val="accent3">
+                  <a:lumMod val="75000"/>
+                </a:schemeClr>
+              </a:solidFill>
+            </a:endParaRPr>
+          </a:p>
+        </p:txBody>
+      </p:sp>
+      <p:sp>
+        <p:nvSpPr>
+          <p:cNvPr id="6" name="TextBox 5"/>
+          <p:cNvSpPr txBox="1"/>
+          <p:nvPr/>
+        </p:nvSpPr>
+        <p:spPr>
+          <a:xfrm>
+            <a:off x="7817332" y="5175188"/>
+            <a:ext cx="1838425" cy="830997"/>
+          </a:xfrm>
+          <a:prstGeom prst="rect">
+            <a:avLst/>
+          </a:prstGeom>
+          <a:noFill/>
+        </p:spPr>
+        <p:txBody>
+          <a:bodyPr wrap="square" rtlCol="0">
+            <a:spAutoFit/>
+          </a:bodyPr>
+          <a:lstStyle/>
+          <a:p>
+            <a:r>
+              <a:rPr lang="en-US" sz="1600" dirty="0" smtClean="0">
+                <a:solidFill>
+                  <a:schemeClr val="accent3">
+                    <a:lumMod val="75000"/>
+                  </a:schemeClr>
+                </a:solidFill>
+              </a:rPr>
+              <a:t>Verifiers use public key to authenticate.</a:t>
+            </a:r>
+            <a:endParaRPr lang="en-US" sz="1600" dirty="0">
+              <a:solidFill>
+                <a:schemeClr val="accent3">
+                  <a:lumMod val="75000"/>
+                </a:schemeClr>
+              </a:solidFill>
+            </a:endParaRPr>
+          </a:p>
+        </p:txBody>
+      </p:sp>
+      <p:sp>
+        <p:nvSpPr>
+          <p:cNvPr id="7" name="TextBox 6"/>
+          <p:cNvSpPr txBox="1"/>
+          <p:nvPr/>
+        </p:nvSpPr>
+        <p:spPr>
+          <a:xfrm>
+            <a:off x="4578436" y="5117434"/>
+            <a:ext cx="2072621" cy="1323439"/>
+          </a:xfrm>
+          <a:prstGeom prst="rect">
+            <a:avLst/>
+          </a:prstGeom>
+          <a:noFill/>
+        </p:spPr>
+        <p:txBody>
+          <a:bodyPr wrap="square" rtlCol="0">
+            <a:spAutoFit/>
+          </a:bodyPr>
+          <a:lstStyle/>
+          <a:p>
+            <a:r>
+              <a:rPr lang="en-US" sz="1600" dirty="0" smtClean="0">
+                <a:solidFill>
+                  <a:schemeClr val="accent3">
+                    <a:lumMod val="75000"/>
+                  </a:schemeClr>
+                </a:solidFill>
+              </a:rPr>
+              <a:t>Intermediary that proves the sender has a password without revealing the actual password</a:t>
+            </a:r>
+            <a:endParaRPr lang="en-US" sz="1600" dirty="0">
+              <a:solidFill>
+                <a:schemeClr val="accent3">
+                  <a:lumMod val="75000"/>
+                </a:schemeClr>
+              </a:solidFill>
+            </a:endParaRPr>
+          </a:p>
+        </p:txBody>
+      </p:sp>
+      <p:cxnSp>
+        <p:nvCxnSpPr>
+          <p:cNvPr id="9" name="Straight Arrow Connector 8"/>
+          <p:cNvCxnSpPr/>
+          <p:nvPr/>
+        </p:nvCxnSpPr>
+        <p:spPr>
+          <a:xfrm>
+            <a:off x="2021305" y="4196615"/>
+            <a:ext cx="9626" cy="991402"/>
+          </a:xfrm>
+          <a:prstGeom prst="straightConnector1">
+            <a:avLst/>
+          </a:prstGeom>
+          <a:ln>
+            <a:solidFill>
+              <a:schemeClr val="accent3">
+                <a:lumMod val="75000"/>
+              </a:schemeClr>
+            </a:solidFill>
+            <a:prstDash val="dash"/>
+            <a:tailEnd type="triangle"/>
+          </a:ln>
+        </p:spPr>
+        <p:style>
+          <a:lnRef idx="1">
+            <a:schemeClr val="accent1"/>
+          </a:lnRef>
+          <a:fillRef idx="0">
+            <a:schemeClr val="accent1"/>
+          </a:fillRef>
+          <a:effectRef idx="0">
+            <a:schemeClr val="accent1"/>
+          </a:effectRef>
+          <a:fontRef idx="minor">
+            <a:schemeClr val="tx1"/>
+          </a:fontRef>
+        </p:style>
+      </p:cxnSp>
+      <p:cxnSp>
+        <p:nvCxnSpPr>
+          <p:cNvPr id="10" name="Straight Arrow Connector 9"/>
+          <p:cNvCxnSpPr/>
+          <p:nvPr/>
+        </p:nvCxnSpPr>
+        <p:spPr>
+          <a:xfrm>
+            <a:off x="5378925" y="4185388"/>
+            <a:ext cx="9626" cy="991402"/>
+          </a:xfrm>
+          <a:prstGeom prst="straightConnector1">
+            <a:avLst/>
+          </a:prstGeom>
+          <a:ln>
+            <a:solidFill>
+              <a:schemeClr val="accent3">
+                <a:lumMod val="75000"/>
+              </a:schemeClr>
+            </a:solidFill>
+            <a:prstDash val="dash"/>
+            <a:tailEnd type="triangle"/>
+          </a:ln>
+        </p:spPr>
+        <p:style>
+          <a:lnRef idx="1">
+            <a:schemeClr val="accent1"/>
+          </a:lnRef>
+          <a:fillRef idx="0">
+            <a:schemeClr val="accent1"/>
+          </a:fillRef>
+          <a:effectRef idx="0">
+            <a:schemeClr val="accent1"/>
+          </a:effectRef>
+          <a:fontRef idx="minor">
+            <a:schemeClr val="tx1"/>
+          </a:fontRef>
+        </p:style>
+      </p:cxnSp>
+      <p:cxnSp>
+        <p:nvCxnSpPr>
+          <p:cNvPr id="11" name="Straight Arrow Connector 10"/>
+          <p:cNvCxnSpPr/>
+          <p:nvPr/>
+        </p:nvCxnSpPr>
+        <p:spPr>
+          <a:xfrm>
+            <a:off x="8495910" y="4183786"/>
+            <a:ext cx="9626" cy="991402"/>
+          </a:xfrm>
+          <a:prstGeom prst="straightConnector1">
+            <a:avLst/>
+          </a:prstGeom>
+          <a:ln>
+            <a:solidFill>
+              <a:schemeClr val="accent3">
+                <a:lumMod val="75000"/>
+              </a:schemeClr>
+            </a:solidFill>
+            <a:prstDash val="dash"/>
+            <a:tailEnd type="triangle"/>
+          </a:ln>
+        </p:spPr>
+        <p:style>
+          <a:lnRef idx="1">
+            <a:schemeClr val="accent1"/>
+          </a:lnRef>
+          <a:fillRef idx="0">
+            <a:schemeClr val="accent1"/>
+          </a:fillRef>
+          <a:effectRef idx="0">
+            <a:schemeClr val="accent1"/>
+          </a:effectRef>
+          <a:fontRef idx="minor">
+            <a:schemeClr val="tx1"/>
+          </a:fontRef>
+        </p:style>
+      </p:cxnSp>
+    </p:spTree>
+    <p:extLst>
+      <p:ext uri="{BB962C8B-B14F-4D97-AF65-F5344CB8AC3E}">
+        <p14:creationId xmlns:p14="http://schemas.microsoft.com/office/powerpoint/2010/main" val="4283624086"/>
+      </p:ext>
+    </p:extLst>
+  </p:cSld>
+  <p:clrMapOvr>
+    <a:masterClrMapping/>
+  </p:clrMapOvr>
+  <p:timing>
+    <p:tnLst>
+      <p:par>
+        <p:cTn id="1" dur="indefinite" restart="never" nodeType="tmRoot"/>
+      </p:par>
+    </p:tnLst>
+  </p:timing>
+</p:sld>
+</file>
+
+<file path=ppt/slides/slide22.xml><?xml version="1.0" encoding="utf-8"?>
+<p:sld xmlns:a="http://schemas.openxmlformats.org/drawingml/2006/main" xmlns:r="http://schemas.openxmlformats.org/officeDocument/2006/relationships" xmlns:p="http://schemas.openxmlformats.org/presentationml/2006/main">
+  <p:cSld>
+    <p:spTree>
+      <p:nvGrpSpPr>
+        <p:cNvPr id="1" name=""/>
+        <p:cNvGrpSpPr/>
+        <p:nvPr/>
+      </p:nvGrpSpPr>
+      <p:grpSpPr>
+        <a:xfrm>
+          <a:off x="0" y="0"/>
+          <a:ext cx="0" cy="0"/>
+          <a:chOff x="0" y="0"/>
+          <a:chExt cx="0" cy="0"/>
+        </a:xfrm>
+      </p:grpSpPr>
+      <p:sp>
+        <p:nvSpPr>
+          <p:cNvPr id="4" name="Content Placeholder 2"/>
+          <p:cNvSpPr>
+            <a:spLocks noGrp="1"/>
+          </p:cNvSpPr>
+          <p:nvPr>
+            <p:ph idx="1"/>
+          </p:nvPr>
+        </p:nvSpPr>
+        <p:spPr>
+          <a:xfrm>
+            <a:off x="1261872" y="1828800"/>
+            <a:ext cx="8595360" cy="4351337"/>
+          </a:xfrm>
+        </p:spPr>
+        <p:txBody>
+          <a:bodyPr/>
+          <a:lstStyle/>
+          <a:p>
+            <a:pPr marL="0" indent="0">
+              <a:buNone/>
+            </a:pPr>
+            <a:endParaRPr lang="en-US" dirty="0" smtClean="0"/>
+          </a:p>
+          <a:p>
+            <a:pPr marL="0" indent="0">
+              <a:buNone/>
+            </a:pPr>
+            <a:endParaRPr lang="en-US" dirty="0"/>
+          </a:p>
+          <a:p>
+            <a:pPr marL="0" indent="0">
+              <a:buNone/>
+            </a:pPr>
+            <a:endParaRPr lang="en-US" dirty="0" smtClean="0"/>
+          </a:p>
+          <a:p>
+            <a:pPr marL="0" indent="0">
+              <a:buNone/>
+            </a:pPr>
+            <a:r>
+              <a:rPr lang="en-US" sz="2000" dirty="0" smtClean="0"/>
+              <a:t>How do you know how much account balance a user has?</a:t>
+            </a:r>
+            <a:endParaRPr lang="en-US" sz="2000" dirty="0"/>
+          </a:p>
+        </p:txBody>
+      </p:sp>
+    </p:spTree>
+    <p:extLst>
+      <p:ext uri="{BB962C8B-B14F-4D97-AF65-F5344CB8AC3E}">
+        <p14:creationId xmlns:p14="http://schemas.microsoft.com/office/powerpoint/2010/main" val="742997294"/>
+      </p:ext>
+    </p:extLst>
+  </p:cSld>
+  <p:clrMapOvr>
+    <a:masterClrMapping/>
+  </p:clrMapOvr>
+  <p:timing>
+    <p:tnLst>
+      <p:par>
+        <p:cTn id="1" dur="indefinite" restart="never" nodeType="tmRoot"/>
+      </p:par>
+    </p:tnLst>
+  </p:timing>
+</p:sld>
+</file>
+
+<file path=ppt/slides/slide23.xml><?xml version="1.0" encoding="utf-8"?>
+<p:sld xmlns:a="http://schemas.openxmlformats.org/drawingml/2006/main" xmlns:r="http://schemas.openxmlformats.org/officeDocument/2006/relationships" xmlns:p="http://schemas.openxmlformats.org/presentationml/2006/main">
+  <p:cSld>
+    <p:spTree>
+      <p:nvGrpSpPr>
+        <p:cNvPr id="1" name=""/>
+        <p:cNvGrpSpPr/>
+        <p:nvPr/>
+      </p:nvGrpSpPr>
+      <p:grpSpPr>
+        <a:xfrm>
+          <a:off x="0" y="0"/>
+          <a:ext cx="0" cy="0"/>
+          <a:chOff x="0" y="0"/>
+          <a:chExt cx="0" cy="0"/>
+        </a:xfrm>
+      </p:grpSpPr>
+      <p:sp>
+        <p:nvSpPr>
+          <p:cNvPr id="2" name="Title 1"/>
+          <p:cNvSpPr>
+            <a:spLocks noGrp="1"/>
+          </p:cNvSpPr>
+          <p:nvPr>
+            <p:ph type="title"/>
+          </p:nvPr>
+        </p:nvSpPr>
+        <p:spPr/>
+        <p:txBody>
+          <a:bodyPr/>
+          <a:lstStyle/>
+          <a:p>
+            <a:r>
+              <a:rPr lang="en-US" dirty="0" smtClean="0"/>
+              <a:t>Account Balances?</a:t>
+            </a:r>
+            <a:endParaRPr lang="en-US" dirty="0"/>
+          </a:p>
+        </p:txBody>
+      </p:sp>
+      <p:pic>
+        <p:nvPicPr>
+          <p:cNvPr id="4" name="Content Placeholder 3"/>
+          <p:cNvPicPr>
+            <a:picLocks noGrp="1" noChangeAspect="1"/>
+          </p:cNvPicPr>
+          <p:nvPr>
+            <p:ph idx="1"/>
+          </p:nvPr>
+        </p:nvPicPr>
+        <p:blipFill>
+          <a:blip r:embed="rId2"/>
+          <a:stretch>
+            <a:fillRect/>
+          </a:stretch>
+        </p:blipFill>
+        <p:spPr>
+          <a:xfrm>
+            <a:off x="1055240" y="1691322"/>
+            <a:ext cx="4503749" cy="4351338"/>
+          </a:xfrm>
+          <a:prstGeom prst="rect">
+            <a:avLst/>
+          </a:prstGeom>
+        </p:spPr>
+      </p:pic>
+      <p:sp>
+        <p:nvSpPr>
+          <p:cNvPr id="5" name="&quot;No&quot; Symbol 4"/>
+          <p:cNvSpPr/>
+          <p:nvPr/>
+        </p:nvSpPr>
+        <p:spPr>
+          <a:xfrm>
+            <a:off x="2618072" y="3513221"/>
+            <a:ext cx="1366787" cy="1328286"/>
+          </a:xfrm>
+          <a:prstGeom prst="noSmoking">
+            <a:avLst/>
+          </a:prstGeom>
+          <a:solidFill>
+            <a:srgbClr val="FF0000"/>
+          </a:solidFill>
+          <a:ln>
+            <a:noFill/>
+          </a:ln>
+        </p:spPr>
+        <p:style>
+          <a:lnRef idx="2">
+            <a:schemeClr val="accent1">
+              <a:shade val="50000"/>
+            </a:schemeClr>
+          </a:lnRef>
+          <a:fillRef idx="1">
+            <a:schemeClr val="accent1"/>
+          </a:fillRef>
+          <a:effectRef idx="0">
+            <a:schemeClr val="accent1"/>
+          </a:effectRef>
+          <a:fontRef idx="minor">
+            <a:schemeClr val="lt1"/>
+          </a:fontRef>
+        </p:style>
+        <p:txBody>
+          <a:bodyPr rtlCol="0" anchor="ctr"/>
+          <a:lstStyle/>
+          <a:p>
+            <a:pPr algn="ctr"/>
+            <a:endParaRPr lang="en-US">
+              <a:solidFill>
+                <a:srgbClr val="FF0000"/>
+              </a:solidFill>
+            </a:endParaRPr>
+          </a:p>
+        </p:txBody>
+      </p:sp>
+      <p:sp>
+        <p:nvSpPr>
+          <p:cNvPr id="6" name="TextBox 5"/>
+          <p:cNvSpPr txBox="1"/>
+          <p:nvPr/>
+        </p:nvSpPr>
+        <p:spPr>
+          <a:xfrm>
+            <a:off x="6179419" y="2945331"/>
+            <a:ext cx="3445844" cy="1754326"/>
+          </a:xfrm>
+          <a:prstGeom prst="rect">
+            <a:avLst/>
+          </a:prstGeom>
+          <a:noFill/>
+        </p:spPr>
+        <p:txBody>
+          <a:bodyPr wrap="square" rtlCol="0">
+            <a:spAutoFit/>
+          </a:bodyPr>
+          <a:lstStyle/>
+          <a:p>
+            <a:r>
+              <a:rPr lang="en-US" dirty="0" smtClean="0"/>
+              <a:t>Ledger stores only transactions!!</a:t>
+            </a:r>
+          </a:p>
+          <a:p>
+            <a:endParaRPr lang="en-US" dirty="0"/>
+          </a:p>
+          <a:p>
+            <a:r>
+              <a:rPr lang="en-US" dirty="0" smtClean="0"/>
+              <a:t>Account balances are calculated using links to previous transactions!!</a:t>
+            </a:r>
+          </a:p>
+        </p:txBody>
+      </p:sp>
+    </p:spTree>
+    <p:extLst>
+      <p:ext uri="{BB962C8B-B14F-4D97-AF65-F5344CB8AC3E}">
+        <p14:creationId xmlns:p14="http://schemas.microsoft.com/office/powerpoint/2010/main" val="641662361"/>
+      </p:ext>
+    </p:extLst>
+  </p:cSld>
+  <p:clrMapOvr>
+    <a:masterClrMapping/>
+  </p:clrMapOvr>
+  <p:timing>
+    <p:tnLst>
+      <p:par>
+        <p:cTn id="1" dur="indefinite" restart="never" nodeType="tmRoot">
+          <p:childTnLst>
+            <p:seq concurrent="1" nextAc="seek">
+              <p:cTn id="2" dur="indefinite" nodeType="mainSeq">
+                <p:childTnLst>
+                  <p:par>
+                    <p:cTn id="3" fill="hold">
+                      <p:stCondLst>
+                        <p:cond delay="indefinite"/>
+                      </p:stCondLst>
+                      <p:childTnLst>
+                        <p:par>
+                          <p:cTn id="4" fill="hold">
+                            <p:stCondLst>
+                              <p:cond delay="0"/>
+                            </p:stCondLst>
+                            <p:childTnLst>
+                              <p:par>
+                                <p:cTn id="5" presetID="1" presetClass="entr" presetSubtype="0" fill="hold" grpId="0" nodeType="clickEffect">
+                                  <p:stCondLst>
+                                    <p:cond delay="0"/>
+                                  </p:stCondLst>
+                                  <p:childTnLst>
+                                    <p:set>
+                                      <p:cBhvr>
+                                        <p:cTn id="6" dur="1" fill="hold">
+                                          <p:stCondLst>
+                                            <p:cond delay="0"/>
+                                          </p:stCondLst>
+                                        </p:cTn>
+                                        <p:tgtEl>
+                                          <p:spTgt spid="5"/>
+                                        </p:tgtEl>
+                                        <p:attrNameLst>
+                                          <p:attrName>style.visibility</p:attrName>
+                                        </p:attrNameLst>
+                                      </p:cBhvr>
+                                      <p:to>
+                                        <p:strVal val="visible"/>
+                                      </p:to>
+                                    </p:set>
+                                  </p:childTnLst>
+                                </p:cTn>
+                              </p:par>
+                            </p:childTnLst>
+                          </p:cTn>
+                        </p:par>
+                      </p:childTnLst>
+                    </p:cTn>
+                  </p:par>
+                  <p:par>
+                    <p:cTn id="7" fill="hold">
+                      <p:stCondLst>
+                        <p:cond delay="indefinite"/>
+                      </p:stCondLst>
+                      <p:childTnLst>
+                        <p:par>
+                          <p:cTn id="8" fill="hold">
+                            <p:stCondLst>
+                              <p:cond delay="0"/>
+                            </p:stCondLst>
+                            <p:childTnLst>
+                              <p:par>
+                                <p:cTn id="9" presetID="1" presetClass="entr" presetSubtype="0" fill="hold" grpId="0" nodeType="clickEffect">
+                                  <p:stCondLst>
+                                    <p:cond delay="0"/>
+                                  </p:stCondLst>
+                                  <p:childTnLst>
+                                    <p:set>
+                                      <p:cBhvr>
+                                        <p:cTn id="10" dur="1" fill="hold">
+                                          <p:stCondLst>
+                                            <p:cond delay="0"/>
+                                          </p:stCondLst>
+                                        </p:cTn>
+                                        <p:tgtEl>
+                                          <p:spTgt spid="6"/>
+                                        </p:tgtEl>
+                                        <p:attrNameLst>
+                                          <p:attrName>style.visibility</p:attrName>
+                                        </p:attrNameLst>
+                                      </p:cBhvr>
+                                      <p:to>
+                                        <p:strVal val="visible"/>
+                                      </p:to>
+                                    </p:set>
+                                  </p:childTnLst>
+                                </p:cTn>
+                              </p:par>
+                            </p:childTnLst>
+                          </p:cTn>
+                        </p:par>
+                      </p:childTnLst>
+                    </p:cTn>
+                  </p:par>
+                </p:childTnLst>
+              </p:cTn>
+              <p:prevCondLst>
+                <p:cond evt="onPrev" delay="0">
+                  <p:tgtEl>
+                    <p:sldTgt/>
+                  </p:tgtEl>
+                </p:cond>
+              </p:prevCondLst>
+              <p:nextCondLst>
+                <p:cond evt="onNext" delay="0">
+                  <p:tgtEl>
+                    <p:sldTgt/>
+                  </p:tgtEl>
+                </p:cond>
+              </p:nextCondLst>
+            </p:seq>
+          </p:childTnLst>
+        </p:cTn>
+      </p:par>
+    </p:tnLst>
+    <p:bldLst>
+      <p:bldP spid="5" grpId="0" animBg="1"/>
+      <p:bldP spid="6" grpId="0"/>
+    </p:bldLst>
+  </p:timing>
+</p:sld>
+</file>
+
+<file path=ppt/slides/slide24.xml><?xml version="1.0" encoding="utf-8"?>
+<p:sld xmlns:a="http://schemas.openxmlformats.org/drawingml/2006/main" xmlns:r="http://schemas.openxmlformats.org/officeDocument/2006/relationships" xmlns:p="http://schemas.openxmlformats.org/presentationml/2006/main">
+  <p:cSld>
+    <p:spTree>
+      <p:nvGrpSpPr>
+        <p:cNvPr id="1" name=""/>
+        <p:cNvGrpSpPr/>
+        <p:nvPr/>
+      </p:nvGrpSpPr>
+      <p:grpSpPr>
+        <a:xfrm>
+          <a:off x="0" y="0"/>
+          <a:ext cx="0" cy="0"/>
+          <a:chOff x="0" y="0"/>
+          <a:chExt cx="0" cy="0"/>
+        </a:xfrm>
+      </p:grpSpPr>
+      <p:pic>
+        <p:nvPicPr>
+          <p:cNvPr id="4" name="Content Placeholder 3"/>
+          <p:cNvPicPr>
+            <a:picLocks noGrp="1" noChangeAspect="1"/>
+          </p:cNvPicPr>
+          <p:nvPr>
+            <p:ph idx="1"/>
+          </p:nvPr>
+        </p:nvPicPr>
+        <p:blipFill>
+          <a:blip r:embed="rId2"/>
+          <a:stretch>
+            <a:fillRect/>
+          </a:stretch>
+        </p:blipFill>
+        <p:spPr>
+          <a:xfrm>
+            <a:off x="1730714" y="1039528"/>
+            <a:ext cx="7650698" cy="4793382"/>
+          </a:xfrm>
+          <a:prstGeom prst="rect">
+            <a:avLst/>
+          </a:prstGeom>
+        </p:spPr>
+      </p:pic>
+    </p:spTree>
+    <p:extLst>
+      <p:ext uri="{BB962C8B-B14F-4D97-AF65-F5344CB8AC3E}">
+        <p14:creationId xmlns:p14="http://schemas.microsoft.com/office/powerpoint/2010/main" val="1935522226"/>
+      </p:ext>
+    </p:extLst>
+  </p:cSld>
+  <p:clrMapOvr>
+    <a:masterClrMapping/>
+  </p:clrMapOvr>
+  <p:timing>
+    <p:tnLst>
+      <p:par>
+        <p:cTn id="1" dur="indefinite" restart="never" nodeType="tmRoot"/>
+      </p:par>
+    </p:tnLst>
+  </p:timing>
+</p:sld>
+</file>
+
+<file path=ppt/slides/slide25.xml><?xml version="1.0" encoding="utf-8"?>
+<p:sld xmlns:a="http://schemas.openxmlformats.org/drawingml/2006/main" xmlns:r="http://schemas.openxmlformats.org/officeDocument/2006/relationships" xmlns:p="http://schemas.openxmlformats.org/presentationml/2006/main">
+  <p:cSld>
+    <p:spTree>
+      <p:nvGrpSpPr>
+        <p:cNvPr id="1" name=""/>
+        <p:cNvGrpSpPr/>
+        <p:nvPr/>
+      </p:nvGrpSpPr>
+      <p:grpSpPr>
+        <a:xfrm>
+          <a:off x="0" y="0"/>
+          <a:ext cx="0" cy="0"/>
+          <a:chOff x="0" y="0"/>
+          <a:chExt cx="0" cy="0"/>
+        </a:xfrm>
+      </p:grpSpPr>
+      <p:sp>
+        <p:nvSpPr>
+          <p:cNvPr id="2" name="Title 1"/>
+          <p:cNvSpPr>
+            <a:spLocks noGrp="1"/>
+          </p:cNvSpPr>
+          <p:nvPr>
+            <p:ph type="title"/>
+          </p:nvPr>
+        </p:nvSpPr>
+        <p:spPr/>
+        <p:txBody>
+          <a:bodyPr/>
+          <a:lstStyle/>
+          <a:p>
+            <a:endParaRPr lang="en-US"/>
+          </a:p>
+        </p:txBody>
+      </p:sp>
+      <p:sp>
+        <p:nvSpPr>
+          <p:cNvPr id="5" name="Content Placeholder 4"/>
+          <p:cNvSpPr>
+            <a:spLocks noGrp="1"/>
+          </p:cNvSpPr>
+          <p:nvPr>
+            <p:ph idx="1"/>
+          </p:nvPr>
+        </p:nvSpPr>
+        <p:spPr/>
+        <p:txBody>
+          <a:bodyPr/>
+          <a:lstStyle/>
+          <a:p>
+            <a:endParaRPr lang="en-US"/>
+          </a:p>
+        </p:txBody>
+      </p:sp>
+      <p:pic>
+        <p:nvPicPr>
+          <p:cNvPr id="6" name="Picture 5"/>
+          <p:cNvPicPr>
+            <a:picLocks noChangeAspect="1"/>
+          </p:cNvPicPr>
+          <p:nvPr/>
+        </p:nvPicPr>
+        <p:blipFill>
+          <a:blip r:embed="rId2"/>
+          <a:stretch>
+            <a:fillRect/>
+          </a:stretch>
+        </p:blipFill>
+        <p:spPr>
+          <a:xfrm>
+            <a:off x="312470" y="179571"/>
+            <a:ext cx="10521747" cy="6365608"/>
+          </a:xfrm>
+          <a:prstGeom prst="rect">
+            <a:avLst/>
+          </a:prstGeom>
+        </p:spPr>
+      </p:pic>
+    </p:spTree>
+    <p:extLst>
+      <p:ext uri="{BB962C8B-B14F-4D97-AF65-F5344CB8AC3E}">
+        <p14:creationId xmlns:p14="http://schemas.microsoft.com/office/powerpoint/2010/main" val="2762277660"/>
+      </p:ext>
+    </p:extLst>
+  </p:cSld>
+  <p:clrMapOvr>
+    <a:masterClrMapping/>
+  </p:clrMapOvr>
+  <p:timing>
+    <p:tnLst>
+      <p:par>
+        <p:cTn id="1" dur="indefinite" restart="never" nodeType="tmRoot"/>
+      </p:par>
+    </p:tnLst>
+  </p:timing>
+</p:sld>
+</file>
+
+<file path=ppt/slides/slide26.xml><?xml version="1.0" encoding="utf-8"?>
+<p:sld xmlns:a="http://schemas.openxmlformats.org/drawingml/2006/main" xmlns:r="http://schemas.openxmlformats.org/officeDocument/2006/relationships" xmlns:p="http://schemas.openxmlformats.org/presentationml/2006/main">
+  <p:cSld>
+    <p:spTree>
+      <p:nvGrpSpPr>
+        <p:cNvPr id="1" name=""/>
+        <p:cNvGrpSpPr/>
+        <p:nvPr/>
+      </p:nvGrpSpPr>
+      <p:grpSpPr>
+        <a:xfrm>
+          <a:off x="0" y="0"/>
+          <a:ext cx="0" cy="0"/>
+          <a:chOff x="0" y="0"/>
+          <a:chExt cx="0" cy="0"/>
+        </a:xfrm>
+      </p:grpSpPr>
+      <p:pic>
+        <p:nvPicPr>
+          <p:cNvPr id="4" name="Picture 3"/>
+          <p:cNvPicPr>
+            <a:picLocks noChangeAspect="1"/>
+          </p:cNvPicPr>
+          <p:nvPr/>
+        </p:nvPicPr>
+        <p:blipFill>
+          <a:blip r:embed="rId2"/>
+          <a:stretch>
+            <a:fillRect/>
+          </a:stretch>
+        </p:blipFill>
+        <p:spPr>
+          <a:xfrm>
+            <a:off x="2299887" y="365760"/>
+            <a:ext cx="5871962" cy="4398390"/>
+          </a:xfrm>
+          <a:prstGeom prst="rect">
+            <a:avLst/>
+          </a:prstGeom>
+        </p:spPr>
+      </p:pic>
+      <p:sp>
+        <p:nvSpPr>
+          <p:cNvPr id="6" name="TextBox 5"/>
+          <p:cNvSpPr txBox="1"/>
+          <p:nvPr/>
+        </p:nvSpPr>
+        <p:spPr>
+          <a:xfrm>
+            <a:off x="1588168" y="5216893"/>
+            <a:ext cx="8345104" cy="1477328"/>
+          </a:xfrm>
+          <a:prstGeom prst="rect">
+            <a:avLst/>
+          </a:prstGeom>
+          <a:noFill/>
+        </p:spPr>
+        <p:txBody>
+          <a:bodyPr wrap="square" rtlCol="0">
+            <a:spAutoFit/>
+          </a:bodyPr>
+          <a:lstStyle/>
+          <a:p>
+            <a:pPr marL="285750" indent="-285750">
+              <a:buFont typeface="Wingdings" panose="05000000000000000000" pitchFamily="2" charset="2"/>
+              <a:buChar char="Ø"/>
+            </a:pPr>
+            <a:r>
+              <a:rPr lang="en-US" dirty="0" smtClean="0"/>
+              <a:t>Validity of  each transaction depends on the validity of previous one!</a:t>
+            </a:r>
+          </a:p>
+          <a:p>
+            <a:pPr marL="285750" indent="-285750">
+              <a:buFont typeface="Wingdings" panose="05000000000000000000" pitchFamily="2" charset="2"/>
+              <a:buChar char="Ø"/>
+            </a:pPr>
+            <a:r>
+              <a:rPr lang="en-US" dirty="0"/>
+              <a:t>The first time you install a Bitcoin Wallet Software, it downloads any transaction ever made and it checks each one’s validity all the way back to the very first transaction</a:t>
+            </a:r>
+            <a:r>
+              <a:rPr lang="en-US" dirty="0" smtClean="0"/>
+              <a:t>! (Can take </a:t>
+            </a:r>
+            <a:r>
+              <a:rPr lang="en-US" dirty="0" err="1" smtClean="0"/>
+              <a:t>upto</a:t>
+            </a:r>
+            <a:r>
+              <a:rPr lang="en-US" dirty="0" smtClean="0"/>
+              <a:t> 24 hours, but only needs to be done once!)</a:t>
+            </a:r>
+            <a:endParaRPr lang="en-US" dirty="0"/>
+          </a:p>
+        </p:txBody>
+      </p:sp>
+    </p:spTree>
+    <p:extLst>
+      <p:ext uri="{BB962C8B-B14F-4D97-AF65-F5344CB8AC3E}">
+        <p14:creationId xmlns:p14="http://schemas.microsoft.com/office/powerpoint/2010/main" val="3089962405"/>
+      </p:ext>
+    </p:extLst>
+  </p:cSld>
+  <p:clrMapOvr>
+    <a:masterClrMapping/>
+  </p:clrMapOvr>
+  <p:timing>
+    <p:tnLst>
+      <p:par>
+        <p:cTn id="1" dur="indefinite" restart="never" nodeType="tmRoot"/>
+      </p:par>
+    </p:tnLst>
+  </p:timing>
+</p:sld>
+</file>
+
+<file path=ppt/slides/slide27.xml><?xml version="1.0" encoding="utf-8"?>
+<p:sld xmlns:a="http://schemas.openxmlformats.org/drawingml/2006/main" xmlns:r="http://schemas.openxmlformats.org/officeDocument/2006/relationships" xmlns:p="http://schemas.openxmlformats.org/presentationml/2006/main">
+  <p:cSld>
+    <p:spTree>
+      <p:nvGrpSpPr>
+        <p:cNvPr id="1" name=""/>
+        <p:cNvGrpSpPr/>
+        <p:nvPr/>
+      </p:nvGrpSpPr>
+      <p:grpSpPr>
+        <a:xfrm>
+          <a:off x="0" y="0"/>
+          <a:ext cx="0" cy="0"/>
+          <a:chOff x="0" y="0"/>
+          <a:chExt cx="0" cy="0"/>
+        </a:xfrm>
+      </p:grpSpPr>
+      <p:sp>
+        <p:nvSpPr>
+          <p:cNvPr id="2" name="Title 1"/>
+          <p:cNvSpPr>
+            <a:spLocks noGrp="1"/>
+          </p:cNvSpPr>
+          <p:nvPr>
+            <p:ph type="title"/>
+          </p:nvPr>
+        </p:nvSpPr>
+        <p:spPr/>
+        <p:txBody>
+          <a:bodyPr/>
+          <a:lstStyle/>
+          <a:p>
+            <a:endParaRPr lang="en-US"/>
+          </a:p>
+        </p:txBody>
+      </p:sp>
+      <p:sp>
+        <p:nvSpPr>
+          <p:cNvPr id="3" name="Content Placeholder 2"/>
+          <p:cNvSpPr>
+            <a:spLocks noGrp="1"/>
+          </p:cNvSpPr>
+          <p:nvPr>
+            <p:ph idx="1"/>
+          </p:nvPr>
+        </p:nvSpPr>
+        <p:spPr/>
+        <p:txBody>
+          <a:bodyPr/>
+          <a:lstStyle/>
+          <a:p>
+            <a:endParaRPr lang="en-US" dirty="0"/>
+          </a:p>
+        </p:txBody>
+      </p:sp>
+    </p:spTree>
+    <p:extLst>
+      <p:ext uri="{BB962C8B-B14F-4D97-AF65-F5344CB8AC3E}">
+        <p14:creationId xmlns:p14="http://schemas.microsoft.com/office/powerpoint/2010/main" val="857730119"/>
+      </p:ext>
+    </p:extLst>
+  </p:cSld>
+  <p:clrMapOvr>
+    <a:masterClrMapping/>
+  </p:clrMapOvr>
+  <p:timing>
+    <p:tnLst>
+      <p:par>
+        <p:cTn id="1" dur="indefinite" restart="never" nodeType="tmRoot"/>
+      </p:par>
+    </p:tnLst>
+  </p:timing>
+</p:sld>
+</file>
+
+<file path=ppt/slides/slide28.xml><?xml version="1.0" encoding="utf-8"?>
+<p:sld xmlns:a="http://schemas.openxmlformats.org/drawingml/2006/main" xmlns:r="http://schemas.openxmlformats.org/officeDocument/2006/relationships" xmlns:p="http://schemas.openxmlformats.org/presentationml/2006/main">
+  <p:cSld>
+    <p:spTree>
+      <p:nvGrpSpPr>
+        <p:cNvPr id="1" name=""/>
+        <p:cNvGrpSpPr/>
+        <p:nvPr/>
+      </p:nvGrpSpPr>
+      <p:grpSpPr>
+        <a:xfrm>
+          <a:off x="0" y="0"/>
+          <a:ext cx="0" cy="0"/>
+          <a:chOff x="0" y="0"/>
+          <a:chExt cx="0" cy="0"/>
+        </a:xfrm>
+      </p:grpSpPr>
+      <p:sp>
+        <p:nvSpPr>
+          <p:cNvPr id="2" name="Title 1"/>
+          <p:cNvSpPr>
+            <a:spLocks noGrp="1"/>
+          </p:cNvSpPr>
+          <p:nvPr>
+            <p:ph type="title"/>
+          </p:nvPr>
+        </p:nvSpPr>
+        <p:spPr/>
+        <p:txBody>
+          <a:bodyPr/>
+          <a:lstStyle/>
+          <a:p>
+            <a:r>
+              <a:rPr lang="en-US" dirty="0" smtClean="0"/>
+              <a:t>Agenda</a:t>
+            </a:r>
+            <a:endParaRPr lang="en-US" dirty="0"/>
+          </a:p>
+        </p:txBody>
+      </p:sp>
+      <p:sp>
+        <p:nvSpPr>
+          <p:cNvPr id="3" name="Content Placeholder 2"/>
+          <p:cNvSpPr>
+            <a:spLocks noGrp="1"/>
+          </p:cNvSpPr>
+          <p:nvPr>
+            <p:ph idx="1"/>
+          </p:nvPr>
+        </p:nvSpPr>
+        <p:spPr/>
+        <p:txBody>
+          <a:bodyPr/>
+          <a:lstStyle/>
+          <a:p>
+            <a:pPr>
+              <a:buFont typeface="Wingdings" panose="05000000000000000000" pitchFamily="2" charset="2"/>
+              <a:buChar char="Ø"/>
+            </a:pPr>
+            <a:r>
+              <a:rPr lang="en-US" dirty="0" smtClean="0"/>
+              <a:t>Introduction</a:t>
+            </a:r>
+          </a:p>
+          <a:p>
+            <a:pPr>
+              <a:buFont typeface="Wingdings" panose="05000000000000000000" pitchFamily="2" charset="2"/>
+              <a:buChar char="Ø"/>
+            </a:pPr>
+            <a:r>
+              <a:rPr lang="en-US" dirty="0" smtClean="0"/>
+              <a:t>Motivation</a:t>
+            </a:r>
+          </a:p>
+          <a:p>
+            <a:pPr>
+              <a:buFont typeface="Wingdings" panose="05000000000000000000" pitchFamily="2" charset="2"/>
+              <a:buChar char="Ø"/>
+            </a:pPr>
+            <a:r>
+              <a:rPr lang="en-US" dirty="0" smtClean="0"/>
+              <a:t>Technical Overview</a:t>
+            </a:r>
+          </a:p>
+          <a:p>
+            <a:pPr>
+              <a:buFont typeface="Wingdings" panose="05000000000000000000" pitchFamily="2" charset="2"/>
+              <a:buChar char="Ø"/>
+            </a:pPr>
+            <a:r>
+              <a:rPr lang="en-US" dirty="0" smtClean="0"/>
+              <a:t>Detailed Feature Descriptions</a:t>
+            </a:r>
+          </a:p>
+          <a:p>
+            <a:pPr>
+              <a:buFont typeface="Wingdings" panose="05000000000000000000" pitchFamily="2" charset="2"/>
+              <a:buChar char="Ø"/>
+            </a:pPr>
+            <a:r>
+              <a:rPr lang="en-US" dirty="0" smtClean="0">
+                <a:solidFill>
+                  <a:srgbClr val="FF0000"/>
+                </a:solidFill>
+              </a:rPr>
+              <a:t>Strengths/Weaknesses</a:t>
+            </a:r>
+          </a:p>
+          <a:p>
+            <a:pPr>
+              <a:buFont typeface="Wingdings" panose="05000000000000000000" pitchFamily="2" charset="2"/>
+              <a:buChar char="Ø"/>
+            </a:pPr>
+            <a:r>
+              <a:rPr lang="en-US" dirty="0" smtClean="0"/>
+              <a:t>Future scope</a:t>
+            </a:r>
+            <a:endParaRPr lang="en-US" dirty="0"/>
+          </a:p>
+        </p:txBody>
+      </p:sp>
+    </p:spTree>
+    <p:extLst>
+      <p:ext uri="{BB962C8B-B14F-4D97-AF65-F5344CB8AC3E}">
+        <p14:creationId xmlns:p14="http://schemas.microsoft.com/office/powerpoint/2010/main" val="4192161623"/>
+      </p:ext>
+    </p:extLst>
+  </p:cSld>
+  <p:clrMapOvr>
+    <a:masterClrMapping/>
+  </p:clrMapOvr>
+  <p:timing>
+    <p:tnLst>
+      <p:par>
+        <p:cTn id="1" dur="indefinite" restart="never" nodeType="tmRoot"/>
+      </p:par>
+    </p:tnLst>
+  </p:timing>
+</p:sld>
+</file>
+
+<file path=ppt/slides/slide29.xml><?xml version="1.0" encoding="utf-8"?>
+<p:sld xmlns:a="http://schemas.openxmlformats.org/drawingml/2006/main" xmlns:r="http://schemas.openxmlformats.org/officeDocument/2006/relationships" xmlns:p="http://schemas.openxmlformats.org/presentationml/2006/main">
+  <p:cSld>
+    <p:spTree>
+      <p:nvGrpSpPr>
+        <p:cNvPr id="1" name=""/>
+        <p:cNvGrpSpPr/>
+        <p:nvPr/>
+      </p:nvGrpSpPr>
+      <p:grpSpPr>
+        <a:xfrm>
+          <a:off x="0" y="0"/>
+          <a:ext cx="0" cy="0"/>
+          <a:chOff x="0" y="0"/>
+          <a:chExt cx="0" cy="0"/>
+        </a:xfrm>
+      </p:grpSpPr>
+      <p:sp>
+        <p:nvSpPr>
+          <p:cNvPr id="2" name="Title 1"/>
+          <p:cNvSpPr>
+            <a:spLocks noGrp="1"/>
+          </p:cNvSpPr>
+          <p:nvPr>
+            <p:ph type="title"/>
+          </p:nvPr>
+        </p:nvSpPr>
+        <p:spPr/>
+        <p:txBody>
+          <a:bodyPr/>
+          <a:lstStyle/>
+          <a:p>
+            <a:r>
+              <a:rPr lang="en-US" dirty="0" smtClean="0"/>
+              <a:t>Weaknesses</a:t>
+            </a:r>
+            <a:endParaRPr lang="en-US" dirty="0"/>
+          </a:p>
+        </p:txBody>
+      </p:sp>
+      <p:sp>
+        <p:nvSpPr>
+          <p:cNvPr id="3" name="Content Placeholder 2"/>
+          <p:cNvSpPr>
+            <a:spLocks noGrp="1"/>
+          </p:cNvSpPr>
+          <p:nvPr>
+            <p:ph idx="1"/>
+          </p:nvPr>
+        </p:nvSpPr>
+        <p:spPr/>
+        <p:txBody>
+          <a:bodyPr/>
+          <a:lstStyle/>
+          <a:p>
+            <a:r>
+              <a:rPr lang="en-US" dirty="0" smtClean="0"/>
+              <a:t>Decentralization leads to “No trust”!</a:t>
+            </a:r>
+          </a:p>
+          <a:p>
+            <a:pPr lvl="1"/>
+            <a:r>
+              <a:rPr lang="en-US" dirty="0" smtClean="0"/>
+              <a:t>We trust our banks or if something goes wrong, we can sue our bank. In bitcoin we deal with anonymous strangers, so one cannot trust anyone.</a:t>
+            </a:r>
+            <a:endParaRPr lang="en-US" dirty="0"/>
+          </a:p>
+        </p:txBody>
+      </p:sp>
+    </p:spTree>
+    <p:extLst>
+      <p:ext uri="{BB962C8B-B14F-4D97-AF65-F5344CB8AC3E}">
+        <p14:creationId xmlns:p14="http://schemas.microsoft.com/office/powerpoint/2010/main" val="3672107668"/>
+      </p:ext>
+    </p:extLst>
+  </p:cSld>
+  <p:clrMapOvr>
+    <a:masterClrMapping/>
+  </p:clrMapOvr>
+  <p:timing>
+    <p:tnLst>
+      <p:par>
+        <p:cTn id="1" dur="indefinite" restart="never" nodeType="tmRoot"/>
+      </p:par>
+    </p:tnLst>
+  </p:timing>
+</p:sld>
+</file>
+
+<file path=ppt/slides/slide3.xml><?xml version="1.0" encoding="utf-8"?>
+<p:sld xmlns:a="http://schemas.openxmlformats.org/drawingml/2006/main" xmlns:r="http://schemas.openxmlformats.org/officeDocument/2006/relationships" xmlns:p="http://schemas.openxmlformats.org/presentationml/2006/main">
+  <p:cSld>
+    <p:spTree>
+      <p:nvGrpSpPr>
+        <p:cNvPr id="1" name=""/>
+        <p:cNvGrpSpPr/>
+        <p:nvPr/>
+      </p:nvGrpSpPr>
+      <p:grpSpPr>
+        <a:xfrm>
+          <a:off x="0" y="0"/>
+          <a:ext cx="0" cy="0"/>
+          <a:chOff x="0" y="0"/>
+          <a:chExt cx="0" cy="0"/>
+        </a:xfrm>
+      </p:grpSpPr>
+      <p:sp>
+        <p:nvSpPr>
+          <p:cNvPr id="2" name="Title 1"/>
+          <p:cNvSpPr>
+            <a:spLocks noGrp="1"/>
+          </p:cNvSpPr>
+          <p:nvPr>
+            <p:ph type="title"/>
+          </p:nvPr>
+        </p:nvSpPr>
+        <p:spPr/>
+        <p:txBody>
+          <a:bodyPr/>
+          <a:lstStyle/>
+          <a:p>
+            <a:r>
+              <a:rPr lang="en-US" dirty="0" smtClean="0"/>
+              <a:t>Agenda</a:t>
+            </a:r>
+            <a:endParaRPr lang="en-US" dirty="0"/>
+          </a:p>
+        </p:txBody>
+      </p:sp>
+      <p:sp>
+        <p:nvSpPr>
+          <p:cNvPr id="3" name="Content Placeholder 2"/>
+          <p:cNvSpPr>
+            <a:spLocks noGrp="1"/>
+          </p:cNvSpPr>
+          <p:nvPr>
+            <p:ph idx="1"/>
+          </p:nvPr>
+        </p:nvSpPr>
+        <p:spPr/>
+        <p:txBody>
+          <a:bodyPr/>
+          <a:lstStyle/>
+          <a:p>
+            <a:pPr>
+              <a:buFont typeface="Wingdings" panose="05000000000000000000" pitchFamily="2" charset="2"/>
+              <a:buChar char="Ø"/>
+            </a:pPr>
+            <a:r>
+              <a:rPr lang="en-US" dirty="0" smtClean="0">
+                <a:solidFill>
+                  <a:srgbClr val="FF0000"/>
+                </a:solidFill>
+              </a:rPr>
+              <a:t>Introduction</a:t>
+            </a:r>
+          </a:p>
+          <a:p>
+            <a:pPr>
+              <a:buFont typeface="Wingdings" panose="05000000000000000000" pitchFamily="2" charset="2"/>
+              <a:buChar char="Ø"/>
+            </a:pPr>
+            <a:r>
+              <a:rPr lang="en-US" dirty="0" smtClean="0"/>
+              <a:t>Motivation</a:t>
+            </a:r>
+          </a:p>
+          <a:p>
+            <a:pPr>
+              <a:buFont typeface="Wingdings" panose="05000000000000000000" pitchFamily="2" charset="2"/>
+              <a:buChar char="Ø"/>
+            </a:pPr>
+            <a:r>
+              <a:rPr lang="en-US" dirty="0" smtClean="0"/>
+              <a:t>Technical Overview</a:t>
+            </a:r>
+          </a:p>
+          <a:p>
+            <a:pPr>
+              <a:buFont typeface="Wingdings" panose="05000000000000000000" pitchFamily="2" charset="2"/>
+              <a:buChar char="Ø"/>
+            </a:pPr>
+            <a:r>
+              <a:rPr lang="en-US" dirty="0" smtClean="0"/>
+              <a:t>Detailed Feature Descriptions</a:t>
+            </a:r>
+          </a:p>
+          <a:p>
+            <a:pPr>
+              <a:buFont typeface="Wingdings" panose="05000000000000000000" pitchFamily="2" charset="2"/>
+              <a:buChar char="Ø"/>
+            </a:pPr>
+            <a:r>
+              <a:rPr lang="en-US" dirty="0" smtClean="0"/>
+              <a:t>Strengths/Weaknesses</a:t>
+            </a:r>
+          </a:p>
+          <a:p>
+            <a:pPr>
+              <a:buFont typeface="Wingdings" panose="05000000000000000000" pitchFamily="2" charset="2"/>
+              <a:buChar char="Ø"/>
+            </a:pPr>
+            <a:r>
+              <a:rPr lang="en-US" dirty="0" smtClean="0"/>
+              <a:t>Future scope</a:t>
+            </a:r>
+            <a:endParaRPr lang="en-US" dirty="0"/>
+          </a:p>
+        </p:txBody>
+      </p:sp>
+    </p:spTree>
+    <p:extLst>
+      <p:ext uri="{BB962C8B-B14F-4D97-AF65-F5344CB8AC3E}">
+        <p14:creationId xmlns:p14="http://schemas.microsoft.com/office/powerpoint/2010/main" val="211613113"/>
+      </p:ext>
+    </p:extLst>
+  </p:cSld>
+  <p:clrMapOvr>
+    <a:masterClrMapping/>
+  </p:clrMapOvr>
+  <p:timing>
+    <p:tnLst>
+      <p:par>
+        <p:cTn id="1" dur="indefinite" restart="never" nodeType="tmRoot"/>
+      </p:par>
+    </p:tnLst>
+  </p:timing>
+</p:sld>
+</file>
+
+<file path=ppt/slides/slide30.xml><?xml version="1.0" encoding="utf-8"?>
+<p:sld xmlns:a="http://schemas.openxmlformats.org/drawingml/2006/main" xmlns:r="http://schemas.openxmlformats.org/officeDocument/2006/relationships" xmlns:p="http://schemas.openxmlformats.org/presentationml/2006/main">
+  <p:cSld>
+    <p:spTree>
+      <p:nvGrpSpPr>
+        <p:cNvPr id="1" name=""/>
+        <p:cNvGrpSpPr/>
+        <p:nvPr/>
+      </p:nvGrpSpPr>
+      <p:grpSpPr>
+        <a:xfrm>
+          <a:off x="0" y="0"/>
+          <a:ext cx="0" cy="0"/>
+          <a:chOff x="0" y="0"/>
+          <a:chExt cx="0" cy="0"/>
+        </a:xfrm>
+      </p:grpSpPr>
+      <p:sp>
+        <p:nvSpPr>
+          <p:cNvPr id="2" name="Title 1"/>
+          <p:cNvSpPr>
+            <a:spLocks noGrp="1"/>
+          </p:cNvSpPr>
+          <p:nvPr>
+            <p:ph type="title"/>
+          </p:nvPr>
+        </p:nvSpPr>
+        <p:spPr/>
+        <p:txBody>
+          <a:bodyPr/>
+          <a:lstStyle/>
+          <a:p>
+            <a:r>
+              <a:rPr lang="en-US" dirty="0" smtClean="0"/>
+              <a:t>Agenda</a:t>
+            </a:r>
+            <a:endParaRPr lang="en-US" dirty="0"/>
+          </a:p>
+        </p:txBody>
+      </p:sp>
+      <p:sp>
+        <p:nvSpPr>
+          <p:cNvPr id="3" name="Content Placeholder 2"/>
+          <p:cNvSpPr>
+            <a:spLocks noGrp="1"/>
+          </p:cNvSpPr>
+          <p:nvPr>
+            <p:ph idx="1"/>
+          </p:nvPr>
+        </p:nvSpPr>
+        <p:spPr/>
+        <p:txBody>
+          <a:bodyPr/>
+          <a:lstStyle/>
+          <a:p>
+            <a:pPr>
+              <a:buFont typeface="Wingdings" panose="05000000000000000000" pitchFamily="2" charset="2"/>
+              <a:buChar char="Ø"/>
+            </a:pPr>
+            <a:r>
+              <a:rPr lang="en-US" dirty="0" smtClean="0"/>
+              <a:t>Introduction</a:t>
+            </a:r>
+          </a:p>
+          <a:p>
+            <a:pPr>
+              <a:buFont typeface="Wingdings" panose="05000000000000000000" pitchFamily="2" charset="2"/>
+              <a:buChar char="Ø"/>
+            </a:pPr>
+            <a:r>
+              <a:rPr lang="en-US" dirty="0" smtClean="0"/>
+              <a:t>Motivation</a:t>
+            </a:r>
+          </a:p>
+          <a:p>
+            <a:pPr>
+              <a:buFont typeface="Wingdings" panose="05000000000000000000" pitchFamily="2" charset="2"/>
+              <a:buChar char="Ø"/>
+            </a:pPr>
+            <a:r>
+              <a:rPr lang="en-US" dirty="0" smtClean="0"/>
+              <a:t>Technical Overview</a:t>
+            </a:r>
+          </a:p>
+          <a:p>
+            <a:pPr>
+              <a:buFont typeface="Wingdings" panose="05000000000000000000" pitchFamily="2" charset="2"/>
+              <a:buChar char="Ø"/>
+            </a:pPr>
+            <a:r>
+              <a:rPr lang="en-US" dirty="0" smtClean="0"/>
+              <a:t>Detailed Feature Descriptions</a:t>
+            </a:r>
+          </a:p>
+          <a:p>
+            <a:pPr>
+              <a:buFont typeface="Wingdings" panose="05000000000000000000" pitchFamily="2" charset="2"/>
+              <a:buChar char="Ø"/>
+            </a:pPr>
+            <a:r>
+              <a:rPr lang="en-US" dirty="0"/>
+              <a:t>Strengths/Weaknesses</a:t>
+            </a:r>
+          </a:p>
+          <a:p>
+            <a:pPr>
+              <a:buFont typeface="Wingdings" panose="05000000000000000000" pitchFamily="2" charset="2"/>
+              <a:buChar char="Ø"/>
+            </a:pPr>
+            <a:r>
+              <a:rPr lang="en-US" dirty="0" smtClean="0">
+                <a:solidFill>
+                  <a:srgbClr val="FF0000"/>
+                </a:solidFill>
+              </a:rPr>
+              <a:t>Future scope</a:t>
+            </a:r>
+            <a:endParaRPr lang="en-US" dirty="0">
+              <a:solidFill>
+                <a:srgbClr val="FF0000"/>
+              </a:solidFill>
+            </a:endParaRPr>
+          </a:p>
+        </p:txBody>
+      </p:sp>
+    </p:spTree>
+    <p:extLst>
+      <p:ext uri="{BB962C8B-B14F-4D97-AF65-F5344CB8AC3E}">
+        <p14:creationId xmlns:p14="http://schemas.microsoft.com/office/powerpoint/2010/main" val="1018011684"/>
+      </p:ext>
+    </p:extLst>
+  </p:cSld>
+  <p:clrMapOvr>
+    <a:masterClrMapping/>
+  </p:clrMapOvr>
+  <p:timing>
+    <p:tnLst>
+      <p:par>
+        <p:cTn id="1" dur="indefinite" restart="never" nodeType="tmRoot"/>
+      </p:par>
+    </p:tnLst>
+  </p:timing>
+</p:sld>
+</file>
+
+<file path=ppt/slides/slide31.xml><?xml version="1.0" encoding="utf-8"?>
+<p:sld xmlns:a="http://schemas.openxmlformats.org/drawingml/2006/main" xmlns:r="http://schemas.openxmlformats.org/officeDocument/2006/relationships" xmlns:p="http://schemas.openxmlformats.org/presentationml/2006/main">
+  <p:cSld>
+    <p:spTree>
+      <p:nvGrpSpPr>
+        <p:cNvPr id="1" name=""/>
+        <p:cNvGrpSpPr/>
+        <p:nvPr/>
+      </p:nvGrpSpPr>
+      <p:grpSpPr>
+        <a:xfrm>
+          <a:off x="0" y="0"/>
+          <a:ext cx="0" cy="0"/>
+          <a:chOff x="0" y="0"/>
+          <a:chExt cx="0" cy="0"/>
+        </a:xfrm>
+      </p:grpSpPr>
+      <p:sp>
+        <p:nvSpPr>
+          <p:cNvPr id="2" name="Title 1"/>
+          <p:cNvSpPr>
+            <a:spLocks noGrp="1"/>
+          </p:cNvSpPr>
+          <p:nvPr>
+            <p:ph type="title"/>
+          </p:nvPr>
+        </p:nvSpPr>
+        <p:spPr/>
+        <p:txBody>
+          <a:bodyPr/>
+          <a:lstStyle/>
+          <a:p>
+            <a:endParaRPr lang="en-US"/>
+          </a:p>
+        </p:txBody>
+      </p:sp>
+      <p:sp>
+        <p:nvSpPr>
+          <p:cNvPr id="3" name="Content Placeholder 2"/>
+          <p:cNvSpPr>
+            <a:spLocks noGrp="1"/>
+          </p:cNvSpPr>
+          <p:nvPr>
+            <p:ph idx="1"/>
+          </p:nvPr>
+        </p:nvSpPr>
+        <p:spPr/>
+        <p:txBody>
+          <a:bodyPr/>
+          <a:lstStyle/>
+          <a:p>
+            <a:endParaRPr lang="en-US"/>
+          </a:p>
+        </p:txBody>
+      </p:sp>
+    </p:spTree>
+    <p:extLst>
+      <p:ext uri="{BB962C8B-B14F-4D97-AF65-F5344CB8AC3E}">
+        <p14:creationId xmlns:p14="http://schemas.microsoft.com/office/powerpoint/2010/main" val="4190147823"/>
+      </p:ext>
+    </p:extLst>
+  </p:cSld>
+  <p:clrMapOvr>
+    <a:masterClrMapping/>
+  </p:clrMapOvr>
+  <p:timing>
+    <p:tnLst>
+      <p:par>
+        <p:cTn id="1" dur="indefinite" restart="never" nodeType="tmRoot"/>
+      </p:par>
+    </p:tnLst>
+  </p:timing>
+</p:sld>
+</file>
+
+<file path=ppt/slides/slide32.xml><?xml version="1.0" encoding="utf-8"?>
+<p:sld xmlns:a="http://schemas.openxmlformats.org/drawingml/2006/main" xmlns:r="http://schemas.openxmlformats.org/officeDocument/2006/relationships" xmlns:p="http://schemas.openxmlformats.org/presentationml/2006/main">
+  <p:cSld>
+    <p:spTree>
+      <p:nvGrpSpPr>
+        <p:cNvPr id="1" name=""/>
+        <p:cNvGrpSpPr/>
+        <p:nvPr/>
+      </p:nvGrpSpPr>
+      <p:grpSpPr>
+        <a:xfrm>
+          <a:off x="0" y="0"/>
+          <a:ext cx="0" cy="0"/>
+          <a:chOff x="0" y="0"/>
+          <a:chExt cx="0" cy="0"/>
+        </a:xfrm>
+      </p:grpSpPr>
+      <p:sp>
+        <p:nvSpPr>
+          <p:cNvPr id="2" name="Title 1"/>
+          <p:cNvSpPr>
+            <a:spLocks noGrp="1"/>
+          </p:cNvSpPr>
+          <p:nvPr>
+            <p:ph type="title"/>
+          </p:nvPr>
+        </p:nvSpPr>
+        <p:spPr/>
+        <p:txBody>
+          <a:bodyPr/>
+          <a:lstStyle/>
+          <a:p>
+            <a:endParaRPr lang="en-US"/>
+          </a:p>
+        </p:txBody>
+      </p:sp>
+      <p:sp>
+        <p:nvSpPr>
+          <p:cNvPr id="3" name="Content Placeholder 2"/>
+          <p:cNvSpPr>
+            <a:spLocks noGrp="1"/>
+          </p:cNvSpPr>
+          <p:nvPr>
+            <p:ph idx="1"/>
+          </p:nvPr>
+        </p:nvSpPr>
+        <p:spPr/>
+        <p:txBody>
+          <a:bodyPr>
+            <a:normAutofit/>
+          </a:bodyPr>
+          <a:lstStyle/>
+          <a:p>
+            <a:r>
+              <a:rPr lang="en-US" dirty="0" smtClean="0"/>
+              <a:t>continuously-growing </a:t>
+            </a:r>
+            <a:r>
+              <a:rPr lang="en-US" dirty="0"/>
+              <a:t>list of ordered </a:t>
+            </a:r>
+            <a:r>
+              <a:rPr lang="en-US" dirty="0" err="1">
+                <a:hlinkClick r:id="rId2" tooltip="Record (computer science)"/>
+              </a:rPr>
+              <a:t>records</a:t>
+            </a:r>
+            <a:r>
+              <a:rPr lang="en-US" dirty="0" err="1"/>
+              <a:t>called</a:t>
+            </a:r>
+            <a:r>
+              <a:rPr lang="en-US" dirty="0"/>
+              <a:t> </a:t>
+            </a:r>
+            <a:r>
+              <a:rPr lang="en-US" i="1" dirty="0"/>
+              <a:t>blocks</a:t>
+            </a:r>
+            <a:r>
+              <a:rPr lang="en-US" dirty="0"/>
+              <a:t>. Each block contains a </a:t>
+            </a:r>
+            <a:r>
+              <a:rPr lang="en-US" dirty="0">
+                <a:hlinkClick r:id="rId3" tooltip="Trusted timestamping"/>
+              </a:rPr>
+              <a:t>timestamp</a:t>
+            </a:r>
+            <a:r>
+              <a:rPr lang="en-US" dirty="0"/>
+              <a:t> and a link to a previous block.</a:t>
+            </a:r>
+            <a:r>
+              <a:rPr lang="en-US" baseline="30000" dirty="0">
+                <a:hlinkClick r:id="rId4"/>
+              </a:rPr>
+              <a:t>[6]</a:t>
+            </a:r>
+            <a:r>
+              <a:rPr lang="en-US" baseline="30000" dirty="0"/>
+              <a:t>:6</a:t>
+            </a:r>
+            <a:r>
+              <a:rPr lang="en-US" dirty="0"/>
+              <a:t> By design </a:t>
+            </a:r>
+            <a:r>
+              <a:rPr lang="en-US" dirty="0" err="1"/>
+              <a:t>blockchains</a:t>
+            </a:r>
+            <a:r>
+              <a:rPr lang="en-US" dirty="0"/>
+              <a:t> are inherently resistant to modification of the data - once recorded, the data in a block cannot be altered retroactively</a:t>
+            </a:r>
+            <a:r>
+              <a:rPr lang="en-US" dirty="0" smtClean="0"/>
+              <a:t>.</a:t>
+            </a:r>
+            <a:endParaRPr lang="en-US" dirty="0" smtClean="0"/>
+          </a:p>
+        </p:txBody>
+      </p:sp>
+    </p:spTree>
+    <p:extLst>
+      <p:ext uri="{BB962C8B-B14F-4D97-AF65-F5344CB8AC3E}">
+        <p14:creationId xmlns:p14="http://schemas.microsoft.com/office/powerpoint/2010/main" val="1828917589"/>
+      </p:ext>
+    </p:extLst>
+  </p:cSld>
+  <p:clrMapOvr>
+    <a:masterClrMapping/>
+  </p:clrMapOvr>
+  <p:timing>
+    <p:tnLst>
+      <p:par>
+        <p:cTn id="1" dur="indefinite" restart="never" nodeType="tmRoot"/>
+      </p:par>
+    </p:tnLst>
+  </p:timing>
+</p:sld>
+</file>
+
+<file path=ppt/slides/slide33.xml><?xml version="1.0" encoding="utf-8"?>
+<p:sld xmlns:a="http://schemas.openxmlformats.org/drawingml/2006/main" xmlns:r="http://schemas.openxmlformats.org/officeDocument/2006/relationships" xmlns:p="http://schemas.openxmlformats.org/presentationml/2006/main">
+  <p:cSld>
+    <p:spTree>
+      <p:nvGrpSpPr>
+        <p:cNvPr id="1" name=""/>
+        <p:cNvGrpSpPr/>
+        <p:nvPr/>
+      </p:nvGrpSpPr>
+      <p:grpSpPr>
+        <a:xfrm>
+          <a:off x="0" y="0"/>
+          <a:ext cx="0" cy="0"/>
+          <a:chOff x="0" y="0"/>
+          <a:chExt cx="0" cy="0"/>
+        </a:xfrm>
+      </p:grpSpPr>
+      <p:sp>
+        <p:nvSpPr>
+          <p:cNvPr id="2" name="Title 1"/>
+          <p:cNvSpPr>
+            <a:spLocks noGrp="1"/>
+          </p:cNvSpPr>
+          <p:nvPr>
+            <p:ph type="title"/>
+          </p:nvPr>
+        </p:nvSpPr>
+        <p:spPr/>
+        <p:txBody>
+          <a:bodyPr/>
+          <a:lstStyle/>
+          <a:p>
+            <a:endParaRPr lang="en-US"/>
+          </a:p>
+        </p:txBody>
+      </p:sp>
+      <p:sp>
+        <p:nvSpPr>
+          <p:cNvPr id="3" name="Content Placeholder 2"/>
+          <p:cNvSpPr>
+            <a:spLocks noGrp="1"/>
+          </p:cNvSpPr>
+          <p:nvPr>
+            <p:ph idx="1"/>
+          </p:nvPr>
+        </p:nvSpPr>
+        <p:spPr/>
+        <p:txBody>
+          <a:bodyPr>
+            <a:normAutofit/>
+          </a:bodyPr>
+          <a:lstStyle/>
+          <a:p>
+            <a:r>
+              <a:rPr lang="en-US" dirty="0"/>
+              <a:t>Miners collect transactions and put them into a single block. A block generally contains four pieces of information: a reference to the previous block, a summary of included transaction, a time stamp, and Proof of Work that went into creating the secure block. The blocks are strung together into a chain—a fluid chain that does not allow for any inconsistencies; this means there are no “bad </a:t>
+            </a:r>
+            <a:r>
+              <a:rPr lang="en-US" dirty="0" err="1"/>
+              <a:t>cheques</a:t>
+            </a:r>
+            <a:r>
+              <a:rPr lang="en-US" dirty="0"/>
+              <a:t>” in the system, and transactions entered are necessarily valid and can be processed. By checking the blockchain and confirming transactions, the entire system is effectively self-regulated and fully secure. No, that doesn’t mean some kid cooped up in a basement can just click “okay” and confirm a billion dollar transfer. Blocks generally need numerous independent confirmations, and the equations are intended to be hard to crack. Not to mention, the hardware required is far more specialized than the average laptop. Finally, what’s to stop someone from simply going back and editing existing blocks? Each block is securely hashed—meaning it is rendered into seeming gibberish and nearly impossible to invert or undo. Once it’s in the blockchain, it’s there forever.</a:t>
+            </a:r>
+          </a:p>
+        </p:txBody>
+      </p:sp>
+    </p:spTree>
+    <p:extLst>
+      <p:ext uri="{BB962C8B-B14F-4D97-AF65-F5344CB8AC3E}">
+        <p14:creationId xmlns:p14="http://schemas.microsoft.com/office/powerpoint/2010/main" val="3068238615"/>
+      </p:ext>
+    </p:extLst>
+  </p:cSld>
+  <p:clrMapOvr>
+    <a:masterClrMapping/>
+  </p:clrMapOvr>
+  <p:timing>
+    <p:tnLst>
+      <p:par>
+        <p:cTn id="1" dur="indefinite" restart="never" nodeType="tmRoot"/>
+      </p:par>
+    </p:tnLst>
+  </p:timing>
+</p:sld>
+</file>
+
+<file path=ppt/slides/slide34.xml><?xml version="1.0" encoding="utf-8"?>
+<p:sld xmlns:a="http://schemas.openxmlformats.org/drawingml/2006/main" xmlns:r="http://schemas.openxmlformats.org/officeDocument/2006/relationships" xmlns:p="http://schemas.openxmlformats.org/presentationml/2006/main">
+  <p:cSld>
+    <p:spTree>
+      <p:nvGrpSpPr>
+        <p:cNvPr id="1" name=""/>
+        <p:cNvGrpSpPr/>
+        <p:nvPr/>
+      </p:nvGrpSpPr>
+      <p:grpSpPr>
+        <a:xfrm>
+          <a:off x="0" y="0"/>
+          <a:ext cx="0" cy="0"/>
+          <a:chOff x="0" y="0"/>
+          <a:chExt cx="0" cy="0"/>
+        </a:xfrm>
+      </p:grpSpPr>
+      <p:sp>
+        <p:nvSpPr>
+          <p:cNvPr id="2" name="Title 1"/>
+          <p:cNvSpPr>
+            <a:spLocks noGrp="1"/>
+          </p:cNvSpPr>
+          <p:nvPr>
+            <p:ph type="title"/>
+          </p:nvPr>
+        </p:nvSpPr>
+        <p:spPr/>
+        <p:txBody>
+          <a:bodyPr/>
+          <a:lstStyle/>
+          <a:p>
+            <a:r>
+              <a:rPr lang="en-US" b="1" dirty="0" smtClean="0"/>
+              <a:t>Who will use the blockchain?</a:t>
+            </a:r>
+            <a:endParaRPr lang="en-US" dirty="0"/>
+          </a:p>
+        </p:txBody>
+      </p:sp>
+      <p:sp>
+        <p:nvSpPr>
+          <p:cNvPr id="3" name="Content Placeholder 2"/>
+          <p:cNvSpPr>
+            <a:spLocks noGrp="1"/>
+          </p:cNvSpPr>
+          <p:nvPr>
+            <p:ph idx="1"/>
+          </p:nvPr>
+        </p:nvSpPr>
+        <p:spPr/>
+        <p:txBody>
+          <a:bodyPr>
+            <a:normAutofit lnSpcReduction="10000"/>
+          </a:bodyPr>
+          <a:lstStyle/>
+          <a:p>
+            <a:r>
+              <a:rPr lang="en-US" dirty="0" smtClean="0"/>
+              <a:t>As </a:t>
+            </a:r>
+            <a:r>
+              <a:rPr lang="en-US" dirty="0"/>
+              <a:t>web infrastructure, you don’t need to know about the blockchain for it to be useful in your life.</a:t>
+            </a:r>
+          </a:p>
+          <a:p>
+            <a:r>
+              <a:rPr lang="en-US" dirty="0"/>
+              <a:t>Currently, finance offers the strongest use cases for the technology. International remittances, for instance. The World Bank estimates that over $430 billion US in money transfers were sent in 2015.</a:t>
+            </a:r>
+          </a:p>
+          <a:p>
+            <a:r>
+              <a:rPr lang="en-US" dirty="0"/>
+              <a:t>The blockchain potentially cuts out the middleman for these types of transactions.  Personal computing became accessible to the general public with the invention of the Graphical User Interface (GUI), which took the form of a “desktop”. Similarly, the most common GUI devised for the blockchain are the so-called “wallet” applications, which people use to buy things with Bitcoin, and store it along with other cryptocurrencies.</a:t>
+            </a:r>
+          </a:p>
+          <a:p>
+            <a:r>
+              <a:rPr lang="en-US" dirty="0"/>
+              <a:t>Transactions online are closely connected to the processes of identity verification. It is easy to imagine that wallet apps will transform in the coming years to include other types of identity management.</a:t>
+            </a:r>
+          </a:p>
+          <a:p>
+            <a:endParaRPr lang="en-US" dirty="0"/>
+          </a:p>
+        </p:txBody>
+      </p:sp>
+    </p:spTree>
+    <p:extLst>
+      <p:ext uri="{BB962C8B-B14F-4D97-AF65-F5344CB8AC3E}">
+        <p14:creationId xmlns:p14="http://schemas.microsoft.com/office/powerpoint/2010/main" val="1937949944"/>
+      </p:ext>
+    </p:extLst>
+  </p:cSld>
+  <p:clrMapOvr>
+    <a:masterClrMapping/>
+  </p:clrMapOvr>
+  <p:timing>
+    <p:tnLst>
+      <p:par>
+        <p:cTn id="1" dur="indefinite" restart="never" nodeType="tmRoot"/>
+      </p:par>
+    </p:tnLst>
+  </p:timing>
+</p:sld>
+</file>
+
+<file path=ppt/slides/slide35.xml><?xml version="1.0" encoding="utf-8"?>
+<p:sld xmlns:a="http://schemas.openxmlformats.org/drawingml/2006/main" xmlns:r="http://schemas.openxmlformats.org/officeDocument/2006/relationships" xmlns:p="http://schemas.openxmlformats.org/presentationml/2006/main">
+  <p:cSld>
+    <p:spTree>
+      <p:nvGrpSpPr>
+        <p:cNvPr id="1" name=""/>
+        <p:cNvGrpSpPr/>
+        <p:nvPr/>
+      </p:nvGrpSpPr>
+      <p:grpSpPr>
+        <a:xfrm>
+          <a:off x="0" y="0"/>
+          <a:ext cx="0" cy="0"/>
+          <a:chOff x="0" y="0"/>
+          <a:chExt cx="0" cy="0"/>
+        </a:xfrm>
+      </p:grpSpPr>
+      <p:sp>
+        <p:nvSpPr>
+          <p:cNvPr id="2" name="Title 1"/>
+          <p:cNvSpPr>
+            <a:spLocks noGrp="1"/>
+          </p:cNvSpPr>
+          <p:nvPr>
+            <p:ph type="title"/>
+          </p:nvPr>
+        </p:nvSpPr>
+        <p:spPr/>
+        <p:txBody>
+          <a:bodyPr/>
+          <a:lstStyle/>
+          <a:p>
+            <a:endParaRPr lang="en-US"/>
+          </a:p>
+        </p:txBody>
+      </p:sp>
+      <p:sp>
+        <p:nvSpPr>
+          <p:cNvPr id="3" name="Content Placeholder 2"/>
+          <p:cNvSpPr>
+            <a:spLocks noGrp="1"/>
+          </p:cNvSpPr>
+          <p:nvPr>
+            <p:ph idx="1"/>
+          </p:nvPr>
+        </p:nvSpPr>
+        <p:spPr/>
+        <p:txBody>
+          <a:bodyPr>
+            <a:normAutofit/>
+          </a:bodyPr>
+          <a:lstStyle/>
+          <a:p>
+            <a:r>
+              <a:rPr lang="en-US" b="1" dirty="0"/>
+              <a:t>A second-level network</a:t>
+            </a:r>
+          </a:p>
+          <a:p>
+            <a:r>
+              <a:rPr lang="en-US" dirty="0"/>
+              <a:t>With blockchain technology, the web gains a new layer of functionality.</a:t>
+            </a:r>
+          </a:p>
+          <a:p>
+            <a:r>
+              <a:rPr lang="en-US" dirty="0"/>
+              <a:t>Already, users can transact directly with one another — Bitcoin transactions in 2016 averaged over $200,000 US per day. With the added security brought by the blockchain new internet business are on track to unbundle the traditional institutions of finance.</a:t>
+            </a:r>
+          </a:p>
+          <a:p>
+            <a:r>
+              <a:rPr lang="en-US" dirty="0"/>
+              <a:t>Goldman Sachs believes that blockchain technology holds great potential especially to optimize clearing and settlements, and could represent global savings of up to $6bn per year.</a:t>
+            </a:r>
+          </a:p>
+          <a:p>
+            <a:r>
+              <a:rPr lang="en-US" dirty="0"/>
+              <a:t> </a:t>
+            </a:r>
+          </a:p>
+          <a:p>
+            <a:endParaRPr lang="en-US" dirty="0"/>
+          </a:p>
+        </p:txBody>
+      </p:sp>
+    </p:spTree>
+    <p:extLst>
+      <p:ext uri="{BB962C8B-B14F-4D97-AF65-F5344CB8AC3E}">
+        <p14:creationId xmlns:p14="http://schemas.microsoft.com/office/powerpoint/2010/main" val="156406115"/>
+      </p:ext>
+    </p:extLst>
+  </p:cSld>
+  <p:clrMapOvr>
+    <a:masterClrMapping/>
+  </p:clrMapOvr>
+  <p:timing>
+    <p:tnLst>
+      <p:par>
+        <p:cTn id="1" dur="indefinite" restart="never" nodeType="tmRoot"/>
+      </p:par>
+    </p:tnLst>
+  </p:timing>
+</p:sld>
+</file>
+
+<file path=ppt/slides/slide36.xml><?xml version="1.0" encoding="utf-8"?>
 <p:sld xmlns:a="http://schemas.openxmlformats.org/drawingml/2006/main" xmlns:r="http://schemas.openxmlformats.org/officeDocument/2006/relationships" xmlns:p="http://schemas.openxmlformats.org/presentationml/2006/main">
   <p:cSld>
     <p:spTree>
@@ -13831,10 +16973,17 @@
   <p:clrMapOvr>
     <a:masterClrMapping/>
   </p:clrMapOvr>
+  <p:timing>
+    <p:tnLst>
+      <p:par>
+        <p:cTn id="1" dur="indefinite" restart="never" nodeType="tmRoot"/>
+      </p:par>
+    </p:tnLst>
+  </p:timing>
 </p:sld>
 </file>
 
-<file path=ppt/slides/slide21.xml><?xml version="1.0" encoding="utf-8"?>
+<file path=ppt/slides/slide37.xml><?xml version="1.0" encoding="utf-8"?>
 <p:sld xmlns:a="http://schemas.openxmlformats.org/drawingml/2006/main" xmlns:r="http://schemas.openxmlformats.org/officeDocument/2006/relationships" xmlns:p="http://schemas.openxmlformats.org/presentationml/2006/main">
   <p:cSld>
     <p:spTree>
@@ -13933,7 +17082,7 @@
 </p:sld>
 </file>
 
-<file path=ppt/slides/slide22.xml><?xml version="1.0" encoding="utf-8"?>
+<file path=ppt/slides/slide38.xml><?xml version="1.0" encoding="utf-8"?>
 <p:sld xmlns:a="http://schemas.openxmlformats.org/drawingml/2006/main" xmlns:r="http://schemas.openxmlformats.org/officeDocument/2006/relationships" xmlns:p="http://schemas.openxmlformats.org/presentationml/2006/main">
   <p:cSld>
     <p:spTree>
@@ -13992,7 +17141,6 @@
               <a:rPr lang="en-US" dirty="0"/>
               <a:t>However, it is public knowledge that nine major banks (including JP Morgan and Goldman Sachs) recently joined a partnership to develop blockchain technologies.</a:t>
             </a:r>
-            <a:endParaRPr lang="en-US" dirty="0"/>
           </a:p>
         </p:txBody>
       </p:sp>
@@ -14006,10 +17154,17 @@
   <p:clrMapOvr>
     <a:masterClrMapping/>
   </p:clrMapOvr>
+  <p:timing>
+    <p:tnLst>
+      <p:par>
+        <p:cTn id="1" dur="indefinite" restart="never" nodeType="tmRoot"/>
+      </p:par>
+    </p:tnLst>
+  </p:timing>
 </p:sld>
 </file>
 
-<file path=ppt/slides/slide23.xml><?xml version="1.0" encoding="utf-8"?>
+<file path=ppt/slides/slide39.xml><?xml version="1.0" encoding="utf-8"?>
 <p:sld xmlns:a="http://schemas.openxmlformats.org/drawingml/2006/main" xmlns:r="http://schemas.openxmlformats.org/officeDocument/2006/relationships" xmlns:p="http://schemas.openxmlformats.org/presentationml/2006/main">
   <p:cSld>
     <p:spTree>
@@ -14159,775 +17314,6 @@
     <p:extLst>
       <p:ext uri="{BB962C8B-B14F-4D97-AF65-F5344CB8AC3E}">
         <p14:creationId xmlns:p14="http://schemas.microsoft.com/office/powerpoint/2010/main" val="3521518690"/>
-      </p:ext>
-    </p:extLst>
-  </p:cSld>
-  <p:clrMapOvr>
-    <a:masterClrMapping/>
-  </p:clrMapOvr>
-</p:sld>
-</file>
-
-<file path=ppt/slides/slide24.xml><?xml version="1.0" encoding="utf-8"?>
-<p:sld xmlns:a="http://schemas.openxmlformats.org/drawingml/2006/main" xmlns:r="http://schemas.openxmlformats.org/officeDocument/2006/relationships" xmlns:p="http://schemas.openxmlformats.org/presentationml/2006/main">
-  <p:cSld>
-    <p:spTree>
-      <p:nvGrpSpPr>
-        <p:cNvPr id="1" name=""/>
-        <p:cNvGrpSpPr/>
-        <p:nvPr/>
-      </p:nvGrpSpPr>
-      <p:grpSpPr>
-        <a:xfrm>
-          <a:off x="0" y="0"/>
-          <a:ext cx="0" cy="0"/>
-          <a:chOff x="0" y="0"/>
-          <a:chExt cx="0" cy="0"/>
-        </a:xfrm>
-      </p:grpSpPr>
-      <p:sp>
-        <p:nvSpPr>
-          <p:cNvPr id="2" name="Title 1"/>
-          <p:cNvSpPr>
-            <a:spLocks noGrp="1"/>
-          </p:cNvSpPr>
-          <p:nvPr>
-            <p:ph type="title"/>
-          </p:nvPr>
-        </p:nvSpPr>
-        <p:spPr/>
-        <p:txBody>
-          <a:bodyPr/>
-          <a:lstStyle/>
-          <a:p>
-            <a:endParaRPr lang="en-US"/>
-          </a:p>
-        </p:txBody>
-      </p:sp>
-      <p:pic>
-        <p:nvPicPr>
-          <p:cNvPr id="4" name="Content Placeholder 3"/>
-          <p:cNvPicPr>
-            <a:picLocks noGrp="1" noChangeAspect="1"/>
-          </p:cNvPicPr>
-          <p:nvPr>
-            <p:ph idx="1"/>
-          </p:nvPr>
-        </p:nvPicPr>
-        <p:blipFill>
-          <a:blip r:embed="rId2"/>
-          <a:stretch>
-            <a:fillRect/>
-          </a:stretch>
-        </p:blipFill>
-        <p:spPr>
-          <a:xfrm>
-            <a:off x="2045144" y="1828800"/>
-            <a:ext cx="7028563" cy="4351338"/>
-          </a:xfrm>
-          <a:prstGeom prst="rect">
-            <a:avLst/>
-          </a:prstGeom>
-        </p:spPr>
-      </p:pic>
-    </p:spTree>
-    <p:extLst>
-      <p:ext uri="{BB962C8B-B14F-4D97-AF65-F5344CB8AC3E}">
-        <p14:creationId xmlns:p14="http://schemas.microsoft.com/office/powerpoint/2010/main" val="134672542"/>
-      </p:ext>
-    </p:extLst>
-  </p:cSld>
-  <p:clrMapOvr>
-    <a:masterClrMapping/>
-  </p:clrMapOvr>
-  <p:timing>
-    <p:tnLst>
-      <p:par>
-        <p:cTn id="1" dur="indefinite" restart="never" nodeType="tmRoot"/>
-      </p:par>
-    </p:tnLst>
-  </p:timing>
-</p:sld>
-</file>
-
-<file path=ppt/slides/slide25.xml><?xml version="1.0" encoding="utf-8"?>
-<p:sld xmlns:a="http://schemas.openxmlformats.org/drawingml/2006/main" xmlns:r="http://schemas.openxmlformats.org/officeDocument/2006/relationships" xmlns:p="http://schemas.openxmlformats.org/presentationml/2006/main">
-  <p:cSld>
-    <p:spTree>
-      <p:nvGrpSpPr>
-        <p:cNvPr id="1" name=""/>
-        <p:cNvGrpSpPr/>
-        <p:nvPr/>
-      </p:nvGrpSpPr>
-      <p:grpSpPr>
-        <a:xfrm>
-          <a:off x="0" y="0"/>
-          <a:ext cx="0" cy="0"/>
-          <a:chOff x="0" y="0"/>
-          <a:chExt cx="0" cy="0"/>
-        </a:xfrm>
-      </p:grpSpPr>
-      <p:sp>
-        <p:nvSpPr>
-          <p:cNvPr id="2" name="Title 1"/>
-          <p:cNvSpPr>
-            <a:spLocks noGrp="1"/>
-          </p:cNvSpPr>
-          <p:nvPr>
-            <p:ph type="title"/>
-          </p:nvPr>
-        </p:nvSpPr>
-        <p:spPr/>
-        <p:txBody>
-          <a:bodyPr/>
-          <a:lstStyle/>
-          <a:p>
-            <a:endParaRPr lang="en-US"/>
-          </a:p>
-        </p:txBody>
-      </p:sp>
-      <p:sp>
-        <p:nvSpPr>
-          <p:cNvPr id="3" name="Content Placeholder 2"/>
-          <p:cNvSpPr>
-            <a:spLocks noGrp="1"/>
-          </p:cNvSpPr>
-          <p:nvPr>
-            <p:ph idx="1"/>
-          </p:nvPr>
-        </p:nvSpPr>
-        <p:spPr/>
-        <p:txBody>
-          <a:bodyPr>
-            <a:normAutofit/>
-          </a:bodyPr>
-          <a:lstStyle/>
-          <a:p>
-            <a:endParaRPr lang="en-US" dirty="0"/>
-          </a:p>
-          <a:p>
-            <a:pPr marL="0" indent="0">
-              <a:buNone/>
-            </a:pPr>
-            <a:r>
-              <a:rPr lang="en-US" dirty="0" smtClean="0">
-                <a:hlinkClick r:id="rId2"/>
-              </a:rPr>
-              <a:t>https://bitcoin.org/en/</a:t>
-            </a:r>
-            <a:endParaRPr lang="en-US" dirty="0"/>
-          </a:p>
-          <a:p>
-            <a:pPr marL="0" indent="0">
-              <a:buNone/>
-            </a:pPr>
-            <a:r>
-              <a:rPr lang="en-US" dirty="0" smtClean="0">
-                <a:hlinkClick r:id="rId3"/>
-              </a:rPr>
-              <a:t>https://www.blockchain.com/</a:t>
-            </a:r>
-            <a:endParaRPr lang="en-US" dirty="0" smtClean="0"/>
-          </a:p>
-          <a:p>
-            <a:pPr marL="0" indent="0">
-              <a:buNone/>
-            </a:pPr>
-            <a:r>
-              <a:rPr lang="en-US" dirty="0" smtClean="0">
-                <a:hlinkClick r:id="rId4"/>
-              </a:rPr>
-              <a:t>http://blockgeeks.com/guides/what-is-blockchain-technology-a-step-by-step-guide-than-anyone-can-understand</a:t>
-            </a:r>
-            <a:r>
-              <a:rPr lang="en-US" dirty="0" smtClean="0">
-                <a:hlinkClick r:id="rId4"/>
-              </a:rPr>
-              <a:t>/</a:t>
-            </a:r>
-            <a:endParaRPr lang="en-US" dirty="0" smtClean="0"/>
-          </a:p>
-          <a:p>
-            <a:pPr marL="0" indent="0">
-              <a:buNone/>
-            </a:pPr>
-            <a:endParaRPr lang="en-US" dirty="0"/>
-          </a:p>
-          <a:p>
-            <a:pPr marL="0" indent="0">
-              <a:buNone/>
-            </a:pPr>
-            <a:r>
-              <a:rPr lang="en-US" dirty="0">
-                <a:hlinkClick r:id="rId5"/>
-              </a:rPr>
-              <a:t>https://</a:t>
-            </a:r>
-            <a:r>
-              <a:rPr lang="en-US" dirty="0" smtClean="0">
-                <a:hlinkClick r:id="rId5"/>
-              </a:rPr>
-              <a:t>www.linkedin.com/pulse/blockchain-non-financial-services-use-cases-paul-forrest</a:t>
-            </a:r>
-            <a:endParaRPr lang="en-US" dirty="0" smtClean="0"/>
-          </a:p>
-          <a:p>
-            <a:pPr marL="0" indent="0">
-              <a:buNone/>
-            </a:pPr>
-            <a:endParaRPr lang="en-US" dirty="0" smtClean="0"/>
-          </a:p>
-          <a:p>
-            <a:pPr marL="0" indent="0">
-              <a:buNone/>
-            </a:pPr>
-            <a:endParaRPr lang="en-US" dirty="0"/>
-          </a:p>
-          <a:p>
-            <a:pPr marL="0" indent="0">
-              <a:buNone/>
-            </a:pPr>
-            <a:endParaRPr lang="en-US" dirty="0"/>
-          </a:p>
-        </p:txBody>
-      </p:sp>
-    </p:spTree>
-    <p:extLst>
-      <p:ext uri="{BB962C8B-B14F-4D97-AF65-F5344CB8AC3E}">
-        <p14:creationId xmlns:p14="http://schemas.microsoft.com/office/powerpoint/2010/main" val="1237604450"/>
-      </p:ext>
-    </p:extLst>
-  </p:cSld>
-  <p:clrMapOvr>
-    <a:masterClrMapping/>
-  </p:clrMapOvr>
-  <p:timing>
-    <p:tnLst>
-      <p:par>
-        <p:cTn id="1" dur="indefinite" restart="never" nodeType="tmRoot"/>
-      </p:par>
-    </p:tnLst>
-  </p:timing>
-</p:sld>
-</file>
-
-<file path=ppt/slides/slide26.xml><?xml version="1.0" encoding="utf-8"?>
-<p:sld xmlns:a="http://schemas.openxmlformats.org/drawingml/2006/main" xmlns:r="http://schemas.openxmlformats.org/officeDocument/2006/relationships" xmlns:p="http://schemas.openxmlformats.org/presentationml/2006/main">
-  <p:cSld>
-    <p:spTree>
-      <p:nvGrpSpPr>
-        <p:cNvPr id="1" name=""/>
-        <p:cNvGrpSpPr/>
-        <p:nvPr/>
-      </p:nvGrpSpPr>
-      <p:grpSpPr>
-        <a:xfrm>
-          <a:off x="0" y="0"/>
-          <a:ext cx="0" cy="0"/>
-          <a:chOff x="0" y="0"/>
-          <a:chExt cx="0" cy="0"/>
-        </a:xfrm>
-      </p:grpSpPr>
-      <p:sp>
-        <p:nvSpPr>
-          <p:cNvPr id="2" name="Title 1"/>
-          <p:cNvSpPr>
-            <a:spLocks noGrp="1"/>
-          </p:cNvSpPr>
-          <p:nvPr>
-            <p:ph type="title"/>
-          </p:nvPr>
-        </p:nvSpPr>
-        <p:spPr/>
-        <p:txBody>
-          <a:bodyPr/>
-          <a:lstStyle/>
-          <a:p>
-            <a:endParaRPr lang="en-US"/>
-          </a:p>
-        </p:txBody>
-      </p:sp>
-      <p:sp>
-        <p:nvSpPr>
-          <p:cNvPr id="3" name="Content Placeholder 2"/>
-          <p:cNvSpPr>
-            <a:spLocks noGrp="1"/>
-          </p:cNvSpPr>
-          <p:nvPr>
-            <p:ph idx="1"/>
-          </p:nvPr>
-        </p:nvSpPr>
-        <p:spPr/>
-        <p:txBody>
-          <a:bodyPr/>
-          <a:lstStyle/>
-          <a:p>
-            <a:r>
-              <a:rPr lang="en-US" dirty="0">
-                <a:hlinkClick r:id="rId2"/>
-              </a:rPr>
-              <a:t>http://</a:t>
-            </a:r>
-            <a:r>
-              <a:rPr lang="en-US" dirty="0" smtClean="0">
-                <a:hlinkClick r:id="rId2"/>
-              </a:rPr>
-              <a:t>scet.berkeley.edu/wp-content/uploads/BlockchainPaper.pdf</a:t>
-            </a:r>
-            <a:endParaRPr lang="en-US" dirty="0" smtClean="0"/>
-          </a:p>
-          <a:p>
-            <a:endParaRPr lang="en-US" dirty="0"/>
-          </a:p>
-          <a:p>
-            <a:r>
-              <a:rPr lang="en-US" dirty="0"/>
-              <a:t>http://marmelab.com/blog/2016/04/28/blockchain-for-web-developers-the-theory.html</a:t>
-            </a:r>
-          </a:p>
-        </p:txBody>
-      </p:sp>
-    </p:spTree>
-    <p:extLst>
-      <p:ext uri="{BB962C8B-B14F-4D97-AF65-F5344CB8AC3E}">
-        <p14:creationId xmlns:p14="http://schemas.microsoft.com/office/powerpoint/2010/main" val="3950658389"/>
-      </p:ext>
-    </p:extLst>
-  </p:cSld>
-  <p:clrMapOvr>
-    <a:masterClrMapping/>
-  </p:clrMapOvr>
-  <p:timing>
-    <p:tnLst>
-      <p:par>
-        <p:cTn id="1" dur="indefinite" restart="never" nodeType="tmRoot"/>
-      </p:par>
-    </p:tnLst>
-  </p:timing>
-</p:sld>
-</file>
-
-<file path=ppt/slides/slide27.xml><?xml version="1.0" encoding="utf-8"?>
-<p:sld xmlns:a="http://schemas.openxmlformats.org/drawingml/2006/main" xmlns:r="http://schemas.openxmlformats.org/officeDocument/2006/relationships" xmlns:p="http://schemas.openxmlformats.org/presentationml/2006/main">
-  <p:cSld>
-    <p:spTree>
-      <p:nvGrpSpPr>
-        <p:cNvPr id="1" name=""/>
-        <p:cNvGrpSpPr/>
-        <p:nvPr/>
-      </p:nvGrpSpPr>
-      <p:grpSpPr>
-        <a:xfrm>
-          <a:off x="0" y="0"/>
-          <a:ext cx="0" cy="0"/>
-          <a:chOff x="0" y="0"/>
-          <a:chExt cx="0" cy="0"/>
-        </a:xfrm>
-      </p:grpSpPr>
-      <p:sp>
-        <p:nvSpPr>
-          <p:cNvPr id="2" name="Title 1"/>
-          <p:cNvSpPr>
-            <a:spLocks noGrp="1"/>
-          </p:cNvSpPr>
-          <p:nvPr>
-            <p:ph type="title"/>
-          </p:nvPr>
-        </p:nvSpPr>
-        <p:spPr/>
-        <p:txBody>
-          <a:bodyPr/>
-          <a:lstStyle/>
-          <a:p>
-            <a:endParaRPr lang="en-US"/>
-          </a:p>
-        </p:txBody>
-      </p:sp>
-      <p:sp>
-        <p:nvSpPr>
-          <p:cNvPr id="3" name="Content Placeholder 2"/>
-          <p:cNvSpPr>
-            <a:spLocks noGrp="1"/>
-          </p:cNvSpPr>
-          <p:nvPr>
-            <p:ph idx="1"/>
-          </p:nvPr>
-        </p:nvSpPr>
-        <p:spPr/>
-        <p:txBody>
-          <a:bodyPr/>
-          <a:lstStyle/>
-          <a:p>
-            <a:r>
-              <a:rPr lang="en-US" dirty="0" smtClean="0"/>
-              <a:t>THANK YOU</a:t>
-            </a:r>
-            <a:endParaRPr lang="en-US" dirty="0"/>
-          </a:p>
-        </p:txBody>
-      </p:sp>
-    </p:spTree>
-    <p:extLst>
-      <p:ext uri="{BB962C8B-B14F-4D97-AF65-F5344CB8AC3E}">
-        <p14:creationId xmlns:p14="http://schemas.microsoft.com/office/powerpoint/2010/main" val="750528939"/>
-      </p:ext>
-    </p:extLst>
-  </p:cSld>
-  <p:clrMapOvr>
-    <a:masterClrMapping/>
-  </p:clrMapOvr>
-  <p:timing>
-    <p:tnLst>
-      <p:par>
-        <p:cTn id="1" dur="indefinite" restart="never" nodeType="tmRoot"/>
-      </p:par>
-    </p:tnLst>
-  </p:timing>
-</p:sld>
-</file>
-
-<file path=ppt/slides/slide28.xml><?xml version="1.0" encoding="utf-8"?>
-<p:sld xmlns:a="http://schemas.openxmlformats.org/drawingml/2006/main" xmlns:r="http://schemas.openxmlformats.org/officeDocument/2006/relationships" xmlns:p="http://schemas.openxmlformats.org/presentationml/2006/main">
-  <p:cSld>
-    <p:spTree>
-      <p:nvGrpSpPr>
-        <p:cNvPr id="1" name=""/>
-        <p:cNvGrpSpPr/>
-        <p:nvPr/>
-      </p:nvGrpSpPr>
-      <p:grpSpPr>
-        <a:xfrm>
-          <a:off x="0" y="0"/>
-          <a:ext cx="0" cy="0"/>
-          <a:chOff x="0" y="0"/>
-          <a:chExt cx="0" cy="0"/>
-        </a:xfrm>
-      </p:grpSpPr>
-      <p:sp>
-        <p:nvSpPr>
-          <p:cNvPr id="2" name="Title 1"/>
-          <p:cNvSpPr>
-            <a:spLocks noGrp="1"/>
-          </p:cNvSpPr>
-          <p:nvPr>
-            <p:ph type="title"/>
-          </p:nvPr>
-        </p:nvSpPr>
-        <p:spPr>
-          <a:xfrm>
-            <a:off x="1261872" y="721895"/>
-            <a:ext cx="9692640" cy="748046"/>
-          </a:xfrm>
-        </p:spPr>
-        <p:txBody>
-          <a:bodyPr/>
-          <a:lstStyle/>
-          <a:p>
-            <a:r>
-              <a:rPr lang="en-US" dirty="0" smtClean="0"/>
-              <a:t>Be your own bank!</a:t>
-            </a:r>
-            <a:endParaRPr lang="en-US" dirty="0"/>
-          </a:p>
-        </p:txBody>
-      </p:sp>
-      <p:sp>
-        <p:nvSpPr>
-          <p:cNvPr id="3" name="Content Placeholder 2"/>
-          <p:cNvSpPr>
-            <a:spLocks noGrp="1"/>
-          </p:cNvSpPr>
-          <p:nvPr>
-            <p:ph idx="1"/>
-          </p:nvPr>
-        </p:nvSpPr>
-        <p:spPr/>
-        <p:txBody>
-          <a:bodyPr/>
-          <a:lstStyle/>
-          <a:p>
-            <a:r>
-              <a:rPr lang="en-US" dirty="0"/>
-              <a:t>“The blockchain is an incorruptible digital ledger of economic transactions that can be programmed to record not just financial transactions but virtually everything of value</a:t>
-            </a:r>
-            <a:r>
-              <a:rPr lang="en-US" dirty="0" smtClean="0"/>
-              <a:t>.”</a:t>
-            </a:r>
-          </a:p>
-          <a:p>
-            <a:r>
-              <a:rPr lang="en-US" dirty="0"/>
-              <a:t>The real defining feature is not what it does or how it does it, instead, it holds value based on how much users can </a:t>
-            </a:r>
-            <a:r>
-              <a:rPr lang="en-US" i="1" dirty="0"/>
-              <a:t>trust</a:t>
-            </a:r>
-            <a:r>
-              <a:rPr lang="en-US" dirty="0"/>
-              <a:t> it to perform those services impartially.</a:t>
-            </a:r>
-            <a:endParaRPr lang="en-US" dirty="0"/>
-          </a:p>
-        </p:txBody>
-      </p:sp>
-    </p:spTree>
-    <p:extLst>
-      <p:ext uri="{BB962C8B-B14F-4D97-AF65-F5344CB8AC3E}">
-        <p14:creationId xmlns:p14="http://schemas.microsoft.com/office/powerpoint/2010/main" val="3963606419"/>
-      </p:ext>
-    </p:extLst>
-  </p:cSld>
-  <p:clrMapOvr>
-    <a:masterClrMapping/>
-  </p:clrMapOvr>
-  <p:timing>
-    <p:tnLst>
-      <p:par>
-        <p:cTn id="1" dur="indefinite" restart="never" nodeType="tmRoot"/>
-      </p:par>
-    </p:tnLst>
-  </p:timing>
-</p:sld>
-</file>
-
-<file path=ppt/slides/slide29.xml><?xml version="1.0" encoding="utf-8"?>
-<p:sld xmlns:a="http://schemas.openxmlformats.org/drawingml/2006/main" xmlns:r="http://schemas.openxmlformats.org/officeDocument/2006/relationships" xmlns:p="http://schemas.openxmlformats.org/presentationml/2006/main">
-  <p:cSld>
-    <p:spTree>
-      <p:nvGrpSpPr>
-        <p:cNvPr id="1" name=""/>
-        <p:cNvGrpSpPr/>
-        <p:nvPr/>
-      </p:nvGrpSpPr>
-      <p:grpSpPr>
-        <a:xfrm>
-          <a:off x="0" y="0"/>
-          <a:ext cx="0" cy="0"/>
-          <a:chOff x="0" y="0"/>
-          <a:chExt cx="0" cy="0"/>
-        </a:xfrm>
-      </p:grpSpPr>
-      <p:sp>
-        <p:nvSpPr>
-          <p:cNvPr id="2" name="Title 1"/>
-          <p:cNvSpPr>
-            <a:spLocks noGrp="1"/>
-          </p:cNvSpPr>
-          <p:nvPr>
-            <p:ph type="title"/>
-          </p:nvPr>
-        </p:nvSpPr>
-        <p:spPr/>
-        <p:txBody>
-          <a:bodyPr/>
-          <a:lstStyle/>
-          <a:p>
-            <a:endParaRPr lang="en-US"/>
-          </a:p>
-        </p:txBody>
-      </p:sp>
-      <p:sp>
-        <p:nvSpPr>
-          <p:cNvPr id="3" name="Content Placeholder 2"/>
-          <p:cNvSpPr>
-            <a:spLocks noGrp="1"/>
-          </p:cNvSpPr>
-          <p:nvPr>
-            <p:ph idx="1"/>
-          </p:nvPr>
-        </p:nvSpPr>
-        <p:spPr/>
-        <p:txBody>
-          <a:bodyPr>
-            <a:normAutofit/>
-          </a:bodyPr>
-          <a:lstStyle/>
-          <a:p>
-            <a:endParaRPr lang="en-US" dirty="0"/>
-          </a:p>
-          <a:p>
-            <a:r>
-              <a:rPr lang="en-US" dirty="0" smtClean="0"/>
-              <a:t>(Some intro about bitcoin or probably show a video</a:t>
-            </a:r>
-            <a:r>
-              <a:rPr lang="en-US" dirty="0" smtClean="0"/>
-              <a:t>!!)</a:t>
-            </a:r>
-          </a:p>
-          <a:p>
-            <a:r>
-              <a:rPr lang="en-US" dirty="0"/>
-              <a:t>Proponents envisage an “internet of value” that can make money flow as freely as data are flowing already.</a:t>
-            </a:r>
-            <a:endParaRPr lang="en-US" dirty="0" smtClean="0"/>
-          </a:p>
-          <a:p>
-            <a:r>
-              <a:rPr lang="en-US" dirty="0"/>
-              <a:t>Cryptocurrencies, like bitcoin, are currencies that exist solely in digital. There are no physical golden coins with a big “B” on them. Moreover, owning these non-real coins entails a new idea of “ownership.” You don’t literally have it in your hands, or even in your bank account, but you have the ability to transfer “ownership” to someone else simply by creating a record in the blockchain. Rather than using bills, your transfer is pure data</a:t>
-            </a:r>
-            <a:r>
-              <a:rPr lang="en-US" dirty="0" smtClean="0"/>
-              <a:t>.</a:t>
-            </a:r>
-          </a:p>
-          <a:p>
-            <a:r>
-              <a:rPr lang="en-US" dirty="0"/>
-              <a:t>owning bitcoin is merely having a claim on a piece of information sitting on the blockchain.</a:t>
-            </a:r>
-            <a:endParaRPr lang="en-US" dirty="0"/>
-          </a:p>
-        </p:txBody>
-      </p:sp>
-    </p:spTree>
-    <p:extLst>
-      <p:ext uri="{BB962C8B-B14F-4D97-AF65-F5344CB8AC3E}">
-        <p14:creationId xmlns:p14="http://schemas.microsoft.com/office/powerpoint/2010/main" val="1810156948"/>
-      </p:ext>
-    </p:extLst>
-  </p:cSld>
-  <p:clrMapOvr>
-    <a:masterClrMapping/>
-  </p:clrMapOvr>
-  <p:timing>
-    <p:tnLst>
-      <p:par>
-        <p:cTn id="1" dur="indefinite" restart="never" nodeType="tmRoot"/>
-      </p:par>
-    </p:tnLst>
-  </p:timing>
-</p:sld>
-</file>
-
-<file path=ppt/slides/slide3.xml><?xml version="1.0" encoding="utf-8"?>
-<p:sld xmlns:a="http://schemas.openxmlformats.org/drawingml/2006/main" xmlns:r="http://schemas.openxmlformats.org/officeDocument/2006/relationships" xmlns:p="http://schemas.openxmlformats.org/presentationml/2006/main">
-  <p:cSld>
-    <p:spTree>
-      <p:nvGrpSpPr>
-        <p:cNvPr id="1" name=""/>
-        <p:cNvGrpSpPr/>
-        <p:nvPr/>
-      </p:nvGrpSpPr>
-      <p:grpSpPr>
-        <a:xfrm>
-          <a:off x="0" y="0"/>
-          <a:ext cx="0" cy="0"/>
-          <a:chOff x="0" y="0"/>
-          <a:chExt cx="0" cy="0"/>
-        </a:xfrm>
-      </p:grpSpPr>
-      <p:sp>
-        <p:nvSpPr>
-          <p:cNvPr id="2" name="Title 1"/>
-          <p:cNvSpPr>
-            <a:spLocks noGrp="1"/>
-          </p:cNvSpPr>
-          <p:nvPr>
-            <p:ph type="title"/>
-          </p:nvPr>
-        </p:nvSpPr>
-        <p:spPr/>
-        <p:txBody>
-          <a:bodyPr/>
-          <a:lstStyle/>
-          <a:p>
-            <a:r>
-              <a:rPr lang="en-US" dirty="0" smtClean="0"/>
-              <a:t>Agenda</a:t>
-            </a:r>
-            <a:endParaRPr lang="en-US" dirty="0"/>
-          </a:p>
-        </p:txBody>
-      </p:sp>
-      <p:sp>
-        <p:nvSpPr>
-          <p:cNvPr id="3" name="Content Placeholder 2"/>
-          <p:cNvSpPr>
-            <a:spLocks noGrp="1"/>
-          </p:cNvSpPr>
-          <p:nvPr>
-            <p:ph idx="1"/>
-          </p:nvPr>
-        </p:nvSpPr>
-        <p:spPr/>
-        <p:txBody>
-          <a:bodyPr/>
-          <a:lstStyle/>
-          <a:p>
-            <a:pPr>
-              <a:buFont typeface="Wingdings" panose="05000000000000000000" pitchFamily="2" charset="2"/>
-              <a:buChar char="Ø"/>
-            </a:pPr>
-            <a:r>
-              <a:rPr lang="en-US" dirty="0" smtClean="0">
-                <a:solidFill>
-                  <a:srgbClr val="FF0000"/>
-                </a:solidFill>
-              </a:rPr>
-              <a:t>Introduction</a:t>
-            </a:r>
-          </a:p>
-          <a:p>
-            <a:pPr>
-              <a:buFont typeface="Wingdings" panose="05000000000000000000" pitchFamily="2" charset="2"/>
-              <a:buChar char="Ø"/>
-            </a:pPr>
-            <a:r>
-              <a:rPr lang="en-US" dirty="0" smtClean="0"/>
-              <a:t>Motivation</a:t>
-            </a:r>
-          </a:p>
-          <a:p>
-            <a:pPr>
-              <a:buFont typeface="Wingdings" panose="05000000000000000000" pitchFamily="2" charset="2"/>
-              <a:buChar char="Ø"/>
-            </a:pPr>
-            <a:r>
-              <a:rPr lang="en-US" dirty="0" smtClean="0"/>
-              <a:t>Technical Overview</a:t>
-            </a:r>
-          </a:p>
-          <a:p>
-            <a:pPr>
-              <a:buFont typeface="Wingdings" panose="05000000000000000000" pitchFamily="2" charset="2"/>
-              <a:buChar char="Ø"/>
-            </a:pPr>
-            <a:r>
-              <a:rPr lang="en-US" dirty="0" smtClean="0"/>
-              <a:t>Detailed Feature Descriptions</a:t>
-            </a:r>
-          </a:p>
-          <a:p>
-            <a:pPr>
-              <a:buFont typeface="Wingdings" panose="05000000000000000000" pitchFamily="2" charset="2"/>
-              <a:buChar char="Ø"/>
-            </a:pPr>
-            <a:r>
-              <a:rPr lang="en-US" dirty="0" smtClean="0"/>
-              <a:t>Strengths/Weaknesses</a:t>
-            </a:r>
-          </a:p>
-          <a:p>
-            <a:pPr>
-              <a:buFont typeface="Wingdings" panose="05000000000000000000" pitchFamily="2" charset="2"/>
-              <a:buChar char="Ø"/>
-            </a:pPr>
-            <a:r>
-              <a:rPr lang="en-US" dirty="0" smtClean="0"/>
-              <a:t>Future scope</a:t>
-            </a:r>
-            <a:endParaRPr lang="en-US" dirty="0"/>
-          </a:p>
-        </p:txBody>
-      </p:sp>
-    </p:spTree>
-    <p:extLst>
-      <p:ext uri="{BB962C8B-B14F-4D97-AF65-F5344CB8AC3E}">
-        <p14:creationId xmlns:p14="http://schemas.microsoft.com/office/powerpoint/2010/main" val="211613113"/>
       </p:ext>
     </p:extLst>
   </p:cSld>
@@ -15039,6 +17425,788 @@
     <p:extLst>
       <p:ext uri="{BB962C8B-B14F-4D97-AF65-F5344CB8AC3E}">
         <p14:creationId xmlns:p14="http://schemas.microsoft.com/office/powerpoint/2010/main" val="580153360"/>
+      </p:ext>
+    </p:extLst>
+  </p:cSld>
+  <p:clrMapOvr>
+    <a:masterClrMapping/>
+  </p:clrMapOvr>
+  <p:timing>
+    <p:tnLst>
+      <p:par>
+        <p:cTn id="1" dur="indefinite" restart="never" nodeType="tmRoot"/>
+      </p:par>
+    </p:tnLst>
+  </p:timing>
+</p:sld>
+</file>
+
+<file path=ppt/slides/slide40.xml><?xml version="1.0" encoding="utf-8"?>
+<p:sld xmlns:a="http://schemas.openxmlformats.org/drawingml/2006/main" xmlns:r="http://schemas.openxmlformats.org/officeDocument/2006/relationships" xmlns:p="http://schemas.openxmlformats.org/presentationml/2006/main">
+  <p:cSld>
+    <p:spTree>
+      <p:nvGrpSpPr>
+        <p:cNvPr id="1" name=""/>
+        <p:cNvGrpSpPr/>
+        <p:nvPr/>
+      </p:nvGrpSpPr>
+      <p:grpSpPr>
+        <a:xfrm>
+          <a:off x="0" y="0"/>
+          <a:ext cx="0" cy="0"/>
+          <a:chOff x="0" y="0"/>
+          <a:chExt cx="0" cy="0"/>
+        </a:xfrm>
+      </p:grpSpPr>
+      <p:sp>
+        <p:nvSpPr>
+          <p:cNvPr id="2" name="Title 1"/>
+          <p:cNvSpPr>
+            <a:spLocks noGrp="1"/>
+          </p:cNvSpPr>
+          <p:nvPr>
+            <p:ph type="title"/>
+          </p:nvPr>
+        </p:nvSpPr>
+        <p:spPr/>
+        <p:txBody>
+          <a:bodyPr/>
+          <a:lstStyle/>
+          <a:p>
+            <a:endParaRPr lang="en-US"/>
+          </a:p>
+        </p:txBody>
+      </p:sp>
+      <p:pic>
+        <p:nvPicPr>
+          <p:cNvPr id="4" name="Content Placeholder 3"/>
+          <p:cNvPicPr>
+            <a:picLocks noGrp="1" noChangeAspect="1"/>
+          </p:cNvPicPr>
+          <p:nvPr>
+            <p:ph idx="1"/>
+          </p:nvPr>
+        </p:nvPicPr>
+        <p:blipFill>
+          <a:blip r:embed="rId2"/>
+          <a:stretch>
+            <a:fillRect/>
+          </a:stretch>
+        </p:blipFill>
+        <p:spPr>
+          <a:xfrm>
+            <a:off x="2045144" y="1828800"/>
+            <a:ext cx="7028563" cy="4351338"/>
+          </a:xfrm>
+          <a:prstGeom prst="rect">
+            <a:avLst/>
+          </a:prstGeom>
+        </p:spPr>
+      </p:pic>
+    </p:spTree>
+    <p:extLst>
+      <p:ext uri="{BB962C8B-B14F-4D97-AF65-F5344CB8AC3E}">
+        <p14:creationId xmlns:p14="http://schemas.microsoft.com/office/powerpoint/2010/main" val="134672542"/>
+      </p:ext>
+    </p:extLst>
+  </p:cSld>
+  <p:clrMapOvr>
+    <a:masterClrMapping/>
+  </p:clrMapOvr>
+  <p:timing>
+    <p:tnLst>
+      <p:par>
+        <p:cTn id="1" dur="indefinite" restart="never" nodeType="tmRoot"/>
+      </p:par>
+    </p:tnLst>
+  </p:timing>
+</p:sld>
+</file>
+
+<file path=ppt/slides/slide41.xml><?xml version="1.0" encoding="utf-8"?>
+<p:sld xmlns:a="http://schemas.openxmlformats.org/drawingml/2006/main" xmlns:r="http://schemas.openxmlformats.org/officeDocument/2006/relationships" xmlns:p="http://schemas.openxmlformats.org/presentationml/2006/main">
+  <p:cSld>
+    <p:spTree>
+      <p:nvGrpSpPr>
+        <p:cNvPr id="1" name=""/>
+        <p:cNvGrpSpPr/>
+        <p:nvPr/>
+      </p:nvGrpSpPr>
+      <p:grpSpPr>
+        <a:xfrm>
+          <a:off x="0" y="0"/>
+          <a:ext cx="0" cy="0"/>
+          <a:chOff x="0" y="0"/>
+          <a:chExt cx="0" cy="0"/>
+        </a:xfrm>
+      </p:grpSpPr>
+      <p:sp>
+        <p:nvSpPr>
+          <p:cNvPr id="2" name="Title 1"/>
+          <p:cNvSpPr>
+            <a:spLocks noGrp="1"/>
+          </p:cNvSpPr>
+          <p:nvPr>
+            <p:ph type="title"/>
+          </p:nvPr>
+        </p:nvSpPr>
+        <p:spPr/>
+        <p:txBody>
+          <a:bodyPr/>
+          <a:lstStyle/>
+          <a:p>
+            <a:endParaRPr lang="en-US"/>
+          </a:p>
+        </p:txBody>
+      </p:sp>
+      <p:sp>
+        <p:nvSpPr>
+          <p:cNvPr id="3" name="Content Placeholder 2"/>
+          <p:cNvSpPr>
+            <a:spLocks noGrp="1"/>
+          </p:cNvSpPr>
+          <p:nvPr>
+            <p:ph idx="1"/>
+          </p:nvPr>
+        </p:nvSpPr>
+        <p:spPr/>
+        <p:txBody>
+          <a:bodyPr>
+            <a:normAutofit/>
+          </a:bodyPr>
+          <a:lstStyle/>
+          <a:p>
+            <a:endParaRPr lang="en-US" dirty="0"/>
+          </a:p>
+          <a:p>
+            <a:pPr marL="0" indent="0">
+              <a:buNone/>
+            </a:pPr>
+            <a:r>
+              <a:rPr lang="en-US" dirty="0" smtClean="0">
+                <a:hlinkClick r:id="rId2"/>
+              </a:rPr>
+              <a:t>https://bitcoin.org/en/</a:t>
+            </a:r>
+            <a:endParaRPr lang="en-US" dirty="0"/>
+          </a:p>
+          <a:p>
+            <a:pPr marL="0" indent="0">
+              <a:buNone/>
+            </a:pPr>
+            <a:r>
+              <a:rPr lang="en-US" dirty="0" smtClean="0">
+                <a:hlinkClick r:id="rId3"/>
+              </a:rPr>
+              <a:t>https://www.blockchain.com/</a:t>
+            </a:r>
+            <a:endParaRPr lang="en-US" dirty="0" smtClean="0"/>
+          </a:p>
+          <a:p>
+            <a:pPr marL="0" indent="0">
+              <a:buNone/>
+            </a:pPr>
+            <a:r>
+              <a:rPr lang="en-US" dirty="0" smtClean="0">
+                <a:hlinkClick r:id="rId4"/>
+              </a:rPr>
+              <a:t>http://blockgeeks.com/guides/what-is-blockchain-technology-a-step-by-step-guide-than-anyone-can-understand/</a:t>
+            </a:r>
+            <a:endParaRPr lang="en-US" dirty="0" smtClean="0"/>
+          </a:p>
+          <a:p>
+            <a:pPr marL="0" indent="0">
+              <a:buNone/>
+            </a:pPr>
+            <a:endParaRPr lang="en-US" dirty="0"/>
+          </a:p>
+          <a:p>
+            <a:pPr marL="0" indent="0">
+              <a:buNone/>
+            </a:pPr>
+            <a:r>
+              <a:rPr lang="en-US" dirty="0">
+                <a:hlinkClick r:id="rId5"/>
+              </a:rPr>
+              <a:t>https://</a:t>
+            </a:r>
+            <a:r>
+              <a:rPr lang="en-US" dirty="0" smtClean="0">
+                <a:hlinkClick r:id="rId5"/>
+              </a:rPr>
+              <a:t>www.linkedin.com/pulse/blockchain-non-financial-services-use-cases-paul-forrest</a:t>
+            </a:r>
+            <a:endParaRPr lang="en-US" dirty="0" smtClean="0"/>
+          </a:p>
+          <a:p>
+            <a:pPr marL="0" indent="0">
+              <a:buNone/>
+            </a:pPr>
+            <a:endParaRPr lang="en-US" dirty="0" smtClean="0"/>
+          </a:p>
+          <a:p>
+            <a:pPr marL="0" indent="0">
+              <a:buNone/>
+            </a:pPr>
+            <a:endParaRPr lang="en-US" dirty="0"/>
+          </a:p>
+          <a:p>
+            <a:pPr marL="0" indent="0">
+              <a:buNone/>
+            </a:pPr>
+            <a:endParaRPr lang="en-US" dirty="0"/>
+          </a:p>
+        </p:txBody>
+      </p:sp>
+    </p:spTree>
+    <p:extLst>
+      <p:ext uri="{BB962C8B-B14F-4D97-AF65-F5344CB8AC3E}">
+        <p14:creationId xmlns:p14="http://schemas.microsoft.com/office/powerpoint/2010/main" val="1237604450"/>
+      </p:ext>
+    </p:extLst>
+  </p:cSld>
+  <p:clrMapOvr>
+    <a:masterClrMapping/>
+  </p:clrMapOvr>
+  <p:timing>
+    <p:tnLst>
+      <p:par>
+        <p:cTn id="1" dur="indefinite" restart="never" nodeType="tmRoot"/>
+      </p:par>
+    </p:tnLst>
+  </p:timing>
+</p:sld>
+</file>
+
+<file path=ppt/slides/slide42.xml><?xml version="1.0" encoding="utf-8"?>
+<p:sld xmlns:a="http://schemas.openxmlformats.org/drawingml/2006/main" xmlns:r="http://schemas.openxmlformats.org/officeDocument/2006/relationships" xmlns:p="http://schemas.openxmlformats.org/presentationml/2006/main">
+  <p:cSld>
+    <p:spTree>
+      <p:nvGrpSpPr>
+        <p:cNvPr id="1" name=""/>
+        <p:cNvGrpSpPr/>
+        <p:nvPr/>
+      </p:nvGrpSpPr>
+      <p:grpSpPr>
+        <a:xfrm>
+          <a:off x="0" y="0"/>
+          <a:ext cx="0" cy="0"/>
+          <a:chOff x="0" y="0"/>
+          <a:chExt cx="0" cy="0"/>
+        </a:xfrm>
+      </p:grpSpPr>
+      <p:sp>
+        <p:nvSpPr>
+          <p:cNvPr id="2" name="Title 1"/>
+          <p:cNvSpPr>
+            <a:spLocks noGrp="1"/>
+          </p:cNvSpPr>
+          <p:nvPr>
+            <p:ph type="title"/>
+          </p:nvPr>
+        </p:nvSpPr>
+        <p:spPr/>
+        <p:txBody>
+          <a:bodyPr/>
+          <a:lstStyle/>
+          <a:p>
+            <a:endParaRPr lang="en-US"/>
+          </a:p>
+        </p:txBody>
+      </p:sp>
+      <p:sp>
+        <p:nvSpPr>
+          <p:cNvPr id="3" name="Content Placeholder 2"/>
+          <p:cNvSpPr>
+            <a:spLocks noGrp="1"/>
+          </p:cNvSpPr>
+          <p:nvPr>
+            <p:ph idx="1"/>
+          </p:nvPr>
+        </p:nvSpPr>
+        <p:spPr/>
+        <p:txBody>
+          <a:bodyPr/>
+          <a:lstStyle/>
+          <a:p>
+            <a:r>
+              <a:rPr lang="en-US" dirty="0">
+                <a:hlinkClick r:id="rId2"/>
+              </a:rPr>
+              <a:t>http://</a:t>
+            </a:r>
+            <a:r>
+              <a:rPr lang="en-US" dirty="0" smtClean="0">
+                <a:hlinkClick r:id="rId2"/>
+              </a:rPr>
+              <a:t>scet.berkeley.edu/wp-content/uploads/BlockchainPaper.pdf</a:t>
+            </a:r>
+            <a:endParaRPr lang="en-US" dirty="0" smtClean="0"/>
+          </a:p>
+          <a:p>
+            <a:endParaRPr lang="en-US" dirty="0"/>
+          </a:p>
+          <a:p>
+            <a:r>
+              <a:rPr lang="en-US" dirty="0"/>
+              <a:t>http://marmelab.com/blog/2016/04/28/blockchain-for-web-developers-the-theory.html</a:t>
+            </a:r>
+          </a:p>
+        </p:txBody>
+      </p:sp>
+    </p:spTree>
+    <p:extLst>
+      <p:ext uri="{BB962C8B-B14F-4D97-AF65-F5344CB8AC3E}">
+        <p14:creationId xmlns:p14="http://schemas.microsoft.com/office/powerpoint/2010/main" val="3950658389"/>
+      </p:ext>
+    </p:extLst>
+  </p:cSld>
+  <p:clrMapOvr>
+    <a:masterClrMapping/>
+  </p:clrMapOvr>
+  <p:timing>
+    <p:tnLst>
+      <p:par>
+        <p:cTn id="1" dur="indefinite" restart="never" nodeType="tmRoot"/>
+      </p:par>
+    </p:tnLst>
+  </p:timing>
+</p:sld>
+</file>
+
+<file path=ppt/slides/slide43.xml><?xml version="1.0" encoding="utf-8"?>
+<p:sld xmlns:a="http://schemas.openxmlformats.org/drawingml/2006/main" xmlns:r="http://schemas.openxmlformats.org/officeDocument/2006/relationships" xmlns:p="http://schemas.openxmlformats.org/presentationml/2006/main">
+  <p:cSld>
+    <p:spTree>
+      <p:nvGrpSpPr>
+        <p:cNvPr id="1" name=""/>
+        <p:cNvGrpSpPr/>
+        <p:nvPr/>
+      </p:nvGrpSpPr>
+      <p:grpSpPr>
+        <a:xfrm>
+          <a:off x="0" y="0"/>
+          <a:ext cx="0" cy="0"/>
+          <a:chOff x="0" y="0"/>
+          <a:chExt cx="0" cy="0"/>
+        </a:xfrm>
+      </p:grpSpPr>
+      <p:sp>
+        <p:nvSpPr>
+          <p:cNvPr id="2" name="Title 1"/>
+          <p:cNvSpPr>
+            <a:spLocks noGrp="1"/>
+          </p:cNvSpPr>
+          <p:nvPr>
+            <p:ph type="title"/>
+          </p:nvPr>
+        </p:nvSpPr>
+        <p:spPr/>
+        <p:txBody>
+          <a:bodyPr/>
+          <a:lstStyle/>
+          <a:p>
+            <a:endParaRPr lang="en-US"/>
+          </a:p>
+        </p:txBody>
+      </p:sp>
+      <p:sp>
+        <p:nvSpPr>
+          <p:cNvPr id="3" name="Content Placeholder 2"/>
+          <p:cNvSpPr>
+            <a:spLocks noGrp="1"/>
+          </p:cNvSpPr>
+          <p:nvPr>
+            <p:ph idx="1"/>
+          </p:nvPr>
+        </p:nvSpPr>
+        <p:spPr/>
+        <p:txBody>
+          <a:bodyPr/>
+          <a:lstStyle/>
+          <a:p>
+            <a:r>
+              <a:rPr lang="en-US" dirty="0" smtClean="0"/>
+              <a:t>THANK YOU</a:t>
+            </a:r>
+            <a:endParaRPr lang="en-US" dirty="0"/>
+          </a:p>
+        </p:txBody>
+      </p:sp>
+    </p:spTree>
+    <p:extLst>
+      <p:ext uri="{BB962C8B-B14F-4D97-AF65-F5344CB8AC3E}">
+        <p14:creationId xmlns:p14="http://schemas.microsoft.com/office/powerpoint/2010/main" val="750528939"/>
+      </p:ext>
+    </p:extLst>
+  </p:cSld>
+  <p:clrMapOvr>
+    <a:masterClrMapping/>
+  </p:clrMapOvr>
+  <p:timing>
+    <p:tnLst>
+      <p:par>
+        <p:cTn id="1" dur="indefinite" restart="never" nodeType="tmRoot"/>
+      </p:par>
+    </p:tnLst>
+  </p:timing>
+</p:sld>
+</file>
+
+<file path=ppt/slides/slide44.xml><?xml version="1.0" encoding="utf-8"?>
+<p:sld xmlns:a="http://schemas.openxmlformats.org/drawingml/2006/main" xmlns:r="http://schemas.openxmlformats.org/officeDocument/2006/relationships" xmlns:p="http://schemas.openxmlformats.org/presentationml/2006/main">
+  <p:cSld>
+    <p:spTree>
+      <p:nvGrpSpPr>
+        <p:cNvPr id="1" name=""/>
+        <p:cNvGrpSpPr/>
+        <p:nvPr/>
+      </p:nvGrpSpPr>
+      <p:grpSpPr>
+        <a:xfrm>
+          <a:off x="0" y="0"/>
+          <a:ext cx="0" cy="0"/>
+          <a:chOff x="0" y="0"/>
+          <a:chExt cx="0" cy="0"/>
+        </a:xfrm>
+      </p:grpSpPr>
+      <p:sp>
+        <p:nvSpPr>
+          <p:cNvPr id="2" name="Title 1"/>
+          <p:cNvSpPr>
+            <a:spLocks noGrp="1"/>
+          </p:cNvSpPr>
+          <p:nvPr>
+            <p:ph type="title"/>
+          </p:nvPr>
+        </p:nvSpPr>
+        <p:spPr>
+          <a:xfrm>
+            <a:off x="1261872" y="721895"/>
+            <a:ext cx="9692640" cy="748046"/>
+          </a:xfrm>
+        </p:spPr>
+        <p:txBody>
+          <a:bodyPr/>
+          <a:lstStyle/>
+          <a:p>
+            <a:r>
+              <a:rPr lang="en-US" dirty="0" smtClean="0"/>
+              <a:t>Be your own bank!</a:t>
+            </a:r>
+            <a:endParaRPr lang="en-US" dirty="0"/>
+          </a:p>
+        </p:txBody>
+      </p:sp>
+      <p:sp>
+        <p:nvSpPr>
+          <p:cNvPr id="3" name="Content Placeholder 2"/>
+          <p:cNvSpPr>
+            <a:spLocks noGrp="1"/>
+          </p:cNvSpPr>
+          <p:nvPr>
+            <p:ph idx="1"/>
+          </p:nvPr>
+        </p:nvSpPr>
+        <p:spPr/>
+        <p:txBody>
+          <a:bodyPr/>
+          <a:lstStyle/>
+          <a:p>
+            <a:r>
+              <a:rPr lang="en-US" dirty="0"/>
+              <a:t>“The blockchain is an incorruptible digital ledger of economic transactions that can be programmed to record not just financial transactions but virtually everything of value</a:t>
+            </a:r>
+            <a:r>
+              <a:rPr lang="en-US" dirty="0" smtClean="0"/>
+              <a:t>.”</a:t>
+            </a:r>
+          </a:p>
+          <a:p>
+            <a:r>
+              <a:rPr lang="en-US" dirty="0"/>
+              <a:t>The real defining feature is not what it does or how it does it, instead, it holds value based on how much users can </a:t>
+            </a:r>
+            <a:r>
+              <a:rPr lang="en-US" i="1" dirty="0"/>
+              <a:t>trust</a:t>
+            </a:r>
+            <a:r>
+              <a:rPr lang="en-US" dirty="0"/>
+              <a:t> it to perform those services impartially.</a:t>
+            </a:r>
+          </a:p>
+        </p:txBody>
+      </p:sp>
+    </p:spTree>
+    <p:extLst>
+      <p:ext uri="{BB962C8B-B14F-4D97-AF65-F5344CB8AC3E}">
+        <p14:creationId xmlns:p14="http://schemas.microsoft.com/office/powerpoint/2010/main" val="3963606419"/>
+      </p:ext>
+    </p:extLst>
+  </p:cSld>
+  <p:clrMapOvr>
+    <a:masterClrMapping/>
+  </p:clrMapOvr>
+  <p:timing>
+    <p:tnLst>
+      <p:par>
+        <p:cTn id="1" dur="indefinite" restart="never" nodeType="tmRoot"/>
+      </p:par>
+    </p:tnLst>
+  </p:timing>
+</p:sld>
+</file>
+
+<file path=ppt/slides/slide45.xml><?xml version="1.0" encoding="utf-8"?>
+<p:sld xmlns:a="http://schemas.openxmlformats.org/drawingml/2006/main" xmlns:r="http://schemas.openxmlformats.org/officeDocument/2006/relationships" xmlns:p="http://schemas.openxmlformats.org/presentationml/2006/main">
+  <p:cSld>
+    <p:spTree>
+      <p:nvGrpSpPr>
+        <p:cNvPr id="1" name=""/>
+        <p:cNvGrpSpPr/>
+        <p:nvPr/>
+      </p:nvGrpSpPr>
+      <p:grpSpPr>
+        <a:xfrm>
+          <a:off x="0" y="0"/>
+          <a:ext cx="0" cy="0"/>
+          <a:chOff x="0" y="0"/>
+          <a:chExt cx="0" cy="0"/>
+        </a:xfrm>
+      </p:grpSpPr>
+      <p:sp>
+        <p:nvSpPr>
+          <p:cNvPr id="2" name="Title 1"/>
+          <p:cNvSpPr>
+            <a:spLocks noGrp="1"/>
+          </p:cNvSpPr>
+          <p:nvPr>
+            <p:ph type="title"/>
+          </p:nvPr>
+        </p:nvSpPr>
+        <p:spPr/>
+        <p:txBody>
+          <a:bodyPr/>
+          <a:lstStyle/>
+          <a:p>
+            <a:endParaRPr lang="en-US"/>
+          </a:p>
+        </p:txBody>
+      </p:sp>
+      <p:sp>
+        <p:nvSpPr>
+          <p:cNvPr id="3" name="Content Placeholder 2"/>
+          <p:cNvSpPr>
+            <a:spLocks noGrp="1"/>
+          </p:cNvSpPr>
+          <p:nvPr>
+            <p:ph idx="1"/>
+          </p:nvPr>
+        </p:nvSpPr>
+        <p:spPr/>
+        <p:txBody>
+          <a:bodyPr>
+            <a:normAutofit/>
+          </a:bodyPr>
+          <a:lstStyle/>
+          <a:p>
+            <a:endParaRPr lang="en-US" dirty="0"/>
+          </a:p>
+          <a:p>
+            <a:r>
+              <a:rPr lang="en-US" dirty="0" smtClean="0"/>
+              <a:t>(Some intro about bitcoin or probably show a video!!)</a:t>
+            </a:r>
+          </a:p>
+          <a:p>
+            <a:r>
+              <a:rPr lang="en-US" dirty="0"/>
+              <a:t>Proponents envisage an “internet of value” that can make money flow as freely as data are flowing already.</a:t>
+            </a:r>
+            <a:endParaRPr lang="en-US" dirty="0" smtClean="0"/>
+          </a:p>
+          <a:p>
+            <a:r>
+              <a:rPr lang="en-US" dirty="0"/>
+              <a:t>Cryptocurrencies, like bitcoin, are currencies that exist solely in digital. There are no physical golden coins with a big “B” on them. Moreover, owning these non-real coins entails a new idea of “ownership.” You don’t literally have it in your hands, or even in your bank account, but you have the ability to transfer “ownership” to someone else simply by creating a record in the blockchain. Rather than using bills, your transfer is pure data</a:t>
+            </a:r>
+            <a:r>
+              <a:rPr lang="en-US" dirty="0" smtClean="0"/>
+              <a:t>.</a:t>
+            </a:r>
+          </a:p>
+          <a:p>
+            <a:r>
+              <a:rPr lang="en-US" dirty="0"/>
+              <a:t>owning bitcoin is merely having a claim on a piece of information sitting on the blockchain.</a:t>
+            </a:r>
+          </a:p>
+        </p:txBody>
+      </p:sp>
+    </p:spTree>
+    <p:extLst>
+      <p:ext uri="{BB962C8B-B14F-4D97-AF65-F5344CB8AC3E}">
+        <p14:creationId xmlns:p14="http://schemas.microsoft.com/office/powerpoint/2010/main" val="1810156948"/>
+      </p:ext>
+    </p:extLst>
+  </p:cSld>
+  <p:clrMapOvr>
+    <a:masterClrMapping/>
+  </p:clrMapOvr>
+  <p:timing>
+    <p:tnLst>
+      <p:par>
+        <p:cTn id="1" dur="indefinite" restart="never" nodeType="tmRoot"/>
+      </p:par>
+    </p:tnLst>
+  </p:timing>
+</p:sld>
+</file>
+
+<file path=ppt/slides/slide46.xml><?xml version="1.0" encoding="utf-8"?>
+<p:sld xmlns:a="http://schemas.openxmlformats.org/drawingml/2006/main" xmlns:r="http://schemas.openxmlformats.org/officeDocument/2006/relationships" xmlns:p="http://schemas.openxmlformats.org/presentationml/2006/main">
+  <p:cSld>
+    <p:spTree>
+      <p:nvGrpSpPr>
+        <p:cNvPr id="1" name=""/>
+        <p:cNvGrpSpPr/>
+        <p:nvPr/>
+      </p:nvGrpSpPr>
+      <p:grpSpPr>
+        <a:xfrm>
+          <a:off x="0" y="0"/>
+          <a:ext cx="0" cy="0"/>
+          <a:chOff x="0" y="0"/>
+          <a:chExt cx="0" cy="0"/>
+        </a:xfrm>
+      </p:grpSpPr>
+      <p:sp>
+        <p:nvSpPr>
+          <p:cNvPr id="2" name="Title 1"/>
+          <p:cNvSpPr>
+            <a:spLocks noGrp="1"/>
+          </p:cNvSpPr>
+          <p:nvPr>
+            <p:ph type="title"/>
+          </p:nvPr>
+        </p:nvSpPr>
+        <p:spPr/>
+        <p:txBody>
+          <a:bodyPr vert="horz" lIns="91440" tIns="45720" rIns="91440" bIns="45720" rtlCol="0" anchor="b">
+            <a:normAutofit/>
+          </a:bodyPr>
+          <a:lstStyle/>
+          <a:p>
+            <a:r>
+              <a:rPr lang="en-US" dirty="0"/>
+              <a:t>Transparent and incorruptible</a:t>
+            </a:r>
+            <a:endParaRPr lang="en-US" dirty="0"/>
+          </a:p>
+        </p:txBody>
+      </p:sp>
+      <p:sp>
+        <p:nvSpPr>
+          <p:cNvPr id="3" name="Content Placeholder 2"/>
+          <p:cNvSpPr>
+            <a:spLocks noGrp="1"/>
+          </p:cNvSpPr>
+          <p:nvPr>
+            <p:ph idx="1"/>
+          </p:nvPr>
+        </p:nvSpPr>
+        <p:spPr/>
+        <p:txBody>
+          <a:bodyPr>
+            <a:normAutofit/>
+          </a:bodyPr>
+          <a:lstStyle/>
+          <a:p>
+            <a:pPr marL="0" indent="0">
+              <a:buNone/>
+            </a:pPr>
+            <a:r>
+              <a:rPr lang="en-US" dirty="0" smtClean="0"/>
+              <a:t>The </a:t>
+            </a:r>
+            <a:r>
+              <a:rPr lang="en-US" dirty="0"/>
+              <a:t>blockchain network lives in a state of consensus, one that automatically checks in with itself every ten minutes.  A kind of self-auditing ecosystem of digital value, the network reconciles every transaction that happens in ten minute intervals. Each group of these transactions is referred to as a “block”. Two important properties result from this</a:t>
+            </a:r>
+            <a:r>
+              <a:rPr lang="en-US" dirty="0" smtClean="0"/>
+              <a:t>:</a:t>
+            </a:r>
+          </a:p>
+          <a:p>
+            <a:pPr marL="0" indent="0">
+              <a:buNone/>
+            </a:pPr>
+            <a:endParaRPr lang="en-US" dirty="0"/>
+          </a:p>
+          <a:p>
+            <a:pPr lvl="1">
+              <a:buFont typeface="Wingdings" panose="05000000000000000000" pitchFamily="2" charset="2"/>
+              <a:buChar char="Ø"/>
+            </a:pPr>
+            <a:r>
+              <a:rPr lang="en-US" b="1" dirty="0"/>
+              <a:t>Transparency</a:t>
+            </a:r>
+            <a:r>
+              <a:rPr lang="en-US" dirty="0"/>
+              <a:t/>
+            </a:r>
+            <a:br>
+              <a:rPr lang="en-US" dirty="0"/>
+            </a:br>
+            <a:r>
+              <a:rPr lang="en-US" dirty="0"/>
+              <a:t>data is embedded within network as a whole, by definition it is public</a:t>
+            </a:r>
+            <a:r>
+              <a:rPr lang="en-US" dirty="0" smtClean="0"/>
+              <a:t>.</a:t>
+            </a:r>
+          </a:p>
+          <a:p>
+            <a:pPr lvl="1">
+              <a:buFont typeface="Wingdings" panose="05000000000000000000" pitchFamily="2" charset="2"/>
+              <a:buChar char="Ø"/>
+            </a:pPr>
+            <a:endParaRPr lang="en-US" dirty="0"/>
+          </a:p>
+          <a:p>
+            <a:pPr lvl="1">
+              <a:buFont typeface="Wingdings" panose="05000000000000000000" pitchFamily="2" charset="2"/>
+              <a:buChar char="Ø"/>
+            </a:pPr>
+            <a:r>
+              <a:rPr lang="en-US" b="1" dirty="0"/>
+              <a:t>It cannot be corrupted</a:t>
+            </a:r>
+            <a:r>
+              <a:rPr lang="en-US" dirty="0"/>
+              <a:t/>
+            </a:r>
+            <a:br>
+              <a:rPr lang="en-US" dirty="0"/>
+            </a:br>
+            <a:r>
+              <a:rPr lang="en-US" dirty="0"/>
+              <a:t>altering any unit of information on the blockchain would mean using a huge amount of computing power to override the entire network.</a:t>
+            </a:r>
+          </a:p>
+          <a:p>
+            <a:endParaRPr lang="en-US" dirty="0"/>
+          </a:p>
+        </p:txBody>
+      </p:sp>
+    </p:spTree>
+    <p:extLst>
+      <p:ext uri="{BB962C8B-B14F-4D97-AF65-F5344CB8AC3E}">
+        <p14:creationId xmlns:p14="http://schemas.microsoft.com/office/powerpoint/2010/main" val="3221533967"/>
       </p:ext>
     </p:extLst>
   </p:cSld>
@@ -15698,8 +18866,13 @@
             </a:pPr>
             <a:r>
               <a:rPr lang="en-US" dirty="0" smtClean="0"/>
-              <a:t>No physical currency </a:t>
-            </a:r>
+              <a:t>No physical </a:t>
+            </a:r>
+            <a:r>
+              <a:rPr lang="en-US" dirty="0" smtClean="0"/>
+              <a:t>form</a:t>
+            </a:r>
+            <a:endParaRPr lang="en-US" dirty="0" smtClean="0"/>
           </a:p>
           <a:p>
             <a:pPr lvl="1">
@@ -16572,4 +19745,265 @@
     </a:ext>
   </a:extLst>
 </a:theme>
+</file>
+
+<file path=ppt/theme/theme2.xml><?xml version="1.0" encoding="utf-8"?>
+<a:theme xmlns:a="http://schemas.openxmlformats.org/drawingml/2006/main" name="Office Theme">
+  <a:themeElements>
+    <a:clrScheme name="Office">
+      <a:dk1>
+        <a:sysClr val="windowText" lastClr="000000"/>
+      </a:dk1>
+      <a:lt1>
+        <a:sysClr val="window" lastClr="FFFFFF"/>
+      </a:lt1>
+      <a:dk2>
+        <a:srgbClr val="44546A"/>
+      </a:dk2>
+      <a:lt2>
+        <a:srgbClr val="E7E6E6"/>
+      </a:lt2>
+      <a:accent1>
+        <a:srgbClr val="5B9BD5"/>
+      </a:accent1>
+      <a:accent2>
+        <a:srgbClr val="ED7D31"/>
+      </a:accent2>
+      <a:accent3>
+        <a:srgbClr val="A5A5A5"/>
+      </a:accent3>
+      <a:accent4>
+        <a:srgbClr val="FFC000"/>
+      </a:accent4>
+      <a:accent5>
+        <a:srgbClr val="4472C4"/>
+      </a:accent5>
+      <a:accent6>
+        <a:srgbClr val="70AD47"/>
+      </a:accent6>
+      <a:hlink>
+        <a:srgbClr val="0563C1"/>
+      </a:hlink>
+      <a:folHlink>
+        <a:srgbClr val="954F72"/>
+      </a:folHlink>
+    </a:clrScheme>
+    <a:fontScheme name="Office">
+      <a:majorFont>
+        <a:latin typeface="Calibri Light" panose="020F0302020204030204"/>
+        <a:ea typeface=""/>
+        <a:cs typeface=""/>
+        <a:font script="Jpan" typeface="ＭＳ Ｐゴシック"/>
+        <a:font script="Hang" typeface="맑은 고딕"/>
+        <a:font script="Hans" typeface="宋体"/>
+        <a:font script="Hant" typeface="新細明體"/>
+        <a:font script="Arab" typeface="Times New Roman"/>
+        <a:font script="Hebr" typeface="Times New Roman"/>
+        <a:font script="Thai" typeface="Angsana New"/>
+        <a:font script="Ethi" typeface="Nyala"/>
+        <a:font script="Beng" typeface="Vrinda"/>
+        <a:font script="Gujr" typeface="Shruti"/>
+        <a:font script="Khmr" typeface="MoolBoran"/>
+        <a:font script="Knda" typeface="Tunga"/>
+        <a:font script="Guru" typeface="Raavi"/>
+        <a:font script="Cans" typeface="Euphemia"/>
+        <a:font script="Cher" typeface="Plantagenet Cherokee"/>
+        <a:font script="Yiii" typeface="Microsoft Yi Baiti"/>
+        <a:font script="Tibt" typeface="Microsoft Himalaya"/>
+        <a:font script="Thaa" typeface="MV Boli"/>
+        <a:font script="Deva" typeface="Mangal"/>
+        <a:font script="Telu" typeface="Gautami"/>
+        <a:font script="Taml" typeface="Latha"/>
+        <a:font script="Syrc" typeface="Estrangelo Edessa"/>
+        <a:font script="Orya" typeface="Kalinga"/>
+        <a:font script="Mlym" typeface="Kartika"/>
+        <a:font script="Laoo" typeface="DokChampa"/>
+        <a:font script="Sinh" typeface="Iskoola Pota"/>
+        <a:font script="Mong" typeface="Mongolian Baiti"/>
+        <a:font script="Viet" typeface="Times New Roman"/>
+        <a:font script="Uigh" typeface="Microsoft Uighur"/>
+        <a:font script="Geor" typeface="Sylfaen"/>
+      </a:majorFont>
+      <a:minorFont>
+        <a:latin typeface="Calibri" panose="020F0502020204030204"/>
+        <a:ea typeface=""/>
+        <a:cs typeface=""/>
+        <a:font script="Jpan" typeface="ＭＳ Ｐゴシック"/>
+        <a:font script="Hang" typeface="맑은 고딕"/>
+        <a:font script="Hans" typeface="宋体"/>
+        <a:font script="Hant" typeface="新細明體"/>
+        <a:font script="Arab" typeface="Arial"/>
+        <a:font script="Hebr" typeface="Arial"/>
+        <a:font script="Thai" typeface="Cordia New"/>
+        <a:font script="Ethi" typeface="Nyala"/>
+        <a:font script="Beng" typeface="Vrinda"/>
+        <a:font script="Gujr" typeface="Shruti"/>
+        <a:font script="Khmr" typeface="DaunPenh"/>
+        <a:font script="Knda" typeface="Tunga"/>
+        <a:font script="Guru" typeface="Raavi"/>
+        <a:font script="Cans" typeface="Euphemia"/>
+        <a:font script="Cher" typeface="Plantagenet Cherokee"/>
+        <a:font script="Yiii" typeface="Microsoft Yi Baiti"/>
+        <a:font script="Tibt" typeface="Microsoft Himalaya"/>
+        <a:font script="Thaa" typeface="MV Boli"/>
+        <a:font script="Deva" typeface="Mangal"/>
+        <a:font script="Telu" typeface="Gautami"/>
+        <a:font script="Taml" typeface="Latha"/>
+        <a:font script="Syrc" typeface="Estrangelo Edessa"/>
+        <a:font script="Orya" typeface="Kalinga"/>
+        <a:font script="Mlym" typeface="Kartika"/>
+        <a:font script="Laoo" typeface="DokChampa"/>
+        <a:font script="Sinh" typeface="Iskoola Pota"/>
+        <a:font script="Mong" typeface="Mongolian Baiti"/>
+        <a:font script="Viet" typeface="Arial"/>
+        <a:font script="Uigh" typeface="Microsoft Uighur"/>
+        <a:font script="Geor" typeface="Sylfaen"/>
+      </a:minorFont>
+    </a:fontScheme>
+    <a:fmtScheme name="Office">
+      <a:fillStyleLst>
+        <a:solidFill>
+          <a:schemeClr val="phClr"/>
+        </a:solidFill>
+        <a:gradFill rotWithShape="1">
+          <a:gsLst>
+            <a:gs pos="0">
+              <a:schemeClr val="phClr">
+                <a:lumMod val="110000"/>
+                <a:satMod val="105000"/>
+                <a:tint val="67000"/>
+              </a:schemeClr>
+            </a:gs>
+            <a:gs pos="50000">
+              <a:schemeClr val="phClr">
+                <a:lumMod val="105000"/>
+                <a:satMod val="103000"/>
+                <a:tint val="73000"/>
+              </a:schemeClr>
+            </a:gs>
+            <a:gs pos="100000">
+              <a:schemeClr val="phClr">
+                <a:lumMod val="105000"/>
+                <a:satMod val="109000"/>
+                <a:tint val="81000"/>
+              </a:schemeClr>
+            </a:gs>
+          </a:gsLst>
+          <a:lin ang="5400000" scaled="0"/>
+        </a:gradFill>
+        <a:gradFill rotWithShape="1">
+          <a:gsLst>
+            <a:gs pos="0">
+              <a:schemeClr val="phClr">
+                <a:satMod val="103000"/>
+                <a:lumMod val="102000"/>
+                <a:tint val="94000"/>
+              </a:schemeClr>
+            </a:gs>
+            <a:gs pos="50000">
+              <a:schemeClr val="phClr">
+                <a:satMod val="110000"/>
+                <a:lumMod val="100000"/>
+                <a:shade val="100000"/>
+              </a:schemeClr>
+            </a:gs>
+            <a:gs pos="100000">
+              <a:schemeClr val="phClr">
+                <a:lumMod val="99000"/>
+                <a:satMod val="120000"/>
+                <a:shade val="78000"/>
+              </a:schemeClr>
+            </a:gs>
+          </a:gsLst>
+          <a:lin ang="5400000" scaled="0"/>
+        </a:gradFill>
+      </a:fillStyleLst>
+      <a:lnStyleLst>
+        <a:ln w="6350" cap="flat" cmpd="sng" algn="ctr">
+          <a:solidFill>
+            <a:schemeClr val="phClr"/>
+          </a:solidFill>
+          <a:prstDash val="solid"/>
+          <a:miter lim="800000"/>
+        </a:ln>
+        <a:ln w="12700" cap="flat" cmpd="sng" algn="ctr">
+          <a:solidFill>
+            <a:schemeClr val="phClr"/>
+          </a:solidFill>
+          <a:prstDash val="solid"/>
+          <a:miter lim="800000"/>
+        </a:ln>
+        <a:ln w="19050" cap="flat" cmpd="sng" algn="ctr">
+          <a:solidFill>
+            <a:schemeClr val="phClr"/>
+          </a:solidFill>
+          <a:prstDash val="solid"/>
+          <a:miter lim="800000"/>
+        </a:ln>
+      </a:lnStyleLst>
+      <a:effectStyleLst>
+        <a:effectStyle>
+          <a:effectLst/>
+        </a:effectStyle>
+        <a:effectStyle>
+          <a:effectLst/>
+        </a:effectStyle>
+        <a:effectStyle>
+          <a:effectLst>
+            <a:outerShdw blurRad="57150" dist="19050" dir="5400000" algn="ctr" rotWithShape="0">
+              <a:srgbClr val="000000">
+                <a:alpha val="63000"/>
+              </a:srgbClr>
+            </a:outerShdw>
+          </a:effectLst>
+        </a:effectStyle>
+      </a:effectStyleLst>
+      <a:bgFillStyleLst>
+        <a:solidFill>
+          <a:schemeClr val="phClr"/>
+        </a:solidFill>
+        <a:solidFill>
+          <a:schemeClr val="phClr">
+            <a:tint val="95000"/>
+            <a:satMod val="170000"/>
+          </a:schemeClr>
+        </a:solidFill>
+        <a:gradFill rotWithShape="1">
+          <a:gsLst>
+            <a:gs pos="0">
+              <a:schemeClr val="phClr">
+                <a:tint val="93000"/>
+                <a:satMod val="150000"/>
+                <a:shade val="98000"/>
+                <a:lumMod val="102000"/>
+              </a:schemeClr>
+            </a:gs>
+            <a:gs pos="50000">
+              <a:schemeClr val="phClr">
+                <a:tint val="98000"/>
+                <a:satMod val="130000"/>
+                <a:shade val="90000"/>
+                <a:lumMod val="103000"/>
+              </a:schemeClr>
+            </a:gs>
+            <a:gs pos="100000">
+              <a:schemeClr val="phClr">
+                <a:shade val="63000"/>
+                <a:satMod val="120000"/>
+              </a:schemeClr>
+            </a:gs>
+          </a:gsLst>
+          <a:lin ang="5400000" scaled="0"/>
+        </a:gradFill>
+      </a:bgFillStyleLst>
+    </a:fmtScheme>
+  </a:themeElements>
+  <a:objectDefaults/>
+  <a:extraClrSchemeLst/>
+  <a:extLst>
+    <a:ext uri="{05A4C25C-085E-4340-85A3-A5531E510DB2}">
+      <thm15:themeFamily xmlns:thm15="http://schemas.microsoft.com/office/thememl/2012/main" name="Office Theme" id="{62F939B6-93AF-4DB8-9C6B-D6C7DFDC589F}" vid="{4A3C46E8-61CC-4603-A589-7422A47A8E4A}"/>
+    </a:ext>
+  </a:extLst>
+</a:theme>
 </file>
--- a/BlockChain/BlockChain.pptx
+++ b/BlockChain/BlockChain.pptx
@@ -2491,578 +2491,6 @@
       <dsp:cNvGrpSpPr/>
     </dsp:nvGrpSpPr>
     <dsp:grpSpPr/>
-    <dsp:sp modelId="{920F1CEA-27DE-4510-AA6E-AEFA31BC9B61}">
-      <dsp:nvSpPr>
-        <dsp:cNvPr id="0" name=""/>
-        <dsp:cNvSpPr/>
-      </dsp:nvSpPr>
-      <dsp:spPr>
-        <a:xfrm>
-          <a:off x="1295007" y="0"/>
-          <a:ext cx="1629396" cy="905220"/>
-        </a:xfrm>
-        <a:prstGeom prst="roundRect">
-          <a:avLst>
-            <a:gd name="adj" fmla="val 10000"/>
-          </a:avLst>
-        </a:prstGeom>
-        <a:solidFill>
-          <a:schemeClr val="accent5">
-            <a:tint val="40000"/>
-            <a:alpha val="90000"/>
-            <a:hueOff val="0"/>
-            <a:satOff val="0"/>
-            <a:lumOff val="0"/>
-            <a:alphaOff val="0"/>
-          </a:schemeClr>
-        </a:solidFill>
-        <a:ln w="13970" cap="flat" cmpd="sng" algn="ctr">
-          <a:solidFill>
-            <a:schemeClr val="accent5">
-              <a:tint val="40000"/>
-              <a:alpha val="90000"/>
-              <a:hueOff val="0"/>
-              <a:satOff val="0"/>
-              <a:lumOff val="0"/>
-              <a:alphaOff val="0"/>
-            </a:schemeClr>
-          </a:solidFill>
-          <a:prstDash val="solid"/>
-        </a:ln>
-        <a:effectLst/>
-      </dsp:spPr>
-      <dsp:style>
-        <a:lnRef idx="2">
-          <a:scrgbClr r="0" g="0" b="0"/>
-        </a:lnRef>
-        <a:fillRef idx="1">
-          <a:scrgbClr r="0" g="0" b="0"/>
-        </a:fillRef>
-        <a:effectRef idx="0">
-          <a:scrgbClr r="0" g="0" b="0"/>
-        </a:effectRef>
-        <a:fontRef idx="minor"/>
-      </dsp:style>
-      <dsp:txBody>
-        <a:bodyPr spcFirstLastPara="0" vert="horz" wrap="square" lIns="91440" tIns="91440" rIns="91440" bIns="91440" numCol="1" spcCol="1270" anchor="ctr" anchorCtr="0">
-          <a:noAutofit/>
-        </a:bodyPr>
-        <a:lstStyle/>
-        <a:p>
-          <a:pPr lvl="0" algn="ctr" defTabSz="1066800">
-            <a:lnSpc>
-              <a:spcPct val="90000"/>
-            </a:lnSpc>
-            <a:spcBef>
-              <a:spcPct val="0"/>
-            </a:spcBef>
-            <a:spcAft>
-              <a:spcPct val="35000"/>
-            </a:spcAft>
-          </a:pPr>
-          <a:r>
-            <a:rPr lang="en-US" sz="2400" kern="1200" dirty="0" smtClean="0"/>
-            <a:t>Master-Slave</a:t>
-          </a:r>
-          <a:endParaRPr lang="en-US" sz="2400" kern="1200" dirty="0"/>
-        </a:p>
-      </dsp:txBody>
-      <dsp:txXfrm>
-        <a:off x="1321520" y="26513"/>
-        <a:ext cx="1576370" cy="852194"/>
-      </dsp:txXfrm>
-    </dsp:sp>
-    <dsp:sp modelId="{1D8DC2D3-FB5A-4C3F-B797-2F1FD6918D5D}">
-      <dsp:nvSpPr>
-        <dsp:cNvPr id="0" name=""/>
-        <dsp:cNvSpPr/>
-      </dsp:nvSpPr>
-      <dsp:spPr>
-        <a:xfrm>
-          <a:off x="3648580" y="0"/>
-          <a:ext cx="1629396" cy="905220"/>
-        </a:xfrm>
-        <a:prstGeom prst="roundRect">
-          <a:avLst>
-            <a:gd name="adj" fmla="val 10000"/>
-          </a:avLst>
-        </a:prstGeom>
-        <a:solidFill>
-          <a:schemeClr val="accent5">
-            <a:tint val="40000"/>
-            <a:alpha val="90000"/>
-            <a:hueOff val="-6475096"/>
-            <a:satOff val="1642"/>
-            <a:lumOff val="208"/>
-            <a:alphaOff val="0"/>
-          </a:schemeClr>
-        </a:solidFill>
-        <a:ln w="13970" cap="flat" cmpd="sng" algn="ctr">
-          <a:solidFill>
-            <a:schemeClr val="accent5">
-              <a:tint val="40000"/>
-              <a:alpha val="90000"/>
-              <a:hueOff val="-6475096"/>
-              <a:satOff val="1642"/>
-              <a:lumOff val="208"/>
-              <a:alphaOff val="0"/>
-            </a:schemeClr>
-          </a:solidFill>
-          <a:prstDash val="solid"/>
-        </a:ln>
-        <a:effectLst/>
-      </dsp:spPr>
-      <dsp:style>
-        <a:lnRef idx="2">
-          <a:scrgbClr r="0" g="0" b="0"/>
-        </a:lnRef>
-        <a:fillRef idx="1">
-          <a:scrgbClr r="0" g="0" b="0"/>
-        </a:fillRef>
-        <a:effectRef idx="0">
-          <a:scrgbClr r="0" g="0" b="0"/>
-        </a:effectRef>
-        <a:fontRef idx="minor"/>
-      </dsp:style>
-      <dsp:txBody>
-        <a:bodyPr spcFirstLastPara="0" vert="horz" wrap="square" lIns="91440" tIns="91440" rIns="91440" bIns="91440" numCol="1" spcCol="1270" anchor="ctr" anchorCtr="0">
-          <a:noAutofit/>
-        </a:bodyPr>
-        <a:lstStyle/>
-        <a:p>
-          <a:pPr lvl="0" algn="ctr" defTabSz="1066800">
-            <a:lnSpc>
-              <a:spcPct val="90000"/>
-            </a:lnSpc>
-            <a:spcBef>
-              <a:spcPct val="0"/>
-            </a:spcBef>
-            <a:spcAft>
-              <a:spcPct val="35000"/>
-            </a:spcAft>
-          </a:pPr>
-          <a:r>
-            <a:rPr lang="en-US" sz="2400" kern="1200" dirty="0" smtClean="0"/>
-            <a:t>Peer to Peer</a:t>
-          </a:r>
-          <a:endParaRPr lang="en-US" sz="2400" kern="1200" dirty="0"/>
-        </a:p>
-      </dsp:txBody>
-      <dsp:txXfrm>
-        <a:off x="3675093" y="26513"/>
-        <a:ext cx="1576370" cy="852194"/>
-      </dsp:txXfrm>
-    </dsp:sp>
-    <dsp:sp modelId="{AF842BA2-97E4-4CC1-9F99-A84D769C65DD}">
-      <dsp:nvSpPr>
-        <dsp:cNvPr id="0" name=""/>
-        <dsp:cNvSpPr/>
-      </dsp:nvSpPr>
-      <dsp:spPr>
-        <a:xfrm>
-          <a:off x="2947034" y="3847186"/>
-          <a:ext cx="678915" cy="678915"/>
-        </a:xfrm>
-        <a:prstGeom prst="triangle">
-          <a:avLst/>
-        </a:prstGeom>
-        <a:solidFill>
-          <a:schemeClr val="accent5">
-            <a:tint val="40000"/>
-            <a:alpha val="90000"/>
-            <a:hueOff val="-12950192"/>
-            <a:satOff val="3283"/>
-            <a:lumOff val="417"/>
-            <a:alphaOff val="0"/>
-          </a:schemeClr>
-        </a:solidFill>
-        <a:ln w="13970" cap="flat" cmpd="sng" algn="ctr">
-          <a:solidFill>
-            <a:schemeClr val="accent5">
-              <a:tint val="40000"/>
-              <a:alpha val="90000"/>
-              <a:hueOff val="-12950192"/>
-              <a:satOff val="3283"/>
-              <a:lumOff val="417"/>
-              <a:alphaOff val="0"/>
-            </a:schemeClr>
-          </a:solidFill>
-          <a:prstDash val="solid"/>
-        </a:ln>
-        <a:effectLst/>
-      </dsp:spPr>
-      <dsp:style>
-        <a:lnRef idx="2">
-          <a:scrgbClr r="0" g="0" b="0"/>
-        </a:lnRef>
-        <a:fillRef idx="1">
-          <a:scrgbClr r="0" g="0" b="0"/>
-        </a:fillRef>
-        <a:effectRef idx="0">
-          <a:scrgbClr r="0" g="0" b="0"/>
-        </a:effectRef>
-        <a:fontRef idx="minor"/>
-      </dsp:style>
-    </dsp:sp>
-    <dsp:sp modelId="{C6B83F29-8B58-4C4B-BE15-139D19F11493}">
-      <dsp:nvSpPr>
-        <dsp:cNvPr id="0" name=""/>
-        <dsp:cNvSpPr/>
-      </dsp:nvSpPr>
-      <dsp:spPr>
-        <a:xfrm>
-          <a:off x="1249746" y="3562947"/>
-          <a:ext cx="4073491" cy="275187"/>
-        </a:xfrm>
-        <a:prstGeom prst="rect">
-          <a:avLst/>
-        </a:prstGeom>
-        <a:solidFill>
-          <a:schemeClr val="accent5">
-            <a:tint val="40000"/>
-            <a:alpha val="90000"/>
-            <a:hueOff val="-19425287"/>
-            <a:satOff val="4925"/>
-            <a:lumOff val="625"/>
-            <a:alphaOff val="0"/>
-          </a:schemeClr>
-        </a:solidFill>
-        <a:ln w="13970" cap="flat" cmpd="sng" algn="ctr">
-          <a:solidFill>
-            <a:schemeClr val="accent5">
-              <a:tint val="40000"/>
-              <a:alpha val="90000"/>
-              <a:hueOff val="-19425287"/>
-              <a:satOff val="4925"/>
-              <a:lumOff val="625"/>
-              <a:alphaOff val="0"/>
-            </a:schemeClr>
-          </a:solidFill>
-          <a:prstDash val="solid"/>
-        </a:ln>
-        <a:effectLst/>
-      </dsp:spPr>
-      <dsp:style>
-        <a:lnRef idx="2">
-          <a:scrgbClr r="0" g="0" b="0"/>
-        </a:lnRef>
-        <a:fillRef idx="1">
-          <a:scrgbClr r="0" g="0" b="0"/>
-        </a:fillRef>
-        <a:effectRef idx="0">
-          <a:scrgbClr r="0" g="0" b="0"/>
-        </a:effectRef>
-        <a:fontRef idx="minor"/>
-      </dsp:style>
-    </dsp:sp>
-    <dsp:sp modelId="{98964707-3D72-4FC2-B6B2-5CC99B8ACA22}">
-      <dsp:nvSpPr>
-        <dsp:cNvPr id="0" name=""/>
-        <dsp:cNvSpPr/>
-      </dsp:nvSpPr>
-      <dsp:spPr>
-        <a:xfrm>
-          <a:off x="3648580" y="2371677"/>
-          <a:ext cx="1629396" cy="1158682"/>
-        </a:xfrm>
-        <a:prstGeom prst="roundRect">
-          <a:avLst/>
-        </a:prstGeom>
-        <a:solidFill>
-          <a:schemeClr val="accent5">
-            <a:hueOff val="0"/>
-            <a:satOff val="0"/>
-            <a:lumOff val="0"/>
-            <a:alphaOff val="0"/>
-          </a:schemeClr>
-        </a:solidFill>
-        <a:ln w="13970" cap="flat" cmpd="sng" algn="ctr">
-          <a:solidFill>
-            <a:schemeClr val="lt1">
-              <a:hueOff val="0"/>
-              <a:satOff val="0"/>
-              <a:lumOff val="0"/>
-              <a:alphaOff val="0"/>
-            </a:schemeClr>
-          </a:solidFill>
-          <a:prstDash val="solid"/>
-        </a:ln>
-        <a:effectLst/>
-      </dsp:spPr>
-      <dsp:style>
-        <a:lnRef idx="2">
-          <a:scrgbClr r="0" g="0" b="0"/>
-        </a:lnRef>
-        <a:fillRef idx="1">
-          <a:scrgbClr r="0" g="0" b="0"/>
-        </a:fillRef>
-        <a:effectRef idx="0">
-          <a:scrgbClr r="0" g="0" b="0"/>
-        </a:effectRef>
-        <a:fontRef idx="minor">
-          <a:schemeClr val="lt1"/>
-        </a:fontRef>
-      </dsp:style>
-      <dsp:txBody>
-        <a:bodyPr spcFirstLastPara="0" vert="horz" wrap="square" lIns="76200" tIns="76200" rIns="76200" bIns="76200" numCol="1" spcCol="1270" anchor="ctr" anchorCtr="0">
-          <a:noAutofit/>
-        </a:bodyPr>
-        <a:lstStyle/>
-        <a:p>
-          <a:pPr lvl="0" algn="ctr" defTabSz="889000">
-            <a:lnSpc>
-              <a:spcPct val="90000"/>
-            </a:lnSpc>
-            <a:spcBef>
-              <a:spcPct val="0"/>
-            </a:spcBef>
-            <a:spcAft>
-              <a:spcPct val="35000"/>
-            </a:spcAft>
-          </a:pPr>
-          <a:r>
-            <a:rPr lang="en-US" sz="2000" kern="1200" dirty="0" smtClean="0"/>
-            <a:t>Updates propagate to replicas</a:t>
-          </a:r>
-          <a:endParaRPr lang="en-US" sz="2000" kern="1200" dirty="0"/>
-        </a:p>
-      </dsp:txBody>
-      <dsp:txXfrm>
-        <a:off x="3705142" y="2428239"/>
-        <a:ext cx="1516272" cy="1045558"/>
-      </dsp:txXfrm>
-    </dsp:sp>
-    <dsp:sp modelId="{20EDB2D3-6B22-4569-A635-95093CCDABAE}">
-      <dsp:nvSpPr>
-        <dsp:cNvPr id="0" name=""/>
-        <dsp:cNvSpPr/>
-      </dsp:nvSpPr>
-      <dsp:spPr>
-        <a:xfrm>
-          <a:off x="3648580" y="1158682"/>
-          <a:ext cx="1629396" cy="1158682"/>
-        </a:xfrm>
-        <a:prstGeom prst="roundRect">
-          <a:avLst/>
-        </a:prstGeom>
-        <a:solidFill>
-          <a:schemeClr val="accent5">
-            <a:hueOff val="-6356385"/>
-            <a:satOff val="1676"/>
-            <a:lumOff val="850"/>
-            <a:alphaOff val="0"/>
-          </a:schemeClr>
-        </a:solidFill>
-        <a:ln w="13970" cap="flat" cmpd="sng" algn="ctr">
-          <a:solidFill>
-            <a:schemeClr val="lt1">
-              <a:hueOff val="0"/>
-              <a:satOff val="0"/>
-              <a:lumOff val="0"/>
-              <a:alphaOff val="0"/>
-            </a:schemeClr>
-          </a:solidFill>
-          <a:prstDash val="solid"/>
-        </a:ln>
-        <a:effectLst/>
-      </dsp:spPr>
-      <dsp:style>
-        <a:lnRef idx="2">
-          <a:scrgbClr r="0" g="0" b="0"/>
-        </a:lnRef>
-        <a:fillRef idx="1">
-          <a:scrgbClr r="0" g="0" b="0"/>
-        </a:fillRef>
-        <a:effectRef idx="0">
-          <a:scrgbClr r="0" g="0" b="0"/>
-        </a:effectRef>
-        <a:fontRef idx="minor">
-          <a:schemeClr val="lt1"/>
-        </a:fontRef>
-      </dsp:style>
-      <dsp:txBody>
-        <a:bodyPr spcFirstLastPara="0" vert="horz" wrap="square" lIns="76200" tIns="76200" rIns="76200" bIns="76200" numCol="1" spcCol="1270" anchor="ctr" anchorCtr="0">
-          <a:noAutofit/>
-        </a:bodyPr>
-        <a:lstStyle/>
-        <a:p>
-          <a:pPr lvl="0" algn="ctr" defTabSz="889000">
-            <a:lnSpc>
-              <a:spcPct val="90000"/>
-            </a:lnSpc>
-            <a:spcBef>
-              <a:spcPct val="0"/>
-            </a:spcBef>
-            <a:spcAft>
-              <a:spcPct val="35000"/>
-            </a:spcAft>
-          </a:pPr>
-          <a:r>
-            <a:rPr lang="en-US" sz="2000" kern="1200" dirty="0" smtClean="0"/>
-            <a:t>Masterless: all copies equal</a:t>
-          </a:r>
-          <a:endParaRPr lang="en-US" sz="2000" kern="1200" dirty="0"/>
-        </a:p>
-      </dsp:txBody>
-      <dsp:txXfrm>
-        <a:off x="3705142" y="1215244"/>
-        <a:ext cx="1516272" cy="1045558"/>
-      </dsp:txXfrm>
-    </dsp:sp>
-    <dsp:sp modelId="{BD4683D7-6102-4906-AFB6-1E355101CC77}">
-      <dsp:nvSpPr>
-        <dsp:cNvPr id="0" name=""/>
-        <dsp:cNvSpPr/>
-      </dsp:nvSpPr>
-      <dsp:spPr>
-        <a:xfrm>
-          <a:off x="1295007" y="2371677"/>
-          <a:ext cx="1629396" cy="1158682"/>
-        </a:xfrm>
-        <a:prstGeom prst="roundRect">
-          <a:avLst/>
-        </a:prstGeom>
-        <a:solidFill>
-          <a:schemeClr val="accent5">
-            <a:hueOff val="-12712771"/>
-            <a:satOff val="3353"/>
-            <a:lumOff val="1699"/>
-            <a:alphaOff val="0"/>
-          </a:schemeClr>
-        </a:solidFill>
-        <a:ln w="13970" cap="flat" cmpd="sng" algn="ctr">
-          <a:solidFill>
-            <a:schemeClr val="lt1">
-              <a:hueOff val="0"/>
-              <a:satOff val="0"/>
-              <a:lumOff val="0"/>
-              <a:alphaOff val="0"/>
-            </a:schemeClr>
-          </a:solidFill>
-          <a:prstDash val="solid"/>
-        </a:ln>
-        <a:effectLst/>
-      </dsp:spPr>
-      <dsp:style>
-        <a:lnRef idx="2">
-          <a:scrgbClr r="0" g="0" b="0"/>
-        </a:lnRef>
-        <a:fillRef idx="1">
-          <a:scrgbClr r="0" g="0" b="0"/>
-        </a:fillRef>
-        <a:effectRef idx="0">
-          <a:scrgbClr r="0" g="0" b="0"/>
-        </a:effectRef>
-        <a:fontRef idx="minor">
-          <a:schemeClr val="lt1"/>
-        </a:fontRef>
-      </dsp:style>
-      <dsp:txBody>
-        <a:bodyPr spcFirstLastPara="0" vert="horz" wrap="square" lIns="76200" tIns="76200" rIns="76200" bIns="76200" numCol="1" spcCol="1270" anchor="ctr" anchorCtr="0">
-          <a:noAutofit/>
-        </a:bodyPr>
-        <a:lstStyle/>
-        <a:p>
-          <a:pPr lvl="0" algn="ctr" defTabSz="889000">
-            <a:lnSpc>
-              <a:spcPct val="90000"/>
-            </a:lnSpc>
-            <a:spcBef>
-              <a:spcPct val="0"/>
-            </a:spcBef>
-            <a:spcAft>
-              <a:spcPct val="35000"/>
-            </a:spcAft>
-          </a:pPr>
-          <a:r>
-            <a:rPr lang="en-US" sz="2000" kern="1200" dirty="0" smtClean="0"/>
-            <a:t>Single point of failure</a:t>
-          </a:r>
-          <a:endParaRPr lang="en-US" sz="2000" kern="1200" dirty="0"/>
-        </a:p>
-      </dsp:txBody>
-      <dsp:txXfrm>
-        <a:off x="1351569" y="2428239"/>
-        <a:ext cx="1516272" cy="1045558"/>
-      </dsp:txXfrm>
-    </dsp:sp>
-    <dsp:sp modelId="{483BAA87-0B38-4B35-B979-08A65CF97267}">
-      <dsp:nvSpPr>
-        <dsp:cNvPr id="0" name=""/>
-        <dsp:cNvSpPr/>
-      </dsp:nvSpPr>
-      <dsp:spPr>
-        <a:xfrm>
-          <a:off x="1295007" y="1158682"/>
-          <a:ext cx="1629396" cy="1158682"/>
-        </a:xfrm>
-        <a:prstGeom prst="roundRect">
-          <a:avLst/>
-        </a:prstGeom>
-        <a:solidFill>
-          <a:schemeClr val="accent5">
-            <a:hueOff val="-19069156"/>
-            <a:satOff val="5029"/>
-            <a:lumOff val="2549"/>
-            <a:alphaOff val="0"/>
-          </a:schemeClr>
-        </a:solidFill>
-        <a:ln w="13970" cap="flat" cmpd="sng" algn="ctr">
-          <a:solidFill>
-            <a:schemeClr val="lt1">
-              <a:hueOff val="0"/>
-              <a:satOff val="0"/>
-              <a:lumOff val="0"/>
-              <a:alphaOff val="0"/>
-            </a:schemeClr>
-          </a:solidFill>
-          <a:prstDash val="solid"/>
-        </a:ln>
-        <a:effectLst/>
-      </dsp:spPr>
-      <dsp:style>
-        <a:lnRef idx="2">
-          <a:scrgbClr r="0" g="0" b="0"/>
-        </a:lnRef>
-        <a:fillRef idx="1">
-          <a:scrgbClr r="0" g="0" b="0"/>
-        </a:fillRef>
-        <a:effectRef idx="0">
-          <a:scrgbClr r="0" g="0" b="0"/>
-        </a:effectRef>
-        <a:fontRef idx="minor">
-          <a:schemeClr val="lt1"/>
-        </a:fontRef>
-      </dsp:style>
-      <dsp:txBody>
-        <a:bodyPr spcFirstLastPara="0" vert="horz" wrap="square" lIns="76200" tIns="76200" rIns="76200" bIns="76200" numCol="1" spcCol="1270" anchor="ctr" anchorCtr="0">
-          <a:noAutofit/>
-        </a:bodyPr>
-        <a:lstStyle/>
-        <a:p>
-          <a:pPr lvl="0" algn="ctr" defTabSz="889000">
-            <a:lnSpc>
-              <a:spcPct val="90000"/>
-            </a:lnSpc>
-            <a:spcBef>
-              <a:spcPct val="0"/>
-            </a:spcBef>
-            <a:spcAft>
-              <a:spcPct val="35000"/>
-            </a:spcAft>
-          </a:pPr>
-          <a:r>
-            <a:rPr lang="en-US" sz="2000" kern="1200" dirty="0" smtClean="0"/>
-            <a:t>Single copy of data</a:t>
-          </a:r>
-          <a:endParaRPr lang="en-US" sz="2000" kern="1200" dirty="0"/>
-        </a:p>
-      </dsp:txBody>
-      <dsp:txXfrm>
-        <a:off x="1351569" y="1215244"/>
-        <a:ext cx="1516272" cy="1045558"/>
-      </dsp:txXfrm>
-    </dsp:sp>
   </dsp:spTree>
 </dsp:drawing>
 </file>
@@ -3075,424 +2503,6 @@
       <dsp:cNvGrpSpPr/>
     </dsp:nvGrpSpPr>
     <dsp:grpSpPr/>
-    <dsp:sp modelId="{60CF439C-49C3-4D7F-8989-D99482B43AC9}">
-      <dsp:nvSpPr>
-        <dsp:cNvPr id="0" name=""/>
-        <dsp:cNvSpPr/>
-      </dsp:nvSpPr>
-      <dsp:spPr>
-        <a:xfrm>
-          <a:off x="0" y="429865"/>
-          <a:ext cx="2685851" cy="1611510"/>
-        </a:xfrm>
-        <a:prstGeom prst="rect">
-          <a:avLst/>
-        </a:prstGeom>
-        <a:solidFill>
-          <a:schemeClr val="accent5">
-            <a:hueOff val="0"/>
-            <a:satOff val="0"/>
-            <a:lumOff val="0"/>
-            <a:alphaOff val="0"/>
-          </a:schemeClr>
-        </a:solidFill>
-        <a:ln w="13970" cap="flat" cmpd="sng" algn="ctr">
-          <a:solidFill>
-            <a:schemeClr val="lt1">
-              <a:hueOff val="0"/>
-              <a:satOff val="0"/>
-              <a:lumOff val="0"/>
-              <a:alphaOff val="0"/>
-            </a:schemeClr>
-          </a:solidFill>
-          <a:prstDash val="solid"/>
-        </a:ln>
-        <a:effectLst/>
-      </dsp:spPr>
-      <dsp:style>
-        <a:lnRef idx="2">
-          <a:scrgbClr r="0" g="0" b="0"/>
-        </a:lnRef>
-        <a:fillRef idx="1">
-          <a:scrgbClr r="0" g="0" b="0"/>
-        </a:fillRef>
-        <a:effectRef idx="0">
-          <a:scrgbClr r="0" g="0" b="0"/>
-        </a:effectRef>
-        <a:fontRef idx="minor">
-          <a:schemeClr val="lt1"/>
-        </a:fontRef>
-      </dsp:style>
-      <dsp:txBody>
-        <a:bodyPr spcFirstLastPara="0" vert="horz" wrap="square" lIns="83820" tIns="83820" rIns="83820" bIns="83820" numCol="1" spcCol="1270" anchor="ctr" anchorCtr="0">
-          <a:noAutofit/>
-        </a:bodyPr>
-        <a:lstStyle/>
-        <a:p>
-          <a:pPr lvl="0" algn="ctr" defTabSz="977900">
-            <a:lnSpc>
-              <a:spcPct val="90000"/>
-            </a:lnSpc>
-            <a:spcBef>
-              <a:spcPct val="0"/>
-            </a:spcBef>
-            <a:spcAft>
-              <a:spcPct val="35000"/>
-            </a:spcAft>
-          </a:pPr>
-          <a:r>
-            <a:rPr lang="en-US" sz="2200" kern="1200" dirty="0" smtClean="0"/>
-            <a:t>Distributed database</a:t>
-          </a:r>
-        </a:p>
-        <a:p>
-          <a:pPr lvl="0" algn="ctr" defTabSz="977900">
-            <a:lnSpc>
-              <a:spcPct val="90000"/>
-            </a:lnSpc>
-            <a:spcBef>
-              <a:spcPct val="0"/>
-            </a:spcBef>
-            <a:spcAft>
-              <a:spcPct val="35000"/>
-            </a:spcAft>
-          </a:pPr>
-          <a:r>
-            <a:rPr lang="en-US" sz="2200" kern="1200" dirty="0" smtClean="0"/>
-            <a:t>Peer to Peer</a:t>
-          </a:r>
-          <a:endParaRPr lang="en-US" sz="2200" kern="1200" dirty="0"/>
-        </a:p>
-      </dsp:txBody>
-      <dsp:txXfrm>
-        <a:off x="0" y="429865"/>
-        <a:ext cx="2685851" cy="1611510"/>
-      </dsp:txXfrm>
-    </dsp:sp>
-    <dsp:sp modelId="{82545533-9B94-4C2E-A807-A18423DBE3D5}">
-      <dsp:nvSpPr>
-        <dsp:cNvPr id="0" name=""/>
-        <dsp:cNvSpPr/>
-      </dsp:nvSpPr>
-      <dsp:spPr>
-        <a:xfrm>
-          <a:off x="2954436" y="429865"/>
-          <a:ext cx="2685851" cy="1611510"/>
-        </a:xfrm>
-        <a:prstGeom prst="rect">
-          <a:avLst/>
-        </a:prstGeom>
-        <a:solidFill>
-          <a:schemeClr val="accent5">
-            <a:hueOff val="-4767289"/>
-            <a:satOff val="1257"/>
-            <a:lumOff val="637"/>
-            <a:alphaOff val="0"/>
-          </a:schemeClr>
-        </a:solidFill>
-        <a:ln w="13970" cap="flat" cmpd="sng" algn="ctr">
-          <a:solidFill>
-            <a:schemeClr val="lt1">
-              <a:hueOff val="0"/>
-              <a:satOff val="0"/>
-              <a:lumOff val="0"/>
-              <a:alphaOff val="0"/>
-            </a:schemeClr>
-          </a:solidFill>
-          <a:prstDash val="solid"/>
-        </a:ln>
-        <a:effectLst/>
-      </dsp:spPr>
-      <dsp:style>
-        <a:lnRef idx="2">
-          <a:scrgbClr r="0" g="0" b="0"/>
-        </a:lnRef>
-        <a:fillRef idx="1">
-          <a:scrgbClr r="0" g="0" b="0"/>
-        </a:fillRef>
-        <a:effectRef idx="0">
-          <a:scrgbClr r="0" g="0" b="0"/>
-        </a:effectRef>
-        <a:fontRef idx="minor">
-          <a:schemeClr val="lt1"/>
-        </a:fontRef>
-      </dsp:style>
-      <dsp:txBody>
-        <a:bodyPr spcFirstLastPara="0" vert="horz" wrap="square" lIns="83820" tIns="83820" rIns="83820" bIns="83820" numCol="1" spcCol="1270" anchor="ctr" anchorCtr="0">
-          <a:noAutofit/>
-        </a:bodyPr>
-        <a:lstStyle/>
-        <a:p>
-          <a:pPr lvl="0" algn="ctr" defTabSz="977900">
-            <a:lnSpc>
-              <a:spcPct val="90000"/>
-            </a:lnSpc>
-            <a:spcBef>
-              <a:spcPct val="0"/>
-            </a:spcBef>
-            <a:spcAft>
-              <a:spcPct val="35000"/>
-            </a:spcAft>
-          </a:pPr>
-          <a:r>
-            <a:rPr lang="en-US" sz="2200" kern="1200" dirty="0" smtClean="0"/>
-            <a:t>Transparent &amp; Incorruptible</a:t>
-          </a:r>
-          <a:endParaRPr lang="en-US" sz="2200" kern="1200" dirty="0"/>
-        </a:p>
-      </dsp:txBody>
-      <dsp:txXfrm>
-        <a:off x="2954436" y="429865"/>
-        <a:ext cx="2685851" cy="1611510"/>
-      </dsp:txXfrm>
-    </dsp:sp>
-    <dsp:sp modelId="{AE2DE7E0-762F-47D7-91A0-7CCED276986A}">
-      <dsp:nvSpPr>
-        <dsp:cNvPr id="0" name=""/>
-        <dsp:cNvSpPr/>
-      </dsp:nvSpPr>
-      <dsp:spPr>
-        <a:xfrm>
-          <a:off x="5908873" y="429865"/>
-          <a:ext cx="2685851" cy="1611510"/>
-        </a:xfrm>
-        <a:prstGeom prst="rect">
-          <a:avLst/>
-        </a:prstGeom>
-        <a:solidFill>
-          <a:schemeClr val="accent5">
-            <a:hueOff val="-9534578"/>
-            <a:satOff val="2515"/>
-            <a:lumOff val="1275"/>
-            <a:alphaOff val="0"/>
-          </a:schemeClr>
-        </a:solidFill>
-        <a:ln w="13970" cap="flat" cmpd="sng" algn="ctr">
-          <a:solidFill>
-            <a:schemeClr val="lt1">
-              <a:hueOff val="0"/>
-              <a:satOff val="0"/>
-              <a:lumOff val="0"/>
-              <a:alphaOff val="0"/>
-            </a:schemeClr>
-          </a:solidFill>
-          <a:prstDash val="solid"/>
-        </a:ln>
-        <a:effectLst/>
-      </dsp:spPr>
-      <dsp:style>
-        <a:lnRef idx="2">
-          <a:scrgbClr r="0" g="0" b="0"/>
-        </a:lnRef>
-        <a:fillRef idx="1">
-          <a:scrgbClr r="0" g="0" b="0"/>
-        </a:fillRef>
-        <a:effectRef idx="0">
-          <a:scrgbClr r="0" g="0" b="0"/>
-        </a:effectRef>
-        <a:fontRef idx="minor">
-          <a:schemeClr val="lt1"/>
-        </a:fontRef>
-      </dsp:style>
-      <dsp:txBody>
-        <a:bodyPr spcFirstLastPara="0" vert="horz" wrap="square" lIns="83820" tIns="83820" rIns="83820" bIns="83820" numCol="1" spcCol="1270" anchor="ctr" anchorCtr="0">
-          <a:noAutofit/>
-        </a:bodyPr>
-        <a:lstStyle/>
-        <a:p>
-          <a:pPr lvl="0" algn="ctr" defTabSz="977900">
-            <a:lnSpc>
-              <a:spcPct val="90000"/>
-            </a:lnSpc>
-            <a:spcBef>
-              <a:spcPct val="0"/>
-            </a:spcBef>
-            <a:spcAft>
-              <a:spcPct val="35000"/>
-            </a:spcAft>
-          </a:pPr>
-          <a:r>
-            <a:rPr lang="en-US" sz="2200" kern="1200" dirty="0" smtClean="0"/>
-            <a:t>No single point of failure </a:t>
-          </a:r>
-        </a:p>
-      </dsp:txBody>
-      <dsp:txXfrm>
-        <a:off x="5908873" y="429865"/>
-        <a:ext cx="2685851" cy="1611510"/>
-      </dsp:txXfrm>
-    </dsp:sp>
-    <dsp:sp modelId="{3B7F0BE5-9660-4827-8817-B85CD986E55B}">
-      <dsp:nvSpPr>
-        <dsp:cNvPr id="0" name=""/>
-        <dsp:cNvSpPr/>
-      </dsp:nvSpPr>
-      <dsp:spPr>
-        <a:xfrm>
-          <a:off x="1477218" y="2309961"/>
-          <a:ext cx="2685851" cy="1611510"/>
-        </a:xfrm>
-        <a:prstGeom prst="rect">
-          <a:avLst/>
-        </a:prstGeom>
-        <a:solidFill>
-          <a:schemeClr val="accent5">
-            <a:hueOff val="-14301867"/>
-            <a:satOff val="3772"/>
-            <a:lumOff val="1912"/>
-            <a:alphaOff val="0"/>
-          </a:schemeClr>
-        </a:solidFill>
-        <a:ln w="13970" cap="flat" cmpd="sng" algn="ctr">
-          <a:solidFill>
-            <a:schemeClr val="lt1">
-              <a:hueOff val="0"/>
-              <a:satOff val="0"/>
-              <a:lumOff val="0"/>
-              <a:alphaOff val="0"/>
-            </a:schemeClr>
-          </a:solidFill>
-          <a:prstDash val="solid"/>
-        </a:ln>
-        <a:effectLst/>
-      </dsp:spPr>
-      <dsp:style>
-        <a:lnRef idx="2">
-          <a:scrgbClr r="0" g="0" b="0"/>
-        </a:lnRef>
-        <a:fillRef idx="1">
-          <a:scrgbClr r="0" g="0" b="0"/>
-        </a:fillRef>
-        <a:effectRef idx="0">
-          <a:scrgbClr r="0" g="0" b="0"/>
-        </a:effectRef>
-        <a:fontRef idx="minor">
-          <a:schemeClr val="lt1"/>
-        </a:fontRef>
-      </dsp:style>
-      <dsp:txBody>
-        <a:bodyPr spcFirstLastPara="0" vert="horz" wrap="square" lIns="83820" tIns="83820" rIns="83820" bIns="83820" numCol="1" spcCol="1270" anchor="ctr" anchorCtr="0">
-          <a:noAutofit/>
-        </a:bodyPr>
-        <a:lstStyle/>
-        <a:p>
-          <a:pPr lvl="0" algn="ctr" defTabSz="977900">
-            <a:lnSpc>
-              <a:spcPct val="90000"/>
-            </a:lnSpc>
-            <a:spcBef>
-              <a:spcPct val="0"/>
-            </a:spcBef>
-            <a:spcAft>
-              <a:spcPct val="35000"/>
-            </a:spcAft>
-          </a:pPr>
-          <a:r>
-            <a:rPr lang="en-US" sz="2200" kern="1200" dirty="0" smtClean="0"/>
-            <a:t>Decentralized consensus</a:t>
-          </a:r>
-        </a:p>
-        <a:p>
-          <a:pPr lvl="0" algn="ctr" defTabSz="977900">
-            <a:lnSpc>
-              <a:spcPct val="90000"/>
-            </a:lnSpc>
-            <a:spcBef>
-              <a:spcPct val="0"/>
-            </a:spcBef>
-            <a:spcAft>
-              <a:spcPct val="35000"/>
-            </a:spcAft>
-          </a:pPr>
-          <a:r>
-            <a:rPr lang="en-US" sz="2200" kern="1200" smtClean="0"/>
-            <a:t>(not controlled by any single identity)</a:t>
-          </a:r>
-          <a:endParaRPr lang="en-US" sz="2200" kern="1200" dirty="0"/>
-        </a:p>
-      </dsp:txBody>
-      <dsp:txXfrm>
-        <a:off x="1477218" y="2309961"/>
-        <a:ext cx="2685851" cy="1611510"/>
-      </dsp:txXfrm>
-    </dsp:sp>
-    <dsp:sp modelId="{CCDE65B8-74F1-46FA-90AC-7C7648692ACA}">
-      <dsp:nvSpPr>
-        <dsp:cNvPr id="0" name=""/>
-        <dsp:cNvSpPr/>
-      </dsp:nvSpPr>
-      <dsp:spPr>
-        <a:xfrm>
-          <a:off x="4431655" y="2309961"/>
-          <a:ext cx="2685851" cy="1611510"/>
-        </a:xfrm>
-        <a:prstGeom prst="rect">
-          <a:avLst/>
-        </a:prstGeom>
-        <a:solidFill>
-          <a:schemeClr val="accent5">
-            <a:hueOff val="-19069156"/>
-            <a:satOff val="5029"/>
-            <a:lumOff val="2549"/>
-            <a:alphaOff val="0"/>
-          </a:schemeClr>
-        </a:solidFill>
-        <a:ln w="13970" cap="flat" cmpd="sng" algn="ctr">
-          <a:solidFill>
-            <a:schemeClr val="lt1">
-              <a:hueOff val="0"/>
-              <a:satOff val="0"/>
-              <a:lumOff val="0"/>
-              <a:alphaOff val="0"/>
-            </a:schemeClr>
-          </a:solidFill>
-          <a:prstDash val="solid"/>
-        </a:ln>
-        <a:effectLst/>
-      </dsp:spPr>
-      <dsp:style>
-        <a:lnRef idx="2">
-          <a:scrgbClr r="0" g="0" b="0"/>
-        </a:lnRef>
-        <a:fillRef idx="1">
-          <a:scrgbClr r="0" g="0" b="0"/>
-        </a:fillRef>
-        <a:effectRef idx="0">
-          <a:scrgbClr r="0" g="0" b="0"/>
-        </a:effectRef>
-        <a:fontRef idx="minor">
-          <a:schemeClr val="lt1"/>
-        </a:fontRef>
-      </dsp:style>
-      <dsp:txBody>
-        <a:bodyPr spcFirstLastPara="0" vert="horz" wrap="square" lIns="83820" tIns="83820" rIns="83820" bIns="83820" numCol="1" spcCol="1270" anchor="ctr" anchorCtr="0">
-          <a:noAutofit/>
-        </a:bodyPr>
-        <a:lstStyle/>
-        <a:p>
-          <a:pPr lvl="0" algn="ctr" defTabSz="977900">
-            <a:lnSpc>
-              <a:spcPct val="90000"/>
-            </a:lnSpc>
-            <a:spcBef>
-              <a:spcPct val="0"/>
-            </a:spcBef>
-            <a:spcAft>
-              <a:spcPct val="35000"/>
-            </a:spcAft>
-          </a:pPr>
-          <a:r>
-            <a:rPr lang="en-US" sz="2200" kern="1200" dirty="0" smtClean="0"/>
-            <a:t>Enhanced security</a:t>
-          </a:r>
-          <a:endParaRPr lang="en-US" sz="2200" kern="1200" dirty="0"/>
-        </a:p>
-      </dsp:txBody>
-      <dsp:txXfrm>
-        <a:off x="4431655" y="2309961"/>
-        <a:ext cx="2685851" cy="1611510"/>
-      </dsp:txXfrm>
-    </dsp:sp>
   </dsp:spTree>
 </dsp:drawing>
 </file>
@@ -8889,7 +7899,7 @@
           <a:p>
             <a:fld id="{2E28F09B-44CF-423A-802C-82491C0D83F2}" type="datetimeFigureOut">
               <a:rPr lang="en-US" smtClean="0"/>
-              <a:t>12/10/2016</a:t>
+              <a:t>12/11/2016</a:t>
             </a:fld>
             <a:endParaRPr lang="en-US"/>
           </a:p>
@@ -9409,7 +8419,7 @@
           <a:p>
             <a:fld id="{E17AC606-863D-4346-A462-FAA7BDFFC6FE}" type="datetimeFigureOut">
               <a:rPr lang="en-US" smtClean="0"/>
-              <a:t>12/10/2016</a:t>
+              <a:t>12/11/2016</a:t>
             </a:fld>
             <a:endParaRPr lang="en-US"/>
           </a:p>
@@ -9642,7 +8652,7 @@
           <a:p>
             <a:fld id="{E17AC606-863D-4346-A462-FAA7BDFFC6FE}" type="datetimeFigureOut">
               <a:rPr lang="en-US" smtClean="0"/>
-              <a:t>12/10/2016</a:t>
+              <a:t>12/11/2016</a:t>
             </a:fld>
             <a:endParaRPr lang="en-US"/>
           </a:p>
@@ -9822,7 +8832,7 @@
           <a:p>
             <a:fld id="{E17AC606-863D-4346-A462-FAA7BDFFC6FE}" type="datetimeFigureOut">
               <a:rPr lang="en-US" smtClean="0"/>
-              <a:t>12/10/2016</a:t>
+              <a:t>12/11/2016</a:t>
             </a:fld>
             <a:endParaRPr lang="en-US"/>
           </a:p>
@@ -9992,7 +9002,7 @@
           <a:p>
             <a:fld id="{E17AC606-863D-4346-A462-FAA7BDFFC6FE}" type="datetimeFigureOut">
               <a:rPr lang="en-US" smtClean="0"/>
-              <a:t>12/10/2016</a:t>
+              <a:t>12/11/2016</a:t>
             </a:fld>
             <a:endParaRPr lang="en-US"/>
           </a:p>
@@ -10246,7 +9256,7 @@
           <a:p>
             <a:fld id="{E17AC606-863D-4346-A462-FAA7BDFFC6FE}" type="datetimeFigureOut">
               <a:rPr lang="en-US" smtClean="0"/>
-              <a:t>12/10/2016</a:t>
+              <a:t>12/11/2016</a:t>
             </a:fld>
             <a:endParaRPr lang="en-US"/>
           </a:p>
@@ -10572,7 +9582,7 @@
           <a:p>
             <a:fld id="{E17AC606-863D-4346-A462-FAA7BDFFC6FE}" type="datetimeFigureOut">
               <a:rPr lang="en-US" smtClean="0"/>
-              <a:t>12/10/2016</a:t>
+              <a:t>12/11/2016</a:t>
             </a:fld>
             <a:endParaRPr lang="en-US"/>
           </a:p>
@@ -11023,7 +10033,7 @@
           <a:p>
             <a:fld id="{E17AC606-863D-4346-A462-FAA7BDFFC6FE}" type="datetimeFigureOut">
               <a:rPr lang="en-US" smtClean="0"/>
-              <a:t>12/10/2016</a:t>
+              <a:t>12/11/2016</a:t>
             </a:fld>
             <a:endParaRPr lang="en-US"/>
           </a:p>
@@ -11141,7 +10151,7 @@
           <a:p>
             <a:fld id="{E17AC606-863D-4346-A462-FAA7BDFFC6FE}" type="datetimeFigureOut">
               <a:rPr lang="en-US" smtClean="0"/>
-              <a:t>12/10/2016</a:t>
+              <a:t>12/11/2016</a:t>
             </a:fld>
             <a:endParaRPr lang="en-US"/>
           </a:p>
@@ -11236,7 +10246,7 @@
           <a:p>
             <a:fld id="{E17AC606-863D-4346-A462-FAA7BDFFC6FE}" type="datetimeFigureOut">
               <a:rPr lang="en-US" smtClean="0"/>
-              <a:t>12/10/2016</a:t>
+              <a:t>12/11/2016</a:t>
             </a:fld>
             <a:endParaRPr lang="en-US"/>
           </a:p>
@@ -11528,7 +10538,7 @@
           <a:p>
             <a:fld id="{E17AC606-863D-4346-A462-FAA7BDFFC6FE}" type="datetimeFigureOut">
               <a:rPr lang="en-US" smtClean="0"/>
-              <a:t>12/10/2016</a:t>
+              <a:t>12/11/2016</a:t>
             </a:fld>
             <a:endParaRPr lang="en-US"/>
           </a:p>
@@ -11855,7 +10865,7 @@
           <a:p>
             <a:fld id="{E17AC606-863D-4346-A462-FAA7BDFFC6FE}" type="datetimeFigureOut">
               <a:rPr lang="en-US" smtClean="0"/>
-              <a:t>12/10/2016</a:t>
+              <a:t>12/11/2016</a:t>
             </a:fld>
             <a:endParaRPr lang="en-US"/>
           </a:p>
@@ -12109,7 +11119,7 @@
           <a:p>
             <a:fld id="{E17AC606-863D-4346-A462-FAA7BDFFC6FE}" type="datetimeFigureOut">
               <a:rPr lang="en-US" smtClean="0"/>
-              <a:t>12/10/2016</a:t>
+              <a:t>12/11/2016</a:t>
             </a:fld>
             <a:endParaRPr lang="en-US"/>
           </a:p>
@@ -13453,13 +12463,8 @@
             </a:r>
             <a:r>
               <a:rPr lang="en-US" spc="10" dirty="0"/>
-              <a:t>fact, each one is competing to win Bitcoins by solving computational puzzles</a:t>
-            </a:r>
-            <a:r>
-              <a:rPr lang="en-US" spc="10" dirty="0"/>
-              <a:t>.</a:t>
-            </a:r>
-            <a:endParaRPr lang="en-US" spc="10" dirty="0"/>
+              <a:t>fact, each one is competing to win Bitcoins by solving computational puzzles.</a:t>
+            </a:r>
           </a:p>
         </p:txBody>
       </p:sp>
@@ -13521,7 +12526,6 @@
               <a:rPr lang="en-US" dirty="0"/>
               <a:t>Transparent and incorruptible</a:t>
             </a:r>
-            <a:endParaRPr lang="en-US" dirty="0"/>
           </a:p>
         </p:txBody>
       </p:sp>
@@ -13701,7 +12705,6 @@
               <a:rPr lang="en-US" dirty="0"/>
               <a:t>Enhanced security</a:t>
             </a:r>
-            <a:endParaRPr lang="en-US" dirty="0"/>
           </a:p>
         </p:txBody>
       </p:sp>
@@ -15387,7 +14390,11 @@
           <a:p>
             <a:r>
               <a:rPr lang="en-US" dirty="0" smtClean="0"/>
-              <a:t>Account balances are calculated using links to previous transactions!!</a:t>
+              <a:t>Ownership of funds are verified </a:t>
+            </a:r>
+            <a:r>
+              <a:rPr lang="en-US" dirty="0" smtClean="0"/>
+              <a:t>using links to previous transactions!!</a:t>
             </a:r>
           </a:p>
         </p:txBody>
@@ -15840,26 +14847,172 @@
           <a:bodyPr/>
           <a:lstStyle/>
           <a:p>
-            <a:endParaRPr lang="en-US"/>
+            <a:r>
+              <a:rPr lang="en-US" dirty="0" smtClean="0"/>
+              <a:t>Transaction Verification</a:t>
+            </a:r>
+            <a:endParaRPr lang="en-US" dirty="0"/>
+          </a:p>
+        </p:txBody>
+      </p:sp>
+      <p:pic>
+        <p:nvPicPr>
+          <p:cNvPr id="5" name="Picture 4"/>
+          <p:cNvPicPr>
+            <a:picLocks noChangeAspect="1"/>
+          </p:cNvPicPr>
+          <p:nvPr/>
+        </p:nvPicPr>
+        <p:blipFill>
+          <a:blip r:embed="rId2"/>
+          <a:stretch>
+            <a:fillRect/>
+          </a:stretch>
+        </p:blipFill>
+        <p:spPr>
+          <a:xfrm>
+            <a:off x="4957011" y="2402393"/>
+            <a:ext cx="6250316" cy="3930670"/>
+          </a:xfrm>
+          <a:prstGeom prst="rect">
+            <a:avLst/>
+          </a:prstGeom>
+          <a:ln w="3175">
+            <a:solidFill>
+              <a:schemeClr val="tx1"/>
+            </a:solidFill>
+          </a:ln>
+        </p:spPr>
+      </p:pic>
+      <p:sp>
+        <p:nvSpPr>
+          <p:cNvPr id="6" name="TextBox 5"/>
+          <p:cNvSpPr txBox="1"/>
+          <p:nvPr/>
+        </p:nvSpPr>
+        <p:spPr>
+          <a:xfrm>
+            <a:off x="1039528" y="2406317"/>
+            <a:ext cx="3705727" cy="1200329"/>
+          </a:xfrm>
+          <a:prstGeom prst="rect">
+            <a:avLst/>
+          </a:prstGeom>
+          <a:noFill/>
+          <a:ln w="3175">
+            <a:solidFill>
+              <a:schemeClr val="tx1"/>
+            </a:solidFill>
+          </a:ln>
+        </p:spPr>
+        <p:txBody>
+          <a:bodyPr wrap="square" rtlCol="0">
+            <a:spAutoFit/>
+          </a:bodyPr>
+          <a:lstStyle/>
+          <a:p>
+            <a:r>
+              <a:rPr lang="en-US" b="1" i="1" dirty="0" smtClean="0">
+                <a:solidFill>
+                  <a:schemeClr val="accent3">
+                    <a:lumMod val="75000"/>
+                  </a:schemeClr>
+                </a:solidFill>
+              </a:rPr>
+              <a:t>Verification:</a:t>
+            </a:r>
+          </a:p>
+          <a:p>
+            <a:pPr marL="342900" indent="-342900">
+              <a:buAutoNum type="arabicPeriod"/>
+            </a:pPr>
+            <a:r>
+              <a:rPr lang="en-US" b="1" i="1" dirty="0" smtClean="0">
+                <a:solidFill>
+                  <a:schemeClr val="accent3">
+                    <a:lumMod val="75000"/>
+                  </a:schemeClr>
+                </a:solidFill>
+              </a:rPr>
+              <a:t>Inputs are sender’s</a:t>
+            </a:r>
+          </a:p>
+          <a:p>
+            <a:pPr marL="342900" indent="-342900">
+              <a:buAutoNum type="arabicPeriod"/>
+            </a:pPr>
+            <a:r>
+              <a:rPr lang="en-US" b="1" i="1" dirty="0" smtClean="0">
+                <a:solidFill>
+                  <a:schemeClr val="accent3">
+                    <a:lumMod val="75000"/>
+                  </a:schemeClr>
+                </a:solidFill>
+              </a:rPr>
+              <a:t>Sufficient balance</a:t>
+            </a:r>
+          </a:p>
+          <a:p>
+            <a:pPr marL="342900" indent="-342900">
+              <a:buAutoNum type="arabicPeriod"/>
+            </a:pPr>
+            <a:r>
+              <a:rPr lang="en-US" b="1" i="1" dirty="0" smtClean="0">
+                <a:solidFill>
+                  <a:schemeClr val="accent3">
+                    <a:lumMod val="75000"/>
+                  </a:schemeClr>
+                </a:solidFill>
+              </a:rPr>
+              <a:t>Inputs unspent</a:t>
+            </a:r>
+            <a:endParaRPr lang="en-US" b="1" i="1" dirty="0">
+              <a:solidFill>
+                <a:schemeClr val="accent3">
+                  <a:lumMod val="75000"/>
+                </a:schemeClr>
+              </a:solidFill>
+            </a:endParaRPr>
           </a:p>
         </p:txBody>
       </p:sp>
       <p:sp>
         <p:nvSpPr>
-          <p:cNvPr id="3" name="Content Placeholder 2"/>
-          <p:cNvSpPr>
-            <a:spLocks noGrp="1"/>
-          </p:cNvSpPr>
-          <p:nvPr>
-            <p:ph idx="1"/>
-          </p:nvPr>
+          <p:cNvPr id="7" name="TextBox 6"/>
+          <p:cNvSpPr txBox="1"/>
+          <p:nvPr/>
         </p:nvSpPr>
-        <p:spPr/>
+        <p:spPr>
+          <a:xfrm>
+            <a:off x="1039528" y="3747740"/>
+            <a:ext cx="3705727" cy="2585323"/>
+          </a:xfrm>
+          <a:prstGeom prst="rect">
+            <a:avLst/>
+          </a:prstGeom>
+          <a:noFill/>
+          <a:ln w="3175">
+            <a:solidFill>
+              <a:schemeClr val="tx1"/>
+            </a:solidFill>
+          </a:ln>
+        </p:spPr>
         <p:txBody>
-          <a:bodyPr/>
+          <a:bodyPr wrap="square" rtlCol="0">
+            <a:spAutoFit/>
+          </a:bodyPr>
           <a:lstStyle/>
           <a:p>
-            <a:endParaRPr lang="en-US" dirty="0"/>
+            <a:r>
+              <a:rPr lang="en-US" b="1" i="1" dirty="0">
+                <a:solidFill>
+                  <a:schemeClr val="accent3">
+                    <a:lumMod val="75000"/>
+                  </a:schemeClr>
+                </a:solidFill>
+              </a:rPr>
+              <a:t>For each input, nodes check every other transaction ever made to make sure that input hasn’t already been used before. This may seem time consuming, over 20m transactions. Made fast by using an index of unspent transactions.</a:t>
+            </a:r>
           </a:p>
         </p:txBody>
       </p:sp>
@@ -16594,7 +15747,6 @@
               <a:rPr lang="en-US" dirty="0" smtClean="0"/>
               <a:t>.</a:t>
             </a:r>
-            <a:endParaRPr lang="en-US" dirty="0" smtClean="0"/>
           </a:p>
         </p:txBody>
       </p:sp>
@@ -18102,7 +17254,6 @@
               <a:rPr lang="en-US" dirty="0"/>
               <a:t>Transparent and incorruptible</a:t>
             </a:r>
-            <a:endParaRPr lang="en-US" dirty="0"/>
           </a:p>
         </p:txBody>
       </p:sp>
@@ -18866,13 +18017,8 @@
             </a:pPr>
             <a:r>
               <a:rPr lang="en-US" dirty="0" smtClean="0"/>
-              <a:t>No physical </a:t>
-            </a:r>
-            <a:r>
-              <a:rPr lang="en-US" dirty="0" smtClean="0"/>
-              <a:t>form</a:t>
-            </a:r>
-            <a:endParaRPr lang="en-US" dirty="0" smtClean="0"/>
+              <a:t>No physical form</a:t>
+            </a:r>
           </a:p>
           <a:p>
             <a:pPr lvl="1">

--- a/BlockChain/BlockChain.pptx
+++ b/BlockChain/BlockChain.pptx
@@ -34,29 +34,29 @@
     <p:sldId id="305" r:id="rId25"/>
     <p:sldId id="306" r:id="rId26"/>
     <p:sldId id="307" r:id="rId27"/>
-    <p:sldId id="308" r:id="rId28"/>
-    <p:sldId id="309" r:id="rId29"/>
-    <p:sldId id="310" r:id="rId30"/>
-    <p:sldId id="311" r:id="rId31"/>
-    <p:sldId id="312" r:id="rId32"/>
-    <p:sldId id="313" r:id="rId33"/>
-    <p:sldId id="314" r:id="rId34"/>
-    <p:sldId id="315" r:id="rId35"/>
-    <p:sldId id="316" r:id="rId36"/>
-    <p:sldId id="317" r:id="rId37"/>
-    <p:sldId id="318" r:id="rId38"/>
-    <p:sldId id="319" r:id="rId39"/>
-    <p:sldId id="320" r:id="rId40"/>
-    <p:sldId id="321" r:id="rId41"/>
-    <p:sldId id="295" r:id="rId42"/>
-    <p:sldId id="324" r:id="rId43"/>
-    <p:sldId id="296" r:id="rId44"/>
-    <p:sldId id="297" r:id="rId45"/>
-    <p:sldId id="322" r:id="rId46"/>
-    <p:sldId id="323" r:id="rId47"/>
-    <p:sldId id="256" r:id="rId48"/>
-    <p:sldId id="276" r:id="rId49"/>
-    <p:sldId id="261" r:id="rId50"/>
+    <p:sldId id="309" r:id="rId28"/>
+    <p:sldId id="310" r:id="rId29"/>
+    <p:sldId id="311" r:id="rId30"/>
+    <p:sldId id="312" r:id="rId31"/>
+    <p:sldId id="313" r:id="rId32"/>
+    <p:sldId id="314" r:id="rId33"/>
+    <p:sldId id="315" r:id="rId34"/>
+    <p:sldId id="316" r:id="rId35"/>
+    <p:sldId id="317" r:id="rId36"/>
+    <p:sldId id="318" r:id="rId37"/>
+    <p:sldId id="319" r:id="rId38"/>
+    <p:sldId id="320" r:id="rId39"/>
+    <p:sldId id="321" r:id="rId40"/>
+    <p:sldId id="295" r:id="rId41"/>
+    <p:sldId id="324" r:id="rId42"/>
+    <p:sldId id="296" r:id="rId43"/>
+    <p:sldId id="297" r:id="rId44"/>
+    <p:sldId id="322" r:id="rId45"/>
+    <p:sldId id="323" r:id="rId46"/>
+    <p:sldId id="256" r:id="rId47"/>
+    <p:sldId id="276" r:id="rId48"/>
+    <p:sldId id="261" r:id="rId49"/>
+    <p:sldId id="308" r:id="rId50"/>
     <p:sldId id="271" r:id="rId51"/>
     <p:sldId id="277" r:id="rId52"/>
     <p:sldId id="286" r:id="rId53"/>
@@ -3444,6 +3444,13 @@
         </dgm:presLayoutVars>
       </dgm:prSet>
       <dgm:spPr/>
+      <dgm:t>
+        <a:bodyPr/>
+        <a:lstStyle/>
+        <a:p>
+          <a:endParaRPr lang="en-US"/>
+        </a:p>
+      </dgm:t>
     </dgm:pt>
     <dgm:pt modelId="{69B94A16-A41C-427A-9B2A-547FE7CEB626}" type="pres">
       <dgm:prSet presAssocID="{F8B3649D-EFD3-4015-809C-010F3236FBA3}" presName="linNode" presStyleCnt="0"/>
@@ -3494,6 +3501,13 @@
         </dgm:presLayoutVars>
       </dgm:prSet>
       <dgm:spPr/>
+      <dgm:t>
+        <a:bodyPr/>
+        <a:lstStyle/>
+        <a:p>
+          <a:endParaRPr lang="en-US"/>
+        </a:p>
+      </dgm:t>
     </dgm:pt>
     <dgm:pt modelId="{14971869-9371-47BE-8245-191314E4B422}" type="pres">
       <dgm:prSet presAssocID="{B8590294-4666-4AF7-8309-E4499939F9D1}" presName="childShp" presStyleLbl="bgAccFollowNode1" presStyleIdx="1" presStyleCnt="2">
@@ -3512,15 +3526,15 @@
     </dgm:pt>
   </dgm:ptLst>
   <dgm:cxnLst>
+    <dgm:cxn modelId="{6629B83B-D0EE-4FB6-8C02-93FAB7C254CD}" type="presOf" srcId="{B8590294-4666-4AF7-8309-E4499939F9D1}" destId="{5F6284BE-CA1F-4BD5-BB18-05081B884BC0}" srcOrd="0" destOrd="0" presId="urn:microsoft.com/office/officeart/2005/8/layout/vList6"/>
+    <dgm:cxn modelId="{C84437B3-D30D-49D1-B374-F37BA79F42D7}" srcId="{B283AE7D-CCD3-4C8F-ACD7-D73816734D44}" destId="{F8B3649D-EFD3-4015-809C-010F3236FBA3}" srcOrd="0" destOrd="0" parTransId="{CB2871DF-7FDB-4E15-913A-6961A35A40AD}" sibTransId="{7731F27E-3DFA-4B9D-A81F-93B6AEDA9E88}"/>
+    <dgm:cxn modelId="{0BD63A25-9976-4F57-9D62-137127A6E3F7}" srcId="{F8B3649D-EFD3-4015-809C-010F3236FBA3}" destId="{C0341C3C-F841-46C4-A04D-D75E44C0798C}" srcOrd="0" destOrd="0" parTransId="{B01CD689-B663-4449-B2FB-57EB7B1EA937}" sibTransId="{AD6C7BDF-523B-445F-B807-2B792383A0BE}"/>
     <dgm:cxn modelId="{3A3ADB3D-40AB-4364-9315-8F4DC20E23BD}" type="presOf" srcId="{C0341C3C-F841-46C4-A04D-D75E44C0798C}" destId="{03F9F80C-D9BD-45B2-9852-474D800B987F}" srcOrd="0" destOrd="0" presId="urn:microsoft.com/office/officeart/2005/8/layout/vList6"/>
     <dgm:cxn modelId="{A80F58C3-53BF-45C9-B560-4A2C50DBBF14}" type="presOf" srcId="{F8B3649D-EFD3-4015-809C-010F3236FBA3}" destId="{799679A5-13BE-43A1-80FA-5295B590355A}" srcOrd="0" destOrd="0" presId="urn:microsoft.com/office/officeart/2005/8/layout/vList6"/>
+    <dgm:cxn modelId="{B76D7D89-9BB9-4A6D-B988-ACE36D45F7D7}" srcId="{B8590294-4666-4AF7-8309-E4499939F9D1}" destId="{364A1C73-DD8C-4272-88C5-A36394058A52}" srcOrd="0" destOrd="0" parTransId="{D074A068-D64B-4A3C-B339-556CD9132AF6}" sibTransId="{7621A83E-F814-4AA4-B223-F494E185972C}"/>
     <dgm:cxn modelId="{2A2E8AE1-5084-4F4C-B92A-FF5CC324C7C1}" type="presOf" srcId="{B283AE7D-CCD3-4C8F-ACD7-D73816734D44}" destId="{F7ADB609-0E7F-4E1D-900B-CF5B8A326009}" srcOrd="0" destOrd="0" presId="urn:microsoft.com/office/officeart/2005/8/layout/vList6"/>
+    <dgm:cxn modelId="{FFB80281-62A9-4E0F-B5E1-5BB131FE9A9A}" srcId="{B283AE7D-CCD3-4C8F-ACD7-D73816734D44}" destId="{B8590294-4666-4AF7-8309-E4499939F9D1}" srcOrd="1" destOrd="0" parTransId="{53A6286E-C8CC-46F5-BCB4-D5E212205223}" sibTransId="{7F6DC9BB-E1C9-4554-A868-FA35748E9732}"/>
     <dgm:cxn modelId="{F4B7D2B1-D91A-40D0-BB09-FD1D7789EB2E}" type="presOf" srcId="{364A1C73-DD8C-4272-88C5-A36394058A52}" destId="{14971869-9371-47BE-8245-191314E4B422}" srcOrd="0" destOrd="0" presId="urn:microsoft.com/office/officeart/2005/8/layout/vList6"/>
-    <dgm:cxn modelId="{FFB80281-62A9-4E0F-B5E1-5BB131FE9A9A}" srcId="{B283AE7D-CCD3-4C8F-ACD7-D73816734D44}" destId="{B8590294-4666-4AF7-8309-E4499939F9D1}" srcOrd="1" destOrd="0" parTransId="{53A6286E-C8CC-46F5-BCB4-D5E212205223}" sibTransId="{7F6DC9BB-E1C9-4554-A868-FA35748E9732}"/>
-    <dgm:cxn modelId="{C84437B3-D30D-49D1-B374-F37BA79F42D7}" srcId="{B283AE7D-CCD3-4C8F-ACD7-D73816734D44}" destId="{F8B3649D-EFD3-4015-809C-010F3236FBA3}" srcOrd="0" destOrd="0" parTransId="{CB2871DF-7FDB-4E15-913A-6961A35A40AD}" sibTransId="{7731F27E-3DFA-4B9D-A81F-93B6AEDA9E88}"/>
-    <dgm:cxn modelId="{6629B83B-D0EE-4FB6-8C02-93FAB7C254CD}" type="presOf" srcId="{B8590294-4666-4AF7-8309-E4499939F9D1}" destId="{5F6284BE-CA1F-4BD5-BB18-05081B884BC0}" srcOrd="0" destOrd="0" presId="urn:microsoft.com/office/officeart/2005/8/layout/vList6"/>
-    <dgm:cxn modelId="{B76D7D89-9BB9-4A6D-B988-ACE36D45F7D7}" srcId="{B8590294-4666-4AF7-8309-E4499939F9D1}" destId="{364A1C73-DD8C-4272-88C5-A36394058A52}" srcOrd="0" destOrd="0" parTransId="{D074A068-D64B-4A3C-B339-556CD9132AF6}" sibTransId="{7621A83E-F814-4AA4-B223-F494E185972C}"/>
-    <dgm:cxn modelId="{0BD63A25-9976-4F57-9D62-137127A6E3F7}" srcId="{F8B3649D-EFD3-4015-809C-010F3236FBA3}" destId="{C0341C3C-F841-46C4-A04D-D75E44C0798C}" srcOrd="0" destOrd="0" parTransId="{B01CD689-B663-4449-B2FB-57EB7B1EA937}" sibTransId="{AD6C7BDF-523B-445F-B807-2B792383A0BE}"/>
     <dgm:cxn modelId="{FD26C508-9617-429D-A861-4DBDCFCEF112}" type="presParOf" srcId="{F7ADB609-0E7F-4E1D-900B-CF5B8A326009}" destId="{69B94A16-A41C-427A-9B2A-547FE7CEB626}" srcOrd="0" destOrd="0" presId="urn:microsoft.com/office/officeart/2005/8/layout/vList6"/>
     <dgm:cxn modelId="{36B5B1B1-6430-4D66-93A1-90370482084C}" type="presParOf" srcId="{69B94A16-A41C-427A-9B2A-547FE7CEB626}" destId="{799679A5-13BE-43A1-80FA-5295B590355A}" srcOrd="0" destOrd="0" presId="urn:microsoft.com/office/officeart/2005/8/layout/vList6"/>
     <dgm:cxn modelId="{8298B8A5-DC33-42F4-B366-70D91ADE5ED6}" type="presParOf" srcId="{69B94A16-A41C-427A-9B2A-547FE7CEB626}" destId="{03F9F80C-D9BD-45B2-9852-474D800B987F}" srcOrd="1" destOrd="0" presId="urn:microsoft.com/office/officeart/2005/8/layout/vList6"/>
@@ -11519,7 +11533,7 @@
           <a:p>
             <a:fld id="{2E28F09B-44CF-423A-802C-82491C0D83F2}" type="datetimeFigureOut">
               <a:rPr lang="en-US" smtClean="0"/>
-              <a:t>12/11/2016</a:t>
+              <a:t>12/13/2016</a:t>
             </a:fld>
             <a:endParaRPr lang="en-US"/>
           </a:p>
@@ -11871,6 +11885,90 @@
 </p:notes>
 </file>
 
+<file path=ppt/notesSlides/notesSlide2.xml><?xml version="1.0" encoding="utf-8"?>
+<p:notes xmlns:a="http://schemas.openxmlformats.org/drawingml/2006/main" xmlns:r="http://schemas.openxmlformats.org/officeDocument/2006/relationships" xmlns:p="http://schemas.openxmlformats.org/presentationml/2006/main">
+  <p:cSld>
+    <p:spTree>
+      <p:nvGrpSpPr>
+        <p:cNvPr id="1" name=""/>
+        <p:cNvGrpSpPr/>
+        <p:nvPr/>
+      </p:nvGrpSpPr>
+      <p:grpSpPr>
+        <a:xfrm>
+          <a:off x="0" y="0"/>
+          <a:ext cx="0" cy="0"/>
+          <a:chOff x="0" y="0"/>
+          <a:chExt cx="0" cy="0"/>
+        </a:xfrm>
+      </p:grpSpPr>
+      <p:sp>
+        <p:nvSpPr>
+          <p:cNvPr id="2" name="Slide Image Placeholder 1"/>
+          <p:cNvSpPr>
+            <a:spLocks noGrp="1" noRot="1" noChangeAspect="1"/>
+          </p:cNvSpPr>
+          <p:nvPr>
+            <p:ph type="sldImg"/>
+          </p:nvPr>
+        </p:nvSpPr>
+        <p:spPr/>
+      </p:sp>
+      <p:sp>
+        <p:nvSpPr>
+          <p:cNvPr id="3" name="Notes Placeholder 2"/>
+          <p:cNvSpPr>
+            <a:spLocks noGrp="1"/>
+          </p:cNvSpPr>
+          <p:nvPr>
+            <p:ph type="body" idx="1"/>
+          </p:nvPr>
+        </p:nvSpPr>
+        <p:spPr/>
+        <p:txBody>
+          <a:bodyPr/>
+          <a:lstStyle/>
+          <a:p>
+            <a:endParaRPr lang="en-US" dirty="0"/>
+          </a:p>
+        </p:txBody>
+      </p:sp>
+      <p:sp>
+        <p:nvSpPr>
+          <p:cNvPr id="4" name="Slide Number Placeholder 3"/>
+          <p:cNvSpPr>
+            <a:spLocks noGrp="1"/>
+          </p:cNvSpPr>
+          <p:nvPr>
+            <p:ph type="sldNum" sz="quarter" idx="10"/>
+          </p:nvPr>
+        </p:nvSpPr>
+        <p:spPr/>
+        <p:txBody>
+          <a:bodyPr/>
+          <a:lstStyle/>
+          <a:p>
+            <a:fld id="{0DEC71BC-50C3-43D2-8885-28C91E7E4DB0}" type="slidenum">
+              <a:rPr lang="en-US" smtClean="0"/>
+              <a:t>14</a:t>
+            </a:fld>
+            <a:endParaRPr lang="en-US"/>
+          </a:p>
+        </p:txBody>
+      </p:sp>
+    </p:spTree>
+    <p:extLst>
+      <p:ext uri="{BB962C8B-B14F-4D97-AF65-F5344CB8AC3E}">
+        <p14:creationId xmlns:p14="http://schemas.microsoft.com/office/powerpoint/2010/main" val="823567310"/>
+      </p:ext>
+    </p:extLst>
+  </p:cSld>
+  <p:clrMapOvr>
+    <a:masterClrMapping/>
+  </p:clrMapOvr>
+</p:notes>
+</file>
+
 <file path=ppt/slideLayouts/slideLayout1.xml><?xml version="1.0" encoding="utf-8"?>
 <p:sldLayout xmlns:a="http://schemas.openxmlformats.org/drawingml/2006/main" xmlns:r="http://schemas.openxmlformats.org/officeDocument/2006/relationships" xmlns:p="http://schemas.openxmlformats.org/presentationml/2006/main" showMasterSp="0" type="title" preserve="1">
   <p:cSld name="Title Slide">
@@ -12039,7 +12137,7 @@
           <a:p>
             <a:fld id="{E17AC606-863D-4346-A462-FAA7BDFFC6FE}" type="datetimeFigureOut">
               <a:rPr lang="en-US" smtClean="0"/>
-              <a:t>12/11/2016</a:t>
+              <a:t>12/13/2016</a:t>
             </a:fld>
             <a:endParaRPr lang="en-US"/>
           </a:p>
@@ -12272,7 +12370,7 @@
           <a:p>
             <a:fld id="{E17AC606-863D-4346-A462-FAA7BDFFC6FE}" type="datetimeFigureOut">
               <a:rPr lang="en-US" smtClean="0"/>
-              <a:t>12/11/2016</a:t>
+              <a:t>12/13/2016</a:t>
             </a:fld>
             <a:endParaRPr lang="en-US"/>
           </a:p>
@@ -12452,7 +12550,7 @@
           <a:p>
             <a:fld id="{E17AC606-863D-4346-A462-FAA7BDFFC6FE}" type="datetimeFigureOut">
               <a:rPr lang="en-US" smtClean="0"/>
-              <a:t>12/11/2016</a:t>
+              <a:t>12/13/2016</a:t>
             </a:fld>
             <a:endParaRPr lang="en-US"/>
           </a:p>
@@ -12622,7 +12720,7 @@
           <a:p>
             <a:fld id="{E17AC606-863D-4346-A462-FAA7BDFFC6FE}" type="datetimeFigureOut">
               <a:rPr lang="en-US" smtClean="0"/>
-              <a:t>12/11/2016</a:t>
+              <a:t>12/13/2016</a:t>
             </a:fld>
             <a:endParaRPr lang="en-US"/>
           </a:p>
@@ -12876,7 +12974,7 @@
           <a:p>
             <a:fld id="{E17AC606-863D-4346-A462-FAA7BDFFC6FE}" type="datetimeFigureOut">
               <a:rPr lang="en-US" smtClean="0"/>
-              <a:t>12/11/2016</a:t>
+              <a:t>12/13/2016</a:t>
             </a:fld>
             <a:endParaRPr lang="en-US"/>
           </a:p>
@@ -13202,7 +13300,7 @@
           <a:p>
             <a:fld id="{E17AC606-863D-4346-A462-FAA7BDFFC6FE}" type="datetimeFigureOut">
               <a:rPr lang="en-US" smtClean="0"/>
-              <a:t>12/11/2016</a:t>
+              <a:t>12/13/2016</a:t>
             </a:fld>
             <a:endParaRPr lang="en-US"/>
           </a:p>
@@ -13653,7 +13751,7 @@
           <a:p>
             <a:fld id="{E17AC606-863D-4346-A462-FAA7BDFFC6FE}" type="datetimeFigureOut">
               <a:rPr lang="en-US" smtClean="0"/>
-              <a:t>12/11/2016</a:t>
+              <a:t>12/13/2016</a:t>
             </a:fld>
             <a:endParaRPr lang="en-US"/>
           </a:p>
@@ -13771,7 +13869,7 @@
           <a:p>
             <a:fld id="{E17AC606-863D-4346-A462-FAA7BDFFC6FE}" type="datetimeFigureOut">
               <a:rPr lang="en-US" smtClean="0"/>
-              <a:t>12/11/2016</a:t>
+              <a:t>12/13/2016</a:t>
             </a:fld>
             <a:endParaRPr lang="en-US"/>
           </a:p>
@@ -13866,7 +13964,7 @@
           <a:p>
             <a:fld id="{E17AC606-863D-4346-A462-FAA7BDFFC6FE}" type="datetimeFigureOut">
               <a:rPr lang="en-US" smtClean="0"/>
-              <a:t>12/11/2016</a:t>
+              <a:t>12/13/2016</a:t>
             </a:fld>
             <a:endParaRPr lang="en-US"/>
           </a:p>
@@ -14158,7 +14256,7 @@
           <a:p>
             <a:fld id="{E17AC606-863D-4346-A462-FAA7BDFFC6FE}" type="datetimeFigureOut">
               <a:rPr lang="en-US" smtClean="0"/>
-              <a:t>12/11/2016</a:t>
+              <a:t>12/13/2016</a:t>
             </a:fld>
             <a:endParaRPr lang="en-US"/>
           </a:p>
@@ -14485,7 +14583,7 @@
           <a:p>
             <a:fld id="{E17AC606-863D-4346-A462-FAA7BDFFC6FE}" type="datetimeFigureOut">
               <a:rPr lang="en-US" smtClean="0"/>
-              <a:t>12/11/2016</a:t>
+              <a:t>12/13/2016</a:t>
             </a:fld>
             <a:endParaRPr lang="en-US"/>
           </a:p>
@@ -14739,7 +14837,7 @@
           <a:p>
             <a:fld id="{E17AC606-863D-4346-A462-FAA7BDFFC6FE}" type="datetimeFigureOut">
               <a:rPr lang="en-US" smtClean="0"/>
-              <a:t>12/11/2016</a:t>
+              <a:t>12/13/2016</a:t>
             </a:fld>
             <a:endParaRPr lang="en-US"/>
           </a:p>
@@ -16296,7 +16394,7 @@
           </p:nvPr>
         </p:nvPicPr>
         <p:blipFill>
-          <a:blip r:embed="rId2"/>
+          <a:blip r:embed="rId3"/>
           <a:stretch>
             <a:fillRect/>
           </a:stretch>
@@ -16311,6 +16409,306 @@
           </a:prstGeom>
         </p:spPr>
       </p:pic>
+      <p:sp>
+        <p:nvSpPr>
+          <p:cNvPr id="5" name="Content Placeholder 2"/>
+          <p:cNvSpPr txBox="1">
+            <a:spLocks/>
+          </p:cNvSpPr>
+          <p:nvPr/>
+        </p:nvSpPr>
+        <p:spPr>
+          <a:xfrm>
+            <a:off x="1261872" y="1828800"/>
+            <a:ext cx="4956048" cy="4351337"/>
+          </a:xfrm>
+          <a:prstGeom prst="rect">
+            <a:avLst/>
+          </a:prstGeom>
+        </p:spPr>
+        <p:txBody>
+          <a:bodyPr vert="horz" lIns="91440" tIns="45720" rIns="91440" bIns="45720" rtlCol="0">
+            <a:normAutofit/>
+          </a:bodyPr>
+          <a:lstStyle>
+            <a:lvl1pPr marL="182880" indent="-182880" algn="l" defTabSz="914400" rtl="0" eaLnBrk="1" latinLnBrk="0" hangingPunct="1">
+              <a:lnSpc>
+                <a:spcPct val="95000"/>
+              </a:lnSpc>
+              <a:spcBef>
+                <a:spcPts val="1400"/>
+              </a:spcBef>
+              <a:spcAft>
+                <a:spcPts val="200"/>
+              </a:spcAft>
+              <a:buClr>
+                <a:schemeClr val="accent1"/>
+              </a:buClr>
+              <a:buSzPct val="80000"/>
+              <a:buFont typeface="Arial" pitchFamily="34" charset="0"/>
+              <a:buChar char="•"/>
+              <a:defRPr sz="1800" kern="1200" spc="10" baseline="0">
+                <a:solidFill>
+                  <a:schemeClr val="tx1"/>
+                </a:solidFill>
+                <a:latin typeface="+mn-lt"/>
+                <a:ea typeface="+mn-ea"/>
+                <a:cs typeface="+mn-cs"/>
+              </a:defRPr>
+            </a:lvl1pPr>
+            <a:lvl2pPr marL="457200" indent="-182880" algn="l" defTabSz="914400" rtl="0" eaLnBrk="1" latinLnBrk="0" hangingPunct="1">
+              <a:lnSpc>
+                <a:spcPct val="90000"/>
+              </a:lnSpc>
+              <a:spcBef>
+                <a:spcPts val="300"/>
+              </a:spcBef>
+              <a:spcAft>
+                <a:spcPts val="300"/>
+              </a:spcAft>
+              <a:buClr>
+                <a:schemeClr val="accent1"/>
+              </a:buClr>
+              <a:buFont typeface="Wingdings 2" pitchFamily="18" charset="2"/>
+              <a:buChar char=""/>
+              <a:defRPr sz="1600" kern="1200">
+                <a:solidFill>
+                  <a:schemeClr val="tx1">
+                    <a:lumMod val="85000"/>
+                    <a:lumOff val="15000"/>
+                  </a:schemeClr>
+                </a:solidFill>
+                <a:latin typeface="+mn-lt"/>
+                <a:ea typeface="+mn-ea"/>
+                <a:cs typeface="+mn-cs"/>
+              </a:defRPr>
+            </a:lvl2pPr>
+            <a:lvl3pPr marL="731520" indent="-182880" algn="l" defTabSz="914400" rtl="0" eaLnBrk="1" latinLnBrk="0" hangingPunct="1">
+              <a:lnSpc>
+                <a:spcPct val="90000"/>
+              </a:lnSpc>
+              <a:spcBef>
+                <a:spcPts val="300"/>
+              </a:spcBef>
+              <a:spcAft>
+                <a:spcPts val="300"/>
+              </a:spcAft>
+              <a:buClr>
+                <a:schemeClr val="accent1"/>
+              </a:buClr>
+              <a:buFont typeface="Wingdings 2" pitchFamily="18" charset="2"/>
+              <a:buChar char=""/>
+              <a:defRPr sz="1400" kern="1200">
+                <a:solidFill>
+                  <a:schemeClr val="tx1">
+                    <a:lumMod val="85000"/>
+                    <a:lumOff val="15000"/>
+                  </a:schemeClr>
+                </a:solidFill>
+                <a:latin typeface="+mn-lt"/>
+                <a:ea typeface="+mn-ea"/>
+                <a:cs typeface="+mn-cs"/>
+              </a:defRPr>
+            </a:lvl3pPr>
+            <a:lvl4pPr marL="1005840" indent="-182880" algn="l" defTabSz="914400" rtl="0" eaLnBrk="1" latinLnBrk="0" hangingPunct="1">
+              <a:lnSpc>
+                <a:spcPct val="90000"/>
+              </a:lnSpc>
+              <a:spcBef>
+                <a:spcPts val="300"/>
+              </a:spcBef>
+              <a:spcAft>
+                <a:spcPts val="300"/>
+              </a:spcAft>
+              <a:buClr>
+                <a:schemeClr val="accent1"/>
+              </a:buClr>
+              <a:buFont typeface="Wingdings 2" pitchFamily="18" charset="2"/>
+              <a:buChar char=""/>
+              <a:defRPr sz="1400" kern="1200">
+                <a:solidFill>
+                  <a:schemeClr val="tx1">
+                    <a:lumMod val="85000"/>
+                    <a:lumOff val="15000"/>
+                  </a:schemeClr>
+                </a:solidFill>
+                <a:latin typeface="+mn-lt"/>
+                <a:ea typeface="+mn-ea"/>
+                <a:cs typeface="+mn-cs"/>
+              </a:defRPr>
+            </a:lvl4pPr>
+            <a:lvl5pPr marL="1280160" indent="-182880" algn="l" defTabSz="914400" rtl="0" eaLnBrk="1" latinLnBrk="0" hangingPunct="1">
+              <a:lnSpc>
+                <a:spcPct val="90000"/>
+              </a:lnSpc>
+              <a:spcBef>
+                <a:spcPts val="300"/>
+              </a:spcBef>
+              <a:spcAft>
+                <a:spcPts val="300"/>
+              </a:spcAft>
+              <a:buClr>
+                <a:schemeClr val="accent1"/>
+              </a:buClr>
+              <a:buFont typeface="Wingdings 2" pitchFamily="18" charset="2"/>
+              <a:buChar char=""/>
+              <a:defRPr sz="1400" kern="1200">
+                <a:solidFill>
+                  <a:schemeClr val="tx1">
+                    <a:lumMod val="85000"/>
+                    <a:lumOff val="15000"/>
+                  </a:schemeClr>
+                </a:solidFill>
+                <a:latin typeface="+mn-lt"/>
+                <a:ea typeface="+mn-ea"/>
+                <a:cs typeface="+mn-cs"/>
+              </a:defRPr>
+            </a:lvl5pPr>
+            <a:lvl6pPr marL="1600000" indent="-228600" algn="l" defTabSz="914400" rtl="0" eaLnBrk="1" latinLnBrk="0" hangingPunct="1">
+              <a:lnSpc>
+                <a:spcPct val="90000"/>
+              </a:lnSpc>
+              <a:spcBef>
+                <a:spcPts val="300"/>
+              </a:spcBef>
+              <a:spcAft>
+                <a:spcPts val="300"/>
+              </a:spcAft>
+              <a:buClr>
+                <a:schemeClr val="accent1"/>
+              </a:buClr>
+              <a:buFont typeface="Wingdings 2" pitchFamily="18" charset="2"/>
+              <a:buChar char=""/>
+              <a:defRPr sz="1400" kern="1200">
+                <a:solidFill>
+                  <a:schemeClr val="tx1">
+                    <a:lumMod val="85000"/>
+                    <a:lumOff val="15000"/>
+                  </a:schemeClr>
+                </a:solidFill>
+                <a:latin typeface="+mn-lt"/>
+                <a:ea typeface="+mn-ea"/>
+                <a:cs typeface="+mn-cs"/>
+              </a:defRPr>
+            </a:lvl6pPr>
+            <a:lvl7pPr marL="1900000" indent="-228600" algn="l" defTabSz="914400" rtl="0" eaLnBrk="1" latinLnBrk="0" hangingPunct="1">
+              <a:lnSpc>
+                <a:spcPct val="90000"/>
+              </a:lnSpc>
+              <a:spcBef>
+                <a:spcPts val="300"/>
+              </a:spcBef>
+              <a:spcAft>
+                <a:spcPts val="300"/>
+              </a:spcAft>
+              <a:buClr>
+                <a:schemeClr val="accent1"/>
+              </a:buClr>
+              <a:buFont typeface="Wingdings 2" pitchFamily="18" charset="2"/>
+              <a:buChar char=""/>
+              <a:defRPr sz="1400" kern="1200">
+                <a:solidFill>
+                  <a:schemeClr val="tx1">
+                    <a:lumMod val="85000"/>
+                    <a:lumOff val="15000"/>
+                  </a:schemeClr>
+                </a:solidFill>
+                <a:latin typeface="+mn-lt"/>
+                <a:ea typeface="+mn-ea"/>
+                <a:cs typeface="+mn-cs"/>
+              </a:defRPr>
+            </a:lvl7pPr>
+            <a:lvl8pPr marL="2200000" indent="-228600" algn="l" defTabSz="914400" rtl="0" eaLnBrk="1" latinLnBrk="0" hangingPunct="1">
+              <a:lnSpc>
+                <a:spcPct val="90000"/>
+              </a:lnSpc>
+              <a:spcBef>
+                <a:spcPts val="300"/>
+              </a:spcBef>
+              <a:spcAft>
+                <a:spcPts val="300"/>
+              </a:spcAft>
+              <a:buClr>
+                <a:schemeClr val="accent1"/>
+              </a:buClr>
+              <a:buFont typeface="Wingdings 2" pitchFamily="18" charset="2"/>
+              <a:buChar char=""/>
+              <a:defRPr sz="1400" kern="1200">
+                <a:solidFill>
+                  <a:schemeClr val="tx1">
+                    <a:lumMod val="85000"/>
+                    <a:lumOff val="15000"/>
+                  </a:schemeClr>
+                </a:solidFill>
+                <a:latin typeface="+mn-lt"/>
+                <a:ea typeface="+mn-ea"/>
+                <a:cs typeface="+mn-cs"/>
+              </a:defRPr>
+            </a:lvl8pPr>
+            <a:lvl9pPr marL="2500000" indent="-228600" algn="l" defTabSz="914400" rtl="0" eaLnBrk="1" latinLnBrk="0" hangingPunct="1">
+              <a:lnSpc>
+                <a:spcPct val="90000"/>
+              </a:lnSpc>
+              <a:spcBef>
+                <a:spcPts val="300"/>
+              </a:spcBef>
+              <a:spcAft>
+                <a:spcPts val="300"/>
+              </a:spcAft>
+              <a:buClr>
+                <a:schemeClr val="accent1"/>
+              </a:buClr>
+              <a:buFont typeface="Wingdings 2" pitchFamily="18" charset="2"/>
+              <a:buChar char=""/>
+              <a:defRPr sz="1400" kern="1200">
+                <a:solidFill>
+                  <a:schemeClr val="tx1">
+                    <a:lumMod val="85000"/>
+                    <a:lumOff val="15000"/>
+                  </a:schemeClr>
+                </a:solidFill>
+                <a:latin typeface="+mn-lt"/>
+                <a:ea typeface="+mn-ea"/>
+                <a:cs typeface="+mn-cs"/>
+              </a:defRPr>
+            </a:lvl9pPr>
+          </a:lstStyle>
+          <a:p>
+            <a:pPr>
+              <a:buFont typeface="Wingdings" panose="05000000000000000000" pitchFamily="2" charset="2"/>
+              <a:buChar char="Ø"/>
+            </a:pPr>
+            <a:endParaRPr lang="en-US" dirty="0" smtClean="0"/>
+          </a:p>
+          <a:p>
+            <a:pPr>
+              <a:buFont typeface="Wingdings" panose="05000000000000000000" pitchFamily="2" charset="2"/>
+              <a:buChar char="Ø"/>
+            </a:pPr>
+            <a:endParaRPr lang="en-US" dirty="0"/>
+          </a:p>
+          <a:p>
+            <a:pPr>
+              <a:buFont typeface="Wingdings" panose="05000000000000000000" pitchFamily="2" charset="2"/>
+              <a:buChar char="Ø"/>
+            </a:pPr>
+            <a:r>
+              <a:rPr lang="en-US" dirty="0" smtClean="0"/>
+              <a:t>With the absence of a central authority, it is crucial for all the nodes to be in consensus</a:t>
+            </a:r>
+          </a:p>
+          <a:p>
+            <a:pPr>
+              <a:buFont typeface="Wingdings" panose="05000000000000000000" pitchFamily="2" charset="2"/>
+              <a:buChar char="Ø"/>
+            </a:pPr>
+            <a:r>
+              <a:rPr lang="en-US" dirty="0" smtClean="0"/>
+              <a:t>If a transaction is validated by a majority of the nodes in the network, it is considered valid</a:t>
+            </a:r>
+          </a:p>
+        </p:txBody>
+      </p:sp>
     </p:spTree>
     <p:extLst>
       <p:ext uri="{BB962C8B-B14F-4D97-AF65-F5344CB8AC3E}">
@@ -16516,7 +16914,6 @@
               <a:rPr lang="en-US" dirty="0" smtClean="0"/>
               <a:t>Strengths/Weaknesses</a:t>
             </a:r>
-            <a:endParaRPr lang="en-US" dirty="0" smtClean="0"/>
           </a:p>
           <a:p>
             <a:pPr>
@@ -17210,7 +17607,6 @@
               <a:rPr lang="en-US" dirty="0" smtClean="0"/>
               <a:t>How does it work?</a:t>
             </a:r>
-            <a:endParaRPr lang="en-US" dirty="0" smtClean="0"/>
           </a:p>
           <a:p>
             <a:pPr>
@@ -17822,11 +18218,7 @@
           <a:p>
             <a:r>
               <a:rPr lang="en-US" dirty="0" smtClean="0"/>
-              <a:t>Ledgers store </a:t>
-            </a:r>
-            <a:r>
-              <a:rPr lang="en-US" dirty="0" smtClean="0"/>
-              <a:t>only transactions!!</a:t>
+              <a:t>Ledgers store only transactions!!</a:t>
             </a:r>
           </a:p>
           <a:p>
@@ -18478,6 +18870,4547 @@
 </file>
 
 <file path=ppt/slides/slide27.xml><?xml version="1.0" encoding="utf-8"?>
+<p:sld xmlns:a="http://schemas.openxmlformats.org/drawingml/2006/main" xmlns:r="http://schemas.openxmlformats.org/officeDocument/2006/relationships" xmlns:p="http://schemas.openxmlformats.org/presentationml/2006/main">
+  <p:cSld>
+    <p:spTree>
+      <p:nvGrpSpPr>
+        <p:cNvPr id="1" name=""/>
+        <p:cNvGrpSpPr/>
+        <p:nvPr/>
+      </p:nvGrpSpPr>
+      <p:grpSpPr>
+        <a:xfrm>
+          <a:off x="0" y="0"/>
+          <a:ext cx="0" cy="0"/>
+          <a:chOff x="0" y="0"/>
+          <a:chExt cx="0" cy="0"/>
+        </a:xfrm>
+      </p:grpSpPr>
+      <p:sp>
+        <p:nvSpPr>
+          <p:cNvPr id="2" name="Title 1"/>
+          <p:cNvSpPr>
+            <a:spLocks noGrp="1"/>
+          </p:cNvSpPr>
+          <p:nvPr>
+            <p:ph type="title"/>
+          </p:nvPr>
+        </p:nvSpPr>
+        <p:spPr/>
+        <p:txBody>
+          <a:bodyPr/>
+          <a:lstStyle/>
+          <a:p>
+            <a:r>
+              <a:rPr lang="en-US" dirty="0" smtClean="0"/>
+              <a:t>Security Hole: Transaction Ordering</a:t>
+            </a:r>
+            <a:endParaRPr lang="en-US" dirty="0"/>
+          </a:p>
+        </p:txBody>
+      </p:sp>
+      <p:sp>
+        <p:nvSpPr>
+          <p:cNvPr id="5" name="Rectangle 4"/>
+          <p:cNvSpPr/>
+          <p:nvPr/>
+        </p:nvSpPr>
+        <p:spPr>
+          <a:xfrm>
+            <a:off x="2300440" y="2127183"/>
+            <a:ext cx="2358190" cy="1222408"/>
+          </a:xfrm>
+          <a:prstGeom prst="rect">
+            <a:avLst/>
+          </a:prstGeom>
+          <a:noFill/>
+        </p:spPr>
+        <p:style>
+          <a:lnRef idx="2">
+            <a:schemeClr val="accent1">
+              <a:shade val="50000"/>
+            </a:schemeClr>
+          </a:lnRef>
+          <a:fillRef idx="1">
+            <a:schemeClr val="accent1"/>
+          </a:fillRef>
+          <a:effectRef idx="0">
+            <a:schemeClr val="accent1"/>
+          </a:effectRef>
+          <a:fontRef idx="minor">
+            <a:schemeClr val="lt1"/>
+          </a:fontRef>
+        </p:style>
+        <p:txBody>
+          <a:bodyPr rtlCol="0" anchor="ctr"/>
+          <a:lstStyle/>
+          <a:p>
+            <a:pPr algn="ctr"/>
+            <a:r>
+              <a:rPr lang="en-US" dirty="0" smtClean="0">
+                <a:solidFill>
+                  <a:schemeClr val="tx1"/>
+                </a:solidFill>
+              </a:rPr>
+              <a:t>Order </a:t>
+            </a:r>
+            <a:r>
+              <a:rPr lang="en-US" dirty="0">
+                <a:solidFill>
+                  <a:schemeClr val="tx1"/>
+                </a:solidFill>
+              </a:rPr>
+              <a:t>in which transactions arrive at a node </a:t>
+            </a:r>
+          </a:p>
+        </p:txBody>
+      </p:sp>
+      <p:sp>
+        <p:nvSpPr>
+          <p:cNvPr id="9" name="Rectangle 8"/>
+          <p:cNvSpPr/>
+          <p:nvPr/>
+        </p:nvSpPr>
+        <p:spPr>
+          <a:xfrm>
+            <a:off x="6593303" y="2127183"/>
+            <a:ext cx="2358190" cy="1222408"/>
+          </a:xfrm>
+          <a:prstGeom prst="rect">
+            <a:avLst/>
+          </a:prstGeom>
+          <a:noFill/>
+        </p:spPr>
+        <p:style>
+          <a:lnRef idx="2">
+            <a:schemeClr val="accent1">
+              <a:shade val="50000"/>
+            </a:schemeClr>
+          </a:lnRef>
+          <a:fillRef idx="1">
+            <a:schemeClr val="accent1"/>
+          </a:fillRef>
+          <a:effectRef idx="0">
+            <a:schemeClr val="accent1"/>
+          </a:effectRef>
+          <a:fontRef idx="minor">
+            <a:schemeClr val="lt1"/>
+          </a:fontRef>
+        </p:style>
+        <p:txBody>
+          <a:bodyPr rtlCol="0" anchor="ctr"/>
+          <a:lstStyle/>
+          <a:p>
+            <a:pPr algn="ctr"/>
+            <a:r>
+              <a:rPr lang="en-US" dirty="0" smtClean="0">
+                <a:solidFill>
+                  <a:schemeClr val="tx1"/>
+                </a:solidFill>
+              </a:rPr>
+              <a:t>Order </a:t>
+            </a:r>
+            <a:r>
+              <a:rPr lang="en-US" dirty="0">
+                <a:solidFill>
+                  <a:schemeClr val="tx1"/>
+                </a:solidFill>
+              </a:rPr>
+              <a:t>in which transactions were created</a:t>
+            </a:r>
+          </a:p>
+        </p:txBody>
+      </p:sp>
+      <p:sp>
+        <p:nvSpPr>
+          <p:cNvPr id="10" name="Not Equal 9"/>
+          <p:cNvSpPr/>
+          <p:nvPr/>
+        </p:nvSpPr>
+        <p:spPr>
+          <a:xfrm>
+            <a:off x="5072514" y="2521817"/>
+            <a:ext cx="1106905" cy="433137"/>
+          </a:xfrm>
+          <a:prstGeom prst="mathNotEqual">
+            <a:avLst/>
+          </a:prstGeom>
+        </p:spPr>
+        <p:style>
+          <a:lnRef idx="2">
+            <a:schemeClr val="accent1">
+              <a:shade val="50000"/>
+            </a:schemeClr>
+          </a:lnRef>
+          <a:fillRef idx="1">
+            <a:schemeClr val="accent1"/>
+          </a:fillRef>
+          <a:effectRef idx="0">
+            <a:schemeClr val="accent1"/>
+          </a:effectRef>
+          <a:fontRef idx="minor">
+            <a:schemeClr val="lt1"/>
+          </a:fontRef>
+        </p:style>
+        <p:txBody>
+          <a:bodyPr rtlCol="0" anchor="ctr"/>
+          <a:lstStyle/>
+          <a:p>
+            <a:pPr algn="ctr"/>
+            <a:endParaRPr lang="en-US">
+              <a:solidFill>
+                <a:schemeClr val="tx1"/>
+              </a:solidFill>
+            </a:endParaRPr>
+          </a:p>
+        </p:txBody>
+      </p:sp>
+      <p:sp>
+        <p:nvSpPr>
+          <p:cNvPr id="12" name="Rectangle 11"/>
+          <p:cNvSpPr/>
+          <p:nvPr/>
+        </p:nvSpPr>
+        <p:spPr>
+          <a:xfrm>
+            <a:off x="596766" y="2444815"/>
+            <a:ext cx="519765" cy="577516"/>
+          </a:xfrm>
+          <a:prstGeom prst="rect">
+            <a:avLst/>
+          </a:prstGeom>
+          <a:noFill/>
+        </p:spPr>
+        <p:style>
+          <a:lnRef idx="2">
+            <a:schemeClr val="accent1">
+              <a:shade val="50000"/>
+            </a:schemeClr>
+          </a:lnRef>
+          <a:fillRef idx="1">
+            <a:schemeClr val="accent1"/>
+          </a:fillRef>
+          <a:effectRef idx="0">
+            <a:schemeClr val="accent1"/>
+          </a:effectRef>
+          <a:fontRef idx="minor">
+            <a:schemeClr val="lt1"/>
+          </a:fontRef>
+        </p:style>
+        <p:txBody>
+          <a:bodyPr rtlCol="0" anchor="ctr"/>
+          <a:lstStyle/>
+          <a:p>
+            <a:pPr algn="ctr"/>
+            <a:r>
+              <a:rPr lang="en-US" dirty="0" smtClean="0">
+                <a:solidFill>
+                  <a:schemeClr val="tx1"/>
+                </a:solidFill>
+              </a:rPr>
+              <a:t>1.</a:t>
+            </a:r>
+            <a:endParaRPr lang="en-US" dirty="0">
+              <a:solidFill>
+                <a:schemeClr val="tx1"/>
+              </a:solidFill>
+            </a:endParaRPr>
+          </a:p>
+        </p:txBody>
+      </p:sp>
+      <p:sp>
+        <p:nvSpPr>
+          <p:cNvPr id="13" name="Rectangle 12"/>
+          <p:cNvSpPr/>
+          <p:nvPr/>
+        </p:nvSpPr>
+        <p:spPr>
+          <a:xfrm>
+            <a:off x="595161" y="3761873"/>
+            <a:ext cx="519765" cy="577516"/>
+          </a:xfrm>
+          <a:prstGeom prst="rect">
+            <a:avLst/>
+          </a:prstGeom>
+          <a:noFill/>
+        </p:spPr>
+        <p:style>
+          <a:lnRef idx="2">
+            <a:schemeClr val="accent1">
+              <a:shade val="50000"/>
+            </a:schemeClr>
+          </a:lnRef>
+          <a:fillRef idx="1">
+            <a:schemeClr val="accent1"/>
+          </a:fillRef>
+          <a:effectRef idx="0">
+            <a:schemeClr val="accent1"/>
+          </a:effectRef>
+          <a:fontRef idx="minor">
+            <a:schemeClr val="lt1"/>
+          </a:fontRef>
+        </p:style>
+        <p:txBody>
+          <a:bodyPr rtlCol="0" anchor="ctr"/>
+          <a:lstStyle/>
+          <a:p>
+            <a:pPr algn="ctr"/>
+            <a:r>
+              <a:rPr lang="en-US" dirty="0">
+                <a:solidFill>
+                  <a:schemeClr val="tx1"/>
+                </a:solidFill>
+              </a:rPr>
+              <a:t>2</a:t>
+            </a:r>
+            <a:r>
+              <a:rPr lang="en-US" dirty="0" smtClean="0">
+                <a:solidFill>
+                  <a:schemeClr val="tx1"/>
+                </a:solidFill>
+              </a:rPr>
+              <a:t>.</a:t>
+            </a:r>
+            <a:endParaRPr lang="en-US" dirty="0">
+              <a:solidFill>
+                <a:schemeClr val="tx1"/>
+              </a:solidFill>
+            </a:endParaRPr>
+          </a:p>
+        </p:txBody>
+      </p:sp>
+      <p:sp>
+        <p:nvSpPr>
+          <p:cNvPr id="14" name="Rectangle 13"/>
+          <p:cNvSpPr/>
+          <p:nvPr/>
+        </p:nvSpPr>
+        <p:spPr>
+          <a:xfrm>
+            <a:off x="1405289" y="3459923"/>
+            <a:ext cx="8670774" cy="1222408"/>
+          </a:xfrm>
+          <a:prstGeom prst="rect">
+            <a:avLst/>
+          </a:prstGeom>
+          <a:noFill/>
+        </p:spPr>
+        <p:style>
+          <a:lnRef idx="2">
+            <a:schemeClr val="accent1">
+              <a:shade val="50000"/>
+            </a:schemeClr>
+          </a:lnRef>
+          <a:fillRef idx="1">
+            <a:schemeClr val="accent1"/>
+          </a:fillRef>
+          <a:effectRef idx="0">
+            <a:schemeClr val="accent1"/>
+          </a:effectRef>
+          <a:fontRef idx="minor">
+            <a:schemeClr val="lt1"/>
+          </a:fontRef>
+        </p:style>
+        <p:txBody>
+          <a:bodyPr rtlCol="0" anchor="ctr"/>
+          <a:lstStyle/>
+          <a:p>
+            <a:pPr algn="ctr"/>
+            <a:r>
+              <a:rPr lang="en-US" dirty="0">
+                <a:solidFill>
+                  <a:schemeClr val="tx1"/>
+                </a:solidFill>
+              </a:rPr>
+              <a:t>Timestamps cannot be trusted as someone could lie</a:t>
+            </a:r>
+          </a:p>
+        </p:txBody>
+      </p:sp>
+      <p:sp>
+        <p:nvSpPr>
+          <p:cNvPr id="16" name="Down Arrow 15"/>
+          <p:cNvSpPr/>
+          <p:nvPr/>
+        </p:nvSpPr>
+        <p:spPr>
+          <a:xfrm>
+            <a:off x="5399773" y="4841509"/>
+            <a:ext cx="577515" cy="644893"/>
+          </a:xfrm>
+          <a:prstGeom prst="downArrow">
+            <a:avLst/>
+          </a:prstGeom>
+          <a:solidFill>
+            <a:srgbClr val="FF0000"/>
+          </a:solidFill>
+          <a:ln>
+            <a:noFill/>
+          </a:ln>
+        </p:spPr>
+        <p:style>
+          <a:lnRef idx="2">
+            <a:schemeClr val="accent1">
+              <a:shade val="50000"/>
+            </a:schemeClr>
+          </a:lnRef>
+          <a:fillRef idx="1">
+            <a:schemeClr val="accent1"/>
+          </a:fillRef>
+          <a:effectRef idx="0">
+            <a:schemeClr val="accent1"/>
+          </a:effectRef>
+          <a:fontRef idx="minor">
+            <a:schemeClr val="lt1"/>
+          </a:fontRef>
+        </p:style>
+        <p:txBody>
+          <a:bodyPr rtlCol="0" anchor="ctr"/>
+          <a:lstStyle/>
+          <a:p>
+            <a:pPr algn="ctr"/>
+            <a:endParaRPr lang="en-US"/>
+          </a:p>
+        </p:txBody>
+      </p:sp>
+      <p:sp>
+        <p:nvSpPr>
+          <p:cNvPr id="17" name="Rectangle 16"/>
+          <p:cNvSpPr/>
+          <p:nvPr/>
+        </p:nvSpPr>
+        <p:spPr>
+          <a:xfrm>
+            <a:off x="1641901" y="5606717"/>
+            <a:ext cx="8670774" cy="1222408"/>
+          </a:xfrm>
+          <a:prstGeom prst="rect">
+            <a:avLst/>
+          </a:prstGeom>
+          <a:noFill/>
+        </p:spPr>
+        <p:style>
+          <a:lnRef idx="2">
+            <a:schemeClr val="accent1">
+              <a:shade val="50000"/>
+            </a:schemeClr>
+          </a:lnRef>
+          <a:fillRef idx="1">
+            <a:schemeClr val="accent1"/>
+          </a:fillRef>
+          <a:effectRef idx="0">
+            <a:schemeClr val="accent1"/>
+          </a:effectRef>
+          <a:fontRef idx="minor">
+            <a:schemeClr val="lt1"/>
+          </a:fontRef>
+        </p:style>
+        <p:txBody>
+          <a:bodyPr rtlCol="0" anchor="ctr"/>
+          <a:lstStyle/>
+          <a:p>
+            <a:pPr algn="ctr"/>
+            <a:r>
+              <a:rPr lang="en-US" dirty="0" smtClean="0">
+                <a:solidFill>
+                  <a:srgbClr val="FF0000"/>
+                </a:solidFill>
+              </a:rPr>
+              <a:t>Double Spending Fraud</a:t>
+            </a:r>
+            <a:endParaRPr lang="en-US" dirty="0">
+              <a:solidFill>
+                <a:srgbClr val="FF0000"/>
+              </a:solidFill>
+            </a:endParaRPr>
+          </a:p>
+        </p:txBody>
+      </p:sp>
+    </p:spTree>
+    <p:extLst>
+      <p:ext uri="{BB962C8B-B14F-4D97-AF65-F5344CB8AC3E}">
+        <p14:creationId xmlns:p14="http://schemas.microsoft.com/office/powerpoint/2010/main" val="1587662210"/>
+      </p:ext>
+    </p:extLst>
+  </p:cSld>
+  <p:clrMapOvr>
+    <a:masterClrMapping/>
+  </p:clrMapOvr>
+  <p:timing>
+    <p:tnLst>
+      <p:par>
+        <p:cTn id="1" dur="indefinite" restart="never" nodeType="tmRoot">
+          <p:childTnLst>
+            <p:seq concurrent="1" nextAc="seek">
+              <p:cTn id="2" dur="indefinite" nodeType="mainSeq">
+                <p:childTnLst>
+                  <p:par>
+                    <p:cTn id="3" fill="hold">
+                      <p:stCondLst>
+                        <p:cond delay="indefinite"/>
+                      </p:stCondLst>
+                      <p:childTnLst>
+                        <p:par>
+                          <p:cTn id="4" fill="hold">
+                            <p:stCondLst>
+                              <p:cond delay="0"/>
+                            </p:stCondLst>
+                            <p:childTnLst>
+                              <p:par>
+                                <p:cTn id="5" presetID="1" presetClass="entr" presetSubtype="0" fill="hold" grpId="0" nodeType="clickEffect">
+                                  <p:stCondLst>
+                                    <p:cond delay="0"/>
+                                  </p:stCondLst>
+                                  <p:childTnLst>
+                                    <p:set>
+                                      <p:cBhvr>
+                                        <p:cTn id="6" dur="1" fill="hold">
+                                          <p:stCondLst>
+                                            <p:cond delay="0"/>
+                                          </p:stCondLst>
+                                        </p:cTn>
+                                        <p:tgtEl>
+                                          <p:spTgt spid="16"/>
+                                        </p:tgtEl>
+                                        <p:attrNameLst>
+                                          <p:attrName>style.visibility</p:attrName>
+                                        </p:attrNameLst>
+                                      </p:cBhvr>
+                                      <p:to>
+                                        <p:strVal val="visible"/>
+                                      </p:to>
+                                    </p:set>
+                                  </p:childTnLst>
+                                </p:cTn>
+                              </p:par>
+                              <p:par>
+                                <p:cTn id="7" presetID="1" presetClass="entr" presetSubtype="0" fill="hold" grpId="0" nodeType="withEffect">
+                                  <p:stCondLst>
+                                    <p:cond delay="0"/>
+                                  </p:stCondLst>
+                                  <p:childTnLst>
+                                    <p:set>
+                                      <p:cBhvr>
+                                        <p:cTn id="8" dur="1" fill="hold">
+                                          <p:stCondLst>
+                                            <p:cond delay="0"/>
+                                          </p:stCondLst>
+                                        </p:cTn>
+                                        <p:tgtEl>
+                                          <p:spTgt spid="17"/>
+                                        </p:tgtEl>
+                                        <p:attrNameLst>
+                                          <p:attrName>style.visibility</p:attrName>
+                                        </p:attrNameLst>
+                                      </p:cBhvr>
+                                      <p:to>
+                                        <p:strVal val="visible"/>
+                                      </p:to>
+                                    </p:set>
+                                  </p:childTnLst>
+                                </p:cTn>
+                              </p:par>
+                            </p:childTnLst>
+                          </p:cTn>
+                        </p:par>
+                      </p:childTnLst>
+                    </p:cTn>
+                  </p:par>
+                </p:childTnLst>
+              </p:cTn>
+              <p:prevCondLst>
+                <p:cond evt="onPrev" delay="0">
+                  <p:tgtEl>
+                    <p:sldTgt/>
+                  </p:tgtEl>
+                </p:cond>
+              </p:prevCondLst>
+              <p:nextCondLst>
+                <p:cond evt="onNext" delay="0">
+                  <p:tgtEl>
+                    <p:sldTgt/>
+                  </p:tgtEl>
+                </p:cond>
+              </p:nextCondLst>
+            </p:seq>
+          </p:childTnLst>
+        </p:cTn>
+      </p:par>
+    </p:tnLst>
+    <p:bldLst>
+      <p:bldP spid="16" grpId="0" animBg="1"/>
+      <p:bldP spid="17" grpId="0" animBg="1"/>
+    </p:bldLst>
+  </p:timing>
+</p:sld>
+</file>
+
+<file path=ppt/slides/slide28.xml><?xml version="1.0" encoding="utf-8"?>
+<p:sld xmlns:a="http://schemas.openxmlformats.org/drawingml/2006/main" xmlns:r="http://schemas.openxmlformats.org/officeDocument/2006/relationships" xmlns:p="http://schemas.openxmlformats.org/presentationml/2006/main">
+  <p:cSld>
+    <p:spTree>
+      <p:nvGrpSpPr>
+        <p:cNvPr id="1" name=""/>
+        <p:cNvGrpSpPr/>
+        <p:nvPr/>
+      </p:nvGrpSpPr>
+      <p:grpSpPr>
+        <a:xfrm>
+          <a:off x="0" y="0"/>
+          <a:ext cx="0" cy="0"/>
+          <a:chOff x="0" y="0"/>
+          <a:chExt cx="0" cy="0"/>
+        </a:xfrm>
+      </p:grpSpPr>
+      <p:pic>
+        <p:nvPicPr>
+          <p:cNvPr id="6" name="Picture 5"/>
+          <p:cNvPicPr>
+            <a:picLocks noChangeAspect="1"/>
+          </p:cNvPicPr>
+          <p:nvPr/>
+        </p:nvPicPr>
+        <p:blipFill>
+          <a:blip r:embed="rId2"/>
+          <a:stretch>
+            <a:fillRect/>
+          </a:stretch>
+        </p:blipFill>
+        <p:spPr>
+          <a:xfrm>
+            <a:off x="8333402" y="4586941"/>
+            <a:ext cx="1619120" cy="2199817"/>
+          </a:xfrm>
+          <a:prstGeom prst="rect">
+            <a:avLst/>
+          </a:prstGeom>
+        </p:spPr>
+      </p:pic>
+      <p:sp>
+        <p:nvSpPr>
+          <p:cNvPr id="2" name="Title 1"/>
+          <p:cNvSpPr>
+            <a:spLocks noGrp="1"/>
+          </p:cNvSpPr>
+          <p:nvPr>
+            <p:ph type="title"/>
+          </p:nvPr>
+        </p:nvSpPr>
+        <p:spPr/>
+        <p:txBody>
+          <a:bodyPr/>
+          <a:lstStyle/>
+          <a:p>
+            <a:r>
+              <a:rPr lang="en-US" dirty="0" smtClean="0"/>
+              <a:t>Double Spending Fraud</a:t>
+            </a:r>
+            <a:endParaRPr lang="en-US" dirty="0"/>
+          </a:p>
+        </p:txBody>
+      </p:sp>
+      <p:pic>
+        <p:nvPicPr>
+          <p:cNvPr id="4" name="Picture 3"/>
+          <p:cNvPicPr>
+            <a:picLocks noChangeAspect="1"/>
+          </p:cNvPicPr>
+          <p:nvPr/>
+        </p:nvPicPr>
+        <p:blipFill>
+          <a:blip r:embed="rId3"/>
+          <a:stretch>
+            <a:fillRect/>
+          </a:stretch>
+        </p:blipFill>
+        <p:spPr>
+          <a:xfrm>
+            <a:off x="172564" y="1951022"/>
+            <a:ext cx="6497744" cy="4835736"/>
+          </a:xfrm>
+          <a:prstGeom prst="rect">
+            <a:avLst/>
+          </a:prstGeom>
+          <a:ln w="3175">
+            <a:solidFill>
+              <a:schemeClr val="tx1"/>
+            </a:solidFill>
+          </a:ln>
+        </p:spPr>
+      </p:pic>
+      <p:sp>
+        <p:nvSpPr>
+          <p:cNvPr id="5" name="TextBox 4"/>
+          <p:cNvSpPr txBox="1"/>
+          <p:nvPr/>
+        </p:nvSpPr>
+        <p:spPr>
+          <a:xfrm>
+            <a:off x="7103444" y="1953928"/>
+            <a:ext cx="3851068" cy="2585323"/>
+          </a:xfrm>
+          <a:prstGeom prst="rect">
+            <a:avLst/>
+          </a:prstGeom>
+          <a:noFill/>
+          <a:ln>
+            <a:solidFill>
+              <a:schemeClr val="tx1"/>
+            </a:solidFill>
+          </a:ln>
+        </p:spPr>
+        <p:txBody>
+          <a:bodyPr wrap="square" rtlCol="0">
+            <a:spAutoFit/>
+          </a:bodyPr>
+          <a:lstStyle/>
+          <a:p>
+            <a:r>
+              <a:rPr lang="en-US" i="1" dirty="0" smtClean="0"/>
+              <a:t>If the second transaction is received first, (by when if Bob would have already shipped the product) then first transaction would be invalidated.</a:t>
+            </a:r>
+          </a:p>
+          <a:p>
+            <a:endParaRPr lang="en-US" i="1" dirty="0"/>
+          </a:p>
+          <a:p>
+            <a:r>
+              <a:rPr lang="en-US" i="1" dirty="0" smtClean="0"/>
+              <a:t>Bob would be out of the product as well as would not receive the payment</a:t>
+            </a:r>
+            <a:endParaRPr lang="en-US" i="1" dirty="0"/>
+          </a:p>
+        </p:txBody>
+      </p:sp>
+    </p:spTree>
+    <p:extLst>
+      <p:ext uri="{BB962C8B-B14F-4D97-AF65-F5344CB8AC3E}">
+        <p14:creationId xmlns:p14="http://schemas.microsoft.com/office/powerpoint/2010/main" val="227861507"/>
+      </p:ext>
+    </p:extLst>
+  </p:cSld>
+  <p:clrMapOvr>
+    <a:masterClrMapping/>
+  </p:clrMapOvr>
+  <p:timing>
+    <p:tnLst>
+      <p:par>
+        <p:cTn id="1" dur="indefinite" restart="never" nodeType="tmRoot">
+          <p:childTnLst>
+            <p:seq concurrent="1" nextAc="seek">
+              <p:cTn id="2" dur="indefinite" nodeType="mainSeq">
+                <p:childTnLst>
+                  <p:par>
+                    <p:cTn id="3" fill="hold">
+                      <p:stCondLst>
+                        <p:cond delay="indefinite"/>
+                      </p:stCondLst>
+                      <p:childTnLst>
+                        <p:par>
+                          <p:cTn id="4" fill="hold">
+                            <p:stCondLst>
+                              <p:cond delay="0"/>
+                            </p:stCondLst>
+                            <p:childTnLst>
+                              <p:par>
+                                <p:cTn id="5" presetID="1" presetClass="entr" presetSubtype="0" fill="hold" grpId="0" nodeType="clickEffect">
+                                  <p:stCondLst>
+                                    <p:cond delay="0"/>
+                                  </p:stCondLst>
+                                  <p:childTnLst>
+                                    <p:set>
+                                      <p:cBhvr>
+                                        <p:cTn id="6" dur="1" fill="hold">
+                                          <p:stCondLst>
+                                            <p:cond delay="0"/>
+                                          </p:stCondLst>
+                                        </p:cTn>
+                                        <p:tgtEl>
+                                          <p:spTgt spid="5"/>
+                                        </p:tgtEl>
+                                        <p:attrNameLst>
+                                          <p:attrName>style.visibility</p:attrName>
+                                        </p:attrNameLst>
+                                      </p:cBhvr>
+                                      <p:to>
+                                        <p:strVal val="visible"/>
+                                      </p:to>
+                                    </p:set>
+                                  </p:childTnLst>
+                                </p:cTn>
+                              </p:par>
+                              <p:par>
+                                <p:cTn id="7" presetID="1" presetClass="entr" presetSubtype="0" fill="hold" nodeType="withEffect">
+                                  <p:stCondLst>
+                                    <p:cond delay="0"/>
+                                  </p:stCondLst>
+                                  <p:childTnLst>
+                                    <p:set>
+                                      <p:cBhvr>
+                                        <p:cTn id="8" dur="1" fill="hold">
+                                          <p:stCondLst>
+                                            <p:cond delay="0"/>
+                                          </p:stCondLst>
+                                        </p:cTn>
+                                        <p:tgtEl>
+                                          <p:spTgt spid="6"/>
+                                        </p:tgtEl>
+                                        <p:attrNameLst>
+                                          <p:attrName>style.visibility</p:attrName>
+                                        </p:attrNameLst>
+                                      </p:cBhvr>
+                                      <p:to>
+                                        <p:strVal val="visible"/>
+                                      </p:to>
+                                    </p:set>
+                                  </p:childTnLst>
+                                </p:cTn>
+                              </p:par>
+                            </p:childTnLst>
+                          </p:cTn>
+                        </p:par>
+                      </p:childTnLst>
+                    </p:cTn>
+                  </p:par>
+                </p:childTnLst>
+              </p:cTn>
+              <p:prevCondLst>
+                <p:cond evt="onPrev" delay="0">
+                  <p:tgtEl>
+                    <p:sldTgt/>
+                  </p:tgtEl>
+                </p:cond>
+              </p:prevCondLst>
+              <p:nextCondLst>
+                <p:cond evt="onNext" delay="0">
+                  <p:tgtEl>
+                    <p:sldTgt/>
+                  </p:tgtEl>
+                </p:cond>
+              </p:nextCondLst>
+            </p:seq>
+          </p:childTnLst>
+        </p:cTn>
+      </p:par>
+    </p:tnLst>
+    <p:bldLst>
+      <p:bldP spid="5" grpId="0" animBg="1"/>
+    </p:bldLst>
+  </p:timing>
+</p:sld>
+</file>
+
+<file path=ppt/slides/slide29.xml><?xml version="1.0" encoding="utf-8"?>
+<p:sld xmlns:a="http://schemas.openxmlformats.org/drawingml/2006/main" xmlns:r="http://schemas.openxmlformats.org/officeDocument/2006/relationships" xmlns:p="http://schemas.openxmlformats.org/presentationml/2006/main">
+  <p:cSld>
+    <p:spTree>
+      <p:nvGrpSpPr>
+        <p:cNvPr id="1" name=""/>
+        <p:cNvGrpSpPr/>
+        <p:nvPr/>
+      </p:nvGrpSpPr>
+      <p:grpSpPr>
+        <a:xfrm>
+          <a:off x="0" y="0"/>
+          <a:ext cx="0" cy="0"/>
+          <a:chOff x="0" y="0"/>
+          <a:chExt cx="0" cy="0"/>
+        </a:xfrm>
+      </p:grpSpPr>
+      <p:sp>
+        <p:nvSpPr>
+          <p:cNvPr id="4" name="Content Placeholder 2"/>
+          <p:cNvSpPr>
+            <a:spLocks noGrp="1"/>
+          </p:cNvSpPr>
+          <p:nvPr>
+            <p:ph idx="1"/>
+          </p:nvPr>
+        </p:nvSpPr>
+        <p:spPr>
+          <a:xfrm>
+            <a:off x="1261872" y="1828800"/>
+            <a:ext cx="8595360" cy="4351337"/>
+          </a:xfrm>
+        </p:spPr>
+        <p:txBody>
+          <a:bodyPr/>
+          <a:lstStyle/>
+          <a:p>
+            <a:pPr marL="0" indent="0">
+              <a:buNone/>
+            </a:pPr>
+            <a:endParaRPr lang="en-US" dirty="0" smtClean="0"/>
+          </a:p>
+          <a:p>
+            <a:pPr marL="0" indent="0">
+              <a:buNone/>
+            </a:pPr>
+            <a:endParaRPr lang="en-US" dirty="0"/>
+          </a:p>
+          <a:p>
+            <a:pPr marL="0" indent="0">
+              <a:buNone/>
+            </a:pPr>
+            <a:endParaRPr lang="en-US" dirty="0" smtClean="0"/>
+          </a:p>
+          <a:p>
+            <a:pPr marL="0" indent="0">
+              <a:buNone/>
+            </a:pPr>
+            <a:r>
+              <a:rPr lang="en-US" sz="2800" b="1" dirty="0" smtClean="0"/>
+              <a:t>Nodes need to agree on transaction order!</a:t>
+            </a:r>
+            <a:endParaRPr lang="en-US" sz="2800" b="1" dirty="0"/>
+          </a:p>
+        </p:txBody>
+      </p:sp>
+    </p:spTree>
+    <p:extLst>
+      <p:ext uri="{BB962C8B-B14F-4D97-AF65-F5344CB8AC3E}">
+        <p14:creationId xmlns:p14="http://schemas.microsoft.com/office/powerpoint/2010/main" val="3556556538"/>
+      </p:ext>
+    </p:extLst>
+  </p:cSld>
+  <p:clrMapOvr>
+    <a:masterClrMapping/>
+  </p:clrMapOvr>
+  <p:timing>
+    <p:tnLst>
+      <p:par>
+        <p:cTn id="1" dur="indefinite" restart="never" nodeType="tmRoot"/>
+      </p:par>
+    </p:tnLst>
+  </p:timing>
+</p:sld>
+</file>
+
+<file path=ppt/slides/slide3.xml><?xml version="1.0" encoding="utf-8"?>
+<p:sld xmlns:a="http://schemas.openxmlformats.org/drawingml/2006/main" xmlns:r="http://schemas.openxmlformats.org/officeDocument/2006/relationships" xmlns:p="http://schemas.openxmlformats.org/presentationml/2006/main">
+  <p:cSld>
+    <p:spTree>
+      <p:nvGrpSpPr>
+        <p:cNvPr id="1" name=""/>
+        <p:cNvGrpSpPr/>
+        <p:nvPr/>
+      </p:nvGrpSpPr>
+      <p:grpSpPr>
+        <a:xfrm>
+          <a:off x="0" y="0"/>
+          <a:ext cx="0" cy="0"/>
+          <a:chOff x="0" y="0"/>
+          <a:chExt cx="0" cy="0"/>
+        </a:xfrm>
+      </p:grpSpPr>
+      <p:sp>
+        <p:nvSpPr>
+          <p:cNvPr id="2" name="Title 1"/>
+          <p:cNvSpPr>
+            <a:spLocks noGrp="1"/>
+          </p:cNvSpPr>
+          <p:nvPr>
+            <p:ph type="title"/>
+          </p:nvPr>
+        </p:nvSpPr>
+        <p:spPr/>
+        <p:txBody>
+          <a:bodyPr/>
+          <a:lstStyle/>
+          <a:p>
+            <a:r>
+              <a:rPr lang="en-US" dirty="0" smtClean="0"/>
+              <a:t>Agenda</a:t>
+            </a:r>
+            <a:endParaRPr lang="en-US" dirty="0"/>
+          </a:p>
+        </p:txBody>
+      </p:sp>
+      <p:sp>
+        <p:nvSpPr>
+          <p:cNvPr id="3" name="Content Placeholder 2"/>
+          <p:cNvSpPr>
+            <a:spLocks noGrp="1"/>
+          </p:cNvSpPr>
+          <p:nvPr>
+            <p:ph idx="1"/>
+          </p:nvPr>
+        </p:nvSpPr>
+        <p:spPr/>
+        <p:txBody>
+          <a:bodyPr/>
+          <a:lstStyle/>
+          <a:p>
+            <a:pPr>
+              <a:buFont typeface="Wingdings" panose="05000000000000000000" pitchFamily="2" charset="2"/>
+              <a:buChar char="Ø"/>
+            </a:pPr>
+            <a:r>
+              <a:rPr lang="en-US" dirty="0" smtClean="0">
+                <a:solidFill>
+                  <a:srgbClr val="FF0000"/>
+                </a:solidFill>
+              </a:rPr>
+              <a:t>Introduction</a:t>
+            </a:r>
+          </a:p>
+          <a:p>
+            <a:pPr>
+              <a:buFont typeface="Wingdings" panose="05000000000000000000" pitchFamily="2" charset="2"/>
+              <a:buChar char="Ø"/>
+            </a:pPr>
+            <a:r>
+              <a:rPr lang="en-US" dirty="0" smtClean="0"/>
+              <a:t>Motivation</a:t>
+            </a:r>
+          </a:p>
+          <a:p>
+            <a:pPr>
+              <a:buFont typeface="Wingdings" panose="05000000000000000000" pitchFamily="2" charset="2"/>
+              <a:buChar char="Ø"/>
+            </a:pPr>
+            <a:r>
+              <a:rPr lang="en-US" dirty="0" smtClean="0"/>
+              <a:t>Technical Overview</a:t>
+            </a:r>
+          </a:p>
+          <a:p>
+            <a:pPr>
+              <a:buFont typeface="Wingdings" panose="05000000000000000000" pitchFamily="2" charset="2"/>
+              <a:buChar char="Ø"/>
+            </a:pPr>
+            <a:r>
+              <a:rPr lang="en-US" dirty="0"/>
+              <a:t>How does it work?</a:t>
+            </a:r>
+          </a:p>
+          <a:p>
+            <a:pPr>
+              <a:buFont typeface="Wingdings" panose="05000000000000000000" pitchFamily="2" charset="2"/>
+              <a:buChar char="Ø"/>
+            </a:pPr>
+            <a:r>
+              <a:rPr lang="en-US" dirty="0" smtClean="0"/>
+              <a:t>Strengths/Weaknesses</a:t>
+            </a:r>
+          </a:p>
+          <a:p>
+            <a:pPr>
+              <a:buFont typeface="Wingdings" panose="05000000000000000000" pitchFamily="2" charset="2"/>
+              <a:buChar char="Ø"/>
+            </a:pPr>
+            <a:r>
+              <a:rPr lang="en-US" dirty="0" smtClean="0"/>
+              <a:t>Future scope</a:t>
+            </a:r>
+            <a:endParaRPr lang="en-US" dirty="0"/>
+          </a:p>
+        </p:txBody>
+      </p:sp>
+    </p:spTree>
+    <p:extLst>
+      <p:ext uri="{BB962C8B-B14F-4D97-AF65-F5344CB8AC3E}">
+        <p14:creationId xmlns:p14="http://schemas.microsoft.com/office/powerpoint/2010/main" val="211613113"/>
+      </p:ext>
+    </p:extLst>
+  </p:cSld>
+  <p:clrMapOvr>
+    <a:masterClrMapping/>
+  </p:clrMapOvr>
+  <p:timing>
+    <p:tnLst>
+      <p:par>
+        <p:cTn id="1" dur="indefinite" restart="never" nodeType="tmRoot"/>
+      </p:par>
+    </p:tnLst>
+  </p:timing>
+</p:sld>
+</file>
+
+<file path=ppt/slides/slide30.xml><?xml version="1.0" encoding="utf-8"?>
+<p:sld xmlns:a="http://schemas.openxmlformats.org/drawingml/2006/main" xmlns:r="http://schemas.openxmlformats.org/officeDocument/2006/relationships" xmlns:p="http://schemas.openxmlformats.org/presentationml/2006/main">
+  <p:cSld>
+    <p:spTree>
+      <p:nvGrpSpPr>
+        <p:cNvPr id="1" name=""/>
+        <p:cNvGrpSpPr/>
+        <p:nvPr/>
+      </p:nvGrpSpPr>
+      <p:grpSpPr>
+        <a:xfrm>
+          <a:off x="0" y="0"/>
+          <a:ext cx="0" cy="0"/>
+          <a:chOff x="0" y="0"/>
+          <a:chExt cx="0" cy="0"/>
+        </a:xfrm>
+      </p:grpSpPr>
+      <p:sp>
+        <p:nvSpPr>
+          <p:cNvPr id="2" name="Title 1"/>
+          <p:cNvSpPr>
+            <a:spLocks noGrp="1"/>
+          </p:cNvSpPr>
+          <p:nvPr>
+            <p:ph type="title"/>
+          </p:nvPr>
+        </p:nvSpPr>
+        <p:spPr/>
+        <p:txBody>
+          <a:bodyPr/>
+          <a:lstStyle/>
+          <a:p>
+            <a:r>
+              <a:rPr lang="en-US" dirty="0" smtClean="0"/>
+              <a:t>Ordering Solution</a:t>
+            </a:r>
+            <a:endParaRPr lang="en-US" dirty="0"/>
+          </a:p>
+        </p:txBody>
+      </p:sp>
+      <p:sp>
+        <p:nvSpPr>
+          <p:cNvPr id="3" name="Content Placeholder 2"/>
+          <p:cNvSpPr>
+            <a:spLocks noGrp="1"/>
+          </p:cNvSpPr>
+          <p:nvPr>
+            <p:ph idx="1"/>
+          </p:nvPr>
+        </p:nvSpPr>
+        <p:spPr>
+          <a:xfrm>
+            <a:off x="1261871" y="2359907"/>
+            <a:ext cx="5398811" cy="2009962"/>
+          </a:xfrm>
+          <a:ln w="3175">
+            <a:solidFill>
+              <a:schemeClr val="tx1"/>
+            </a:solidFill>
+          </a:ln>
+        </p:spPr>
+        <p:txBody>
+          <a:bodyPr>
+            <a:normAutofit/>
+          </a:bodyPr>
+          <a:lstStyle/>
+          <a:p>
+            <a:pPr>
+              <a:buFont typeface="Wingdings" panose="05000000000000000000" pitchFamily="2" charset="2"/>
+              <a:buChar char="Ø"/>
+            </a:pPr>
+            <a:r>
+              <a:rPr lang="en-US" dirty="0" smtClean="0"/>
+              <a:t>Transaction are grouped together as blocks!</a:t>
+            </a:r>
+          </a:p>
+          <a:p>
+            <a:pPr lvl="1">
+              <a:buFont typeface="Wingdings" panose="05000000000000000000" pitchFamily="2" charset="2"/>
+              <a:buChar char="§"/>
+            </a:pPr>
+            <a:r>
+              <a:rPr lang="en-US" dirty="0" smtClean="0"/>
+              <a:t>Transactions in the same block are considered to have happened at the same time</a:t>
+            </a:r>
+          </a:p>
+          <a:p>
+            <a:pPr>
+              <a:buFont typeface="Wingdings" panose="05000000000000000000" pitchFamily="2" charset="2"/>
+              <a:buChar char="Ø"/>
+            </a:pPr>
+            <a:r>
+              <a:rPr lang="en-US" dirty="0" smtClean="0"/>
+              <a:t>Each block also has a reference to the previous block. </a:t>
+            </a:r>
+          </a:p>
+          <a:p>
+            <a:pPr lvl="1">
+              <a:buFont typeface="Wingdings" panose="05000000000000000000" pitchFamily="2" charset="2"/>
+              <a:buChar char="§"/>
+            </a:pPr>
+            <a:r>
+              <a:rPr lang="en-US" dirty="0" smtClean="0"/>
+              <a:t>This is how order is maintained historically</a:t>
+            </a:r>
+          </a:p>
+        </p:txBody>
+      </p:sp>
+      <p:graphicFrame>
+        <p:nvGraphicFramePr>
+          <p:cNvPr id="4" name="Diagram 3"/>
+          <p:cNvGraphicFramePr/>
+          <p:nvPr>
+            <p:extLst>
+              <p:ext uri="{D42A27DB-BD31-4B8C-83A1-F6EECF244321}">
+                <p14:modId xmlns:p14="http://schemas.microsoft.com/office/powerpoint/2010/main" val="1107822371"/>
+              </p:ext>
+            </p:extLst>
+          </p:nvPr>
+        </p:nvGraphicFramePr>
+        <p:xfrm>
+          <a:off x="1261871" y="4740070"/>
+          <a:ext cx="5398811" cy="1230797"/>
+        </p:xfrm>
+        <a:graphic>
+          <a:graphicData uri="http://schemas.openxmlformats.org/drawingml/2006/diagram">
+            <dgm:relIds xmlns:dgm="http://schemas.openxmlformats.org/drawingml/2006/diagram" xmlns:r="http://schemas.openxmlformats.org/officeDocument/2006/relationships" r:dm="rId2" r:lo="rId3" r:qs="rId4" r:cs="rId5"/>
+          </a:graphicData>
+        </a:graphic>
+      </p:graphicFrame>
+      <p:pic>
+        <p:nvPicPr>
+          <p:cNvPr id="5" name="Picture 4"/>
+          <p:cNvPicPr>
+            <a:picLocks noChangeAspect="1"/>
+          </p:cNvPicPr>
+          <p:nvPr/>
+        </p:nvPicPr>
+        <p:blipFill>
+          <a:blip r:embed="rId7"/>
+          <a:stretch>
+            <a:fillRect/>
+          </a:stretch>
+        </p:blipFill>
+        <p:spPr>
+          <a:xfrm>
+            <a:off x="6854117" y="2369533"/>
+            <a:ext cx="4100395" cy="3601334"/>
+          </a:xfrm>
+          <a:prstGeom prst="rect">
+            <a:avLst/>
+          </a:prstGeom>
+          <a:ln w="3175">
+            <a:solidFill>
+              <a:schemeClr val="tx1"/>
+            </a:solidFill>
+          </a:ln>
+        </p:spPr>
+      </p:pic>
+    </p:spTree>
+    <p:extLst>
+      <p:ext uri="{BB962C8B-B14F-4D97-AF65-F5344CB8AC3E}">
+        <p14:creationId xmlns:p14="http://schemas.microsoft.com/office/powerpoint/2010/main" val="3088928995"/>
+      </p:ext>
+    </p:extLst>
+  </p:cSld>
+  <p:clrMapOvr>
+    <a:masterClrMapping/>
+  </p:clrMapOvr>
+  <p:timing>
+    <p:tnLst>
+      <p:par>
+        <p:cTn id="1" dur="indefinite" restart="never" nodeType="tmRoot"/>
+      </p:par>
+    </p:tnLst>
+  </p:timing>
+</p:sld>
+</file>
+
+<file path=ppt/slides/slide31.xml><?xml version="1.0" encoding="utf-8"?>
+<p:sld xmlns:a="http://schemas.openxmlformats.org/drawingml/2006/main" xmlns:r="http://schemas.openxmlformats.org/officeDocument/2006/relationships" xmlns:p="http://schemas.openxmlformats.org/presentationml/2006/main">
+  <p:cSld>
+    <p:spTree>
+      <p:nvGrpSpPr>
+        <p:cNvPr id="1" name=""/>
+        <p:cNvGrpSpPr/>
+        <p:nvPr/>
+      </p:nvGrpSpPr>
+      <p:grpSpPr>
+        <a:xfrm>
+          <a:off x="0" y="0"/>
+          <a:ext cx="0" cy="0"/>
+          <a:chOff x="0" y="0"/>
+          <a:chExt cx="0" cy="0"/>
+        </a:xfrm>
+      </p:grpSpPr>
+      <p:sp>
+        <p:nvSpPr>
+          <p:cNvPr id="2" name="Title 1"/>
+          <p:cNvSpPr>
+            <a:spLocks noGrp="1"/>
+          </p:cNvSpPr>
+          <p:nvPr>
+            <p:ph type="title"/>
+          </p:nvPr>
+        </p:nvSpPr>
+        <p:spPr/>
+        <p:txBody>
+          <a:bodyPr/>
+          <a:lstStyle/>
+          <a:p>
+            <a:r>
+              <a:rPr lang="en-US" dirty="0" smtClean="0"/>
+              <a:t>Block Creation (1/2)</a:t>
+            </a:r>
+            <a:endParaRPr lang="en-US" dirty="0"/>
+          </a:p>
+        </p:txBody>
+      </p:sp>
+      <p:pic>
+        <p:nvPicPr>
+          <p:cNvPr id="4" name="Content Placeholder 3"/>
+          <p:cNvPicPr>
+            <a:picLocks noGrp="1" noChangeAspect="1"/>
+          </p:cNvPicPr>
+          <p:nvPr>
+            <p:ph idx="1"/>
+          </p:nvPr>
+        </p:nvPicPr>
+        <p:blipFill>
+          <a:blip r:embed="rId2"/>
+          <a:stretch>
+            <a:fillRect/>
+          </a:stretch>
+        </p:blipFill>
+        <p:spPr>
+          <a:xfrm>
+            <a:off x="1415797" y="1925053"/>
+            <a:ext cx="4822163" cy="4351338"/>
+          </a:xfrm>
+          <a:prstGeom prst="rect">
+            <a:avLst/>
+          </a:prstGeom>
+          <a:ln w="3175">
+            <a:solidFill>
+              <a:schemeClr val="tx1"/>
+            </a:solidFill>
+          </a:ln>
+        </p:spPr>
+      </p:pic>
+      <p:sp>
+        <p:nvSpPr>
+          <p:cNvPr id="5" name="TextBox 4"/>
+          <p:cNvSpPr txBox="1"/>
+          <p:nvPr/>
+        </p:nvSpPr>
+        <p:spPr>
+          <a:xfrm>
+            <a:off x="6795436" y="2887579"/>
+            <a:ext cx="3851068" cy="1754326"/>
+          </a:xfrm>
+          <a:prstGeom prst="rect">
+            <a:avLst/>
+          </a:prstGeom>
+          <a:noFill/>
+          <a:ln>
+            <a:solidFill>
+              <a:schemeClr val="tx1"/>
+            </a:solidFill>
+          </a:ln>
+        </p:spPr>
+        <p:txBody>
+          <a:bodyPr wrap="square" rtlCol="0">
+            <a:spAutoFit/>
+          </a:bodyPr>
+          <a:lstStyle/>
+          <a:p>
+            <a:r>
+              <a:rPr lang="en-US" i="1" dirty="0" smtClean="0"/>
+              <a:t>Any node can collect a set of unconfirmed transactions into a block and broadcast it to the network as a suggestion for what the next block in the chain could be.</a:t>
+            </a:r>
+            <a:endParaRPr lang="en-US" i="1" dirty="0"/>
+          </a:p>
+        </p:txBody>
+      </p:sp>
+    </p:spTree>
+    <p:extLst>
+      <p:ext uri="{BB962C8B-B14F-4D97-AF65-F5344CB8AC3E}">
+        <p14:creationId xmlns:p14="http://schemas.microsoft.com/office/powerpoint/2010/main" val="3447158376"/>
+      </p:ext>
+    </p:extLst>
+  </p:cSld>
+  <p:clrMapOvr>
+    <a:masterClrMapping/>
+  </p:clrMapOvr>
+  <p:timing>
+    <p:tnLst>
+      <p:par>
+        <p:cTn id="1" dur="indefinite" restart="never" nodeType="tmRoot"/>
+      </p:par>
+    </p:tnLst>
+  </p:timing>
+</p:sld>
+</file>
+
+<file path=ppt/slides/slide32.xml><?xml version="1.0" encoding="utf-8"?>
+<p:sld xmlns:a="http://schemas.openxmlformats.org/drawingml/2006/main" xmlns:r="http://schemas.openxmlformats.org/officeDocument/2006/relationships" xmlns:p="http://schemas.openxmlformats.org/presentationml/2006/main">
+  <p:cSld>
+    <p:spTree>
+      <p:nvGrpSpPr>
+        <p:cNvPr id="1" name=""/>
+        <p:cNvGrpSpPr/>
+        <p:nvPr/>
+      </p:nvGrpSpPr>
+      <p:grpSpPr>
+        <a:xfrm>
+          <a:off x="0" y="0"/>
+          <a:ext cx="0" cy="0"/>
+          <a:chOff x="0" y="0"/>
+          <a:chExt cx="0" cy="0"/>
+        </a:xfrm>
+      </p:grpSpPr>
+      <p:sp>
+        <p:nvSpPr>
+          <p:cNvPr id="2" name="Title 1"/>
+          <p:cNvSpPr>
+            <a:spLocks noGrp="1"/>
+          </p:cNvSpPr>
+          <p:nvPr>
+            <p:ph type="title"/>
+          </p:nvPr>
+        </p:nvSpPr>
+        <p:spPr/>
+        <p:txBody>
+          <a:bodyPr/>
+          <a:lstStyle/>
+          <a:p>
+            <a:r>
+              <a:rPr lang="en-US" dirty="0" smtClean="0"/>
+              <a:t>Block Creation (2/2)</a:t>
+            </a:r>
+            <a:endParaRPr lang="en-US" dirty="0"/>
+          </a:p>
+        </p:txBody>
+      </p:sp>
+      <p:sp>
+        <p:nvSpPr>
+          <p:cNvPr id="5" name="TextBox 4"/>
+          <p:cNvSpPr txBox="1"/>
+          <p:nvPr/>
+        </p:nvSpPr>
+        <p:spPr>
+          <a:xfrm>
+            <a:off x="7969718" y="2810577"/>
+            <a:ext cx="2984794" cy="1754326"/>
+          </a:xfrm>
+          <a:prstGeom prst="rect">
+            <a:avLst/>
+          </a:prstGeom>
+          <a:noFill/>
+          <a:ln>
+            <a:solidFill>
+              <a:schemeClr val="tx1"/>
+            </a:solidFill>
+          </a:ln>
+        </p:spPr>
+        <p:txBody>
+          <a:bodyPr wrap="square" rtlCol="0">
+            <a:spAutoFit/>
+          </a:bodyPr>
+          <a:lstStyle/>
+          <a:p>
+            <a:r>
+              <a:rPr lang="en-US" i="1" dirty="0" smtClean="0"/>
+              <a:t>How to decide which one of the potential next blocks to chose from?</a:t>
+            </a:r>
+          </a:p>
+          <a:p>
+            <a:endParaRPr lang="en-US" i="1" dirty="0"/>
+          </a:p>
+          <a:p>
+            <a:r>
+              <a:rPr lang="en-US" i="1" dirty="0" smtClean="0"/>
+              <a:t>Cannot rely on the order in which the blocks arrive.</a:t>
+            </a:r>
+            <a:endParaRPr lang="en-US" i="1" dirty="0"/>
+          </a:p>
+        </p:txBody>
+      </p:sp>
+      <p:pic>
+        <p:nvPicPr>
+          <p:cNvPr id="7" name="Picture 6"/>
+          <p:cNvPicPr>
+            <a:picLocks noChangeAspect="1"/>
+          </p:cNvPicPr>
+          <p:nvPr/>
+        </p:nvPicPr>
+        <p:blipFill>
+          <a:blip r:embed="rId2"/>
+          <a:stretch>
+            <a:fillRect/>
+          </a:stretch>
+        </p:blipFill>
+        <p:spPr>
+          <a:xfrm>
+            <a:off x="213899" y="1840678"/>
+            <a:ext cx="7629510" cy="4327580"/>
+          </a:xfrm>
+          <a:prstGeom prst="rect">
+            <a:avLst/>
+          </a:prstGeom>
+          <a:ln w="3175">
+            <a:solidFill>
+              <a:schemeClr val="tx1"/>
+            </a:solidFill>
+          </a:ln>
+        </p:spPr>
+      </p:pic>
+    </p:spTree>
+    <p:extLst>
+      <p:ext uri="{BB962C8B-B14F-4D97-AF65-F5344CB8AC3E}">
+        <p14:creationId xmlns:p14="http://schemas.microsoft.com/office/powerpoint/2010/main" val="2759647576"/>
+      </p:ext>
+    </p:extLst>
+  </p:cSld>
+  <p:clrMapOvr>
+    <a:masterClrMapping/>
+  </p:clrMapOvr>
+  <p:timing>
+    <p:tnLst>
+      <p:par>
+        <p:cTn id="1" dur="indefinite" restart="never" nodeType="tmRoot">
+          <p:childTnLst>
+            <p:seq concurrent="1" nextAc="seek">
+              <p:cTn id="2" dur="indefinite" nodeType="mainSeq">
+                <p:childTnLst>
+                  <p:par>
+                    <p:cTn id="3" fill="hold">
+                      <p:stCondLst>
+                        <p:cond delay="indefinite"/>
+                      </p:stCondLst>
+                      <p:childTnLst>
+                        <p:par>
+                          <p:cTn id="4" fill="hold">
+                            <p:stCondLst>
+                              <p:cond delay="0"/>
+                            </p:stCondLst>
+                            <p:childTnLst>
+                              <p:par>
+                                <p:cTn id="5" presetID="1" presetClass="entr" presetSubtype="0" fill="hold" grpId="0" nodeType="clickEffect">
+                                  <p:stCondLst>
+                                    <p:cond delay="0"/>
+                                  </p:stCondLst>
+                                  <p:childTnLst>
+                                    <p:set>
+                                      <p:cBhvr>
+                                        <p:cTn id="6" dur="1" fill="hold">
+                                          <p:stCondLst>
+                                            <p:cond delay="0"/>
+                                          </p:stCondLst>
+                                        </p:cTn>
+                                        <p:tgtEl>
+                                          <p:spTgt spid="5"/>
+                                        </p:tgtEl>
+                                        <p:attrNameLst>
+                                          <p:attrName>style.visibility</p:attrName>
+                                        </p:attrNameLst>
+                                      </p:cBhvr>
+                                      <p:to>
+                                        <p:strVal val="visible"/>
+                                      </p:to>
+                                    </p:set>
+                                  </p:childTnLst>
+                                </p:cTn>
+                              </p:par>
+                            </p:childTnLst>
+                          </p:cTn>
+                        </p:par>
+                      </p:childTnLst>
+                    </p:cTn>
+                  </p:par>
+                </p:childTnLst>
+              </p:cTn>
+              <p:prevCondLst>
+                <p:cond evt="onPrev" delay="0">
+                  <p:tgtEl>
+                    <p:sldTgt/>
+                  </p:tgtEl>
+                </p:cond>
+              </p:prevCondLst>
+              <p:nextCondLst>
+                <p:cond evt="onNext" delay="0">
+                  <p:tgtEl>
+                    <p:sldTgt/>
+                  </p:tgtEl>
+                </p:cond>
+              </p:nextCondLst>
+            </p:seq>
+          </p:childTnLst>
+        </p:cTn>
+      </p:par>
+    </p:tnLst>
+    <p:bldLst>
+      <p:bldP spid="5" grpId="0" animBg="1"/>
+    </p:bldLst>
+  </p:timing>
+</p:sld>
+</file>
+
+<file path=ppt/slides/slide33.xml><?xml version="1.0" encoding="utf-8"?>
+<p:sld xmlns:a="http://schemas.openxmlformats.org/drawingml/2006/main" xmlns:r="http://schemas.openxmlformats.org/officeDocument/2006/relationships" xmlns:p="http://schemas.openxmlformats.org/presentationml/2006/main">
+  <p:cSld>
+    <p:spTree>
+      <p:nvGrpSpPr>
+        <p:cNvPr id="1" name=""/>
+        <p:cNvGrpSpPr/>
+        <p:nvPr/>
+      </p:nvGrpSpPr>
+      <p:grpSpPr>
+        <a:xfrm>
+          <a:off x="0" y="0"/>
+          <a:ext cx="0" cy="0"/>
+          <a:chOff x="0" y="0"/>
+          <a:chExt cx="0" cy="0"/>
+        </a:xfrm>
+      </p:grpSpPr>
+      <p:sp>
+        <p:nvSpPr>
+          <p:cNvPr id="2" name="Title 1"/>
+          <p:cNvSpPr>
+            <a:spLocks noGrp="1"/>
+          </p:cNvSpPr>
+          <p:nvPr>
+            <p:ph type="title"/>
+          </p:nvPr>
+        </p:nvSpPr>
+        <p:spPr/>
+        <p:txBody>
+          <a:bodyPr/>
+          <a:lstStyle/>
+          <a:p>
+            <a:r>
+              <a:rPr lang="en-US" dirty="0" smtClean="0"/>
+              <a:t>Block Puzzle</a:t>
+            </a:r>
+            <a:endParaRPr lang="en-US" dirty="0"/>
+          </a:p>
+        </p:txBody>
+      </p:sp>
+      <p:sp>
+        <p:nvSpPr>
+          <p:cNvPr id="3" name="Content Placeholder 2"/>
+          <p:cNvSpPr>
+            <a:spLocks noGrp="1"/>
+          </p:cNvSpPr>
+          <p:nvPr>
+            <p:ph idx="1"/>
+          </p:nvPr>
+        </p:nvSpPr>
+        <p:spPr>
+          <a:xfrm>
+            <a:off x="1261872" y="5094489"/>
+            <a:ext cx="8595360" cy="1085648"/>
+          </a:xfrm>
+        </p:spPr>
+        <p:txBody>
+          <a:bodyPr/>
+          <a:lstStyle/>
+          <a:p>
+            <a:endParaRPr lang="en-US" dirty="0"/>
+          </a:p>
+          <a:p>
+            <a:endParaRPr lang="en-US" dirty="0" smtClean="0"/>
+          </a:p>
+          <a:p>
+            <a:endParaRPr lang="en-US" dirty="0"/>
+          </a:p>
+          <a:p>
+            <a:endParaRPr lang="en-US" dirty="0" smtClean="0"/>
+          </a:p>
+          <a:p>
+            <a:endParaRPr lang="en-US" dirty="0"/>
+          </a:p>
+          <a:p>
+            <a:endParaRPr lang="en-US" dirty="0" smtClean="0"/>
+          </a:p>
+          <a:p>
+            <a:endParaRPr lang="en-US" dirty="0"/>
+          </a:p>
+          <a:p>
+            <a:endParaRPr lang="en-US" dirty="0" smtClean="0"/>
+          </a:p>
+        </p:txBody>
+      </p:sp>
+      <p:pic>
+        <p:nvPicPr>
+          <p:cNvPr id="4" name="Picture 3"/>
+          <p:cNvPicPr>
+            <a:picLocks noChangeAspect="1"/>
+          </p:cNvPicPr>
+          <p:nvPr/>
+        </p:nvPicPr>
+        <p:blipFill>
+          <a:blip r:embed="rId2"/>
+          <a:stretch>
+            <a:fillRect/>
+          </a:stretch>
+        </p:blipFill>
+        <p:spPr>
+          <a:xfrm>
+            <a:off x="2792289" y="1973176"/>
+            <a:ext cx="5870448" cy="2886099"/>
+          </a:xfrm>
+          <a:prstGeom prst="rect">
+            <a:avLst/>
+          </a:prstGeom>
+          <a:ln w="3175">
+            <a:solidFill>
+              <a:schemeClr val="tx1"/>
+            </a:solidFill>
+          </a:ln>
+        </p:spPr>
+      </p:pic>
+      <p:sp>
+        <p:nvSpPr>
+          <p:cNvPr id="5" name="TextBox 4"/>
+          <p:cNvSpPr txBox="1"/>
+          <p:nvPr/>
+        </p:nvSpPr>
+        <p:spPr>
+          <a:xfrm>
+            <a:off x="1424538" y="4977502"/>
+            <a:ext cx="8508733" cy="1477328"/>
+          </a:xfrm>
+          <a:prstGeom prst="rect">
+            <a:avLst/>
+          </a:prstGeom>
+          <a:noFill/>
+          <a:ln>
+            <a:solidFill>
+              <a:schemeClr val="tx1"/>
+            </a:solidFill>
+          </a:ln>
+        </p:spPr>
+        <p:txBody>
+          <a:bodyPr wrap="square" rtlCol="0">
+            <a:spAutoFit/>
+          </a:bodyPr>
+          <a:lstStyle/>
+          <a:p>
+            <a:r>
+              <a:rPr lang="en-US" dirty="0" smtClean="0"/>
+              <a:t>Each valid block must contain answer to a very special mathematical problem.</a:t>
+            </a:r>
+          </a:p>
+          <a:p>
+            <a:endParaRPr lang="en-US" dirty="0"/>
+          </a:p>
+          <a:p>
+            <a:r>
+              <a:rPr lang="en-US" dirty="0" smtClean="0"/>
+              <a:t>Computers run the entire text of a block plus an additional random guess through something called a “Cryptographic Hash” until the output is below a certain value!</a:t>
+            </a:r>
+            <a:endParaRPr lang="en-US" dirty="0"/>
+          </a:p>
+        </p:txBody>
+      </p:sp>
+    </p:spTree>
+    <p:extLst>
+      <p:ext uri="{BB962C8B-B14F-4D97-AF65-F5344CB8AC3E}">
+        <p14:creationId xmlns:p14="http://schemas.microsoft.com/office/powerpoint/2010/main" val="3731534054"/>
+      </p:ext>
+    </p:extLst>
+  </p:cSld>
+  <p:clrMapOvr>
+    <a:masterClrMapping/>
+  </p:clrMapOvr>
+  <p:timing>
+    <p:tnLst>
+      <p:par>
+        <p:cTn id="1" dur="indefinite" restart="never" nodeType="tmRoot"/>
+      </p:par>
+    </p:tnLst>
+  </p:timing>
+</p:sld>
+</file>
+
+<file path=ppt/slides/slide34.xml><?xml version="1.0" encoding="utf-8"?>
+<p:sld xmlns:a="http://schemas.openxmlformats.org/drawingml/2006/main" xmlns:r="http://schemas.openxmlformats.org/officeDocument/2006/relationships" xmlns:p="http://schemas.openxmlformats.org/presentationml/2006/main">
+  <p:cSld>
+    <p:spTree>
+      <p:nvGrpSpPr>
+        <p:cNvPr id="1" name=""/>
+        <p:cNvGrpSpPr/>
+        <p:nvPr/>
+      </p:nvGrpSpPr>
+      <p:grpSpPr>
+        <a:xfrm>
+          <a:off x="0" y="0"/>
+          <a:ext cx="0" cy="0"/>
+          <a:chOff x="0" y="0"/>
+          <a:chExt cx="0" cy="0"/>
+        </a:xfrm>
+      </p:grpSpPr>
+      <p:sp>
+        <p:nvSpPr>
+          <p:cNvPr id="2" name="Title 1"/>
+          <p:cNvSpPr>
+            <a:spLocks noGrp="1"/>
+          </p:cNvSpPr>
+          <p:nvPr>
+            <p:ph type="title"/>
+          </p:nvPr>
+        </p:nvSpPr>
+        <p:spPr/>
+        <p:txBody>
+          <a:bodyPr/>
+          <a:lstStyle/>
+          <a:p>
+            <a:r>
+              <a:rPr lang="en-US" dirty="0" smtClean="0"/>
+              <a:t>Cryptographic Hash</a:t>
+            </a:r>
+            <a:endParaRPr lang="en-US" dirty="0"/>
+          </a:p>
+        </p:txBody>
+      </p:sp>
+      <p:sp>
+        <p:nvSpPr>
+          <p:cNvPr id="3" name="Content Placeholder 2"/>
+          <p:cNvSpPr>
+            <a:spLocks noGrp="1"/>
+          </p:cNvSpPr>
+          <p:nvPr>
+            <p:ph idx="1"/>
+          </p:nvPr>
+        </p:nvSpPr>
+        <p:spPr>
+          <a:xfrm>
+            <a:off x="1261872" y="1944302"/>
+            <a:ext cx="8595360" cy="375385"/>
+          </a:xfrm>
+        </p:spPr>
+        <p:txBody>
+          <a:bodyPr/>
+          <a:lstStyle/>
+          <a:p>
+            <a:pPr marL="0" indent="0" algn="ctr">
+              <a:buNone/>
+            </a:pPr>
+            <a:r>
+              <a:rPr lang="en-US" dirty="0" smtClean="0"/>
+              <a:t>Text </a:t>
+            </a:r>
+            <a:r>
+              <a:rPr lang="en-US" dirty="0" smtClean="0">
+                <a:sym typeface="Wingdings" panose="05000000000000000000" pitchFamily="2" charset="2"/>
+              </a:rPr>
+              <a:t> Short Digest</a:t>
+            </a:r>
+            <a:endParaRPr lang="en-US" dirty="0"/>
+          </a:p>
+        </p:txBody>
+      </p:sp>
+      <p:pic>
+        <p:nvPicPr>
+          <p:cNvPr id="4" name="Picture 3"/>
+          <p:cNvPicPr>
+            <a:picLocks noChangeAspect="1"/>
+          </p:cNvPicPr>
+          <p:nvPr/>
+        </p:nvPicPr>
+        <p:blipFill>
+          <a:blip r:embed="rId2"/>
+          <a:stretch>
+            <a:fillRect/>
+          </a:stretch>
+        </p:blipFill>
+        <p:spPr>
+          <a:xfrm>
+            <a:off x="1261872" y="2427687"/>
+            <a:ext cx="8942219" cy="3197667"/>
+          </a:xfrm>
+          <a:prstGeom prst="rect">
+            <a:avLst/>
+          </a:prstGeom>
+          <a:ln w="3175">
+            <a:solidFill>
+              <a:schemeClr val="tx1"/>
+            </a:solidFill>
+          </a:ln>
+        </p:spPr>
+      </p:pic>
+      <p:sp>
+        <p:nvSpPr>
+          <p:cNvPr id="5" name="Content Placeholder 2"/>
+          <p:cNvSpPr txBox="1">
+            <a:spLocks/>
+          </p:cNvSpPr>
+          <p:nvPr/>
+        </p:nvSpPr>
+        <p:spPr>
+          <a:xfrm>
+            <a:off x="1269893" y="5821687"/>
+            <a:ext cx="8595360" cy="1036313"/>
+          </a:xfrm>
+          <a:prstGeom prst="rect">
+            <a:avLst/>
+          </a:prstGeom>
+        </p:spPr>
+        <p:txBody>
+          <a:bodyPr vert="horz" lIns="91440" tIns="45720" rIns="91440" bIns="45720" rtlCol="0">
+            <a:normAutofit/>
+          </a:bodyPr>
+          <a:lstStyle>
+            <a:lvl1pPr marL="182880" indent="-182880" algn="l" defTabSz="914400" rtl="0" eaLnBrk="1" latinLnBrk="0" hangingPunct="1">
+              <a:lnSpc>
+                <a:spcPct val="95000"/>
+              </a:lnSpc>
+              <a:spcBef>
+                <a:spcPts val="1400"/>
+              </a:spcBef>
+              <a:spcAft>
+                <a:spcPts val="200"/>
+              </a:spcAft>
+              <a:buClr>
+                <a:schemeClr val="accent1"/>
+              </a:buClr>
+              <a:buSzPct val="80000"/>
+              <a:buFont typeface="Arial" pitchFamily="34" charset="0"/>
+              <a:buChar char="•"/>
+              <a:defRPr sz="1800" kern="1200" spc="10" baseline="0">
+                <a:solidFill>
+                  <a:schemeClr val="tx1"/>
+                </a:solidFill>
+                <a:latin typeface="+mn-lt"/>
+                <a:ea typeface="+mn-ea"/>
+                <a:cs typeface="+mn-cs"/>
+              </a:defRPr>
+            </a:lvl1pPr>
+            <a:lvl2pPr marL="457200" indent="-182880" algn="l" defTabSz="914400" rtl="0" eaLnBrk="1" latinLnBrk="0" hangingPunct="1">
+              <a:lnSpc>
+                <a:spcPct val="90000"/>
+              </a:lnSpc>
+              <a:spcBef>
+                <a:spcPts val="300"/>
+              </a:spcBef>
+              <a:spcAft>
+                <a:spcPts val="300"/>
+              </a:spcAft>
+              <a:buClr>
+                <a:schemeClr val="accent1"/>
+              </a:buClr>
+              <a:buFont typeface="Wingdings 2" pitchFamily="18" charset="2"/>
+              <a:buChar char=""/>
+              <a:defRPr sz="1600" kern="1200">
+                <a:solidFill>
+                  <a:schemeClr val="tx1">
+                    <a:lumMod val="85000"/>
+                    <a:lumOff val="15000"/>
+                  </a:schemeClr>
+                </a:solidFill>
+                <a:latin typeface="+mn-lt"/>
+                <a:ea typeface="+mn-ea"/>
+                <a:cs typeface="+mn-cs"/>
+              </a:defRPr>
+            </a:lvl2pPr>
+            <a:lvl3pPr marL="731520" indent="-182880" algn="l" defTabSz="914400" rtl="0" eaLnBrk="1" latinLnBrk="0" hangingPunct="1">
+              <a:lnSpc>
+                <a:spcPct val="90000"/>
+              </a:lnSpc>
+              <a:spcBef>
+                <a:spcPts val="300"/>
+              </a:spcBef>
+              <a:spcAft>
+                <a:spcPts val="300"/>
+              </a:spcAft>
+              <a:buClr>
+                <a:schemeClr val="accent1"/>
+              </a:buClr>
+              <a:buFont typeface="Wingdings 2" pitchFamily="18" charset="2"/>
+              <a:buChar char=""/>
+              <a:defRPr sz="1400" kern="1200">
+                <a:solidFill>
+                  <a:schemeClr val="tx1">
+                    <a:lumMod val="85000"/>
+                    <a:lumOff val="15000"/>
+                  </a:schemeClr>
+                </a:solidFill>
+                <a:latin typeface="+mn-lt"/>
+                <a:ea typeface="+mn-ea"/>
+                <a:cs typeface="+mn-cs"/>
+              </a:defRPr>
+            </a:lvl3pPr>
+            <a:lvl4pPr marL="1005840" indent="-182880" algn="l" defTabSz="914400" rtl="0" eaLnBrk="1" latinLnBrk="0" hangingPunct="1">
+              <a:lnSpc>
+                <a:spcPct val="90000"/>
+              </a:lnSpc>
+              <a:spcBef>
+                <a:spcPts val="300"/>
+              </a:spcBef>
+              <a:spcAft>
+                <a:spcPts val="300"/>
+              </a:spcAft>
+              <a:buClr>
+                <a:schemeClr val="accent1"/>
+              </a:buClr>
+              <a:buFont typeface="Wingdings 2" pitchFamily="18" charset="2"/>
+              <a:buChar char=""/>
+              <a:defRPr sz="1400" kern="1200">
+                <a:solidFill>
+                  <a:schemeClr val="tx1">
+                    <a:lumMod val="85000"/>
+                    <a:lumOff val="15000"/>
+                  </a:schemeClr>
+                </a:solidFill>
+                <a:latin typeface="+mn-lt"/>
+                <a:ea typeface="+mn-ea"/>
+                <a:cs typeface="+mn-cs"/>
+              </a:defRPr>
+            </a:lvl4pPr>
+            <a:lvl5pPr marL="1280160" indent="-182880" algn="l" defTabSz="914400" rtl="0" eaLnBrk="1" latinLnBrk="0" hangingPunct="1">
+              <a:lnSpc>
+                <a:spcPct val="90000"/>
+              </a:lnSpc>
+              <a:spcBef>
+                <a:spcPts val="300"/>
+              </a:spcBef>
+              <a:spcAft>
+                <a:spcPts val="300"/>
+              </a:spcAft>
+              <a:buClr>
+                <a:schemeClr val="accent1"/>
+              </a:buClr>
+              <a:buFont typeface="Wingdings 2" pitchFamily="18" charset="2"/>
+              <a:buChar char=""/>
+              <a:defRPr sz="1400" kern="1200">
+                <a:solidFill>
+                  <a:schemeClr val="tx1">
+                    <a:lumMod val="85000"/>
+                    <a:lumOff val="15000"/>
+                  </a:schemeClr>
+                </a:solidFill>
+                <a:latin typeface="+mn-lt"/>
+                <a:ea typeface="+mn-ea"/>
+                <a:cs typeface="+mn-cs"/>
+              </a:defRPr>
+            </a:lvl5pPr>
+            <a:lvl6pPr marL="1600000" indent="-228600" algn="l" defTabSz="914400" rtl="0" eaLnBrk="1" latinLnBrk="0" hangingPunct="1">
+              <a:lnSpc>
+                <a:spcPct val="90000"/>
+              </a:lnSpc>
+              <a:spcBef>
+                <a:spcPts val="300"/>
+              </a:spcBef>
+              <a:spcAft>
+                <a:spcPts val="300"/>
+              </a:spcAft>
+              <a:buClr>
+                <a:schemeClr val="accent1"/>
+              </a:buClr>
+              <a:buFont typeface="Wingdings 2" pitchFamily="18" charset="2"/>
+              <a:buChar char=""/>
+              <a:defRPr sz="1400" kern="1200">
+                <a:solidFill>
+                  <a:schemeClr val="tx1">
+                    <a:lumMod val="85000"/>
+                    <a:lumOff val="15000"/>
+                  </a:schemeClr>
+                </a:solidFill>
+                <a:latin typeface="+mn-lt"/>
+                <a:ea typeface="+mn-ea"/>
+                <a:cs typeface="+mn-cs"/>
+              </a:defRPr>
+            </a:lvl6pPr>
+            <a:lvl7pPr marL="1900000" indent="-228600" algn="l" defTabSz="914400" rtl="0" eaLnBrk="1" latinLnBrk="0" hangingPunct="1">
+              <a:lnSpc>
+                <a:spcPct val="90000"/>
+              </a:lnSpc>
+              <a:spcBef>
+                <a:spcPts val="300"/>
+              </a:spcBef>
+              <a:spcAft>
+                <a:spcPts val="300"/>
+              </a:spcAft>
+              <a:buClr>
+                <a:schemeClr val="accent1"/>
+              </a:buClr>
+              <a:buFont typeface="Wingdings 2" pitchFamily="18" charset="2"/>
+              <a:buChar char=""/>
+              <a:defRPr sz="1400" kern="1200">
+                <a:solidFill>
+                  <a:schemeClr val="tx1">
+                    <a:lumMod val="85000"/>
+                    <a:lumOff val="15000"/>
+                  </a:schemeClr>
+                </a:solidFill>
+                <a:latin typeface="+mn-lt"/>
+                <a:ea typeface="+mn-ea"/>
+                <a:cs typeface="+mn-cs"/>
+              </a:defRPr>
+            </a:lvl7pPr>
+            <a:lvl8pPr marL="2200000" indent="-228600" algn="l" defTabSz="914400" rtl="0" eaLnBrk="1" latinLnBrk="0" hangingPunct="1">
+              <a:lnSpc>
+                <a:spcPct val="90000"/>
+              </a:lnSpc>
+              <a:spcBef>
+                <a:spcPts val="300"/>
+              </a:spcBef>
+              <a:spcAft>
+                <a:spcPts val="300"/>
+              </a:spcAft>
+              <a:buClr>
+                <a:schemeClr val="accent1"/>
+              </a:buClr>
+              <a:buFont typeface="Wingdings 2" pitchFamily="18" charset="2"/>
+              <a:buChar char=""/>
+              <a:defRPr sz="1400" kern="1200">
+                <a:solidFill>
+                  <a:schemeClr val="tx1">
+                    <a:lumMod val="85000"/>
+                    <a:lumOff val="15000"/>
+                  </a:schemeClr>
+                </a:solidFill>
+                <a:latin typeface="+mn-lt"/>
+                <a:ea typeface="+mn-ea"/>
+                <a:cs typeface="+mn-cs"/>
+              </a:defRPr>
+            </a:lvl8pPr>
+            <a:lvl9pPr marL="2500000" indent="-228600" algn="l" defTabSz="914400" rtl="0" eaLnBrk="1" latinLnBrk="0" hangingPunct="1">
+              <a:lnSpc>
+                <a:spcPct val="90000"/>
+              </a:lnSpc>
+              <a:spcBef>
+                <a:spcPts val="300"/>
+              </a:spcBef>
+              <a:spcAft>
+                <a:spcPts val="300"/>
+              </a:spcAft>
+              <a:buClr>
+                <a:schemeClr val="accent1"/>
+              </a:buClr>
+              <a:buFont typeface="Wingdings 2" pitchFamily="18" charset="2"/>
+              <a:buChar char=""/>
+              <a:defRPr sz="1400" kern="1200">
+                <a:solidFill>
+                  <a:schemeClr val="tx1">
+                    <a:lumMod val="85000"/>
+                    <a:lumOff val="15000"/>
+                  </a:schemeClr>
+                </a:solidFill>
+                <a:latin typeface="+mn-lt"/>
+                <a:ea typeface="+mn-ea"/>
+                <a:cs typeface="+mn-cs"/>
+              </a:defRPr>
+            </a:lvl9pPr>
+          </a:lstStyle>
+          <a:p>
+            <a:pPr marL="0" indent="0">
+              <a:buFont typeface="Arial" pitchFamily="34" charset="0"/>
+              <a:buNone/>
+            </a:pPr>
+            <a:endParaRPr lang="en-US" dirty="0"/>
+          </a:p>
+        </p:txBody>
+      </p:sp>
+    </p:spTree>
+    <p:extLst>
+      <p:ext uri="{BB962C8B-B14F-4D97-AF65-F5344CB8AC3E}">
+        <p14:creationId xmlns:p14="http://schemas.microsoft.com/office/powerpoint/2010/main" val="1424179756"/>
+      </p:ext>
+    </p:extLst>
+  </p:cSld>
+  <p:clrMapOvr>
+    <a:masterClrMapping/>
+  </p:clrMapOvr>
+  <p:timing>
+    <p:tnLst>
+      <p:par>
+        <p:cTn id="1" dur="indefinite" restart="never" nodeType="tmRoot"/>
+      </p:par>
+    </p:tnLst>
+  </p:timing>
+</p:sld>
+</file>
+
+<file path=ppt/slides/slide35.xml><?xml version="1.0" encoding="utf-8"?>
+<p:sld xmlns:a="http://schemas.openxmlformats.org/drawingml/2006/main" xmlns:r="http://schemas.openxmlformats.org/officeDocument/2006/relationships" xmlns:p="http://schemas.openxmlformats.org/presentationml/2006/main">
+  <p:cSld>
+    <p:spTree>
+      <p:nvGrpSpPr>
+        <p:cNvPr id="1" name=""/>
+        <p:cNvGrpSpPr/>
+        <p:nvPr/>
+      </p:nvGrpSpPr>
+      <p:grpSpPr>
+        <a:xfrm>
+          <a:off x="0" y="0"/>
+          <a:ext cx="0" cy="0"/>
+          <a:chOff x="0" y="0"/>
+          <a:chExt cx="0" cy="0"/>
+        </a:xfrm>
+      </p:grpSpPr>
+      <p:sp>
+        <p:nvSpPr>
+          <p:cNvPr id="2" name="Title 1"/>
+          <p:cNvSpPr>
+            <a:spLocks noGrp="1"/>
+          </p:cNvSpPr>
+          <p:nvPr>
+            <p:ph type="title"/>
+          </p:nvPr>
+        </p:nvSpPr>
+        <p:spPr/>
+        <p:txBody>
+          <a:bodyPr/>
+          <a:lstStyle/>
+          <a:p>
+            <a:r>
+              <a:rPr lang="en-US" dirty="0" smtClean="0"/>
+              <a:t>Block Puzzle</a:t>
+            </a:r>
+            <a:endParaRPr lang="en-US" dirty="0"/>
+          </a:p>
+        </p:txBody>
+      </p:sp>
+      <p:sp>
+        <p:nvSpPr>
+          <p:cNvPr id="3" name="Content Placeholder 2"/>
+          <p:cNvSpPr>
+            <a:spLocks noGrp="1"/>
+          </p:cNvSpPr>
+          <p:nvPr>
+            <p:ph idx="1"/>
+          </p:nvPr>
+        </p:nvSpPr>
+        <p:spPr/>
+        <p:txBody>
+          <a:bodyPr/>
+          <a:lstStyle/>
+          <a:p>
+            <a:pPr>
+              <a:buFont typeface="Wingdings" panose="05000000000000000000" pitchFamily="2" charset="2"/>
+              <a:buChar char="Ø"/>
+            </a:pPr>
+            <a:r>
+              <a:rPr lang="en-US" dirty="0"/>
+              <a:t>Completely unpredictable output</a:t>
+            </a:r>
+          </a:p>
+          <a:p>
+            <a:pPr>
+              <a:buFont typeface="Wingdings" panose="05000000000000000000" pitchFamily="2" charset="2"/>
+              <a:buChar char="Ø"/>
+            </a:pPr>
+            <a:r>
+              <a:rPr lang="en-US" dirty="0"/>
+              <a:t>The only way to find out a particular output value is to make random </a:t>
+            </a:r>
+            <a:r>
+              <a:rPr lang="en-US" dirty="0" smtClean="0"/>
+              <a:t>guesses</a:t>
+            </a:r>
+          </a:p>
+          <a:p>
+            <a:pPr lvl="1">
+              <a:buFont typeface="Wingdings" panose="05000000000000000000" pitchFamily="2" charset="2"/>
+              <a:buChar char="§"/>
+            </a:pPr>
+            <a:r>
+              <a:rPr lang="en-US" dirty="0" smtClean="0"/>
+              <a:t>Like guessing a combination to a lock</a:t>
+            </a:r>
+          </a:p>
+          <a:p>
+            <a:pPr>
+              <a:buFont typeface="Wingdings" panose="05000000000000000000" pitchFamily="2" charset="2"/>
+              <a:buChar char="Ø"/>
+            </a:pPr>
+            <a:r>
+              <a:rPr lang="en-US" dirty="0" smtClean="0"/>
+              <a:t>In bitcoin, it will take a typical computer several years to solve a block</a:t>
+            </a:r>
+          </a:p>
+          <a:p>
+            <a:pPr>
+              <a:buFont typeface="Wingdings" panose="05000000000000000000" pitchFamily="2" charset="2"/>
+              <a:buChar char="Ø"/>
+            </a:pPr>
+            <a:r>
+              <a:rPr lang="en-US" dirty="0" smtClean="0"/>
+              <a:t>But with distributed peer to peer network, it takes on an average ten minutes, for someone to find a solution</a:t>
+            </a:r>
+          </a:p>
+          <a:p>
+            <a:pPr>
+              <a:buFont typeface="Wingdings" panose="05000000000000000000" pitchFamily="2" charset="2"/>
+              <a:buChar char="Ø"/>
+            </a:pPr>
+            <a:r>
+              <a:rPr lang="en-US" dirty="0" smtClean="0"/>
+              <a:t>The first person to solve the puzzle broadcasts their block and gets to have their block accepted to be added to the block chain</a:t>
+            </a:r>
+          </a:p>
+        </p:txBody>
+      </p:sp>
+    </p:spTree>
+    <p:extLst>
+      <p:ext uri="{BB962C8B-B14F-4D97-AF65-F5344CB8AC3E}">
+        <p14:creationId xmlns:p14="http://schemas.microsoft.com/office/powerpoint/2010/main" val="3803287837"/>
+      </p:ext>
+    </p:extLst>
+  </p:cSld>
+  <p:clrMapOvr>
+    <a:masterClrMapping/>
+  </p:clrMapOvr>
+  <p:timing>
+    <p:tnLst>
+      <p:par>
+        <p:cTn id="1" dur="indefinite" restart="never" nodeType="tmRoot"/>
+      </p:par>
+    </p:tnLst>
+  </p:timing>
+</p:sld>
+</file>
+
+<file path=ppt/slides/slide36.xml><?xml version="1.0" encoding="utf-8"?>
+<p:sld xmlns:a="http://schemas.openxmlformats.org/drawingml/2006/main" xmlns:r="http://schemas.openxmlformats.org/officeDocument/2006/relationships" xmlns:p="http://schemas.openxmlformats.org/presentationml/2006/main">
+  <p:cSld>
+    <p:spTree>
+      <p:nvGrpSpPr>
+        <p:cNvPr id="1" name=""/>
+        <p:cNvGrpSpPr/>
+        <p:nvPr/>
+      </p:nvGrpSpPr>
+      <p:grpSpPr>
+        <a:xfrm>
+          <a:off x="0" y="0"/>
+          <a:ext cx="0" cy="0"/>
+          <a:chOff x="0" y="0"/>
+          <a:chExt cx="0" cy="0"/>
+        </a:xfrm>
+      </p:grpSpPr>
+      <p:sp>
+        <p:nvSpPr>
+          <p:cNvPr id="2" name="Title 1"/>
+          <p:cNvSpPr>
+            <a:spLocks noGrp="1"/>
+          </p:cNvSpPr>
+          <p:nvPr>
+            <p:ph type="title"/>
+          </p:nvPr>
+        </p:nvSpPr>
+        <p:spPr/>
+        <p:txBody>
+          <a:bodyPr/>
+          <a:lstStyle/>
+          <a:p>
+            <a:r>
+              <a:rPr lang="en-US" dirty="0" smtClean="0"/>
+              <a:t>Occasional Conflicts</a:t>
+            </a:r>
+            <a:endParaRPr lang="en-US" dirty="0"/>
+          </a:p>
+        </p:txBody>
+      </p:sp>
+      <p:sp>
+        <p:nvSpPr>
+          <p:cNvPr id="5" name="Content Placeholder 2"/>
+          <p:cNvSpPr txBox="1">
+            <a:spLocks/>
+          </p:cNvSpPr>
+          <p:nvPr/>
+        </p:nvSpPr>
+        <p:spPr>
+          <a:xfrm>
+            <a:off x="1021240" y="1828800"/>
+            <a:ext cx="6072579" cy="4351337"/>
+          </a:xfrm>
+          <a:prstGeom prst="rect">
+            <a:avLst/>
+          </a:prstGeom>
+        </p:spPr>
+        <p:txBody>
+          <a:bodyPr vert="horz" lIns="91440" tIns="45720" rIns="91440" bIns="45720" rtlCol="0">
+            <a:normAutofit lnSpcReduction="10000"/>
+          </a:bodyPr>
+          <a:lstStyle>
+            <a:lvl1pPr marL="182880" indent="-182880" algn="l" defTabSz="914400" rtl="0" eaLnBrk="1" latinLnBrk="0" hangingPunct="1">
+              <a:lnSpc>
+                <a:spcPct val="95000"/>
+              </a:lnSpc>
+              <a:spcBef>
+                <a:spcPts val="1400"/>
+              </a:spcBef>
+              <a:spcAft>
+                <a:spcPts val="200"/>
+              </a:spcAft>
+              <a:buClr>
+                <a:schemeClr val="accent1"/>
+              </a:buClr>
+              <a:buSzPct val="80000"/>
+              <a:buFont typeface="Arial" pitchFamily="34" charset="0"/>
+              <a:buChar char="•"/>
+              <a:defRPr sz="1800" kern="1200" spc="10" baseline="0">
+                <a:solidFill>
+                  <a:schemeClr val="tx1"/>
+                </a:solidFill>
+                <a:latin typeface="+mn-lt"/>
+                <a:ea typeface="+mn-ea"/>
+                <a:cs typeface="+mn-cs"/>
+              </a:defRPr>
+            </a:lvl1pPr>
+            <a:lvl2pPr marL="457200" indent="-182880" algn="l" defTabSz="914400" rtl="0" eaLnBrk="1" latinLnBrk="0" hangingPunct="1">
+              <a:lnSpc>
+                <a:spcPct val="90000"/>
+              </a:lnSpc>
+              <a:spcBef>
+                <a:spcPts val="300"/>
+              </a:spcBef>
+              <a:spcAft>
+                <a:spcPts val="300"/>
+              </a:spcAft>
+              <a:buClr>
+                <a:schemeClr val="accent1"/>
+              </a:buClr>
+              <a:buFont typeface="Wingdings 2" pitchFamily="18" charset="2"/>
+              <a:buChar char=""/>
+              <a:defRPr sz="1600" kern="1200">
+                <a:solidFill>
+                  <a:schemeClr val="tx1">
+                    <a:lumMod val="85000"/>
+                    <a:lumOff val="15000"/>
+                  </a:schemeClr>
+                </a:solidFill>
+                <a:latin typeface="+mn-lt"/>
+                <a:ea typeface="+mn-ea"/>
+                <a:cs typeface="+mn-cs"/>
+              </a:defRPr>
+            </a:lvl2pPr>
+            <a:lvl3pPr marL="731520" indent="-182880" algn="l" defTabSz="914400" rtl="0" eaLnBrk="1" latinLnBrk="0" hangingPunct="1">
+              <a:lnSpc>
+                <a:spcPct val="90000"/>
+              </a:lnSpc>
+              <a:spcBef>
+                <a:spcPts val="300"/>
+              </a:spcBef>
+              <a:spcAft>
+                <a:spcPts val="300"/>
+              </a:spcAft>
+              <a:buClr>
+                <a:schemeClr val="accent1"/>
+              </a:buClr>
+              <a:buFont typeface="Wingdings 2" pitchFamily="18" charset="2"/>
+              <a:buChar char=""/>
+              <a:defRPr sz="1400" kern="1200">
+                <a:solidFill>
+                  <a:schemeClr val="tx1">
+                    <a:lumMod val="85000"/>
+                    <a:lumOff val="15000"/>
+                  </a:schemeClr>
+                </a:solidFill>
+                <a:latin typeface="+mn-lt"/>
+                <a:ea typeface="+mn-ea"/>
+                <a:cs typeface="+mn-cs"/>
+              </a:defRPr>
+            </a:lvl3pPr>
+            <a:lvl4pPr marL="1005840" indent="-182880" algn="l" defTabSz="914400" rtl="0" eaLnBrk="1" latinLnBrk="0" hangingPunct="1">
+              <a:lnSpc>
+                <a:spcPct val="90000"/>
+              </a:lnSpc>
+              <a:spcBef>
+                <a:spcPts val="300"/>
+              </a:spcBef>
+              <a:spcAft>
+                <a:spcPts val="300"/>
+              </a:spcAft>
+              <a:buClr>
+                <a:schemeClr val="accent1"/>
+              </a:buClr>
+              <a:buFont typeface="Wingdings 2" pitchFamily="18" charset="2"/>
+              <a:buChar char=""/>
+              <a:defRPr sz="1400" kern="1200">
+                <a:solidFill>
+                  <a:schemeClr val="tx1">
+                    <a:lumMod val="85000"/>
+                    <a:lumOff val="15000"/>
+                  </a:schemeClr>
+                </a:solidFill>
+                <a:latin typeface="+mn-lt"/>
+                <a:ea typeface="+mn-ea"/>
+                <a:cs typeface="+mn-cs"/>
+              </a:defRPr>
+            </a:lvl4pPr>
+            <a:lvl5pPr marL="1280160" indent="-182880" algn="l" defTabSz="914400" rtl="0" eaLnBrk="1" latinLnBrk="0" hangingPunct="1">
+              <a:lnSpc>
+                <a:spcPct val="90000"/>
+              </a:lnSpc>
+              <a:spcBef>
+                <a:spcPts val="300"/>
+              </a:spcBef>
+              <a:spcAft>
+                <a:spcPts val="300"/>
+              </a:spcAft>
+              <a:buClr>
+                <a:schemeClr val="accent1"/>
+              </a:buClr>
+              <a:buFont typeface="Wingdings 2" pitchFamily="18" charset="2"/>
+              <a:buChar char=""/>
+              <a:defRPr sz="1400" kern="1200">
+                <a:solidFill>
+                  <a:schemeClr val="tx1">
+                    <a:lumMod val="85000"/>
+                    <a:lumOff val="15000"/>
+                  </a:schemeClr>
+                </a:solidFill>
+                <a:latin typeface="+mn-lt"/>
+                <a:ea typeface="+mn-ea"/>
+                <a:cs typeface="+mn-cs"/>
+              </a:defRPr>
+            </a:lvl5pPr>
+            <a:lvl6pPr marL="1600000" indent="-228600" algn="l" defTabSz="914400" rtl="0" eaLnBrk="1" latinLnBrk="0" hangingPunct="1">
+              <a:lnSpc>
+                <a:spcPct val="90000"/>
+              </a:lnSpc>
+              <a:spcBef>
+                <a:spcPts val="300"/>
+              </a:spcBef>
+              <a:spcAft>
+                <a:spcPts val="300"/>
+              </a:spcAft>
+              <a:buClr>
+                <a:schemeClr val="accent1"/>
+              </a:buClr>
+              <a:buFont typeface="Wingdings 2" pitchFamily="18" charset="2"/>
+              <a:buChar char=""/>
+              <a:defRPr sz="1400" kern="1200">
+                <a:solidFill>
+                  <a:schemeClr val="tx1">
+                    <a:lumMod val="85000"/>
+                    <a:lumOff val="15000"/>
+                  </a:schemeClr>
+                </a:solidFill>
+                <a:latin typeface="+mn-lt"/>
+                <a:ea typeface="+mn-ea"/>
+                <a:cs typeface="+mn-cs"/>
+              </a:defRPr>
+            </a:lvl6pPr>
+            <a:lvl7pPr marL="1900000" indent="-228600" algn="l" defTabSz="914400" rtl="0" eaLnBrk="1" latinLnBrk="0" hangingPunct="1">
+              <a:lnSpc>
+                <a:spcPct val="90000"/>
+              </a:lnSpc>
+              <a:spcBef>
+                <a:spcPts val="300"/>
+              </a:spcBef>
+              <a:spcAft>
+                <a:spcPts val="300"/>
+              </a:spcAft>
+              <a:buClr>
+                <a:schemeClr val="accent1"/>
+              </a:buClr>
+              <a:buFont typeface="Wingdings 2" pitchFamily="18" charset="2"/>
+              <a:buChar char=""/>
+              <a:defRPr sz="1400" kern="1200">
+                <a:solidFill>
+                  <a:schemeClr val="tx1">
+                    <a:lumMod val="85000"/>
+                    <a:lumOff val="15000"/>
+                  </a:schemeClr>
+                </a:solidFill>
+                <a:latin typeface="+mn-lt"/>
+                <a:ea typeface="+mn-ea"/>
+                <a:cs typeface="+mn-cs"/>
+              </a:defRPr>
+            </a:lvl7pPr>
+            <a:lvl8pPr marL="2200000" indent="-228600" algn="l" defTabSz="914400" rtl="0" eaLnBrk="1" latinLnBrk="0" hangingPunct="1">
+              <a:lnSpc>
+                <a:spcPct val="90000"/>
+              </a:lnSpc>
+              <a:spcBef>
+                <a:spcPts val="300"/>
+              </a:spcBef>
+              <a:spcAft>
+                <a:spcPts val="300"/>
+              </a:spcAft>
+              <a:buClr>
+                <a:schemeClr val="accent1"/>
+              </a:buClr>
+              <a:buFont typeface="Wingdings 2" pitchFamily="18" charset="2"/>
+              <a:buChar char=""/>
+              <a:defRPr sz="1400" kern="1200">
+                <a:solidFill>
+                  <a:schemeClr val="tx1">
+                    <a:lumMod val="85000"/>
+                    <a:lumOff val="15000"/>
+                  </a:schemeClr>
+                </a:solidFill>
+                <a:latin typeface="+mn-lt"/>
+                <a:ea typeface="+mn-ea"/>
+                <a:cs typeface="+mn-cs"/>
+              </a:defRPr>
+            </a:lvl8pPr>
+            <a:lvl9pPr marL="2500000" indent="-228600" algn="l" defTabSz="914400" rtl="0" eaLnBrk="1" latinLnBrk="0" hangingPunct="1">
+              <a:lnSpc>
+                <a:spcPct val="90000"/>
+              </a:lnSpc>
+              <a:spcBef>
+                <a:spcPts val="300"/>
+              </a:spcBef>
+              <a:spcAft>
+                <a:spcPts val="300"/>
+              </a:spcAft>
+              <a:buClr>
+                <a:schemeClr val="accent1"/>
+              </a:buClr>
+              <a:buFont typeface="Wingdings 2" pitchFamily="18" charset="2"/>
+              <a:buChar char=""/>
+              <a:defRPr sz="1400" kern="1200">
+                <a:solidFill>
+                  <a:schemeClr val="tx1">
+                    <a:lumMod val="85000"/>
+                    <a:lumOff val="15000"/>
+                  </a:schemeClr>
+                </a:solidFill>
+                <a:latin typeface="+mn-lt"/>
+                <a:ea typeface="+mn-ea"/>
+                <a:cs typeface="+mn-cs"/>
+              </a:defRPr>
+            </a:lvl9pPr>
+          </a:lstStyle>
+          <a:p>
+            <a:pPr>
+              <a:buFont typeface="Wingdings" panose="05000000000000000000" pitchFamily="2" charset="2"/>
+              <a:buChar char="Ø"/>
+            </a:pPr>
+            <a:r>
+              <a:rPr lang="en-US" dirty="0" smtClean="0"/>
+              <a:t>Unlikely for two people to solve the block at the same time</a:t>
+            </a:r>
+          </a:p>
+          <a:p>
+            <a:pPr>
+              <a:buFont typeface="Wingdings" panose="05000000000000000000" pitchFamily="2" charset="2"/>
+              <a:buChar char="Ø"/>
+            </a:pPr>
+            <a:r>
+              <a:rPr lang="en-US" dirty="0" smtClean="0"/>
+              <a:t>Occasionally however, two nodes can solve the block at the same time, leading to several possible branches</a:t>
+            </a:r>
+          </a:p>
+          <a:p>
+            <a:pPr>
+              <a:buFont typeface="Wingdings" panose="05000000000000000000" pitchFamily="2" charset="2"/>
+              <a:buChar char="Ø"/>
+            </a:pPr>
+            <a:r>
+              <a:rPr lang="en-US" dirty="0" smtClean="0"/>
+              <a:t>In this case, build on top of the branch you receive, other nodes may have received the blocks in different order</a:t>
+            </a:r>
+          </a:p>
+          <a:p>
+            <a:pPr>
+              <a:buFont typeface="Wingdings" panose="05000000000000000000" pitchFamily="2" charset="2"/>
+              <a:buChar char="Ø"/>
+            </a:pPr>
+            <a:r>
+              <a:rPr lang="en-US" dirty="0" smtClean="0"/>
+              <a:t>The tie is broken when someone solves the next block</a:t>
+            </a:r>
+          </a:p>
+          <a:p>
+            <a:pPr>
+              <a:buFont typeface="Wingdings" panose="05000000000000000000" pitchFamily="2" charset="2"/>
+              <a:buChar char="Ø"/>
+            </a:pPr>
+            <a:r>
+              <a:rPr lang="en-US" b="1" dirty="0" smtClean="0"/>
+              <a:t>Immediately switch to the longest chain</a:t>
+            </a:r>
+          </a:p>
+          <a:p>
+            <a:pPr>
+              <a:buFont typeface="Wingdings" panose="05000000000000000000" pitchFamily="2" charset="2"/>
+              <a:buChar char="Ø"/>
+            </a:pPr>
+            <a:r>
+              <a:rPr lang="en-US" dirty="0" smtClean="0"/>
+              <a:t>Extremely rare for multiple blocks to have been solved at the same time in a row</a:t>
+            </a:r>
+          </a:p>
+          <a:p>
+            <a:pPr>
+              <a:buFont typeface="Wingdings" panose="05000000000000000000" pitchFamily="2" charset="2"/>
+              <a:buChar char="Ø"/>
+            </a:pPr>
+            <a:r>
+              <a:rPr lang="en-US" b="1" dirty="0" smtClean="0"/>
+              <a:t>Quick stabilization</a:t>
+            </a:r>
+          </a:p>
+        </p:txBody>
+      </p:sp>
+      <p:pic>
+        <p:nvPicPr>
+          <p:cNvPr id="7" name="Picture 6"/>
+          <p:cNvPicPr>
+            <a:picLocks noChangeAspect="1"/>
+          </p:cNvPicPr>
+          <p:nvPr/>
+        </p:nvPicPr>
+        <p:blipFill>
+          <a:blip r:embed="rId2"/>
+          <a:stretch>
+            <a:fillRect/>
+          </a:stretch>
+        </p:blipFill>
+        <p:spPr>
+          <a:xfrm>
+            <a:off x="7448606" y="2074001"/>
+            <a:ext cx="3505906" cy="3860934"/>
+          </a:xfrm>
+          <a:prstGeom prst="rect">
+            <a:avLst/>
+          </a:prstGeom>
+          <a:ln w="3175">
+            <a:solidFill>
+              <a:schemeClr val="tx1"/>
+            </a:solidFill>
+          </a:ln>
+        </p:spPr>
+      </p:pic>
+      <p:pic>
+        <p:nvPicPr>
+          <p:cNvPr id="9" name="Content Placeholder 3"/>
+          <p:cNvPicPr>
+            <a:picLocks noGrp="1" noChangeAspect="1"/>
+          </p:cNvPicPr>
+          <p:nvPr>
+            <p:ph idx="1"/>
+          </p:nvPr>
+        </p:nvPicPr>
+        <p:blipFill>
+          <a:blip r:embed="rId3"/>
+          <a:stretch>
+            <a:fillRect/>
+          </a:stretch>
+        </p:blipFill>
+        <p:spPr>
+          <a:xfrm>
+            <a:off x="8850834" y="526665"/>
+            <a:ext cx="2103678" cy="1302135"/>
+          </a:xfrm>
+          <a:prstGeom prst="rect">
+            <a:avLst/>
+          </a:prstGeom>
+          <a:ln w="3175">
+            <a:solidFill>
+              <a:schemeClr val="tx1"/>
+            </a:solidFill>
+          </a:ln>
+        </p:spPr>
+      </p:pic>
+    </p:spTree>
+    <p:extLst>
+      <p:ext uri="{BB962C8B-B14F-4D97-AF65-F5344CB8AC3E}">
+        <p14:creationId xmlns:p14="http://schemas.microsoft.com/office/powerpoint/2010/main" val="2710493646"/>
+      </p:ext>
+    </p:extLst>
+  </p:cSld>
+  <p:clrMapOvr>
+    <a:masterClrMapping/>
+  </p:clrMapOvr>
+  <p:timing>
+    <p:tnLst>
+      <p:par>
+        <p:cTn id="1" dur="indefinite" restart="never" nodeType="tmRoot"/>
+      </p:par>
+    </p:tnLst>
+  </p:timing>
+</p:sld>
+</file>
+
+<file path=ppt/slides/slide37.xml><?xml version="1.0" encoding="utf-8"?>
+<p:sld xmlns:a="http://schemas.openxmlformats.org/drawingml/2006/main" xmlns:r="http://schemas.openxmlformats.org/officeDocument/2006/relationships" xmlns:p="http://schemas.openxmlformats.org/presentationml/2006/main">
+  <p:cSld>
+    <p:spTree>
+      <p:nvGrpSpPr>
+        <p:cNvPr id="1" name=""/>
+        <p:cNvGrpSpPr/>
+        <p:nvPr/>
+      </p:nvGrpSpPr>
+      <p:grpSpPr>
+        <a:xfrm>
+          <a:off x="0" y="0"/>
+          <a:ext cx="0" cy="0"/>
+          <a:chOff x="0" y="0"/>
+          <a:chExt cx="0" cy="0"/>
+        </a:xfrm>
+      </p:grpSpPr>
+      <p:sp>
+        <p:nvSpPr>
+          <p:cNvPr id="2" name="Title 1"/>
+          <p:cNvSpPr>
+            <a:spLocks noGrp="1"/>
+          </p:cNvSpPr>
+          <p:nvPr>
+            <p:ph type="title"/>
+          </p:nvPr>
+        </p:nvSpPr>
+        <p:spPr/>
+        <p:txBody>
+          <a:bodyPr/>
+          <a:lstStyle/>
+          <a:p>
+            <a:r>
+              <a:rPr lang="en-US" dirty="0" smtClean="0"/>
+              <a:t>Block Chain Reordering Implications</a:t>
+            </a:r>
+            <a:endParaRPr lang="en-US" dirty="0"/>
+          </a:p>
+        </p:txBody>
+      </p:sp>
+      <p:sp>
+        <p:nvSpPr>
+          <p:cNvPr id="3" name="Content Placeholder 2"/>
+          <p:cNvSpPr>
+            <a:spLocks noGrp="1"/>
+          </p:cNvSpPr>
+          <p:nvPr>
+            <p:ph idx="1"/>
+          </p:nvPr>
+        </p:nvSpPr>
+        <p:spPr/>
+        <p:txBody>
+          <a:bodyPr/>
+          <a:lstStyle/>
+          <a:p>
+            <a:pPr>
+              <a:buFont typeface="Wingdings" panose="05000000000000000000" pitchFamily="2" charset="2"/>
+              <a:buChar char="Ø"/>
+            </a:pPr>
+            <a:endParaRPr lang="en-US" dirty="0" smtClean="0"/>
+          </a:p>
+          <a:p>
+            <a:pPr>
+              <a:buFont typeface="Wingdings" panose="05000000000000000000" pitchFamily="2" charset="2"/>
+              <a:buChar char="Ø"/>
+            </a:pPr>
+            <a:endParaRPr lang="en-US" dirty="0"/>
+          </a:p>
+          <a:p>
+            <a:pPr>
+              <a:buFont typeface="Wingdings" panose="05000000000000000000" pitchFamily="2" charset="2"/>
+              <a:buChar char="Ø"/>
+            </a:pPr>
+            <a:endParaRPr lang="en-US" dirty="0" smtClean="0"/>
+          </a:p>
+          <a:p>
+            <a:pPr>
+              <a:buFont typeface="Wingdings" panose="05000000000000000000" pitchFamily="2" charset="2"/>
+              <a:buChar char="Ø"/>
+            </a:pPr>
+            <a:r>
+              <a:rPr lang="en-US" dirty="0" smtClean="0"/>
+              <a:t>Sometimes transactions can lose their place in the chain</a:t>
+            </a:r>
+          </a:p>
+          <a:p>
+            <a:pPr>
+              <a:buFont typeface="Wingdings" panose="05000000000000000000" pitchFamily="2" charset="2"/>
+              <a:buChar char="Ø"/>
+            </a:pPr>
+            <a:r>
+              <a:rPr lang="en-US" dirty="0" smtClean="0"/>
+              <a:t>Will be returned to the unprocessed pool and will be grabbed again later</a:t>
+            </a:r>
+            <a:endParaRPr lang="en-US" dirty="0"/>
+          </a:p>
+        </p:txBody>
+      </p:sp>
+    </p:spTree>
+    <p:extLst>
+      <p:ext uri="{BB962C8B-B14F-4D97-AF65-F5344CB8AC3E}">
+        <p14:creationId xmlns:p14="http://schemas.microsoft.com/office/powerpoint/2010/main" val="2382599243"/>
+      </p:ext>
+    </p:extLst>
+  </p:cSld>
+  <p:clrMapOvr>
+    <a:masterClrMapping/>
+  </p:clrMapOvr>
+  <p:timing>
+    <p:tnLst>
+      <p:par>
+        <p:cTn id="1" dur="indefinite" restart="never" nodeType="tmRoot"/>
+      </p:par>
+    </p:tnLst>
+  </p:timing>
+</p:sld>
+</file>
+
+<file path=ppt/slides/slide38.xml><?xml version="1.0" encoding="utf-8"?>
+<p:sld xmlns:a="http://schemas.openxmlformats.org/drawingml/2006/main" xmlns:r="http://schemas.openxmlformats.org/officeDocument/2006/relationships" xmlns:p="http://schemas.openxmlformats.org/presentationml/2006/main">
+  <p:cSld>
+    <p:spTree>
+      <p:nvGrpSpPr>
+        <p:cNvPr id="1" name=""/>
+        <p:cNvGrpSpPr/>
+        <p:nvPr/>
+      </p:nvGrpSpPr>
+      <p:grpSpPr>
+        <a:xfrm>
+          <a:off x="0" y="0"/>
+          <a:ext cx="0" cy="0"/>
+          <a:chOff x="0" y="0"/>
+          <a:chExt cx="0" cy="0"/>
+        </a:xfrm>
+      </p:grpSpPr>
+      <p:sp>
+        <p:nvSpPr>
+          <p:cNvPr id="2" name="Title 1"/>
+          <p:cNvSpPr>
+            <a:spLocks noGrp="1"/>
+          </p:cNvSpPr>
+          <p:nvPr>
+            <p:ph type="title"/>
+          </p:nvPr>
+        </p:nvSpPr>
+        <p:spPr/>
+        <p:txBody>
+          <a:bodyPr/>
+          <a:lstStyle/>
+          <a:p>
+            <a:r>
+              <a:rPr lang="en-US" dirty="0" smtClean="0"/>
+              <a:t>Cryptographic Hash Locks Blocks in Place (1/2)</a:t>
+            </a:r>
+            <a:endParaRPr lang="en-US" dirty="0"/>
+          </a:p>
+        </p:txBody>
+      </p:sp>
+      <p:sp>
+        <p:nvSpPr>
+          <p:cNvPr id="3" name="Content Placeholder 2"/>
+          <p:cNvSpPr>
+            <a:spLocks noGrp="1"/>
+          </p:cNvSpPr>
+          <p:nvPr>
+            <p:ph idx="1"/>
+          </p:nvPr>
+        </p:nvSpPr>
+        <p:spPr>
+          <a:xfrm>
+            <a:off x="1261872" y="1828801"/>
+            <a:ext cx="4426659" cy="3051208"/>
+          </a:xfrm>
+          <a:ln w="3175">
+            <a:solidFill>
+              <a:schemeClr val="tx1"/>
+            </a:solidFill>
+          </a:ln>
+        </p:spPr>
+        <p:txBody>
+          <a:bodyPr/>
+          <a:lstStyle/>
+          <a:p>
+            <a:r>
+              <a:rPr lang="en-US" dirty="0" smtClean="0"/>
+              <a:t>Solving a block involves trying to get the cryptographic hash of the block to be below a certain value</a:t>
+            </a:r>
+          </a:p>
+          <a:p>
+            <a:r>
+              <a:rPr lang="en-US" dirty="0" smtClean="0"/>
+              <a:t>This can be done by guessing random numbers</a:t>
+            </a:r>
+          </a:p>
+          <a:p>
+            <a:r>
+              <a:rPr lang="en-US" dirty="0" smtClean="0"/>
+              <a:t>The hash output is the unique identifier of a block</a:t>
+            </a:r>
+          </a:p>
+          <a:p>
+            <a:r>
+              <a:rPr lang="en-US" dirty="0" smtClean="0"/>
+              <a:t>This hash will be the next block’s previous reference</a:t>
+            </a:r>
+            <a:endParaRPr lang="en-US" dirty="0"/>
+          </a:p>
+        </p:txBody>
+      </p:sp>
+      <p:pic>
+        <p:nvPicPr>
+          <p:cNvPr id="4" name="Picture 3"/>
+          <p:cNvPicPr>
+            <a:picLocks noChangeAspect="1"/>
+          </p:cNvPicPr>
+          <p:nvPr/>
+        </p:nvPicPr>
+        <p:blipFill>
+          <a:blip r:embed="rId2"/>
+          <a:stretch>
+            <a:fillRect/>
+          </a:stretch>
+        </p:blipFill>
+        <p:spPr>
+          <a:xfrm>
+            <a:off x="6217920" y="1828801"/>
+            <a:ext cx="4134172" cy="3051208"/>
+          </a:xfrm>
+          <a:prstGeom prst="rect">
+            <a:avLst/>
+          </a:prstGeom>
+          <a:ln w="3175">
+            <a:solidFill>
+              <a:schemeClr val="tx1"/>
+            </a:solidFill>
+          </a:ln>
+        </p:spPr>
+      </p:pic>
+      <p:pic>
+        <p:nvPicPr>
+          <p:cNvPr id="5" name="Picture 4"/>
+          <p:cNvPicPr>
+            <a:picLocks noChangeAspect="1"/>
+          </p:cNvPicPr>
+          <p:nvPr/>
+        </p:nvPicPr>
+        <p:blipFill>
+          <a:blip r:embed="rId3"/>
+          <a:stretch>
+            <a:fillRect/>
+          </a:stretch>
+        </p:blipFill>
+        <p:spPr>
+          <a:xfrm>
+            <a:off x="4006751" y="5017488"/>
+            <a:ext cx="3875623" cy="1815212"/>
+          </a:xfrm>
+          <a:prstGeom prst="rect">
+            <a:avLst/>
+          </a:prstGeom>
+          <a:ln w="3175">
+            <a:solidFill>
+              <a:schemeClr val="tx1"/>
+            </a:solidFill>
+          </a:ln>
+        </p:spPr>
+      </p:pic>
+    </p:spTree>
+    <p:extLst>
+      <p:ext uri="{BB962C8B-B14F-4D97-AF65-F5344CB8AC3E}">
+        <p14:creationId xmlns:p14="http://schemas.microsoft.com/office/powerpoint/2010/main" val="3049323865"/>
+      </p:ext>
+    </p:extLst>
+  </p:cSld>
+  <p:clrMapOvr>
+    <a:masterClrMapping/>
+  </p:clrMapOvr>
+  <p:timing>
+    <p:tnLst>
+      <p:par>
+        <p:cTn id="1" dur="indefinite" restart="never" nodeType="tmRoot"/>
+      </p:par>
+    </p:tnLst>
+  </p:timing>
+</p:sld>
+</file>
+
+<file path=ppt/slides/slide39.xml><?xml version="1.0" encoding="utf-8"?>
+<p:sld xmlns:a="http://schemas.openxmlformats.org/drawingml/2006/main" xmlns:r="http://schemas.openxmlformats.org/officeDocument/2006/relationships" xmlns:p="http://schemas.openxmlformats.org/presentationml/2006/main">
+  <p:cSld>
+    <p:spTree>
+      <p:nvGrpSpPr>
+        <p:cNvPr id="1" name=""/>
+        <p:cNvGrpSpPr/>
+        <p:nvPr/>
+      </p:nvGrpSpPr>
+      <p:grpSpPr>
+        <a:xfrm>
+          <a:off x="0" y="0"/>
+          <a:ext cx="0" cy="0"/>
+          <a:chOff x="0" y="0"/>
+          <a:chExt cx="0" cy="0"/>
+        </a:xfrm>
+      </p:grpSpPr>
+      <p:sp>
+        <p:nvSpPr>
+          <p:cNvPr id="2" name="Title 1"/>
+          <p:cNvSpPr>
+            <a:spLocks noGrp="1"/>
+          </p:cNvSpPr>
+          <p:nvPr>
+            <p:ph type="title"/>
+          </p:nvPr>
+        </p:nvSpPr>
+        <p:spPr/>
+        <p:txBody>
+          <a:bodyPr/>
+          <a:lstStyle/>
+          <a:p>
+            <a:r>
+              <a:rPr lang="en-US" dirty="0"/>
+              <a:t>Cryptographic Hash Locks Blocks in </a:t>
+            </a:r>
+            <a:r>
+              <a:rPr lang="en-US" dirty="0" smtClean="0"/>
+              <a:t>Place (2/2)</a:t>
+            </a:r>
+            <a:endParaRPr lang="en-US" dirty="0"/>
+          </a:p>
+        </p:txBody>
+      </p:sp>
+      <p:sp>
+        <p:nvSpPr>
+          <p:cNvPr id="3" name="Content Placeholder 2"/>
+          <p:cNvSpPr>
+            <a:spLocks noGrp="1"/>
+          </p:cNvSpPr>
+          <p:nvPr>
+            <p:ph idx="1"/>
+          </p:nvPr>
+        </p:nvSpPr>
+        <p:spPr/>
+        <p:txBody>
+          <a:bodyPr/>
+          <a:lstStyle/>
+          <a:p>
+            <a:r>
+              <a:rPr lang="en-US" dirty="0" smtClean="0"/>
+              <a:t>There is no way to switch out a block in the middle of the chain</a:t>
+            </a:r>
+          </a:p>
+          <a:p>
+            <a:r>
+              <a:rPr lang="en-US" dirty="0" smtClean="0"/>
+              <a:t>A block cannot be solved before the previous block is solved, because the previous block’s hash will also go through the current’s block hash function</a:t>
+            </a:r>
+            <a:endParaRPr lang="en-US" dirty="0"/>
+          </a:p>
+        </p:txBody>
+      </p:sp>
+      <p:pic>
+        <p:nvPicPr>
+          <p:cNvPr id="4" name="Picture 3"/>
+          <p:cNvPicPr>
+            <a:picLocks noChangeAspect="1"/>
+          </p:cNvPicPr>
+          <p:nvPr/>
+        </p:nvPicPr>
+        <p:blipFill>
+          <a:blip r:embed="rId2"/>
+          <a:stretch>
+            <a:fillRect/>
+          </a:stretch>
+        </p:blipFill>
+        <p:spPr>
+          <a:xfrm>
+            <a:off x="2182268" y="2912116"/>
+            <a:ext cx="7851848" cy="3841495"/>
+          </a:xfrm>
+          <a:prstGeom prst="rect">
+            <a:avLst/>
+          </a:prstGeom>
+          <a:ln w="3175">
+            <a:solidFill>
+              <a:schemeClr val="tx1"/>
+            </a:solidFill>
+          </a:ln>
+        </p:spPr>
+      </p:pic>
+    </p:spTree>
+    <p:extLst>
+      <p:ext uri="{BB962C8B-B14F-4D97-AF65-F5344CB8AC3E}">
+        <p14:creationId xmlns:p14="http://schemas.microsoft.com/office/powerpoint/2010/main" val="894650800"/>
+      </p:ext>
+    </p:extLst>
+  </p:cSld>
+  <p:clrMapOvr>
+    <a:masterClrMapping/>
+  </p:clrMapOvr>
+  <p:timing>
+    <p:tnLst>
+      <p:par>
+        <p:cTn id="1" dur="indefinite" restart="never" nodeType="tmRoot"/>
+      </p:par>
+    </p:tnLst>
+  </p:timing>
+</p:sld>
+</file>
+
+<file path=ppt/slides/slide4.xml><?xml version="1.0" encoding="utf-8"?>
+<p:sld xmlns:a="http://schemas.openxmlformats.org/drawingml/2006/main" xmlns:r="http://schemas.openxmlformats.org/officeDocument/2006/relationships" xmlns:p="http://schemas.openxmlformats.org/presentationml/2006/main">
+  <p:cSld>
+    <p:spTree>
+      <p:nvGrpSpPr>
+        <p:cNvPr id="1" name=""/>
+        <p:cNvGrpSpPr/>
+        <p:nvPr/>
+      </p:nvGrpSpPr>
+      <p:grpSpPr>
+        <a:xfrm>
+          <a:off x="0" y="0"/>
+          <a:ext cx="0" cy="0"/>
+          <a:chOff x="0" y="0"/>
+          <a:chExt cx="0" cy="0"/>
+        </a:xfrm>
+      </p:grpSpPr>
+      <p:sp>
+        <p:nvSpPr>
+          <p:cNvPr id="2" name="Title 1"/>
+          <p:cNvSpPr>
+            <a:spLocks noGrp="1"/>
+          </p:cNvSpPr>
+          <p:nvPr>
+            <p:ph type="title"/>
+          </p:nvPr>
+        </p:nvSpPr>
+        <p:spPr>
+          <a:xfrm>
+            <a:off x="1261872" y="721895"/>
+            <a:ext cx="9692640" cy="748046"/>
+          </a:xfrm>
+        </p:spPr>
+        <p:txBody>
+          <a:bodyPr/>
+          <a:lstStyle/>
+          <a:p>
+            <a:r>
+              <a:rPr lang="en-US" dirty="0" smtClean="0"/>
+              <a:t>One line introduction!</a:t>
+            </a:r>
+            <a:endParaRPr lang="en-US" dirty="0"/>
+          </a:p>
+        </p:txBody>
+      </p:sp>
+      <p:sp>
+        <p:nvSpPr>
+          <p:cNvPr id="3" name="Content Placeholder 2"/>
+          <p:cNvSpPr>
+            <a:spLocks noGrp="1"/>
+          </p:cNvSpPr>
+          <p:nvPr>
+            <p:ph idx="1"/>
+          </p:nvPr>
+        </p:nvSpPr>
+        <p:spPr/>
+        <p:txBody>
+          <a:bodyPr/>
+          <a:lstStyle/>
+          <a:p>
+            <a:pPr marL="0" indent="0">
+              <a:buNone/>
+            </a:pPr>
+            <a:endParaRPr lang="en-US" dirty="0" smtClean="0"/>
+          </a:p>
+          <a:p>
+            <a:pPr marL="0" indent="0">
+              <a:buNone/>
+            </a:pPr>
+            <a:endParaRPr lang="en-US" dirty="0"/>
+          </a:p>
+          <a:p>
+            <a:pPr marL="0" indent="0">
+              <a:buNone/>
+            </a:pPr>
+            <a:r>
+              <a:rPr lang="en-US" dirty="0" smtClean="0"/>
+              <a:t>“</a:t>
+            </a:r>
+            <a:r>
+              <a:rPr lang="en-US" dirty="0"/>
+              <a:t>The blockchain is an incorruptible digital ledger of economic transactions that can be programmed to record not just financial transactions but virtually everything of value</a:t>
+            </a:r>
+            <a:r>
+              <a:rPr lang="en-US" dirty="0" smtClean="0"/>
+              <a:t>.”</a:t>
+            </a:r>
+            <a:endParaRPr lang="en-US" dirty="0"/>
+          </a:p>
+        </p:txBody>
+      </p:sp>
+    </p:spTree>
+    <p:extLst>
+      <p:ext uri="{BB962C8B-B14F-4D97-AF65-F5344CB8AC3E}">
+        <p14:creationId xmlns:p14="http://schemas.microsoft.com/office/powerpoint/2010/main" val="580153360"/>
+      </p:ext>
+    </p:extLst>
+  </p:cSld>
+  <p:clrMapOvr>
+    <a:masterClrMapping/>
+  </p:clrMapOvr>
+  <p:timing>
+    <p:tnLst>
+      <p:par>
+        <p:cTn id="1" dur="indefinite" restart="never" nodeType="tmRoot"/>
+      </p:par>
+    </p:tnLst>
+  </p:timing>
+</p:sld>
+</file>
+
+<file path=ppt/slides/slide40.xml><?xml version="1.0" encoding="utf-8"?>
+<p:sld xmlns:a="http://schemas.openxmlformats.org/drawingml/2006/main" xmlns:r="http://schemas.openxmlformats.org/officeDocument/2006/relationships" xmlns:p="http://schemas.openxmlformats.org/presentationml/2006/main">
+  <p:cSld>
+    <p:spTree>
+      <p:nvGrpSpPr>
+        <p:cNvPr id="1" name=""/>
+        <p:cNvGrpSpPr/>
+        <p:nvPr/>
+      </p:nvGrpSpPr>
+      <p:grpSpPr>
+        <a:xfrm>
+          <a:off x="0" y="0"/>
+          <a:ext cx="0" cy="0"/>
+          <a:chOff x="0" y="0"/>
+          <a:chExt cx="0" cy="0"/>
+        </a:xfrm>
+      </p:grpSpPr>
+      <p:sp>
+        <p:nvSpPr>
+          <p:cNvPr id="2" name="Title 1"/>
+          <p:cNvSpPr>
+            <a:spLocks noGrp="1"/>
+          </p:cNvSpPr>
+          <p:nvPr>
+            <p:ph type="title"/>
+          </p:nvPr>
+        </p:nvSpPr>
+        <p:spPr/>
+        <p:txBody>
+          <a:bodyPr/>
+          <a:lstStyle/>
+          <a:p>
+            <a:r>
+              <a:rPr lang="en-US" dirty="0" smtClean="0"/>
+              <a:t>Agenda</a:t>
+            </a:r>
+            <a:endParaRPr lang="en-US" dirty="0"/>
+          </a:p>
+        </p:txBody>
+      </p:sp>
+      <p:sp>
+        <p:nvSpPr>
+          <p:cNvPr id="3" name="Content Placeholder 2"/>
+          <p:cNvSpPr>
+            <a:spLocks noGrp="1"/>
+          </p:cNvSpPr>
+          <p:nvPr>
+            <p:ph idx="1"/>
+          </p:nvPr>
+        </p:nvSpPr>
+        <p:spPr/>
+        <p:txBody>
+          <a:bodyPr/>
+          <a:lstStyle/>
+          <a:p>
+            <a:pPr>
+              <a:buFont typeface="Wingdings" panose="05000000000000000000" pitchFamily="2" charset="2"/>
+              <a:buChar char="Ø"/>
+            </a:pPr>
+            <a:r>
+              <a:rPr lang="en-US" dirty="0" smtClean="0"/>
+              <a:t>Introduction</a:t>
+            </a:r>
+          </a:p>
+          <a:p>
+            <a:pPr>
+              <a:buFont typeface="Wingdings" panose="05000000000000000000" pitchFamily="2" charset="2"/>
+              <a:buChar char="Ø"/>
+            </a:pPr>
+            <a:r>
+              <a:rPr lang="en-US" dirty="0" smtClean="0"/>
+              <a:t>Motivation</a:t>
+            </a:r>
+          </a:p>
+          <a:p>
+            <a:pPr>
+              <a:buFont typeface="Wingdings" panose="05000000000000000000" pitchFamily="2" charset="2"/>
+              <a:buChar char="Ø"/>
+            </a:pPr>
+            <a:r>
+              <a:rPr lang="en-US" dirty="0" smtClean="0"/>
+              <a:t>Technical Overview</a:t>
+            </a:r>
+          </a:p>
+          <a:p>
+            <a:pPr>
+              <a:buFont typeface="Wingdings" panose="05000000000000000000" pitchFamily="2" charset="2"/>
+              <a:buChar char="Ø"/>
+            </a:pPr>
+            <a:r>
+              <a:rPr lang="en-US" dirty="0"/>
+              <a:t>How does it work?</a:t>
+            </a:r>
+          </a:p>
+          <a:p>
+            <a:pPr>
+              <a:buFont typeface="Wingdings" panose="05000000000000000000" pitchFamily="2" charset="2"/>
+              <a:buChar char="Ø"/>
+            </a:pPr>
+            <a:r>
+              <a:rPr lang="en-US" dirty="0" smtClean="0">
+                <a:solidFill>
+                  <a:srgbClr val="FF0000"/>
+                </a:solidFill>
+              </a:rPr>
+              <a:t>Strengths/Weaknesses</a:t>
+            </a:r>
+          </a:p>
+          <a:p>
+            <a:pPr>
+              <a:buFont typeface="Wingdings" panose="05000000000000000000" pitchFamily="2" charset="2"/>
+              <a:buChar char="Ø"/>
+            </a:pPr>
+            <a:r>
+              <a:rPr lang="en-US" dirty="0" smtClean="0"/>
+              <a:t>Future scope</a:t>
+            </a:r>
+            <a:endParaRPr lang="en-US" dirty="0"/>
+          </a:p>
+        </p:txBody>
+      </p:sp>
+    </p:spTree>
+    <p:extLst>
+      <p:ext uri="{BB962C8B-B14F-4D97-AF65-F5344CB8AC3E}">
+        <p14:creationId xmlns:p14="http://schemas.microsoft.com/office/powerpoint/2010/main" val="4192161623"/>
+      </p:ext>
+    </p:extLst>
+  </p:cSld>
+  <p:clrMapOvr>
+    <a:masterClrMapping/>
+  </p:clrMapOvr>
+  <p:timing>
+    <p:tnLst>
+      <p:par>
+        <p:cTn id="1" dur="indefinite" restart="never" nodeType="tmRoot"/>
+      </p:par>
+    </p:tnLst>
+  </p:timing>
+</p:sld>
+</file>
+
+<file path=ppt/slides/slide41.xml><?xml version="1.0" encoding="utf-8"?>
+<p:sld xmlns:a="http://schemas.openxmlformats.org/drawingml/2006/main" xmlns:r="http://schemas.openxmlformats.org/officeDocument/2006/relationships" xmlns:p="http://schemas.openxmlformats.org/presentationml/2006/main">
+  <p:cSld>
+    <p:spTree>
+      <p:nvGrpSpPr>
+        <p:cNvPr id="1" name=""/>
+        <p:cNvGrpSpPr/>
+        <p:nvPr/>
+      </p:nvGrpSpPr>
+      <p:grpSpPr>
+        <a:xfrm>
+          <a:off x="0" y="0"/>
+          <a:ext cx="0" cy="0"/>
+          <a:chOff x="0" y="0"/>
+          <a:chExt cx="0" cy="0"/>
+        </a:xfrm>
+      </p:grpSpPr>
+      <p:sp>
+        <p:nvSpPr>
+          <p:cNvPr id="2" name="Title 1"/>
+          <p:cNvSpPr>
+            <a:spLocks noGrp="1"/>
+          </p:cNvSpPr>
+          <p:nvPr>
+            <p:ph type="title"/>
+          </p:nvPr>
+        </p:nvSpPr>
+        <p:spPr/>
+        <p:txBody>
+          <a:bodyPr/>
+          <a:lstStyle/>
+          <a:p>
+            <a:r>
+              <a:rPr lang="en-US" dirty="0" smtClean="0"/>
+              <a:t>Strengths</a:t>
+            </a:r>
+            <a:endParaRPr lang="en-US" dirty="0"/>
+          </a:p>
+        </p:txBody>
+      </p:sp>
+      <p:sp>
+        <p:nvSpPr>
+          <p:cNvPr id="3" name="Content Placeholder 2"/>
+          <p:cNvSpPr>
+            <a:spLocks noGrp="1"/>
+          </p:cNvSpPr>
+          <p:nvPr>
+            <p:ph idx="1"/>
+          </p:nvPr>
+        </p:nvSpPr>
+        <p:spPr/>
+        <p:txBody>
+          <a:bodyPr/>
+          <a:lstStyle/>
+          <a:p>
+            <a:pPr>
+              <a:buFont typeface="Wingdings" panose="05000000000000000000" pitchFamily="2" charset="2"/>
+              <a:buChar char="Ø"/>
+            </a:pPr>
+            <a:r>
+              <a:rPr lang="en-US" dirty="0" smtClean="0"/>
+              <a:t>Complex mathematical computations make the system very secure and immutable</a:t>
+            </a:r>
+          </a:p>
+          <a:p>
+            <a:pPr>
+              <a:buFont typeface="Wingdings" panose="05000000000000000000" pitchFamily="2" charset="2"/>
+              <a:buChar char="Ø"/>
+            </a:pPr>
+            <a:r>
+              <a:rPr lang="en-US" dirty="0" smtClean="0"/>
+              <a:t>Anyone can join the blockchain network as a node/miner</a:t>
+            </a:r>
+          </a:p>
+          <a:p>
+            <a:pPr>
+              <a:buFont typeface="Wingdings" panose="05000000000000000000" pitchFamily="2" charset="2"/>
+              <a:buChar char="Ø"/>
+            </a:pPr>
+            <a:r>
+              <a:rPr lang="en-US" dirty="0" smtClean="0"/>
+              <a:t>Transparency, every node has an entire copy of all the transactions ever made</a:t>
+            </a:r>
+          </a:p>
+          <a:p>
+            <a:pPr>
+              <a:buFont typeface="Wingdings" panose="05000000000000000000" pitchFamily="2" charset="2"/>
+              <a:buChar char="Ø"/>
+            </a:pPr>
+            <a:r>
+              <a:rPr lang="en-US" dirty="0" smtClean="0"/>
+              <a:t>Peer to peer means no single point of failure</a:t>
+            </a:r>
+            <a:endParaRPr lang="en-US" dirty="0"/>
+          </a:p>
+        </p:txBody>
+      </p:sp>
+    </p:spTree>
+    <p:extLst>
+      <p:ext uri="{BB962C8B-B14F-4D97-AF65-F5344CB8AC3E}">
+        <p14:creationId xmlns:p14="http://schemas.microsoft.com/office/powerpoint/2010/main" val="3603131913"/>
+      </p:ext>
+    </p:extLst>
+  </p:cSld>
+  <p:clrMapOvr>
+    <a:masterClrMapping/>
+  </p:clrMapOvr>
+  <p:timing>
+    <p:tnLst>
+      <p:par>
+        <p:cTn id="1" dur="indefinite" restart="never" nodeType="tmRoot"/>
+      </p:par>
+    </p:tnLst>
+  </p:timing>
+</p:sld>
+</file>
+
+<file path=ppt/slides/slide42.xml><?xml version="1.0" encoding="utf-8"?>
+<p:sld xmlns:a="http://schemas.openxmlformats.org/drawingml/2006/main" xmlns:r="http://schemas.openxmlformats.org/officeDocument/2006/relationships" xmlns:p="http://schemas.openxmlformats.org/presentationml/2006/main">
+  <p:cSld>
+    <p:spTree>
+      <p:nvGrpSpPr>
+        <p:cNvPr id="1" name=""/>
+        <p:cNvGrpSpPr/>
+        <p:nvPr/>
+      </p:nvGrpSpPr>
+      <p:grpSpPr>
+        <a:xfrm>
+          <a:off x="0" y="0"/>
+          <a:ext cx="0" cy="0"/>
+          <a:chOff x="0" y="0"/>
+          <a:chExt cx="0" cy="0"/>
+        </a:xfrm>
+      </p:grpSpPr>
+      <p:sp>
+        <p:nvSpPr>
+          <p:cNvPr id="2" name="Title 1"/>
+          <p:cNvSpPr>
+            <a:spLocks noGrp="1"/>
+          </p:cNvSpPr>
+          <p:nvPr>
+            <p:ph type="title"/>
+          </p:nvPr>
+        </p:nvSpPr>
+        <p:spPr/>
+        <p:txBody>
+          <a:bodyPr/>
+          <a:lstStyle/>
+          <a:p>
+            <a:r>
+              <a:rPr lang="en-US" dirty="0" smtClean="0"/>
+              <a:t>Weaknesses</a:t>
+            </a:r>
+            <a:endParaRPr lang="en-US" dirty="0"/>
+          </a:p>
+        </p:txBody>
+      </p:sp>
+      <p:sp>
+        <p:nvSpPr>
+          <p:cNvPr id="3" name="Content Placeholder 2"/>
+          <p:cNvSpPr>
+            <a:spLocks noGrp="1"/>
+          </p:cNvSpPr>
+          <p:nvPr>
+            <p:ph idx="1"/>
+          </p:nvPr>
+        </p:nvSpPr>
+        <p:spPr>
+          <a:xfrm>
+            <a:off x="1261871" y="1828800"/>
+            <a:ext cx="9200789" cy="4706754"/>
+          </a:xfrm>
+        </p:spPr>
+        <p:txBody>
+          <a:bodyPr>
+            <a:normAutofit/>
+          </a:bodyPr>
+          <a:lstStyle/>
+          <a:p>
+            <a:pPr>
+              <a:buFont typeface="Wingdings" panose="05000000000000000000" pitchFamily="2" charset="2"/>
+              <a:buChar char="Ø"/>
+            </a:pPr>
+            <a:r>
+              <a:rPr lang="en-US" dirty="0" smtClean="0"/>
+              <a:t>Decentralization leads to “No trust”!</a:t>
+            </a:r>
+          </a:p>
+          <a:p>
+            <a:pPr lvl="1">
+              <a:buFont typeface="Wingdings" panose="05000000000000000000" pitchFamily="2" charset="2"/>
+              <a:buChar char="§"/>
+            </a:pPr>
+            <a:r>
+              <a:rPr lang="en-US" dirty="0" smtClean="0"/>
+              <a:t>We trust our banks or if something goes wrong, we can sue our bank. In bitcoin we deal with anonymous strangers, so one cannot trust anyone.</a:t>
+            </a:r>
+            <a:endParaRPr lang="en-US" dirty="0"/>
+          </a:p>
+          <a:p>
+            <a:pPr>
+              <a:buFont typeface="Wingdings" panose="05000000000000000000" pitchFamily="2" charset="2"/>
+              <a:buChar char="Ø"/>
+            </a:pPr>
+            <a:r>
+              <a:rPr lang="en-US" dirty="0" smtClean="0"/>
+              <a:t>DIY bitcoin = Risky</a:t>
+            </a:r>
+          </a:p>
+          <a:p>
+            <a:pPr lvl="1">
+              <a:buFont typeface="Wingdings" panose="05000000000000000000" pitchFamily="2" charset="2"/>
+              <a:buChar char="§"/>
+            </a:pPr>
+            <a:r>
+              <a:rPr lang="en-US" dirty="0" smtClean="0"/>
+              <a:t>Bitcoin software hides the scripting layer, one could write their own</a:t>
+            </a:r>
+          </a:p>
+          <a:p>
+            <a:pPr lvl="1">
+              <a:buFont typeface="Wingdings" panose="05000000000000000000" pitchFamily="2" charset="2"/>
+              <a:buChar char="§"/>
+            </a:pPr>
+            <a:r>
+              <a:rPr lang="en-US" dirty="0" smtClean="0"/>
+              <a:t>Over 2600 bitcoins were lost in a single batch of transactions due to malformed address</a:t>
+            </a:r>
+          </a:p>
+          <a:p>
+            <a:pPr lvl="1">
+              <a:buFont typeface="Wingdings" panose="05000000000000000000" pitchFamily="2" charset="2"/>
+              <a:buChar char="§"/>
+            </a:pPr>
+            <a:r>
+              <a:rPr lang="en-US" dirty="0" smtClean="0"/>
+              <a:t>Since there is no central authority, any user error mistakes can cause permanent loss of bitcoins from the economy</a:t>
+            </a:r>
+          </a:p>
+          <a:p>
+            <a:pPr>
+              <a:buFont typeface="Wingdings" panose="05000000000000000000" pitchFamily="2" charset="2"/>
+              <a:buChar char="Ø"/>
+            </a:pPr>
+            <a:r>
+              <a:rPr lang="en-US" dirty="0" smtClean="0"/>
+              <a:t>If a user loses their private key, any funds associated with the corresponding public key will be lost forever</a:t>
+            </a:r>
+          </a:p>
+          <a:p>
+            <a:pPr lvl="1">
+              <a:buFont typeface="Wingdings" panose="05000000000000000000" pitchFamily="2" charset="2"/>
+              <a:buChar char="§"/>
+            </a:pPr>
+            <a:r>
+              <a:rPr lang="en-US" dirty="0" smtClean="0"/>
+              <a:t>And because users will likely lose their private keys due to technical glitches, bitcoin currency will eventually be a deflationary one.</a:t>
+            </a:r>
+          </a:p>
+          <a:p>
+            <a:pPr>
+              <a:buFont typeface="Wingdings" panose="05000000000000000000" pitchFamily="2" charset="2"/>
+              <a:buChar char="Ø"/>
+            </a:pPr>
+            <a:r>
+              <a:rPr lang="en-US" sz="1600" dirty="0" smtClean="0">
+                <a:solidFill>
+                  <a:srgbClr val="FF0000"/>
+                </a:solidFill>
+              </a:rPr>
+              <a:t>System is vulnerable to double spend attack towards the end of the chain. Thus it is recommended to wait out a few blocks to be solved to ensure that the transaction is complete</a:t>
+            </a:r>
+            <a:r>
+              <a:rPr lang="en-US" sz="1600" dirty="0" smtClean="0"/>
+              <a:t>.</a:t>
+            </a:r>
+            <a:endParaRPr lang="en-US" dirty="0" smtClean="0"/>
+          </a:p>
+        </p:txBody>
+      </p:sp>
+    </p:spTree>
+    <p:extLst>
+      <p:ext uri="{BB962C8B-B14F-4D97-AF65-F5344CB8AC3E}">
+        <p14:creationId xmlns:p14="http://schemas.microsoft.com/office/powerpoint/2010/main" val="3672107668"/>
+      </p:ext>
+    </p:extLst>
+  </p:cSld>
+  <p:clrMapOvr>
+    <a:masterClrMapping/>
+  </p:clrMapOvr>
+  <p:timing>
+    <p:tnLst>
+      <p:par>
+        <p:cTn id="1" dur="indefinite" restart="never" nodeType="tmRoot"/>
+      </p:par>
+    </p:tnLst>
+  </p:timing>
+</p:sld>
+</file>
+
+<file path=ppt/slides/slide43.xml><?xml version="1.0" encoding="utf-8"?>
+<p:sld xmlns:a="http://schemas.openxmlformats.org/drawingml/2006/main" xmlns:r="http://schemas.openxmlformats.org/officeDocument/2006/relationships" xmlns:p="http://schemas.openxmlformats.org/presentationml/2006/main">
+  <p:cSld>
+    <p:spTree>
+      <p:nvGrpSpPr>
+        <p:cNvPr id="1" name=""/>
+        <p:cNvGrpSpPr/>
+        <p:nvPr/>
+      </p:nvGrpSpPr>
+      <p:grpSpPr>
+        <a:xfrm>
+          <a:off x="0" y="0"/>
+          <a:ext cx="0" cy="0"/>
+          <a:chOff x="0" y="0"/>
+          <a:chExt cx="0" cy="0"/>
+        </a:xfrm>
+      </p:grpSpPr>
+      <p:sp>
+        <p:nvSpPr>
+          <p:cNvPr id="2" name="Title 1"/>
+          <p:cNvSpPr>
+            <a:spLocks noGrp="1"/>
+          </p:cNvSpPr>
+          <p:nvPr>
+            <p:ph type="title"/>
+          </p:nvPr>
+        </p:nvSpPr>
+        <p:spPr/>
+        <p:txBody>
+          <a:bodyPr/>
+          <a:lstStyle/>
+          <a:p>
+            <a:r>
+              <a:rPr lang="en-US" dirty="0" smtClean="0"/>
+              <a:t>Agenda</a:t>
+            </a:r>
+            <a:endParaRPr lang="en-US" dirty="0"/>
+          </a:p>
+        </p:txBody>
+      </p:sp>
+      <p:sp>
+        <p:nvSpPr>
+          <p:cNvPr id="3" name="Content Placeholder 2"/>
+          <p:cNvSpPr>
+            <a:spLocks noGrp="1"/>
+          </p:cNvSpPr>
+          <p:nvPr>
+            <p:ph idx="1"/>
+          </p:nvPr>
+        </p:nvSpPr>
+        <p:spPr/>
+        <p:txBody>
+          <a:bodyPr/>
+          <a:lstStyle/>
+          <a:p>
+            <a:pPr>
+              <a:buFont typeface="Wingdings" panose="05000000000000000000" pitchFamily="2" charset="2"/>
+              <a:buChar char="Ø"/>
+            </a:pPr>
+            <a:r>
+              <a:rPr lang="en-US" dirty="0" smtClean="0"/>
+              <a:t>Introduction</a:t>
+            </a:r>
+          </a:p>
+          <a:p>
+            <a:pPr>
+              <a:buFont typeface="Wingdings" panose="05000000000000000000" pitchFamily="2" charset="2"/>
+              <a:buChar char="Ø"/>
+            </a:pPr>
+            <a:r>
+              <a:rPr lang="en-US" dirty="0" smtClean="0"/>
+              <a:t>Motivation</a:t>
+            </a:r>
+          </a:p>
+          <a:p>
+            <a:pPr>
+              <a:buFont typeface="Wingdings" panose="05000000000000000000" pitchFamily="2" charset="2"/>
+              <a:buChar char="Ø"/>
+            </a:pPr>
+            <a:r>
+              <a:rPr lang="en-US" dirty="0" smtClean="0"/>
+              <a:t>Technical Overview</a:t>
+            </a:r>
+          </a:p>
+          <a:p>
+            <a:pPr>
+              <a:buFont typeface="Wingdings" panose="05000000000000000000" pitchFamily="2" charset="2"/>
+              <a:buChar char="Ø"/>
+            </a:pPr>
+            <a:r>
+              <a:rPr lang="en-US" dirty="0"/>
+              <a:t>How does it work?</a:t>
+            </a:r>
+          </a:p>
+          <a:p>
+            <a:pPr>
+              <a:buFont typeface="Wingdings" panose="05000000000000000000" pitchFamily="2" charset="2"/>
+              <a:buChar char="Ø"/>
+            </a:pPr>
+            <a:r>
+              <a:rPr lang="en-US" dirty="0" smtClean="0"/>
+              <a:t>Strengths/Weaknesses</a:t>
+            </a:r>
+          </a:p>
+          <a:p>
+            <a:pPr>
+              <a:buFont typeface="Wingdings" panose="05000000000000000000" pitchFamily="2" charset="2"/>
+              <a:buChar char="Ø"/>
+            </a:pPr>
+            <a:r>
+              <a:rPr lang="en-US" dirty="0" smtClean="0">
+                <a:solidFill>
+                  <a:srgbClr val="FF0000"/>
+                </a:solidFill>
+              </a:rPr>
+              <a:t>Future scope</a:t>
+            </a:r>
+            <a:endParaRPr lang="en-US" dirty="0">
+              <a:solidFill>
+                <a:srgbClr val="FF0000"/>
+              </a:solidFill>
+            </a:endParaRPr>
+          </a:p>
+        </p:txBody>
+      </p:sp>
+    </p:spTree>
+    <p:extLst>
+      <p:ext uri="{BB962C8B-B14F-4D97-AF65-F5344CB8AC3E}">
+        <p14:creationId xmlns:p14="http://schemas.microsoft.com/office/powerpoint/2010/main" val="1018011684"/>
+      </p:ext>
+    </p:extLst>
+  </p:cSld>
+  <p:clrMapOvr>
+    <a:masterClrMapping/>
+  </p:clrMapOvr>
+  <p:timing>
+    <p:tnLst>
+      <p:par>
+        <p:cTn id="1" dur="indefinite" restart="never" nodeType="tmRoot"/>
+      </p:par>
+    </p:tnLst>
+  </p:timing>
+</p:sld>
+</file>
+
+<file path=ppt/slides/slide44.xml><?xml version="1.0" encoding="utf-8"?>
+<p:sld xmlns:a="http://schemas.openxmlformats.org/drawingml/2006/main" xmlns:r="http://schemas.openxmlformats.org/officeDocument/2006/relationships" xmlns:p="http://schemas.openxmlformats.org/presentationml/2006/main">
+  <p:cSld>
+    <p:spTree>
+      <p:nvGrpSpPr>
+        <p:cNvPr id="1" name=""/>
+        <p:cNvGrpSpPr/>
+        <p:nvPr/>
+      </p:nvGrpSpPr>
+      <p:grpSpPr>
+        <a:xfrm>
+          <a:off x="0" y="0"/>
+          <a:ext cx="0" cy="0"/>
+          <a:chOff x="0" y="0"/>
+          <a:chExt cx="0" cy="0"/>
+        </a:xfrm>
+      </p:grpSpPr>
+      <p:sp>
+        <p:nvSpPr>
+          <p:cNvPr id="2" name="Title 1"/>
+          <p:cNvSpPr>
+            <a:spLocks noGrp="1"/>
+          </p:cNvSpPr>
+          <p:nvPr>
+            <p:ph type="title"/>
+          </p:nvPr>
+        </p:nvSpPr>
+        <p:spPr/>
+        <p:txBody>
+          <a:bodyPr>
+            <a:normAutofit/>
+          </a:bodyPr>
+          <a:lstStyle/>
+          <a:p>
+            <a:r>
+              <a:rPr lang="en-US" dirty="0"/>
+              <a:t>A brief summary of some use cases gaining </a:t>
+            </a:r>
+            <a:r>
+              <a:rPr lang="en-US" dirty="0" smtClean="0"/>
+              <a:t>momentum</a:t>
+            </a:r>
+            <a:endParaRPr lang="en-US" dirty="0"/>
+          </a:p>
+        </p:txBody>
+      </p:sp>
+      <p:sp>
+        <p:nvSpPr>
+          <p:cNvPr id="3" name="Content Placeholder 2"/>
+          <p:cNvSpPr>
+            <a:spLocks noGrp="1"/>
+          </p:cNvSpPr>
+          <p:nvPr>
+            <p:ph idx="1"/>
+          </p:nvPr>
+        </p:nvSpPr>
+        <p:spPr>
+          <a:xfrm>
+            <a:off x="1261871" y="1828800"/>
+            <a:ext cx="9508797" cy="4543124"/>
+          </a:xfrm>
+        </p:spPr>
+        <p:txBody>
+          <a:bodyPr>
+            <a:normAutofit fontScale="92500" lnSpcReduction="20000"/>
+          </a:bodyPr>
+          <a:lstStyle/>
+          <a:p>
+            <a:pPr fontAlgn="base">
+              <a:buFont typeface="Wingdings" panose="05000000000000000000" pitchFamily="2" charset="2"/>
+              <a:buChar char="Ø"/>
+            </a:pPr>
+            <a:r>
+              <a:rPr lang="en-US" dirty="0" smtClean="0"/>
+              <a:t>Document </a:t>
+            </a:r>
+            <a:r>
+              <a:rPr lang="en-US" dirty="0"/>
+              <a:t>and contract </a:t>
+            </a:r>
+            <a:r>
+              <a:rPr lang="en-US" dirty="0" smtClean="0"/>
+              <a:t>digitization, </a:t>
+            </a:r>
+            <a:r>
+              <a:rPr lang="en-US" dirty="0"/>
+              <a:t>management and exploitation</a:t>
+            </a:r>
+          </a:p>
+          <a:p>
+            <a:pPr fontAlgn="base">
+              <a:buFont typeface="Wingdings" panose="05000000000000000000" pitchFamily="2" charset="2"/>
+              <a:buChar char="Ø"/>
+            </a:pPr>
+            <a:r>
+              <a:rPr lang="en-US" dirty="0"/>
+              <a:t>Secure tracking of data exchange in Internet of Things activity</a:t>
+            </a:r>
+          </a:p>
+          <a:p>
+            <a:pPr fontAlgn="base">
+              <a:buFont typeface="Wingdings" panose="05000000000000000000" pitchFamily="2" charset="2"/>
+              <a:buChar char="Ø"/>
+            </a:pPr>
+            <a:r>
+              <a:rPr lang="en-US" dirty="0"/>
+              <a:t>Securing and creating trust in escrow and custodian services</a:t>
+            </a:r>
+          </a:p>
+          <a:p>
+            <a:pPr fontAlgn="base">
+              <a:buFont typeface="Wingdings" panose="05000000000000000000" pitchFamily="2" charset="2"/>
+              <a:buChar char="Ø"/>
+            </a:pPr>
+            <a:r>
+              <a:rPr lang="en-US" dirty="0" smtClean="0"/>
+              <a:t>Decentralized </a:t>
+            </a:r>
+            <a:r>
+              <a:rPr lang="en-US" dirty="0"/>
+              <a:t>and cloud services including patient records and healthcare support</a:t>
+            </a:r>
+          </a:p>
+          <a:p>
+            <a:pPr fontAlgn="base">
+              <a:buFont typeface="Wingdings" panose="05000000000000000000" pitchFamily="2" charset="2"/>
+              <a:buChar char="Ø"/>
+            </a:pPr>
+            <a:r>
+              <a:rPr lang="en-US" dirty="0"/>
+              <a:t>Electronic voting and voter authentication</a:t>
+            </a:r>
+          </a:p>
+          <a:p>
+            <a:pPr fontAlgn="base">
+              <a:buFont typeface="Wingdings" panose="05000000000000000000" pitchFamily="2" charset="2"/>
+              <a:buChar char="Ø"/>
+            </a:pPr>
+            <a:r>
+              <a:rPr lang="en-US" dirty="0"/>
+              <a:t>Cloud based learning and student authentication</a:t>
+            </a:r>
+          </a:p>
+          <a:p>
+            <a:pPr fontAlgn="base">
+              <a:buFont typeface="Wingdings" panose="05000000000000000000" pitchFamily="2" charset="2"/>
+              <a:buChar char="Ø"/>
+            </a:pPr>
+            <a:r>
+              <a:rPr lang="en-US" dirty="0"/>
+              <a:t>Counterfeit prevention for digital assets and proof of ownership</a:t>
+            </a:r>
+          </a:p>
+          <a:p>
+            <a:pPr fontAlgn="base">
+              <a:buFont typeface="Wingdings" panose="05000000000000000000" pitchFamily="2" charset="2"/>
+              <a:buChar char="Ø"/>
+            </a:pPr>
+            <a:r>
+              <a:rPr lang="en-US" dirty="0"/>
+              <a:t>Digital identity management and providing trust as to authenticity of digital reviews, brands and reputation</a:t>
+            </a:r>
+          </a:p>
+          <a:p>
+            <a:pPr fontAlgn="base">
+              <a:buFont typeface="Wingdings" panose="05000000000000000000" pitchFamily="2" charset="2"/>
+              <a:buChar char="Ø"/>
+            </a:pPr>
+            <a:r>
+              <a:rPr lang="en-US" dirty="0"/>
+              <a:t>Facilitation of sales and trading of digital assets and digital rights </a:t>
+            </a:r>
+            <a:r>
+              <a:rPr lang="en-US" dirty="0" smtClean="0"/>
+              <a:t>management</a:t>
+            </a:r>
+          </a:p>
+          <a:p>
+            <a:pPr fontAlgn="base">
+              <a:buFont typeface="Wingdings" panose="05000000000000000000" pitchFamily="2" charset="2"/>
+              <a:buChar char="Ø"/>
+            </a:pPr>
+            <a:r>
+              <a:rPr lang="en-US" dirty="0" smtClean="0"/>
+              <a:t>Nine </a:t>
+            </a:r>
+            <a:r>
+              <a:rPr lang="en-US" dirty="0"/>
+              <a:t>major banks (including JP Morgan and Goldman Sachs) recently joined a partnership to develop blockchain technologies</a:t>
+            </a:r>
+            <a:r>
+              <a:rPr lang="en-US" dirty="0" smtClean="0"/>
+              <a:t>.</a:t>
+            </a:r>
+            <a:endParaRPr lang="en-US" dirty="0"/>
+          </a:p>
+        </p:txBody>
+      </p:sp>
+    </p:spTree>
+    <p:extLst>
+      <p:ext uri="{BB962C8B-B14F-4D97-AF65-F5344CB8AC3E}">
+        <p14:creationId xmlns:p14="http://schemas.microsoft.com/office/powerpoint/2010/main" val="278640784"/>
+      </p:ext>
+    </p:extLst>
+  </p:cSld>
+  <p:clrMapOvr>
+    <a:masterClrMapping/>
+  </p:clrMapOvr>
+  <p:timing>
+    <p:tnLst>
+      <p:par>
+        <p:cTn id="1" dur="indefinite" restart="never" nodeType="tmRoot"/>
+      </p:par>
+    </p:tnLst>
+  </p:timing>
+</p:sld>
+</file>
+
+<file path=ppt/slides/slide45.xml><?xml version="1.0" encoding="utf-8"?>
+<p:sld xmlns:a="http://schemas.openxmlformats.org/drawingml/2006/main" xmlns:r="http://schemas.openxmlformats.org/officeDocument/2006/relationships" xmlns:p="http://schemas.openxmlformats.org/presentationml/2006/main">
+  <p:cSld>
+    <p:spTree>
+      <p:nvGrpSpPr>
+        <p:cNvPr id="1" name=""/>
+        <p:cNvGrpSpPr/>
+        <p:nvPr/>
+      </p:nvGrpSpPr>
+      <p:grpSpPr>
+        <a:xfrm>
+          <a:off x="0" y="0"/>
+          <a:ext cx="0" cy="0"/>
+          <a:chOff x="0" y="0"/>
+          <a:chExt cx="0" cy="0"/>
+        </a:xfrm>
+      </p:grpSpPr>
+      <p:sp>
+        <p:nvSpPr>
+          <p:cNvPr id="2" name="Title 1"/>
+          <p:cNvSpPr>
+            <a:spLocks noGrp="1"/>
+          </p:cNvSpPr>
+          <p:nvPr>
+            <p:ph type="title"/>
+          </p:nvPr>
+        </p:nvSpPr>
+        <p:spPr/>
+        <p:txBody>
+          <a:bodyPr/>
+          <a:lstStyle/>
+          <a:p>
+            <a:r>
+              <a:rPr lang="en-US" dirty="0" smtClean="0"/>
+              <a:t>Blockchain Startups</a:t>
+            </a:r>
+            <a:endParaRPr lang="en-US" dirty="0"/>
+          </a:p>
+        </p:txBody>
+      </p:sp>
+      <p:pic>
+        <p:nvPicPr>
+          <p:cNvPr id="4" name="Content Placeholder 3"/>
+          <p:cNvPicPr>
+            <a:picLocks noGrp="1" noChangeAspect="1"/>
+          </p:cNvPicPr>
+          <p:nvPr>
+            <p:ph idx="1"/>
+          </p:nvPr>
+        </p:nvPicPr>
+        <p:blipFill>
+          <a:blip r:embed="rId2"/>
+          <a:stretch>
+            <a:fillRect/>
+          </a:stretch>
+        </p:blipFill>
+        <p:spPr>
+          <a:xfrm>
+            <a:off x="1958517" y="1828799"/>
+            <a:ext cx="7944694" cy="4918509"/>
+          </a:xfrm>
+          <a:prstGeom prst="rect">
+            <a:avLst/>
+          </a:prstGeom>
+        </p:spPr>
+      </p:pic>
+    </p:spTree>
+    <p:extLst>
+      <p:ext uri="{BB962C8B-B14F-4D97-AF65-F5344CB8AC3E}">
+        <p14:creationId xmlns:p14="http://schemas.microsoft.com/office/powerpoint/2010/main" val="1615084238"/>
+      </p:ext>
+    </p:extLst>
+  </p:cSld>
+  <p:clrMapOvr>
+    <a:masterClrMapping/>
+  </p:clrMapOvr>
+  <p:timing>
+    <p:tnLst>
+      <p:par>
+        <p:cTn id="1" dur="indefinite" restart="never" nodeType="tmRoot"/>
+      </p:par>
+    </p:tnLst>
+  </p:timing>
+</p:sld>
+</file>
+
+<file path=ppt/slides/slide46.xml><?xml version="1.0" encoding="utf-8"?>
+<p:sld xmlns:a="http://schemas.openxmlformats.org/drawingml/2006/main" xmlns:r="http://schemas.openxmlformats.org/officeDocument/2006/relationships" xmlns:p="http://schemas.openxmlformats.org/presentationml/2006/main">
+  <p:cSld>
+    <p:spTree>
+      <p:nvGrpSpPr>
+        <p:cNvPr id="1" name=""/>
+        <p:cNvGrpSpPr/>
+        <p:nvPr/>
+      </p:nvGrpSpPr>
+      <p:grpSpPr>
+        <a:xfrm>
+          <a:off x="0" y="0"/>
+          <a:ext cx="0" cy="0"/>
+          <a:chOff x="0" y="0"/>
+          <a:chExt cx="0" cy="0"/>
+        </a:xfrm>
+      </p:grpSpPr>
+      <p:sp>
+        <p:nvSpPr>
+          <p:cNvPr id="2" name="Title 1"/>
+          <p:cNvSpPr>
+            <a:spLocks noGrp="1"/>
+          </p:cNvSpPr>
+          <p:nvPr>
+            <p:ph type="title"/>
+          </p:nvPr>
+        </p:nvSpPr>
+        <p:spPr/>
+        <p:txBody>
+          <a:bodyPr/>
+          <a:lstStyle/>
+          <a:p>
+            <a:r>
+              <a:rPr lang="en-US" dirty="0" smtClean="0"/>
+              <a:t>References</a:t>
+            </a:r>
+            <a:endParaRPr lang="en-US" dirty="0"/>
+          </a:p>
+        </p:txBody>
+      </p:sp>
+      <p:sp>
+        <p:nvSpPr>
+          <p:cNvPr id="3" name="Content Placeholder 2"/>
+          <p:cNvSpPr>
+            <a:spLocks noGrp="1"/>
+          </p:cNvSpPr>
+          <p:nvPr>
+            <p:ph idx="1"/>
+          </p:nvPr>
+        </p:nvSpPr>
+        <p:spPr/>
+        <p:txBody>
+          <a:bodyPr>
+            <a:normAutofit lnSpcReduction="10000"/>
+          </a:bodyPr>
+          <a:lstStyle/>
+          <a:p>
+            <a:endParaRPr lang="en-US" dirty="0"/>
+          </a:p>
+          <a:p>
+            <a:pPr marL="0" indent="0">
+              <a:buNone/>
+            </a:pPr>
+            <a:r>
+              <a:rPr lang="en-US" dirty="0" smtClean="0">
+                <a:hlinkClick r:id="rId2"/>
+              </a:rPr>
+              <a:t>https://bitcoin.org/en/</a:t>
+            </a:r>
+            <a:endParaRPr lang="en-US" dirty="0"/>
+          </a:p>
+          <a:p>
+            <a:pPr marL="0" indent="0">
+              <a:buNone/>
+            </a:pPr>
+            <a:r>
+              <a:rPr lang="en-US" dirty="0" smtClean="0">
+                <a:hlinkClick r:id="rId3"/>
+              </a:rPr>
+              <a:t>https://www.blockchain.com/</a:t>
+            </a:r>
+            <a:endParaRPr lang="en-US" dirty="0" smtClean="0"/>
+          </a:p>
+          <a:p>
+            <a:pPr marL="0" indent="0">
+              <a:buNone/>
+            </a:pPr>
+            <a:r>
+              <a:rPr lang="en-US" dirty="0" smtClean="0">
+                <a:hlinkClick r:id="rId4"/>
+              </a:rPr>
+              <a:t>http://blockgeeks.com/guides/what-is-blockchain-technology-a-step-by-step-guide-than-anyone-can-understand/</a:t>
+            </a:r>
+            <a:endParaRPr lang="en-US" dirty="0" smtClean="0"/>
+          </a:p>
+          <a:p>
+            <a:pPr marL="0" indent="0">
+              <a:buNone/>
+            </a:pPr>
+            <a:r>
+              <a:rPr lang="en-US" dirty="0" smtClean="0">
+                <a:hlinkClick r:id="rId5"/>
+              </a:rPr>
+              <a:t>https</a:t>
+            </a:r>
+            <a:r>
+              <a:rPr lang="en-US" dirty="0">
+                <a:hlinkClick r:id="rId5"/>
+              </a:rPr>
+              <a:t>://</a:t>
+            </a:r>
+            <a:r>
+              <a:rPr lang="en-US" dirty="0" smtClean="0">
+                <a:hlinkClick r:id="rId5"/>
+              </a:rPr>
+              <a:t>www.linkedin.com/pulse/blockchain-non-financial-services-use-cases-paul-forrest</a:t>
+            </a:r>
+            <a:endParaRPr lang="en-US" dirty="0" smtClean="0"/>
+          </a:p>
+          <a:p>
+            <a:pPr marL="0" indent="0">
+              <a:buNone/>
+            </a:pPr>
+            <a:r>
+              <a:rPr lang="en-US" dirty="0">
+                <a:hlinkClick r:id="rId6"/>
+              </a:rPr>
+              <a:t>https://</a:t>
+            </a:r>
+            <a:r>
+              <a:rPr lang="en-US" dirty="0" smtClean="0">
+                <a:hlinkClick r:id="rId6"/>
+              </a:rPr>
+              <a:t>www.youtube.com/watch?v=Lx9zgZCMqXE</a:t>
+            </a:r>
+            <a:endParaRPr lang="en-US" dirty="0" smtClean="0"/>
+          </a:p>
+          <a:p>
+            <a:pPr marL="0" indent="0">
+              <a:buNone/>
+            </a:pPr>
+            <a:r>
+              <a:rPr lang="en-US" dirty="0">
+                <a:hlinkClick r:id="rId7"/>
+              </a:rPr>
+              <a:t>http://</a:t>
+            </a:r>
+            <a:r>
+              <a:rPr lang="en-US" dirty="0" smtClean="0">
+                <a:hlinkClick r:id="rId7"/>
+              </a:rPr>
+              <a:t>scet.berkeley.edu/wp-content/uploads/BlockchainPaper.pdf</a:t>
+            </a:r>
+            <a:endParaRPr lang="en-US" dirty="0" smtClean="0"/>
+          </a:p>
+          <a:p>
+            <a:pPr marL="0" indent="0">
+              <a:buNone/>
+            </a:pPr>
+            <a:r>
+              <a:rPr lang="en-US" dirty="0"/>
+              <a:t>http://</a:t>
+            </a:r>
+            <a:r>
+              <a:rPr lang="en-US" dirty="0" smtClean="0"/>
+              <a:t>marmelab.com/blog/2016/04/28/blockchain-for-web-developers-the-theory.html</a:t>
+            </a:r>
+            <a:endParaRPr lang="en-US" dirty="0"/>
+          </a:p>
+          <a:p>
+            <a:pPr marL="0" indent="0">
+              <a:buNone/>
+            </a:pPr>
+            <a:endParaRPr lang="en-US" dirty="0" smtClean="0"/>
+          </a:p>
+          <a:p>
+            <a:pPr marL="0" indent="0">
+              <a:buNone/>
+            </a:pPr>
+            <a:endParaRPr lang="en-US" dirty="0" smtClean="0"/>
+          </a:p>
+          <a:p>
+            <a:pPr marL="0" indent="0">
+              <a:buNone/>
+            </a:pPr>
+            <a:endParaRPr lang="en-US" dirty="0" smtClean="0"/>
+          </a:p>
+          <a:p>
+            <a:pPr marL="0" indent="0">
+              <a:buNone/>
+            </a:pPr>
+            <a:endParaRPr lang="en-US" dirty="0"/>
+          </a:p>
+          <a:p>
+            <a:pPr marL="0" indent="0">
+              <a:buNone/>
+            </a:pPr>
+            <a:endParaRPr lang="en-US" dirty="0"/>
+          </a:p>
+        </p:txBody>
+      </p:sp>
+    </p:spTree>
+    <p:extLst>
+      <p:ext uri="{BB962C8B-B14F-4D97-AF65-F5344CB8AC3E}">
+        <p14:creationId xmlns:p14="http://schemas.microsoft.com/office/powerpoint/2010/main" val="1237604450"/>
+      </p:ext>
+    </p:extLst>
+  </p:cSld>
+  <p:clrMapOvr>
+    <a:masterClrMapping/>
+  </p:clrMapOvr>
+  <p:timing>
+    <p:tnLst>
+      <p:par>
+        <p:cTn id="1" dur="indefinite" restart="never" nodeType="tmRoot"/>
+      </p:par>
+    </p:tnLst>
+  </p:timing>
+</p:sld>
+</file>
+
+<file path=ppt/slides/slide47.xml><?xml version="1.0" encoding="utf-8"?>
+<p:sld xmlns:a="http://schemas.openxmlformats.org/drawingml/2006/main" xmlns:r="http://schemas.openxmlformats.org/officeDocument/2006/relationships" xmlns:p="http://schemas.openxmlformats.org/presentationml/2006/main">
+  <p:cSld>
+    <p:spTree>
+      <p:nvGrpSpPr>
+        <p:cNvPr id="1" name=""/>
+        <p:cNvGrpSpPr/>
+        <p:nvPr/>
+      </p:nvGrpSpPr>
+      <p:grpSpPr>
+        <a:xfrm>
+          <a:off x="0" y="0"/>
+          <a:ext cx="0" cy="0"/>
+          <a:chOff x="0" y="0"/>
+          <a:chExt cx="0" cy="0"/>
+        </a:xfrm>
+      </p:grpSpPr>
+      <p:pic>
+        <p:nvPicPr>
+          <p:cNvPr id="7" name="Picture 6"/>
+          <p:cNvPicPr>
+            <a:picLocks noChangeAspect="1"/>
+          </p:cNvPicPr>
+          <p:nvPr/>
+        </p:nvPicPr>
+        <p:blipFill>
+          <a:blip r:embed="rId2"/>
+          <a:stretch>
+            <a:fillRect/>
+          </a:stretch>
+        </p:blipFill>
+        <p:spPr>
+          <a:xfrm>
+            <a:off x="-2714" y="1097279"/>
+            <a:ext cx="11290984" cy="4514249"/>
+          </a:xfrm>
+          <a:prstGeom prst="rect">
+            <a:avLst/>
+          </a:prstGeom>
+        </p:spPr>
+      </p:pic>
+    </p:spTree>
+    <p:extLst>
+      <p:ext uri="{BB962C8B-B14F-4D97-AF65-F5344CB8AC3E}">
+        <p14:creationId xmlns:p14="http://schemas.microsoft.com/office/powerpoint/2010/main" val="750528939"/>
+      </p:ext>
+    </p:extLst>
+  </p:cSld>
+  <p:clrMapOvr>
+    <a:masterClrMapping/>
+  </p:clrMapOvr>
+  <p:timing>
+    <p:tnLst>
+      <p:par>
+        <p:cTn id="1" dur="indefinite" restart="never" nodeType="tmRoot"/>
+      </p:par>
+    </p:tnLst>
+  </p:timing>
+</p:sld>
+</file>
+
+<file path=ppt/slides/slide48.xml><?xml version="1.0" encoding="utf-8"?>
+<p:sld xmlns:a="http://schemas.openxmlformats.org/drawingml/2006/main" xmlns:r="http://schemas.openxmlformats.org/officeDocument/2006/relationships" xmlns:p="http://schemas.openxmlformats.org/presentationml/2006/main">
+  <p:cSld>
+    <p:spTree>
+      <p:nvGrpSpPr>
+        <p:cNvPr id="1" name=""/>
+        <p:cNvGrpSpPr/>
+        <p:nvPr/>
+      </p:nvGrpSpPr>
+      <p:grpSpPr>
+        <a:xfrm>
+          <a:off x="0" y="0"/>
+          <a:ext cx="0" cy="0"/>
+          <a:chOff x="0" y="0"/>
+          <a:chExt cx="0" cy="0"/>
+        </a:xfrm>
+      </p:grpSpPr>
+      <p:sp>
+        <p:nvSpPr>
+          <p:cNvPr id="2" name="Title 1"/>
+          <p:cNvSpPr>
+            <a:spLocks noGrp="1"/>
+          </p:cNvSpPr>
+          <p:nvPr>
+            <p:ph type="title"/>
+          </p:nvPr>
+        </p:nvSpPr>
+        <p:spPr/>
+        <p:txBody>
+          <a:bodyPr/>
+          <a:lstStyle/>
+          <a:p>
+            <a:r>
+              <a:rPr lang="en-US" b="1" dirty="0" smtClean="0"/>
+              <a:t>Who will use the blockchain?</a:t>
+            </a:r>
+            <a:endParaRPr lang="en-US" dirty="0"/>
+          </a:p>
+        </p:txBody>
+      </p:sp>
+      <p:sp>
+        <p:nvSpPr>
+          <p:cNvPr id="3" name="Content Placeholder 2"/>
+          <p:cNvSpPr>
+            <a:spLocks noGrp="1"/>
+          </p:cNvSpPr>
+          <p:nvPr>
+            <p:ph idx="1"/>
+          </p:nvPr>
+        </p:nvSpPr>
+        <p:spPr/>
+        <p:txBody>
+          <a:bodyPr>
+            <a:normAutofit lnSpcReduction="10000"/>
+          </a:bodyPr>
+          <a:lstStyle/>
+          <a:p>
+            <a:r>
+              <a:rPr lang="en-US" dirty="0" smtClean="0"/>
+              <a:t>As </a:t>
+            </a:r>
+            <a:r>
+              <a:rPr lang="en-US" dirty="0"/>
+              <a:t>web infrastructure, you don’t need to know about the blockchain for it to be useful in your life.</a:t>
+            </a:r>
+          </a:p>
+          <a:p>
+            <a:r>
+              <a:rPr lang="en-US" dirty="0"/>
+              <a:t>Currently, finance offers the strongest use cases for the technology. International remittances, for instance. The World Bank estimates that over $430 billion US in money transfers were sent in 2015.</a:t>
+            </a:r>
+          </a:p>
+          <a:p>
+            <a:r>
+              <a:rPr lang="en-US" dirty="0"/>
+              <a:t>The blockchain potentially cuts out the middleman for these types of transactions.  Personal computing became accessible to the general public with the invention of the Graphical User Interface (GUI), which took the form of a “desktop”. Similarly, the most common GUI devised for the blockchain are the so-called “wallet” applications, which people use to buy things with Bitcoin, and store it along with other cryptocurrencies.</a:t>
+            </a:r>
+          </a:p>
+          <a:p>
+            <a:r>
+              <a:rPr lang="en-US" dirty="0"/>
+              <a:t>Transactions online are closely connected to the processes of identity verification. It is easy to imagine that wallet apps will transform in the coming years to include other types of identity management.</a:t>
+            </a:r>
+          </a:p>
+          <a:p>
+            <a:endParaRPr lang="en-US" dirty="0"/>
+          </a:p>
+        </p:txBody>
+      </p:sp>
+    </p:spTree>
+    <p:extLst>
+      <p:ext uri="{BB962C8B-B14F-4D97-AF65-F5344CB8AC3E}">
+        <p14:creationId xmlns:p14="http://schemas.microsoft.com/office/powerpoint/2010/main" val="1937949944"/>
+      </p:ext>
+    </p:extLst>
+  </p:cSld>
+  <p:clrMapOvr>
+    <a:masterClrMapping/>
+  </p:clrMapOvr>
+  <p:timing>
+    <p:tnLst>
+      <p:par>
+        <p:cTn id="1" dur="indefinite" restart="never" nodeType="tmRoot"/>
+      </p:par>
+    </p:tnLst>
+  </p:timing>
+</p:sld>
+</file>
+
+<file path=ppt/slides/slide49.xml><?xml version="1.0" encoding="utf-8"?>
 <p:sld xmlns:a="http://schemas.openxmlformats.org/drawingml/2006/main" xmlns:r="http://schemas.openxmlformats.org/officeDocument/2006/relationships" xmlns:p="http://schemas.openxmlformats.org/presentationml/2006/main">
   <p:cSld>
     <p:spTree>
@@ -18845,7 +23778,6 @@
               <a:rPr lang="en-US" dirty="0" smtClean="0"/>
               <a:t>Avoid linking public keys together by generating a new public key for every incoming transaction using the wallet software</a:t>
             </a:r>
-            <a:endParaRPr lang="en-US" dirty="0" smtClean="0"/>
           </a:p>
         </p:txBody>
       </p:sp>
@@ -18853,4520 +23785,6 @@
     <p:extLst>
       <p:ext uri="{BB962C8B-B14F-4D97-AF65-F5344CB8AC3E}">
         <p14:creationId xmlns:p14="http://schemas.microsoft.com/office/powerpoint/2010/main" val="1414590266"/>
-      </p:ext>
-    </p:extLst>
-  </p:cSld>
-  <p:clrMapOvr>
-    <a:masterClrMapping/>
-  </p:clrMapOvr>
-  <p:timing>
-    <p:tnLst>
-      <p:par>
-        <p:cTn id="1" dur="indefinite" restart="never" nodeType="tmRoot"/>
-      </p:par>
-    </p:tnLst>
-  </p:timing>
-</p:sld>
-</file>
-
-<file path=ppt/slides/slide28.xml><?xml version="1.0" encoding="utf-8"?>
-<p:sld xmlns:a="http://schemas.openxmlformats.org/drawingml/2006/main" xmlns:r="http://schemas.openxmlformats.org/officeDocument/2006/relationships" xmlns:p="http://schemas.openxmlformats.org/presentationml/2006/main">
-  <p:cSld>
-    <p:spTree>
-      <p:nvGrpSpPr>
-        <p:cNvPr id="1" name=""/>
-        <p:cNvGrpSpPr/>
-        <p:nvPr/>
-      </p:nvGrpSpPr>
-      <p:grpSpPr>
-        <a:xfrm>
-          <a:off x="0" y="0"/>
-          <a:ext cx="0" cy="0"/>
-          <a:chOff x="0" y="0"/>
-          <a:chExt cx="0" cy="0"/>
-        </a:xfrm>
-      </p:grpSpPr>
-      <p:sp>
-        <p:nvSpPr>
-          <p:cNvPr id="2" name="Title 1"/>
-          <p:cNvSpPr>
-            <a:spLocks noGrp="1"/>
-          </p:cNvSpPr>
-          <p:nvPr>
-            <p:ph type="title"/>
-          </p:nvPr>
-        </p:nvSpPr>
-        <p:spPr/>
-        <p:txBody>
-          <a:bodyPr/>
-          <a:lstStyle/>
-          <a:p>
-            <a:r>
-              <a:rPr lang="en-US" dirty="0" smtClean="0"/>
-              <a:t>Security Hole: Transaction Ordering</a:t>
-            </a:r>
-            <a:endParaRPr lang="en-US" dirty="0"/>
-          </a:p>
-        </p:txBody>
-      </p:sp>
-      <p:sp>
-        <p:nvSpPr>
-          <p:cNvPr id="5" name="Rectangle 4"/>
-          <p:cNvSpPr/>
-          <p:nvPr/>
-        </p:nvSpPr>
-        <p:spPr>
-          <a:xfrm>
-            <a:off x="2300440" y="2127183"/>
-            <a:ext cx="2358190" cy="1222408"/>
-          </a:xfrm>
-          <a:prstGeom prst="rect">
-            <a:avLst/>
-          </a:prstGeom>
-          <a:noFill/>
-        </p:spPr>
-        <p:style>
-          <a:lnRef idx="2">
-            <a:schemeClr val="accent1">
-              <a:shade val="50000"/>
-            </a:schemeClr>
-          </a:lnRef>
-          <a:fillRef idx="1">
-            <a:schemeClr val="accent1"/>
-          </a:fillRef>
-          <a:effectRef idx="0">
-            <a:schemeClr val="accent1"/>
-          </a:effectRef>
-          <a:fontRef idx="minor">
-            <a:schemeClr val="lt1"/>
-          </a:fontRef>
-        </p:style>
-        <p:txBody>
-          <a:bodyPr rtlCol="0" anchor="ctr"/>
-          <a:lstStyle/>
-          <a:p>
-            <a:pPr algn="ctr"/>
-            <a:r>
-              <a:rPr lang="en-US" dirty="0" smtClean="0">
-                <a:solidFill>
-                  <a:schemeClr val="tx1"/>
-                </a:solidFill>
-              </a:rPr>
-              <a:t>Order </a:t>
-            </a:r>
-            <a:r>
-              <a:rPr lang="en-US" dirty="0">
-                <a:solidFill>
-                  <a:schemeClr val="tx1"/>
-                </a:solidFill>
-              </a:rPr>
-              <a:t>in which transactions arrive at a node </a:t>
-            </a:r>
-            <a:endParaRPr lang="en-US" dirty="0">
-              <a:solidFill>
-                <a:schemeClr val="tx1"/>
-              </a:solidFill>
-            </a:endParaRPr>
-          </a:p>
-        </p:txBody>
-      </p:sp>
-      <p:sp>
-        <p:nvSpPr>
-          <p:cNvPr id="9" name="Rectangle 8"/>
-          <p:cNvSpPr/>
-          <p:nvPr/>
-        </p:nvSpPr>
-        <p:spPr>
-          <a:xfrm>
-            <a:off x="6593303" y="2127183"/>
-            <a:ext cx="2358190" cy="1222408"/>
-          </a:xfrm>
-          <a:prstGeom prst="rect">
-            <a:avLst/>
-          </a:prstGeom>
-          <a:noFill/>
-        </p:spPr>
-        <p:style>
-          <a:lnRef idx="2">
-            <a:schemeClr val="accent1">
-              <a:shade val="50000"/>
-            </a:schemeClr>
-          </a:lnRef>
-          <a:fillRef idx="1">
-            <a:schemeClr val="accent1"/>
-          </a:fillRef>
-          <a:effectRef idx="0">
-            <a:schemeClr val="accent1"/>
-          </a:effectRef>
-          <a:fontRef idx="minor">
-            <a:schemeClr val="lt1"/>
-          </a:fontRef>
-        </p:style>
-        <p:txBody>
-          <a:bodyPr rtlCol="0" anchor="ctr"/>
-          <a:lstStyle/>
-          <a:p>
-            <a:pPr algn="ctr"/>
-            <a:r>
-              <a:rPr lang="en-US" dirty="0" smtClean="0">
-                <a:solidFill>
-                  <a:schemeClr val="tx1"/>
-                </a:solidFill>
-              </a:rPr>
-              <a:t>Order </a:t>
-            </a:r>
-            <a:r>
-              <a:rPr lang="en-US" dirty="0">
-                <a:solidFill>
-                  <a:schemeClr val="tx1"/>
-                </a:solidFill>
-              </a:rPr>
-              <a:t>in which transactions were created</a:t>
-            </a:r>
-          </a:p>
-        </p:txBody>
-      </p:sp>
-      <p:sp>
-        <p:nvSpPr>
-          <p:cNvPr id="10" name="Not Equal 9"/>
-          <p:cNvSpPr/>
-          <p:nvPr/>
-        </p:nvSpPr>
-        <p:spPr>
-          <a:xfrm>
-            <a:off x="5072514" y="2521817"/>
-            <a:ext cx="1106905" cy="433137"/>
-          </a:xfrm>
-          <a:prstGeom prst="mathNotEqual">
-            <a:avLst/>
-          </a:prstGeom>
-        </p:spPr>
-        <p:style>
-          <a:lnRef idx="2">
-            <a:schemeClr val="accent1">
-              <a:shade val="50000"/>
-            </a:schemeClr>
-          </a:lnRef>
-          <a:fillRef idx="1">
-            <a:schemeClr val="accent1"/>
-          </a:fillRef>
-          <a:effectRef idx="0">
-            <a:schemeClr val="accent1"/>
-          </a:effectRef>
-          <a:fontRef idx="minor">
-            <a:schemeClr val="lt1"/>
-          </a:fontRef>
-        </p:style>
-        <p:txBody>
-          <a:bodyPr rtlCol="0" anchor="ctr"/>
-          <a:lstStyle/>
-          <a:p>
-            <a:pPr algn="ctr"/>
-            <a:endParaRPr lang="en-US">
-              <a:solidFill>
-                <a:schemeClr val="tx1"/>
-              </a:solidFill>
-            </a:endParaRPr>
-          </a:p>
-        </p:txBody>
-      </p:sp>
-      <p:sp>
-        <p:nvSpPr>
-          <p:cNvPr id="12" name="Rectangle 11"/>
-          <p:cNvSpPr/>
-          <p:nvPr/>
-        </p:nvSpPr>
-        <p:spPr>
-          <a:xfrm>
-            <a:off x="596766" y="2444815"/>
-            <a:ext cx="519765" cy="577516"/>
-          </a:xfrm>
-          <a:prstGeom prst="rect">
-            <a:avLst/>
-          </a:prstGeom>
-          <a:noFill/>
-        </p:spPr>
-        <p:style>
-          <a:lnRef idx="2">
-            <a:schemeClr val="accent1">
-              <a:shade val="50000"/>
-            </a:schemeClr>
-          </a:lnRef>
-          <a:fillRef idx="1">
-            <a:schemeClr val="accent1"/>
-          </a:fillRef>
-          <a:effectRef idx="0">
-            <a:schemeClr val="accent1"/>
-          </a:effectRef>
-          <a:fontRef idx="minor">
-            <a:schemeClr val="lt1"/>
-          </a:fontRef>
-        </p:style>
-        <p:txBody>
-          <a:bodyPr rtlCol="0" anchor="ctr"/>
-          <a:lstStyle/>
-          <a:p>
-            <a:pPr algn="ctr"/>
-            <a:r>
-              <a:rPr lang="en-US" dirty="0" smtClean="0">
-                <a:solidFill>
-                  <a:schemeClr val="tx1"/>
-                </a:solidFill>
-              </a:rPr>
-              <a:t>1.</a:t>
-            </a:r>
-            <a:endParaRPr lang="en-US" dirty="0">
-              <a:solidFill>
-                <a:schemeClr val="tx1"/>
-              </a:solidFill>
-            </a:endParaRPr>
-          </a:p>
-        </p:txBody>
-      </p:sp>
-      <p:sp>
-        <p:nvSpPr>
-          <p:cNvPr id="13" name="Rectangle 12"/>
-          <p:cNvSpPr/>
-          <p:nvPr/>
-        </p:nvSpPr>
-        <p:spPr>
-          <a:xfrm>
-            <a:off x="595161" y="3761873"/>
-            <a:ext cx="519765" cy="577516"/>
-          </a:xfrm>
-          <a:prstGeom prst="rect">
-            <a:avLst/>
-          </a:prstGeom>
-          <a:noFill/>
-        </p:spPr>
-        <p:style>
-          <a:lnRef idx="2">
-            <a:schemeClr val="accent1">
-              <a:shade val="50000"/>
-            </a:schemeClr>
-          </a:lnRef>
-          <a:fillRef idx="1">
-            <a:schemeClr val="accent1"/>
-          </a:fillRef>
-          <a:effectRef idx="0">
-            <a:schemeClr val="accent1"/>
-          </a:effectRef>
-          <a:fontRef idx="minor">
-            <a:schemeClr val="lt1"/>
-          </a:fontRef>
-        </p:style>
-        <p:txBody>
-          <a:bodyPr rtlCol="0" anchor="ctr"/>
-          <a:lstStyle/>
-          <a:p>
-            <a:pPr algn="ctr"/>
-            <a:r>
-              <a:rPr lang="en-US" dirty="0">
-                <a:solidFill>
-                  <a:schemeClr val="tx1"/>
-                </a:solidFill>
-              </a:rPr>
-              <a:t>2</a:t>
-            </a:r>
-            <a:r>
-              <a:rPr lang="en-US" dirty="0" smtClean="0">
-                <a:solidFill>
-                  <a:schemeClr val="tx1"/>
-                </a:solidFill>
-              </a:rPr>
-              <a:t>.</a:t>
-            </a:r>
-            <a:endParaRPr lang="en-US" dirty="0">
-              <a:solidFill>
-                <a:schemeClr val="tx1"/>
-              </a:solidFill>
-            </a:endParaRPr>
-          </a:p>
-        </p:txBody>
-      </p:sp>
-      <p:sp>
-        <p:nvSpPr>
-          <p:cNvPr id="14" name="Rectangle 13"/>
-          <p:cNvSpPr/>
-          <p:nvPr/>
-        </p:nvSpPr>
-        <p:spPr>
-          <a:xfrm>
-            <a:off x="1405289" y="3459923"/>
-            <a:ext cx="8670774" cy="1222408"/>
-          </a:xfrm>
-          <a:prstGeom prst="rect">
-            <a:avLst/>
-          </a:prstGeom>
-          <a:noFill/>
-        </p:spPr>
-        <p:style>
-          <a:lnRef idx="2">
-            <a:schemeClr val="accent1">
-              <a:shade val="50000"/>
-            </a:schemeClr>
-          </a:lnRef>
-          <a:fillRef idx="1">
-            <a:schemeClr val="accent1"/>
-          </a:fillRef>
-          <a:effectRef idx="0">
-            <a:schemeClr val="accent1"/>
-          </a:effectRef>
-          <a:fontRef idx="minor">
-            <a:schemeClr val="lt1"/>
-          </a:fontRef>
-        </p:style>
-        <p:txBody>
-          <a:bodyPr rtlCol="0" anchor="ctr"/>
-          <a:lstStyle/>
-          <a:p>
-            <a:pPr algn="ctr"/>
-            <a:r>
-              <a:rPr lang="en-US" dirty="0">
-                <a:solidFill>
-                  <a:schemeClr val="tx1"/>
-                </a:solidFill>
-              </a:rPr>
-              <a:t>Timestamps cannot be trusted as someone could lie</a:t>
-            </a:r>
-          </a:p>
-        </p:txBody>
-      </p:sp>
-      <p:sp>
-        <p:nvSpPr>
-          <p:cNvPr id="16" name="Down Arrow 15"/>
-          <p:cNvSpPr/>
-          <p:nvPr/>
-        </p:nvSpPr>
-        <p:spPr>
-          <a:xfrm>
-            <a:off x="5399773" y="4841509"/>
-            <a:ext cx="577515" cy="644893"/>
-          </a:xfrm>
-          <a:prstGeom prst="downArrow">
-            <a:avLst/>
-          </a:prstGeom>
-          <a:solidFill>
-            <a:srgbClr val="FF0000"/>
-          </a:solidFill>
-          <a:ln>
-            <a:noFill/>
-          </a:ln>
-        </p:spPr>
-        <p:style>
-          <a:lnRef idx="2">
-            <a:schemeClr val="accent1">
-              <a:shade val="50000"/>
-            </a:schemeClr>
-          </a:lnRef>
-          <a:fillRef idx="1">
-            <a:schemeClr val="accent1"/>
-          </a:fillRef>
-          <a:effectRef idx="0">
-            <a:schemeClr val="accent1"/>
-          </a:effectRef>
-          <a:fontRef idx="minor">
-            <a:schemeClr val="lt1"/>
-          </a:fontRef>
-        </p:style>
-        <p:txBody>
-          <a:bodyPr rtlCol="0" anchor="ctr"/>
-          <a:lstStyle/>
-          <a:p>
-            <a:pPr algn="ctr"/>
-            <a:endParaRPr lang="en-US"/>
-          </a:p>
-        </p:txBody>
-      </p:sp>
-      <p:sp>
-        <p:nvSpPr>
-          <p:cNvPr id="17" name="Rectangle 16"/>
-          <p:cNvSpPr/>
-          <p:nvPr/>
-        </p:nvSpPr>
-        <p:spPr>
-          <a:xfrm>
-            <a:off x="1641901" y="5606717"/>
-            <a:ext cx="8670774" cy="1222408"/>
-          </a:xfrm>
-          <a:prstGeom prst="rect">
-            <a:avLst/>
-          </a:prstGeom>
-          <a:noFill/>
-        </p:spPr>
-        <p:style>
-          <a:lnRef idx="2">
-            <a:schemeClr val="accent1">
-              <a:shade val="50000"/>
-            </a:schemeClr>
-          </a:lnRef>
-          <a:fillRef idx="1">
-            <a:schemeClr val="accent1"/>
-          </a:fillRef>
-          <a:effectRef idx="0">
-            <a:schemeClr val="accent1"/>
-          </a:effectRef>
-          <a:fontRef idx="minor">
-            <a:schemeClr val="lt1"/>
-          </a:fontRef>
-        </p:style>
-        <p:txBody>
-          <a:bodyPr rtlCol="0" anchor="ctr"/>
-          <a:lstStyle/>
-          <a:p>
-            <a:pPr algn="ctr"/>
-            <a:r>
-              <a:rPr lang="en-US" dirty="0" smtClean="0">
-                <a:solidFill>
-                  <a:srgbClr val="FF0000"/>
-                </a:solidFill>
-              </a:rPr>
-              <a:t>Double Spending Fraud</a:t>
-            </a:r>
-            <a:endParaRPr lang="en-US" dirty="0">
-              <a:solidFill>
-                <a:srgbClr val="FF0000"/>
-              </a:solidFill>
-            </a:endParaRPr>
-          </a:p>
-        </p:txBody>
-      </p:sp>
-    </p:spTree>
-    <p:extLst>
-      <p:ext uri="{BB962C8B-B14F-4D97-AF65-F5344CB8AC3E}">
-        <p14:creationId xmlns:p14="http://schemas.microsoft.com/office/powerpoint/2010/main" val="1587662210"/>
-      </p:ext>
-    </p:extLst>
-  </p:cSld>
-  <p:clrMapOvr>
-    <a:masterClrMapping/>
-  </p:clrMapOvr>
-  <p:timing>
-    <p:tnLst>
-      <p:par>
-        <p:cTn id="1" dur="indefinite" restart="never" nodeType="tmRoot">
-          <p:childTnLst>
-            <p:seq concurrent="1" nextAc="seek">
-              <p:cTn id="2" dur="indefinite" nodeType="mainSeq">
-                <p:childTnLst>
-                  <p:par>
-                    <p:cTn id="3" fill="hold">
-                      <p:stCondLst>
-                        <p:cond delay="indefinite"/>
-                      </p:stCondLst>
-                      <p:childTnLst>
-                        <p:par>
-                          <p:cTn id="4" fill="hold">
-                            <p:stCondLst>
-                              <p:cond delay="0"/>
-                            </p:stCondLst>
-                            <p:childTnLst>
-                              <p:par>
-                                <p:cTn id="5" presetID="1" presetClass="entr" presetSubtype="0" fill="hold" grpId="0" nodeType="clickEffect">
-                                  <p:stCondLst>
-                                    <p:cond delay="0"/>
-                                  </p:stCondLst>
-                                  <p:childTnLst>
-                                    <p:set>
-                                      <p:cBhvr>
-                                        <p:cTn id="6" dur="1" fill="hold">
-                                          <p:stCondLst>
-                                            <p:cond delay="0"/>
-                                          </p:stCondLst>
-                                        </p:cTn>
-                                        <p:tgtEl>
-                                          <p:spTgt spid="16"/>
-                                        </p:tgtEl>
-                                        <p:attrNameLst>
-                                          <p:attrName>style.visibility</p:attrName>
-                                        </p:attrNameLst>
-                                      </p:cBhvr>
-                                      <p:to>
-                                        <p:strVal val="visible"/>
-                                      </p:to>
-                                    </p:set>
-                                  </p:childTnLst>
-                                </p:cTn>
-                              </p:par>
-                              <p:par>
-                                <p:cTn id="7" presetID="1" presetClass="entr" presetSubtype="0" fill="hold" grpId="0" nodeType="withEffect">
-                                  <p:stCondLst>
-                                    <p:cond delay="0"/>
-                                  </p:stCondLst>
-                                  <p:childTnLst>
-                                    <p:set>
-                                      <p:cBhvr>
-                                        <p:cTn id="8" dur="1" fill="hold">
-                                          <p:stCondLst>
-                                            <p:cond delay="0"/>
-                                          </p:stCondLst>
-                                        </p:cTn>
-                                        <p:tgtEl>
-                                          <p:spTgt spid="17"/>
-                                        </p:tgtEl>
-                                        <p:attrNameLst>
-                                          <p:attrName>style.visibility</p:attrName>
-                                        </p:attrNameLst>
-                                      </p:cBhvr>
-                                      <p:to>
-                                        <p:strVal val="visible"/>
-                                      </p:to>
-                                    </p:set>
-                                  </p:childTnLst>
-                                </p:cTn>
-                              </p:par>
-                            </p:childTnLst>
-                          </p:cTn>
-                        </p:par>
-                      </p:childTnLst>
-                    </p:cTn>
-                  </p:par>
-                </p:childTnLst>
-              </p:cTn>
-              <p:prevCondLst>
-                <p:cond evt="onPrev" delay="0">
-                  <p:tgtEl>
-                    <p:sldTgt/>
-                  </p:tgtEl>
-                </p:cond>
-              </p:prevCondLst>
-              <p:nextCondLst>
-                <p:cond evt="onNext" delay="0">
-                  <p:tgtEl>
-                    <p:sldTgt/>
-                  </p:tgtEl>
-                </p:cond>
-              </p:nextCondLst>
-            </p:seq>
-          </p:childTnLst>
-        </p:cTn>
-      </p:par>
-    </p:tnLst>
-    <p:bldLst>
-      <p:bldP spid="16" grpId="0" animBg="1"/>
-      <p:bldP spid="17" grpId="0" animBg="1"/>
-    </p:bldLst>
-  </p:timing>
-</p:sld>
-</file>
-
-<file path=ppt/slides/slide29.xml><?xml version="1.0" encoding="utf-8"?>
-<p:sld xmlns:a="http://schemas.openxmlformats.org/drawingml/2006/main" xmlns:r="http://schemas.openxmlformats.org/officeDocument/2006/relationships" xmlns:p="http://schemas.openxmlformats.org/presentationml/2006/main">
-  <p:cSld>
-    <p:spTree>
-      <p:nvGrpSpPr>
-        <p:cNvPr id="1" name=""/>
-        <p:cNvGrpSpPr/>
-        <p:nvPr/>
-      </p:nvGrpSpPr>
-      <p:grpSpPr>
-        <a:xfrm>
-          <a:off x="0" y="0"/>
-          <a:ext cx="0" cy="0"/>
-          <a:chOff x="0" y="0"/>
-          <a:chExt cx="0" cy="0"/>
-        </a:xfrm>
-      </p:grpSpPr>
-      <p:pic>
-        <p:nvPicPr>
-          <p:cNvPr id="6" name="Picture 5"/>
-          <p:cNvPicPr>
-            <a:picLocks noChangeAspect="1"/>
-          </p:cNvPicPr>
-          <p:nvPr/>
-        </p:nvPicPr>
-        <p:blipFill>
-          <a:blip r:embed="rId2"/>
-          <a:stretch>
-            <a:fillRect/>
-          </a:stretch>
-        </p:blipFill>
-        <p:spPr>
-          <a:xfrm>
-            <a:off x="8333402" y="4586941"/>
-            <a:ext cx="1619120" cy="2199817"/>
-          </a:xfrm>
-          <a:prstGeom prst="rect">
-            <a:avLst/>
-          </a:prstGeom>
-        </p:spPr>
-      </p:pic>
-      <p:sp>
-        <p:nvSpPr>
-          <p:cNvPr id="2" name="Title 1"/>
-          <p:cNvSpPr>
-            <a:spLocks noGrp="1"/>
-          </p:cNvSpPr>
-          <p:nvPr>
-            <p:ph type="title"/>
-          </p:nvPr>
-        </p:nvSpPr>
-        <p:spPr/>
-        <p:txBody>
-          <a:bodyPr/>
-          <a:lstStyle/>
-          <a:p>
-            <a:r>
-              <a:rPr lang="en-US" dirty="0" smtClean="0"/>
-              <a:t>Double Spending Fraud</a:t>
-            </a:r>
-            <a:endParaRPr lang="en-US" dirty="0"/>
-          </a:p>
-        </p:txBody>
-      </p:sp>
-      <p:pic>
-        <p:nvPicPr>
-          <p:cNvPr id="4" name="Picture 3"/>
-          <p:cNvPicPr>
-            <a:picLocks noChangeAspect="1"/>
-          </p:cNvPicPr>
-          <p:nvPr/>
-        </p:nvPicPr>
-        <p:blipFill>
-          <a:blip r:embed="rId3"/>
-          <a:stretch>
-            <a:fillRect/>
-          </a:stretch>
-        </p:blipFill>
-        <p:spPr>
-          <a:xfrm>
-            <a:off x="172564" y="1951022"/>
-            <a:ext cx="6497744" cy="4835736"/>
-          </a:xfrm>
-          <a:prstGeom prst="rect">
-            <a:avLst/>
-          </a:prstGeom>
-          <a:ln w="3175">
-            <a:solidFill>
-              <a:schemeClr val="tx1"/>
-            </a:solidFill>
-          </a:ln>
-        </p:spPr>
-      </p:pic>
-      <p:sp>
-        <p:nvSpPr>
-          <p:cNvPr id="5" name="TextBox 4"/>
-          <p:cNvSpPr txBox="1"/>
-          <p:nvPr/>
-        </p:nvSpPr>
-        <p:spPr>
-          <a:xfrm>
-            <a:off x="7103444" y="1953928"/>
-            <a:ext cx="3851068" cy="2585323"/>
-          </a:xfrm>
-          <a:prstGeom prst="rect">
-            <a:avLst/>
-          </a:prstGeom>
-          <a:noFill/>
-          <a:ln>
-            <a:solidFill>
-              <a:schemeClr val="tx1"/>
-            </a:solidFill>
-          </a:ln>
-        </p:spPr>
-        <p:txBody>
-          <a:bodyPr wrap="square" rtlCol="0">
-            <a:spAutoFit/>
-          </a:bodyPr>
-          <a:lstStyle/>
-          <a:p>
-            <a:r>
-              <a:rPr lang="en-US" i="1" dirty="0" smtClean="0"/>
-              <a:t>If the second transaction is received first, (by when if Bob would have already shipped the product) then first transaction would be invalidated.</a:t>
-            </a:r>
-          </a:p>
-          <a:p>
-            <a:endParaRPr lang="en-US" i="1" dirty="0"/>
-          </a:p>
-          <a:p>
-            <a:r>
-              <a:rPr lang="en-US" i="1" dirty="0" smtClean="0"/>
-              <a:t>Bob would be out of the product as well as would not receive the payment</a:t>
-            </a:r>
-            <a:endParaRPr lang="en-US" i="1" dirty="0"/>
-          </a:p>
-        </p:txBody>
-      </p:sp>
-    </p:spTree>
-    <p:extLst>
-      <p:ext uri="{BB962C8B-B14F-4D97-AF65-F5344CB8AC3E}">
-        <p14:creationId xmlns:p14="http://schemas.microsoft.com/office/powerpoint/2010/main" val="227861507"/>
-      </p:ext>
-    </p:extLst>
-  </p:cSld>
-  <p:clrMapOvr>
-    <a:masterClrMapping/>
-  </p:clrMapOvr>
-  <p:timing>
-    <p:tnLst>
-      <p:par>
-        <p:cTn id="1" dur="indefinite" restart="never" nodeType="tmRoot">
-          <p:childTnLst>
-            <p:seq concurrent="1" nextAc="seek">
-              <p:cTn id="2" dur="indefinite" nodeType="mainSeq">
-                <p:childTnLst>
-                  <p:par>
-                    <p:cTn id="3" fill="hold">
-                      <p:stCondLst>
-                        <p:cond delay="indefinite"/>
-                      </p:stCondLst>
-                      <p:childTnLst>
-                        <p:par>
-                          <p:cTn id="4" fill="hold">
-                            <p:stCondLst>
-                              <p:cond delay="0"/>
-                            </p:stCondLst>
-                            <p:childTnLst>
-                              <p:par>
-                                <p:cTn id="5" presetID="1" presetClass="entr" presetSubtype="0" fill="hold" grpId="0" nodeType="clickEffect">
-                                  <p:stCondLst>
-                                    <p:cond delay="0"/>
-                                  </p:stCondLst>
-                                  <p:childTnLst>
-                                    <p:set>
-                                      <p:cBhvr>
-                                        <p:cTn id="6" dur="1" fill="hold">
-                                          <p:stCondLst>
-                                            <p:cond delay="0"/>
-                                          </p:stCondLst>
-                                        </p:cTn>
-                                        <p:tgtEl>
-                                          <p:spTgt spid="5"/>
-                                        </p:tgtEl>
-                                        <p:attrNameLst>
-                                          <p:attrName>style.visibility</p:attrName>
-                                        </p:attrNameLst>
-                                      </p:cBhvr>
-                                      <p:to>
-                                        <p:strVal val="visible"/>
-                                      </p:to>
-                                    </p:set>
-                                  </p:childTnLst>
-                                </p:cTn>
-                              </p:par>
-                              <p:par>
-                                <p:cTn id="7" presetID="1" presetClass="entr" presetSubtype="0" fill="hold" nodeType="withEffect">
-                                  <p:stCondLst>
-                                    <p:cond delay="0"/>
-                                  </p:stCondLst>
-                                  <p:childTnLst>
-                                    <p:set>
-                                      <p:cBhvr>
-                                        <p:cTn id="8" dur="1" fill="hold">
-                                          <p:stCondLst>
-                                            <p:cond delay="0"/>
-                                          </p:stCondLst>
-                                        </p:cTn>
-                                        <p:tgtEl>
-                                          <p:spTgt spid="6"/>
-                                        </p:tgtEl>
-                                        <p:attrNameLst>
-                                          <p:attrName>style.visibility</p:attrName>
-                                        </p:attrNameLst>
-                                      </p:cBhvr>
-                                      <p:to>
-                                        <p:strVal val="visible"/>
-                                      </p:to>
-                                    </p:set>
-                                  </p:childTnLst>
-                                </p:cTn>
-                              </p:par>
-                            </p:childTnLst>
-                          </p:cTn>
-                        </p:par>
-                      </p:childTnLst>
-                    </p:cTn>
-                  </p:par>
-                </p:childTnLst>
-              </p:cTn>
-              <p:prevCondLst>
-                <p:cond evt="onPrev" delay="0">
-                  <p:tgtEl>
-                    <p:sldTgt/>
-                  </p:tgtEl>
-                </p:cond>
-              </p:prevCondLst>
-              <p:nextCondLst>
-                <p:cond evt="onNext" delay="0">
-                  <p:tgtEl>
-                    <p:sldTgt/>
-                  </p:tgtEl>
-                </p:cond>
-              </p:nextCondLst>
-            </p:seq>
-          </p:childTnLst>
-        </p:cTn>
-      </p:par>
-    </p:tnLst>
-    <p:bldLst>
-      <p:bldP spid="5" grpId="0" animBg="1"/>
-    </p:bldLst>
-  </p:timing>
-</p:sld>
-</file>
-
-<file path=ppt/slides/slide3.xml><?xml version="1.0" encoding="utf-8"?>
-<p:sld xmlns:a="http://schemas.openxmlformats.org/drawingml/2006/main" xmlns:r="http://schemas.openxmlformats.org/officeDocument/2006/relationships" xmlns:p="http://schemas.openxmlformats.org/presentationml/2006/main">
-  <p:cSld>
-    <p:spTree>
-      <p:nvGrpSpPr>
-        <p:cNvPr id="1" name=""/>
-        <p:cNvGrpSpPr/>
-        <p:nvPr/>
-      </p:nvGrpSpPr>
-      <p:grpSpPr>
-        <a:xfrm>
-          <a:off x="0" y="0"/>
-          <a:ext cx="0" cy="0"/>
-          <a:chOff x="0" y="0"/>
-          <a:chExt cx="0" cy="0"/>
-        </a:xfrm>
-      </p:grpSpPr>
-      <p:sp>
-        <p:nvSpPr>
-          <p:cNvPr id="2" name="Title 1"/>
-          <p:cNvSpPr>
-            <a:spLocks noGrp="1"/>
-          </p:cNvSpPr>
-          <p:nvPr>
-            <p:ph type="title"/>
-          </p:nvPr>
-        </p:nvSpPr>
-        <p:spPr/>
-        <p:txBody>
-          <a:bodyPr/>
-          <a:lstStyle/>
-          <a:p>
-            <a:r>
-              <a:rPr lang="en-US" dirty="0" smtClean="0"/>
-              <a:t>Agenda</a:t>
-            </a:r>
-            <a:endParaRPr lang="en-US" dirty="0"/>
-          </a:p>
-        </p:txBody>
-      </p:sp>
-      <p:sp>
-        <p:nvSpPr>
-          <p:cNvPr id="3" name="Content Placeholder 2"/>
-          <p:cNvSpPr>
-            <a:spLocks noGrp="1"/>
-          </p:cNvSpPr>
-          <p:nvPr>
-            <p:ph idx="1"/>
-          </p:nvPr>
-        </p:nvSpPr>
-        <p:spPr/>
-        <p:txBody>
-          <a:bodyPr/>
-          <a:lstStyle/>
-          <a:p>
-            <a:pPr>
-              <a:buFont typeface="Wingdings" panose="05000000000000000000" pitchFamily="2" charset="2"/>
-              <a:buChar char="Ø"/>
-            </a:pPr>
-            <a:r>
-              <a:rPr lang="en-US" dirty="0" smtClean="0">
-                <a:solidFill>
-                  <a:srgbClr val="FF0000"/>
-                </a:solidFill>
-              </a:rPr>
-              <a:t>Introduction</a:t>
-            </a:r>
-          </a:p>
-          <a:p>
-            <a:pPr>
-              <a:buFont typeface="Wingdings" panose="05000000000000000000" pitchFamily="2" charset="2"/>
-              <a:buChar char="Ø"/>
-            </a:pPr>
-            <a:r>
-              <a:rPr lang="en-US" dirty="0" smtClean="0"/>
-              <a:t>Motivation</a:t>
-            </a:r>
-          </a:p>
-          <a:p>
-            <a:pPr>
-              <a:buFont typeface="Wingdings" panose="05000000000000000000" pitchFamily="2" charset="2"/>
-              <a:buChar char="Ø"/>
-            </a:pPr>
-            <a:r>
-              <a:rPr lang="en-US" dirty="0" smtClean="0"/>
-              <a:t>Technical Overview</a:t>
-            </a:r>
-          </a:p>
-          <a:p>
-            <a:pPr>
-              <a:buFont typeface="Wingdings" panose="05000000000000000000" pitchFamily="2" charset="2"/>
-              <a:buChar char="Ø"/>
-            </a:pPr>
-            <a:r>
-              <a:rPr lang="en-US" dirty="0"/>
-              <a:t>How does it work?</a:t>
-            </a:r>
-          </a:p>
-          <a:p>
-            <a:pPr>
-              <a:buFont typeface="Wingdings" panose="05000000000000000000" pitchFamily="2" charset="2"/>
-              <a:buChar char="Ø"/>
-            </a:pPr>
-            <a:r>
-              <a:rPr lang="en-US" dirty="0" smtClean="0"/>
-              <a:t>Strengths/Weaknesses</a:t>
-            </a:r>
-            <a:endParaRPr lang="en-US" dirty="0" smtClean="0"/>
-          </a:p>
-          <a:p>
-            <a:pPr>
-              <a:buFont typeface="Wingdings" panose="05000000000000000000" pitchFamily="2" charset="2"/>
-              <a:buChar char="Ø"/>
-            </a:pPr>
-            <a:r>
-              <a:rPr lang="en-US" dirty="0" smtClean="0"/>
-              <a:t>Future scope</a:t>
-            </a:r>
-            <a:endParaRPr lang="en-US" dirty="0"/>
-          </a:p>
-        </p:txBody>
-      </p:sp>
-    </p:spTree>
-    <p:extLst>
-      <p:ext uri="{BB962C8B-B14F-4D97-AF65-F5344CB8AC3E}">
-        <p14:creationId xmlns:p14="http://schemas.microsoft.com/office/powerpoint/2010/main" val="211613113"/>
-      </p:ext>
-    </p:extLst>
-  </p:cSld>
-  <p:clrMapOvr>
-    <a:masterClrMapping/>
-  </p:clrMapOvr>
-  <p:timing>
-    <p:tnLst>
-      <p:par>
-        <p:cTn id="1" dur="indefinite" restart="never" nodeType="tmRoot"/>
-      </p:par>
-    </p:tnLst>
-  </p:timing>
-</p:sld>
-</file>
-
-<file path=ppt/slides/slide30.xml><?xml version="1.0" encoding="utf-8"?>
-<p:sld xmlns:a="http://schemas.openxmlformats.org/drawingml/2006/main" xmlns:r="http://schemas.openxmlformats.org/officeDocument/2006/relationships" xmlns:p="http://schemas.openxmlformats.org/presentationml/2006/main">
-  <p:cSld>
-    <p:spTree>
-      <p:nvGrpSpPr>
-        <p:cNvPr id="1" name=""/>
-        <p:cNvGrpSpPr/>
-        <p:nvPr/>
-      </p:nvGrpSpPr>
-      <p:grpSpPr>
-        <a:xfrm>
-          <a:off x="0" y="0"/>
-          <a:ext cx="0" cy="0"/>
-          <a:chOff x="0" y="0"/>
-          <a:chExt cx="0" cy="0"/>
-        </a:xfrm>
-      </p:grpSpPr>
-      <p:sp>
-        <p:nvSpPr>
-          <p:cNvPr id="4" name="Content Placeholder 2"/>
-          <p:cNvSpPr>
-            <a:spLocks noGrp="1"/>
-          </p:cNvSpPr>
-          <p:nvPr>
-            <p:ph idx="1"/>
-          </p:nvPr>
-        </p:nvSpPr>
-        <p:spPr>
-          <a:xfrm>
-            <a:off x="1261872" y="1828800"/>
-            <a:ext cx="8595360" cy="4351337"/>
-          </a:xfrm>
-        </p:spPr>
-        <p:txBody>
-          <a:bodyPr/>
-          <a:lstStyle/>
-          <a:p>
-            <a:pPr marL="0" indent="0">
-              <a:buNone/>
-            </a:pPr>
-            <a:endParaRPr lang="en-US" dirty="0" smtClean="0"/>
-          </a:p>
-          <a:p>
-            <a:pPr marL="0" indent="0">
-              <a:buNone/>
-            </a:pPr>
-            <a:endParaRPr lang="en-US" dirty="0"/>
-          </a:p>
-          <a:p>
-            <a:pPr marL="0" indent="0">
-              <a:buNone/>
-            </a:pPr>
-            <a:endParaRPr lang="en-US" dirty="0" smtClean="0"/>
-          </a:p>
-          <a:p>
-            <a:pPr marL="0" indent="0">
-              <a:buNone/>
-            </a:pPr>
-            <a:r>
-              <a:rPr lang="en-US" sz="2800" b="1" dirty="0" smtClean="0"/>
-              <a:t>Nodes need to agree on transaction order!</a:t>
-            </a:r>
-            <a:endParaRPr lang="en-US" sz="2800" b="1" dirty="0"/>
-          </a:p>
-        </p:txBody>
-      </p:sp>
-    </p:spTree>
-    <p:extLst>
-      <p:ext uri="{BB962C8B-B14F-4D97-AF65-F5344CB8AC3E}">
-        <p14:creationId xmlns:p14="http://schemas.microsoft.com/office/powerpoint/2010/main" val="3556556538"/>
-      </p:ext>
-    </p:extLst>
-  </p:cSld>
-  <p:clrMapOvr>
-    <a:masterClrMapping/>
-  </p:clrMapOvr>
-  <p:timing>
-    <p:tnLst>
-      <p:par>
-        <p:cTn id="1" dur="indefinite" restart="never" nodeType="tmRoot"/>
-      </p:par>
-    </p:tnLst>
-  </p:timing>
-</p:sld>
-</file>
-
-<file path=ppt/slides/slide31.xml><?xml version="1.0" encoding="utf-8"?>
-<p:sld xmlns:a="http://schemas.openxmlformats.org/drawingml/2006/main" xmlns:r="http://schemas.openxmlformats.org/officeDocument/2006/relationships" xmlns:p="http://schemas.openxmlformats.org/presentationml/2006/main">
-  <p:cSld>
-    <p:spTree>
-      <p:nvGrpSpPr>
-        <p:cNvPr id="1" name=""/>
-        <p:cNvGrpSpPr/>
-        <p:nvPr/>
-      </p:nvGrpSpPr>
-      <p:grpSpPr>
-        <a:xfrm>
-          <a:off x="0" y="0"/>
-          <a:ext cx="0" cy="0"/>
-          <a:chOff x="0" y="0"/>
-          <a:chExt cx="0" cy="0"/>
-        </a:xfrm>
-      </p:grpSpPr>
-      <p:sp>
-        <p:nvSpPr>
-          <p:cNvPr id="2" name="Title 1"/>
-          <p:cNvSpPr>
-            <a:spLocks noGrp="1"/>
-          </p:cNvSpPr>
-          <p:nvPr>
-            <p:ph type="title"/>
-          </p:nvPr>
-        </p:nvSpPr>
-        <p:spPr/>
-        <p:txBody>
-          <a:bodyPr/>
-          <a:lstStyle/>
-          <a:p>
-            <a:r>
-              <a:rPr lang="en-US" dirty="0" smtClean="0"/>
-              <a:t>Ordering Solution</a:t>
-            </a:r>
-            <a:endParaRPr lang="en-US" dirty="0"/>
-          </a:p>
-        </p:txBody>
-      </p:sp>
-      <p:sp>
-        <p:nvSpPr>
-          <p:cNvPr id="3" name="Content Placeholder 2"/>
-          <p:cNvSpPr>
-            <a:spLocks noGrp="1"/>
-          </p:cNvSpPr>
-          <p:nvPr>
-            <p:ph idx="1"/>
-          </p:nvPr>
-        </p:nvSpPr>
-        <p:spPr>
-          <a:xfrm>
-            <a:off x="1261871" y="2359907"/>
-            <a:ext cx="5398811" cy="2009962"/>
-          </a:xfrm>
-          <a:ln w="3175">
-            <a:solidFill>
-              <a:schemeClr val="tx1"/>
-            </a:solidFill>
-          </a:ln>
-        </p:spPr>
-        <p:txBody>
-          <a:bodyPr>
-            <a:normAutofit/>
-          </a:bodyPr>
-          <a:lstStyle/>
-          <a:p>
-            <a:pPr>
-              <a:buFont typeface="Wingdings" panose="05000000000000000000" pitchFamily="2" charset="2"/>
-              <a:buChar char="Ø"/>
-            </a:pPr>
-            <a:r>
-              <a:rPr lang="en-US" dirty="0" smtClean="0"/>
-              <a:t>Transaction are grouped together as blocks!</a:t>
-            </a:r>
-          </a:p>
-          <a:p>
-            <a:pPr lvl="1">
-              <a:buFont typeface="Wingdings" panose="05000000000000000000" pitchFamily="2" charset="2"/>
-              <a:buChar char="§"/>
-            </a:pPr>
-            <a:r>
-              <a:rPr lang="en-US" dirty="0" smtClean="0"/>
-              <a:t>Transactions in the same block are considered to have happened at the same time</a:t>
-            </a:r>
-          </a:p>
-          <a:p>
-            <a:pPr>
-              <a:buFont typeface="Wingdings" panose="05000000000000000000" pitchFamily="2" charset="2"/>
-              <a:buChar char="Ø"/>
-            </a:pPr>
-            <a:r>
-              <a:rPr lang="en-US" dirty="0" smtClean="0"/>
-              <a:t>Each block also has a reference to the previous block. </a:t>
-            </a:r>
-          </a:p>
-          <a:p>
-            <a:pPr lvl="1">
-              <a:buFont typeface="Wingdings" panose="05000000000000000000" pitchFamily="2" charset="2"/>
-              <a:buChar char="§"/>
-            </a:pPr>
-            <a:r>
-              <a:rPr lang="en-US" dirty="0" smtClean="0"/>
-              <a:t>This is how order is maintained historically</a:t>
-            </a:r>
-          </a:p>
-        </p:txBody>
-      </p:sp>
-      <p:graphicFrame>
-        <p:nvGraphicFramePr>
-          <p:cNvPr id="4" name="Diagram 3"/>
-          <p:cNvGraphicFramePr/>
-          <p:nvPr>
-            <p:extLst>
-              <p:ext uri="{D42A27DB-BD31-4B8C-83A1-F6EECF244321}">
-                <p14:modId xmlns:p14="http://schemas.microsoft.com/office/powerpoint/2010/main" val="1107822371"/>
-              </p:ext>
-            </p:extLst>
-          </p:nvPr>
-        </p:nvGraphicFramePr>
-        <p:xfrm>
-          <a:off x="1261871" y="4740070"/>
-          <a:ext cx="5398811" cy="1230797"/>
-        </p:xfrm>
-        <a:graphic>
-          <a:graphicData uri="http://schemas.openxmlformats.org/drawingml/2006/diagram">
-            <dgm:relIds xmlns:dgm="http://schemas.openxmlformats.org/drawingml/2006/diagram" xmlns:r="http://schemas.openxmlformats.org/officeDocument/2006/relationships" r:dm="rId2" r:lo="rId3" r:qs="rId4" r:cs="rId5"/>
-          </a:graphicData>
-        </a:graphic>
-      </p:graphicFrame>
-      <p:pic>
-        <p:nvPicPr>
-          <p:cNvPr id="5" name="Picture 4"/>
-          <p:cNvPicPr>
-            <a:picLocks noChangeAspect="1"/>
-          </p:cNvPicPr>
-          <p:nvPr/>
-        </p:nvPicPr>
-        <p:blipFill>
-          <a:blip r:embed="rId7"/>
-          <a:stretch>
-            <a:fillRect/>
-          </a:stretch>
-        </p:blipFill>
-        <p:spPr>
-          <a:xfrm>
-            <a:off x="6854117" y="2369533"/>
-            <a:ext cx="4100395" cy="3601334"/>
-          </a:xfrm>
-          <a:prstGeom prst="rect">
-            <a:avLst/>
-          </a:prstGeom>
-          <a:ln w="3175">
-            <a:solidFill>
-              <a:schemeClr val="tx1"/>
-            </a:solidFill>
-          </a:ln>
-        </p:spPr>
-      </p:pic>
-    </p:spTree>
-    <p:extLst>
-      <p:ext uri="{BB962C8B-B14F-4D97-AF65-F5344CB8AC3E}">
-        <p14:creationId xmlns:p14="http://schemas.microsoft.com/office/powerpoint/2010/main" val="3088928995"/>
-      </p:ext>
-    </p:extLst>
-  </p:cSld>
-  <p:clrMapOvr>
-    <a:masterClrMapping/>
-  </p:clrMapOvr>
-  <p:timing>
-    <p:tnLst>
-      <p:par>
-        <p:cTn id="1" dur="indefinite" restart="never" nodeType="tmRoot"/>
-      </p:par>
-    </p:tnLst>
-  </p:timing>
-</p:sld>
-</file>
-
-<file path=ppt/slides/slide32.xml><?xml version="1.0" encoding="utf-8"?>
-<p:sld xmlns:a="http://schemas.openxmlformats.org/drawingml/2006/main" xmlns:r="http://schemas.openxmlformats.org/officeDocument/2006/relationships" xmlns:p="http://schemas.openxmlformats.org/presentationml/2006/main">
-  <p:cSld>
-    <p:spTree>
-      <p:nvGrpSpPr>
-        <p:cNvPr id="1" name=""/>
-        <p:cNvGrpSpPr/>
-        <p:nvPr/>
-      </p:nvGrpSpPr>
-      <p:grpSpPr>
-        <a:xfrm>
-          <a:off x="0" y="0"/>
-          <a:ext cx="0" cy="0"/>
-          <a:chOff x="0" y="0"/>
-          <a:chExt cx="0" cy="0"/>
-        </a:xfrm>
-      </p:grpSpPr>
-      <p:sp>
-        <p:nvSpPr>
-          <p:cNvPr id="2" name="Title 1"/>
-          <p:cNvSpPr>
-            <a:spLocks noGrp="1"/>
-          </p:cNvSpPr>
-          <p:nvPr>
-            <p:ph type="title"/>
-          </p:nvPr>
-        </p:nvSpPr>
-        <p:spPr/>
-        <p:txBody>
-          <a:bodyPr/>
-          <a:lstStyle/>
-          <a:p>
-            <a:r>
-              <a:rPr lang="en-US" dirty="0" smtClean="0"/>
-              <a:t>Block Creation (1/2)</a:t>
-            </a:r>
-            <a:endParaRPr lang="en-US" dirty="0"/>
-          </a:p>
-        </p:txBody>
-      </p:sp>
-      <p:pic>
-        <p:nvPicPr>
-          <p:cNvPr id="4" name="Content Placeholder 3"/>
-          <p:cNvPicPr>
-            <a:picLocks noGrp="1" noChangeAspect="1"/>
-          </p:cNvPicPr>
-          <p:nvPr>
-            <p:ph idx="1"/>
-          </p:nvPr>
-        </p:nvPicPr>
-        <p:blipFill>
-          <a:blip r:embed="rId2"/>
-          <a:stretch>
-            <a:fillRect/>
-          </a:stretch>
-        </p:blipFill>
-        <p:spPr>
-          <a:xfrm>
-            <a:off x="1415797" y="1925053"/>
-            <a:ext cx="4822163" cy="4351338"/>
-          </a:xfrm>
-          <a:prstGeom prst="rect">
-            <a:avLst/>
-          </a:prstGeom>
-          <a:ln w="3175">
-            <a:solidFill>
-              <a:schemeClr val="tx1"/>
-            </a:solidFill>
-          </a:ln>
-        </p:spPr>
-      </p:pic>
-      <p:sp>
-        <p:nvSpPr>
-          <p:cNvPr id="5" name="TextBox 4"/>
-          <p:cNvSpPr txBox="1"/>
-          <p:nvPr/>
-        </p:nvSpPr>
-        <p:spPr>
-          <a:xfrm>
-            <a:off x="6795436" y="2887579"/>
-            <a:ext cx="3851068" cy="1754326"/>
-          </a:xfrm>
-          <a:prstGeom prst="rect">
-            <a:avLst/>
-          </a:prstGeom>
-          <a:noFill/>
-          <a:ln>
-            <a:solidFill>
-              <a:schemeClr val="tx1"/>
-            </a:solidFill>
-          </a:ln>
-        </p:spPr>
-        <p:txBody>
-          <a:bodyPr wrap="square" rtlCol="0">
-            <a:spAutoFit/>
-          </a:bodyPr>
-          <a:lstStyle/>
-          <a:p>
-            <a:r>
-              <a:rPr lang="en-US" i="1" dirty="0" smtClean="0"/>
-              <a:t>Any node can collect a set of unconfirmed transactions into a block and broadcast it to the network as a suggestion for what the next block in the chain could be.</a:t>
-            </a:r>
-            <a:endParaRPr lang="en-US" i="1" dirty="0"/>
-          </a:p>
-        </p:txBody>
-      </p:sp>
-    </p:spTree>
-    <p:extLst>
-      <p:ext uri="{BB962C8B-B14F-4D97-AF65-F5344CB8AC3E}">
-        <p14:creationId xmlns:p14="http://schemas.microsoft.com/office/powerpoint/2010/main" val="3447158376"/>
-      </p:ext>
-    </p:extLst>
-  </p:cSld>
-  <p:clrMapOvr>
-    <a:masterClrMapping/>
-  </p:clrMapOvr>
-  <p:timing>
-    <p:tnLst>
-      <p:par>
-        <p:cTn id="1" dur="indefinite" restart="never" nodeType="tmRoot"/>
-      </p:par>
-    </p:tnLst>
-  </p:timing>
-</p:sld>
-</file>
-
-<file path=ppt/slides/slide33.xml><?xml version="1.0" encoding="utf-8"?>
-<p:sld xmlns:a="http://schemas.openxmlformats.org/drawingml/2006/main" xmlns:r="http://schemas.openxmlformats.org/officeDocument/2006/relationships" xmlns:p="http://schemas.openxmlformats.org/presentationml/2006/main">
-  <p:cSld>
-    <p:spTree>
-      <p:nvGrpSpPr>
-        <p:cNvPr id="1" name=""/>
-        <p:cNvGrpSpPr/>
-        <p:nvPr/>
-      </p:nvGrpSpPr>
-      <p:grpSpPr>
-        <a:xfrm>
-          <a:off x="0" y="0"/>
-          <a:ext cx="0" cy="0"/>
-          <a:chOff x="0" y="0"/>
-          <a:chExt cx="0" cy="0"/>
-        </a:xfrm>
-      </p:grpSpPr>
-      <p:sp>
-        <p:nvSpPr>
-          <p:cNvPr id="2" name="Title 1"/>
-          <p:cNvSpPr>
-            <a:spLocks noGrp="1"/>
-          </p:cNvSpPr>
-          <p:nvPr>
-            <p:ph type="title"/>
-          </p:nvPr>
-        </p:nvSpPr>
-        <p:spPr/>
-        <p:txBody>
-          <a:bodyPr/>
-          <a:lstStyle/>
-          <a:p>
-            <a:r>
-              <a:rPr lang="en-US" dirty="0" smtClean="0"/>
-              <a:t>Block Creation (2/2)</a:t>
-            </a:r>
-            <a:endParaRPr lang="en-US" dirty="0"/>
-          </a:p>
-        </p:txBody>
-      </p:sp>
-      <p:sp>
-        <p:nvSpPr>
-          <p:cNvPr id="5" name="TextBox 4"/>
-          <p:cNvSpPr txBox="1"/>
-          <p:nvPr/>
-        </p:nvSpPr>
-        <p:spPr>
-          <a:xfrm>
-            <a:off x="7969718" y="2810577"/>
-            <a:ext cx="2984794" cy="1754326"/>
-          </a:xfrm>
-          <a:prstGeom prst="rect">
-            <a:avLst/>
-          </a:prstGeom>
-          <a:noFill/>
-          <a:ln>
-            <a:solidFill>
-              <a:schemeClr val="tx1"/>
-            </a:solidFill>
-          </a:ln>
-        </p:spPr>
-        <p:txBody>
-          <a:bodyPr wrap="square" rtlCol="0">
-            <a:spAutoFit/>
-          </a:bodyPr>
-          <a:lstStyle/>
-          <a:p>
-            <a:r>
-              <a:rPr lang="en-US" i="1" dirty="0" smtClean="0"/>
-              <a:t>How to decide which one of the potential next blocks to chose from?</a:t>
-            </a:r>
-          </a:p>
-          <a:p>
-            <a:endParaRPr lang="en-US" i="1" dirty="0"/>
-          </a:p>
-          <a:p>
-            <a:r>
-              <a:rPr lang="en-US" i="1" dirty="0" smtClean="0"/>
-              <a:t>Cannot rely on the order in which the blocks arrive.</a:t>
-            </a:r>
-            <a:endParaRPr lang="en-US" i="1" dirty="0"/>
-          </a:p>
-        </p:txBody>
-      </p:sp>
-      <p:pic>
-        <p:nvPicPr>
-          <p:cNvPr id="7" name="Picture 6"/>
-          <p:cNvPicPr>
-            <a:picLocks noChangeAspect="1"/>
-          </p:cNvPicPr>
-          <p:nvPr/>
-        </p:nvPicPr>
-        <p:blipFill>
-          <a:blip r:embed="rId2"/>
-          <a:stretch>
-            <a:fillRect/>
-          </a:stretch>
-        </p:blipFill>
-        <p:spPr>
-          <a:xfrm>
-            <a:off x="213899" y="1840678"/>
-            <a:ext cx="7629510" cy="4327580"/>
-          </a:xfrm>
-          <a:prstGeom prst="rect">
-            <a:avLst/>
-          </a:prstGeom>
-          <a:ln w="3175">
-            <a:solidFill>
-              <a:schemeClr val="tx1"/>
-            </a:solidFill>
-          </a:ln>
-        </p:spPr>
-      </p:pic>
-    </p:spTree>
-    <p:extLst>
-      <p:ext uri="{BB962C8B-B14F-4D97-AF65-F5344CB8AC3E}">
-        <p14:creationId xmlns:p14="http://schemas.microsoft.com/office/powerpoint/2010/main" val="2759647576"/>
-      </p:ext>
-    </p:extLst>
-  </p:cSld>
-  <p:clrMapOvr>
-    <a:masterClrMapping/>
-  </p:clrMapOvr>
-  <p:timing>
-    <p:tnLst>
-      <p:par>
-        <p:cTn id="1" dur="indefinite" restart="never" nodeType="tmRoot">
-          <p:childTnLst>
-            <p:seq concurrent="1" nextAc="seek">
-              <p:cTn id="2" dur="indefinite" nodeType="mainSeq">
-                <p:childTnLst>
-                  <p:par>
-                    <p:cTn id="3" fill="hold">
-                      <p:stCondLst>
-                        <p:cond delay="indefinite"/>
-                      </p:stCondLst>
-                      <p:childTnLst>
-                        <p:par>
-                          <p:cTn id="4" fill="hold">
-                            <p:stCondLst>
-                              <p:cond delay="0"/>
-                            </p:stCondLst>
-                            <p:childTnLst>
-                              <p:par>
-                                <p:cTn id="5" presetID="1" presetClass="entr" presetSubtype="0" fill="hold" grpId="0" nodeType="clickEffect">
-                                  <p:stCondLst>
-                                    <p:cond delay="0"/>
-                                  </p:stCondLst>
-                                  <p:childTnLst>
-                                    <p:set>
-                                      <p:cBhvr>
-                                        <p:cTn id="6" dur="1" fill="hold">
-                                          <p:stCondLst>
-                                            <p:cond delay="0"/>
-                                          </p:stCondLst>
-                                        </p:cTn>
-                                        <p:tgtEl>
-                                          <p:spTgt spid="5"/>
-                                        </p:tgtEl>
-                                        <p:attrNameLst>
-                                          <p:attrName>style.visibility</p:attrName>
-                                        </p:attrNameLst>
-                                      </p:cBhvr>
-                                      <p:to>
-                                        <p:strVal val="visible"/>
-                                      </p:to>
-                                    </p:set>
-                                  </p:childTnLst>
-                                </p:cTn>
-                              </p:par>
-                            </p:childTnLst>
-                          </p:cTn>
-                        </p:par>
-                      </p:childTnLst>
-                    </p:cTn>
-                  </p:par>
-                </p:childTnLst>
-              </p:cTn>
-              <p:prevCondLst>
-                <p:cond evt="onPrev" delay="0">
-                  <p:tgtEl>
-                    <p:sldTgt/>
-                  </p:tgtEl>
-                </p:cond>
-              </p:prevCondLst>
-              <p:nextCondLst>
-                <p:cond evt="onNext" delay="0">
-                  <p:tgtEl>
-                    <p:sldTgt/>
-                  </p:tgtEl>
-                </p:cond>
-              </p:nextCondLst>
-            </p:seq>
-          </p:childTnLst>
-        </p:cTn>
-      </p:par>
-    </p:tnLst>
-    <p:bldLst>
-      <p:bldP spid="5" grpId="0" animBg="1"/>
-    </p:bldLst>
-  </p:timing>
-</p:sld>
-</file>
-
-<file path=ppt/slides/slide34.xml><?xml version="1.0" encoding="utf-8"?>
-<p:sld xmlns:a="http://schemas.openxmlformats.org/drawingml/2006/main" xmlns:r="http://schemas.openxmlformats.org/officeDocument/2006/relationships" xmlns:p="http://schemas.openxmlformats.org/presentationml/2006/main">
-  <p:cSld>
-    <p:spTree>
-      <p:nvGrpSpPr>
-        <p:cNvPr id="1" name=""/>
-        <p:cNvGrpSpPr/>
-        <p:nvPr/>
-      </p:nvGrpSpPr>
-      <p:grpSpPr>
-        <a:xfrm>
-          <a:off x="0" y="0"/>
-          <a:ext cx="0" cy="0"/>
-          <a:chOff x="0" y="0"/>
-          <a:chExt cx="0" cy="0"/>
-        </a:xfrm>
-      </p:grpSpPr>
-      <p:sp>
-        <p:nvSpPr>
-          <p:cNvPr id="2" name="Title 1"/>
-          <p:cNvSpPr>
-            <a:spLocks noGrp="1"/>
-          </p:cNvSpPr>
-          <p:nvPr>
-            <p:ph type="title"/>
-          </p:nvPr>
-        </p:nvSpPr>
-        <p:spPr/>
-        <p:txBody>
-          <a:bodyPr/>
-          <a:lstStyle/>
-          <a:p>
-            <a:r>
-              <a:rPr lang="en-US" dirty="0" smtClean="0"/>
-              <a:t>Block Puzzle</a:t>
-            </a:r>
-            <a:endParaRPr lang="en-US" dirty="0"/>
-          </a:p>
-        </p:txBody>
-      </p:sp>
-      <p:sp>
-        <p:nvSpPr>
-          <p:cNvPr id="3" name="Content Placeholder 2"/>
-          <p:cNvSpPr>
-            <a:spLocks noGrp="1"/>
-          </p:cNvSpPr>
-          <p:nvPr>
-            <p:ph idx="1"/>
-          </p:nvPr>
-        </p:nvSpPr>
-        <p:spPr>
-          <a:xfrm>
-            <a:off x="1261872" y="5094489"/>
-            <a:ext cx="8595360" cy="1085648"/>
-          </a:xfrm>
-        </p:spPr>
-        <p:txBody>
-          <a:bodyPr/>
-          <a:lstStyle/>
-          <a:p>
-            <a:endParaRPr lang="en-US" dirty="0"/>
-          </a:p>
-          <a:p>
-            <a:endParaRPr lang="en-US" dirty="0" smtClean="0"/>
-          </a:p>
-          <a:p>
-            <a:endParaRPr lang="en-US" dirty="0"/>
-          </a:p>
-          <a:p>
-            <a:endParaRPr lang="en-US" dirty="0" smtClean="0"/>
-          </a:p>
-          <a:p>
-            <a:endParaRPr lang="en-US" dirty="0"/>
-          </a:p>
-          <a:p>
-            <a:endParaRPr lang="en-US" dirty="0" smtClean="0"/>
-          </a:p>
-          <a:p>
-            <a:endParaRPr lang="en-US" dirty="0"/>
-          </a:p>
-          <a:p>
-            <a:endParaRPr lang="en-US" dirty="0" smtClean="0"/>
-          </a:p>
-        </p:txBody>
-      </p:sp>
-      <p:pic>
-        <p:nvPicPr>
-          <p:cNvPr id="4" name="Picture 3"/>
-          <p:cNvPicPr>
-            <a:picLocks noChangeAspect="1"/>
-          </p:cNvPicPr>
-          <p:nvPr/>
-        </p:nvPicPr>
-        <p:blipFill>
-          <a:blip r:embed="rId2"/>
-          <a:stretch>
-            <a:fillRect/>
-          </a:stretch>
-        </p:blipFill>
-        <p:spPr>
-          <a:xfrm>
-            <a:off x="2792289" y="1973176"/>
-            <a:ext cx="5870448" cy="2886099"/>
-          </a:xfrm>
-          <a:prstGeom prst="rect">
-            <a:avLst/>
-          </a:prstGeom>
-          <a:ln w="3175">
-            <a:solidFill>
-              <a:schemeClr val="tx1"/>
-            </a:solidFill>
-          </a:ln>
-        </p:spPr>
-      </p:pic>
-      <p:sp>
-        <p:nvSpPr>
-          <p:cNvPr id="5" name="TextBox 4"/>
-          <p:cNvSpPr txBox="1"/>
-          <p:nvPr/>
-        </p:nvSpPr>
-        <p:spPr>
-          <a:xfrm>
-            <a:off x="1424538" y="4977502"/>
-            <a:ext cx="8508733" cy="1477328"/>
-          </a:xfrm>
-          <a:prstGeom prst="rect">
-            <a:avLst/>
-          </a:prstGeom>
-          <a:noFill/>
-          <a:ln>
-            <a:solidFill>
-              <a:schemeClr val="tx1"/>
-            </a:solidFill>
-          </a:ln>
-        </p:spPr>
-        <p:txBody>
-          <a:bodyPr wrap="square" rtlCol="0">
-            <a:spAutoFit/>
-          </a:bodyPr>
-          <a:lstStyle/>
-          <a:p>
-            <a:r>
-              <a:rPr lang="en-US" dirty="0" smtClean="0"/>
-              <a:t>Each valid block must contain answer to a very special mathematical problem.</a:t>
-            </a:r>
-          </a:p>
-          <a:p>
-            <a:endParaRPr lang="en-US" dirty="0"/>
-          </a:p>
-          <a:p>
-            <a:r>
-              <a:rPr lang="en-US" dirty="0" smtClean="0"/>
-              <a:t>Computers run the entire text of a block plus an additional random guess through something called a “Cryptographic Hash” until the output is below a certain value!</a:t>
-            </a:r>
-            <a:endParaRPr lang="en-US" dirty="0"/>
-          </a:p>
-        </p:txBody>
-      </p:sp>
-    </p:spTree>
-    <p:extLst>
-      <p:ext uri="{BB962C8B-B14F-4D97-AF65-F5344CB8AC3E}">
-        <p14:creationId xmlns:p14="http://schemas.microsoft.com/office/powerpoint/2010/main" val="3731534054"/>
-      </p:ext>
-    </p:extLst>
-  </p:cSld>
-  <p:clrMapOvr>
-    <a:masterClrMapping/>
-  </p:clrMapOvr>
-  <p:timing>
-    <p:tnLst>
-      <p:par>
-        <p:cTn id="1" dur="indefinite" restart="never" nodeType="tmRoot"/>
-      </p:par>
-    </p:tnLst>
-  </p:timing>
-</p:sld>
-</file>
-
-<file path=ppt/slides/slide35.xml><?xml version="1.0" encoding="utf-8"?>
-<p:sld xmlns:a="http://schemas.openxmlformats.org/drawingml/2006/main" xmlns:r="http://schemas.openxmlformats.org/officeDocument/2006/relationships" xmlns:p="http://schemas.openxmlformats.org/presentationml/2006/main">
-  <p:cSld>
-    <p:spTree>
-      <p:nvGrpSpPr>
-        <p:cNvPr id="1" name=""/>
-        <p:cNvGrpSpPr/>
-        <p:nvPr/>
-      </p:nvGrpSpPr>
-      <p:grpSpPr>
-        <a:xfrm>
-          <a:off x="0" y="0"/>
-          <a:ext cx="0" cy="0"/>
-          <a:chOff x="0" y="0"/>
-          <a:chExt cx="0" cy="0"/>
-        </a:xfrm>
-      </p:grpSpPr>
-      <p:sp>
-        <p:nvSpPr>
-          <p:cNvPr id="2" name="Title 1"/>
-          <p:cNvSpPr>
-            <a:spLocks noGrp="1"/>
-          </p:cNvSpPr>
-          <p:nvPr>
-            <p:ph type="title"/>
-          </p:nvPr>
-        </p:nvSpPr>
-        <p:spPr/>
-        <p:txBody>
-          <a:bodyPr/>
-          <a:lstStyle/>
-          <a:p>
-            <a:r>
-              <a:rPr lang="en-US" dirty="0" smtClean="0"/>
-              <a:t>Cryptographic Hash</a:t>
-            </a:r>
-            <a:endParaRPr lang="en-US" dirty="0"/>
-          </a:p>
-        </p:txBody>
-      </p:sp>
-      <p:sp>
-        <p:nvSpPr>
-          <p:cNvPr id="3" name="Content Placeholder 2"/>
-          <p:cNvSpPr>
-            <a:spLocks noGrp="1"/>
-          </p:cNvSpPr>
-          <p:nvPr>
-            <p:ph idx="1"/>
-          </p:nvPr>
-        </p:nvSpPr>
-        <p:spPr>
-          <a:xfrm>
-            <a:off x="1261872" y="1944302"/>
-            <a:ext cx="8595360" cy="375385"/>
-          </a:xfrm>
-        </p:spPr>
-        <p:txBody>
-          <a:bodyPr/>
-          <a:lstStyle/>
-          <a:p>
-            <a:pPr marL="0" indent="0" algn="ctr">
-              <a:buNone/>
-            </a:pPr>
-            <a:r>
-              <a:rPr lang="en-US" dirty="0" smtClean="0"/>
-              <a:t>Text </a:t>
-            </a:r>
-            <a:r>
-              <a:rPr lang="en-US" dirty="0" smtClean="0">
-                <a:sym typeface="Wingdings" panose="05000000000000000000" pitchFamily="2" charset="2"/>
-              </a:rPr>
-              <a:t> Short Digest</a:t>
-            </a:r>
-            <a:endParaRPr lang="en-US" dirty="0"/>
-          </a:p>
-        </p:txBody>
-      </p:sp>
-      <p:pic>
-        <p:nvPicPr>
-          <p:cNvPr id="4" name="Picture 3"/>
-          <p:cNvPicPr>
-            <a:picLocks noChangeAspect="1"/>
-          </p:cNvPicPr>
-          <p:nvPr/>
-        </p:nvPicPr>
-        <p:blipFill>
-          <a:blip r:embed="rId2"/>
-          <a:stretch>
-            <a:fillRect/>
-          </a:stretch>
-        </p:blipFill>
-        <p:spPr>
-          <a:xfrm>
-            <a:off x="1261872" y="2427687"/>
-            <a:ext cx="8942219" cy="3197667"/>
-          </a:xfrm>
-          <a:prstGeom prst="rect">
-            <a:avLst/>
-          </a:prstGeom>
-          <a:ln w="3175">
-            <a:solidFill>
-              <a:schemeClr val="tx1"/>
-            </a:solidFill>
-          </a:ln>
-        </p:spPr>
-      </p:pic>
-      <p:sp>
-        <p:nvSpPr>
-          <p:cNvPr id="5" name="Content Placeholder 2"/>
-          <p:cNvSpPr txBox="1">
-            <a:spLocks/>
-          </p:cNvSpPr>
-          <p:nvPr/>
-        </p:nvSpPr>
-        <p:spPr>
-          <a:xfrm>
-            <a:off x="1269893" y="5821687"/>
-            <a:ext cx="8595360" cy="1036313"/>
-          </a:xfrm>
-          <a:prstGeom prst="rect">
-            <a:avLst/>
-          </a:prstGeom>
-        </p:spPr>
-        <p:txBody>
-          <a:bodyPr vert="horz" lIns="91440" tIns="45720" rIns="91440" bIns="45720" rtlCol="0">
-            <a:normAutofit/>
-          </a:bodyPr>
-          <a:lstStyle>
-            <a:lvl1pPr marL="182880" indent="-182880" algn="l" defTabSz="914400" rtl="0" eaLnBrk="1" latinLnBrk="0" hangingPunct="1">
-              <a:lnSpc>
-                <a:spcPct val="95000"/>
-              </a:lnSpc>
-              <a:spcBef>
-                <a:spcPts val="1400"/>
-              </a:spcBef>
-              <a:spcAft>
-                <a:spcPts val="200"/>
-              </a:spcAft>
-              <a:buClr>
-                <a:schemeClr val="accent1"/>
-              </a:buClr>
-              <a:buSzPct val="80000"/>
-              <a:buFont typeface="Arial" pitchFamily="34" charset="0"/>
-              <a:buChar char="•"/>
-              <a:defRPr sz="1800" kern="1200" spc="10" baseline="0">
-                <a:solidFill>
-                  <a:schemeClr val="tx1"/>
-                </a:solidFill>
-                <a:latin typeface="+mn-lt"/>
-                <a:ea typeface="+mn-ea"/>
-                <a:cs typeface="+mn-cs"/>
-              </a:defRPr>
-            </a:lvl1pPr>
-            <a:lvl2pPr marL="457200" indent="-182880" algn="l" defTabSz="914400" rtl="0" eaLnBrk="1" latinLnBrk="0" hangingPunct="1">
-              <a:lnSpc>
-                <a:spcPct val="90000"/>
-              </a:lnSpc>
-              <a:spcBef>
-                <a:spcPts val="300"/>
-              </a:spcBef>
-              <a:spcAft>
-                <a:spcPts val="300"/>
-              </a:spcAft>
-              <a:buClr>
-                <a:schemeClr val="accent1"/>
-              </a:buClr>
-              <a:buFont typeface="Wingdings 2" pitchFamily="18" charset="2"/>
-              <a:buChar char=""/>
-              <a:defRPr sz="1600" kern="1200">
-                <a:solidFill>
-                  <a:schemeClr val="tx1">
-                    <a:lumMod val="85000"/>
-                    <a:lumOff val="15000"/>
-                  </a:schemeClr>
-                </a:solidFill>
-                <a:latin typeface="+mn-lt"/>
-                <a:ea typeface="+mn-ea"/>
-                <a:cs typeface="+mn-cs"/>
-              </a:defRPr>
-            </a:lvl2pPr>
-            <a:lvl3pPr marL="731520" indent="-182880" algn="l" defTabSz="914400" rtl="0" eaLnBrk="1" latinLnBrk="0" hangingPunct="1">
-              <a:lnSpc>
-                <a:spcPct val="90000"/>
-              </a:lnSpc>
-              <a:spcBef>
-                <a:spcPts val="300"/>
-              </a:spcBef>
-              <a:spcAft>
-                <a:spcPts val="300"/>
-              </a:spcAft>
-              <a:buClr>
-                <a:schemeClr val="accent1"/>
-              </a:buClr>
-              <a:buFont typeface="Wingdings 2" pitchFamily="18" charset="2"/>
-              <a:buChar char=""/>
-              <a:defRPr sz="1400" kern="1200">
-                <a:solidFill>
-                  <a:schemeClr val="tx1">
-                    <a:lumMod val="85000"/>
-                    <a:lumOff val="15000"/>
-                  </a:schemeClr>
-                </a:solidFill>
-                <a:latin typeface="+mn-lt"/>
-                <a:ea typeface="+mn-ea"/>
-                <a:cs typeface="+mn-cs"/>
-              </a:defRPr>
-            </a:lvl3pPr>
-            <a:lvl4pPr marL="1005840" indent="-182880" algn="l" defTabSz="914400" rtl="0" eaLnBrk="1" latinLnBrk="0" hangingPunct="1">
-              <a:lnSpc>
-                <a:spcPct val="90000"/>
-              </a:lnSpc>
-              <a:spcBef>
-                <a:spcPts val="300"/>
-              </a:spcBef>
-              <a:spcAft>
-                <a:spcPts val="300"/>
-              </a:spcAft>
-              <a:buClr>
-                <a:schemeClr val="accent1"/>
-              </a:buClr>
-              <a:buFont typeface="Wingdings 2" pitchFamily="18" charset="2"/>
-              <a:buChar char=""/>
-              <a:defRPr sz="1400" kern="1200">
-                <a:solidFill>
-                  <a:schemeClr val="tx1">
-                    <a:lumMod val="85000"/>
-                    <a:lumOff val="15000"/>
-                  </a:schemeClr>
-                </a:solidFill>
-                <a:latin typeface="+mn-lt"/>
-                <a:ea typeface="+mn-ea"/>
-                <a:cs typeface="+mn-cs"/>
-              </a:defRPr>
-            </a:lvl4pPr>
-            <a:lvl5pPr marL="1280160" indent="-182880" algn="l" defTabSz="914400" rtl="0" eaLnBrk="1" latinLnBrk="0" hangingPunct="1">
-              <a:lnSpc>
-                <a:spcPct val="90000"/>
-              </a:lnSpc>
-              <a:spcBef>
-                <a:spcPts val="300"/>
-              </a:spcBef>
-              <a:spcAft>
-                <a:spcPts val="300"/>
-              </a:spcAft>
-              <a:buClr>
-                <a:schemeClr val="accent1"/>
-              </a:buClr>
-              <a:buFont typeface="Wingdings 2" pitchFamily="18" charset="2"/>
-              <a:buChar char=""/>
-              <a:defRPr sz="1400" kern="1200">
-                <a:solidFill>
-                  <a:schemeClr val="tx1">
-                    <a:lumMod val="85000"/>
-                    <a:lumOff val="15000"/>
-                  </a:schemeClr>
-                </a:solidFill>
-                <a:latin typeface="+mn-lt"/>
-                <a:ea typeface="+mn-ea"/>
-                <a:cs typeface="+mn-cs"/>
-              </a:defRPr>
-            </a:lvl5pPr>
-            <a:lvl6pPr marL="1600000" indent="-228600" algn="l" defTabSz="914400" rtl="0" eaLnBrk="1" latinLnBrk="0" hangingPunct="1">
-              <a:lnSpc>
-                <a:spcPct val="90000"/>
-              </a:lnSpc>
-              <a:spcBef>
-                <a:spcPts val="300"/>
-              </a:spcBef>
-              <a:spcAft>
-                <a:spcPts val="300"/>
-              </a:spcAft>
-              <a:buClr>
-                <a:schemeClr val="accent1"/>
-              </a:buClr>
-              <a:buFont typeface="Wingdings 2" pitchFamily="18" charset="2"/>
-              <a:buChar char=""/>
-              <a:defRPr sz="1400" kern="1200">
-                <a:solidFill>
-                  <a:schemeClr val="tx1">
-                    <a:lumMod val="85000"/>
-                    <a:lumOff val="15000"/>
-                  </a:schemeClr>
-                </a:solidFill>
-                <a:latin typeface="+mn-lt"/>
-                <a:ea typeface="+mn-ea"/>
-                <a:cs typeface="+mn-cs"/>
-              </a:defRPr>
-            </a:lvl6pPr>
-            <a:lvl7pPr marL="1900000" indent="-228600" algn="l" defTabSz="914400" rtl="0" eaLnBrk="1" latinLnBrk="0" hangingPunct="1">
-              <a:lnSpc>
-                <a:spcPct val="90000"/>
-              </a:lnSpc>
-              <a:spcBef>
-                <a:spcPts val="300"/>
-              </a:spcBef>
-              <a:spcAft>
-                <a:spcPts val="300"/>
-              </a:spcAft>
-              <a:buClr>
-                <a:schemeClr val="accent1"/>
-              </a:buClr>
-              <a:buFont typeface="Wingdings 2" pitchFamily="18" charset="2"/>
-              <a:buChar char=""/>
-              <a:defRPr sz="1400" kern="1200">
-                <a:solidFill>
-                  <a:schemeClr val="tx1">
-                    <a:lumMod val="85000"/>
-                    <a:lumOff val="15000"/>
-                  </a:schemeClr>
-                </a:solidFill>
-                <a:latin typeface="+mn-lt"/>
-                <a:ea typeface="+mn-ea"/>
-                <a:cs typeface="+mn-cs"/>
-              </a:defRPr>
-            </a:lvl7pPr>
-            <a:lvl8pPr marL="2200000" indent="-228600" algn="l" defTabSz="914400" rtl="0" eaLnBrk="1" latinLnBrk="0" hangingPunct="1">
-              <a:lnSpc>
-                <a:spcPct val="90000"/>
-              </a:lnSpc>
-              <a:spcBef>
-                <a:spcPts val="300"/>
-              </a:spcBef>
-              <a:spcAft>
-                <a:spcPts val="300"/>
-              </a:spcAft>
-              <a:buClr>
-                <a:schemeClr val="accent1"/>
-              </a:buClr>
-              <a:buFont typeface="Wingdings 2" pitchFamily="18" charset="2"/>
-              <a:buChar char=""/>
-              <a:defRPr sz="1400" kern="1200">
-                <a:solidFill>
-                  <a:schemeClr val="tx1">
-                    <a:lumMod val="85000"/>
-                    <a:lumOff val="15000"/>
-                  </a:schemeClr>
-                </a:solidFill>
-                <a:latin typeface="+mn-lt"/>
-                <a:ea typeface="+mn-ea"/>
-                <a:cs typeface="+mn-cs"/>
-              </a:defRPr>
-            </a:lvl8pPr>
-            <a:lvl9pPr marL="2500000" indent="-228600" algn="l" defTabSz="914400" rtl="0" eaLnBrk="1" latinLnBrk="0" hangingPunct="1">
-              <a:lnSpc>
-                <a:spcPct val="90000"/>
-              </a:lnSpc>
-              <a:spcBef>
-                <a:spcPts val="300"/>
-              </a:spcBef>
-              <a:spcAft>
-                <a:spcPts val="300"/>
-              </a:spcAft>
-              <a:buClr>
-                <a:schemeClr val="accent1"/>
-              </a:buClr>
-              <a:buFont typeface="Wingdings 2" pitchFamily="18" charset="2"/>
-              <a:buChar char=""/>
-              <a:defRPr sz="1400" kern="1200">
-                <a:solidFill>
-                  <a:schemeClr val="tx1">
-                    <a:lumMod val="85000"/>
-                    <a:lumOff val="15000"/>
-                  </a:schemeClr>
-                </a:solidFill>
-                <a:latin typeface="+mn-lt"/>
-                <a:ea typeface="+mn-ea"/>
-                <a:cs typeface="+mn-cs"/>
-              </a:defRPr>
-            </a:lvl9pPr>
-          </a:lstStyle>
-          <a:p>
-            <a:pPr marL="0" indent="0">
-              <a:buFont typeface="Arial" pitchFamily="34" charset="0"/>
-              <a:buNone/>
-            </a:pPr>
-            <a:endParaRPr lang="en-US" dirty="0"/>
-          </a:p>
-        </p:txBody>
-      </p:sp>
-    </p:spTree>
-    <p:extLst>
-      <p:ext uri="{BB962C8B-B14F-4D97-AF65-F5344CB8AC3E}">
-        <p14:creationId xmlns:p14="http://schemas.microsoft.com/office/powerpoint/2010/main" val="1424179756"/>
-      </p:ext>
-    </p:extLst>
-  </p:cSld>
-  <p:clrMapOvr>
-    <a:masterClrMapping/>
-  </p:clrMapOvr>
-  <p:timing>
-    <p:tnLst>
-      <p:par>
-        <p:cTn id="1" dur="indefinite" restart="never" nodeType="tmRoot"/>
-      </p:par>
-    </p:tnLst>
-  </p:timing>
-</p:sld>
-</file>
-
-<file path=ppt/slides/slide36.xml><?xml version="1.0" encoding="utf-8"?>
-<p:sld xmlns:a="http://schemas.openxmlformats.org/drawingml/2006/main" xmlns:r="http://schemas.openxmlformats.org/officeDocument/2006/relationships" xmlns:p="http://schemas.openxmlformats.org/presentationml/2006/main">
-  <p:cSld>
-    <p:spTree>
-      <p:nvGrpSpPr>
-        <p:cNvPr id="1" name=""/>
-        <p:cNvGrpSpPr/>
-        <p:nvPr/>
-      </p:nvGrpSpPr>
-      <p:grpSpPr>
-        <a:xfrm>
-          <a:off x="0" y="0"/>
-          <a:ext cx="0" cy="0"/>
-          <a:chOff x="0" y="0"/>
-          <a:chExt cx="0" cy="0"/>
-        </a:xfrm>
-      </p:grpSpPr>
-      <p:sp>
-        <p:nvSpPr>
-          <p:cNvPr id="2" name="Title 1"/>
-          <p:cNvSpPr>
-            <a:spLocks noGrp="1"/>
-          </p:cNvSpPr>
-          <p:nvPr>
-            <p:ph type="title"/>
-          </p:nvPr>
-        </p:nvSpPr>
-        <p:spPr/>
-        <p:txBody>
-          <a:bodyPr/>
-          <a:lstStyle/>
-          <a:p>
-            <a:r>
-              <a:rPr lang="en-US" dirty="0" smtClean="0"/>
-              <a:t>Block Puzzle</a:t>
-            </a:r>
-            <a:endParaRPr lang="en-US" dirty="0"/>
-          </a:p>
-        </p:txBody>
-      </p:sp>
-      <p:sp>
-        <p:nvSpPr>
-          <p:cNvPr id="3" name="Content Placeholder 2"/>
-          <p:cNvSpPr>
-            <a:spLocks noGrp="1"/>
-          </p:cNvSpPr>
-          <p:nvPr>
-            <p:ph idx="1"/>
-          </p:nvPr>
-        </p:nvSpPr>
-        <p:spPr/>
-        <p:txBody>
-          <a:bodyPr/>
-          <a:lstStyle/>
-          <a:p>
-            <a:pPr>
-              <a:buFont typeface="Wingdings" panose="05000000000000000000" pitchFamily="2" charset="2"/>
-              <a:buChar char="Ø"/>
-            </a:pPr>
-            <a:r>
-              <a:rPr lang="en-US" dirty="0"/>
-              <a:t>Completely unpredictable output</a:t>
-            </a:r>
-          </a:p>
-          <a:p>
-            <a:pPr>
-              <a:buFont typeface="Wingdings" panose="05000000000000000000" pitchFamily="2" charset="2"/>
-              <a:buChar char="Ø"/>
-            </a:pPr>
-            <a:r>
-              <a:rPr lang="en-US" dirty="0"/>
-              <a:t>The only way to find out a particular output value is to make random </a:t>
-            </a:r>
-            <a:r>
-              <a:rPr lang="en-US" dirty="0" smtClean="0"/>
-              <a:t>guesses</a:t>
-            </a:r>
-          </a:p>
-          <a:p>
-            <a:pPr lvl="1">
-              <a:buFont typeface="Wingdings" panose="05000000000000000000" pitchFamily="2" charset="2"/>
-              <a:buChar char="§"/>
-            </a:pPr>
-            <a:r>
-              <a:rPr lang="en-US" dirty="0" smtClean="0"/>
-              <a:t>Like guessing a combination to a lock</a:t>
-            </a:r>
-          </a:p>
-          <a:p>
-            <a:pPr>
-              <a:buFont typeface="Wingdings" panose="05000000000000000000" pitchFamily="2" charset="2"/>
-              <a:buChar char="Ø"/>
-            </a:pPr>
-            <a:r>
-              <a:rPr lang="en-US" dirty="0" smtClean="0"/>
-              <a:t>In bitcoin, it will take a typical computer several years to solve a block</a:t>
-            </a:r>
-          </a:p>
-          <a:p>
-            <a:pPr>
-              <a:buFont typeface="Wingdings" panose="05000000000000000000" pitchFamily="2" charset="2"/>
-              <a:buChar char="Ø"/>
-            </a:pPr>
-            <a:r>
-              <a:rPr lang="en-US" dirty="0" smtClean="0"/>
-              <a:t>But with distributed peer to peer network, it takes on an average ten minutes, for someone to find a solution</a:t>
-            </a:r>
-          </a:p>
-          <a:p>
-            <a:pPr>
-              <a:buFont typeface="Wingdings" panose="05000000000000000000" pitchFamily="2" charset="2"/>
-              <a:buChar char="Ø"/>
-            </a:pPr>
-            <a:r>
-              <a:rPr lang="en-US" dirty="0" smtClean="0"/>
-              <a:t>The first person to solve the puzzle broadcasts their block and gets to have their block accepted to be added to the block chain</a:t>
-            </a:r>
-          </a:p>
-        </p:txBody>
-      </p:sp>
-    </p:spTree>
-    <p:extLst>
-      <p:ext uri="{BB962C8B-B14F-4D97-AF65-F5344CB8AC3E}">
-        <p14:creationId xmlns:p14="http://schemas.microsoft.com/office/powerpoint/2010/main" val="3803287837"/>
-      </p:ext>
-    </p:extLst>
-  </p:cSld>
-  <p:clrMapOvr>
-    <a:masterClrMapping/>
-  </p:clrMapOvr>
-  <p:timing>
-    <p:tnLst>
-      <p:par>
-        <p:cTn id="1" dur="indefinite" restart="never" nodeType="tmRoot"/>
-      </p:par>
-    </p:tnLst>
-  </p:timing>
-</p:sld>
-</file>
-
-<file path=ppt/slides/slide37.xml><?xml version="1.0" encoding="utf-8"?>
-<p:sld xmlns:a="http://schemas.openxmlformats.org/drawingml/2006/main" xmlns:r="http://schemas.openxmlformats.org/officeDocument/2006/relationships" xmlns:p="http://schemas.openxmlformats.org/presentationml/2006/main">
-  <p:cSld>
-    <p:spTree>
-      <p:nvGrpSpPr>
-        <p:cNvPr id="1" name=""/>
-        <p:cNvGrpSpPr/>
-        <p:nvPr/>
-      </p:nvGrpSpPr>
-      <p:grpSpPr>
-        <a:xfrm>
-          <a:off x="0" y="0"/>
-          <a:ext cx="0" cy="0"/>
-          <a:chOff x="0" y="0"/>
-          <a:chExt cx="0" cy="0"/>
-        </a:xfrm>
-      </p:grpSpPr>
-      <p:sp>
-        <p:nvSpPr>
-          <p:cNvPr id="2" name="Title 1"/>
-          <p:cNvSpPr>
-            <a:spLocks noGrp="1"/>
-          </p:cNvSpPr>
-          <p:nvPr>
-            <p:ph type="title"/>
-          </p:nvPr>
-        </p:nvSpPr>
-        <p:spPr/>
-        <p:txBody>
-          <a:bodyPr/>
-          <a:lstStyle/>
-          <a:p>
-            <a:r>
-              <a:rPr lang="en-US" dirty="0" smtClean="0"/>
-              <a:t>Occasional Conflicts</a:t>
-            </a:r>
-            <a:endParaRPr lang="en-US" dirty="0"/>
-          </a:p>
-        </p:txBody>
-      </p:sp>
-      <p:sp>
-        <p:nvSpPr>
-          <p:cNvPr id="5" name="Content Placeholder 2"/>
-          <p:cNvSpPr txBox="1">
-            <a:spLocks/>
-          </p:cNvSpPr>
-          <p:nvPr/>
-        </p:nvSpPr>
-        <p:spPr>
-          <a:xfrm>
-            <a:off x="1021240" y="1828800"/>
-            <a:ext cx="6072579" cy="4351337"/>
-          </a:xfrm>
-          <a:prstGeom prst="rect">
-            <a:avLst/>
-          </a:prstGeom>
-        </p:spPr>
-        <p:txBody>
-          <a:bodyPr vert="horz" lIns="91440" tIns="45720" rIns="91440" bIns="45720" rtlCol="0">
-            <a:normAutofit lnSpcReduction="10000"/>
-          </a:bodyPr>
-          <a:lstStyle>
-            <a:lvl1pPr marL="182880" indent="-182880" algn="l" defTabSz="914400" rtl="0" eaLnBrk="1" latinLnBrk="0" hangingPunct="1">
-              <a:lnSpc>
-                <a:spcPct val="95000"/>
-              </a:lnSpc>
-              <a:spcBef>
-                <a:spcPts val="1400"/>
-              </a:spcBef>
-              <a:spcAft>
-                <a:spcPts val="200"/>
-              </a:spcAft>
-              <a:buClr>
-                <a:schemeClr val="accent1"/>
-              </a:buClr>
-              <a:buSzPct val="80000"/>
-              <a:buFont typeface="Arial" pitchFamily="34" charset="0"/>
-              <a:buChar char="•"/>
-              <a:defRPr sz="1800" kern="1200" spc="10" baseline="0">
-                <a:solidFill>
-                  <a:schemeClr val="tx1"/>
-                </a:solidFill>
-                <a:latin typeface="+mn-lt"/>
-                <a:ea typeface="+mn-ea"/>
-                <a:cs typeface="+mn-cs"/>
-              </a:defRPr>
-            </a:lvl1pPr>
-            <a:lvl2pPr marL="457200" indent="-182880" algn="l" defTabSz="914400" rtl="0" eaLnBrk="1" latinLnBrk="0" hangingPunct="1">
-              <a:lnSpc>
-                <a:spcPct val="90000"/>
-              </a:lnSpc>
-              <a:spcBef>
-                <a:spcPts val="300"/>
-              </a:spcBef>
-              <a:spcAft>
-                <a:spcPts val="300"/>
-              </a:spcAft>
-              <a:buClr>
-                <a:schemeClr val="accent1"/>
-              </a:buClr>
-              <a:buFont typeface="Wingdings 2" pitchFamily="18" charset="2"/>
-              <a:buChar char=""/>
-              <a:defRPr sz="1600" kern="1200">
-                <a:solidFill>
-                  <a:schemeClr val="tx1">
-                    <a:lumMod val="85000"/>
-                    <a:lumOff val="15000"/>
-                  </a:schemeClr>
-                </a:solidFill>
-                <a:latin typeface="+mn-lt"/>
-                <a:ea typeface="+mn-ea"/>
-                <a:cs typeface="+mn-cs"/>
-              </a:defRPr>
-            </a:lvl2pPr>
-            <a:lvl3pPr marL="731520" indent="-182880" algn="l" defTabSz="914400" rtl="0" eaLnBrk="1" latinLnBrk="0" hangingPunct="1">
-              <a:lnSpc>
-                <a:spcPct val="90000"/>
-              </a:lnSpc>
-              <a:spcBef>
-                <a:spcPts val="300"/>
-              </a:spcBef>
-              <a:spcAft>
-                <a:spcPts val="300"/>
-              </a:spcAft>
-              <a:buClr>
-                <a:schemeClr val="accent1"/>
-              </a:buClr>
-              <a:buFont typeface="Wingdings 2" pitchFamily="18" charset="2"/>
-              <a:buChar char=""/>
-              <a:defRPr sz="1400" kern="1200">
-                <a:solidFill>
-                  <a:schemeClr val="tx1">
-                    <a:lumMod val="85000"/>
-                    <a:lumOff val="15000"/>
-                  </a:schemeClr>
-                </a:solidFill>
-                <a:latin typeface="+mn-lt"/>
-                <a:ea typeface="+mn-ea"/>
-                <a:cs typeface="+mn-cs"/>
-              </a:defRPr>
-            </a:lvl3pPr>
-            <a:lvl4pPr marL="1005840" indent="-182880" algn="l" defTabSz="914400" rtl="0" eaLnBrk="1" latinLnBrk="0" hangingPunct="1">
-              <a:lnSpc>
-                <a:spcPct val="90000"/>
-              </a:lnSpc>
-              <a:spcBef>
-                <a:spcPts val="300"/>
-              </a:spcBef>
-              <a:spcAft>
-                <a:spcPts val="300"/>
-              </a:spcAft>
-              <a:buClr>
-                <a:schemeClr val="accent1"/>
-              </a:buClr>
-              <a:buFont typeface="Wingdings 2" pitchFamily="18" charset="2"/>
-              <a:buChar char=""/>
-              <a:defRPr sz="1400" kern="1200">
-                <a:solidFill>
-                  <a:schemeClr val="tx1">
-                    <a:lumMod val="85000"/>
-                    <a:lumOff val="15000"/>
-                  </a:schemeClr>
-                </a:solidFill>
-                <a:latin typeface="+mn-lt"/>
-                <a:ea typeface="+mn-ea"/>
-                <a:cs typeface="+mn-cs"/>
-              </a:defRPr>
-            </a:lvl4pPr>
-            <a:lvl5pPr marL="1280160" indent="-182880" algn="l" defTabSz="914400" rtl="0" eaLnBrk="1" latinLnBrk="0" hangingPunct="1">
-              <a:lnSpc>
-                <a:spcPct val="90000"/>
-              </a:lnSpc>
-              <a:spcBef>
-                <a:spcPts val="300"/>
-              </a:spcBef>
-              <a:spcAft>
-                <a:spcPts val="300"/>
-              </a:spcAft>
-              <a:buClr>
-                <a:schemeClr val="accent1"/>
-              </a:buClr>
-              <a:buFont typeface="Wingdings 2" pitchFamily="18" charset="2"/>
-              <a:buChar char=""/>
-              <a:defRPr sz="1400" kern="1200">
-                <a:solidFill>
-                  <a:schemeClr val="tx1">
-                    <a:lumMod val="85000"/>
-                    <a:lumOff val="15000"/>
-                  </a:schemeClr>
-                </a:solidFill>
-                <a:latin typeface="+mn-lt"/>
-                <a:ea typeface="+mn-ea"/>
-                <a:cs typeface="+mn-cs"/>
-              </a:defRPr>
-            </a:lvl5pPr>
-            <a:lvl6pPr marL="1600000" indent="-228600" algn="l" defTabSz="914400" rtl="0" eaLnBrk="1" latinLnBrk="0" hangingPunct="1">
-              <a:lnSpc>
-                <a:spcPct val="90000"/>
-              </a:lnSpc>
-              <a:spcBef>
-                <a:spcPts val="300"/>
-              </a:spcBef>
-              <a:spcAft>
-                <a:spcPts val="300"/>
-              </a:spcAft>
-              <a:buClr>
-                <a:schemeClr val="accent1"/>
-              </a:buClr>
-              <a:buFont typeface="Wingdings 2" pitchFamily="18" charset="2"/>
-              <a:buChar char=""/>
-              <a:defRPr sz="1400" kern="1200">
-                <a:solidFill>
-                  <a:schemeClr val="tx1">
-                    <a:lumMod val="85000"/>
-                    <a:lumOff val="15000"/>
-                  </a:schemeClr>
-                </a:solidFill>
-                <a:latin typeface="+mn-lt"/>
-                <a:ea typeface="+mn-ea"/>
-                <a:cs typeface="+mn-cs"/>
-              </a:defRPr>
-            </a:lvl6pPr>
-            <a:lvl7pPr marL="1900000" indent="-228600" algn="l" defTabSz="914400" rtl="0" eaLnBrk="1" latinLnBrk="0" hangingPunct="1">
-              <a:lnSpc>
-                <a:spcPct val="90000"/>
-              </a:lnSpc>
-              <a:spcBef>
-                <a:spcPts val="300"/>
-              </a:spcBef>
-              <a:spcAft>
-                <a:spcPts val="300"/>
-              </a:spcAft>
-              <a:buClr>
-                <a:schemeClr val="accent1"/>
-              </a:buClr>
-              <a:buFont typeface="Wingdings 2" pitchFamily="18" charset="2"/>
-              <a:buChar char=""/>
-              <a:defRPr sz="1400" kern="1200">
-                <a:solidFill>
-                  <a:schemeClr val="tx1">
-                    <a:lumMod val="85000"/>
-                    <a:lumOff val="15000"/>
-                  </a:schemeClr>
-                </a:solidFill>
-                <a:latin typeface="+mn-lt"/>
-                <a:ea typeface="+mn-ea"/>
-                <a:cs typeface="+mn-cs"/>
-              </a:defRPr>
-            </a:lvl7pPr>
-            <a:lvl8pPr marL="2200000" indent="-228600" algn="l" defTabSz="914400" rtl="0" eaLnBrk="1" latinLnBrk="0" hangingPunct="1">
-              <a:lnSpc>
-                <a:spcPct val="90000"/>
-              </a:lnSpc>
-              <a:spcBef>
-                <a:spcPts val="300"/>
-              </a:spcBef>
-              <a:spcAft>
-                <a:spcPts val="300"/>
-              </a:spcAft>
-              <a:buClr>
-                <a:schemeClr val="accent1"/>
-              </a:buClr>
-              <a:buFont typeface="Wingdings 2" pitchFamily="18" charset="2"/>
-              <a:buChar char=""/>
-              <a:defRPr sz="1400" kern="1200">
-                <a:solidFill>
-                  <a:schemeClr val="tx1">
-                    <a:lumMod val="85000"/>
-                    <a:lumOff val="15000"/>
-                  </a:schemeClr>
-                </a:solidFill>
-                <a:latin typeface="+mn-lt"/>
-                <a:ea typeface="+mn-ea"/>
-                <a:cs typeface="+mn-cs"/>
-              </a:defRPr>
-            </a:lvl8pPr>
-            <a:lvl9pPr marL="2500000" indent="-228600" algn="l" defTabSz="914400" rtl="0" eaLnBrk="1" latinLnBrk="0" hangingPunct="1">
-              <a:lnSpc>
-                <a:spcPct val="90000"/>
-              </a:lnSpc>
-              <a:spcBef>
-                <a:spcPts val="300"/>
-              </a:spcBef>
-              <a:spcAft>
-                <a:spcPts val="300"/>
-              </a:spcAft>
-              <a:buClr>
-                <a:schemeClr val="accent1"/>
-              </a:buClr>
-              <a:buFont typeface="Wingdings 2" pitchFamily="18" charset="2"/>
-              <a:buChar char=""/>
-              <a:defRPr sz="1400" kern="1200">
-                <a:solidFill>
-                  <a:schemeClr val="tx1">
-                    <a:lumMod val="85000"/>
-                    <a:lumOff val="15000"/>
-                  </a:schemeClr>
-                </a:solidFill>
-                <a:latin typeface="+mn-lt"/>
-                <a:ea typeface="+mn-ea"/>
-                <a:cs typeface="+mn-cs"/>
-              </a:defRPr>
-            </a:lvl9pPr>
-          </a:lstStyle>
-          <a:p>
-            <a:pPr>
-              <a:buFont typeface="Wingdings" panose="05000000000000000000" pitchFamily="2" charset="2"/>
-              <a:buChar char="Ø"/>
-            </a:pPr>
-            <a:r>
-              <a:rPr lang="en-US" dirty="0" smtClean="0"/>
-              <a:t>Unlikely for two people to solve the block at the same time</a:t>
-            </a:r>
-          </a:p>
-          <a:p>
-            <a:pPr>
-              <a:buFont typeface="Wingdings" panose="05000000000000000000" pitchFamily="2" charset="2"/>
-              <a:buChar char="Ø"/>
-            </a:pPr>
-            <a:r>
-              <a:rPr lang="en-US" dirty="0" smtClean="0"/>
-              <a:t>Occasionally however, two nodes can solve the block at the same time, leading to several possible branches</a:t>
-            </a:r>
-          </a:p>
-          <a:p>
-            <a:pPr>
-              <a:buFont typeface="Wingdings" panose="05000000000000000000" pitchFamily="2" charset="2"/>
-              <a:buChar char="Ø"/>
-            </a:pPr>
-            <a:r>
-              <a:rPr lang="en-US" dirty="0" smtClean="0"/>
-              <a:t>In this case, build on top of the branch you receive, other nodes may have received the blocks in different order</a:t>
-            </a:r>
-          </a:p>
-          <a:p>
-            <a:pPr>
-              <a:buFont typeface="Wingdings" panose="05000000000000000000" pitchFamily="2" charset="2"/>
-              <a:buChar char="Ø"/>
-            </a:pPr>
-            <a:r>
-              <a:rPr lang="en-US" dirty="0" smtClean="0"/>
-              <a:t>The tie is broken when someone solves the next block</a:t>
-            </a:r>
-          </a:p>
-          <a:p>
-            <a:pPr>
-              <a:buFont typeface="Wingdings" panose="05000000000000000000" pitchFamily="2" charset="2"/>
-              <a:buChar char="Ø"/>
-            </a:pPr>
-            <a:r>
-              <a:rPr lang="en-US" b="1" dirty="0" smtClean="0"/>
-              <a:t>Immediately switch to the longest chain</a:t>
-            </a:r>
-          </a:p>
-          <a:p>
-            <a:pPr>
-              <a:buFont typeface="Wingdings" panose="05000000000000000000" pitchFamily="2" charset="2"/>
-              <a:buChar char="Ø"/>
-            </a:pPr>
-            <a:r>
-              <a:rPr lang="en-US" dirty="0" smtClean="0"/>
-              <a:t>Extremely rare for multiple blocks to have been solved at the same time in a row</a:t>
-            </a:r>
-          </a:p>
-          <a:p>
-            <a:pPr>
-              <a:buFont typeface="Wingdings" panose="05000000000000000000" pitchFamily="2" charset="2"/>
-              <a:buChar char="Ø"/>
-            </a:pPr>
-            <a:r>
-              <a:rPr lang="en-US" b="1" dirty="0" smtClean="0"/>
-              <a:t>Quick stabilization</a:t>
-            </a:r>
-          </a:p>
-        </p:txBody>
-      </p:sp>
-      <p:pic>
-        <p:nvPicPr>
-          <p:cNvPr id="7" name="Picture 6"/>
-          <p:cNvPicPr>
-            <a:picLocks noChangeAspect="1"/>
-          </p:cNvPicPr>
-          <p:nvPr/>
-        </p:nvPicPr>
-        <p:blipFill>
-          <a:blip r:embed="rId2"/>
-          <a:stretch>
-            <a:fillRect/>
-          </a:stretch>
-        </p:blipFill>
-        <p:spPr>
-          <a:xfrm>
-            <a:off x="7448606" y="2074001"/>
-            <a:ext cx="3505906" cy="3860934"/>
-          </a:xfrm>
-          <a:prstGeom prst="rect">
-            <a:avLst/>
-          </a:prstGeom>
-          <a:ln w="3175">
-            <a:solidFill>
-              <a:schemeClr val="tx1"/>
-            </a:solidFill>
-          </a:ln>
-        </p:spPr>
-      </p:pic>
-      <p:pic>
-        <p:nvPicPr>
-          <p:cNvPr id="9" name="Content Placeholder 3"/>
-          <p:cNvPicPr>
-            <a:picLocks noGrp="1" noChangeAspect="1"/>
-          </p:cNvPicPr>
-          <p:nvPr>
-            <p:ph idx="1"/>
-          </p:nvPr>
-        </p:nvPicPr>
-        <p:blipFill>
-          <a:blip r:embed="rId3"/>
-          <a:stretch>
-            <a:fillRect/>
-          </a:stretch>
-        </p:blipFill>
-        <p:spPr>
-          <a:xfrm>
-            <a:off x="8850834" y="526665"/>
-            <a:ext cx="2103678" cy="1302135"/>
-          </a:xfrm>
-          <a:prstGeom prst="rect">
-            <a:avLst/>
-          </a:prstGeom>
-          <a:ln w="3175">
-            <a:solidFill>
-              <a:schemeClr val="tx1"/>
-            </a:solidFill>
-          </a:ln>
-        </p:spPr>
-      </p:pic>
-    </p:spTree>
-    <p:extLst>
-      <p:ext uri="{BB962C8B-B14F-4D97-AF65-F5344CB8AC3E}">
-        <p14:creationId xmlns:p14="http://schemas.microsoft.com/office/powerpoint/2010/main" val="2710493646"/>
-      </p:ext>
-    </p:extLst>
-  </p:cSld>
-  <p:clrMapOvr>
-    <a:masterClrMapping/>
-  </p:clrMapOvr>
-  <p:timing>
-    <p:tnLst>
-      <p:par>
-        <p:cTn id="1" dur="indefinite" restart="never" nodeType="tmRoot"/>
-      </p:par>
-    </p:tnLst>
-  </p:timing>
-</p:sld>
-</file>
-
-<file path=ppt/slides/slide38.xml><?xml version="1.0" encoding="utf-8"?>
-<p:sld xmlns:a="http://schemas.openxmlformats.org/drawingml/2006/main" xmlns:r="http://schemas.openxmlformats.org/officeDocument/2006/relationships" xmlns:p="http://schemas.openxmlformats.org/presentationml/2006/main">
-  <p:cSld>
-    <p:spTree>
-      <p:nvGrpSpPr>
-        <p:cNvPr id="1" name=""/>
-        <p:cNvGrpSpPr/>
-        <p:nvPr/>
-      </p:nvGrpSpPr>
-      <p:grpSpPr>
-        <a:xfrm>
-          <a:off x="0" y="0"/>
-          <a:ext cx="0" cy="0"/>
-          <a:chOff x="0" y="0"/>
-          <a:chExt cx="0" cy="0"/>
-        </a:xfrm>
-      </p:grpSpPr>
-      <p:sp>
-        <p:nvSpPr>
-          <p:cNvPr id="2" name="Title 1"/>
-          <p:cNvSpPr>
-            <a:spLocks noGrp="1"/>
-          </p:cNvSpPr>
-          <p:nvPr>
-            <p:ph type="title"/>
-          </p:nvPr>
-        </p:nvSpPr>
-        <p:spPr/>
-        <p:txBody>
-          <a:bodyPr/>
-          <a:lstStyle/>
-          <a:p>
-            <a:r>
-              <a:rPr lang="en-US" dirty="0" smtClean="0"/>
-              <a:t>Block Chain Reordering Implications</a:t>
-            </a:r>
-            <a:endParaRPr lang="en-US" dirty="0"/>
-          </a:p>
-        </p:txBody>
-      </p:sp>
-      <p:sp>
-        <p:nvSpPr>
-          <p:cNvPr id="3" name="Content Placeholder 2"/>
-          <p:cNvSpPr>
-            <a:spLocks noGrp="1"/>
-          </p:cNvSpPr>
-          <p:nvPr>
-            <p:ph idx="1"/>
-          </p:nvPr>
-        </p:nvSpPr>
-        <p:spPr/>
-        <p:txBody>
-          <a:bodyPr/>
-          <a:lstStyle/>
-          <a:p>
-            <a:pPr>
-              <a:buFont typeface="Wingdings" panose="05000000000000000000" pitchFamily="2" charset="2"/>
-              <a:buChar char="Ø"/>
-            </a:pPr>
-            <a:endParaRPr lang="en-US" dirty="0" smtClean="0"/>
-          </a:p>
-          <a:p>
-            <a:pPr>
-              <a:buFont typeface="Wingdings" panose="05000000000000000000" pitchFamily="2" charset="2"/>
-              <a:buChar char="Ø"/>
-            </a:pPr>
-            <a:endParaRPr lang="en-US" dirty="0"/>
-          </a:p>
-          <a:p>
-            <a:pPr>
-              <a:buFont typeface="Wingdings" panose="05000000000000000000" pitchFamily="2" charset="2"/>
-              <a:buChar char="Ø"/>
-            </a:pPr>
-            <a:endParaRPr lang="en-US" dirty="0" smtClean="0"/>
-          </a:p>
-          <a:p>
-            <a:pPr>
-              <a:buFont typeface="Wingdings" panose="05000000000000000000" pitchFamily="2" charset="2"/>
-              <a:buChar char="Ø"/>
-            </a:pPr>
-            <a:r>
-              <a:rPr lang="en-US" dirty="0" smtClean="0"/>
-              <a:t>Sometimes transactions can lose their place in the chain</a:t>
-            </a:r>
-          </a:p>
-          <a:p>
-            <a:pPr>
-              <a:buFont typeface="Wingdings" panose="05000000000000000000" pitchFamily="2" charset="2"/>
-              <a:buChar char="Ø"/>
-            </a:pPr>
-            <a:r>
-              <a:rPr lang="en-US" dirty="0" smtClean="0"/>
-              <a:t>Will be returned to the unprocessed pool and will be grabbed again later</a:t>
-            </a:r>
-            <a:endParaRPr lang="en-US" dirty="0"/>
-          </a:p>
-        </p:txBody>
-      </p:sp>
-    </p:spTree>
-    <p:extLst>
-      <p:ext uri="{BB962C8B-B14F-4D97-AF65-F5344CB8AC3E}">
-        <p14:creationId xmlns:p14="http://schemas.microsoft.com/office/powerpoint/2010/main" val="2382599243"/>
-      </p:ext>
-    </p:extLst>
-  </p:cSld>
-  <p:clrMapOvr>
-    <a:masterClrMapping/>
-  </p:clrMapOvr>
-  <p:timing>
-    <p:tnLst>
-      <p:par>
-        <p:cTn id="1" dur="indefinite" restart="never" nodeType="tmRoot"/>
-      </p:par>
-    </p:tnLst>
-  </p:timing>
-</p:sld>
-</file>
-
-<file path=ppt/slides/slide39.xml><?xml version="1.0" encoding="utf-8"?>
-<p:sld xmlns:a="http://schemas.openxmlformats.org/drawingml/2006/main" xmlns:r="http://schemas.openxmlformats.org/officeDocument/2006/relationships" xmlns:p="http://schemas.openxmlformats.org/presentationml/2006/main">
-  <p:cSld>
-    <p:spTree>
-      <p:nvGrpSpPr>
-        <p:cNvPr id="1" name=""/>
-        <p:cNvGrpSpPr/>
-        <p:nvPr/>
-      </p:nvGrpSpPr>
-      <p:grpSpPr>
-        <a:xfrm>
-          <a:off x="0" y="0"/>
-          <a:ext cx="0" cy="0"/>
-          <a:chOff x="0" y="0"/>
-          <a:chExt cx="0" cy="0"/>
-        </a:xfrm>
-      </p:grpSpPr>
-      <p:sp>
-        <p:nvSpPr>
-          <p:cNvPr id="2" name="Title 1"/>
-          <p:cNvSpPr>
-            <a:spLocks noGrp="1"/>
-          </p:cNvSpPr>
-          <p:nvPr>
-            <p:ph type="title"/>
-          </p:nvPr>
-        </p:nvSpPr>
-        <p:spPr/>
-        <p:txBody>
-          <a:bodyPr/>
-          <a:lstStyle/>
-          <a:p>
-            <a:r>
-              <a:rPr lang="en-US" dirty="0" smtClean="0"/>
-              <a:t>Cryptographic Hash Locks Blocks in Place (1/2)</a:t>
-            </a:r>
-            <a:endParaRPr lang="en-US" dirty="0"/>
-          </a:p>
-        </p:txBody>
-      </p:sp>
-      <p:sp>
-        <p:nvSpPr>
-          <p:cNvPr id="3" name="Content Placeholder 2"/>
-          <p:cNvSpPr>
-            <a:spLocks noGrp="1"/>
-          </p:cNvSpPr>
-          <p:nvPr>
-            <p:ph idx="1"/>
-          </p:nvPr>
-        </p:nvSpPr>
-        <p:spPr>
-          <a:xfrm>
-            <a:off x="1261872" y="1828801"/>
-            <a:ext cx="4426659" cy="3051208"/>
-          </a:xfrm>
-          <a:ln w="3175">
-            <a:solidFill>
-              <a:schemeClr val="tx1"/>
-            </a:solidFill>
-          </a:ln>
-        </p:spPr>
-        <p:txBody>
-          <a:bodyPr/>
-          <a:lstStyle/>
-          <a:p>
-            <a:r>
-              <a:rPr lang="en-US" dirty="0" smtClean="0"/>
-              <a:t>Solving a block involves trying to get the cryptographic hash of the block to be below a certain value</a:t>
-            </a:r>
-          </a:p>
-          <a:p>
-            <a:r>
-              <a:rPr lang="en-US" dirty="0" smtClean="0"/>
-              <a:t>This can be done by guessing random numbers</a:t>
-            </a:r>
-          </a:p>
-          <a:p>
-            <a:r>
-              <a:rPr lang="en-US" dirty="0" smtClean="0"/>
-              <a:t>The hash output is the unique identifier of a block</a:t>
-            </a:r>
-          </a:p>
-          <a:p>
-            <a:r>
-              <a:rPr lang="en-US" dirty="0" smtClean="0"/>
-              <a:t>This hash will be the next block’s previous reference</a:t>
-            </a:r>
-            <a:endParaRPr lang="en-US" dirty="0"/>
-          </a:p>
-        </p:txBody>
-      </p:sp>
-      <p:pic>
-        <p:nvPicPr>
-          <p:cNvPr id="4" name="Picture 3"/>
-          <p:cNvPicPr>
-            <a:picLocks noChangeAspect="1"/>
-          </p:cNvPicPr>
-          <p:nvPr/>
-        </p:nvPicPr>
-        <p:blipFill>
-          <a:blip r:embed="rId2"/>
-          <a:stretch>
-            <a:fillRect/>
-          </a:stretch>
-        </p:blipFill>
-        <p:spPr>
-          <a:xfrm>
-            <a:off x="6217920" y="1828801"/>
-            <a:ext cx="4134172" cy="3051208"/>
-          </a:xfrm>
-          <a:prstGeom prst="rect">
-            <a:avLst/>
-          </a:prstGeom>
-          <a:ln w="3175">
-            <a:solidFill>
-              <a:schemeClr val="tx1"/>
-            </a:solidFill>
-          </a:ln>
-        </p:spPr>
-      </p:pic>
-      <p:pic>
-        <p:nvPicPr>
-          <p:cNvPr id="5" name="Picture 4"/>
-          <p:cNvPicPr>
-            <a:picLocks noChangeAspect="1"/>
-          </p:cNvPicPr>
-          <p:nvPr/>
-        </p:nvPicPr>
-        <p:blipFill>
-          <a:blip r:embed="rId3"/>
-          <a:stretch>
-            <a:fillRect/>
-          </a:stretch>
-        </p:blipFill>
-        <p:spPr>
-          <a:xfrm>
-            <a:off x="4006751" y="5017488"/>
-            <a:ext cx="3875623" cy="1815212"/>
-          </a:xfrm>
-          <a:prstGeom prst="rect">
-            <a:avLst/>
-          </a:prstGeom>
-          <a:ln w="3175">
-            <a:solidFill>
-              <a:schemeClr val="tx1"/>
-            </a:solidFill>
-          </a:ln>
-        </p:spPr>
-      </p:pic>
-    </p:spTree>
-    <p:extLst>
-      <p:ext uri="{BB962C8B-B14F-4D97-AF65-F5344CB8AC3E}">
-        <p14:creationId xmlns:p14="http://schemas.microsoft.com/office/powerpoint/2010/main" val="3049323865"/>
-      </p:ext>
-    </p:extLst>
-  </p:cSld>
-  <p:clrMapOvr>
-    <a:masterClrMapping/>
-  </p:clrMapOvr>
-  <p:timing>
-    <p:tnLst>
-      <p:par>
-        <p:cTn id="1" dur="indefinite" restart="never" nodeType="tmRoot"/>
-      </p:par>
-    </p:tnLst>
-  </p:timing>
-</p:sld>
-</file>
-
-<file path=ppt/slides/slide4.xml><?xml version="1.0" encoding="utf-8"?>
-<p:sld xmlns:a="http://schemas.openxmlformats.org/drawingml/2006/main" xmlns:r="http://schemas.openxmlformats.org/officeDocument/2006/relationships" xmlns:p="http://schemas.openxmlformats.org/presentationml/2006/main">
-  <p:cSld>
-    <p:spTree>
-      <p:nvGrpSpPr>
-        <p:cNvPr id="1" name=""/>
-        <p:cNvGrpSpPr/>
-        <p:nvPr/>
-      </p:nvGrpSpPr>
-      <p:grpSpPr>
-        <a:xfrm>
-          <a:off x="0" y="0"/>
-          <a:ext cx="0" cy="0"/>
-          <a:chOff x="0" y="0"/>
-          <a:chExt cx="0" cy="0"/>
-        </a:xfrm>
-      </p:grpSpPr>
-      <p:sp>
-        <p:nvSpPr>
-          <p:cNvPr id="2" name="Title 1"/>
-          <p:cNvSpPr>
-            <a:spLocks noGrp="1"/>
-          </p:cNvSpPr>
-          <p:nvPr>
-            <p:ph type="title"/>
-          </p:nvPr>
-        </p:nvSpPr>
-        <p:spPr>
-          <a:xfrm>
-            <a:off x="1261872" y="721895"/>
-            <a:ext cx="9692640" cy="748046"/>
-          </a:xfrm>
-        </p:spPr>
-        <p:txBody>
-          <a:bodyPr/>
-          <a:lstStyle/>
-          <a:p>
-            <a:r>
-              <a:rPr lang="en-US" dirty="0" smtClean="0"/>
-              <a:t>One line introduction!</a:t>
-            </a:r>
-            <a:endParaRPr lang="en-US" dirty="0"/>
-          </a:p>
-        </p:txBody>
-      </p:sp>
-      <p:sp>
-        <p:nvSpPr>
-          <p:cNvPr id="3" name="Content Placeholder 2"/>
-          <p:cNvSpPr>
-            <a:spLocks noGrp="1"/>
-          </p:cNvSpPr>
-          <p:nvPr>
-            <p:ph idx="1"/>
-          </p:nvPr>
-        </p:nvSpPr>
-        <p:spPr/>
-        <p:txBody>
-          <a:bodyPr/>
-          <a:lstStyle/>
-          <a:p>
-            <a:pPr marL="0" indent="0">
-              <a:buNone/>
-            </a:pPr>
-            <a:endParaRPr lang="en-US" dirty="0" smtClean="0"/>
-          </a:p>
-          <a:p>
-            <a:pPr marL="0" indent="0">
-              <a:buNone/>
-            </a:pPr>
-            <a:endParaRPr lang="en-US" dirty="0"/>
-          </a:p>
-          <a:p>
-            <a:pPr marL="0" indent="0">
-              <a:buNone/>
-            </a:pPr>
-            <a:r>
-              <a:rPr lang="en-US" dirty="0" smtClean="0"/>
-              <a:t>“</a:t>
-            </a:r>
-            <a:r>
-              <a:rPr lang="en-US" dirty="0"/>
-              <a:t>The blockchain is an incorruptible digital ledger of economic transactions that can be programmed to record not just financial transactions but virtually everything of value</a:t>
-            </a:r>
-            <a:r>
-              <a:rPr lang="en-US" dirty="0" smtClean="0"/>
-              <a:t>.”</a:t>
-            </a:r>
-            <a:endParaRPr lang="en-US" dirty="0"/>
-          </a:p>
-        </p:txBody>
-      </p:sp>
-    </p:spTree>
-    <p:extLst>
-      <p:ext uri="{BB962C8B-B14F-4D97-AF65-F5344CB8AC3E}">
-        <p14:creationId xmlns:p14="http://schemas.microsoft.com/office/powerpoint/2010/main" val="580153360"/>
-      </p:ext>
-    </p:extLst>
-  </p:cSld>
-  <p:clrMapOvr>
-    <a:masterClrMapping/>
-  </p:clrMapOvr>
-  <p:timing>
-    <p:tnLst>
-      <p:par>
-        <p:cTn id="1" dur="indefinite" restart="never" nodeType="tmRoot"/>
-      </p:par>
-    </p:tnLst>
-  </p:timing>
-</p:sld>
-</file>
-
-<file path=ppt/slides/slide40.xml><?xml version="1.0" encoding="utf-8"?>
-<p:sld xmlns:a="http://schemas.openxmlformats.org/drawingml/2006/main" xmlns:r="http://schemas.openxmlformats.org/officeDocument/2006/relationships" xmlns:p="http://schemas.openxmlformats.org/presentationml/2006/main">
-  <p:cSld>
-    <p:spTree>
-      <p:nvGrpSpPr>
-        <p:cNvPr id="1" name=""/>
-        <p:cNvGrpSpPr/>
-        <p:nvPr/>
-      </p:nvGrpSpPr>
-      <p:grpSpPr>
-        <a:xfrm>
-          <a:off x="0" y="0"/>
-          <a:ext cx="0" cy="0"/>
-          <a:chOff x="0" y="0"/>
-          <a:chExt cx="0" cy="0"/>
-        </a:xfrm>
-      </p:grpSpPr>
-      <p:sp>
-        <p:nvSpPr>
-          <p:cNvPr id="2" name="Title 1"/>
-          <p:cNvSpPr>
-            <a:spLocks noGrp="1"/>
-          </p:cNvSpPr>
-          <p:nvPr>
-            <p:ph type="title"/>
-          </p:nvPr>
-        </p:nvSpPr>
-        <p:spPr/>
-        <p:txBody>
-          <a:bodyPr/>
-          <a:lstStyle/>
-          <a:p>
-            <a:r>
-              <a:rPr lang="en-US" dirty="0"/>
-              <a:t>Cryptographic Hash Locks Blocks in </a:t>
-            </a:r>
-            <a:r>
-              <a:rPr lang="en-US" dirty="0" smtClean="0"/>
-              <a:t>Place (2/2)</a:t>
-            </a:r>
-            <a:endParaRPr lang="en-US" dirty="0"/>
-          </a:p>
-        </p:txBody>
-      </p:sp>
-      <p:sp>
-        <p:nvSpPr>
-          <p:cNvPr id="3" name="Content Placeholder 2"/>
-          <p:cNvSpPr>
-            <a:spLocks noGrp="1"/>
-          </p:cNvSpPr>
-          <p:nvPr>
-            <p:ph idx="1"/>
-          </p:nvPr>
-        </p:nvSpPr>
-        <p:spPr/>
-        <p:txBody>
-          <a:bodyPr/>
-          <a:lstStyle/>
-          <a:p>
-            <a:r>
-              <a:rPr lang="en-US" dirty="0" smtClean="0"/>
-              <a:t>There is no way to switch out a block in the middle of the chain</a:t>
-            </a:r>
-          </a:p>
-          <a:p>
-            <a:r>
-              <a:rPr lang="en-US" dirty="0" smtClean="0"/>
-              <a:t>A block cannot be solved before the previous block is solved, because the previous block’s hash will also go through the current’s block hash function</a:t>
-            </a:r>
-            <a:endParaRPr lang="en-US" dirty="0"/>
-          </a:p>
-        </p:txBody>
-      </p:sp>
-      <p:pic>
-        <p:nvPicPr>
-          <p:cNvPr id="4" name="Picture 3"/>
-          <p:cNvPicPr>
-            <a:picLocks noChangeAspect="1"/>
-          </p:cNvPicPr>
-          <p:nvPr/>
-        </p:nvPicPr>
-        <p:blipFill>
-          <a:blip r:embed="rId2"/>
-          <a:stretch>
-            <a:fillRect/>
-          </a:stretch>
-        </p:blipFill>
-        <p:spPr>
-          <a:xfrm>
-            <a:off x="2182268" y="2912116"/>
-            <a:ext cx="7851848" cy="3841495"/>
-          </a:xfrm>
-          <a:prstGeom prst="rect">
-            <a:avLst/>
-          </a:prstGeom>
-          <a:ln w="3175">
-            <a:solidFill>
-              <a:schemeClr val="tx1"/>
-            </a:solidFill>
-          </a:ln>
-        </p:spPr>
-      </p:pic>
-    </p:spTree>
-    <p:extLst>
-      <p:ext uri="{BB962C8B-B14F-4D97-AF65-F5344CB8AC3E}">
-        <p14:creationId xmlns:p14="http://schemas.microsoft.com/office/powerpoint/2010/main" val="894650800"/>
-      </p:ext>
-    </p:extLst>
-  </p:cSld>
-  <p:clrMapOvr>
-    <a:masterClrMapping/>
-  </p:clrMapOvr>
-  <p:timing>
-    <p:tnLst>
-      <p:par>
-        <p:cTn id="1" dur="indefinite" restart="never" nodeType="tmRoot"/>
-      </p:par>
-    </p:tnLst>
-  </p:timing>
-</p:sld>
-</file>
-
-<file path=ppt/slides/slide41.xml><?xml version="1.0" encoding="utf-8"?>
-<p:sld xmlns:a="http://schemas.openxmlformats.org/drawingml/2006/main" xmlns:r="http://schemas.openxmlformats.org/officeDocument/2006/relationships" xmlns:p="http://schemas.openxmlformats.org/presentationml/2006/main">
-  <p:cSld>
-    <p:spTree>
-      <p:nvGrpSpPr>
-        <p:cNvPr id="1" name=""/>
-        <p:cNvGrpSpPr/>
-        <p:nvPr/>
-      </p:nvGrpSpPr>
-      <p:grpSpPr>
-        <a:xfrm>
-          <a:off x="0" y="0"/>
-          <a:ext cx="0" cy="0"/>
-          <a:chOff x="0" y="0"/>
-          <a:chExt cx="0" cy="0"/>
-        </a:xfrm>
-      </p:grpSpPr>
-      <p:sp>
-        <p:nvSpPr>
-          <p:cNvPr id="2" name="Title 1"/>
-          <p:cNvSpPr>
-            <a:spLocks noGrp="1"/>
-          </p:cNvSpPr>
-          <p:nvPr>
-            <p:ph type="title"/>
-          </p:nvPr>
-        </p:nvSpPr>
-        <p:spPr/>
-        <p:txBody>
-          <a:bodyPr/>
-          <a:lstStyle/>
-          <a:p>
-            <a:r>
-              <a:rPr lang="en-US" dirty="0" smtClean="0"/>
-              <a:t>Agenda</a:t>
-            </a:r>
-            <a:endParaRPr lang="en-US" dirty="0"/>
-          </a:p>
-        </p:txBody>
-      </p:sp>
-      <p:sp>
-        <p:nvSpPr>
-          <p:cNvPr id="3" name="Content Placeholder 2"/>
-          <p:cNvSpPr>
-            <a:spLocks noGrp="1"/>
-          </p:cNvSpPr>
-          <p:nvPr>
-            <p:ph idx="1"/>
-          </p:nvPr>
-        </p:nvSpPr>
-        <p:spPr/>
-        <p:txBody>
-          <a:bodyPr/>
-          <a:lstStyle/>
-          <a:p>
-            <a:pPr>
-              <a:buFont typeface="Wingdings" panose="05000000000000000000" pitchFamily="2" charset="2"/>
-              <a:buChar char="Ø"/>
-            </a:pPr>
-            <a:r>
-              <a:rPr lang="en-US" dirty="0" smtClean="0"/>
-              <a:t>Introduction</a:t>
-            </a:r>
-          </a:p>
-          <a:p>
-            <a:pPr>
-              <a:buFont typeface="Wingdings" panose="05000000000000000000" pitchFamily="2" charset="2"/>
-              <a:buChar char="Ø"/>
-            </a:pPr>
-            <a:r>
-              <a:rPr lang="en-US" dirty="0" smtClean="0"/>
-              <a:t>Motivation</a:t>
-            </a:r>
-          </a:p>
-          <a:p>
-            <a:pPr>
-              <a:buFont typeface="Wingdings" panose="05000000000000000000" pitchFamily="2" charset="2"/>
-              <a:buChar char="Ø"/>
-            </a:pPr>
-            <a:r>
-              <a:rPr lang="en-US" dirty="0" smtClean="0"/>
-              <a:t>Technical Overview</a:t>
-            </a:r>
-          </a:p>
-          <a:p>
-            <a:pPr>
-              <a:buFont typeface="Wingdings" panose="05000000000000000000" pitchFamily="2" charset="2"/>
-              <a:buChar char="Ø"/>
-            </a:pPr>
-            <a:r>
-              <a:rPr lang="en-US" dirty="0"/>
-              <a:t>How does it work?</a:t>
-            </a:r>
-          </a:p>
-          <a:p>
-            <a:pPr>
-              <a:buFont typeface="Wingdings" panose="05000000000000000000" pitchFamily="2" charset="2"/>
-              <a:buChar char="Ø"/>
-            </a:pPr>
-            <a:r>
-              <a:rPr lang="en-US" dirty="0" smtClean="0">
-                <a:solidFill>
-                  <a:srgbClr val="FF0000"/>
-                </a:solidFill>
-              </a:rPr>
-              <a:t>Strengths/Weaknesses</a:t>
-            </a:r>
-            <a:endParaRPr lang="en-US" dirty="0" smtClean="0">
-              <a:solidFill>
-                <a:srgbClr val="FF0000"/>
-              </a:solidFill>
-            </a:endParaRPr>
-          </a:p>
-          <a:p>
-            <a:pPr>
-              <a:buFont typeface="Wingdings" panose="05000000000000000000" pitchFamily="2" charset="2"/>
-              <a:buChar char="Ø"/>
-            </a:pPr>
-            <a:r>
-              <a:rPr lang="en-US" dirty="0" smtClean="0"/>
-              <a:t>Future scope</a:t>
-            </a:r>
-            <a:endParaRPr lang="en-US" dirty="0"/>
-          </a:p>
-        </p:txBody>
-      </p:sp>
-    </p:spTree>
-    <p:extLst>
-      <p:ext uri="{BB962C8B-B14F-4D97-AF65-F5344CB8AC3E}">
-        <p14:creationId xmlns:p14="http://schemas.microsoft.com/office/powerpoint/2010/main" val="4192161623"/>
-      </p:ext>
-    </p:extLst>
-  </p:cSld>
-  <p:clrMapOvr>
-    <a:masterClrMapping/>
-  </p:clrMapOvr>
-  <p:timing>
-    <p:tnLst>
-      <p:par>
-        <p:cTn id="1" dur="indefinite" restart="never" nodeType="tmRoot"/>
-      </p:par>
-    </p:tnLst>
-  </p:timing>
-</p:sld>
-</file>
-
-<file path=ppt/slides/slide42.xml><?xml version="1.0" encoding="utf-8"?>
-<p:sld xmlns:a="http://schemas.openxmlformats.org/drawingml/2006/main" xmlns:r="http://schemas.openxmlformats.org/officeDocument/2006/relationships" xmlns:p="http://schemas.openxmlformats.org/presentationml/2006/main">
-  <p:cSld>
-    <p:spTree>
-      <p:nvGrpSpPr>
-        <p:cNvPr id="1" name=""/>
-        <p:cNvGrpSpPr/>
-        <p:nvPr/>
-      </p:nvGrpSpPr>
-      <p:grpSpPr>
-        <a:xfrm>
-          <a:off x="0" y="0"/>
-          <a:ext cx="0" cy="0"/>
-          <a:chOff x="0" y="0"/>
-          <a:chExt cx="0" cy="0"/>
-        </a:xfrm>
-      </p:grpSpPr>
-      <p:sp>
-        <p:nvSpPr>
-          <p:cNvPr id="2" name="Title 1"/>
-          <p:cNvSpPr>
-            <a:spLocks noGrp="1"/>
-          </p:cNvSpPr>
-          <p:nvPr>
-            <p:ph type="title"/>
-          </p:nvPr>
-        </p:nvSpPr>
-        <p:spPr/>
-        <p:txBody>
-          <a:bodyPr/>
-          <a:lstStyle/>
-          <a:p>
-            <a:r>
-              <a:rPr lang="en-US" dirty="0" smtClean="0"/>
-              <a:t>Strengths</a:t>
-            </a:r>
-            <a:endParaRPr lang="en-US" dirty="0"/>
-          </a:p>
-        </p:txBody>
-      </p:sp>
-      <p:sp>
-        <p:nvSpPr>
-          <p:cNvPr id="3" name="Content Placeholder 2"/>
-          <p:cNvSpPr>
-            <a:spLocks noGrp="1"/>
-          </p:cNvSpPr>
-          <p:nvPr>
-            <p:ph idx="1"/>
-          </p:nvPr>
-        </p:nvSpPr>
-        <p:spPr/>
-        <p:txBody>
-          <a:bodyPr/>
-          <a:lstStyle/>
-          <a:p>
-            <a:endParaRPr lang="en-US"/>
-          </a:p>
-        </p:txBody>
-      </p:sp>
-    </p:spTree>
-    <p:extLst>
-      <p:ext uri="{BB962C8B-B14F-4D97-AF65-F5344CB8AC3E}">
-        <p14:creationId xmlns:p14="http://schemas.microsoft.com/office/powerpoint/2010/main" val="3603131913"/>
-      </p:ext>
-    </p:extLst>
-  </p:cSld>
-  <p:clrMapOvr>
-    <a:masterClrMapping/>
-  </p:clrMapOvr>
-  <p:timing>
-    <p:tnLst>
-      <p:par>
-        <p:cTn id="1" dur="indefinite" restart="never" nodeType="tmRoot"/>
-      </p:par>
-    </p:tnLst>
-  </p:timing>
-</p:sld>
-</file>
-
-<file path=ppt/slides/slide43.xml><?xml version="1.0" encoding="utf-8"?>
-<p:sld xmlns:a="http://schemas.openxmlformats.org/drawingml/2006/main" xmlns:r="http://schemas.openxmlformats.org/officeDocument/2006/relationships" xmlns:p="http://schemas.openxmlformats.org/presentationml/2006/main">
-  <p:cSld>
-    <p:spTree>
-      <p:nvGrpSpPr>
-        <p:cNvPr id="1" name=""/>
-        <p:cNvGrpSpPr/>
-        <p:nvPr/>
-      </p:nvGrpSpPr>
-      <p:grpSpPr>
-        <a:xfrm>
-          <a:off x="0" y="0"/>
-          <a:ext cx="0" cy="0"/>
-          <a:chOff x="0" y="0"/>
-          <a:chExt cx="0" cy="0"/>
-        </a:xfrm>
-      </p:grpSpPr>
-      <p:sp>
-        <p:nvSpPr>
-          <p:cNvPr id="2" name="Title 1"/>
-          <p:cNvSpPr>
-            <a:spLocks noGrp="1"/>
-          </p:cNvSpPr>
-          <p:nvPr>
-            <p:ph type="title"/>
-          </p:nvPr>
-        </p:nvSpPr>
-        <p:spPr/>
-        <p:txBody>
-          <a:bodyPr/>
-          <a:lstStyle/>
-          <a:p>
-            <a:r>
-              <a:rPr lang="en-US" dirty="0" smtClean="0"/>
-              <a:t>Weaknesses</a:t>
-            </a:r>
-            <a:endParaRPr lang="en-US" dirty="0"/>
-          </a:p>
-        </p:txBody>
-      </p:sp>
-      <p:sp>
-        <p:nvSpPr>
-          <p:cNvPr id="3" name="Content Placeholder 2"/>
-          <p:cNvSpPr>
-            <a:spLocks noGrp="1"/>
-          </p:cNvSpPr>
-          <p:nvPr>
-            <p:ph idx="1"/>
-          </p:nvPr>
-        </p:nvSpPr>
-        <p:spPr>
-          <a:xfrm>
-            <a:off x="1261871" y="1828800"/>
-            <a:ext cx="9200789" cy="4706754"/>
-          </a:xfrm>
-        </p:spPr>
-        <p:txBody>
-          <a:bodyPr>
-            <a:normAutofit/>
-          </a:bodyPr>
-          <a:lstStyle/>
-          <a:p>
-            <a:pPr>
-              <a:buFont typeface="Wingdings" panose="05000000000000000000" pitchFamily="2" charset="2"/>
-              <a:buChar char="Ø"/>
-            </a:pPr>
-            <a:r>
-              <a:rPr lang="en-US" dirty="0" smtClean="0"/>
-              <a:t>Decentralization leads to “No trust”!</a:t>
-            </a:r>
-          </a:p>
-          <a:p>
-            <a:pPr lvl="1">
-              <a:buFont typeface="Wingdings" panose="05000000000000000000" pitchFamily="2" charset="2"/>
-              <a:buChar char="§"/>
-            </a:pPr>
-            <a:r>
-              <a:rPr lang="en-US" dirty="0" smtClean="0"/>
-              <a:t>We trust our banks or if something goes wrong, we can sue our bank. In bitcoin we deal with anonymous strangers, so one cannot trust anyone</a:t>
-            </a:r>
-            <a:r>
-              <a:rPr lang="en-US" dirty="0" smtClean="0"/>
-              <a:t>.</a:t>
-            </a:r>
-            <a:endParaRPr lang="en-US" dirty="0"/>
-          </a:p>
-          <a:p>
-            <a:pPr>
-              <a:buFont typeface="Wingdings" panose="05000000000000000000" pitchFamily="2" charset="2"/>
-              <a:buChar char="Ø"/>
-            </a:pPr>
-            <a:r>
-              <a:rPr lang="en-US" dirty="0" smtClean="0"/>
-              <a:t>DIY bitcoin = Risky</a:t>
-            </a:r>
-          </a:p>
-          <a:p>
-            <a:pPr lvl="1">
-              <a:buFont typeface="Wingdings" panose="05000000000000000000" pitchFamily="2" charset="2"/>
-              <a:buChar char="§"/>
-            </a:pPr>
-            <a:r>
-              <a:rPr lang="en-US" dirty="0" smtClean="0"/>
-              <a:t>Bitcoin software hides the scripting layer, one could write their own</a:t>
-            </a:r>
-          </a:p>
-          <a:p>
-            <a:pPr lvl="1">
-              <a:buFont typeface="Wingdings" panose="05000000000000000000" pitchFamily="2" charset="2"/>
-              <a:buChar char="§"/>
-            </a:pPr>
-            <a:r>
-              <a:rPr lang="en-US" dirty="0" smtClean="0"/>
-              <a:t>Over 2600 bitcoins were lost in a single batch of transactions due to malformed address</a:t>
-            </a:r>
-          </a:p>
-          <a:p>
-            <a:pPr lvl="1">
-              <a:buFont typeface="Wingdings" panose="05000000000000000000" pitchFamily="2" charset="2"/>
-              <a:buChar char="§"/>
-            </a:pPr>
-            <a:r>
-              <a:rPr lang="en-US" dirty="0" smtClean="0"/>
-              <a:t>Since there is no central authority, any user error mistakes can cause permanent loss of bitcoins from the economy</a:t>
-            </a:r>
-          </a:p>
-          <a:p>
-            <a:pPr>
-              <a:buFont typeface="Wingdings" panose="05000000000000000000" pitchFamily="2" charset="2"/>
-              <a:buChar char="Ø"/>
-            </a:pPr>
-            <a:r>
-              <a:rPr lang="en-US" dirty="0" smtClean="0"/>
-              <a:t>If a user loses their private key, any funds associated with the corresponding public key will be lost forever</a:t>
-            </a:r>
-          </a:p>
-          <a:p>
-            <a:pPr lvl="1">
-              <a:buFont typeface="Wingdings" panose="05000000000000000000" pitchFamily="2" charset="2"/>
-              <a:buChar char="§"/>
-            </a:pPr>
-            <a:r>
-              <a:rPr lang="en-US" dirty="0" smtClean="0"/>
-              <a:t>And because users will likely lose their private keys due to technical glitches, bitcoin currency will eventually be a deflationary one.</a:t>
-            </a:r>
-          </a:p>
-          <a:p>
-            <a:pPr>
-              <a:buFont typeface="Wingdings" panose="05000000000000000000" pitchFamily="2" charset="2"/>
-              <a:buChar char="Ø"/>
-            </a:pPr>
-            <a:r>
-              <a:rPr lang="en-US" dirty="0" smtClean="0"/>
-              <a:t>System is vulnerable to double spend attack towards the end of the chain. Thus it is recommended to wait out a few blocks to be solved to ensure that the transaction is complete.</a:t>
-            </a:r>
-            <a:endParaRPr lang="en-US" dirty="0" smtClean="0"/>
-          </a:p>
-        </p:txBody>
-      </p:sp>
-    </p:spTree>
-    <p:extLst>
-      <p:ext uri="{BB962C8B-B14F-4D97-AF65-F5344CB8AC3E}">
-        <p14:creationId xmlns:p14="http://schemas.microsoft.com/office/powerpoint/2010/main" val="3672107668"/>
-      </p:ext>
-    </p:extLst>
-  </p:cSld>
-  <p:clrMapOvr>
-    <a:masterClrMapping/>
-  </p:clrMapOvr>
-  <p:timing>
-    <p:tnLst>
-      <p:par>
-        <p:cTn id="1" dur="indefinite" restart="never" nodeType="tmRoot"/>
-      </p:par>
-    </p:tnLst>
-  </p:timing>
-</p:sld>
-</file>
-
-<file path=ppt/slides/slide44.xml><?xml version="1.0" encoding="utf-8"?>
-<p:sld xmlns:a="http://schemas.openxmlformats.org/drawingml/2006/main" xmlns:r="http://schemas.openxmlformats.org/officeDocument/2006/relationships" xmlns:p="http://schemas.openxmlformats.org/presentationml/2006/main">
-  <p:cSld>
-    <p:spTree>
-      <p:nvGrpSpPr>
-        <p:cNvPr id="1" name=""/>
-        <p:cNvGrpSpPr/>
-        <p:nvPr/>
-      </p:nvGrpSpPr>
-      <p:grpSpPr>
-        <a:xfrm>
-          <a:off x="0" y="0"/>
-          <a:ext cx="0" cy="0"/>
-          <a:chOff x="0" y="0"/>
-          <a:chExt cx="0" cy="0"/>
-        </a:xfrm>
-      </p:grpSpPr>
-      <p:sp>
-        <p:nvSpPr>
-          <p:cNvPr id="2" name="Title 1"/>
-          <p:cNvSpPr>
-            <a:spLocks noGrp="1"/>
-          </p:cNvSpPr>
-          <p:nvPr>
-            <p:ph type="title"/>
-          </p:nvPr>
-        </p:nvSpPr>
-        <p:spPr/>
-        <p:txBody>
-          <a:bodyPr/>
-          <a:lstStyle/>
-          <a:p>
-            <a:r>
-              <a:rPr lang="en-US" dirty="0" smtClean="0"/>
-              <a:t>Agenda</a:t>
-            </a:r>
-            <a:endParaRPr lang="en-US" dirty="0"/>
-          </a:p>
-        </p:txBody>
-      </p:sp>
-      <p:sp>
-        <p:nvSpPr>
-          <p:cNvPr id="3" name="Content Placeholder 2"/>
-          <p:cNvSpPr>
-            <a:spLocks noGrp="1"/>
-          </p:cNvSpPr>
-          <p:nvPr>
-            <p:ph idx="1"/>
-          </p:nvPr>
-        </p:nvSpPr>
-        <p:spPr/>
-        <p:txBody>
-          <a:bodyPr/>
-          <a:lstStyle/>
-          <a:p>
-            <a:pPr>
-              <a:buFont typeface="Wingdings" panose="05000000000000000000" pitchFamily="2" charset="2"/>
-              <a:buChar char="Ø"/>
-            </a:pPr>
-            <a:r>
-              <a:rPr lang="en-US" dirty="0" smtClean="0"/>
-              <a:t>Introduction</a:t>
-            </a:r>
-          </a:p>
-          <a:p>
-            <a:pPr>
-              <a:buFont typeface="Wingdings" panose="05000000000000000000" pitchFamily="2" charset="2"/>
-              <a:buChar char="Ø"/>
-            </a:pPr>
-            <a:r>
-              <a:rPr lang="en-US" dirty="0" smtClean="0"/>
-              <a:t>Motivation</a:t>
-            </a:r>
-          </a:p>
-          <a:p>
-            <a:pPr>
-              <a:buFont typeface="Wingdings" panose="05000000000000000000" pitchFamily="2" charset="2"/>
-              <a:buChar char="Ø"/>
-            </a:pPr>
-            <a:r>
-              <a:rPr lang="en-US" dirty="0" smtClean="0"/>
-              <a:t>Technical Overview</a:t>
-            </a:r>
-          </a:p>
-          <a:p>
-            <a:pPr>
-              <a:buFont typeface="Wingdings" panose="05000000000000000000" pitchFamily="2" charset="2"/>
-              <a:buChar char="Ø"/>
-            </a:pPr>
-            <a:r>
-              <a:rPr lang="en-US" dirty="0"/>
-              <a:t>How does it work?</a:t>
-            </a:r>
-          </a:p>
-          <a:p>
-            <a:pPr>
-              <a:buFont typeface="Wingdings" panose="05000000000000000000" pitchFamily="2" charset="2"/>
-              <a:buChar char="Ø"/>
-            </a:pPr>
-            <a:r>
-              <a:rPr lang="en-US" dirty="0" smtClean="0"/>
-              <a:t>Strengths/Weaknesses</a:t>
-            </a:r>
-          </a:p>
-          <a:p>
-            <a:pPr>
-              <a:buFont typeface="Wingdings" panose="05000000000000000000" pitchFamily="2" charset="2"/>
-              <a:buChar char="Ø"/>
-            </a:pPr>
-            <a:r>
-              <a:rPr lang="en-US" dirty="0" smtClean="0">
-                <a:solidFill>
-                  <a:srgbClr val="FF0000"/>
-                </a:solidFill>
-              </a:rPr>
-              <a:t>Future </a:t>
-            </a:r>
-            <a:r>
-              <a:rPr lang="en-US" dirty="0" smtClean="0">
-                <a:solidFill>
-                  <a:srgbClr val="FF0000"/>
-                </a:solidFill>
-              </a:rPr>
-              <a:t>scope</a:t>
-            </a:r>
-            <a:endParaRPr lang="en-US" dirty="0">
-              <a:solidFill>
-                <a:srgbClr val="FF0000"/>
-              </a:solidFill>
-            </a:endParaRPr>
-          </a:p>
-        </p:txBody>
-      </p:sp>
-    </p:spTree>
-    <p:extLst>
-      <p:ext uri="{BB962C8B-B14F-4D97-AF65-F5344CB8AC3E}">
-        <p14:creationId xmlns:p14="http://schemas.microsoft.com/office/powerpoint/2010/main" val="1018011684"/>
-      </p:ext>
-    </p:extLst>
-  </p:cSld>
-  <p:clrMapOvr>
-    <a:masterClrMapping/>
-  </p:clrMapOvr>
-  <p:timing>
-    <p:tnLst>
-      <p:par>
-        <p:cTn id="1" dur="indefinite" restart="never" nodeType="tmRoot"/>
-      </p:par>
-    </p:tnLst>
-  </p:timing>
-</p:sld>
-</file>
-
-<file path=ppt/slides/slide45.xml><?xml version="1.0" encoding="utf-8"?>
-<p:sld xmlns:a="http://schemas.openxmlformats.org/drawingml/2006/main" xmlns:r="http://schemas.openxmlformats.org/officeDocument/2006/relationships" xmlns:p="http://schemas.openxmlformats.org/presentationml/2006/main">
-  <p:cSld>
-    <p:spTree>
-      <p:nvGrpSpPr>
-        <p:cNvPr id="1" name=""/>
-        <p:cNvGrpSpPr/>
-        <p:nvPr/>
-      </p:nvGrpSpPr>
-      <p:grpSpPr>
-        <a:xfrm>
-          <a:off x="0" y="0"/>
-          <a:ext cx="0" cy="0"/>
-          <a:chOff x="0" y="0"/>
-          <a:chExt cx="0" cy="0"/>
-        </a:xfrm>
-      </p:grpSpPr>
-      <p:sp>
-        <p:nvSpPr>
-          <p:cNvPr id="2" name="Title 1"/>
-          <p:cNvSpPr>
-            <a:spLocks noGrp="1"/>
-          </p:cNvSpPr>
-          <p:nvPr>
-            <p:ph type="title"/>
-          </p:nvPr>
-        </p:nvSpPr>
-        <p:spPr/>
-        <p:txBody>
-          <a:bodyPr>
-            <a:normAutofit/>
-          </a:bodyPr>
-          <a:lstStyle/>
-          <a:p>
-            <a:r>
-              <a:rPr lang="en-US" dirty="0"/>
-              <a:t>A brief summary of some use cases gaining </a:t>
-            </a:r>
-            <a:r>
-              <a:rPr lang="en-US" dirty="0" smtClean="0"/>
-              <a:t>momentum</a:t>
-            </a:r>
-            <a:endParaRPr lang="en-US" dirty="0"/>
-          </a:p>
-        </p:txBody>
-      </p:sp>
-      <p:sp>
-        <p:nvSpPr>
-          <p:cNvPr id="3" name="Content Placeholder 2"/>
-          <p:cNvSpPr>
-            <a:spLocks noGrp="1"/>
-          </p:cNvSpPr>
-          <p:nvPr>
-            <p:ph idx="1"/>
-          </p:nvPr>
-        </p:nvSpPr>
-        <p:spPr>
-          <a:xfrm>
-            <a:off x="1261871" y="1828800"/>
-            <a:ext cx="9508797" cy="4543124"/>
-          </a:xfrm>
-        </p:spPr>
-        <p:txBody>
-          <a:bodyPr>
-            <a:normAutofit fontScale="92500" lnSpcReduction="20000"/>
-          </a:bodyPr>
-          <a:lstStyle/>
-          <a:p>
-            <a:pPr fontAlgn="base">
-              <a:buFont typeface="Wingdings" panose="05000000000000000000" pitchFamily="2" charset="2"/>
-              <a:buChar char="Ø"/>
-            </a:pPr>
-            <a:r>
-              <a:rPr lang="en-US" dirty="0" smtClean="0"/>
-              <a:t>Document </a:t>
-            </a:r>
-            <a:r>
-              <a:rPr lang="en-US" dirty="0"/>
-              <a:t>and contract </a:t>
-            </a:r>
-            <a:r>
-              <a:rPr lang="en-US" dirty="0" smtClean="0"/>
-              <a:t>digitization, </a:t>
-            </a:r>
-            <a:r>
-              <a:rPr lang="en-US" dirty="0"/>
-              <a:t>management and exploitation</a:t>
-            </a:r>
-          </a:p>
-          <a:p>
-            <a:pPr fontAlgn="base">
-              <a:buFont typeface="Wingdings" panose="05000000000000000000" pitchFamily="2" charset="2"/>
-              <a:buChar char="Ø"/>
-            </a:pPr>
-            <a:r>
-              <a:rPr lang="en-US" dirty="0"/>
-              <a:t>Secure tracking of data exchange in Internet of Things activity</a:t>
-            </a:r>
-          </a:p>
-          <a:p>
-            <a:pPr fontAlgn="base">
-              <a:buFont typeface="Wingdings" panose="05000000000000000000" pitchFamily="2" charset="2"/>
-              <a:buChar char="Ø"/>
-            </a:pPr>
-            <a:r>
-              <a:rPr lang="en-US" dirty="0"/>
-              <a:t>Securing and creating trust in escrow and custodian services</a:t>
-            </a:r>
-          </a:p>
-          <a:p>
-            <a:pPr fontAlgn="base">
-              <a:buFont typeface="Wingdings" panose="05000000000000000000" pitchFamily="2" charset="2"/>
-              <a:buChar char="Ø"/>
-            </a:pPr>
-            <a:r>
-              <a:rPr lang="en-US" dirty="0" smtClean="0"/>
-              <a:t>Decentralized </a:t>
-            </a:r>
-            <a:r>
-              <a:rPr lang="en-US" dirty="0"/>
-              <a:t>and cloud services including patient records and healthcare support</a:t>
-            </a:r>
-          </a:p>
-          <a:p>
-            <a:pPr fontAlgn="base">
-              <a:buFont typeface="Wingdings" panose="05000000000000000000" pitchFamily="2" charset="2"/>
-              <a:buChar char="Ø"/>
-            </a:pPr>
-            <a:r>
-              <a:rPr lang="en-US" dirty="0"/>
-              <a:t>Electronic voting and voter authentication</a:t>
-            </a:r>
-          </a:p>
-          <a:p>
-            <a:pPr fontAlgn="base">
-              <a:buFont typeface="Wingdings" panose="05000000000000000000" pitchFamily="2" charset="2"/>
-              <a:buChar char="Ø"/>
-            </a:pPr>
-            <a:r>
-              <a:rPr lang="en-US" dirty="0"/>
-              <a:t>Cloud based learning and student authentication</a:t>
-            </a:r>
-          </a:p>
-          <a:p>
-            <a:pPr fontAlgn="base">
-              <a:buFont typeface="Wingdings" panose="05000000000000000000" pitchFamily="2" charset="2"/>
-              <a:buChar char="Ø"/>
-            </a:pPr>
-            <a:r>
-              <a:rPr lang="en-US" dirty="0"/>
-              <a:t>Counterfeit prevention for digital assets and proof of ownership</a:t>
-            </a:r>
-          </a:p>
-          <a:p>
-            <a:pPr fontAlgn="base">
-              <a:buFont typeface="Wingdings" panose="05000000000000000000" pitchFamily="2" charset="2"/>
-              <a:buChar char="Ø"/>
-            </a:pPr>
-            <a:r>
-              <a:rPr lang="en-US" dirty="0"/>
-              <a:t>Digital identity management and providing trust as to authenticity of digital reviews, brands and reputation</a:t>
-            </a:r>
-          </a:p>
-          <a:p>
-            <a:pPr fontAlgn="base">
-              <a:buFont typeface="Wingdings" panose="05000000000000000000" pitchFamily="2" charset="2"/>
-              <a:buChar char="Ø"/>
-            </a:pPr>
-            <a:r>
-              <a:rPr lang="en-US" dirty="0"/>
-              <a:t>Facilitation of sales and trading of digital assets and digital rights </a:t>
-            </a:r>
-            <a:r>
-              <a:rPr lang="en-US" dirty="0" smtClean="0"/>
-              <a:t>management</a:t>
-            </a:r>
-          </a:p>
-          <a:p>
-            <a:pPr fontAlgn="base">
-              <a:buFont typeface="Wingdings" panose="05000000000000000000" pitchFamily="2" charset="2"/>
-              <a:buChar char="Ø"/>
-            </a:pPr>
-            <a:r>
-              <a:rPr lang="en-US" dirty="0"/>
-              <a:t>nine major banks (including JP Morgan and Goldman Sachs) recently joined a partnership to develop blockchain technologies</a:t>
-            </a:r>
-            <a:r>
-              <a:rPr lang="en-US" dirty="0" smtClean="0"/>
-              <a:t>.</a:t>
-            </a:r>
-            <a:endParaRPr lang="en-US" dirty="0"/>
-          </a:p>
-        </p:txBody>
-      </p:sp>
-    </p:spTree>
-    <p:extLst>
-      <p:ext uri="{BB962C8B-B14F-4D97-AF65-F5344CB8AC3E}">
-        <p14:creationId xmlns:p14="http://schemas.microsoft.com/office/powerpoint/2010/main" val="278640784"/>
-      </p:ext>
-    </p:extLst>
-  </p:cSld>
-  <p:clrMapOvr>
-    <a:masterClrMapping/>
-  </p:clrMapOvr>
-  <p:timing>
-    <p:tnLst>
-      <p:par>
-        <p:cTn id="1" dur="indefinite" restart="never" nodeType="tmRoot"/>
-      </p:par>
-    </p:tnLst>
-  </p:timing>
-</p:sld>
-</file>
-
-<file path=ppt/slides/slide46.xml><?xml version="1.0" encoding="utf-8"?>
-<p:sld xmlns:a="http://schemas.openxmlformats.org/drawingml/2006/main" xmlns:r="http://schemas.openxmlformats.org/officeDocument/2006/relationships" xmlns:p="http://schemas.openxmlformats.org/presentationml/2006/main">
-  <p:cSld>
-    <p:spTree>
-      <p:nvGrpSpPr>
-        <p:cNvPr id="1" name=""/>
-        <p:cNvGrpSpPr/>
-        <p:nvPr/>
-      </p:nvGrpSpPr>
-      <p:grpSpPr>
-        <a:xfrm>
-          <a:off x="0" y="0"/>
-          <a:ext cx="0" cy="0"/>
-          <a:chOff x="0" y="0"/>
-          <a:chExt cx="0" cy="0"/>
-        </a:xfrm>
-      </p:grpSpPr>
-      <p:sp>
-        <p:nvSpPr>
-          <p:cNvPr id="2" name="Title 1"/>
-          <p:cNvSpPr>
-            <a:spLocks noGrp="1"/>
-          </p:cNvSpPr>
-          <p:nvPr>
-            <p:ph type="title"/>
-          </p:nvPr>
-        </p:nvSpPr>
-        <p:spPr/>
-        <p:txBody>
-          <a:bodyPr/>
-          <a:lstStyle/>
-          <a:p>
-            <a:r>
-              <a:rPr lang="en-US" dirty="0" smtClean="0"/>
-              <a:t>Blockchain Startups</a:t>
-            </a:r>
-            <a:endParaRPr lang="en-US" dirty="0"/>
-          </a:p>
-        </p:txBody>
-      </p:sp>
-      <p:pic>
-        <p:nvPicPr>
-          <p:cNvPr id="4" name="Content Placeholder 3"/>
-          <p:cNvPicPr>
-            <a:picLocks noGrp="1" noChangeAspect="1"/>
-          </p:cNvPicPr>
-          <p:nvPr>
-            <p:ph idx="1"/>
-          </p:nvPr>
-        </p:nvPicPr>
-        <p:blipFill>
-          <a:blip r:embed="rId2"/>
-          <a:stretch>
-            <a:fillRect/>
-          </a:stretch>
-        </p:blipFill>
-        <p:spPr>
-          <a:xfrm>
-            <a:off x="1958517" y="1828799"/>
-            <a:ext cx="7944694" cy="4918509"/>
-          </a:xfrm>
-          <a:prstGeom prst="rect">
-            <a:avLst/>
-          </a:prstGeom>
-        </p:spPr>
-      </p:pic>
-    </p:spTree>
-    <p:extLst>
-      <p:ext uri="{BB962C8B-B14F-4D97-AF65-F5344CB8AC3E}">
-        <p14:creationId xmlns:p14="http://schemas.microsoft.com/office/powerpoint/2010/main" val="1615084238"/>
-      </p:ext>
-    </p:extLst>
-  </p:cSld>
-  <p:clrMapOvr>
-    <a:masterClrMapping/>
-  </p:clrMapOvr>
-  <p:timing>
-    <p:tnLst>
-      <p:par>
-        <p:cTn id="1" dur="indefinite" restart="never" nodeType="tmRoot"/>
-      </p:par>
-    </p:tnLst>
-  </p:timing>
-</p:sld>
-</file>
-
-<file path=ppt/slides/slide47.xml><?xml version="1.0" encoding="utf-8"?>
-<p:sld xmlns:a="http://schemas.openxmlformats.org/drawingml/2006/main" xmlns:r="http://schemas.openxmlformats.org/officeDocument/2006/relationships" xmlns:p="http://schemas.openxmlformats.org/presentationml/2006/main">
-  <p:cSld>
-    <p:spTree>
-      <p:nvGrpSpPr>
-        <p:cNvPr id="1" name=""/>
-        <p:cNvGrpSpPr/>
-        <p:nvPr/>
-      </p:nvGrpSpPr>
-      <p:grpSpPr>
-        <a:xfrm>
-          <a:off x="0" y="0"/>
-          <a:ext cx="0" cy="0"/>
-          <a:chOff x="0" y="0"/>
-          <a:chExt cx="0" cy="0"/>
-        </a:xfrm>
-      </p:grpSpPr>
-      <p:sp>
-        <p:nvSpPr>
-          <p:cNvPr id="2" name="Title 1"/>
-          <p:cNvSpPr>
-            <a:spLocks noGrp="1"/>
-          </p:cNvSpPr>
-          <p:nvPr>
-            <p:ph type="title"/>
-          </p:nvPr>
-        </p:nvSpPr>
-        <p:spPr/>
-        <p:txBody>
-          <a:bodyPr/>
-          <a:lstStyle/>
-          <a:p>
-            <a:r>
-              <a:rPr lang="en-US" dirty="0" smtClean="0"/>
-              <a:t>References</a:t>
-            </a:r>
-            <a:endParaRPr lang="en-US" dirty="0"/>
-          </a:p>
-        </p:txBody>
-      </p:sp>
-      <p:sp>
-        <p:nvSpPr>
-          <p:cNvPr id="3" name="Content Placeholder 2"/>
-          <p:cNvSpPr>
-            <a:spLocks noGrp="1"/>
-          </p:cNvSpPr>
-          <p:nvPr>
-            <p:ph idx="1"/>
-          </p:nvPr>
-        </p:nvSpPr>
-        <p:spPr/>
-        <p:txBody>
-          <a:bodyPr>
-            <a:normAutofit lnSpcReduction="10000"/>
-          </a:bodyPr>
-          <a:lstStyle/>
-          <a:p>
-            <a:endParaRPr lang="en-US" dirty="0"/>
-          </a:p>
-          <a:p>
-            <a:pPr marL="0" indent="0">
-              <a:buNone/>
-            </a:pPr>
-            <a:r>
-              <a:rPr lang="en-US" dirty="0" smtClean="0">
-                <a:hlinkClick r:id="rId2"/>
-              </a:rPr>
-              <a:t>https://bitcoin.org/en/</a:t>
-            </a:r>
-            <a:endParaRPr lang="en-US" dirty="0"/>
-          </a:p>
-          <a:p>
-            <a:pPr marL="0" indent="0">
-              <a:buNone/>
-            </a:pPr>
-            <a:r>
-              <a:rPr lang="en-US" dirty="0" smtClean="0">
-                <a:hlinkClick r:id="rId3"/>
-              </a:rPr>
-              <a:t>https://www.blockchain.com/</a:t>
-            </a:r>
-            <a:endParaRPr lang="en-US" dirty="0" smtClean="0"/>
-          </a:p>
-          <a:p>
-            <a:pPr marL="0" indent="0">
-              <a:buNone/>
-            </a:pPr>
-            <a:r>
-              <a:rPr lang="en-US" dirty="0" smtClean="0">
-                <a:hlinkClick r:id="rId4"/>
-              </a:rPr>
-              <a:t>http://blockgeeks.com/guides/what-is-blockchain-technology-a-step-by-step-guide-than-anyone-can-understand/</a:t>
-            </a:r>
-            <a:endParaRPr lang="en-US" dirty="0" smtClean="0"/>
-          </a:p>
-          <a:p>
-            <a:pPr marL="0" indent="0">
-              <a:buNone/>
-            </a:pPr>
-            <a:r>
-              <a:rPr lang="en-US" dirty="0" smtClean="0">
-                <a:hlinkClick r:id="rId5"/>
-              </a:rPr>
-              <a:t>https</a:t>
-            </a:r>
-            <a:r>
-              <a:rPr lang="en-US" dirty="0">
-                <a:hlinkClick r:id="rId5"/>
-              </a:rPr>
-              <a:t>://</a:t>
-            </a:r>
-            <a:r>
-              <a:rPr lang="en-US" dirty="0" smtClean="0">
-                <a:hlinkClick r:id="rId5"/>
-              </a:rPr>
-              <a:t>www.linkedin.com/pulse/blockchain-non-financial-services-use-cases-paul-forrest</a:t>
-            </a:r>
-            <a:endParaRPr lang="en-US" dirty="0" smtClean="0"/>
-          </a:p>
-          <a:p>
-            <a:pPr marL="0" indent="0">
-              <a:buNone/>
-            </a:pPr>
-            <a:r>
-              <a:rPr lang="en-US" dirty="0">
-                <a:hlinkClick r:id="rId6"/>
-              </a:rPr>
-              <a:t>https://</a:t>
-            </a:r>
-            <a:r>
-              <a:rPr lang="en-US" dirty="0" smtClean="0">
-                <a:hlinkClick r:id="rId6"/>
-              </a:rPr>
-              <a:t>www.youtube.com/watch?v=Lx9zgZCMqXE</a:t>
-            </a:r>
-            <a:endParaRPr lang="en-US" dirty="0" smtClean="0"/>
-          </a:p>
-          <a:p>
-            <a:pPr marL="0" indent="0">
-              <a:buNone/>
-            </a:pPr>
-            <a:r>
-              <a:rPr lang="en-US" dirty="0">
-                <a:hlinkClick r:id="rId7"/>
-              </a:rPr>
-              <a:t>http://</a:t>
-            </a:r>
-            <a:r>
-              <a:rPr lang="en-US" dirty="0" smtClean="0">
-                <a:hlinkClick r:id="rId7"/>
-              </a:rPr>
-              <a:t>scet.berkeley.edu/wp-content/uploads/BlockchainPaper.pdf</a:t>
-            </a:r>
-            <a:endParaRPr lang="en-US" dirty="0" smtClean="0"/>
-          </a:p>
-          <a:p>
-            <a:pPr marL="0" indent="0">
-              <a:buNone/>
-            </a:pPr>
-            <a:r>
-              <a:rPr lang="en-US" dirty="0"/>
-              <a:t>http://</a:t>
-            </a:r>
-            <a:r>
-              <a:rPr lang="en-US" dirty="0" smtClean="0"/>
-              <a:t>marmelab.com/blog/2016/04/28/blockchain-for-web-developers-the-theory.html</a:t>
-            </a:r>
-            <a:endParaRPr lang="en-US" dirty="0"/>
-          </a:p>
-          <a:p>
-            <a:pPr marL="0" indent="0">
-              <a:buNone/>
-            </a:pPr>
-            <a:endParaRPr lang="en-US" dirty="0" smtClean="0"/>
-          </a:p>
-          <a:p>
-            <a:pPr marL="0" indent="0">
-              <a:buNone/>
-            </a:pPr>
-            <a:endParaRPr lang="en-US" dirty="0" smtClean="0"/>
-          </a:p>
-          <a:p>
-            <a:pPr marL="0" indent="0">
-              <a:buNone/>
-            </a:pPr>
-            <a:endParaRPr lang="en-US" dirty="0" smtClean="0"/>
-          </a:p>
-          <a:p>
-            <a:pPr marL="0" indent="0">
-              <a:buNone/>
-            </a:pPr>
-            <a:endParaRPr lang="en-US" dirty="0"/>
-          </a:p>
-          <a:p>
-            <a:pPr marL="0" indent="0">
-              <a:buNone/>
-            </a:pPr>
-            <a:endParaRPr lang="en-US" dirty="0"/>
-          </a:p>
-        </p:txBody>
-      </p:sp>
-    </p:spTree>
-    <p:extLst>
-      <p:ext uri="{BB962C8B-B14F-4D97-AF65-F5344CB8AC3E}">
-        <p14:creationId xmlns:p14="http://schemas.microsoft.com/office/powerpoint/2010/main" val="1237604450"/>
-      </p:ext>
-    </p:extLst>
-  </p:cSld>
-  <p:clrMapOvr>
-    <a:masterClrMapping/>
-  </p:clrMapOvr>
-  <p:timing>
-    <p:tnLst>
-      <p:par>
-        <p:cTn id="1" dur="indefinite" restart="never" nodeType="tmRoot"/>
-      </p:par>
-    </p:tnLst>
-  </p:timing>
-</p:sld>
-</file>
-
-<file path=ppt/slides/slide48.xml><?xml version="1.0" encoding="utf-8"?>
-<p:sld xmlns:a="http://schemas.openxmlformats.org/drawingml/2006/main" xmlns:r="http://schemas.openxmlformats.org/officeDocument/2006/relationships" xmlns:p="http://schemas.openxmlformats.org/presentationml/2006/main">
-  <p:cSld>
-    <p:spTree>
-      <p:nvGrpSpPr>
-        <p:cNvPr id="1" name=""/>
-        <p:cNvGrpSpPr/>
-        <p:nvPr/>
-      </p:nvGrpSpPr>
-      <p:grpSpPr>
-        <a:xfrm>
-          <a:off x="0" y="0"/>
-          <a:ext cx="0" cy="0"/>
-          <a:chOff x="0" y="0"/>
-          <a:chExt cx="0" cy="0"/>
-        </a:xfrm>
-      </p:grpSpPr>
-      <p:pic>
-        <p:nvPicPr>
-          <p:cNvPr id="7" name="Picture 6"/>
-          <p:cNvPicPr>
-            <a:picLocks noChangeAspect="1"/>
-          </p:cNvPicPr>
-          <p:nvPr/>
-        </p:nvPicPr>
-        <p:blipFill>
-          <a:blip r:embed="rId2"/>
-          <a:stretch>
-            <a:fillRect/>
-          </a:stretch>
-        </p:blipFill>
-        <p:spPr>
-          <a:xfrm>
-            <a:off x="-2714" y="1097279"/>
-            <a:ext cx="11290984" cy="4514249"/>
-          </a:xfrm>
-          <a:prstGeom prst="rect">
-            <a:avLst/>
-          </a:prstGeom>
-        </p:spPr>
-      </p:pic>
-    </p:spTree>
-    <p:extLst>
-      <p:ext uri="{BB962C8B-B14F-4D97-AF65-F5344CB8AC3E}">
-        <p14:creationId xmlns:p14="http://schemas.microsoft.com/office/powerpoint/2010/main" val="750528939"/>
-      </p:ext>
-    </p:extLst>
-  </p:cSld>
-  <p:clrMapOvr>
-    <a:masterClrMapping/>
-  </p:clrMapOvr>
-  <p:timing>
-    <p:tnLst>
-      <p:par>
-        <p:cTn id="1" dur="indefinite" restart="never" nodeType="tmRoot"/>
-      </p:par>
-    </p:tnLst>
-  </p:timing>
-</p:sld>
-</file>
-
-<file path=ppt/slides/slide49.xml><?xml version="1.0" encoding="utf-8"?>
-<p:sld xmlns:a="http://schemas.openxmlformats.org/drawingml/2006/main" xmlns:r="http://schemas.openxmlformats.org/officeDocument/2006/relationships" xmlns:p="http://schemas.openxmlformats.org/presentationml/2006/main">
-  <p:cSld>
-    <p:spTree>
-      <p:nvGrpSpPr>
-        <p:cNvPr id="1" name=""/>
-        <p:cNvGrpSpPr/>
-        <p:nvPr/>
-      </p:nvGrpSpPr>
-      <p:grpSpPr>
-        <a:xfrm>
-          <a:off x="0" y="0"/>
-          <a:ext cx="0" cy="0"/>
-          <a:chOff x="0" y="0"/>
-          <a:chExt cx="0" cy="0"/>
-        </a:xfrm>
-      </p:grpSpPr>
-      <p:sp>
-        <p:nvSpPr>
-          <p:cNvPr id="2" name="Title 1"/>
-          <p:cNvSpPr>
-            <a:spLocks noGrp="1"/>
-          </p:cNvSpPr>
-          <p:nvPr>
-            <p:ph type="title"/>
-          </p:nvPr>
-        </p:nvSpPr>
-        <p:spPr/>
-        <p:txBody>
-          <a:bodyPr/>
-          <a:lstStyle/>
-          <a:p>
-            <a:r>
-              <a:rPr lang="en-US" b="1" dirty="0" smtClean="0"/>
-              <a:t>Who will use the blockchain?</a:t>
-            </a:r>
-            <a:endParaRPr lang="en-US" dirty="0"/>
-          </a:p>
-        </p:txBody>
-      </p:sp>
-      <p:sp>
-        <p:nvSpPr>
-          <p:cNvPr id="3" name="Content Placeholder 2"/>
-          <p:cNvSpPr>
-            <a:spLocks noGrp="1"/>
-          </p:cNvSpPr>
-          <p:nvPr>
-            <p:ph idx="1"/>
-          </p:nvPr>
-        </p:nvSpPr>
-        <p:spPr/>
-        <p:txBody>
-          <a:bodyPr>
-            <a:normAutofit lnSpcReduction="10000"/>
-          </a:bodyPr>
-          <a:lstStyle/>
-          <a:p>
-            <a:r>
-              <a:rPr lang="en-US" dirty="0" smtClean="0"/>
-              <a:t>As </a:t>
-            </a:r>
-            <a:r>
-              <a:rPr lang="en-US" dirty="0"/>
-              <a:t>web infrastructure, you don’t need to know about the blockchain for it to be useful in your life.</a:t>
-            </a:r>
-          </a:p>
-          <a:p>
-            <a:r>
-              <a:rPr lang="en-US" dirty="0"/>
-              <a:t>Currently, finance offers the strongest use cases for the technology. International remittances, for instance. The World Bank estimates that over $430 billion US in money transfers were sent in 2015.</a:t>
-            </a:r>
-          </a:p>
-          <a:p>
-            <a:r>
-              <a:rPr lang="en-US" dirty="0"/>
-              <a:t>The blockchain potentially cuts out the middleman for these types of transactions.  Personal computing became accessible to the general public with the invention of the Graphical User Interface (GUI), which took the form of a “desktop”. Similarly, the most common GUI devised for the blockchain are the so-called “wallet” applications, which people use to buy things with Bitcoin, and store it along with other cryptocurrencies.</a:t>
-            </a:r>
-          </a:p>
-          <a:p>
-            <a:r>
-              <a:rPr lang="en-US" dirty="0"/>
-              <a:t>Transactions online are closely connected to the processes of identity verification. It is easy to imagine that wallet apps will transform in the coming years to include other types of identity management.</a:t>
-            </a:r>
-          </a:p>
-          <a:p>
-            <a:endParaRPr lang="en-US" dirty="0"/>
-          </a:p>
-        </p:txBody>
-      </p:sp>
-    </p:spTree>
-    <p:extLst>
-      <p:ext uri="{BB962C8B-B14F-4D97-AF65-F5344CB8AC3E}">
-        <p14:creationId xmlns:p14="http://schemas.microsoft.com/office/powerpoint/2010/main" val="1937949944"/>
       </p:ext>
     </p:extLst>
   </p:cSld>
@@ -23490,7 +23908,6 @@
               <a:rPr lang="en-US" dirty="0" smtClean="0"/>
               <a:t>Strengths/Weaknesses</a:t>
             </a:r>
-            <a:endParaRPr lang="en-US" dirty="0" smtClean="0"/>
           </a:p>
           <a:p>
             <a:pPr>
@@ -25046,7 +25463,6 @@
               <a:rPr lang="en-US" dirty="0" smtClean="0"/>
               <a:t>Strengths/Weaknesses</a:t>
             </a:r>
-            <a:endParaRPr lang="en-US" dirty="0" smtClean="0"/>
           </a:p>
           <a:p>
             <a:pPr>

--- a/BlockChain/BlockChain.pptx
+++ b/BlockChain/BlockChain.pptx
@@ -5,7 +5,7 @@
     <p:sldMasterId id="2147483779" r:id="rId1"/>
   </p:sldMasterIdLst>
   <p:notesMasterIdLst>
-    <p:notesMasterId r:id="rId56"/>
+    <p:notesMasterId r:id="rId57"/>
   </p:notesMasterIdLst>
   <p:sldIdLst>
     <p:sldId id="266" r:id="rId2"/>
@@ -14,54 +14,55 @@
     <p:sldId id="265" r:id="rId5"/>
     <p:sldId id="280" r:id="rId6"/>
     <p:sldId id="281" r:id="rId7"/>
-    <p:sldId id="272" r:id="rId8"/>
-    <p:sldId id="287" r:id="rId9"/>
-    <p:sldId id="284" r:id="rId10"/>
-    <p:sldId id="289" r:id="rId11"/>
-    <p:sldId id="260" r:id="rId12"/>
-    <p:sldId id="259" r:id="rId13"/>
-    <p:sldId id="262" r:id="rId14"/>
-    <p:sldId id="291" r:id="rId15"/>
-    <p:sldId id="267" r:id="rId16"/>
-    <p:sldId id="293" r:id="rId17"/>
-    <p:sldId id="299" r:id="rId18"/>
-    <p:sldId id="294" r:id="rId19"/>
-    <p:sldId id="300" r:id="rId20"/>
-    <p:sldId id="301" r:id="rId21"/>
-    <p:sldId id="302" r:id="rId22"/>
-    <p:sldId id="303" r:id="rId23"/>
-    <p:sldId id="304" r:id="rId24"/>
-    <p:sldId id="305" r:id="rId25"/>
-    <p:sldId id="306" r:id="rId26"/>
-    <p:sldId id="307" r:id="rId27"/>
-    <p:sldId id="309" r:id="rId28"/>
-    <p:sldId id="310" r:id="rId29"/>
-    <p:sldId id="311" r:id="rId30"/>
-    <p:sldId id="312" r:id="rId31"/>
-    <p:sldId id="313" r:id="rId32"/>
-    <p:sldId id="314" r:id="rId33"/>
-    <p:sldId id="315" r:id="rId34"/>
-    <p:sldId id="316" r:id="rId35"/>
-    <p:sldId id="317" r:id="rId36"/>
-    <p:sldId id="318" r:id="rId37"/>
-    <p:sldId id="319" r:id="rId38"/>
-    <p:sldId id="320" r:id="rId39"/>
-    <p:sldId id="321" r:id="rId40"/>
-    <p:sldId id="295" r:id="rId41"/>
-    <p:sldId id="324" r:id="rId42"/>
-    <p:sldId id="296" r:id="rId43"/>
-    <p:sldId id="297" r:id="rId44"/>
-    <p:sldId id="322" r:id="rId45"/>
-    <p:sldId id="323" r:id="rId46"/>
-    <p:sldId id="256" r:id="rId47"/>
-    <p:sldId id="276" r:id="rId48"/>
-    <p:sldId id="261" r:id="rId49"/>
-    <p:sldId id="308" r:id="rId50"/>
-    <p:sldId id="271" r:id="rId51"/>
-    <p:sldId id="277" r:id="rId52"/>
-    <p:sldId id="286" r:id="rId53"/>
-    <p:sldId id="292" r:id="rId54"/>
-    <p:sldId id="288" r:id="rId55"/>
+    <p:sldId id="325" r:id="rId8"/>
+    <p:sldId id="272" r:id="rId9"/>
+    <p:sldId id="287" r:id="rId10"/>
+    <p:sldId id="284" r:id="rId11"/>
+    <p:sldId id="289" r:id="rId12"/>
+    <p:sldId id="260" r:id="rId13"/>
+    <p:sldId id="259" r:id="rId14"/>
+    <p:sldId id="262" r:id="rId15"/>
+    <p:sldId id="291" r:id="rId16"/>
+    <p:sldId id="267" r:id="rId17"/>
+    <p:sldId id="293" r:id="rId18"/>
+    <p:sldId id="299" r:id="rId19"/>
+    <p:sldId id="294" r:id="rId20"/>
+    <p:sldId id="300" r:id="rId21"/>
+    <p:sldId id="301" r:id="rId22"/>
+    <p:sldId id="302" r:id="rId23"/>
+    <p:sldId id="303" r:id="rId24"/>
+    <p:sldId id="304" r:id="rId25"/>
+    <p:sldId id="305" r:id="rId26"/>
+    <p:sldId id="306" r:id="rId27"/>
+    <p:sldId id="307" r:id="rId28"/>
+    <p:sldId id="309" r:id="rId29"/>
+    <p:sldId id="310" r:id="rId30"/>
+    <p:sldId id="311" r:id="rId31"/>
+    <p:sldId id="312" r:id="rId32"/>
+    <p:sldId id="313" r:id="rId33"/>
+    <p:sldId id="314" r:id="rId34"/>
+    <p:sldId id="315" r:id="rId35"/>
+    <p:sldId id="316" r:id="rId36"/>
+    <p:sldId id="317" r:id="rId37"/>
+    <p:sldId id="318" r:id="rId38"/>
+    <p:sldId id="319" r:id="rId39"/>
+    <p:sldId id="320" r:id="rId40"/>
+    <p:sldId id="321" r:id="rId41"/>
+    <p:sldId id="295" r:id="rId42"/>
+    <p:sldId id="324" r:id="rId43"/>
+    <p:sldId id="296" r:id="rId44"/>
+    <p:sldId id="297" r:id="rId45"/>
+    <p:sldId id="322" r:id="rId46"/>
+    <p:sldId id="323" r:id="rId47"/>
+    <p:sldId id="256" r:id="rId48"/>
+    <p:sldId id="276" r:id="rId49"/>
+    <p:sldId id="261" r:id="rId50"/>
+    <p:sldId id="308" r:id="rId51"/>
+    <p:sldId id="271" r:id="rId52"/>
+    <p:sldId id="277" r:id="rId53"/>
+    <p:sldId id="286" r:id="rId54"/>
+    <p:sldId id="292" r:id="rId55"/>
+    <p:sldId id="288" r:id="rId56"/>
   </p:sldIdLst>
   <p:sldSz cx="12192000" cy="6858000"/>
   <p:notesSz cx="6858000" cy="9144000"/>
@@ -11866,7 +11867,7 @@
           <a:p>
             <a:fld id="{0DEC71BC-50C3-43D2-8885-28C91E7E4DB0}" type="slidenum">
               <a:rPr lang="en-US" smtClean="0"/>
-              <a:t>11</a:t>
+              <a:t>12</a:t>
             </a:fld>
             <a:endParaRPr lang="en-US"/>
           </a:p>
@@ -11950,7 +11951,7 @@
           <a:p>
             <a:fld id="{0DEC71BC-50C3-43D2-8885-28C91E7E4DB0}" type="slidenum">
               <a:rPr lang="en-US" smtClean="0"/>
-              <a:t>14</a:t>
+              <a:t>15</a:t>
             </a:fld>
             <a:endParaRPr lang="en-US"/>
           </a:p>
@@ -11960,6 +11961,122 @@
     <p:extLst>
       <p:ext uri="{BB962C8B-B14F-4D97-AF65-F5344CB8AC3E}">
         <p14:creationId xmlns:p14="http://schemas.microsoft.com/office/powerpoint/2010/main" val="823567310"/>
+      </p:ext>
+    </p:extLst>
+  </p:cSld>
+  <p:clrMapOvr>
+    <a:masterClrMapping/>
+  </p:clrMapOvr>
+</p:notes>
+</file>
+
+<file path=ppt/notesSlides/notesSlide3.xml><?xml version="1.0" encoding="utf-8"?>
+<p:notes xmlns:a="http://schemas.openxmlformats.org/drawingml/2006/main" xmlns:r="http://schemas.openxmlformats.org/officeDocument/2006/relationships" xmlns:p="http://schemas.openxmlformats.org/presentationml/2006/main">
+  <p:cSld>
+    <p:spTree>
+      <p:nvGrpSpPr>
+        <p:cNvPr id="1" name=""/>
+        <p:cNvGrpSpPr/>
+        <p:nvPr/>
+      </p:nvGrpSpPr>
+      <p:grpSpPr>
+        <a:xfrm>
+          <a:off x="0" y="0"/>
+          <a:ext cx="0" cy="0"/>
+          <a:chOff x="0" y="0"/>
+          <a:chExt cx="0" cy="0"/>
+        </a:xfrm>
+      </p:grpSpPr>
+      <p:sp>
+        <p:nvSpPr>
+          <p:cNvPr id="2" name="Slide Image Placeholder 1"/>
+          <p:cNvSpPr>
+            <a:spLocks noGrp="1" noRot="1" noChangeAspect="1"/>
+          </p:cNvSpPr>
+          <p:nvPr>
+            <p:ph type="sldImg"/>
+          </p:nvPr>
+        </p:nvSpPr>
+        <p:spPr/>
+      </p:sp>
+      <p:sp>
+        <p:nvSpPr>
+          <p:cNvPr id="3" name="Notes Placeholder 2"/>
+          <p:cNvSpPr>
+            <a:spLocks noGrp="1"/>
+          </p:cNvSpPr>
+          <p:nvPr>
+            <p:ph type="body" idx="1"/>
+          </p:nvPr>
+        </p:nvSpPr>
+        <p:spPr/>
+        <p:txBody>
+          <a:bodyPr/>
+          <a:lstStyle/>
+          <a:p>
+            <a:pPr marL="0" marR="0" lvl="0" indent="0" algn="l" defTabSz="914400" rtl="0" eaLnBrk="1" fontAlgn="auto" latinLnBrk="0" hangingPunct="1">
+              <a:lnSpc>
+                <a:spcPct val="100000"/>
+              </a:lnSpc>
+              <a:spcBef>
+                <a:spcPts val="0"/>
+              </a:spcBef>
+              <a:spcAft>
+                <a:spcPts val="0"/>
+              </a:spcAft>
+              <a:buClrTx/>
+              <a:buSzTx/>
+              <a:buFontTx/>
+              <a:buNone/>
+              <a:tabLst/>
+              <a:defRPr/>
+            </a:pPr>
+            <a:r>
+              <a:rPr lang="en-US" sz="1200" dirty="0" smtClean="0">
+                <a:solidFill>
+                  <a:srgbClr val="FF0000"/>
+                </a:solidFill>
+              </a:rPr>
+              <a:t>System is vulnerable to double spend attack towards the end of the chain. Thus it is recommended to wait out a few blocks to be solved to ensure that the transaction is complete</a:t>
+            </a:r>
+            <a:r>
+              <a:rPr lang="en-US" sz="1200" dirty="0" smtClean="0"/>
+              <a:t>.</a:t>
+            </a:r>
+            <a:endParaRPr lang="en-US" dirty="0" smtClean="0"/>
+          </a:p>
+          <a:p>
+            <a:endParaRPr lang="en-US" dirty="0"/>
+          </a:p>
+        </p:txBody>
+      </p:sp>
+      <p:sp>
+        <p:nvSpPr>
+          <p:cNvPr id="4" name="Slide Number Placeholder 3"/>
+          <p:cNvSpPr>
+            <a:spLocks noGrp="1"/>
+          </p:cNvSpPr>
+          <p:nvPr>
+            <p:ph type="sldNum" sz="quarter" idx="10"/>
+          </p:nvPr>
+        </p:nvSpPr>
+        <p:spPr/>
+        <p:txBody>
+          <a:bodyPr/>
+          <a:lstStyle/>
+          <a:p>
+            <a:fld id="{0DEC71BC-50C3-43D2-8885-28C91E7E4DB0}" type="slidenum">
+              <a:rPr lang="en-US" smtClean="0"/>
+              <a:t>43</a:t>
+            </a:fld>
+            <a:endParaRPr lang="en-US"/>
+          </a:p>
+        </p:txBody>
+      </p:sp>
+    </p:spTree>
+    <p:extLst>
+      <p:ext uri="{BB962C8B-B14F-4D97-AF65-F5344CB8AC3E}">
+        <p14:creationId xmlns:p14="http://schemas.microsoft.com/office/powerpoint/2010/main" val="628541369"/>
       </p:ext>
     </p:extLst>
   </p:cSld>
@@ -15696,6 +15813,187 @@
             <p:ph type="title"/>
           </p:nvPr>
         </p:nvSpPr>
+        <p:spPr/>
+        <p:txBody>
+          <a:bodyPr/>
+          <a:lstStyle/>
+          <a:p>
+            <a:r>
+              <a:rPr lang="en-US" dirty="0" smtClean="0"/>
+              <a:t>Two Basic Distributed Database Architectures</a:t>
+            </a:r>
+            <a:endParaRPr lang="en-US" dirty="0"/>
+          </a:p>
+        </p:txBody>
+      </p:sp>
+      <p:sp>
+        <p:nvSpPr>
+          <p:cNvPr id="3" name="Content Placeholder 2"/>
+          <p:cNvSpPr>
+            <a:spLocks noGrp="1"/>
+          </p:cNvSpPr>
+          <p:nvPr>
+            <p:ph idx="1"/>
+          </p:nvPr>
+        </p:nvSpPr>
+        <p:spPr>
+          <a:xfrm>
+            <a:off x="1435126" y="3022333"/>
+            <a:ext cx="2568983" cy="433137"/>
+          </a:xfrm>
+        </p:spPr>
+        <p:txBody>
+          <a:bodyPr>
+            <a:normAutofit/>
+          </a:bodyPr>
+          <a:lstStyle/>
+          <a:p>
+            <a:pPr marL="0" indent="0">
+              <a:buNone/>
+            </a:pPr>
+            <a:r>
+              <a:rPr lang="en-US" sz="2000" b="1" dirty="0" smtClean="0"/>
+              <a:t>Design choices!!</a:t>
+            </a:r>
+            <a:endParaRPr lang="en-US" sz="2000" b="1" dirty="0"/>
+          </a:p>
+        </p:txBody>
+      </p:sp>
+      <p:graphicFrame>
+        <p:nvGraphicFramePr>
+          <p:cNvPr id="4" name="Diagram 3"/>
+          <p:cNvGraphicFramePr/>
+          <p:nvPr>
+            <p:extLst>
+              <p:ext uri="{D42A27DB-BD31-4B8C-83A1-F6EECF244321}">
+                <p14:modId xmlns:p14="http://schemas.microsoft.com/office/powerpoint/2010/main" val="300082890"/>
+              </p:ext>
+            </p:extLst>
+          </p:nvPr>
+        </p:nvGraphicFramePr>
+        <p:xfrm>
+          <a:off x="4255436" y="1932450"/>
+          <a:ext cx="6572985" cy="4526102"/>
+        </p:xfrm>
+        <a:graphic>
+          <a:graphicData uri="http://schemas.openxmlformats.org/drawingml/2006/diagram">
+            <dgm:relIds xmlns:dgm="http://schemas.openxmlformats.org/drawingml/2006/diagram" xmlns:r="http://schemas.openxmlformats.org/officeDocument/2006/relationships" r:dm="rId2" r:lo="rId3" r:qs="rId4" r:cs="rId5"/>
+          </a:graphicData>
+        </a:graphic>
+      </p:graphicFrame>
+    </p:spTree>
+    <p:extLst>
+      <p:ext uri="{BB962C8B-B14F-4D97-AF65-F5344CB8AC3E}">
+        <p14:creationId xmlns:p14="http://schemas.microsoft.com/office/powerpoint/2010/main" val="3072138866"/>
+      </p:ext>
+    </p:extLst>
+  </p:cSld>
+  <p:clrMapOvr>
+    <a:masterClrMapping/>
+  </p:clrMapOvr>
+  <p:timing>
+    <p:tnLst>
+      <p:par>
+        <p:cTn id="1" dur="indefinite" restart="never" nodeType="tmRoot">
+          <p:childTnLst>
+            <p:seq concurrent="1" nextAc="seek">
+              <p:cTn id="2" dur="indefinite" nodeType="mainSeq">
+                <p:childTnLst>
+                  <p:par>
+                    <p:cTn id="3" fill="hold">
+                      <p:stCondLst>
+                        <p:cond delay="indefinite"/>
+                      </p:stCondLst>
+                      <p:childTnLst>
+                        <p:par>
+                          <p:cTn id="4" fill="hold">
+                            <p:stCondLst>
+                              <p:cond delay="0"/>
+                            </p:stCondLst>
+                            <p:childTnLst>
+                              <p:par>
+                                <p:cTn id="5" presetID="6" presetClass="emph" presetSubtype="0" fill="hold" grpId="0" nodeType="clickEffect">
+                                  <p:stCondLst>
+                                    <p:cond delay="0"/>
+                                  </p:stCondLst>
+                                  <p:childTnLst>
+                                    <p:animScale>
+                                      <p:cBhvr>
+                                        <p:cTn id="6" dur="2000" fill="hold"/>
+                                        <p:tgtEl>
+                                          <p:spTgt spid="3">
+                                            <p:txEl>
+                                              <p:pRg st="0" end="0"/>
+                                            </p:txEl>
+                                          </p:spTgt>
+                                        </p:tgtEl>
+                                      </p:cBhvr>
+                                      <p:by x="150000" y="150000"/>
+                                    </p:animScale>
+                                  </p:childTnLst>
+                                </p:cTn>
+                              </p:par>
+                            </p:childTnLst>
+                          </p:cTn>
+                        </p:par>
+                      </p:childTnLst>
+                    </p:cTn>
+                  </p:par>
+                </p:childTnLst>
+              </p:cTn>
+              <p:prevCondLst>
+                <p:cond evt="onPrev" delay="0">
+                  <p:tgtEl>
+                    <p:sldTgt/>
+                  </p:tgtEl>
+                </p:cond>
+              </p:prevCondLst>
+              <p:nextCondLst>
+                <p:cond evt="onNext" delay="0">
+                  <p:tgtEl>
+                    <p:sldTgt/>
+                  </p:tgtEl>
+                </p:cond>
+              </p:nextCondLst>
+            </p:seq>
+          </p:childTnLst>
+        </p:cTn>
+      </p:par>
+    </p:tnLst>
+    <p:bldLst>
+      <p:bldP spid="3" grpId="0" build="p"/>
+    </p:bldLst>
+  </p:timing>
+</p:sld>
+</file>
+
+<file path=ppt/slides/slide11.xml><?xml version="1.0" encoding="utf-8"?>
+<p:sld xmlns:a="http://schemas.openxmlformats.org/drawingml/2006/main" xmlns:r="http://schemas.openxmlformats.org/officeDocument/2006/relationships" xmlns:p="http://schemas.openxmlformats.org/presentationml/2006/main">
+  <p:cSld>
+    <p:spTree>
+      <p:nvGrpSpPr>
+        <p:cNvPr id="1" name=""/>
+        <p:cNvGrpSpPr/>
+        <p:nvPr/>
+      </p:nvGrpSpPr>
+      <p:grpSpPr>
+        <a:xfrm>
+          <a:off x="0" y="0"/>
+          <a:ext cx="0" cy="0"/>
+          <a:chOff x="0" y="0"/>
+          <a:chExt cx="0" cy="0"/>
+        </a:xfrm>
+      </p:grpSpPr>
+      <p:sp>
+        <p:nvSpPr>
+          <p:cNvPr id="2" name="Title 1"/>
+          <p:cNvSpPr>
+            <a:spLocks noGrp="1"/>
+          </p:cNvSpPr>
+          <p:nvPr>
+            <p:ph type="title"/>
+          </p:nvPr>
+        </p:nvSpPr>
         <p:spPr>
           <a:xfrm>
             <a:off x="1261872" y="375385"/>
@@ -15759,7 +16057,7 @@
 </p:sld>
 </file>
 
-<file path=ppt/slides/slide11.xml><?xml version="1.0" encoding="utf-8"?>
+<file path=ppt/slides/slide12.xml><?xml version="1.0" encoding="utf-8"?>
 <p:sld xmlns:a="http://schemas.openxmlformats.org/drawingml/2006/main" xmlns:r="http://schemas.openxmlformats.org/officeDocument/2006/relationships" xmlns:p="http://schemas.openxmlformats.org/presentationml/2006/main">
   <p:cSld>
     <p:spTree>
@@ -15844,7 +16142,7 @@
         <p:spPr>
           <a:xfrm>
             <a:off x="1155031" y="1722952"/>
-            <a:ext cx="6140917" cy="4524315"/>
+            <a:ext cx="6140917" cy="4801314"/>
           </a:xfrm>
           <a:prstGeom prst="rect">
             <a:avLst/>
@@ -15970,8 +16268,23 @@
             </a:r>
             <a:r>
               <a:rPr lang="en-US" spc="10" dirty="0" smtClean="0"/>
-              <a:t>Bitcoins.</a:t>
-            </a:r>
+              <a:t>Bitcoins</a:t>
+            </a:r>
+            <a:r>
+              <a:rPr lang="en-US" spc="10" dirty="0" smtClean="0"/>
+              <a:t>.</a:t>
+            </a:r>
+          </a:p>
+          <a:p>
+            <a:pPr marL="742950" lvl="1" indent="-285750">
+              <a:buFont typeface="Wingdings" panose="05000000000000000000" pitchFamily="2" charset="2"/>
+              <a:buChar char="§"/>
+            </a:pPr>
+            <a:r>
+              <a:rPr lang="en-US" spc="10" dirty="0" smtClean="0"/>
+              <a:t>Transaction Fees (minimal)</a:t>
+            </a:r>
+            <a:endParaRPr lang="en-US" spc="10" dirty="0" smtClean="0"/>
           </a:p>
           <a:p>
             <a:pPr marL="742950" lvl="1" indent="-285750">
@@ -16009,185 +16322,6 @@
     <p:extLst>
       <p:ext uri="{BB962C8B-B14F-4D97-AF65-F5344CB8AC3E}">
         <p14:creationId xmlns:p14="http://schemas.microsoft.com/office/powerpoint/2010/main" val="2801238682"/>
-      </p:ext>
-    </p:extLst>
-  </p:cSld>
-  <p:clrMapOvr>
-    <a:masterClrMapping/>
-  </p:clrMapOvr>
-  <p:timing>
-    <p:tnLst>
-      <p:par>
-        <p:cTn id="1" dur="indefinite" restart="never" nodeType="tmRoot"/>
-      </p:par>
-    </p:tnLst>
-  </p:timing>
-</p:sld>
-</file>
-
-<file path=ppt/slides/slide12.xml><?xml version="1.0" encoding="utf-8"?>
-<p:sld xmlns:a="http://schemas.openxmlformats.org/drawingml/2006/main" xmlns:r="http://schemas.openxmlformats.org/officeDocument/2006/relationships" xmlns:p="http://schemas.openxmlformats.org/presentationml/2006/main">
-  <p:cSld>
-    <p:spTree>
-      <p:nvGrpSpPr>
-        <p:cNvPr id="1" name=""/>
-        <p:cNvGrpSpPr/>
-        <p:nvPr/>
-      </p:nvGrpSpPr>
-      <p:grpSpPr>
-        <a:xfrm>
-          <a:off x="0" y="0"/>
-          <a:ext cx="0" cy="0"/>
-          <a:chOff x="0" y="0"/>
-          <a:chExt cx="0" cy="0"/>
-        </a:xfrm>
-      </p:grpSpPr>
-      <p:sp>
-        <p:nvSpPr>
-          <p:cNvPr id="2" name="Title 1"/>
-          <p:cNvSpPr>
-            <a:spLocks noGrp="1"/>
-          </p:cNvSpPr>
-          <p:nvPr>
-            <p:ph type="title"/>
-          </p:nvPr>
-        </p:nvSpPr>
-        <p:spPr/>
-        <p:txBody>
-          <a:bodyPr vert="horz" lIns="91440" tIns="45720" rIns="91440" bIns="45720" rtlCol="0" anchor="b">
-            <a:normAutofit/>
-          </a:bodyPr>
-          <a:lstStyle/>
-          <a:p>
-            <a:r>
-              <a:rPr lang="en-US" dirty="0"/>
-              <a:t>Transparent and incorruptible</a:t>
-            </a:r>
-          </a:p>
-        </p:txBody>
-      </p:sp>
-      <p:sp>
-        <p:nvSpPr>
-          <p:cNvPr id="3" name="Content Placeholder 2"/>
-          <p:cNvSpPr>
-            <a:spLocks noGrp="1"/>
-          </p:cNvSpPr>
-          <p:nvPr>
-            <p:ph idx="1"/>
-          </p:nvPr>
-        </p:nvSpPr>
-        <p:spPr/>
-        <p:txBody>
-          <a:bodyPr>
-            <a:normAutofit/>
-          </a:bodyPr>
-          <a:lstStyle/>
-          <a:p>
-            <a:pPr marL="0" indent="0">
-              <a:buNone/>
-            </a:pPr>
-            <a:r>
-              <a:rPr lang="en-US" dirty="0" smtClean="0"/>
-              <a:t>A </a:t>
-            </a:r>
-            <a:r>
-              <a:rPr lang="en-US" dirty="0"/>
-              <a:t>kind of self-auditing ecosystem of digital value, the network reconciles every transaction that happens in ten minute intervals. </a:t>
-            </a:r>
-            <a:r>
-              <a:rPr lang="en-US" dirty="0" smtClean="0"/>
-              <a:t>Two </a:t>
-            </a:r>
-            <a:r>
-              <a:rPr lang="en-US" dirty="0"/>
-              <a:t>important properties result from this</a:t>
-            </a:r>
-            <a:r>
-              <a:rPr lang="en-US" dirty="0" smtClean="0"/>
-              <a:t>:</a:t>
-            </a:r>
-          </a:p>
-          <a:p>
-            <a:pPr marL="0" indent="0">
-              <a:buNone/>
-            </a:pPr>
-            <a:endParaRPr lang="en-US" dirty="0"/>
-          </a:p>
-          <a:p>
-            <a:pPr lvl="1">
-              <a:buFont typeface="Wingdings" panose="05000000000000000000" pitchFamily="2" charset="2"/>
-              <a:buChar char="Ø"/>
-            </a:pPr>
-            <a:r>
-              <a:rPr lang="en-US" b="1" dirty="0"/>
-              <a:t>Transparency</a:t>
-            </a:r>
-            <a:r>
-              <a:rPr lang="en-US" dirty="0"/>
-              <a:t/>
-            </a:r>
-            <a:br>
-              <a:rPr lang="en-US" dirty="0"/>
-            </a:br>
-            <a:r>
-              <a:rPr lang="en-US" dirty="0" smtClean="0"/>
-              <a:t>Data </a:t>
-            </a:r>
-            <a:r>
-              <a:rPr lang="en-US" dirty="0"/>
-              <a:t>is embedded within network as a whole, by definition it is public</a:t>
-            </a:r>
-            <a:r>
-              <a:rPr lang="en-US" dirty="0" smtClean="0"/>
-              <a:t>. Everyone knows about everyone else’s transactions.</a:t>
-            </a:r>
-          </a:p>
-          <a:p>
-            <a:pPr lvl="1">
-              <a:buFont typeface="Wingdings" panose="05000000000000000000" pitchFamily="2" charset="2"/>
-              <a:buChar char="Ø"/>
-            </a:pPr>
-            <a:endParaRPr lang="en-US" dirty="0"/>
-          </a:p>
-          <a:p>
-            <a:pPr lvl="1">
-              <a:buFont typeface="Wingdings" panose="05000000000000000000" pitchFamily="2" charset="2"/>
-              <a:buChar char="Ø"/>
-            </a:pPr>
-            <a:r>
-              <a:rPr lang="en-US" b="1" dirty="0"/>
-              <a:t>It cannot be corrupted</a:t>
-            </a:r>
-            <a:r>
-              <a:rPr lang="en-US" dirty="0"/>
-              <a:t/>
-            </a:r>
-            <a:br>
-              <a:rPr lang="en-US" dirty="0"/>
-            </a:br>
-            <a:r>
-              <a:rPr lang="en-US" dirty="0" smtClean="0"/>
-              <a:t>Altering </a:t>
-            </a:r>
-            <a:r>
-              <a:rPr lang="en-US" dirty="0"/>
-              <a:t>any unit of information on the blockchain would mean using a huge amount of computing power to override the entire network</a:t>
-            </a:r>
-            <a:r>
-              <a:rPr lang="en-US" dirty="0" smtClean="0"/>
-              <a:t>. Not impossible, but impractical!</a:t>
-            </a:r>
-            <a:endParaRPr lang="en-US" dirty="0"/>
-          </a:p>
-          <a:p>
-            <a:endParaRPr lang="en-US" dirty="0"/>
-          </a:p>
-        </p:txBody>
-      </p:sp>
-    </p:spTree>
-    <p:extLst>
-      <p:ext uri="{BB962C8B-B14F-4D97-AF65-F5344CB8AC3E}">
-        <p14:creationId xmlns:p14="http://schemas.microsoft.com/office/powerpoint/2010/main" val="1839197007"/>
       </p:ext>
     </p:extLst>
   </p:cSld>
@@ -16240,6 +16374,185 @@
           <a:p>
             <a:r>
               <a:rPr lang="en-US" dirty="0"/>
+              <a:t>Transparent and incorruptible</a:t>
+            </a:r>
+          </a:p>
+        </p:txBody>
+      </p:sp>
+      <p:sp>
+        <p:nvSpPr>
+          <p:cNvPr id="3" name="Content Placeholder 2"/>
+          <p:cNvSpPr>
+            <a:spLocks noGrp="1"/>
+          </p:cNvSpPr>
+          <p:nvPr>
+            <p:ph idx="1"/>
+          </p:nvPr>
+        </p:nvSpPr>
+        <p:spPr/>
+        <p:txBody>
+          <a:bodyPr>
+            <a:normAutofit/>
+          </a:bodyPr>
+          <a:lstStyle/>
+          <a:p>
+            <a:pPr marL="0" indent="0">
+              <a:buNone/>
+            </a:pPr>
+            <a:r>
+              <a:rPr lang="en-US" dirty="0" smtClean="0"/>
+              <a:t>A </a:t>
+            </a:r>
+            <a:r>
+              <a:rPr lang="en-US" dirty="0"/>
+              <a:t>kind of self-auditing ecosystem of digital value, the network reconciles every transaction that happens in ten minute intervals. </a:t>
+            </a:r>
+            <a:r>
+              <a:rPr lang="en-US" dirty="0" smtClean="0"/>
+              <a:t>Two </a:t>
+            </a:r>
+            <a:r>
+              <a:rPr lang="en-US" dirty="0"/>
+              <a:t>important properties result from this</a:t>
+            </a:r>
+            <a:r>
+              <a:rPr lang="en-US" dirty="0" smtClean="0"/>
+              <a:t>:</a:t>
+            </a:r>
+          </a:p>
+          <a:p>
+            <a:pPr marL="0" indent="0">
+              <a:buNone/>
+            </a:pPr>
+            <a:endParaRPr lang="en-US" dirty="0"/>
+          </a:p>
+          <a:p>
+            <a:pPr lvl="1">
+              <a:buFont typeface="Wingdings" panose="05000000000000000000" pitchFamily="2" charset="2"/>
+              <a:buChar char="Ø"/>
+            </a:pPr>
+            <a:r>
+              <a:rPr lang="en-US" b="1" dirty="0"/>
+              <a:t>Transparency</a:t>
+            </a:r>
+            <a:r>
+              <a:rPr lang="en-US" dirty="0"/>
+              <a:t/>
+            </a:r>
+            <a:br>
+              <a:rPr lang="en-US" dirty="0"/>
+            </a:br>
+            <a:r>
+              <a:rPr lang="en-US" dirty="0" smtClean="0"/>
+              <a:t>Data </a:t>
+            </a:r>
+            <a:r>
+              <a:rPr lang="en-US" dirty="0"/>
+              <a:t>is embedded within network as a whole, by definition it is public</a:t>
+            </a:r>
+            <a:r>
+              <a:rPr lang="en-US" dirty="0" smtClean="0"/>
+              <a:t>. Everyone knows about everyone else’s transactions.</a:t>
+            </a:r>
+          </a:p>
+          <a:p>
+            <a:pPr lvl="1">
+              <a:buFont typeface="Wingdings" panose="05000000000000000000" pitchFamily="2" charset="2"/>
+              <a:buChar char="Ø"/>
+            </a:pPr>
+            <a:endParaRPr lang="en-US" dirty="0"/>
+          </a:p>
+          <a:p>
+            <a:pPr lvl="1">
+              <a:buFont typeface="Wingdings" panose="05000000000000000000" pitchFamily="2" charset="2"/>
+              <a:buChar char="Ø"/>
+            </a:pPr>
+            <a:r>
+              <a:rPr lang="en-US" b="1" dirty="0"/>
+              <a:t>It cannot be corrupted</a:t>
+            </a:r>
+            <a:r>
+              <a:rPr lang="en-US" dirty="0"/>
+              <a:t/>
+            </a:r>
+            <a:br>
+              <a:rPr lang="en-US" dirty="0"/>
+            </a:br>
+            <a:r>
+              <a:rPr lang="en-US" dirty="0" smtClean="0"/>
+              <a:t>Altering </a:t>
+            </a:r>
+            <a:r>
+              <a:rPr lang="en-US" dirty="0"/>
+              <a:t>any unit of information on the blockchain would mean using a huge amount of computing power to override the entire network</a:t>
+            </a:r>
+            <a:r>
+              <a:rPr lang="en-US" dirty="0" smtClean="0"/>
+              <a:t>. Not impossible, but impractical!</a:t>
+            </a:r>
+            <a:endParaRPr lang="en-US" dirty="0"/>
+          </a:p>
+          <a:p>
+            <a:endParaRPr lang="en-US" dirty="0"/>
+          </a:p>
+        </p:txBody>
+      </p:sp>
+    </p:spTree>
+    <p:extLst>
+      <p:ext uri="{BB962C8B-B14F-4D97-AF65-F5344CB8AC3E}">
+        <p14:creationId xmlns:p14="http://schemas.microsoft.com/office/powerpoint/2010/main" val="1839197007"/>
+      </p:ext>
+    </p:extLst>
+  </p:cSld>
+  <p:clrMapOvr>
+    <a:masterClrMapping/>
+  </p:clrMapOvr>
+  <p:timing>
+    <p:tnLst>
+      <p:par>
+        <p:cTn id="1" dur="indefinite" restart="never" nodeType="tmRoot"/>
+      </p:par>
+    </p:tnLst>
+  </p:timing>
+</p:sld>
+</file>
+
+<file path=ppt/slides/slide14.xml><?xml version="1.0" encoding="utf-8"?>
+<p:sld xmlns:a="http://schemas.openxmlformats.org/drawingml/2006/main" xmlns:r="http://schemas.openxmlformats.org/officeDocument/2006/relationships" xmlns:p="http://schemas.openxmlformats.org/presentationml/2006/main">
+  <p:cSld>
+    <p:spTree>
+      <p:nvGrpSpPr>
+        <p:cNvPr id="1" name=""/>
+        <p:cNvGrpSpPr/>
+        <p:nvPr/>
+      </p:nvGrpSpPr>
+      <p:grpSpPr>
+        <a:xfrm>
+          <a:off x="0" y="0"/>
+          <a:ext cx="0" cy="0"/>
+          <a:chOff x="0" y="0"/>
+          <a:chExt cx="0" cy="0"/>
+        </a:xfrm>
+      </p:grpSpPr>
+      <p:sp>
+        <p:nvSpPr>
+          <p:cNvPr id="2" name="Title 1"/>
+          <p:cNvSpPr>
+            <a:spLocks noGrp="1"/>
+          </p:cNvSpPr>
+          <p:nvPr>
+            <p:ph type="title"/>
+          </p:nvPr>
+        </p:nvSpPr>
+        <p:spPr/>
+        <p:txBody>
+          <a:bodyPr vert="horz" lIns="91440" tIns="45720" rIns="91440" bIns="45720" rtlCol="0" anchor="b">
+            <a:normAutofit/>
+          </a:bodyPr>
+          <a:lstStyle/>
+          <a:p>
+            <a:r>
+              <a:rPr lang="en-US" dirty="0"/>
               <a:t>Enhanced security</a:t>
             </a:r>
           </a:p>
@@ -16343,7 +16656,7 @@
 </p:sld>
 </file>
 
-<file path=ppt/slides/slide14.xml><?xml version="1.0" encoding="utf-8"?>
+<file path=ppt/slides/slide15.xml><?xml version="1.0" encoding="utf-8"?>
 <p:sld xmlns:a="http://schemas.openxmlformats.org/drawingml/2006/main" xmlns:r="http://schemas.openxmlformats.org/officeDocument/2006/relationships" xmlns:p="http://schemas.openxmlformats.org/presentationml/2006/main">
   <p:cSld>
     <p:spTree>
@@ -16729,7 +17042,7 @@
 </p:sld>
 </file>
 
-<file path=ppt/slides/slide15.xml><?xml version="1.0" encoding="utf-8"?>
+<file path=ppt/slides/slide16.xml><?xml version="1.0" encoding="utf-8"?>
 <p:sld xmlns:a="http://schemas.openxmlformats.org/drawingml/2006/main" xmlns:r="http://schemas.openxmlformats.org/officeDocument/2006/relationships" xmlns:p="http://schemas.openxmlformats.org/presentationml/2006/main">
   <p:cSld>
     <p:spTree>
@@ -16807,7 +17120,7 @@
 </p:sld>
 </file>
 
-<file path=ppt/slides/slide16.xml><?xml version="1.0" encoding="utf-8"?>
+<file path=ppt/slides/slide17.xml><?xml version="1.0" encoding="utf-8"?>
 <p:sld xmlns:a="http://schemas.openxmlformats.org/drawingml/2006/main" xmlns:r="http://schemas.openxmlformats.org/officeDocument/2006/relationships" xmlns:p="http://schemas.openxmlformats.org/presentationml/2006/main">
   <p:cSld>
     <p:spTree>
@@ -16948,7 +17261,7 @@
 </p:sld>
 </file>
 
-<file path=ppt/slides/slide17.xml><?xml version="1.0" encoding="utf-8"?>
+<file path=ppt/slides/slide18.xml><?xml version="1.0" encoding="utf-8"?>
 <p:sld xmlns:a="http://schemas.openxmlformats.org/drawingml/2006/main" xmlns:r="http://schemas.openxmlformats.org/officeDocument/2006/relationships" xmlns:p="http://schemas.openxmlformats.org/presentationml/2006/main">
   <p:cSld>
     <p:spTree>
@@ -17029,7 +17342,7 @@
 </p:sld>
 </file>
 
-<file path=ppt/slides/slide18.xml><?xml version="1.0" encoding="utf-8"?>
+<file path=ppt/slides/slide19.xml><?xml version="1.0" encoding="utf-8"?>
 <p:sld xmlns:a="http://schemas.openxmlformats.org/drawingml/2006/main" xmlns:r="http://schemas.openxmlformats.org/officeDocument/2006/relationships" xmlns:p="http://schemas.openxmlformats.org/presentationml/2006/main">
   <p:cSld>
     <p:spTree>
@@ -17346,7 +17659,144 @@
 </p:sld>
 </file>
 
-<file path=ppt/slides/slide19.xml><?xml version="1.0" encoding="utf-8"?>
+<file path=ppt/slides/slide2.xml><?xml version="1.0" encoding="utf-8"?>
+<p:sld xmlns:a="http://schemas.openxmlformats.org/drawingml/2006/main" xmlns:r="http://schemas.openxmlformats.org/officeDocument/2006/relationships" xmlns:p="http://schemas.openxmlformats.org/presentationml/2006/main">
+  <p:cSld>
+    <p:spTree>
+      <p:nvGrpSpPr>
+        <p:cNvPr id="1" name=""/>
+        <p:cNvGrpSpPr/>
+        <p:nvPr/>
+      </p:nvGrpSpPr>
+      <p:grpSpPr>
+        <a:xfrm>
+          <a:off x="0" y="0"/>
+          <a:ext cx="0" cy="0"/>
+          <a:chOff x="0" y="0"/>
+          <a:chExt cx="0" cy="0"/>
+        </a:xfrm>
+      </p:grpSpPr>
+      <p:sp>
+        <p:nvSpPr>
+          <p:cNvPr id="2" name="Title 1"/>
+          <p:cNvSpPr>
+            <a:spLocks noGrp="1"/>
+          </p:cNvSpPr>
+          <p:nvPr>
+            <p:ph type="title"/>
+          </p:nvPr>
+        </p:nvSpPr>
+        <p:spPr/>
+        <p:txBody>
+          <a:bodyPr/>
+          <a:lstStyle/>
+          <a:p>
+            <a:r>
+              <a:rPr lang="en-US" dirty="0" smtClean="0"/>
+              <a:t>Agenda</a:t>
+            </a:r>
+            <a:endParaRPr lang="en-US" dirty="0"/>
+          </a:p>
+        </p:txBody>
+      </p:sp>
+      <p:sp>
+        <p:nvSpPr>
+          <p:cNvPr id="3" name="Content Placeholder 2"/>
+          <p:cNvSpPr>
+            <a:spLocks noGrp="1"/>
+          </p:cNvSpPr>
+          <p:nvPr>
+            <p:ph idx="1"/>
+          </p:nvPr>
+        </p:nvSpPr>
+        <p:spPr/>
+        <p:txBody>
+          <a:bodyPr/>
+          <a:lstStyle/>
+          <a:p>
+            <a:pPr>
+              <a:buFont typeface="Wingdings" panose="05000000000000000000" pitchFamily="2" charset="2"/>
+              <a:buChar char="Ø"/>
+            </a:pPr>
+            <a:r>
+              <a:rPr lang="en-US" dirty="0" smtClean="0"/>
+              <a:t>Introduction</a:t>
+            </a:r>
+          </a:p>
+          <a:p>
+            <a:pPr>
+              <a:buFont typeface="Wingdings" panose="05000000000000000000" pitchFamily="2" charset="2"/>
+              <a:buChar char="Ø"/>
+            </a:pPr>
+            <a:r>
+              <a:rPr lang="en-US" dirty="0" smtClean="0"/>
+              <a:t>Motivation</a:t>
+            </a:r>
+          </a:p>
+          <a:p>
+            <a:pPr>
+              <a:buFont typeface="Wingdings" panose="05000000000000000000" pitchFamily="2" charset="2"/>
+              <a:buChar char="Ø"/>
+            </a:pPr>
+            <a:r>
+              <a:rPr lang="en-US" dirty="0" smtClean="0"/>
+              <a:t>Technical Overview</a:t>
+            </a:r>
+          </a:p>
+          <a:p>
+            <a:pPr>
+              <a:buFont typeface="Wingdings" panose="05000000000000000000" pitchFamily="2" charset="2"/>
+              <a:buChar char="Ø"/>
+            </a:pPr>
+            <a:r>
+              <a:rPr lang="en-US" dirty="0" smtClean="0"/>
+              <a:t>How does it work?</a:t>
+            </a:r>
+          </a:p>
+          <a:p>
+            <a:pPr>
+              <a:buFont typeface="Wingdings" panose="05000000000000000000" pitchFamily="2" charset="2"/>
+              <a:buChar char="Ø"/>
+            </a:pPr>
+            <a:r>
+              <a:rPr lang="en-US" dirty="0" smtClean="0"/>
+              <a:t>Strengths/Weaknesses</a:t>
+            </a:r>
+          </a:p>
+          <a:p>
+            <a:pPr>
+              <a:buFont typeface="Wingdings" panose="05000000000000000000" pitchFamily="2" charset="2"/>
+              <a:buChar char="Ø"/>
+            </a:pPr>
+            <a:r>
+              <a:rPr lang="en-US" dirty="0" smtClean="0"/>
+              <a:t>Future scope</a:t>
+            </a:r>
+            <a:endParaRPr lang="en-US" dirty="0"/>
+          </a:p>
+        </p:txBody>
+      </p:sp>
+    </p:spTree>
+    <p:extLst>
+      <p:ext uri="{BB962C8B-B14F-4D97-AF65-F5344CB8AC3E}">
+        <p14:creationId xmlns:p14="http://schemas.microsoft.com/office/powerpoint/2010/main" val="1478744076"/>
+      </p:ext>
+    </p:extLst>
+  </p:cSld>
+  <p:clrMapOvr>
+    <a:masterClrMapping/>
+  </p:clrMapOvr>
+  <p:timing>
+    <p:tnLst>
+      <p:par>
+        <p:cTn id="1" dur="indefinite" restart="never" nodeType="tmRoot"/>
+      </p:par>
+    </p:tnLst>
+  </p:timing>
+</p:sld>
+</file>
+
+<file path=ppt/slides/slide20.xml><?xml version="1.0" encoding="utf-8"?>
 <p:sld xmlns:a="http://schemas.openxmlformats.org/drawingml/2006/main" xmlns:r="http://schemas.openxmlformats.org/officeDocument/2006/relationships" xmlns:p="http://schemas.openxmlformats.org/presentationml/2006/main">
   <p:cSld>
     <p:spTree>
@@ -17514,144 +17964,7 @@
 </p:sld>
 </file>
 
-<file path=ppt/slides/slide2.xml><?xml version="1.0" encoding="utf-8"?>
-<p:sld xmlns:a="http://schemas.openxmlformats.org/drawingml/2006/main" xmlns:r="http://schemas.openxmlformats.org/officeDocument/2006/relationships" xmlns:p="http://schemas.openxmlformats.org/presentationml/2006/main">
-  <p:cSld>
-    <p:spTree>
-      <p:nvGrpSpPr>
-        <p:cNvPr id="1" name=""/>
-        <p:cNvGrpSpPr/>
-        <p:nvPr/>
-      </p:nvGrpSpPr>
-      <p:grpSpPr>
-        <a:xfrm>
-          <a:off x="0" y="0"/>
-          <a:ext cx="0" cy="0"/>
-          <a:chOff x="0" y="0"/>
-          <a:chExt cx="0" cy="0"/>
-        </a:xfrm>
-      </p:grpSpPr>
-      <p:sp>
-        <p:nvSpPr>
-          <p:cNvPr id="2" name="Title 1"/>
-          <p:cNvSpPr>
-            <a:spLocks noGrp="1"/>
-          </p:cNvSpPr>
-          <p:nvPr>
-            <p:ph type="title"/>
-          </p:nvPr>
-        </p:nvSpPr>
-        <p:spPr/>
-        <p:txBody>
-          <a:bodyPr/>
-          <a:lstStyle/>
-          <a:p>
-            <a:r>
-              <a:rPr lang="en-US" dirty="0" smtClean="0"/>
-              <a:t>Agenda</a:t>
-            </a:r>
-            <a:endParaRPr lang="en-US" dirty="0"/>
-          </a:p>
-        </p:txBody>
-      </p:sp>
-      <p:sp>
-        <p:nvSpPr>
-          <p:cNvPr id="3" name="Content Placeholder 2"/>
-          <p:cNvSpPr>
-            <a:spLocks noGrp="1"/>
-          </p:cNvSpPr>
-          <p:nvPr>
-            <p:ph idx="1"/>
-          </p:nvPr>
-        </p:nvSpPr>
-        <p:spPr/>
-        <p:txBody>
-          <a:bodyPr/>
-          <a:lstStyle/>
-          <a:p>
-            <a:pPr>
-              <a:buFont typeface="Wingdings" panose="05000000000000000000" pitchFamily="2" charset="2"/>
-              <a:buChar char="Ø"/>
-            </a:pPr>
-            <a:r>
-              <a:rPr lang="en-US" dirty="0" smtClean="0"/>
-              <a:t>Introduction</a:t>
-            </a:r>
-          </a:p>
-          <a:p>
-            <a:pPr>
-              <a:buFont typeface="Wingdings" panose="05000000000000000000" pitchFamily="2" charset="2"/>
-              <a:buChar char="Ø"/>
-            </a:pPr>
-            <a:r>
-              <a:rPr lang="en-US" dirty="0" smtClean="0"/>
-              <a:t>Motivation</a:t>
-            </a:r>
-          </a:p>
-          <a:p>
-            <a:pPr>
-              <a:buFont typeface="Wingdings" panose="05000000000000000000" pitchFamily="2" charset="2"/>
-              <a:buChar char="Ø"/>
-            </a:pPr>
-            <a:r>
-              <a:rPr lang="en-US" dirty="0" smtClean="0"/>
-              <a:t>Technical Overview</a:t>
-            </a:r>
-          </a:p>
-          <a:p>
-            <a:pPr>
-              <a:buFont typeface="Wingdings" panose="05000000000000000000" pitchFamily="2" charset="2"/>
-              <a:buChar char="Ø"/>
-            </a:pPr>
-            <a:r>
-              <a:rPr lang="en-US" dirty="0" smtClean="0"/>
-              <a:t>How does it work?</a:t>
-            </a:r>
-          </a:p>
-          <a:p>
-            <a:pPr>
-              <a:buFont typeface="Wingdings" panose="05000000000000000000" pitchFamily="2" charset="2"/>
-              <a:buChar char="Ø"/>
-            </a:pPr>
-            <a:r>
-              <a:rPr lang="en-US" dirty="0" smtClean="0"/>
-              <a:t>Strengths/Weaknesses</a:t>
-            </a:r>
-          </a:p>
-          <a:p>
-            <a:pPr>
-              <a:buFont typeface="Wingdings" panose="05000000000000000000" pitchFamily="2" charset="2"/>
-              <a:buChar char="Ø"/>
-            </a:pPr>
-            <a:r>
-              <a:rPr lang="en-US" dirty="0" smtClean="0"/>
-              <a:t>Future scope</a:t>
-            </a:r>
-            <a:endParaRPr lang="en-US" dirty="0"/>
-          </a:p>
-        </p:txBody>
-      </p:sp>
-    </p:spTree>
-    <p:extLst>
-      <p:ext uri="{BB962C8B-B14F-4D97-AF65-F5344CB8AC3E}">
-        <p14:creationId xmlns:p14="http://schemas.microsoft.com/office/powerpoint/2010/main" val="1478744076"/>
-      </p:ext>
-    </p:extLst>
-  </p:cSld>
-  <p:clrMapOvr>
-    <a:masterClrMapping/>
-  </p:clrMapOvr>
-  <p:timing>
-    <p:tnLst>
-      <p:par>
-        <p:cTn id="1" dur="indefinite" restart="never" nodeType="tmRoot"/>
-      </p:par>
-    </p:tnLst>
-  </p:timing>
-</p:sld>
-</file>
-
-<file path=ppt/slides/slide20.xml><?xml version="1.0" encoding="utf-8"?>
+<file path=ppt/slides/slide21.xml><?xml version="1.0" encoding="utf-8"?>
 <p:sld xmlns:a="http://schemas.openxmlformats.org/drawingml/2006/main" xmlns:r="http://schemas.openxmlformats.org/officeDocument/2006/relationships" xmlns:p="http://schemas.openxmlformats.org/presentationml/2006/main">
   <p:cSld>
     <p:spTree>
@@ -17992,7 +18305,7 @@
 </p:sld>
 </file>
 
-<file path=ppt/slides/slide21.xml><?xml version="1.0" encoding="utf-8"?>
+<file path=ppt/slides/slide22.xml><?xml version="1.0" encoding="utf-8"?>
 <p:sld xmlns:a="http://schemas.openxmlformats.org/drawingml/2006/main" xmlns:r="http://schemas.openxmlformats.org/officeDocument/2006/relationships" xmlns:p="http://schemas.openxmlformats.org/presentationml/2006/main">
   <p:cSld>
     <p:spTree>
@@ -18078,7 +18391,7 @@
 </p:sld>
 </file>
 
-<file path=ppt/slides/slide22.xml><?xml version="1.0" encoding="utf-8"?>
+<file path=ppt/slides/slide23.xml><?xml version="1.0" encoding="utf-8"?>
 <p:sld xmlns:a="http://schemas.openxmlformats.org/drawingml/2006/main" xmlns:r="http://schemas.openxmlformats.org/officeDocument/2006/relationships" xmlns:p="http://schemas.openxmlformats.org/presentationml/2006/main">
   <p:cSld>
     <p:spTree>
@@ -18369,7 +18682,7 @@
 </p:sld>
 </file>
 
-<file path=ppt/slides/slide23.xml><?xml version="1.0" encoding="utf-8"?>
+<file path=ppt/slides/slide24.xml><?xml version="1.0" encoding="utf-8"?>
 <p:sld xmlns:a="http://schemas.openxmlformats.org/drawingml/2006/main" xmlns:r="http://schemas.openxmlformats.org/officeDocument/2006/relationships" xmlns:p="http://schemas.openxmlformats.org/presentationml/2006/main">
   <p:cSld>
     <p:spTree>
@@ -18432,7 +18745,7 @@
 </p:sld>
 </file>
 
-<file path=ppt/slides/slide24.xml><?xml version="1.0" encoding="utf-8"?>
+<file path=ppt/slides/slide25.xml><?xml version="1.0" encoding="utf-8"?>
 <p:sld xmlns:a="http://schemas.openxmlformats.org/drawingml/2006/main" xmlns:r="http://schemas.openxmlformats.org/officeDocument/2006/relationships" xmlns:p="http://schemas.openxmlformats.org/presentationml/2006/main">
   <p:cSld>
     <p:spTree>
@@ -18531,7 +18844,7 @@
 </p:sld>
 </file>
 
-<file path=ppt/slides/slide25.xml><?xml version="1.0" encoding="utf-8"?>
+<file path=ppt/slides/slide26.xml><?xml version="1.0" encoding="utf-8"?>
 <p:sld xmlns:a="http://schemas.openxmlformats.org/drawingml/2006/main" xmlns:r="http://schemas.openxmlformats.org/officeDocument/2006/relationships" xmlns:p="http://schemas.openxmlformats.org/presentationml/2006/main">
   <p:cSld>
     <p:spTree>
@@ -18648,7 +18961,7 @@
 </p:sld>
 </file>
 
-<file path=ppt/slides/slide26.xml><?xml version="1.0" encoding="utf-8"?>
+<file path=ppt/slides/slide27.xml><?xml version="1.0" encoding="utf-8"?>
 <p:sld xmlns:a="http://schemas.openxmlformats.org/drawingml/2006/main" xmlns:r="http://schemas.openxmlformats.org/officeDocument/2006/relationships" xmlns:p="http://schemas.openxmlformats.org/presentationml/2006/main">
   <p:cSld>
     <p:spTree>
@@ -18869,7 +19182,7 @@
 </p:sld>
 </file>
 
-<file path=ppt/slides/slide27.xml><?xml version="1.0" encoding="utf-8"?>
+<file path=ppt/slides/slide28.xml><?xml version="1.0" encoding="utf-8"?>
 <p:sld xmlns:a="http://schemas.openxmlformats.org/drawingml/2006/main" xmlns:r="http://schemas.openxmlformats.org/officeDocument/2006/relationships" xmlns:p="http://schemas.openxmlformats.org/presentationml/2006/main">
   <p:cSld>
     <p:spTree>
@@ -19445,7 +19758,7 @@
 </p:sld>
 </file>
 
-<file path=ppt/slides/slide28.xml><?xml version="1.0" encoding="utf-8"?>
+<file path=ppt/slides/slide29.xml><?xml version="1.0" encoding="utf-8"?>
 <p:sld xmlns:a="http://schemas.openxmlformats.org/drawingml/2006/main" xmlns:r="http://schemas.openxmlformats.org/officeDocument/2006/relationships" xmlns:p="http://schemas.openxmlformats.org/presentationml/2006/main">
   <p:cSld>
     <p:spTree>
@@ -19700,7 +20013,148 @@
 </p:sld>
 </file>
 
-<file path=ppt/slides/slide29.xml><?xml version="1.0" encoding="utf-8"?>
+<file path=ppt/slides/slide3.xml><?xml version="1.0" encoding="utf-8"?>
+<p:sld xmlns:a="http://schemas.openxmlformats.org/drawingml/2006/main" xmlns:r="http://schemas.openxmlformats.org/officeDocument/2006/relationships" xmlns:p="http://schemas.openxmlformats.org/presentationml/2006/main">
+  <p:cSld>
+    <p:spTree>
+      <p:nvGrpSpPr>
+        <p:cNvPr id="1" name=""/>
+        <p:cNvGrpSpPr/>
+        <p:nvPr/>
+      </p:nvGrpSpPr>
+      <p:grpSpPr>
+        <a:xfrm>
+          <a:off x="0" y="0"/>
+          <a:ext cx="0" cy="0"/>
+          <a:chOff x="0" y="0"/>
+          <a:chExt cx="0" cy="0"/>
+        </a:xfrm>
+      </p:grpSpPr>
+      <p:sp>
+        <p:nvSpPr>
+          <p:cNvPr id="2" name="Title 1"/>
+          <p:cNvSpPr>
+            <a:spLocks noGrp="1"/>
+          </p:cNvSpPr>
+          <p:nvPr>
+            <p:ph type="title"/>
+          </p:nvPr>
+        </p:nvSpPr>
+        <p:spPr/>
+        <p:txBody>
+          <a:bodyPr/>
+          <a:lstStyle/>
+          <a:p>
+            <a:r>
+              <a:rPr lang="en-US" dirty="0" smtClean="0"/>
+              <a:t>Agenda</a:t>
+            </a:r>
+            <a:endParaRPr lang="en-US" dirty="0"/>
+          </a:p>
+        </p:txBody>
+      </p:sp>
+      <p:sp>
+        <p:nvSpPr>
+          <p:cNvPr id="3" name="Content Placeholder 2"/>
+          <p:cNvSpPr>
+            <a:spLocks noGrp="1"/>
+          </p:cNvSpPr>
+          <p:nvPr>
+            <p:ph idx="1"/>
+          </p:nvPr>
+        </p:nvSpPr>
+        <p:spPr/>
+        <p:txBody>
+          <a:bodyPr/>
+          <a:lstStyle/>
+          <a:p>
+            <a:pPr>
+              <a:buFont typeface="Wingdings" panose="05000000000000000000" pitchFamily="2" charset="2"/>
+              <a:buChar char="Ø"/>
+            </a:pPr>
+            <a:r>
+              <a:rPr lang="en-US" dirty="0" smtClean="0">
+                <a:solidFill>
+                  <a:srgbClr val="FF0000"/>
+                </a:solidFill>
+              </a:rPr>
+              <a:t>Introduction</a:t>
+            </a:r>
+          </a:p>
+          <a:p>
+            <a:pPr>
+              <a:buFont typeface="Wingdings" panose="05000000000000000000" pitchFamily="2" charset="2"/>
+              <a:buChar char="Ø"/>
+            </a:pPr>
+            <a:r>
+              <a:rPr lang="en-US" dirty="0" smtClean="0"/>
+              <a:t>Motivation</a:t>
+            </a:r>
+          </a:p>
+          <a:p>
+            <a:pPr>
+              <a:buFont typeface="Wingdings" panose="05000000000000000000" pitchFamily="2" charset="2"/>
+              <a:buChar char="Ø"/>
+            </a:pPr>
+            <a:r>
+              <a:rPr lang="en-US" dirty="0" smtClean="0"/>
+              <a:t>Technical Overview</a:t>
+            </a:r>
+          </a:p>
+          <a:p>
+            <a:pPr>
+              <a:buFont typeface="Wingdings" panose="05000000000000000000" pitchFamily="2" charset="2"/>
+              <a:buChar char="Ø"/>
+            </a:pPr>
+            <a:r>
+              <a:rPr lang="en-US" dirty="0"/>
+              <a:t>How does it work?</a:t>
+            </a:r>
+          </a:p>
+          <a:p>
+            <a:pPr>
+              <a:buFont typeface="Wingdings" panose="05000000000000000000" pitchFamily="2" charset="2"/>
+              <a:buChar char="Ø"/>
+            </a:pPr>
+            <a:r>
+              <a:rPr lang="en-US" dirty="0" smtClean="0"/>
+              <a:t>Strengths/Weaknesses</a:t>
+            </a:r>
+          </a:p>
+          <a:p>
+            <a:pPr>
+              <a:buFont typeface="Wingdings" panose="05000000000000000000" pitchFamily="2" charset="2"/>
+              <a:buChar char="Ø"/>
+            </a:pPr>
+            <a:r>
+              <a:rPr lang="en-US" dirty="0" smtClean="0"/>
+              <a:t>Future scope</a:t>
+            </a:r>
+            <a:endParaRPr lang="en-US" dirty="0"/>
+          </a:p>
+        </p:txBody>
+      </p:sp>
+    </p:spTree>
+    <p:extLst>
+      <p:ext uri="{BB962C8B-B14F-4D97-AF65-F5344CB8AC3E}">
+        <p14:creationId xmlns:p14="http://schemas.microsoft.com/office/powerpoint/2010/main" val="211613113"/>
+      </p:ext>
+    </p:extLst>
+  </p:cSld>
+  <p:clrMapOvr>
+    <a:masterClrMapping/>
+  </p:clrMapOvr>
+  <p:timing>
+    <p:tnLst>
+      <p:par>
+        <p:cTn id="1" dur="indefinite" restart="never" nodeType="tmRoot"/>
+      </p:par>
+    </p:tnLst>
+  </p:timing>
+</p:sld>
+</file>
+
+<file path=ppt/slides/slide30.xml><?xml version="1.0" encoding="utf-8"?>
 <p:sld xmlns:a="http://schemas.openxmlformats.org/drawingml/2006/main" xmlns:r="http://schemas.openxmlformats.org/officeDocument/2006/relationships" xmlns:p="http://schemas.openxmlformats.org/presentationml/2006/main">
   <p:cSld>
     <p:spTree>
@@ -19786,148 +20240,7 @@
 </p:sld>
 </file>
 
-<file path=ppt/slides/slide3.xml><?xml version="1.0" encoding="utf-8"?>
-<p:sld xmlns:a="http://schemas.openxmlformats.org/drawingml/2006/main" xmlns:r="http://schemas.openxmlformats.org/officeDocument/2006/relationships" xmlns:p="http://schemas.openxmlformats.org/presentationml/2006/main">
-  <p:cSld>
-    <p:spTree>
-      <p:nvGrpSpPr>
-        <p:cNvPr id="1" name=""/>
-        <p:cNvGrpSpPr/>
-        <p:nvPr/>
-      </p:nvGrpSpPr>
-      <p:grpSpPr>
-        <a:xfrm>
-          <a:off x="0" y="0"/>
-          <a:ext cx="0" cy="0"/>
-          <a:chOff x="0" y="0"/>
-          <a:chExt cx="0" cy="0"/>
-        </a:xfrm>
-      </p:grpSpPr>
-      <p:sp>
-        <p:nvSpPr>
-          <p:cNvPr id="2" name="Title 1"/>
-          <p:cNvSpPr>
-            <a:spLocks noGrp="1"/>
-          </p:cNvSpPr>
-          <p:nvPr>
-            <p:ph type="title"/>
-          </p:nvPr>
-        </p:nvSpPr>
-        <p:spPr/>
-        <p:txBody>
-          <a:bodyPr/>
-          <a:lstStyle/>
-          <a:p>
-            <a:r>
-              <a:rPr lang="en-US" dirty="0" smtClean="0"/>
-              <a:t>Agenda</a:t>
-            </a:r>
-            <a:endParaRPr lang="en-US" dirty="0"/>
-          </a:p>
-        </p:txBody>
-      </p:sp>
-      <p:sp>
-        <p:nvSpPr>
-          <p:cNvPr id="3" name="Content Placeholder 2"/>
-          <p:cNvSpPr>
-            <a:spLocks noGrp="1"/>
-          </p:cNvSpPr>
-          <p:nvPr>
-            <p:ph idx="1"/>
-          </p:nvPr>
-        </p:nvSpPr>
-        <p:spPr/>
-        <p:txBody>
-          <a:bodyPr/>
-          <a:lstStyle/>
-          <a:p>
-            <a:pPr>
-              <a:buFont typeface="Wingdings" panose="05000000000000000000" pitchFamily="2" charset="2"/>
-              <a:buChar char="Ø"/>
-            </a:pPr>
-            <a:r>
-              <a:rPr lang="en-US" dirty="0" smtClean="0">
-                <a:solidFill>
-                  <a:srgbClr val="FF0000"/>
-                </a:solidFill>
-              </a:rPr>
-              <a:t>Introduction</a:t>
-            </a:r>
-          </a:p>
-          <a:p>
-            <a:pPr>
-              <a:buFont typeface="Wingdings" panose="05000000000000000000" pitchFamily="2" charset="2"/>
-              <a:buChar char="Ø"/>
-            </a:pPr>
-            <a:r>
-              <a:rPr lang="en-US" dirty="0" smtClean="0"/>
-              <a:t>Motivation</a:t>
-            </a:r>
-          </a:p>
-          <a:p>
-            <a:pPr>
-              <a:buFont typeface="Wingdings" panose="05000000000000000000" pitchFamily="2" charset="2"/>
-              <a:buChar char="Ø"/>
-            </a:pPr>
-            <a:r>
-              <a:rPr lang="en-US" dirty="0" smtClean="0"/>
-              <a:t>Technical Overview</a:t>
-            </a:r>
-          </a:p>
-          <a:p>
-            <a:pPr>
-              <a:buFont typeface="Wingdings" panose="05000000000000000000" pitchFamily="2" charset="2"/>
-              <a:buChar char="Ø"/>
-            </a:pPr>
-            <a:r>
-              <a:rPr lang="en-US" dirty="0"/>
-              <a:t>How does it work?</a:t>
-            </a:r>
-          </a:p>
-          <a:p>
-            <a:pPr>
-              <a:buFont typeface="Wingdings" panose="05000000000000000000" pitchFamily="2" charset="2"/>
-              <a:buChar char="Ø"/>
-            </a:pPr>
-            <a:r>
-              <a:rPr lang="en-US" dirty="0" smtClean="0"/>
-              <a:t>Strengths/Weaknesses</a:t>
-            </a:r>
-          </a:p>
-          <a:p>
-            <a:pPr>
-              <a:buFont typeface="Wingdings" panose="05000000000000000000" pitchFamily="2" charset="2"/>
-              <a:buChar char="Ø"/>
-            </a:pPr>
-            <a:r>
-              <a:rPr lang="en-US" dirty="0" smtClean="0"/>
-              <a:t>Future scope</a:t>
-            </a:r>
-            <a:endParaRPr lang="en-US" dirty="0"/>
-          </a:p>
-        </p:txBody>
-      </p:sp>
-    </p:spTree>
-    <p:extLst>
-      <p:ext uri="{BB962C8B-B14F-4D97-AF65-F5344CB8AC3E}">
-        <p14:creationId xmlns:p14="http://schemas.microsoft.com/office/powerpoint/2010/main" val="211613113"/>
-      </p:ext>
-    </p:extLst>
-  </p:cSld>
-  <p:clrMapOvr>
-    <a:masterClrMapping/>
-  </p:clrMapOvr>
-  <p:timing>
-    <p:tnLst>
-      <p:par>
-        <p:cTn id="1" dur="indefinite" restart="never" nodeType="tmRoot"/>
-      </p:par>
-    </p:tnLst>
-  </p:timing>
-</p:sld>
-</file>
-
-<file path=ppt/slides/slide30.xml><?xml version="1.0" encoding="utf-8"?>
+<file path=ppt/slides/slide31.xml><?xml version="1.0" encoding="utf-8"?>
 <p:sld xmlns:a="http://schemas.openxmlformats.org/drawingml/2006/main" xmlns:r="http://schemas.openxmlformats.org/officeDocument/2006/relationships" xmlns:p="http://schemas.openxmlformats.org/presentationml/2006/main">
   <p:cSld>
     <p:spTree>
@@ -20106,7 +20419,7 @@
 </p:sld>
 </file>
 
-<file path=ppt/slides/slide31.xml><?xml version="1.0" encoding="utf-8"?>
+<file path=ppt/slides/slide32.xml><?xml version="1.0" encoding="utf-8"?>
 <p:sld xmlns:a="http://schemas.openxmlformats.org/drawingml/2006/main" xmlns:r="http://schemas.openxmlformats.org/officeDocument/2006/relationships" xmlns:p="http://schemas.openxmlformats.org/presentationml/2006/main">
   <p:cSld>
     <p:spTree>
@@ -20232,7 +20545,7 @@
 </p:sld>
 </file>
 
-<file path=ppt/slides/slide32.xml><?xml version="1.0" encoding="utf-8"?>
+<file path=ppt/slides/slide33.xml><?xml version="1.0" encoding="utf-8"?>
 <p:sld xmlns:a="http://schemas.openxmlformats.org/drawingml/2006/main" xmlns:r="http://schemas.openxmlformats.org/officeDocument/2006/relationships" xmlns:p="http://schemas.openxmlformats.org/presentationml/2006/main">
   <p:cSld>
     <p:spTree>
@@ -20436,7 +20749,7 @@
 </p:sld>
 </file>
 
-<file path=ppt/slides/slide33.xml><?xml version="1.0" encoding="utf-8"?>
+<file path=ppt/slides/slide34.xml><?xml version="1.0" encoding="utf-8"?>
 <p:sld xmlns:a="http://schemas.openxmlformats.org/drawingml/2006/main" xmlns:r="http://schemas.openxmlformats.org/officeDocument/2006/relationships" xmlns:p="http://schemas.openxmlformats.org/presentationml/2006/main">
   <p:cSld>
     <p:spTree>
@@ -20614,7 +20927,7 @@
 </p:sld>
 </file>
 
-<file path=ppt/slides/slide34.xml><?xml version="1.0" encoding="utf-8"?>
+<file path=ppt/slides/slide35.xml><?xml version="1.0" encoding="utf-8"?>
 <p:sld xmlns:a="http://schemas.openxmlformats.org/drawingml/2006/main" xmlns:r="http://schemas.openxmlformats.org/officeDocument/2006/relationships" xmlns:p="http://schemas.openxmlformats.org/presentationml/2006/main">
   <p:cSld>
     <p:spTree>
@@ -21013,7 +21326,7 @@
 </p:sld>
 </file>
 
-<file path=ppt/slides/slide35.xml><?xml version="1.0" encoding="utf-8"?>
+<file path=ppt/slides/slide36.xml><?xml version="1.0" encoding="utf-8"?>
 <p:sld xmlns:a="http://schemas.openxmlformats.org/drawingml/2006/main" xmlns:r="http://schemas.openxmlformats.org/officeDocument/2006/relationships" xmlns:p="http://schemas.openxmlformats.org/presentationml/2006/main">
   <p:cSld>
     <p:spTree>
@@ -21153,7 +21466,7 @@
 </p:sld>
 </file>
 
-<file path=ppt/slides/slide36.xml><?xml version="1.0" encoding="utf-8"?>
+<file path=ppt/slides/slide37.xml><?xml version="1.0" encoding="utf-8"?>
 <p:sld xmlns:a="http://schemas.openxmlformats.org/drawingml/2006/main" xmlns:r="http://schemas.openxmlformats.org/officeDocument/2006/relationships" xmlns:p="http://schemas.openxmlformats.org/presentationml/2006/main">
   <p:cSld>
     <p:spTree>
@@ -21609,7 +21922,7 @@
 </p:sld>
 </file>
 
-<file path=ppt/slides/slide37.xml><?xml version="1.0" encoding="utf-8"?>
+<file path=ppt/slides/slide38.xml><?xml version="1.0" encoding="utf-8"?>
 <p:sld xmlns:a="http://schemas.openxmlformats.org/drawingml/2006/main" xmlns:r="http://schemas.openxmlformats.org/officeDocument/2006/relationships" xmlns:p="http://schemas.openxmlformats.org/presentationml/2006/main">
   <p:cSld>
     <p:spTree>
@@ -21727,7 +22040,7 @@
 </p:sld>
 </file>
 
-<file path=ppt/slides/slide38.xml><?xml version="1.0" encoding="utf-8"?>
+<file path=ppt/slides/slide39.xml><?xml version="1.0" encoding="utf-8"?>
 <p:sld xmlns:a="http://schemas.openxmlformats.org/drawingml/2006/main" xmlns:r="http://schemas.openxmlformats.org/officeDocument/2006/relationships" xmlns:p="http://schemas.openxmlformats.org/presentationml/2006/main">
   <p:cSld>
     <p:spTree>
@@ -21896,128 +22209,6 @@
 </p:sld>
 </file>
 
-<file path=ppt/slides/slide39.xml><?xml version="1.0" encoding="utf-8"?>
-<p:sld xmlns:a="http://schemas.openxmlformats.org/drawingml/2006/main" xmlns:r="http://schemas.openxmlformats.org/officeDocument/2006/relationships" xmlns:p="http://schemas.openxmlformats.org/presentationml/2006/main">
-  <p:cSld>
-    <p:spTree>
-      <p:nvGrpSpPr>
-        <p:cNvPr id="1" name=""/>
-        <p:cNvGrpSpPr/>
-        <p:nvPr/>
-      </p:nvGrpSpPr>
-      <p:grpSpPr>
-        <a:xfrm>
-          <a:off x="0" y="0"/>
-          <a:ext cx="0" cy="0"/>
-          <a:chOff x="0" y="0"/>
-          <a:chExt cx="0" cy="0"/>
-        </a:xfrm>
-      </p:grpSpPr>
-      <p:sp>
-        <p:nvSpPr>
-          <p:cNvPr id="2" name="Title 1"/>
-          <p:cNvSpPr>
-            <a:spLocks noGrp="1"/>
-          </p:cNvSpPr>
-          <p:nvPr>
-            <p:ph type="title"/>
-          </p:nvPr>
-        </p:nvSpPr>
-        <p:spPr/>
-        <p:txBody>
-          <a:bodyPr/>
-          <a:lstStyle/>
-          <a:p>
-            <a:r>
-              <a:rPr lang="en-US" dirty="0"/>
-              <a:t>Cryptographic Hash Locks Blocks in </a:t>
-            </a:r>
-            <a:r>
-              <a:rPr lang="en-US" dirty="0" smtClean="0"/>
-              <a:t>Place (2/2)</a:t>
-            </a:r>
-            <a:endParaRPr lang="en-US" dirty="0"/>
-          </a:p>
-        </p:txBody>
-      </p:sp>
-      <p:sp>
-        <p:nvSpPr>
-          <p:cNvPr id="3" name="Content Placeholder 2"/>
-          <p:cNvSpPr>
-            <a:spLocks noGrp="1"/>
-          </p:cNvSpPr>
-          <p:nvPr>
-            <p:ph idx="1"/>
-          </p:nvPr>
-        </p:nvSpPr>
-        <p:spPr/>
-        <p:txBody>
-          <a:bodyPr/>
-          <a:lstStyle/>
-          <a:p>
-            <a:r>
-              <a:rPr lang="en-US" dirty="0" smtClean="0"/>
-              <a:t>There is no way to switch out a block in the middle of the chain</a:t>
-            </a:r>
-          </a:p>
-          <a:p>
-            <a:r>
-              <a:rPr lang="en-US" dirty="0" smtClean="0"/>
-              <a:t>A block cannot be solved before the previous block is solved, because the previous block’s hash will also go through the current’s block hash function</a:t>
-            </a:r>
-            <a:endParaRPr lang="en-US" dirty="0"/>
-          </a:p>
-        </p:txBody>
-      </p:sp>
-      <p:pic>
-        <p:nvPicPr>
-          <p:cNvPr id="4" name="Picture 3"/>
-          <p:cNvPicPr>
-            <a:picLocks noChangeAspect="1"/>
-          </p:cNvPicPr>
-          <p:nvPr/>
-        </p:nvPicPr>
-        <p:blipFill>
-          <a:blip r:embed="rId2"/>
-          <a:stretch>
-            <a:fillRect/>
-          </a:stretch>
-        </p:blipFill>
-        <p:spPr>
-          <a:xfrm>
-            <a:off x="2182268" y="2912116"/>
-            <a:ext cx="7851848" cy="3841495"/>
-          </a:xfrm>
-          <a:prstGeom prst="rect">
-            <a:avLst/>
-          </a:prstGeom>
-          <a:ln w="3175">
-            <a:solidFill>
-              <a:schemeClr val="tx1"/>
-            </a:solidFill>
-          </a:ln>
-        </p:spPr>
-      </p:pic>
-    </p:spTree>
-    <p:extLst>
-      <p:ext uri="{BB962C8B-B14F-4D97-AF65-F5344CB8AC3E}">
-        <p14:creationId xmlns:p14="http://schemas.microsoft.com/office/powerpoint/2010/main" val="894650800"/>
-      </p:ext>
-    </p:extLst>
-  </p:cSld>
-  <p:clrMapOvr>
-    <a:masterClrMapping/>
-  </p:clrMapOvr>
-  <p:timing>
-    <p:tnLst>
-      <p:par>
-        <p:cTn id="1" dur="indefinite" restart="never" nodeType="tmRoot"/>
-      </p:par>
-    </p:tnLst>
-  </p:timing>
-</p:sld>
-</file>
-
 <file path=ppt/slides/slide4.xml><?xml version="1.0" encoding="utf-8"?>
 <p:sld xmlns:a="http://schemas.openxmlformats.org/drawingml/2006/main" xmlns:r="http://schemas.openxmlformats.org/officeDocument/2006/relationships" xmlns:p="http://schemas.openxmlformats.org/presentationml/2006/main">
   <p:cSld>
@@ -22162,8 +22353,12 @@
           <a:lstStyle/>
           <a:p>
             <a:r>
+              <a:rPr lang="en-US" dirty="0"/>
+              <a:t>Cryptographic Hash Locks Blocks in </a:t>
+            </a:r>
+            <a:r>
               <a:rPr lang="en-US" dirty="0" smtClean="0"/>
-              <a:t>Agenda</a:t>
+              <a:t>Place (2/2)</a:t>
             </a:r>
             <a:endParaRPr lang="en-US" dirty="0"/>
           </a:p>
@@ -22184,76 +22379,53 @@
           <a:bodyPr/>
           <a:lstStyle/>
           <a:p>
-            <a:pPr>
-              <a:buFont typeface="Wingdings" panose="05000000000000000000" pitchFamily="2" charset="2"/>
-              <a:buChar char="Ø"/>
-            </a:pPr>
             <a:r>
               <a:rPr lang="en-US" dirty="0" smtClean="0"/>
-              <a:t>Introduction</a:t>
-            </a:r>
-          </a:p>
-          <a:p>
-            <a:pPr>
-              <a:buFont typeface="Wingdings" panose="05000000000000000000" pitchFamily="2" charset="2"/>
-              <a:buChar char="Ø"/>
-            </a:pPr>
+              <a:t>There is no way to switch out a block in the middle of the chain</a:t>
+            </a:r>
+          </a:p>
+          <a:p>
             <a:r>
               <a:rPr lang="en-US" dirty="0" smtClean="0"/>
-              <a:t>Motivation</a:t>
-            </a:r>
-          </a:p>
-          <a:p>
-            <a:pPr>
-              <a:buFont typeface="Wingdings" panose="05000000000000000000" pitchFamily="2" charset="2"/>
-              <a:buChar char="Ø"/>
-            </a:pPr>
-            <a:r>
-              <a:rPr lang="en-US" dirty="0" smtClean="0"/>
-              <a:t>Technical Overview</a:t>
-            </a:r>
-          </a:p>
-          <a:p>
-            <a:pPr>
-              <a:buFont typeface="Wingdings" panose="05000000000000000000" pitchFamily="2" charset="2"/>
-              <a:buChar char="Ø"/>
-            </a:pPr>
-            <a:r>
-              <a:rPr lang="en-US" dirty="0"/>
-              <a:t>How does it work?</a:t>
-            </a:r>
-          </a:p>
-          <a:p>
-            <a:pPr>
-              <a:buFont typeface="Wingdings" panose="05000000000000000000" pitchFamily="2" charset="2"/>
-              <a:buChar char="Ø"/>
-            </a:pPr>
-            <a:r>
-              <a:rPr lang="en-US" dirty="0" smtClean="0">
-                <a:solidFill>
-                  <a:srgbClr val="FF0000"/>
-                </a:solidFill>
-              </a:rPr>
-              <a:t>Strengths/Weaknesses</a:t>
-            </a:r>
-          </a:p>
-          <a:p>
-            <a:pPr>
-              <a:buFont typeface="Wingdings" panose="05000000000000000000" pitchFamily="2" charset="2"/>
-              <a:buChar char="Ø"/>
-            </a:pPr>
-            <a:r>
-              <a:rPr lang="en-US" dirty="0" smtClean="0"/>
-              <a:t>Future scope</a:t>
+              <a:t>A block cannot be solved before the previous block is solved, because the previous block’s hash will also go through the current’s block hash function</a:t>
             </a:r>
             <a:endParaRPr lang="en-US" dirty="0"/>
           </a:p>
         </p:txBody>
       </p:sp>
+      <p:pic>
+        <p:nvPicPr>
+          <p:cNvPr id="4" name="Picture 3"/>
+          <p:cNvPicPr>
+            <a:picLocks noChangeAspect="1"/>
+          </p:cNvPicPr>
+          <p:nvPr/>
+        </p:nvPicPr>
+        <p:blipFill>
+          <a:blip r:embed="rId2"/>
+          <a:stretch>
+            <a:fillRect/>
+          </a:stretch>
+        </p:blipFill>
+        <p:spPr>
+          <a:xfrm>
+            <a:off x="2182268" y="2912116"/>
+            <a:ext cx="7851848" cy="3841495"/>
+          </a:xfrm>
+          <a:prstGeom prst="rect">
+            <a:avLst/>
+          </a:prstGeom>
+          <a:ln w="3175">
+            <a:solidFill>
+              <a:schemeClr val="tx1"/>
+            </a:solidFill>
+          </a:ln>
+        </p:spPr>
+      </p:pic>
     </p:spTree>
     <p:extLst>
       <p:ext uri="{BB962C8B-B14F-4D97-AF65-F5344CB8AC3E}">
-        <p14:creationId xmlns:p14="http://schemas.microsoft.com/office/powerpoint/2010/main" val="4192161623"/>
+        <p14:creationId xmlns:p14="http://schemas.microsoft.com/office/powerpoint/2010/main" val="894650800"/>
       </p:ext>
     </p:extLst>
   </p:cSld>
@@ -22304,7 +22476,7 @@
           <a:p>
             <a:r>
               <a:rPr lang="en-US" dirty="0" smtClean="0"/>
-              <a:t>Strengths</a:t>
+              <a:t>Agenda</a:t>
             </a:r>
             <a:endParaRPr lang="en-US" dirty="0"/>
           </a:p>
@@ -22331,7 +22503,7 @@
             </a:pPr>
             <a:r>
               <a:rPr lang="en-US" dirty="0" smtClean="0"/>
-              <a:t>Complex mathematical computations make the system very secure and immutable</a:t>
+              <a:t>Introduction</a:t>
             </a:r>
           </a:p>
           <a:p>
@@ -22341,7 +22513,7 @@
             </a:pPr>
             <a:r>
               <a:rPr lang="en-US" dirty="0" smtClean="0"/>
-              <a:t>Anyone can join the blockchain network as a node/miner</a:t>
+              <a:t>Motivation</a:t>
             </a:r>
           </a:p>
           <a:p>
@@ -22351,7 +22523,7 @@
             </a:pPr>
             <a:r>
               <a:rPr lang="en-US" dirty="0" smtClean="0"/>
-              <a:t>Transparency, every node has an entire copy of all the transactions ever made</a:t>
+              <a:t>Technical Overview</a:t>
             </a:r>
           </a:p>
           <a:p>
@@ -22360,8 +22532,32 @@
               <a:buChar char="Ø"/>
             </a:pPr>
             <a:r>
+              <a:rPr lang="en-US" dirty="0"/>
+              <a:t>How does it work?</a:t>
+            </a:r>
+          </a:p>
+          <a:p>
+            <a:pPr>
+              <a:buFont typeface="Wingdings" panose="05000000000000000000" pitchFamily="2" charset="2"/>
+              <a:buChar char="Ø"/>
+            </a:pPr>
+            <a:r>
+              <a:rPr lang="en-US" dirty="0" smtClean="0">
+                <a:solidFill>
+                  <a:srgbClr val="FF0000"/>
+                </a:solidFill>
+              </a:rPr>
+              <a:t>Strengths/Weaknesses</a:t>
+            </a:r>
+          </a:p>
+          <a:p>
+            <a:pPr>
+              <a:buFont typeface="Wingdings" panose="05000000000000000000" pitchFamily="2" charset="2"/>
+              <a:buChar char="Ø"/>
+            </a:pPr>
+            <a:r>
               <a:rPr lang="en-US" dirty="0" smtClean="0"/>
-              <a:t>Peer to peer means no single point of failure</a:t>
+              <a:t>Future scope</a:t>
             </a:r>
             <a:endParaRPr lang="en-US" dirty="0"/>
           </a:p>
@@ -22370,7 +22566,7 @@
     </p:spTree>
     <p:extLst>
       <p:ext uri="{BB962C8B-B14F-4D97-AF65-F5344CB8AC3E}">
-        <p14:creationId xmlns:p14="http://schemas.microsoft.com/office/powerpoint/2010/main" val="3603131913"/>
+        <p14:creationId xmlns:p14="http://schemas.microsoft.com/office/powerpoint/2010/main" val="4192161623"/>
       </p:ext>
     </p:extLst>
   </p:cSld>
@@ -22421,7 +22617,7 @@
           <a:p>
             <a:r>
               <a:rPr lang="en-US" dirty="0" smtClean="0"/>
-              <a:t>Weaknesses</a:t>
+              <a:t>Strengths</a:t>
             </a:r>
             <a:endParaRPr lang="en-US" dirty="0"/>
           </a:p>
@@ -22437,16 +22633,9 @@
             <p:ph idx="1"/>
           </p:nvPr>
         </p:nvSpPr>
-        <p:spPr>
-          <a:xfrm>
-            <a:off x="1261871" y="1828800"/>
-            <a:ext cx="9200789" cy="4706754"/>
-          </a:xfrm>
-        </p:spPr>
+        <p:spPr/>
         <p:txBody>
-          <a:bodyPr>
-            <a:normAutofit/>
-          </a:bodyPr>
+          <a:bodyPr/>
           <a:lstStyle/>
           <a:p>
             <a:pPr>
@@ -22455,19 +22644,8 @@
             </a:pPr>
             <a:r>
               <a:rPr lang="en-US" dirty="0" smtClean="0"/>
-              <a:t>Decentralization leads to “No trust”!</a:t>
-            </a:r>
-          </a:p>
-          <a:p>
-            <a:pPr lvl="1">
-              <a:buFont typeface="Wingdings" panose="05000000000000000000" pitchFamily="2" charset="2"/>
-              <a:buChar char="§"/>
-            </a:pPr>
-            <a:r>
-              <a:rPr lang="en-US" dirty="0" smtClean="0"/>
-              <a:t>We trust our banks or if something goes wrong, we can sue our bank. In bitcoin we deal with anonymous strangers, so one cannot trust anyone.</a:t>
-            </a:r>
-            <a:endParaRPr lang="en-US" dirty="0"/>
+              <a:t>No government control</a:t>
+            </a:r>
           </a:p>
           <a:p>
             <a:pPr>
@@ -22476,38 +22654,9 @@
             </a:pPr>
             <a:r>
               <a:rPr lang="en-US" dirty="0" smtClean="0"/>
-              <a:t>DIY bitcoin = Risky</a:t>
-            </a:r>
-          </a:p>
-          <a:p>
-            <a:pPr lvl="1">
-              <a:buFont typeface="Wingdings" panose="05000000000000000000" pitchFamily="2" charset="2"/>
-              <a:buChar char="§"/>
-            </a:pPr>
-            <a:r>
-              <a:rPr lang="en-US" dirty="0" smtClean="0"/>
-              <a:t>Bitcoin software hides the scripting layer, one could write their own</a:t>
-            </a:r>
-          </a:p>
-          <a:p>
-            <a:pPr lvl="1">
-              <a:buFont typeface="Wingdings" panose="05000000000000000000" pitchFamily="2" charset="2"/>
-              <a:buChar char="§"/>
-            </a:pPr>
-            <a:r>
-              <a:rPr lang="en-US" dirty="0" smtClean="0"/>
-              <a:t>Over 2600 bitcoins were lost in a single batch of transactions due to malformed address</a:t>
-            </a:r>
-          </a:p>
-          <a:p>
-            <a:pPr lvl="1">
-              <a:buFont typeface="Wingdings" panose="05000000000000000000" pitchFamily="2" charset="2"/>
-              <a:buChar char="§"/>
-            </a:pPr>
-            <a:r>
-              <a:rPr lang="en-US" dirty="0" smtClean="0"/>
-              <a:t>Since there is no central authority, any user error mistakes can cause permanent loss of bitcoins from the economy</a:t>
-            </a:r>
+              <a:t>Lower global transaction costs</a:t>
+            </a:r>
+            <a:endParaRPr lang="en-US" dirty="0" smtClean="0"/>
           </a:p>
           <a:p>
             <a:pPr>
@@ -22516,17 +22665,11 @@
             </a:pPr>
             <a:r>
               <a:rPr lang="en-US" dirty="0" smtClean="0"/>
-              <a:t>If a user loses their private key, any funds associated with the corresponding public key will be lost forever</a:t>
-            </a:r>
-          </a:p>
-          <a:p>
-            <a:pPr lvl="1">
-              <a:buFont typeface="Wingdings" panose="05000000000000000000" pitchFamily="2" charset="2"/>
-              <a:buChar char="§"/>
-            </a:pPr>
+              <a:t>Complex </a:t>
+            </a:r>
             <a:r>
               <a:rPr lang="en-US" dirty="0" smtClean="0"/>
-              <a:t>And because users will likely lose their private keys due to technical glitches, bitcoin currency will eventually be a deflationary one.</a:t>
+              <a:t>mathematical computations make the system very secure and immutable</a:t>
             </a:r>
           </a:p>
           <a:p>
@@ -22535,25 +22678,37 @@
               <a:buChar char="Ø"/>
             </a:pPr>
             <a:r>
-              <a:rPr lang="en-US" sz="1600" dirty="0" smtClean="0">
-                <a:solidFill>
-                  <a:srgbClr val="FF0000"/>
-                </a:solidFill>
-              </a:rPr>
-              <a:t>System is vulnerable to double spend attack towards the end of the chain. Thus it is recommended to wait out a few blocks to be solved to ensure that the transaction is complete</a:t>
-            </a:r>
-            <a:r>
-              <a:rPr lang="en-US" sz="1600" dirty="0" smtClean="0"/>
-              <a:t>.</a:t>
-            </a:r>
-            <a:endParaRPr lang="en-US" dirty="0" smtClean="0"/>
+              <a:rPr lang="en-US" dirty="0" smtClean="0"/>
+              <a:t>Anyone can join the blockchain network as a node/miner</a:t>
+            </a:r>
+          </a:p>
+          <a:p>
+            <a:pPr>
+              <a:buFont typeface="Wingdings" panose="05000000000000000000" pitchFamily="2" charset="2"/>
+              <a:buChar char="Ø"/>
+            </a:pPr>
+            <a:r>
+              <a:rPr lang="en-US" dirty="0" smtClean="0"/>
+              <a:t>Transparency, every node has an entire copy of all the transactions ever made</a:t>
+            </a:r>
+          </a:p>
+          <a:p>
+            <a:pPr>
+              <a:buFont typeface="Wingdings" panose="05000000000000000000" pitchFamily="2" charset="2"/>
+              <a:buChar char="Ø"/>
+            </a:pPr>
+            <a:r>
+              <a:rPr lang="en-US" dirty="0" smtClean="0"/>
+              <a:t>Peer to peer means no single point of failure</a:t>
+            </a:r>
+            <a:endParaRPr lang="en-US" dirty="0"/>
           </a:p>
         </p:txBody>
       </p:sp>
     </p:spTree>
     <p:extLst>
       <p:ext uri="{BB962C8B-B14F-4D97-AF65-F5344CB8AC3E}">
-        <p14:creationId xmlns:p14="http://schemas.microsoft.com/office/powerpoint/2010/main" val="3672107668"/>
+        <p14:creationId xmlns:p14="http://schemas.microsoft.com/office/powerpoint/2010/main" val="3603131913"/>
       </p:ext>
     </p:extLst>
   </p:cSld>
@@ -22604,7 +22759,7 @@
           <a:p>
             <a:r>
               <a:rPr lang="en-US" dirty="0" smtClean="0"/>
-              <a:t>Agenda</a:t>
+              <a:t>Weaknesses</a:t>
             </a:r>
             <a:endParaRPr lang="en-US" dirty="0"/>
           </a:p>
@@ -22620,9 +22775,16 @@
             <p:ph idx="1"/>
           </p:nvPr>
         </p:nvSpPr>
-        <p:spPr/>
+        <p:spPr>
+          <a:xfrm>
+            <a:off x="1261871" y="1828800"/>
+            <a:ext cx="9200789" cy="4706754"/>
+          </a:xfrm>
+        </p:spPr>
         <p:txBody>
-          <a:bodyPr/>
+          <a:bodyPr>
+            <a:normAutofit lnSpcReduction="10000"/>
+          </a:bodyPr>
           <a:lstStyle/>
           <a:p>
             <a:pPr>
@@ -22631,7 +22793,7 @@
             </a:pPr>
             <a:r>
               <a:rPr lang="en-US" dirty="0" smtClean="0"/>
-              <a:t>Introduction</a:t>
+              <a:t>Difficult to exchange for other currencies</a:t>
             </a:r>
           </a:p>
           <a:p>
@@ -22641,7 +22803,7 @@
             </a:pPr>
             <a:r>
               <a:rPr lang="en-US" dirty="0" smtClean="0"/>
-              <a:t>Motivation</a:t>
+              <a:t>No government control leads to illegal activities</a:t>
             </a:r>
           </a:p>
           <a:p>
@@ -22651,7 +22813,7 @@
             </a:pPr>
             <a:r>
               <a:rPr lang="en-US" dirty="0" smtClean="0"/>
-              <a:t>Technical Overview</a:t>
+              <a:t>Mining/Solving blocks uses huge processing power</a:t>
             </a:r>
           </a:p>
           <a:p>
@@ -22660,9 +22822,24 @@
               <a:buChar char="Ø"/>
             </a:pPr>
             <a:r>
-              <a:rPr lang="en-US" dirty="0"/>
-              <a:t>How does it work?</a:t>
-            </a:r>
+              <a:rPr lang="en-US" dirty="0" smtClean="0"/>
+              <a:t>Decentralization </a:t>
+            </a:r>
+            <a:r>
+              <a:rPr lang="en-US" dirty="0" smtClean="0"/>
+              <a:t>leads to “No trust”!</a:t>
+            </a:r>
+          </a:p>
+          <a:p>
+            <a:pPr lvl="1">
+              <a:buFont typeface="Wingdings" panose="05000000000000000000" pitchFamily="2" charset="2"/>
+              <a:buChar char="§"/>
+            </a:pPr>
+            <a:r>
+              <a:rPr lang="en-US" dirty="0" smtClean="0"/>
+              <a:t>We trust our banks or if something goes wrong, we can sue our bank. In bitcoin we deal with anonymous strangers, so one cannot trust anyone.</a:t>
+            </a:r>
+            <a:endParaRPr lang="en-US" dirty="0"/>
           </a:p>
           <a:p>
             <a:pPr>
@@ -22671,7 +22848,37 @@
             </a:pPr>
             <a:r>
               <a:rPr lang="en-US" dirty="0" smtClean="0"/>
-              <a:t>Strengths/Weaknesses</a:t>
+              <a:t>DIY bitcoin = Risky</a:t>
+            </a:r>
+          </a:p>
+          <a:p>
+            <a:pPr lvl="1">
+              <a:buFont typeface="Wingdings" panose="05000000000000000000" pitchFamily="2" charset="2"/>
+              <a:buChar char="§"/>
+            </a:pPr>
+            <a:r>
+              <a:rPr lang="en-US" dirty="0" smtClean="0"/>
+              <a:t>Bitcoin software hides the scripting layer, one could write their own</a:t>
+            </a:r>
+          </a:p>
+          <a:p>
+            <a:pPr lvl="1">
+              <a:buFont typeface="Wingdings" panose="05000000000000000000" pitchFamily="2" charset="2"/>
+              <a:buChar char="§"/>
+            </a:pPr>
+            <a:r>
+              <a:rPr lang="en-US" dirty="0" smtClean="0"/>
+              <a:t>Over 2600 bitcoins were lost in a single batch of transactions due to malformed address</a:t>
+            </a:r>
+          </a:p>
+          <a:p>
+            <a:pPr lvl="1">
+              <a:buFont typeface="Wingdings" panose="05000000000000000000" pitchFamily="2" charset="2"/>
+              <a:buChar char="§"/>
+            </a:pPr>
+            <a:r>
+              <a:rPr lang="en-US" dirty="0" smtClean="0"/>
+              <a:t>Since there is no central authority, any user error mistakes can cause permanent loss of bitcoins from the economy</a:t>
             </a:r>
           </a:p>
           <a:p>
@@ -22680,25 +22887,31 @@
               <a:buChar char="Ø"/>
             </a:pPr>
             <a:r>
-              <a:rPr lang="en-US" dirty="0" smtClean="0">
-                <a:solidFill>
-                  <a:srgbClr val="FF0000"/>
-                </a:solidFill>
-              </a:rPr>
-              <a:t>Future scope</a:t>
-            </a:r>
-            <a:endParaRPr lang="en-US" dirty="0">
-              <a:solidFill>
-                <a:srgbClr val="FF0000"/>
-              </a:solidFill>
-            </a:endParaRPr>
+              <a:rPr lang="en-US" dirty="0" smtClean="0"/>
+              <a:t>If a user loses their private key, any funds associated with the corresponding public key will be lost forever</a:t>
+            </a:r>
+          </a:p>
+          <a:p>
+            <a:pPr lvl="1">
+              <a:buFont typeface="Wingdings" panose="05000000000000000000" pitchFamily="2" charset="2"/>
+              <a:buChar char="§"/>
+            </a:pPr>
+            <a:r>
+              <a:rPr lang="en-US" dirty="0" smtClean="0"/>
+              <a:t>And because users will likely lose their private keys due to technical glitches, bitcoin currency will eventually be a deflationary one</a:t>
+            </a:r>
+            <a:r>
+              <a:rPr lang="en-US" dirty="0" smtClean="0"/>
+              <a:t>.</a:t>
+            </a:r>
+            <a:endParaRPr lang="en-US" dirty="0" smtClean="0"/>
           </a:p>
         </p:txBody>
       </p:sp>
     </p:spTree>
     <p:extLst>
       <p:ext uri="{BB962C8B-B14F-4D97-AF65-F5344CB8AC3E}">
-        <p14:creationId xmlns:p14="http://schemas.microsoft.com/office/powerpoint/2010/main" val="1018011684"/>
+        <p14:creationId xmlns:p14="http://schemas.microsoft.com/office/powerpoint/2010/main" val="3672107668"/>
       </p:ext>
     </p:extLst>
   </p:cSld>
@@ -22744,6 +22957,151 @@
         </p:nvSpPr>
         <p:spPr/>
         <p:txBody>
+          <a:bodyPr/>
+          <a:lstStyle/>
+          <a:p>
+            <a:r>
+              <a:rPr lang="en-US" dirty="0" smtClean="0"/>
+              <a:t>Agenda</a:t>
+            </a:r>
+            <a:endParaRPr lang="en-US" dirty="0"/>
+          </a:p>
+        </p:txBody>
+      </p:sp>
+      <p:sp>
+        <p:nvSpPr>
+          <p:cNvPr id="3" name="Content Placeholder 2"/>
+          <p:cNvSpPr>
+            <a:spLocks noGrp="1"/>
+          </p:cNvSpPr>
+          <p:nvPr>
+            <p:ph idx="1"/>
+          </p:nvPr>
+        </p:nvSpPr>
+        <p:spPr/>
+        <p:txBody>
+          <a:bodyPr/>
+          <a:lstStyle/>
+          <a:p>
+            <a:pPr>
+              <a:buFont typeface="Wingdings" panose="05000000000000000000" pitchFamily="2" charset="2"/>
+              <a:buChar char="Ø"/>
+            </a:pPr>
+            <a:r>
+              <a:rPr lang="en-US" dirty="0" smtClean="0"/>
+              <a:t>Introduction</a:t>
+            </a:r>
+          </a:p>
+          <a:p>
+            <a:pPr>
+              <a:buFont typeface="Wingdings" panose="05000000000000000000" pitchFamily="2" charset="2"/>
+              <a:buChar char="Ø"/>
+            </a:pPr>
+            <a:r>
+              <a:rPr lang="en-US" dirty="0" smtClean="0"/>
+              <a:t>Motivation</a:t>
+            </a:r>
+          </a:p>
+          <a:p>
+            <a:pPr>
+              <a:buFont typeface="Wingdings" panose="05000000000000000000" pitchFamily="2" charset="2"/>
+              <a:buChar char="Ø"/>
+            </a:pPr>
+            <a:r>
+              <a:rPr lang="en-US" dirty="0" smtClean="0"/>
+              <a:t>Technical Overview</a:t>
+            </a:r>
+          </a:p>
+          <a:p>
+            <a:pPr>
+              <a:buFont typeface="Wingdings" panose="05000000000000000000" pitchFamily="2" charset="2"/>
+              <a:buChar char="Ø"/>
+            </a:pPr>
+            <a:r>
+              <a:rPr lang="en-US" dirty="0"/>
+              <a:t>How does it work?</a:t>
+            </a:r>
+          </a:p>
+          <a:p>
+            <a:pPr>
+              <a:buFont typeface="Wingdings" panose="05000000000000000000" pitchFamily="2" charset="2"/>
+              <a:buChar char="Ø"/>
+            </a:pPr>
+            <a:r>
+              <a:rPr lang="en-US" dirty="0" smtClean="0"/>
+              <a:t>Strengths/Weaknesses</a:t>
+            </a:r>
+          </a:p>
+          <a:p>
+            <a:pPr>
+              <a:buFont typeface="Wingdings" panose="05000000000000000000" pitchFamily="2" charset="2"/>
+              <a:buChar char="Ø"/>
+            </a:pPr>
+            <a:r>
+              <a:rPr lang="en-US" dirty="0" smtClean="0">
+                <a:solidFill>
+                  <a:srgbClr val="FF0000"/>
+                </a:solidFill>
+              </a:rPr>
+              <a:t>Future scope</a:t>
+            </a:r>
+            <a:endParaRPr lang="en-US" dirty="0">
+              <a:solidFill>
+                <a:srgbClr val="FF0000"/>
+              </a:solidFill>
+            </a:endParaRPr>
+          </a:p>
+        </p:txBody>
+      </p:sp>
+    </p:spTree>
+    <p:extLst>
+      <p:ext uri="{BB962C8B-B14F-4D97-AF65-F5344CB8AC3E}">
+        <p14:creationId xmlns:p14="http://schemas.microsoft.com/office/powerpoint/2010/main" val="1018011684"/>
+      </p:ext>
+    </p:extLst>
+  </p:cSld>
+  <p:clrMapOvr>
+    <a:masterClrMapping/>
+  </p:clrMapOvr>
+  <p:timing>
+    <p:tnLst>
+      <p:par>
+        <p:cTn id="1" dur="indefinite" restart="never" nodeType="tmRoot"/>
+      </p:par>
+    </p:tnLst>
+  </p:timing>
+</p:sld>
+</file>
+
+<file path=ppt/slides/slide45.xml><?xml version="1.0" encoding="utf-8"?>
+<p:sld xmlns:a="http://schemas.openxmlformats.org/drawingml/2006/main" xmlns:r="http://schemas.openxmlformats.org/officeDocument/2006/relationships" xmlns:p="http://schemas.openxmlformats.org/presentationml/2006/main">
+  <p:cSld>
+    <p:spTree>
+      <p:nvGrpSpPr>
+        <p:cNvPr id="1" name=""/>
+        <p:cNvGrpSpPr/>
+        <p:nvPr/>
+      </p:nvGrpSpPr>
+      <p:grpSpPr>
+        <a:xfrm>
+          <a:off x="0" y="0"/>
+          <a:ext cx="0" cy="0"/>
+          <a:chOff x="0" y="0"/>
+          <a:chExt cx="0" cy="0"/>
+        </a:xfrm>
+      </p:grpSpPr>
+      <p:sp>
+        <p:nvSpPr>
+          <p:cNvPr id="2" name="Title 1"/>
+          <p:cNvSpPr>
+            <a:spLocks noGrp="1"/>
+          </p:cNvSpPr>
+          <p:nvPr>
+            <p:ph type="title"/>
+          </p:nvPr>
+        </p:nvSpPr>
+        <p:spPr/>
+        <p:txBody>
           <a:bodyPr>
             <a:normAutofit/>
           </a:bodyPr>
@@ -22933,7 +23291,7 @@
 </p:sld>
 </file>
 
-<file path=ppt/slides/slide45.xml><?xml version="1.0" encoding="utf-8"?>
+<file path=ppt/slides/slide46.xml><?xml version="1.0" encoding="utf-8"?>
 <p:sld xmlns:a="http://schemas.openxmlformats.org/drawingml/2006/main" xmlns:r="http://schemas.openxmlformats.org/officeDocument/2006/relationships" xmlns:p="http://schemas.openxmlformats.org/presentationml/2006/main">
   <p:cSld>
     <p:spTree>
@@ -23019,7 +23377,7 @@
 </p:sld>
 </file>
 
-<file path=ppt/slides/slide46.xml><?xml version="1.0" encoding="utf-8"?>
+<file path=ppt/slides/slide47.xml><?xml version="1.0" encoding="utf-8"?>
 <p:sld xmlns:a="http://schemas.openxmlformats.org/drawingml/2006/main" xmlns:r="http://schemas.openxmlformats.org/officeDocument/2006/relationships" xmlns:p="http://schemas.openxmlformats.org/presentationml/2006/main">
   <p:cSld>
     <p:spTree>
@@ -23240,7 +23598,7 @@
 </p:sld>
 </file>
 
-<file path=ppt/slides/slide47.xml><?xml version="1.0" encoding="utf-8"?>
+<file path=ppt/slides/slide48.xml><?xml version="1.0" encoding="utf-8"?>
 <p:sld xmlns:a="http://schemas.openxmlformats.org/drawingml/2006/main" xmlns:r="http://schemas.openxmlformats.org/officeDocument/2006/relationships" xmlns:p="http://schemas.openxmlformats.org/presentationml/2006/main">
   <p:cSld>
     <p:spTree>
@@ -23301,7 +23659,7 @@
 </p:sld>
 </file>
 
-<file path=ppt/slides/slide48.xml><?xml version="1.0" encoding="utf-8"?>
+<file path=ppt/slides/slide49.xml><?xml version="1.0" encoding="utf-8"?>
 <p:sld xmlns:a="http://schemas.openxmlformats.org/drawingml/2006/main" xmlns:r="http://schemas.openxmlformats.org/officeDocument/2006/relationships" xmlns:p="http://schemas.openxmlformats.org/presentationml/2006/main">
   <p:cSld>
     <p:spTree>
@@ -23410,7 +23768,148 @@
 </p:sld>
 </file>
 
-<file path=ppt/slides/slide49.xml><?xml version="1.0" encoding="utf-8"?>
+<file path=ppt/slides/slide5.xml><?xml version="1.0" encoding="utf-8"?>
+<p:sld xmlns:a="http://schemas.openxmlformats.org/drawingml/2006/main" xmlns:r="http://schemas.openxmlformats.org/officeDocument/2006/relationships" xmlns:p="http://schemas.openxmlformats.org/presentationml/2006/main">
+  <p:cSld>
+    <p:spTree>
+      <p:nvGrpSpPr>
+        <p:cNvPr id="1" name=""/>
+        <p:cNvGrpSpPr/>
+        <p:nvPr/>
+      </p:nvGrpSpPr>
+      <p:grpSpPr>
+        <a:xfrm>
+          <a:off x="0" y="0"/>
+          <a:ext cx="0" cy="0"/>
+          <a:chOff x="0" y="0"/>
+          <a:chExt cx="0" cy="0"/>
+        </a:xfrm>
+      </p:grpSpPr>
+      <p:sp>
+        <p:nvSpPr>
+          <p:cNvPr id="2" name="Title 1"/>
+          <p:cNvSpPr>
+            <a:spLocks noGrp="1"/>
+          </p:cNvSpPr>
+          <p:nvPr>
+            <p:ph type="title"/>
+          </p:nvPr>
+        </p:nvSpPr>
+        <p:spPr/>
+        <p:txBody>
+          <a:bodyPr/>
+          <a:lstStyle/>
+          <a:p>
+            <a:r>
+              <a:rPr lang="en-US" dirty="0" smtClean="0"/>
+              <a:t>Agenda</a:t>
+            </a:r>
+            <a:endParaRPr lang="en-US" dirty="0"/>
+          </a:p>
+        </p:txBody>
+      </p:sp>
+      <p:sp>
+        <p:nvSpPr>
+          <p:cNvPr id="3" name="Content Placeholder 2"/>
+          <p:cNvSpPr>
+            <a:spLocks noGrp="1"/>
+          </p:cNvSpPr>
+          <p:nvPr>
+            <p:ph idx="1"/>
+          </p:nvPr>
+        </p:nvSpPr>
+        <p:spPr/>
+        <p:txBody>
+          <a:bodyPr/>
+          <a:lstStyle/>
+          <a:p>
+            <a:pPr>
+              <a:buFont typeface="Wingdings" panose="05000000000000000000" pitchFamily="2" charset="2"/>
+              <a:buChar char="Ø"/>
+            </a:pPr>
+            <a:r>
+              <a:rPr lang="en-US" dirty="0" smtClean="0"/>
+              <a:t>Introduction</a:t>
+            </a:r>
+          </a:p>
+          <a:p>
+            <a:pPr>
+              <a:buFont typeface="Wingdings" panose="05000000000000000000" pitchFamily="2" charset="2"/>
+              <a:buChar char="Ø"/>
+            </a:pPr>
+            <a:r>
+              <a:rPr lang="en-US" dirty="0" smtClean="0">
+                <a:solidFill>
+                  <a:srgbClr val="FF0000"/>
+                </a:solidFill>
+              </a:rPr>
+              <a:t>Motivation</a:t>
+            </a:r>
+          </a:p>
+          <a:p>
+            <a:pPr>
+              <a:buFont typeface="Wingdings" panose="05000000000000000000" pitchFamily="2" charset="2"/>
+              <a:buChar char="Ø"/>
+            </a:pPr>
+            <a:r>
+              <a:rPr lang="en-US" dirty="0" smtClean="0"/>
+              <a:t>Technical Overview</a:t>
+            </a:r>
+          </a:p>
+          <a:p>
+            <a:pPr>
+              <a:buFont typeface="Wingdings" panose="05000000000000000000" pitchFamily="2" charset="2"/>
+              <a:buChar char="Ø"/>
+            </a:pPr>
+            <a:r>
+              <a:rPr lang="en-US" dirty="0"/>
+              <a:t>How does it work?</a:t>
+            </a:r>
+          </a:p>
+          <a:p>
+            <a:pPr>
+              <a:buFont typeface="Wingdings" panose="05000000000000000000" pitchFamily="2" charset="2"/>
+              <a:buChar char="Ø"/>
+            </a:pPr>
+            <a:r>
+              <a:rPr lang="en-US" dirty="0" smtClean="0"/>
+              <a:t>Strengths/Weaknesses</a:t>
+            </a:r>
+          </a:p>
+          <a:p>
+            <a:pPr>
+              <a:buFont typeface="Wingdings" panose="05000000000000000000" pitchFamily="2" charset="2"/>
+              <a:buChar char="Ø"/>
+            </a:pPr>
+            <a:r>
+              <a:rPr lang="en-US" dirty="0" smtClean="0"/>
+              <a:t>Future scope</a:t>
+            </a:r>
+            <a:endParaRPr lang="en-US" dirty="0"/>
+          </a:p>
+        </p:txBody>
+      </p:sp>
+    </p:spTree>
+    <p:extLst>
+      <p:ext uri="{BB962C8B-B14F-4D97-AF65-F5344CB8AC3E}">
+        <p14:creationId xmlns:p14="http://schemas.microsoft.com/office/powerpoint/2010/main" val="2257447932"/>
+      </p:ext>
+    </p:extLst>
+  </p:cSld>
+  <p:clrMapOvr>
+    <a:masterClrMapping/>
+  </p:clrMapOvr>
+  <p:timing>
+    <p:tnLst>
+      <p:par>
+        <p:cTn id="1" dur="indefinite" restart="never" nodeType="tmRoot"/>
+      </p:par>
+    </p:tnLst>
+  </p:timing>
+</p:sld>
+</file>
+
+<file path=ppt/slides/slide50.xml><?xml version="1.0" encoding="utf-8"?>
 <p:sld xmlns:a="http://schemas.openxmlformats.org/drawingml/2006/main" xmlns:r="http://schemas.openxmlformats.org/officeDocument/2006/relationships" xmlns:p="http://schemas.openxmlformats.org/presentationml/2006/main">
   <p:cSld>
     <p:spTree>
@@ -23801,148 +24300,7 @@
 </p:sld>
 </file>
 
-<file path=ppt/slides/slide5.xml><?xml version="1.0" encoding="utf-8"?>
-<p:sld xmlns:a="http://schemas.openxmlformats.org/drawingml/2006/main" xmlns:r="http://schemas.openxmlformats.org/officeDocument/2006/relationships" xmlns:p="http://schemas.openxmlformats.org/presentationml/2006/main">
-  <p:cSld>
-    <p:spTree>
-      <p:nvGrpSpPr>
-        <p:cNvPr id="1" name=""/>
-        <p:cNvGrpSpPr/>
-        <p:nvPr/>
-      </p:nvGrpSpPr>
-      <p:grpSpPr>
-        <a:xfrm>
-          <a:off x="0" y="0"/>
-          <a:ext cx="0" cy="0"/>
-          <a:chOff x="0" y="0"/>
-          <a:chExt cx="0" cy="0"/>
-        </a:xfrm>
-      </p:grpSpPr>
-      <p:sp>
-        <p:nvSpPr>
-          <p:cNvPr id="2" name="Title 1"/>
-          <p:cNvSpPr>
-            <a:spLocks noGrp="1"/>
-          </p:cNvSpPr>
-          <p:nvPr>
-            <p:ph type="title"/>
-          </p:nvPr>
-        </p:nvSpPr>
-        <p:spPr/>
-        <p:txBody>
-          <a:bodyPr/>
-          <a:lstStyle/>
-          <a:p>
-            <a:r>
-              <a:rPr lang="en-US" dirty="0" smtClean="0"/>
-              <a:t>Agenda</a:t>
-            </a:r>
-            <a:endParaRPr lang="en-US" dirty="0"/>
-          </a:p>
-        </p:txBody>
-      </p:sp>
-      <p:sp>
-        <p:nvSpPr>
-          <p:cNvPr id="3" name="Content Placeholder 2"/>
-          <p:cNvSpPr>
-            <a:spLocks noGrp="1"/>
-          </p:cNvSpPr>
-          <p:nvPr>
-            <p:ph idx="1"/>
-          </p:nvPr>
-        </p:nvSpPr>
-        <p:spPr/>
-        <p:txBody>
-          <a:bodyPr/>
-          <a:lstStyle/>
-          <a:p>
-            <a:pPr>
-              <a:buFont typeface="Wingdings" panose="05000000000000000000" pitchFamily="2" charset="2"/>
-              <a:buChar char="Ø"/>
-            </a:pPr>
-            <a:r>
-              <a:rPr lang="en-US" dirty="0" smtClean="0"/>
-              <a:t>Introduction</a:t>
-            </a:r>
-          </a:p>
-          <a:p>
-            <a:pPr>
-              <a:buFont typeface="Wingdings" panose="05000000000000000000" pitchFamily="2" charset="2"/>
-              <a:buChar char="Ø"/>
-            </a:pPr>
-            <a:r>
-              <a:rPr lang="en-US" dirty="0" smtClean="0">
-                <a:solidFill>
-                  <a:srgbClr val="FF0000"/>
-                </a:solidFill>
-              </a:rPr>
-              <a:t>Motivation</a:t>
-            </a:r>
-          </a:p>
-          <a:p>
-            <a:pPr>
-              <a:buFont typeface="Wingdings" panose="05000000000000000000" pitchFamily="2" charset="2"/>
-              <a:buChar char="Ø"/>
-            </a:pPr>
-            <a:r>
-              <a:rPr lang="en-US" dirty="0" smtClean="0"/>
-              <a:t>Technical Overview</a:t>
-            </a:r>
-          </a:p>
-          <a:p>
-            <a:pPr>
-              <a:buFont typeface="Wingdings" panose="05000000000000000000" pitchFamily="2" charset="2"/>
-              <a:buChar char="Ø"/>
-            </a:pPr>
-            <a:r>
-              <a:rPr lang="en-US" dirty="0"/>
-              <a:t>How does it work?</a:t>
-            </a:r>
-          </a:p>
-          <a:p>
-            <a:pPr>
-              <a:buFont typeface="Wingdings" panose="05000000000000000000" pitchFamily="2" charset="2"/>
-              <a:buChar char="Ø"/>
-            </a:pPr>
-            <a:r>
-              <a:rPr lang="en-US" dirty="0" smtClean="0"/>
-              <a:t>Strengths/Weaknesses</a:t>
-            </a:r>
-          </a:p>
-          <a:p>
-            <a:pPr>
-              <a:buFont typeface="Wingdings" panose="05000000000000000000" pitchFamily="2" charset="2"/>
-              <a:buChar char="Ø"/>
-            </a:pPr>
-            <a:r>
-              <a:rPr lang="en-US" dirty="0" smtClean="0"/>
-              <a:t>Future scope</a:t>
-            </a:r>
-            <a:endParaRPr lang="en-US" dirty="0"/>
-          </a:p>
-        </p:txBody>
-      </p:sp>
-    </p:spTree>
-    <p:extLst>
-      <p:ext uri="{BB962C8B-B14F-4D97-AF65-F5344CB8AC3E}">
-        <p14:creationId xmlns:p14="http://schemas.microsoft.com/office/powerpoint/2010/main" val="2257447932"/>
-      </p:ext>
-    </p:extLst>
-  </p:cSld>
-  <p:clrMapOvr>
-    <a:masterClrMapping/>
-  </p:clrMapOvr>
-  <p:timing>
-    <p:tnLst>
-      <p:par>
-        <p:cTn id="1" dur="indefinite" restart="never" nodeType="tmRoot"/>
-      </p:par>
-    </p:tnLst>
-  </p:timing>
-</p:sld>
-</file>
-
-<file path=ppt/slides/slide50.xml><?xml version="1.0" encoding="utf-8"?>
+<file path=ppt/slides/slide51.xml><?xml version="1.0" encoding="utf-8"?>
 <p:sld xmlns:a="http://schemas.openxmlformats.org/drawingml/2006/main" xmlns:r="http://schemas.openxmlformats.org/officeDocument/2006/relationships" xmlns:p="http://schemas.openxmlformats.org/presentationml/2006/main">
   <p:cSld>
     <p:spTree>
@@ -24003,7 +24361,7 @@
 </p:sld>
 </file>
 
-<file path=ppt/slides/slide51.xml><?xml version="1.0" encoding="utf-8"?>
+<file path=ppt/slides/slide52.xml><?xml version="1.0" encoding="utf-8"?>
 <p:sld xmlns:a="http://schemas.openxmlformats.org/drawingml/2006/main" xmlns:r="http://schemas.openxmlformats.org/officeDocument/2006/relationships" xmlns:p="http://schemas.openxmlformats.org/presentationml/2006/main">
   <p:cSld>
     <p:spTree>
@@ -24092,112 +24450,6 @@
     <p:extLst>
       <p:ext uri="{BB962C8B-B14F-4D97-AF65-F5344CB8AC3E}">
         <p14:creationId xmlns:p14="http://schemas.microsoft.com/office/powerpoint/2010/main" val="3963606419"/>
-      </p:ext>
-    </p:extLst>
-  </p:cSld>
-  <p:clrMapOvr>
-    <a:masterClrMapping/>
-  </p:clrMapOvr>
-  <p:timing>
-    <p:tnLst>
-      <p:par>
-        <p:cTn id="1" dur="indefinite" restart="never" nodeType="tmRoot"/>
-      </p:par>
-    </p:tnLst>
-  </p:timing>
-</p:sld>
-</file>
-
-<file path=ppt/slides/slide52.xml><?xml version="1.0" encoding="utf-8"?>
-<p:sld xmlns:a="http://schemas.openxmlformats.org/drawingml/2006/main" xmlns:r="http://schemas.openxmlformats.org/officeDocument/2006/relationships" xmlns:p="http://schemas.openxmlformats.org/presentationml/2006/main">
-  <p:cSld>
-    <p:spTree>
-      <p:nvGrpSpPr>
-        <p:cNvPr id="1" name=""/>
-        <p:cNvGrpSpPr/>
-        <p:nvPr/>
-      </p:nvGrpSpPr>
-      <p:grpSpPr>
-        <a:xfrm>
-          <a:off x="0" y="0"/>
-          <a:ext cx="0" cy="0"/>
-          <a:chOff x="0" y="0"/>
-          <a:chExt cx="0" cy="0"/>
-        </a:xfrm>
-      </p:grpSpPr>
-      <p:sp>
-        <p:nvSpPr>
-          <p:cNvPr id="2" name="Title 1"/>
-          <p:cNvSpPr>
-            <a:spLocks noGrp="1"/>
-          </p:cNvSpPr>
-          <p:nvPr>
-            <p:ph type="title"/>
-          </p:nvPr>
-        </p:nvSpPr>
-        <p:spPr/>
-        <p:txBody>
-          <a:bodyPr/>
-          <a:lstStyle/>
-          <a:p>
-            <a:endParaRPr lang="en-US"/>
-          </a:p>
-        </p:txBody>
-      </p:sp>
-      <p:sp>
-        <p:nvSpPr>
-          <p:cNvPr id="3" name="Content Placeholder 2"/>
-          <p:cNvSpPr>
-            <a:spLocks noGrp="1"/>
-          </p:cNvSpPr>
-          <p:nvPr>
-            <p:ph idx="1"/>
-          </p:nvPr>
-        </p:nvSpPr>
-        <p:spPr/>
-        <p:txBody>
-          <a:bodyPr>
-            <a:normAutofit/>
-          </a:bodyPr>
-          <a:lstStyle/>
-          <a:p>
-            <a:endParaRPr lang="en-US" dirty="0"/>
-          </a:p>
-          <a:p>
-            <a:r>
-              <a:rPr lang="en-US" dirty="0" smtClean="0"/>
-              <a:t>(Some intro about bitcoin or probably show a video!!)</a:t>
-            </a:r>
-          </a:p>
-          <a:p>
-            <a:r>
-              <a:rPr lang="en-US" dirty="0"/>
-              <a:t>Proponents envisage an “internet of value” that can make money flow as freely as data are flowing already.</a:t>
-            </a:r>
-            <a:endParaRPr lang="en-US" dirty="0" smtClean="0"/>
-          </a:p>
-          <a:p>
-            <a:r>
-              <a:rPr lang="en-US" dirty="0"/>
-              <a:t>Cryptocurrencies, like bitcoin, are currencies that exist solely in digital. There are no physical golden coins with a big “B” on them. Moreover, owning these non-real coins entails a new idea of “ownership.” You don’t literally have it in your hands, or even in your bank account, but you have the ability to transfer “ownership” to someone else simply by creating a record in the blockchain. Rather than using bills, your transfer is pure data</a:t>
-            </a:r>
-            <a:r>
-              <a:rPr lang="en-US" dirty="0" smtClean="0"/>
-              <a:t>.</a:t>
-            </a:r>
-          </a:p>
-          <a:p>
-            <a:r>
-              <a:rPr lang="en-US" dirty="0"/>
-              <a:t>owning bitcoin is merely having a claim on a piece of information sitting on the blockchain.</a:t>
-            </a:r>
-          </a:p>
-        </p:txBody>
-      </p:sp>
-    </p:spTree>
-    <p:extLst>
-      <p:ext uri="{BB962C8B-B14F-4D97-AF65-F5344CB8AC3E}">
-        <p14:creationId xmlns:p14="http://schemas.microsoft.com/office/powerpoint/2010/main" val="1810156948"/>
       </p:ext>
     </p:extLst>
   </p:cSld>
@@ -24243,6 +24495,112 @@
         </p:nvSpPr>
         <p:spPr/>
         <p:txBody>
+          <a:bodyPr/>
+          <a:lstStyle/>
+          <a:p>
+            <a:endParaRPr lang="en-US"/>
+          </a:p>
+        </p:txBody>
+      </p:sp>
+      <p:sp>
+        <p:nvSpPr>
+          <p:cNvPr id="3" name="Content Placeholder 2"/>
+          <p:cNvSpPr>
+            <a:spLocks noGrp="1"/>
+          </p:cNvSpPr>
+          <p:nvPr>
+            <p:ph idx="1"/>
+          </p:nvPr>
+        </p:nvSpPr>
+        <p:spPr/>
+        <p:txBody>
+          <a:bodyPr>
+            <a:normAutofit/>
+          </a:bodyPr>
+          <a:lstStyle/>
+          <a:p>
+            <a:endParaRPr lang="en-US" dirty="0"/>
+          </a:p>
+          <a:p>
+            <a:r>
+              <a:rPr lang="en-US" dirty="0" smtClean="0"/>
+              <a:t>(Some intro about bitcoin or probably show a video!!)</a:t>
+            </a:r>
+          </a:p>
+          <a:p>
+            <a:r>
+              <a:rPr lang="en-US" dirty="0"/>
+              <a:t>Proponents envisage an “internet of value” that can make money flow as freely as data are flowing already.</a:t>
+            </a:r>
+            <a:endParaRPr lang="en-US" dirty="0" smtClean="0"/>
+          </a:p>
+          <a:p>
+            <a:r>
+              <a:rPr lang="en-US" dirty="0"/>
+              <a:t>Cryptocurrencies, like bitcoin, are currencies that exist solely in digital. There are no physical golden coins with a big “B” on them. Moreover, owning these non-real coins entails a new idea of “ownership.” You don’t literally have it in your hands, or even in your bank account, but you have the ability to transfer “ownership” to someone else simply by creating a record in the blockchain. Rather than using bills, your transfer is pure data</a:t>
+            </a:r>
+            <a:r>
+              <a:rPr lang="en-US" dirty="0" smtClean="0"/>
+              <a:t>.</a:t>
+            </a:r>
+          </a:p>
+          <a:p>
+            <a:r>
+              <a:rPr lang="en-US" dirty="0"/>
+              <a:t>owning bitcoin is merely having a claim on a piece of information sitting on the blockchain.</a:t>
+            </a:r>
+          </a:p>
+        </p:txBody>
+      </p:sp>
+    </p:spTree>
+    <p:extLst>
+      <p:ext uri="{BB962C8B-B14F-4D97-AF65-F5344CB8AC3E}">
+        <p14:creationId xmlns:p14="http://schemas.microsoft.com/office/powerpoint/2010/main" val="1810156948"/>
+      </p:ext>
+    </p:extLst>
+  </p:cSld>
+  <p:clrMapOvr>
+    <a:masterClrMapping/>
+  </p:clrMapOvr>
+  <p:timing>
+    <p:tnLst>
+      <p:par>
+        <p:cTn id="1" dur="indefinite" restart="never" nodeType="tmRoot"/>
+      </p:par>
+    </p:tnLst>
+  </p:timing>
+</p:sld>
+</file>
+
+<file path=ppt/slides/slide54.xml><?xml version="1.0" encoding="utf-8"?>
+<p:sld xmlns:a="http://schemas.openxmlformats.org/drawingml/2006/main" xmlns:r="http://schemas.openxmlformats.org/officeDocument/2006/relationships" xmlns:p="http://schemas.openxmlformats.org/presentationml/2006/main">
+  <p:cSld>
+    <p:spTree>
+      <p:nvGrpSpPr>
+        <p:cNvPr id="1" name=""/>
+        <p:cNvGrpSpPr/>
+        <p:nvPr/>
+      </p:nvGrpSpPr>
+      <p:grpSpPr>
+        <a:xfrm>
+          <a:off x="0" y="0"/>
+          <a:ext cx="0" cy="0"/>
+          <a:chOff x="0" y="0"/>
+          <a:chExt cx="0" cy="0"/>
+        </a:xfrm>
+      </p:grpSpPr>
+      <p:sp>
+        <p:nvSpPr>
+          <p:cNvPr id="2" name="Title 1"/>
+          <p:cNvSpPr>
+            <a:spLocks noGrp="1"/>
+          </p:cNvSpPr>
+          <p:nvPr>
+            <p:ph type="title"/>
+          </p:nvPr>
+        </p:nvSpPr>
+        <p:spPr/>
+        <p:txBody>
           <a:bodyPr vert="horz" lIns="91440" tIns="45720" rIns="91440" bIns="45720" rtlCol="0" anchor="b">
             <a:normAutofit/>
           </a:bodyPr>
@@ -24372,7 +24730,7 @@
 </p:sld>
 </file>
 
-<file path=ppt/slides/slide54.xml><?xml version="1.0" encoding="utf-8"?>
+<file path=ppt/slides/slide55.xml><?xml version="1.0" encoding="utf-8"?>
 <p:sld xmlns:a="http://schemas.openxmlformats.org/drawingml/2006/main" xmlns:r="http://schemas.openxmlformats.org/officeDocument/2006/relationships" xmlns:p="http://schemas.openxmlformats.org/presentationml/2006/main">
   <p:cSld>
     <p:spTree>
@@ -25182,6 +25540,79 @@
           <a:chExt cx="0" cy="0"/>
         </a:xfrm>
       </p:grpSpPr>
+      <p:pic>
+        <p:nvPicPr>
+          <p:cNvPr id="1026" name="Picture 2" descr="Image result for video"/>
+          <p:cNvPicPr>
+            <a:picLocks noGrp="1" noChangeAspect="1" noChangeArrowheads="1"/>
+          </p:cNvPicPr>
+          <p:nvPr>
+            <p:ph idx="1"/>
+          </p:nvPr>
+        </p:nvPicPr>
+        <p:blipFill>
+          <a:blip r:embed="rId2">
+            <a:extLst>
+              <a:ext uri="{28A0092B-C50C-407E-A947-70E740481C1C}">
+                <a14:useLocalDpi xmlns:a14="http://schemas.microsoft.com/office/drawing/2010/main" val="0"/>
+              </a:ext>
+            </a:extLst>
+          </a:blip>
+          <a:srcRect/>
+          <a:stretch>
+            <a:fillRect/>
+          </a:stretch>
+        </p:blipFill>
+        <p:spPr bwMode="auto">
+          <a:xfrm>
+            <a:off x="4324936" y="2051443"/>
+            <a:ext cx="2276475" cy="2000250"/>
+          </a:xfrm>
+          <a:prstGeom prst="rect">
+            <a:avLst/>
+          </a:prstGeom>
+          <a:noFill/>
+          <a:extLst>
+            <a:ext uri="{909E8E84-426E-40DD-AFC4-6F175D3DCCD1}">
+              <a14:hiddenFill xmlns:a14="http://schemas.microsoft.com/office/drawing/2010/main">
+                <a:solidFill>
+                  <a:srgbClr val="FFFFFF"/>
+                </a:solidFill>
+              </a14:hiddenFill>
+            </a:ext>
+          </a:extLst>
+        </p:spPr>
+      </p:pic>
+    </p:spTree>
+    <p:extLst>
+      <p:ext uri="{BB962C8B-B14F-4D97-AF65-F5344CB8AC3E}">
+        <p14:creationId xmlns:p14="http://schemas.microsoft.com/office/powerpoint/2010/main" val="3389434222"/>
+      </p:ext>
+    </p:extLst>
+  </p:cSld>
+  <p:clrMapOvr>
+    <a:masterClrMapping/>
+  </p:clrMapOvr>
+</p:sld>
+</file>
+
+<file path=ppt/slides/slide8.xml><?xml version="1.0" encoding="utf-8"?>
+<p:sld xmlns:a="http://schemas.openxmlformats.org/drawingml/2006/main" xmlns:r="http://schemas.openxmlformats.org/officeDocument/2006/relationships" xmlns:p="http://schemas.openxmlformats.org/presentationml/2006/main">
+  <p:cSld>
+    <p:spTree>
+      <p:nvGrpSpPr>
+        <p:cNvPr id="1" name=""/>
+        <p:cNvGrpSpPr/>
+        <p:nvPr/>
+      </p:nvGrpSpPr>
+      <p:grpSpPr>
+        <a:xfrm>
+          <a:off x="0" y="0"/>
+          <a:ext cx="0" cy="0"/>
+          <a:chOff x="0" y="0"/>
+          <a:chExt cx="0" cy="0"/>
+        </a:xfrm>
+      </p:grpSpPr>
       <p:sp>
         <p:nvSpPr>
           <p:cNvPr id="2" name="Title 1"/>
@@ -25356,147 +25787,6 @@
 </p:sld>
 </file>
 
-<file path=ppt/slides/slide8.xml><?xml version="1.0" encoding="utf-8"?>
-<p:sld xmlns:a="http://schemas.openxmlformats.org/drawingml/2006/main" xmlns:r="http://schemas.openxmlformats.org/officeDocument/2006/relationships" xmlns:p="http://schemas.openxmlformats.org/presentationml/2006/main">
-  <p:cSld>
-    <p:spTree>
-      <p:nvGrpSpPr>
-        <p:cNvPr id="1" name=""/>
-        <p:cNvGrpSpPr/>
-        <p:nvPr/>
-      </p:nvGrpSpPr>
-      <p:grpSpPr>
-        <a:xfrm>
-          <a:off x="0" y="0"/>
-          <a:ext cx="0" cy="0"/>
-          <a:chOff x="0" y="0"/>
-          <a:chExt cx="0" cy="0"/>
-        </a:xfrm>
-      </p:grpSpPr>
-      <p:sp>
-        <p:nvSpPr>
-          <p:cNvPr id="2" name="Title 1"/>
-          <p:cNvSpPr>
-            <a:spLocks noGrp="1"/>
-          </p:cNvSpPr>
-          <p:nvPr>
-            <p:ph type="title"/>
-          </p:nvPr>
-        </p:nvSpPr>
-        <p:spPr/>
-        <p:txBody>
-          <a:bodyPr/>
-          <a:lstStyle/>
-          <a:p>
-            <a:r>
-              <a:rPr lang="en-US" dirty="0" smtClean="0"/>
-              <a:t>Agenda</a:t>
-            </a:r>
-            <a:endParaRPr lang="en-US" dirty="0"/>
-          </a:p>
-        </p:txBody>
-      </p:sp>
-      <p:sp>
-        <p:nvSpPr>
-          <p:cNvPr id="3" name="Content Placeholder 2"/>
-          <p:cNvSpPr>
-            <a:spLocks noGrp="1"/>
-          </p:cNvSpPr>
-          <p:nvPr>
-            <p:ph idx="1"/>
-          </p:nvPr>
-        </p:nvSpPr>
-        <p:spPr/>
-        <p:txBody>
-          <a:bodyPr/>
-          <a:lstStyle/>
-          <a:p>
-            <a:pPr>
-              <a:buFont typeface="Wingdings" panose="05000000000000000000" pitchFamily="2" charset="2"/>
-              <a:buChar char="Ø"/>
-            </a:pPr>
-            <a:r>
-              <a:rPr lang="en-US" dirty="0" smtClean="0"/>
-              <a:t>Introduction</a:t>
-            </a:r>
-          </a:p>
-          <a:p>
-            <a:pPr>
-              <a:buFont typeface="Wingdings" panose="05000000000000000000" pitchFamily="2" charset="2"/>
-              <a:buChar char="Ø"/>
-            </a:pPr>
-            <a:r>
-              <a:rPr lang="en-US" dirty="0"/>
-              <a:t>Motivation</a:t>
-            </a:r>
-          </a:p>
-          <a:p>
-            <a:pPr>
-              <a:buFont typeface="Wingdings" panose="05000000000000000000" pitchFamily="2" charset="2"/>
-              <a:buChar char="Ø"/>
-            </a:pPr>
-            <a:r>
-              <a:rPr lang="en-US" dirty="0" smtClean="0">
-                <a:solidFill>
-                  <a:srgbClr val="FF0000"/>
-                </a:solidFill>
-              </a:rPr>
-              <a:t>Technical Overview</a:t>
-            </a:r>
-          </a:p>
-          <a:p>
-            <a:pPr>
-              <a:buFont typeface="Wingdings" panose="05000000000000000000" pitchFamily="2" charset="2"/>
-              <a:buChar char="Ø"/>
-            </a:pPr>
-            <a:r>
-              <a:rPr lang="en-US" dirty="0"/>
-              <a:t>How does it work?</a:t>
-            </a:r>
-          </a:p>
-          <a:p>
-            <a:pPr>
-              <a:buFont typeface="Wingdings" panose="05000000000000000000" pitchFamily="2" charset="2"/>
-              <a:buChar char="Ø"/>
-            </a:pPr>
-            <a:r>
-              <a:rPr lang="en-US" dirty="0" smtClean="0"/>
-              <a:t>Strengths/Weaknesses</a:t>
-            </a:r>
-          </a:p>
-          <a:p>
-            <a:pPr>
-              <a:buFont typeface="Wingdings" panose="05000000000000000000" pitchFamily="2" charset="2"/>
-              <a:buChar char="Ø"/>
-            </a:pPr>
-            <a:r>
-              <a:rPr lang="en-US" dirty="0" smtClean="0"/>
-              <a:t>Future scope</a:t>
-            </a:r>
-            <a:endParaRPr lang="en-US" dirty="0"/>
-          </a:p>
-        </p:txBody>
-      </p:sp>
-    </p:spTree>
-    <p:extLst>
-      <p:ext uri="{BB962C8B-B14F-4D97-AF65-F5344CB8AC3E}">
-        <p14:creationId xmlns:p14="http://schemas.microsoft.com/office/powerpoint/2010/main" val="2997205428"/>
-      </p:ext>
-    </p:extLst>
-  </p:cSld>
-  <p:clrMapOvr>
-    <a:masterClrMapping/>
-  </p:clrMapOvr>
-  <p:timing>
-    <p:tnLst>
-      <p:par>
-        <p:cTn id="1" dur="indefinite" restart="never" nodeType="tmRoot"/>
-      </p:par>
-    </p:tnLst>
-  </p:timing>
-</p:sld>
-</file>
-
 <file path=ppt/slides/slide9.xml><?xml version="1.0" encoding="utf-8"?>
 <p:sld xmlns:a="http://schemas.openxmlformats.org/drawingml/2006/main" xmlns:r="http://schemas.openxmlformats.org/officeDocument/2006/relationships" xmlns:p="http://schemas.openxmlformats.org/presentationml/2006/main">
   <p:cSld>
@@ -25531,7 +25821,7 @@
           <a:p>
             <a:r>
               <a:rPr lang="en-US" dirty="0" smtClean="0"/>
-              <a:t>Two Basic Distributed Database Architectures</a:t>
+              <a:t>Agenda</a:t>
             </a:r>
             <a:endParaRPr lang="en-US" dirty="0"/>
           </a:p>
@@ -25547,55 +25837,81 @@
             <p:ph idx="1"/>
           </p:nvPr>
         </p:nvSpPr>
-        <p:spPr>
-          <a:xfrm>
-            <a:off x="1435126" y="3022333"/>
-            <a:ext cx="2568983" cy="433137"/>
-          </a:xfrm>
-        </p:spPr>
+        <p:spPr/>
         <p:txBody>
-          <a:bodyPr>
-            <a:normAutofit/>
-          </a:bodyPr>
+          <a:bodyPr/>
           <a:lstStyle/>
           <a:p>
-            <a:pPr marL="0" indent="0">
-              <a:buNone/>
+            <a:pPr>
+              <a:buFont typeface="Wingdings" panose="05000000000000000000" pitchFamily="2" charset="2"/>
+              <a:buChar char="Ø"/>
             </a:pPr>
             <a:r>
-              <a:rPr lang="en-US" sz="2000" b="1" dirty="0" smtClean="0"/>
-              <a:t>Design choices!!</a:t>
-            </a:r>
-            <a:endParaRPr lang="en-US" sz="2000" b="1" dirty="0"/>
+              <a:rPr lang="en-US" dirty="0" smtClean="0"/>
+              <a:t>Introduction</a:t>
+            </a:r>
+          </a:p>
+          <a:p>
+            <a:pPr>
+              <a:buFont typeface="Wingdings" panose="05000000000000000000" pitchFamily="2" charset="2"/>
+              <a:buChar char="Ø"/>
+            </a:pPr>
+            <a:r>
+              <a:rPr lang="en-US" dirty="0"/>
+              <a:t>Motivation</a:t>
+            </a:r>
+          </a:p>
+          <a:p>
+            <a:pPr>
+              <a:buFont typeface="Wingdings" panose="05000000000000000000" pitchFamily="2" charset="2"/>
+              <a:buChar char="Ø"/>
+            </a:pPr>
+            <a:r>
+              <a:rPr lang="en-US" dirty="0" smtClean="0">
+                <a:solidFill>
+                  <a:srgbClr val="FF0000"/>
+                </a:solidFill>
+              </a:rPr>
+              <a:t>Technical Overview</a:t>
+            </a:r>
+          </a:p>
+          <a:p>
+            <a:pPr>
+              <a:buFont typeface="Wingdings" panose="05000000000000000000" pitchFamily="2" charset="2"/>
+              <a:buChar char="Ø"/>
+            </a:pPr>
+            <a:r>
+              <a:rPr lang="en-US" dirty="0"/>
+              <a:t>How does it work?</a:t>
+            </a:r>
+          </a:p>
+          <a:p>
+            <a:pPr>
+              <a:buFont typeface="Wingdings" panose="05000000000000000000" pitchFamily="2" charset="2"/>
+              <a:buChar char="Ø"/>
+            </a:pPr>
+            <a:r>
+              <a:rPr lang="en-US" dirty="0" smtClean="0"/>
+              <a:t>Strengths/Weaknesses</a:t>
+            </a:r>
+          </a:p>
+          <a:p>
+            <a:pPr>
+              <a:buFont typeface="Wingdings" panose="05000000000000000000" pitchFamily="2" charset="2"/>
+              <a:buChar char="Ø"/>
+            </a:pPr>
+            <a:r>
+              <a:rPr lang="en-US" dirty="0" smtClean="0"/>
+              <a:t>Future scope</a:t>
+            </a:r>
+            <a:endParaRPr lang="en-US" dirty="0"/>
           </a:p>
         </p:txBody>
       </p:sp>
-      <p:graphicFrame>
-        <p:nvGraphicFramePr>
-          <p:cNvPr id="4" name="Diagram 3"/>
-          <p:cNvGraphicFramePr/>
-          <p:nvPr>
-            <p:extLst>
-              <p:ext uri="{D42A27DB-BD31-4B8C-83A1-F6EECF244321}">
-                <p14:modId xmlns:p14="http://schemas.microsoft.com/office/powerpoint/2010/main" val="300082890"/>
-              </p:ext>
-            </p:extLst>
-          </p:nvPr>
-        </p:nvGraphicFramePr>
-        <p:xfrm>
-          <a:off x="4255436" y="1932450"/>
-          <a:ext cx="6572985" cy="4526102"/>
-        </p:xfrm>
-        <a:graphic>
-          <a:graphicData uri="http://schemas.openxmlformats.org/drawingml/2006/diagram">
-            <dgm:relIds xmlns:dgm="http://schemas.openxmlformats.org/drawingml/2006/diagram" xmlns:r="http://schemas.openxmlformats.org/officeDocument/2006/relationships" r:dm="rId2" r:lo="rId3" r:qs="rId4" r:cs="rId5"/>
-          </a:graphicData>
-        </a:graphic>
-      </p:graphicFrame>
     </p:spTree>
     <p:extLst>
       <p:ext uri="{BB962C8B-B14F-4D97-AF65-F5344CB8AC3E}">
-        <p14:creationId xmlns:p14="http://schemas.microsoft.com/office/powerpoint/2010/main" val="3072138866"/>
+        <p14:creationId xmlns:p14="http://schemas.microsoft.com/office/powerpoint/2010/main" val="2997205428"/>
       </p:ext>
     </p:extLst>
   </p:cSld>
@@ -25605,75 +25921,9 @@
   <p:timing>
     <p:tnLst>
       <p:par>
-        <p:cTn id="1" dur="indefinite" restart="never" nodeType="tmRoot">
-          <p:childTnLst>
-            <p:seq concurrent="1" nextAc="seek">
-              <p:cTn id="2" dur="indefinite" nodeType="mainSeq">
-                <p:childTnLst>
-                  <p:par>
-                    <p:cTn id="3" fill="hold">
-                      <p:stCondLst>
-                        <p:cond delay="indefinite"/>
-                      </p:stCondLst>
-                      <p:childTnLst>
-                        <p:par>
-                          <p:cTn id="4" fill="hold">
-                            <p:stCondLst>
-                              <p:cond delay="0"/>
-                            </p:stCondLst>
-                            <p:childTnLst>
-                              <p:par>
-                                <p:cTn id="5" presetID="6" presetClass="emph" presetSubtype="0" fill="hold" grpId="0" nodeType="clickEffect">
-                                  <p:stCondLst>
-                                    <p:cond delay="0"/>
-                                  </p:stCondLst>
-                                  <p:childTnLst>
-                                    <p:animScale>
-                                      <p:cBhvr>
-                                        <p:cTn id="6" dur="2000" fill="hold"/>
-                                        <p:tgtEl>
-                                          <p:spTgt spid="3">
-                                            <p:txEl>
-                                              <p:pRg st="0" end="0"/>
-                                            </p:txEl>
-                                          </p:spTgt>
-                                        </p:tgtEl>
-                                      </p:cBhvr>
-                                      <p:by x="150000" y="150000"/>
-                                    </p:animScale>
-                                  </p:childTnLst>
-                                </p:cTn>
-                              </p:par>
-                            </p:childTnLst>
-                          </p:cTn>
-                        </p:par>
-                      </p:childTnLst>
-                    </p:cTn>
-                  </p:par>
-                </p:childTnLst>
-              </p:cTn>
-              <p:prevCondLst>
-                <p:cond evt="onPrev" delay="0">
-                  <p:tgtEl>
-                    <p:sldTgt/>
-                  </p:tgtEl>
-                </p:cond>
-              </p:prevCondLst>
-              <p:nextCondLst>
-                <p:cond evt="onNext" delay="0">
-                  <p:tgtEl>
-                    <p:sldTgt/>
-                  </p:tgtEl>
-                </p:cond>
-              </p:nextCondLst>
-            </p:seq>
-          </p:childTnLst>
-        </p:cTn>
+        <p:cTn id="1" dur="indefinite" restart="never" nodeType="tmRoot"/>
       </p:par>
     </p:tnLst>
-    <p:bldLst>
-      <p:bldP spid="3" grpId="0" build="p"/>
-    </p:bldLst>
   </p:timing>
 </p:sld>
 </file>

--- a/BlockChain/BlockChain.pptx
+++ b/BlockChain/BlockChain.pptx
@@ -2537,10 +2537,9 @@
         <a:lstStyle/>
         <a:p>
           <a:r>
-            <a:rPr lang="en-US" dirty="0" smtClean="0"/>
+            <a:rPr lang="en-US" dirty="0"/>
             <a:t>Master-Slave</a:t>
           </a:r>
-          <a:endParaRPr lang="en-US" dirty="0"/>
         </a:p>
       </dgm:t>
     </dgm:pt>
@@ -2574,10 +2573,9 @@
         <a:lstStyle/>
         <a:p>
           <a:r>
-            <a:rPr lang="en-US" dirty="0" smtClean="0"/>
+            <a:rPr lang="en-US" dirty="0"/>
             <a:t>Single point of failure</a:t>
           </a:r>
-          <a:endParaRPr lang="en-US" dirty="0"/>
         </a:p>
       </dgm:t>
     </dgm:pt>
@@ -2611,10 +2609,9 @@
         <a:lstStyle/>
         <a:p>
           <a:r>
-            <a:rPr lang="en-US" dirty="0" smtClean="0"/>
+            <a:rPr lang="en-US" dirty="0"/>
             <a:t>Single copy of data</a:t>
           </a:r>
-          <a:endParaRPr lang="en-US" dirty="0"/>
         </a:p>
       </dgm:t>
     </dgm:pt>
@@ -2648,10 +2645,9 @@
         <a:lstStyle/>
         <a:p>
           <a:r>
-            <a:rPr lang="en-US" dirty="0" smtClean="0"/>
+            <a:rPr lang="en-US" dirty="0"/>
             <a:t>Peer to Peer</a:t>
           </a:r>
-          <a:endParaRPr lang="en-US" dirty="0"/>
         </a:p>
       </dgm:t>
     </dgm:pt>
@@ -2685,10 +2681,9 @@
         <a:lstStyle/>
         <a:p>
           <a:r>
-            <a:rPr lang="en-US" dirty="0" smtClean="0"/>
+            <a:rPr lang="en-US" dirty="0"/>
             <a:t>Updates propagate to replicas</a:t>
           </a:r>
-          <a:endParaRPr lang="en-US" dirty="0"/>
         </a:p>
       </dgm:t>
     </dgm:pt>
@@ -2722,10 +2717,9 @@
         <a:lstStyle/>
         <a:p>
           <a:r>
-            <a:rPr lang="en-US" dirty="0" smtClean="0"/>
+            <a:rPr lang="en-US" dirty="0"/>
             <a:t>Masterless: all copies equal</a:t>
           </a:r>
-          <a:endParaRPr lang="en-US" dirty="0"/>
         </a:p>
       </dgm:t>
     </dgm:pt>
@@ -2760,13 +2754,6 @@
         </dgm:presLayoutVars>
       </dgm:prSet>
       <dgm:spPr/>
-      <dgm:t>
-        <a:bodyPr/>
-        <a:lstStyle/>
-        <a:p>
-          <a:endParaRPr lang="en-US"/>
-        </a:p>
-      </dgm:t>
     </dgm:pt>
     <dgm:pt modelId="{78A126F9-7B1D-4DBC-BDF3-670D76C87A9D}" type="pres">
       <dgm:prSet presAssocID="{92D92F85-F047-441B-9CDA-F16FD67D88B0}" presName="dummyMaxCanvas" presStyleCnt="0"/>
@@ -2783,13 +2770,6 @@
         </dgm:presLayoutVars>
       </dgm:prSet>
       <dgm:spPr/>
-      <dgm:t>
-        <a:bodyPr/>
-        <a:lstStyle/>
-        <a:p>
-          <a:endParaRPr lang="en-US"/>
-        </a:p>
-      </dgm:t>
     </dgm:pt>
     <dgm:pt modelId="{1D8DC2D3-FB5A-4C3F-B797-2F1FD6918D5D}" type="pres">
       <dgm:prSet presAssocID="{92D92F85-F047-441B-9CDA-F16FD67D88B0}" presName="parent2" presStyleLbl="alignAccFollowNode1" presStyleIdx="1" presStyleCnt="4">
@@ -2798,13 +2778,6 @@
         </dgm:presLayoutVars>
       </dgm:prSet>
       <dgm:spPr/>
-      <dgm:t>
-        <a:bodyPr/>
-        <a:lstStyle/>
-        <a:p>
-          <a:endParaRPr lang="en-US"/>
-        </a:p>
-      </dgm:t>
     </dgm:pt>
     <dgm:pt modelId="{1F6DEFB3-E802-4F17-8EA3-29673EFA86F2}" type="pres">
       <dgm:prSet presAssocID="{92D92F85-F047-441B-9CDA-F16FD67D88B0}" presName="childrenComposite" presStyleCnt="0"/>
@@ -2833,13 +2806,6 @@
         </dgm:presLayoutVars>
       </dgm:prSet>
       <dgm:spPr/>
-      <dgm:t>
-        <a:bodyPr/>
-        <a:lstStyle/>
-        <a:p>
-          <a:endParaRPr lang="en-US"/>
-        </a:p>
-      </dgm:t>
     </dgm:pt>
     <dgm:pt modelId="{20EDB2D3-6B22-4569-A635-95093CCDABAE}" type="pres">
       <dgm:prSet presAssocID="{92D92F85-F047-441B-9CDA-F16FD67D88B0}" presName="right_22_2" presStyleLbl="node1" presStyleIdx="1" presStyleCnt="4">
@@ -2848,13 +2814,6 @@
         </dgm:presLayoutVars>
       </dgm:prSet>
       <dgm:spPr/>
-      <dgm:t>
-        <a:bodyPr/>
-        <a:lstStyle/>
-        <a:p>
-          <a:endParaRPr lang="en-US"/>
-        </a:p>
-      </dgm:t>
     </dgm:pt>
     <dgm:pt modelId="{BD4683D7-6102-4906-AFB6-1E355101CC77}" type="pres">
       <dgm:prSet presAssocID="{92D92F85-F047-441B-9CDA-F16FD67D88B0}" presName="left_22_1" presStyleLbl="node1" presStyleIdx="2" presStyleCnt="4">
@@ -2863,13 +2822,6 @@
         </dgm:presLayoutVars>
       </dgm:prSet>
       <dgm:spPr/>
-      <dgm:t>
-        <a:bodyPr/>
-        <a:lstStyle/>
-        <a:p>
-          <a:endParaRPr lang="en-US"/>
-        </a:p>
-      </dgm:t>
     </dgm:pt>
     <dgm:pt modelId="{483BAA87-0B38-4B35-B979-08A65CF97267}" type="pres">
       <dgm:prSet presAssocID="{92D92F85-F047-441B-9CDA-F16FD67D88B0}" presName="left_22_2" presStyleLbl="node1" presStyleIdx="3" presStyleCnt="4">
@@ -2878,13 +2830,6 @@
         </dgm:presLayoutVars>
       </dgm:prSet>
       <dgm:spPr/>
-      <dgm:t>
-        <a:bodyPr/>
-        <a:lstStyle/>
-        <a:p>
-          <a:endParaRPr lang="en-US"/>
-        </a:p>
-      </dgm:t>
     </dgm:pt>
   </dgm:ptLst>
   <dgm:cxnLst>
@@ -2946,16 +2891,15 @@
         <a:lstStyle/>
         <a:p>
           <a:r>
-            <a:rPr lang="en-US" dirty="0" smtClean="0"/>
+            <a:rPr lang="en-US" dirty="0"/>
             <a:t>Distributed database</a:t>
           </a:r>
         </a:p>
         <a:p>
           <a:r>
-            <a:rPr lang="en-US" dirty="0" smtClean="0"/>
+            <a:rPr lang="en-US" dirty="0"/>
             <a:t>Peer to Peer</a:t>
           </a:r>
-          <a:endParaRPr lang="en-US" dirty="0"/>
         </a:p>
       </dgm:t>
     </dgm:pt>
@@ -2989,10 +2933,9 @@
         <a:lstStyle/>
         <a:p>
           <a:r>
-            <a:rPr lang="en-US" dirty="0" smtClean="0"/>
+            <a:rPr lang="en-US" dirty="0"/>
             <a:t>Transparent &amp; Incorruptible</a:t>
           </a:r>
-          <a:endParaRPr lang="en-US" dirty="0"/>
         </a:p>
       </dgm:t>
     </dgm:pt>
@@ -3026,7 +2969,7 @@
         <a:lstStyle/>
         <a:p>
           <a:r>
-            <a:rPr lang="en-US" dirty="0" smtClean="0"/>
+            <a:rPr lang="en-US" dirty="0"/>
             <a:t>No single point of failure </a:t>
           </a:r>
         </a:p>
@@ -3062,13 +3005,13 @@
         <a:lstStyle/>
         <a:p>
           <a:r>
-            <a:rPr lang="en-US" dirty="0" smtClean="0"/>
+            <a:rPr lang="en-US" dirty="0"/>
             <a:t>Decentralized consensus</a:t>
           </a:r>
         </a:p>
         <a:p>
           <a:r>
-            <a:rPr lang="en-US" smtClean="0"/>
+            <a:rPr lang="en-US"/>
             <a:t>(not controlled by any single identity)</a:t>
           </a:r>
           <a:endParaRPr lang="en-US" dirty="0"/>
@@ -3105,10 +3048,9 @@
         <a:lstStyle/>
         <a:p>
           <a:r>
-            <a:rPr lang="en-US" dirty="0" smtClean="0"/>
+            <a:rPr lang="en-US" dirty="0"/>
             <a:t>Enhanced security</a:t>
           </a:r>
-          <a:endParaRPr lang="en-US" dirty="0"/>
         </a:p>
       </dgm:t>
     </dgm:pt>
@@ -3142,13 +3084,6 @@
         </dgm:presLayoutVars>
       </dgm:prSet>
       <dgm:spPr/>
-      <dgm:t>
-        <a:bodyPr/>
-        <a:lstStyle/>
-        <a:p>
-          <a:endParaRPr lang="en-US"/>
-        </a:p>
-      </dgm:t>
     </dgm:pt>
     <dgm:pt modelId="{60CF439C-49C3-4D7F-8989-D99482B43AC9}" type="pres">
       <dgm:prSet presAssocID="{3B7F73B4-71A6-4F62-89E6-5FE263D310C7}" presName="node" presStyleLbl="node1" presStyleIdx="0" presStyleCnt="5">
@@ -3157,13 +3092,6 @@
         </dgm:presLayoutVars>
       </dgm:prSet>
       <dgm:spPr/>
-      <dgm:t>
-        <a:bodyPr/>
-        <a:lstStyle/>
-        <a:p>
-          <a:endParaRPr lang="en-US"/>
-        </a:p>
-      </dgm:t>
     </dgm:pt>
     <dgm:pt modelId="{31210659-718B-4505-B116-7183E849BE80}" type="pres">
       <dgm:prSet presAssocID="{63CECCF4-4763-4F64-A2FC-D09D5627EA7A}" presName="sibTrans" presStyleCnt="0"/>
@@ -3176,13 +3104,6 @@
         </dgm:presLayoutVars>
       </dgm:prSet>
       <dgm:spPr/>
-      <dgm:t>
-        <a:bodyPr/>
-        <a:lstStyle/>
-        <a:p>
-          <a:endParaRPr lang="en-US"/>
-        </a:p>
-      </dgm:t>
     </dgm:pt>
     <dgm:pt modelId="{C7653508-1A77-47F3-8BF1-533B2D053A1F}" type="pres">
       <dgm:prSet presAssocID="{21742E62-EF4D-4463-83AA-BB3F83B9688D}" presName="sibTrans" presStyleCnt="0"/>
@@ -3195,13 +3116,6 @@
         </dgm:presLayoutVars>
       </dgm:prSet>
       <dgm:spPr/>
-      <dgm:t>
-        <a:bodyPr/>
-        <a:lstStyle/>
-        <a:p>
-          <a:endParaRPr lang="en-US"/>
-        </a:p>
-      </dgm:t>
     </dgm:pt>
     <dgm:pt modelId="{8E465062-3BF7-4C2E-A535-72AAD97A1C28}" type="pres">
       <dgm:prSet presAssocID="{B23D784F-6936-4048-AA28-681898207D6C}" presName="sibTrans" presStyleCnt="0"/>
@@ -3214,13 +3128,6 @@
         </dgm:presLayoutVars>
       </dgm:prSet>
       <dgm:spPr/>
-      <dgm:t>
-        <a:bodyPr/>
-        <a:lstStyle/>
-        <a:p>
-          <a:endParaRPr lang="en-US"/>
-        </a:p>
-      </dgm:t>
     </dgm:pt>
     <dgm:pt modelId="{DECF400E-4650-4EE3-A94C-F3F3899506E9}" type="pres">
       <dgm:prSet presAssocID="{00E4BA9D-9C64-4D2D-BBFC-8FDDFEDC97A6}" presName="sibTrans" presStyleCnt="0"/>
@@ -3233,13 +3140,6 @@
         </dgm:presLayoutVars>
       </dgm:prSet>
       <dgm:spPr/>
-      <dgm:t>
-        <a:bodyPr/>
-        <a:lstStyle/>
-        <a:p>
-          <a:endParaRPr lang="en-US"/>
-        </a:p>
-      </dgm:t>
     </dgm:pt>
   </dgm:ptLst>
   <dgm:cxnLst>
@@ -3296,10 +3196,9 @@
         <a:lstStyle/>
         <a:p>
           <a:r>
-            <a:rPr lang="en-US" dirty="0" smtClean="0"/>
+            <a:rPr lang="en-US" dirty="0"/>
             <a:t>Transaction Chain</a:t>
           </a:r>
-          <a:endParaRPr lang="en-US" dirty="0"/>
         </a:p>
       </dgm:t>
     </dgm:pt>
@@ -3333,10 +3232,9 @@
         <a:lstStyle/>
         <a:p>
           <a:r>
-            <a:rPr lang="en-US" dirty="0" smtClean="0"/>
+            <a:rPr lang="en-US" dirty="0"/>
             <a:t>History of ownership</a:t>
           </a:r>
-          <a:endParaRPr lang="en-US" dirty="0"/>
         </a:p>
       </dgm:t>
     </dgm:pt>
@@ -3370,10 +3268,9 @@
         <a:lstStyle/>
         <a:p>
           <a:r>
-            <a:rPr lang="en-US" dirty="0" smtClean="0"/>
+            <a:rPr lang="en-US" dirty="0"/>
             <a:t>Block Chain</a:t>
           </a:r>
-          <a:endParaRPr lang="en-US" dirty="0"/>
         </a:p>
       </dgm:t>
     </dgm:pt>
@@ -3407,10 +3304,9 @@
         <a:lstStyle/>
         <a:p>
           <a:r>
-            <a:rPr lang="en-US" dirty="0" smtClean="0"/>
+            <a:rPr lang="en-US" dirty="0"/>
             <a:t>Transaction ordering</a:t>
           </a:r>
-          <a:endParaRPr lang="en-US" dirty="0"/>
         </a:p>
       </dgm:t>
     </dgm:pt>
@@ -3445,13 +3341,6 @@
         </dgm:presLayoutVars>
       </dgm:prSet>
       <dgm:spPr/>
-      <dgm:t>
-        <a:bodyPr/>
-        <a:lstStyle/>
-        <a:p>
-          <a:endParaRPr lang="en-US"/>
-        </a:p>
-      </dgm:t>
     </dgm:pt>
     <dgm:pt modelId="{69B94A16-A41C-427A-9B2A-547FE7CEB626}" type="pres">
       <dgm:prSet presAssocID="{F8B3649D-EFD3-4015-809C-010F3236FBA3}" presName="linNode" presStyleCnt="0"/>
@@ -3464,13 +3353,6 @@
         </dgm:presLayoutVars>
       </dgm:prSet>
       <dgm:spPr/>
-      <dgm:t>
-        <a:bodyPr/>
-        <a:lstStyle/>
-        <a:p>
-          <a:endParaRPr lang="en-US"/>
-        </a:p>
-      </dgm:t>
     </dgm:pt>
     <dgm:pt modelId="{03F9F80C-D9BD-45B2-9852-474D800B987F}" type="pres">
       <dgm:prSet presAssocID="{F8B3649D-EFD3-4015-809C-010F3236FBA3}" presName="childShp" presStyleLbl="bgAccFollowNode1" presStyleIdx="0" presStyleCnt="2">
@@ -3479,13 +3361,6 @@
         </dgm:presLayoutVars>
       </dgm:prSet>
       <dgm:spPr/>
-      <dgm:t>
-        <a:bodyPr/>
-        <a:lstStyle/>
-        <a:p>
-          <a:endParaRPr lang="en-US"/>
-        </a:p>
-      </dgm:t>
     </dgm:pt>
     <dgm:pt modelId="{8DB40013-62A8-4162-820E-A9BAA166DC4F}" type="pres">
       <dgm:prSet presAssocID="{7731F27E-3DFA-4B9D-A81F-93B6AEDA9E88}" presName="spacing" presStyleCnt="0"/>
@@ -3502,13 +3377,6 @@
         </dgm:presLayoutVars>
       </dgm:prSet>
       <dgm:spPr/>
-      <dgm:t>
-        <a:bodyPr/>
-        <a:lstStyle/>
-        <a:p>
-          <a:endParaRPr lang="en-US"/>
-        </a:p>
-      </dgm:t>
     </dgm:pt>
     <dgm:pt modelId="{14971869-9371-47BE-8245-191314E4B422}" type="pres">
       <dgm:prSet presAssocID="{B8590294-4666-4AF7-8309-E4499939F9D1}" presName="childShp" presStyleLbl="bgAccFollowNode1" presStyleIdx="1" presStyleCnt="2">
@@ -3517,13 +3385,6 @@
         </dgm:presLayoutVars>
       </dgm:prSet>
       <dgm:spPr/>
-      <dgm:t>
-        <a:bodyPr/>
-        <a:lstStyle/>
-        <a:p>
-          <a:endParaRPr lang="en-US"/>
-        </a:p>
-      </dgm:t>
     </dgm:pt>
   </dgm:ptLst>
   <dgm:cxnLst>
@@ -3622,7 +3483,7 @@
         </a:bodyPr>
         <a:lstStyle/>
         <a:p>
-          <a:pPr lvl="0" algn="ctr" defTabSz="1066800">
+          <a:pPr marL="0" lvl="0" indent="0" algn="ctr" defTabSz="1066800">
             <a:lnSpc>
               <a:spcPct val="90000"/>
             </a:lnSpc>
@@ -3632,12 +3493,12 @@
             <a:spcAft>
               <a:spcPct val="35000"/>
             </a:spcAft>
+            <a:buNone/>
           </a:pPr>
           <a:r>
-            <a:rPr lang="en-US" sz="2400" kern="1200" dirty="0" smtClean="0"/>
+            <a:rPr lang="en-US" sz="2400" kern="1200" dirty="0"/>
             <a:t>Master-Slave</a:t>
           </a:r>
-          <a:endParaRPr lang="en-US" sz="2400" kern="1200" dirty="0"/>
         </a:p>
       </dsp:txBody>
       <dsp:txXfrm>
@@ -3703,7 +3564,7 @@
         </a:bodyPr>
         <a:lstStyle/>
         <a:p>
-          <a:pPr lvl="0" algn="ctr" defTabSz="1066800">
+          <a:pPr marL="0" lvl="0" indent="0" algn="ctr" defTabSz="1066800">
             <a:lnSpc>
               <a:spcPct val="90000"/>
             </a:lnSpc>
@@ -3713,12 +3574,12 @@
             <a:spcAft>
               <a:spcPct val="35000"/>
             </a:spcAft>
+            <a:buNone/>
           </a:pPr>
           <a:r>
-            <a:rPr lang="en-US" sz="2400" kern="1200" dirty="0" smtClean="0"/>
+            <a:rPr lang="en-US" sz="2400" kern="1200" dirty="0"/>
             <a:t>Peer to Peer</a:t>
           </a:r>
-          <a:endParaRPr lang="en-US" sz="2400" kern="1200" dirty="0"/>
         </a:p>
       </dsp:txBody>
       <dsp:txXfrm>
@@ -3882,7 +3743,7 @@
         </a:bodyPr>
         <a:lstStyle/>
         <a:p>
-          <a:pPr lvl="0" algn="ctr" defTabSz="889000">
+          <a:pPr marL="0" lvl="0" indent="0" algn="ctr" defTabSz="889000">
             <a:lnSpc>
               <a:spcPct val="90000"/>
             </a:lnSpc>
@@ -3892,12 +3753,12 @@
             <a:spcAft>
               <a:spcPct val="35000"/>
             </a:spcAft>
+            <a:buNone/>
           </a:pPr>
           <a:r>
-            <a:rPr lang="en-US" sz="2000" kern="1200" dirty="0" smtClean="0"/>
+            <a:rPr lang="en-US" sz="2000" kern="1200" dirty="0"/>
             <a:t>Updates propagate to replicas</a:t>
           </a:r>
-          <a:endParaRPr lang="en-US" sz="2000" kern="1200" dirty="0"/>
         </a:p>
       </dsp:txBody>
       <dsp:txXfrm>
@@ -3959,7 +3820,7 @@
         </a:bodyPr>
         <a:lstStyle/>
         <a:p>
-          <a:pPr lvl="0" algn="ctr" defTabSz="889000">
+          <a:pPr marL="0" lvl="0" indent="0" algn="ctr" defTabSz="889000">
             <a:lnSpc>
               <a:spcPct val="90000"/>
             </a:lnSpc>
@@ -3969,12 +3830,12 @@
             <a:spcAft>
               <a:spcPct val="35000"/>
             </a:spcAft>
+            <a:buNone/>
           </a:pPr>
           <a:r>
-            <a:rPr lang="en-US" sz="2000" kern="1200" dirty="0" smtClean="0"/>
+            <a:rPr lang="en-US" sz="2000" kern="1200" dirty="0"/>
             <a:t>Masterless: all copies equal</a:t>
           </a:r>
-          <a:endParaRPr lang="en-US" sz="2000" kern="1200" dirty="0"/>
         </a:p>
       </dsp:txBody>
       <dsp:txXfrm>
@@ -4036,7 +3897,7 @@
         </a:bodyPr>
         <a:lstStyle/>
         <a:p>
-          <a:pPr lvl="0" algn="ctr" defTabSz="889000">
+          <a:pPr marL="0" lvl="0" indent="0" algn="ctr" defTabSz="889000">
             <a:lnSpc>
               <a:spcPct val="90000"/>
             </a:lnSpc>
@@ -4046,12 +3907,12 @@
             <a:spcAft>
               <a:spcPct val="35000"/>
             </a:spcAft>
+            <a:buNone/>
           </a:pPr>
           <a:r>
-            <a:rPr lang="en-US" sz="2000" kern="1200" dirty="0" smtClean="0"/>
+            <a:rPr lang="en-US" sz="2000" kern="1200" dirty="0"/>
             <a:t>Single point of failure</a:t>
           </a:r>
-          <a:endParaRPr lang="en-US" sz="2000" kern="1200" dirty="0"/>
         </a:p>
       </dsp:txBody>
       <dsp:txXfrm>
@@ -4113,7 +3974,7 @@
         </a:bodyPr>
         <a:lstStyle/>
         <a:p>
-          <a:pPr lvl="0" algn="ctr" defTabSz="889000">
+          <a:pPr marL="0" lvl="0" indent="0" algn="ctr" defTabSz="889000">
             <a:lnSpc>
               <a:spcPct val="90000"/>
             </a:lnSpc>
@@ -4123,12 +3984,12 @@
             <a:spcAft>
               <a:spcPct val="35000"/>
             </a:spcAft>
+            <a:buNone/>
           </a:pPr>
           <a:r>
-            <a:rPr lang="en-US" sz="2000" kern="1200" dirty="0" smtClean="0"/>
+            <a:rPr lang="en-US" sz="2000" kern="1200" dirty="0"/>
             <a:t>Single copy of data</a:t>
           </a:r>
-          <a:endParaRPr lang="en-US" sz="2000" kern="1200" dirty="0"/>
         </a:p>
       </dsp:txBody>
       <dsp:txXfrm>
@@ -4202,7 +4063,7 @@
         </a:bodyPr>
         <a:lstStyle/>
         <a:p>
-          <a:pPr lvl="0" algn="ctr" defTabSz="977900">
+          <a:pPr marL="0" lvl="0" indent="0" algn="ctr" defTabSz="977900">
             <a:lnSpc>
               <a:spcPct val="90000"/>
             </a:lnSpc>
@@ -4212,14 +4073,15 @@
             <a:spcAft>
               <a:spcPct val="35000"/>
             </a:spcAft>
+            <a:buNone/>
           </a:pPr>
           <a:r>
-            <a:rPr lang="en-US" sz="2200" kern="1200" dirty="0" smtClean="0"/>
+            <a:rPr lang="en-US" sz="2200" kern="1200" dirty="0"/>
             <a:t>Distributed database</a:t>
           </a:r>
         </a:p>
         <a:p>
-          <a:pPr lvl="0" algn="ctr" defTabSz="977900">
+          <a:pPr marL="0" lvl="0" indent="0" algn="ctr" defTabSz="977900">
             <a:lnSpc>
               <a:spcPct val="90000"/>
             </a:lnSpc>
@@ -4229,12 +4091,12 @@
             <a:spcAft>
               <a:spcPct val="35000"/>
             </a:spcAft>
+            <a:buNone/>
           </a:pPr>
           <a:r>
-            <a:rPr lang="en-US" sz="2200" kern="1200" dirty="0" smtClean="0"/>
+            <a:rPr lang="en-US" sz="2200" kern="1200" dirty="0"/>
             <a:t>Peer to Peer</a:t>
           </a:r>
-          <a:endParaRPr lang="en-US" sz="2200" kern="1200" dirty="0"/>
         </a:p>
       </dsp:txBody>
       <dsp:txXfrm>
@@ -4296,7 +4158,7 @@
         </a:bodyPr>
         <a:lstStyle/>
         <a:p>
-          <a:pPr lvl="0" algn="ctr" defTabSz="977900">
+          <a:pPr marL="0" lvl="0" indent="0" algn="ctr" defTabSz="977900">
             <a:lnSpc>
               <a:spcPct val="90000"/>
             </a:lnSpc>
@@ -4306,12 +4168,12 @@
             <a:spcAft>
               <a:spcPct val="35000"/>
             </a:spcAft>
+            <a:buNone/>
           </a:pPr>
           <a:r>
-            <a:rPr lang="en-US" sz="2200" kern="1200" dirty="0" smtClean="0"/>
+            <a:rPr lang="en-US" sz="2200" kern="1200" dirty="0"/>
             <a:t>Transparent &amp; Incorruptible</a:t>
           </a:r>
-          <a:endParaRPr lang="en-US" sz="2200" kern="1200" dirty="0"/>
         </a:p>
       </dsp:txBody>
       <dsp:txXfrm>
@@ -4373,7 +4235,7 @@
         </a:bodyPr>
         <a:lstStyle/>
         <a:p>
-          <a:pPr lvl="0" algn="ctr" defTabSz="977900">
+          <a:pPr marL="0" lvl="0" indent="0" algn="ctr" defTabSz="977900">
             <a:lnSpc>
               <a:spcPct val="90000"/>
             </a:lnSpc>
@@ -4383,9 +4245,10 @@
             <a:spcAft>
               <a:spcPct val="35000"/>
             </a:spcAft>
+            <a:buNone/>
           </a:pPr>
           <a:r>
-            <a:rPr lang="en-US" sz="2200" kern="1200" dirty="0" smtClean="0"/>
+            <a:rPr lang="en-US" sz="2200" kern="1200" dirty="0"/>
             <a:t>No single point of failure </a:t>
           </a:r>
         </a:p>
@@ -4449,7 +4312,7 @@
         </a:bodyPr>
         <a:lstStyle/>
         <a:p>
-          <a:pPr lvl="0" algn="ctr" defTabSz="977900">
+          <a:pPr marL="0" lvl="0" indent="0" algn="ctr" defTabSz="977900">
             <a:lnSpc>
               <a:spcPct val="90000"/>
             </a:lnSpc>
@@ -4459,14 +4322,15 @@
             <a:spcAft>
               <a:spcPct val="35000"/>
             </a:spcAft>
+            <a:buNone/>
           </a:pPr>
           <a:r>
-            <a:rPr lang="en-US" sz="2200" kern="1200" dirty="0" smtClean="0"/>
+            <a:rPr lang="en-US" sz="2200" kern="1200" dirty="0"/>
             <a:t>Decentralized consensus</a:t>
           </a:r>
         </a:p>
         <a:p>
-          <a:pPr lvl="0" algn="ctr" defTabSz="977900">
+          <a:pPr marL="0" lvl="0" indent="0" algn="ctr" defTabSz="977900">
             <a:lnSpc>
               <a:spcPct val="90000"/>
             </a:lnSpc>
@@ -4476,9 +4340,10 @@
             <a:spcAft>
               <a:spcPct val="35000"/>
             </a:spcAft>
+            <a:buNone/>
           </a:pPr>
           <a:r>
-            <a:rPr lang="en-US" sz="2200" kern="1200" smtClean="0"/>
+            <a:rPr lang="en-US" sz="2200" kern="1200"/>
             <a:t>(not controlled by any single identity)</a:t>
           </a:r>
           <a:endParaRPr lang="en-US" sz="2200" kern="1200" dirty="0"/>
@@ -4543,7 +4408,7 @@
         </a:bodyPr>
         <a:lstStyle/>
         <a:p>
-          <a:pPr lvl="0" algn="ctr" defTabSz="977900">
+          <a:pPr marL="0" lvl="0" indent="0" algn="ctr" defTabSz="977900">
             <a:lnSpc>
               <a:spcPct val="90000"/>
             </a:lnSpc>
@@ -4553,12 +4418,12 @@
             <a:spcAft>
               <a:spcPct val="35000"/>
             </a:spcAft>
+            <a:buNone/>
           </a:pPr>
           <a:r>
-            <a:rPr lang="en-US" sz="2200" kern="1200" dirty="0" smtClean="0"/>
+            <a:rPr lang="en-US" sz="2200" kern="1200" dirty="0"/>
             <a:t>Enhanced security</a:t>
           </a:r>
-          <a:endParaRPr lang="en-US" sz="2200" kern="1200" dirty="0"/>
         </a:p>
       </dsp:txBody>
       <dsp:txXfrm>
@@ -4647,13 +4512,12 @@
             <a:spcAft>
               <a:spcPct val="15000"/>
             </a:spcAft>
-            <a:buChar char="••"/>
+            <a:buChar char="•"/>
           </a:pPr>
           <a:r>
-            <a:rPr lang="en-US" sz="2200" kern="1200" dirty="0" smtClean="0"/>
+            <a:rPr lang="en-US" sz="2200" kern="1200" dirty="0"/>
             <a:t>History of ownership</a:t>
           </a:r>
-          <a:endParaRPr lang="en-US" sz="2200" kern="1200" dirty="0"/>
         </a:p>
       </dsp:txBody>
       <dsp:txXfrm>
@@ -4715,7 +4579,7 @@
         </a:bodyPr>
         <a:lstStyle/>
         <a:p>
-          <a:pPr lvl="0" algn="ctr" defTabSz="755650">
+          <a:pPr marL="0" lvl="0" indent="0" algn="ctr" defTabSz="755650">
             <a:lnSpc>
               <a:spcPct val="90000"/>
             </a:lnSpc>
@@ -4725,12 +4589,12 @@
             <a:spcAft>
               <a:spcPct val="35000"/>
             </a:spcAft>
+            <a:buNone/>
           </a:pPr>
           <a:r>
-            <a:rPr lang="en-US" sz="1700" kern="1200" dirty="0" smtClean="0"/>
+            <a:rPr lang="en-US" sz="1700" kern="1200" dirty="0"/>
             <a:t>Transaction Chain</a:t>
           </a:r>
-          <a:endParaRPr lang="en-US" sz="1700" kern="1200" dirty="0"/>
         </a:p>
       </dsp:txBody>
       <dsp:txXfrm>
@@ -4807,13 +4671,12 @@
             <a:spcAft>
               <a:spcPct val="15000"/>
             </a:spcAft>
-            <a:buChar char="••"/>
+            <a:buChar char="•"/>
           </a:pPr>
           <a:r>
-            <a:rPr lang="en-US" sz="2200" kern="1200" dirty="0" smtClean="0"/>
+            <a:rPr lang="en-US" sz="2200" kern="1200" dirty="0"/>
             <a:t>Transaction ordering</a:t>
           </a:r>
-          <a:endParaRPr lang="en-US" sz="2200" kern="1200" dirty="0"/>
         </a:p>
       </dsp:txBody>
       <dsp:txXfrm>
@@ -4875,7 +4738,7 @@
         </a:bodyPr>
         <a:lstStyle/>
         <a:p>
-          <a:pPr lvl="0" algn="ctr" defTabSz="755650">
+          <a:pPr marL="0" lvl="0" indent="0" algn="ctr" defTabSz="755650">
             <a:lnSpc>
               <a:spcPct val="90000"/>
             </a:lnSpc>
@@ -4885,12 +4748,12 @@
             <a:spcAft>
               <a:spcPct val="35000"/>
             </a:spcAft>
+            <a:buNone/>
           </a:pPr>
           <a:r>
-            <a:rPr lang="en-US" sz="1700" kern="1200" dirty="0" smtClean="0"/>
+            <a:rPr lang="en-US" sz="1700" kern="1200" dirty="0"/>
             <a:t>Block Chain</a:t>
           </a:r>
-          <a:endParaRPr lang="en-US" sz="1700" kern="1200" dirty="0"/>
         </a:p>
       </dsp:txBody>
       <dsp:txXfrm>
@@ -11598,38 +11461,37 @@
           <a:p>
             <a:pPr lvl="0"/>
             <a:r>
-              <a:rPr lang="en-US" smtClean="0"/>
+              <a:rPr lang="en-US"/>
               <a:t>Click to edit Master text styles</a:t>
             </a:r>
           </a:p>
           <a:p>
             <a:pPr lvl="1"/>
             <a:r>
-              <a:rPr lang="en-US" smtClean="0"/>
+              <a:rPr lang="en-US"/>
               <a:t>Second level</a:t>
             </a:r>
           </a:p>
           <a:p>
             <a:pPr lvl="2"/>
             <a:r>
-              <a:rPr lang="en-US" smtClean="0"/>
+              <a:rPr lang="en-US"/>
               <a:t>Third level</a:t>
             </a:r>
           </a:p>
           <a:p>
             <a:pPr lvl="3"/>
             <a:r>
-              <a:rPr lang="en-US" smtClean="0"/>
+              <a:rPr lang="en-US"/>
               <a:t>Fourth level</a:t>
             </a:r>
           </a:p>
           <a:p>
             <a:pPr lvl="4"/>
             <a:r>
-              <a:rPr lang="en-US" smtClean="0"/>
+              <a:rPr lang="en-US"/>
               <a:t>Fifth level</a:t>
             </a:r>
-            <a:endParaRPr lang="en-US"/>
           </a:p>
         </p:txBody>
       </p:sp>
@@ -11846,7 +11708,10 @@
           <a:bodyPr/>
           <a:lstStyle/>
           <a:p>
-            <a:endParaRPr lang="en-US" dirty="0"/>
+            <a:r>
+              <a:rPr lang="en-US" dirty="0"/>
+              <a:t>https://bitcoin.org/en/</a:t>
+            </a:r>
           </a:p>
         </p:txBody>
       </p:sp>
@@ -11867,7 +11732,7 @@
           <a:p>
             <a:fld id="{0DEC71BC-50C3-43D2-8885-28C91E7E4DB0}" type="slidenum">
               <a:rPr lang="en-US" smtClean="0"/>
-              <a:t>12</a:t>
+              <a:t>7</a:t>
             </a:fld>
             <a:endParaRPr lang="en-US"/>
           </a:p>
@@ -11876,7 +11741,7 @@
     </p:spTree>
     <p:extLst>
       <p:ext uri="{BB962C8B-B14F-4D97-AF65-F5344CB8AC3E}">
-        <p14:creationId xmlns:p14="http://schemas.microsoft.com/office/powerpoint/2010/main" val="718543089"/>
+        <p14:creationId xmlns:p14="http://schemas.microsoft.com/office/powerpoint/2010/main" val="921459114"/>
       </p:ext>
     </p:extLst>
   </p:cSld>
@@ -11951,7 +11816,7 @@
           <a:p>
             <a:fld id="{0DEC71BC-50C3-43D2-8885-28C91E7E4DB0}" type="slidenum">
               <a:rPr lang="en-US" smtClean="0"/>
-              <a:t>15</a:t>
+              <a:t>12</a:t>
             </a:fld>
             <a:endParaRPr lang="en-US"/>
           </a:p>
@@ -11960,7 +11825,7 @@
     </p:spTree>
     <p:extLst>
       <p:ext uri="{BB962C8B-B14F-4D97-AF65-F5344CB8AC3E}">
-        <p14:creationId xmlns:p14="http://schemas.microsoft.com/office/powerpoint/2010/main" val="823567310"/>
+        <p14:creationId xmlns:p14="http://schemas.microsoft.com/office/powerpoint/2010/main" val="718543089"/>
       </p:ext>
     </p:extLst>
   </p:cSld>
@@ -12014,6 +11879,90 @@
           <a:bodyPr/>
           <a:lstStyle/>
           <a:p>
+            <a:endParaRPr lang="en-US" dirty="0"/>
+          </a:p>
+        </p:txBody>
+      </p:sp>
+      <p:sp>
+        <p:nvSpPr>
+          <p:cNvPr id="4" name="Slide Number Placeholder 3"/>
+          <p:cNvSpPr>
+            <a:spLocks noGrp="1"/>
+          </p:cNvSpPr>
+          <p:nvPr>
+            <p:ph type="sldNum" sz="quarter" idx="10"/>
+          </p:nvPr>
+        </p:nvSpPr>
+        <p:spPr/>
+        <p:txBody>
+          <a:bodyPr/>
+          <a:lstStyle/>
+          <a:p>
+            <a:fld id="{0DEC71BC-50C3-43D2-8885-28C91E7E4DB0}" type="slidenum">
+              <a:rPr lang="en-US" smtClean="0"/>
+              <a:t>15</a:t>
+            </a:fld>
+            <a:endParaRPr lang="en-US"/>
+          </a:p>
+        </p:txBody>
+      </p:sp>
+    </p:spTree>
+    <p:extLst>
+      <p:ext uri="{BB962C8B-B14F-4D97-AF65-F5344CB8AC3E}">
+        <p14:creationId xmlns:p14="http://schemas.microsoft.com/office/powerpoint/2010/main" val="823567310"/>
+      </p:ext>
+    </p:extLst>
+  </p:cSld>
+  <p:clrMapOvr>
+    <a:masterClrMapping/>
+  </p:clrMapOvr>
+</p:notes>
+</file>
+
+<file path=ppt/notesSlides/notesSlide4.xml><?xml version="1.0" encoding="utf-8"?>
+<p:notes xmlns:a="http://schemas.openxmlformats.org/drawingml/2006/main" xmlns:r="http://schemas.openxmlformats.org/officeDocument/2006/relationships" xmlns:p="http://schemas.openxmlformats.org/presentationml/2006/main">
+  <p:cSld>
+    <p:spTree>
+      <p:nvGrpSpPr>
+        <p:cNvPr id="1" name=""/>
+        <p:cNvGrpSpPr/>
+        <p:nvPr/>
+      </p:nvGrpSpPr>
+      <p:grpSpPr>
+        <a:xfrm>
+          <a:off x="0" y="0"/>
+          <a:ext cx="0" cy="0"/>
+          <a:chOff x="0" y="0"/>
+          <a:chExt cx="0" cy="0"/>
+        </a:xfrm>
+      </p:grpSpPr>
+      <p:sp>
+        <p:nvSpPr>
+          <p:cNvPr id="2" name="Slide Image Placeholder 1"/>
+          <p:cNvSpPr>
+            <a:spLocks noGrp="1" noRot="1" noChangeAspect="1"/>
+          </p:cNvSpPr>
+          <p:nvPr>
+            <p:ph type="sldImg"/>
+          </p:nvPr>
+        </p:nvSpPr>
+        <p:spPr/>
+      </p:sp>
+      <p:sp>
+        <p:nvSpPr>
+          <p:cNvPr id="3" name="Notes Placeholder 2"/>
+          <p:cNvSpPr>
+            <a:spLocks noGrp="1"/>
+          </p:cNvSpPr>
+          <p:nvPr>
+            <p:ph type="body" idx="1"/>
+          </p:nvPr>
+        </p:nvSpPr>
+        <p:spPr/>
+        <p:txBody>
+          <a:bodyPr/>
+          <a:lstStyle/>
+          <a:p>
             <a:pPr marL="0" marR="0" lvl="0" indent="0" algn="l" defTabSz="914400" rtl="0" eaLnBrk="1" fontAlgn="auto" latinLnBrk="0" hangingPunct="1">
               <a:lnSpc>
                 <a:spcPct val="100000"/>
@@ -12032,7 +11981,7 @@
               <a:defRPr/>
             </a:pPr>
             <a:r>
-              <a:rPr lang="en-US" sz="1200" dirty="0" smtClean="0">
+              <a:rPr lang="en-US" sz="1200" dirty="0">
                 <a:solidFill>
                   <a:srgbClr val="FF0000"/>
                 </a:solidFill>
@@ -12040,10 +11989,10 @@
               <a:t>System is vulnerable to double spend attack towards the end of the chain. Thus it is recommended to wait out a few blocks to be solved to ensure that the transaction is complete</a:t>
             </a:r>
             <a:r>
-              <a:rPr lang="en-US" sz="1200" dirty="0" smtClean="0"/>
+              <a:rPr lang="en-US" sz="1200" dirty="0"/>
               <a:t>.</a:t>
             </a:r>
-            <a:endParaRPr lang="en-US" dirty="0" smtClean="0"/>
+            <a:endParaRPr lang="en-US" dirty="0"/>
           </a:p>
           <a:p>
             <a:endParaRPr lang="en-US" dirty="0"/>
@@ -12147,7 +12096,7 @@
           </a:lstStyle>
           <a:p>
             <a:r>
-              <a:rPr lang="en-US" smtClean="0"/>
+              <a:rPr lang="en-US"/>
               <a:t>Click to edit Master title style</a:t>
             </a:r>
             <a:endParaRPr lang="en-US" dirty="0"/>
@@ -12220,7 +12169,7 @@
           </a:lstStyle>
           <a:p>
             <a:r>
-              <a:rPr lang="en-US" smtClean="0"/>
+              <a:rPr lang="en-US"/>
               <a:t>Click to edit Master subtitle style</a:t>
             </a:r>
             <a:endParaRPr lang="en-US" dirty="0"/>
@@ -12411,7 +12360,7 @@
           <a:lstStyle/>
           <a:p>
             <a:r>
-              <a:rPr lang="en-US" smtClean="0"/>
+              <a:rPr lang="en-US"/>
               <a:t>Click to edit Master title style</a:t>
             </a:r>
             <a:endParaRPr lang="en-US" dirty="0"/>
@@ -12435,35 +12384,35 @@
           <a:p>
             <a:pPr lvl="0"/>
             <a:r>
-              <a:rPr lang="en-US" smtClean="0"/>
+              <a:rPr lang="en-US"/>
               <a:t>Click to edit Master text styles</a:t>
             </a:r>
           </a:p>
           <a:p>
             <a:pPr lvl="1"/>
             <a:r>
-              <a:rPr lang="en-US" smtClean="0"/>
+              <a:rPr lang="en-US"/>
               <a:t>Second level</a:t>
             </a:r>
           </a:p>
           <a:p>
             <a:pPr lvl="2"/>
             <a:r>
-              <a:rPr lang="en-US" smtClean="0"/>
+              <a:rPr lang="en-US"/>
               <a:t>Third level</a:t>
             </a:r>
           </a:p>
           <a:p>
             <a:pPr lvl="3"/>
             <a:r>
-              <a:rPr lang="en-US" smtClean="0"/>
+              <a:rPr lang="en-US"/>
               <a:t>Fourth level</a:t>
             </a:r>
           </a:p>
           <a:p>
             <a:pPr lvl="4"/>
             <a:r>
-              <a:rPr lang="en-US" smtClean="0"/>
+              <a:rPr lang="en-US"/>
               <a:t>Fifth level</a:t>
             </a:r>
             <a:endParaRPr lang="en-US" dirty="0"/>
@@ -12586,7 +12535,7 @@
           <a:lstStyle/>
           <a:p>
             <a:r>
-              <a:rPr lang="en-US" smtClean="0"/>
+              <a:rPr lang="en-US"/>
               <a:t>Click to edit Master title style</a:t>
             </a:r>
             <a:endParaRPr lang="en-US" dirty="0"/>
@@ -12615,35 +12564,35 @@
           <a:p>
             <a:pPr lvl="0"/>
             <a:r>
-              <a:rPr lang="en-US" smtClean="0"/>
+              <a:rPr lang="en-US"/>
               <a:t>Click to edit Master text styles</a:t>
             </a:r>
           </a:p>
           <a:p>
             <a:pPr lvl="1"/>
             <a:r>
-              <a:rPr lang="en-US" smtClean="0"/>
+              <a:rPr lang="en-US"/>
               <a:t>Second level</a:t>
             </a:r>
           </a:p>
           <a:p>
             <a:pPr lvl="2"/>
             <a:r>
-              <a:rPr lang="en-US" smtClean="0"/>
+              <a:rPr lang="en-US"/>
               <a:t>Third level</a:t>
             </a:r>
           </a:p>
           <a:p>
             <a:pPr lvl="3"/>
             <a:r>
-              <a:rPr lang="en-US" smtClean="0"/>
+              <a:rPr lang="en-US"/>
               <a:t>Fourth level</a:t>
             </a:r>
           </a:p>
           <a:p>
             <a:pPr lvl="4"/>
             <a:r>
-              <a:rPr lang="en-US" smtClean="0"/>
+              <a:rPr lang="en-US"/>
               <a:t>Fifth level</a:t>
             </a:r>
             <a:endParaRPr lang="en-US" dirty="0"/>
@@ -12761,7 +12710,7 @@
           <a:lstStyle/>
           <a:p>
             <a:r>
-              <a:rPr lang="en-US" smtClean="0"/>
+              <a:rPr lang="en-US"/>
               <a:t>Click to edit Master title style</a:t>
             </a:r>
             <a:endParaRPr lang="en-US" dirty="0"/>
@@ -12785,35 +12734,35 @@
           <a:p>
             <a:pPr lvl="0"/>
             <a:r>
-              <a:rPr lang="en-US" smtClean="0"/>
+              <a:rPr lang="en-US"/>
               <a:t>Click to edit Master text styles</a:t>
             </a:r>
           </a:p>
           <a:p>
             <a:pPr lvl="1"/>
             <a:r>
-              <a:rPr lang="en-US" smtClean="0"/>
+              <a:rPr lang="en-US"/>
               <a:t>Second level</a:t>
             </a:r>
           </a:p>
           <a:p>
             <a:pPr lvl="2"/>
             <a:r>
-              <a:rPr lang="en-US" smtClean="0"/>
+              <a:rPr lang="en-US"/>
               <a:t>Third level</a:t>
             </a:r>
           </a:p>
           <a:p>
             <a:pPr lvl="3"/>
             <a:r>
-              <a:rPr lang="en-US" smtClean="0"/>
+              <a:rPr lang="en-US"/>
               <a:t>Fourth level</a:t>
             </a:r>
           </a:p>
           <a:p>
             <a:pPr lvl="4"/>
             <a:r>
-              <a:rPr lang="en-US" smtClean="0"/>
+              <a:rPr lang="en-US"/>
               <a:t>Fifth level</a:t>
             </a:r>
             <a:endParaRPr lang="en-US" dirty="0"/>
@@ -12945,7 +12894,7 @@
           </a:lstStyle>
           <a:p>
             <a:r>
-              <a:rPr lang="en-US" smtClean="0"/>
+              <a:rPr lang="en-US"/>
               <a:t>Click to edit Master title style</a:t>
             </a:r>
             <a:endParaRPr lang="en-US" dirty="0"/>
@@ -13068,7 +13017,7 @@
           <a:p>
             <a:pPr lvl="0"/>
             <a:r>
-              <a:rPr lang="en-US" smtClean="0"/>
+              <a:rPr lang="en-US"/>
               <a:t>Click to edit Master text styles</a:t>
             </a:r>
           </a:p>
@@ -13223,7 +13172,7 @@
           <a:lstStyle/>
           <a:p>
             <a:r>
-              <a:rPr lang="en-US" smtClean="0"/>
+              <a:rPr lang="en-US"/>
               <a:t>Click to edit Master title style</a:t>
             </a:r>
             <a:endParaRPr lang="en-US" dirty="0"/>
@@ -13280,35 +13229,35 @@
           <a:p>
             <a:pPr lvl="0"/>
             <a:r>
-              <a:rPr lang="en-US" smtClean="0"/>
+              <a:rPr lang="en-US"/>
               <a:t>Click to edit Master text styles</a:t>
             </a:r>
           </a:p>
           <a:p>
             <a:pPr lvl="1"/>
             <a:r>
-              <a:rPr lang="en-US" smtClean="0"/>
+              <a:rPr lang="en-US"/>
               <a:t>Second level</a:t>
             </a:r>
           </a:p>
           <a:p>
             <a:pPr lvl="2"/>
             <a:r>
-              <a:rPr lang="en-US" smtClean="0"/>
+              <a:rPr lang="en-US"/>
               <a:t>Third level</a:t>
             </a:r>
           </a:p>
           <a:p>
             <a:pPr lvl="3"/>
             <a:r>
-              <a:rPr lang="en-US" smtClean="0"/>
+              <a:rPr lang="en-US"/>
               <a:t>Fourth level</a:t>
             </a:r>
           </a:p>
           <a:p>
             <a:pPr lvl="4"/>
             <a:r>
-              <a:rPr lang="en-US" smtClean="0"/>
+              <a:rPr lang="en-US"/>
               <a:t>Fifth level</a:t>
             </a:r>
             <a:endParaRPr lang="en-US" dirty="0"/>
@@ -13365,35 +13314,35 @@
           <a:p>
             <a:pPr lvl="0"/>
             <a:r>
-              <a:rPr lang="en-US" smtClean="0"/>
+              <a:rPr lang="en-US"/>
               <a:t>Click to edit Master text styles</a:t>
             </a:r>
           </a:p>
           <a:p>
             <a:pPr lvl="1"/>
             <a:r>
-              <a:rPr lang="en-US" smtClean="0"/>
+              <a:rPr lang="en-US"/>
               <a:t>Second level</a:t>
             </a:r>
           </a:p>
           <a:p>
             <a:pPr lvl="2"/>
             <a:r>
-              <a:rPr lang="en-US" smtClean="0"/>
+              <a:rPr lang="en-US"/>
               <a:t>Third level</a:t>
             </a:r>
           </a:p>
           <a:p>
             <a:pPr lvl="3"/>
             <a:r>
-              <a:rPr lang="en-US" smtClean="0"/>
+              <a:rPr lang="en-US"/>
               <a:t>Fourth level</a:t>
             </a:r>
           </a:p>
           <a:p>
             <a:pPr lvl="4"/>
             <a:r>
-              <a:rPr lang="en-US" smtClean="0"/>
+              <a:rPr lang="en-US"/>
               <a:t>Fifth level</a:t>
             </a:r>
             <a:endParaRPr lang="en-US" dirty="0"/>
@@ -13511,7 +13460,7 @@
           <a:lstStyle/>
           <a:p>
             <a:r>
-              <a:rPr lang="en-US" smtClean="0"/>
+              <a:rPr lang="en-US"/>
               <a:t>Click to edit Master title style</a:t>
             </a:r>
             <a:endParaRPr lang="en-US" dirty="0"/>
@@ -13586,7 +13535,7 @@
           <a:p>
             <a:pPr lvl="0"/>
             <a:r>
-              <a:rPr lang="en-US" smtClean="0"/>
+              <a:rPr lang="en-US"/>
               <a:t>Click to edit Master text styles</a:t>
             </a:r>
           </a:p>
@@ -13642,35 +13591,35 @@
           <a:p>
             <a:pPr lvl="0"/>
             <a:r>
-              <a:rPr lang="en-US" smtClean="0"/>
+              <a:rPr lang="en-US"/>
               <a:t>Click to edit Master text styles</a:t>
             </a:r>
           </a:p>
           <a:p>
             <a:pPr lvl="1"/>
             <a:r>
-              <a:rPr lang="en-US" smtClean="0"/>
+              <a:rPr lang="en-US"/>
               <a:t>Second level</a:t>
             </a:r>
           </a:p>
           <a:p>
             <a:pPr lvl="2"/>
             <a:r>
-              <a:rPr lang="en-US" smtClean="0"/>
+              <a:rPr lang="en-US"/>
               <a:t>Third level</a:t>
             </a:r>
           </a:p>
           <a:p>
             <a:pPr lvl="3"/>
             <a:r>
-              <a:rPr lang="en-US" smtClean="0"/>
+              <a:rPr lang="en-US"/>
               <a:t>Fourth level</a:t>
             </a:r>
           </a:p>
           <a:p>
             <a:pPr lvl="4"/>
             <a:r>
-              <a:rPr lang="en-US" smtClean="0"/>
+              <a:rPr lang="en-US"/>
               <a:t>Fifth level</a:t>
             </a:r>
             <a:endParaRPr lang="en-US" dirty="0"/>
@@ -13760,7 +13709,7 @@
               <a:buNone/>
             </a:pPr>
             <a:r>
-              <a:rPr lang="en-US" smtClean="0"/>
+              <a:rPr lang="en-US"/>
               <a:t>Click to edit Master text styles</a:t>
             </a:r>
           </a:p>
@@ -13816,35 +13765,35 @@
           <a:p>
             <a:pPr lvl="0"/>
             <a:r>
-              <a:rPr lang="en-US" smtClean="0"/>
+              <a:rPr lang="en-US"/>
               <a:t>Click to edit Master text styles</a:t>
             </a:r>
           </a:p>
           <a:p>
             <a:pPr lvl="1"/>
             <a:r>
-              <a:rPr lang="en-US" smtClean="0"/>
+              <a:rPr lang="en-US"/>
               <a:t>Second level</a:t>
             </a:r>
           </a:p>
           <a:p>
             <a:pPr lvl="2"/>
             <a:r>
-              <a:rPr lang="en-US" smtClean="0"/>
+              <a:rPr lang="en-US"/>
               <a:t>Third level</a:t>
             </a:r>
           </a:p>
           <a:p>
             <a:pPr lvl="3"/>
             <a:r>
-              <a:rPr lang="en-US" smtClean="0"/>
+              <a:rPr lang="en-US"/>
               <a:t>Fourth level</a:t>
             </a:r>
           </a:p>
           <a:p>
             <a:pPr lvl="4"/>
             <a:r>
-              <a:rPr lang="en-US" smtClean="0"/>
+              <a:rPr lang="en-US"/>
               <a:t>Fifth level</a:t>
             </a:r>
             <a:endParaRPr lang="en-US" dirty="0"/>
@@ -13962,7 +13911,7 @@
           <a:lstStyle/>
           <a:p>
             <a:r>
-              <a:rPr lang="en-US" smtClean="0"/>
+              <a:rPr lang="en-US"/>
               <a:t>Click to edit Master title style</a:t>
             </a:r>
             <a:endParaRPr lang="en-US" dirty="0"/>
@@ -14191,7 +14140,7 @@
           </a:lstStyle>
           <a:p>
             <a:r>
-              <a:rPr lang="en-US" smtClean="0"/>
+              <a:rPr lang="en-US"/>
               <a:t>Click to edit Master title style</a:t>
             </a:r>
             <a:endParaRPr lang="en-US" dirty="0"/>
@@ -14248,35 +14197,35 @@
           <a:p>
             <a:pPr lvl="0"/>
             <a:r>
-              <a:rPr lang="en-US" smtClean="0"/>
+              <a:rPr lang="en-US"/>
               <a:t>Click to edit Master text styles</a:t>
             </a:r>
           </a:p>
           <a:p>
             <a:pPr lvl="1"/>
             <a:r>
-              <a:rPr lang="en-US" smtClean="0"/>
+              <a:rPr lang="en-US"/>
               <a:t>Second level</a:t>
             </a:r>
           </a:p>
           <a:p>
             <a:pPr lvl="2"/>
             <a:r>
-              <a:rPr lang="en-US" smtClean="0"/>
+              <a:rPr lang="en-US"/>
               <a:t>Third level</a:t>
             </a:r>
           </a:p>
           <a:p>
             <a:pPr lvl="3"/>
             <a:r>
-              <a:rPr lang="en-US" smtClean="0"/>
+              <a:rPr lang="en-US"/>
               <a:t>Fourth level</a:t>
             </a:r>
           </a:p>
           <a:p>
             <a:pPr lvl="4"/>
             <a:r>
-              <a:rPr lang="en-US" smtClean="0"/>
+              <a:rPr lang="en-US"/>
               <a:t>Fifth level</a:t>
             </a:r>
             <a:endParaRPr lang="en-US" dirty="0"/>
@@ -14350,7 +14299,7 @@
           <a:p>
             <a:pPr lvl="0"/>
             <a:r>
-              <a:rPr lang="en-US" smtClean="0"/>
+              <a:rPr lang="en-US"/>
               <a:t>Click to edit Master text styles</a:t>
             </a:r>
           </a:p>
@@ -14525,7 +14474,7 @@
           </a:lstStyle>
           <a:p>
             <a:r>
-              <a:rPr lang="en-US" smtClean="0"/>
+              <a:rPr lang="en-US"/>
               <a:t>Click to edit Master title style</a:t>
             </a:r>
             <a:endParaRPr lang="en-US" dirty="0"/>
@@ -14597,7 +14546,7 @@
           </a:lstStyle>
           <a:p>
             <a:r>
-              <a:rPr lang="en-US" smtClean="0"/>
+              <a:rPr lang="en-US"/>
               <a:t>Click icon to add picture</a:t>
             </a:r>
             <a:endParaRPr lang="en-US" dirty="0"/>
@@ -14677,7 +14626,7 @@
           <a:p>
             <a:pPr lvl="0"/>
             <a:r>
-              <a:rPr lang="en-US" smtClean="0"/>
+              <a:rPr lang="en-US"/>
               <a:t>Click to edit Master text styles</a:t>
             </a:r>
           </a:p>
@@ -14849,7 +14798,7 @@
           <a:lstStyle/>
           <a:p>
             <a:r>
-              <a:rPr lang="en-US" smtClean="0"/>
+              <a:rPr lang="en-US"/>
               <a:t>Click to edit Master title style</a:t>
             </a:r>
             <a:endParaRPr lang="en-US" dirty="0"/>
@@ -14883,35 +14832,35 @@
           <a:p>
             <a:pPr lvl="0"/>
             <a:r>
-              <a:rPr lang="en-US" smtClean="0"/>
+              <a:rPr lang="en-US"/>
               <a:t>Click to edit Master text styles</a:t>
             </a:r>
           </a:p>
           <a:p>
             <a:pPr lvl="1"/>
             <a:r>
-              <a:rPr lang="en-US" smtClean="0"/>
+              <a:rPr lang="en-US"/>
               <a:t>Second level</a:t>
             </a:r>
           </a:p>
           <a:p>
             <a:pPr lvl="2"/>
             <a:r>
-              <a:rPr lang="en-US" smtClean="0"/>
+              <a:rPr lang="en-US"/>
               <a:t>Third level</a:t>
             </a:r>
           </a:p>
           <a:p>
             <a:pPr lvl="3"/>
             <a:r>
-              <a:rPr lang="en-US" smtClean="0"/>
+              <a:rPr lang="en-US"/>
               <a:t>Fourth level</a:t>
             </a:r>
           </a:p>
           <a:p>
             <a:pPr lvl="4"/>
             <a:r>
-              <a:rPr lang="en-US" smtClean="0"/>
+              <a:rPr lang="en-US"/>
               <a:t>Fifth level</a:t>
             </a:r>
             <a:endParaRPr lang="en-US" dirty="0"/>
@@ -15473,10 +15422,9 @@
               <a:buNone/>
             </a:pPr>
             <a:r>
-              <a:rPr lang="en-US" sz="4000" dirty="0" smtClean="0"/>
+              <a:rPr lang="en-US" sz="4000" dirty="0"/>
               <a:t>BLOCKCHAIN</a:t>
             </a:r>
-            <a:endParaRPr lang="en-US" sz="4000" dirty="0"/>
           </a:p>
         </p:txBody>
       </p:sp>
@@ -15750,7 +15698,7 @@
               <a:buNone/>
             </a:pPr>
             <a:r>
-              <a:rPr lang="en-US" sz="4000" dirty="0" smtClean="0"/>
+              <a:rPr lang="en-US" sz="4000" dirty="0"/>
               <a:t>Nirav Aga</a:t>
             </a:r>
           </a:p>
@@ -15760,7 +15708,7 @@
               <a:buNone/>
             </a:pPr>
             <a:r>
-              <a:rPr lang="en-US" sz="4000" dirty="0" smtClean="0"/>
+              <a:rPr lang="en-US" sz="4000" dirty="0"/>
               <a:t>Praneeta Jhanwar</a:t>
             </a:r>
           </a:p>
@@ -15776,13 +15724,6 @@
   <p:clrMapOvr>
     <a:masterClrMapping/>
   </p:clrMapOvr>
-  <p:timing>
-    <p:tnLst>
-      <p:par>
-        <p:cTn id="1" dur="indefinite" restart="never" nodeType="tmRoot"/>
-      </p:par>
-    </p:tnLst>
-  </p:timing>
 </p:sld>
 </file>
 
@@ -15819,10 +15760,9 @@
           <a:lstStyle/>
           <a:p>
             <a:r>
-              <a:rPr lang="en-US" dirty="0" smtClean="0"/>
+              <a:rPr lang="en-US" dirty="0"/>
               <a:t>Two Basic Distributed Database Architectures</a:t>
             </a:r>
-            <a:endParaRPr lang="en-US" dirty="0"/>
           </a:p>
         </p:txBody>
       </p:sp>
@@ -15852,10 +15792,9 @@
               <a:buNone/>
             </a:pPr>
             <a:r>
-              <a:rPr lang="en-US" sz="2000" b="1" dirty="0" smtClean="0"/>
+              <a:rPr lang="en-US" sz="2000" b="1" dirty="0"/>
               <a:t>Design choices!!</a:t>
             </a:r>
-            <a:endParaRPr lang="en-US" sz="2000" b="1" dirty="0"/>
           </a:p>
         </p:txBody>
       </p:sp>
@@ -16005,10 +15944,9 @@
           <a:lstStyle/>
           <a:p>
             <a:r>
-              <a:rPr lang="en-US" dirty="0" smtClean="0"/>
+              <a:rPr lang="en-US" dirty="0"/>
               <a:t>Features</a:t>
             </a:r>
-            <a:endParaRPr lang="en-US" dirty="0"/>
           </a:p>
         </p:txBody>
       </p:sp>
@@ -16047,13 +15985,6 @@
   <p:clrMapOvr>
     <a:masterClrMapping/>
   </p:clrMapOvr>
-  <p:timing>
-    <p:tnLst>
-      <p:par>
-        <p:cTn id="1" dur="indefinite" restart="never" nodeType="tmRoot"/>
-      </p:par>
-    </p:tnLst>
-  </p:timing>
 </p:sld>
 </file>
 
@@ -16123,13 +16054,8 @@
             <a:pPr lvl="0"/>
             <a:r>
               <a:rPr lang="en-US" dirty="0"/>
-              <a:t>Peer to </a:t>
-            </a:r>
-            <a:r>
-              <a:rPr lang="en-US" dirty="0" smtClean="0"/>
-              <a:t>Peer Distributed Database</a:t>
-            </a:r>
-            <a:endParaRPr lang="en-US" dirty="0"/>
+              <a:t>Peer to Peer Distributed Database</a:t>
+            </a:r>
           </a:p>
         </p:txBody>
       </p:sp>
@@ -16160,15 +16086,7 @@
             </a:pPr>
             <a:r>
               <a:rPr lang="en-US" spc="10" dirty="0"/>
-              <a:t>A network of </a:t>
-            </a:r>
-            <a:r>
-              <a:rPr lang="en-US" spc="10" dirty="0" smtClean="0"/>
-              <a:t>computing </a:t>
-            </a:r>
-            <a:r>
-              <a:rPr lang="en-US" spc="10" dirty="0"/>
-              <a:t>“</a:t>
+              <a:t>A network of computing “</a:t>
             </a:r>
             <a:r>
               <a:rPr lang="en-US" b="1" spc="10" dirty="0"/>
@@ -16176,13 +16094,8 @@
             </a:r>
             <a:r>
               <a:rPr lang="en-US" spc="10" dirty="0"/>
-              <a:t>” make up the blockchain</a:t>
-            </a:r>
-            <a:r>
-              <a:rPr lang="en-US" spc="10" dirty="0" smtClean="0"/>
-              <a:t>.</a:t>
-            </a:r>
-            <a:endParaRPr lang="en-US" spc="10" dirty="0"/>
+              <a:t>” make up the blockchain.</a:t>
+            </a:r>
           </a:p>
           <a:p>
             <a:pPr marL="285750" indent="-285750">
@@ -16190,24 +16103,8 @@
               <a:buChar char="Ø"/>
             </a:pPr>
             <a:r>
-              <a:rPr lang="en-US" spc="10" dirty="0" smtClean="0"/>
-              <a:t>Computer </a:t>
-            </a:r>
-            <a:r>
               <a:rPr lang="en-US" spc="10" dirty="0"/>
-              <a:t>connected to the blockchain network using a client </a:t>
-            </a:r>
-            <a:r>
-              <a:rPr lang="en-US" spc="10" dirty="0" smtClean="0"/>
-              <a:t>gets </a:t>
-            </a:r>
-            <a:r>
-              <a:rPr lang="en-US" spc="10" dirty="0"/>
-              <a:t>a copy of the blockchain, which gets downloaded automatically upon joining the blockchain network</a:t>
-            </a:r>
-            <a:r>
-              <a:rPr lang="en-US" spc="10" dirty="0" smtClean="0"/>
-              <a:t>.</a:t>
+              <a:t>Computer connected to the blockchain network using a client gets a copy of the blockchain, which gets downloaded automatically upon joining the blockchain network.</a:t>
             </a:r>
           </a:p>
           <a:p>
@@ -16216,14 +16113,9 @@
               <a:buChar char="Ø"/>
             </a:pPr>
             <a:r>
-              <a:rPr lang="en-US" spc="10" dirty="0" smtClean="0"/>
-              <a:t>Every </a:t>
-            </a:r>
-            <a:r>
               <a:rPr lang="en-US" spc="10" dirty="0"/>
-              <a:t>node is an “administrator” of the blockchain, and joins the network voluntarily (in this sense, the network is decentralized). </a:t>
-            </a:r>
-            <a:endParaRPr lang="en-US" spc="10" dirty="0" smtClean="0"/>
+              <a:t>Every node is an “administrator” of the blockchain, and joins the network voluntarily (in this sense, the network is decentralized). </a:t>
+            </a:r>
           </a:p>
           <a:p>
             <a:pPr marL="285750" indent="-285750">
@@ -16231,16 +16123,8 @@
               <a:buChar char="Ø"/>
             </a:pPr>
             <a:r>
-              <a:rPr lang="en-US" spc="10" dirty="0" smtClean="0"/>
-              <a:t>Nodes perform the </a:t>
-            </a:r>
-            <a:r>
               <a:rPr lang="en-US" spc="10" dirty="0"/>
-              <a:t>task of validating and relaying </a:t>
-            </a:r>
-            <a:r>
-              <a:rPr lang="en-US" spc="10" dirty="0" smtClean="0"/>
-              <a:t>transactions</a:t>
+              <a:t>Nodes perform the task of validating and relaying transactions</a:t>
             </a:r>
           </a:p>
           <a:p>
@@ -16249,7 +16133,7 @@
               <a:buChar char="Ø"/>
             </a:pPr>
             <a:r>
-              <a:rPr lang="en-US" spc="10" dirty="0" smtClean="0"/>
+              <a:rPr lang="en-US" spc="10" dirty="0"/>
               <a:t>Incentive for participating? </a:t>
             </a:r>
           </a:p>
@@ -16259,20 +16143,8 @@
               <a:buChar char="§"/>
             </a:pPr>
             <a:r>
-              <a:rPr lang="en-US" spc="10" dirty="0" smtClean="0"/>
-              <a:t>the </a:t>
-            </a:r>
-            <a:r>
               <a:rPr lang="en-US" spc="10" dirty="0"/>
-              <a:t>chance of winning </a:t>
-            </a:r>
-            <a:r>
-              <a:rPr lang="en-US" spc="10" dirty="0" smtClean="0"/>
-              <a:t>Bitcoins</a:t>
-            </a:r>
-            <a:r>
-              <a:rPr lang="en-US" spc="10" dirty="0" smtClean="0"/>
-              <a:t>.</a:t>
+              <a:t>the chance of winning Bitcoins.</a:t>
             </a:r>
           </a:p>
           <a:p>
@@ -16281,10 +16153,9 @@
               <a:buChar char="§"/>
             </a:pPr>
             <a:r>
-              <a:rPr lang="en-US" spc="10" dirty="0" smtClean="0"/>
+              <a:rPr lang="en-US" spc="10" dirty="0"/>
               <a:t>Transaction Fees (minimal)</a:t>
             </a:r>
-            <a:endParaRPr lang="en-US" spc="10" dirty="0" smtClean="0"/>
           </a:p>
           <a:p>
             <a:pPr marL="742950" lvl="1" indent="-285750">
@@ -16292,12 +16163,8 @@
               <a:buChar char="§"/>
             </a:pPr>
             <a:r>
-              <a:rPr lang="en-US" spc="10" dirty="0" smtClean="0"/>
-              <a:t>Nodes </a:t>
-            </a:r>
-            <a:r>
               <a:rPr lang="en-US" spc="10" dirty="0"/>
-              <a:t>are said to be “</a:t>
+              <a:t>Nodes are said to be “</a:t>
             </a:r>
             <a:r>
               <a:rPr lang="en-US" b="1" spc="10" dirty="0"/>
@@ -16305,15 +16172,7 @@
             </a:r>
             <a:r>
               <a:rPr lang="en-US" spc="10" dirty="0"/>
-              <a:t>” </a:t>
-            </a:r>
-            <a:r>
-              <a:rPr lang="en-US" spc="10" dirty="0" smtClean="0"/>
-              <a:t>Bitcoin. In </a:t>
-            </a:r>
-            <a:r>
-              <a:rPr lang="en-US" spc="10" dirty="0"/>
-              <a:t>fact, each one is competing to win Bitcoins by solving computational puzzles.</a:t>
+              <a:t>” Bitcoin. In fact, each one is competing to win Bitcoins by solving computational puzzles.</a:t>
             </a:r>
           </a:p>
         </p:txBody>
@@ -16328,13 +16187,6 @@
   <p:clrMapOvr>
     <a:masterClrMapping/>
   </p:clrMapOvr>
-  <p:timing>
-    <p:tnLst>
-      <p:par>
-        <p:cTn id="1" dur="indefinite" restart="never" nodeType="tmRoot"/>
-      </p:par>
-    </p:tnLst>
-  </p:timing>
 </p:sld>
 </file>
 
@@ -16400,24 +16252,8 @@
               <a:buNone/>
             </a:pPr>
             <a:r>
-              <a:rPr lang="en-US" dirty="0" smtClean="0"/>
-              <a:t>A </a:t>
-            </a:r>
-            <a:r>
               <a:rPr lang="en-US" dirty="0"/>
-              <a:t>kind of self-auditing ecosystem of digital value, the network reconciles every transaction that happens in ten minute intervals. </a:t>
-            </a:r>
-            <a:r>
-              <a:rPr lang="en-US" dirty="0" smtClean="0"/>
-              <a:t>Two </a:t>
-            </a:r>
-            <a:r>
-              <a:rPr lang="en-US" dirty="0"/>
-              <a:t>important properties result from this</a:t>
-            </a:r>
-            <a:r>
-              <a:rPr lang="en-US" dirty="0" smtClean="0"/>
-              <a:t>:</a:t>
+              <a:t>A kind of self-auditing ecosystem of digital value, the network reconciles every transaction that happens in ten minute intervals. Two important properties result from this:</a:t>
             </a:r>
           </a:p>
           <a:p>
@@ -16435,24 +16271,12 @@
               <a:rPr lang="en-US" b="1" dirty="0"/>
               <a:t>Transparency</a:t>
             </a:r>
-            <a:r>
-              <a:rPr lang="en-US" dirty="0"/>
-              <a:t/>
-            </a:r>
             <a:br>
               <a:rPr lang="en-US" dirty="0"/>
             </a:br>
             <a:r>
-              <a:rPr lang="en-US" dirty="0" smtClean="0"/>
-              <a:t>Data </a:t>
-            </a:r>
-            <a:r>
               <a:rPr lang="en-US" dirty="0"/>
-              <a:t>is embedded within network as a whole, by definition it is public</a:t>
-            </a:r>
-            <a:r>
-              <a:rPr lang="en-US" dirty="0" smtClean="0"/>
-              <a:t>. Everyone knows about everyone else’s transactions.</a:t>
+              <a:t>Data is embedded within network as a whole, by definition it is public. Everyone knows about everyone else’s transactions.</a:t>
             </a:r>
           </a:p>
           <a:p>
@@ -16471,26 +16295,13 @@
               <a:rPr lang="en-US" b="1" dirty="0"/>
               <a:t>It cannot be corrupted</a:t>
             </a:r>
-            <a:r>
-              <a:rPr lang="en-US" dirty="0"/>
-              <a:t/>
-            </a:r>
             <a:br>
               <a:rPr lang="en-US" dirty="0"/>
             </a:br>
             <a:r>
-              <a:rPr lang="en-US" dirty="0" smtClean="0"/>
-              <a:t>Altering </a:t>
-            </a:r>
-            <a:r>
               <a:rPr lang="en-US" dirty="0"/>
-              <a:t>any unit of information on the blockchain would mean using a huge amount of computing power to override the entire network</a:t>
-            </a:r>
-            <a:r>
-              <a:rPr lang="en-US" dirty="0" smtClean="0"/>
-              <a:t>. Not impossible, but impractical!</a:t>
-            </a:r>
-            <a:endParaRPr lang="en-US" dirty="0"/>
+              <a:t>Altering any unit of information on the blockchain would mean using a huge amount of computing power to override the entire network. Not impossible, but impractical!</a:t>
+            </a:r>
           </a:p>
           <a:p>
             <a:endParaRPr lang="en-US" dirty="0"/>
@@ -16507,13 +16318,6 @@
   <p:clrMapOvr>
     <a:masterClrMapping/>
   </p:clrMapOvr>
-  <p:timing>
-    <p:tnLst>
-      <p:par>
-        <p:cTn id="1" dur="indefinite" restart="never" nodeType="tmRoot"/>
-      </p:par>
-    </p:tnLst>
-  </p:timing>
 </p:sld>
 </file>
 
@@ -16580,7 +16384,7 @@
               <a:buChar char="Ø"/>
             </a:pPr>
             <a:r>
-              <a:rPr lang="en-US" dirty="0" smtClean="0"/>
+              <a:rPr lang="en-US" dirty="0"/>
               <a:t>Deal with anonymous strangers, the system is designed using mathematical functions. And this aspects removes the need for trust.</a:t>
             </a:r>
           </a:p>
@@ -16590,12 +16394,8 @@
               <a:buChar char="Ø"/>
             </a:pPr>
             <a:r>
-              <a:rPr lang="en-US" dirty="0" smtClean="0"/>
-              <a:t>Blockchain </a:t>
-            </a:r>
-            <a:r>
               <a:rPr lang="en-US" dirty="0"/>
-              <a:t>security methods use encryption technology.</a:t>
+              <a:t>Blockchain security methods use encryption technology.</a:t>
             </a:r>
           </a:p>
           <a:p>
@@ -16607,7 +16407,6 @@
               <a:rPr lang="en-US" dirty="0"/>
               <a:t>The basis for this are the so-called public and private “keys”. A “public key” (a long, randomly-generated string of numbers) is a users’ address on the blockchain. Bitcoins sent across the network gets recorded as belonging to that address. The “private key” is like a password that gives its owner access to their Bitcoin or other digital assets. </a:t>
             </a:r>
-            <a:endParaRPr lang="en-US" dirty="0" smtClean="0"/>
           </a:p>
           <a:p>
             <a:pPr>
@@ -16616,15 +16415,7 @@
             </a:pPr>
             <a:r>
               <a:rPr lang="en-US" dirty="0"/>
-              <a:t>P</a:t>
-            </a:r>
-            <a:r>
-              <a:rPr lang="en-US" dirty="0" smtClean="0"/>
-              <a:t>rotecting </a:t>
-            </a:r>
-            <a:r>
-              <a:rPr lang="en-US" dirty="0"/>
-              <a:t>your digital assets will also require safeguarding of your private key by printing it out, creating what’s referred to as a paper wallet.</a:t>
+              <a:t>Protecting your digital assets will also require safeguarding of your private key by printing it out, creating what’s referred to as a paper wallet.</a:t>
             </a:r>
           </a:p>
           <a:p>
@@ -16646,13 +16437,6 @@
   <p:clrMapOvr>
     <a:masterClrMapping/>
   </p:clrMapOvr>
-  <p:timing>
-    <p:tnLst>
-      <p:par>
-        <p:cTn id="1" dur="indefinite" restart="never" nodeType="tmRoot"/>
-      </p:par>
-    </p:tnLst>
-  </p:timing>
 </p:sld>
 </file>
 
@@ -16689,10 +16473,9 @@
           <a:lstStyle/>
           <a:p>
             <a:r>
-              <a:rPr lang="en-US" dirty="0" smtClean="0"/>
+              <a:rPr lang="en-US" dirty="0"/>
               <a:t>Decentralized Consensus</a:t>
             </a:r>
-            <a:endParaRPr lang="en-US" dirty="0"/>
           </a:p>
         </p:txBody>
       </p:sp>
@@ -16991,7 +16774,7 @@
               <a:buFont typeface="Wingdings" panose="05000000000000000000" pitchFamily="2" charset="2"/>
               <a:buChar char="Ø"/>
             </a:pPr>
-            <a:endParaRPr lang="en-US" dirty="0" smtClean="0"/>
+            <a:endParaRPr lang="en-US" dirty="0"/>
           </a:p>
           <a:p>
             <a:pPr>
@@ -17006,7 +16789,7 @@
               <a:buChar char="Ø"/>
             </a:pPr>
             <a:r>
-              <a:rPr lang="en-US" dirty="0" smtClean="0"/>
+              <a:rPr lang="en-US" dirty="0"/>
               <a:t>With the absence of a central authority, it is crucial for all the nodes to be in consensus</a:t>
             </a:r>
           </a:p>
@@ -17016,7 +16799,7 @@
               <a:buChar char="Ø"/>
             </a:pPr>
             <a:r>
-              <a:rPr lang="en-US" dirty="0" smtClean="0"/>
+              <a:rPr lang="en-US" dirty="0"/>
               <a:t>If a transaction is validated by a majority of the nodes in the network, it is considered valid</a:t>
             </a:r>
           </a:p>
@@ -17032,13 +16815,6 @@
   <p:clrMapOvr>
     <a:masterClrMapping/>
   </p:clrMapOvr>
-  <p:timing>
-    <p:tnLst>
-      <p:par>
-        <p:cTn id="1" dur="indefinite" restart="never" nodeType="tmRoot"/>
-      </p:par>
-    </p:tnLst>
-  </p:timing>
 </p:sld>
 </file>
 
@@ -17110,13 +16886,6 @@
   <p:clrMapOvr>
     <a:masterClrMapping/>
   </p:clrMapOvr>
-  <p:timing>
-    <p:tnLst>
-      <p:par>
-        <p:cTn id="1" dur="indefinite" restart="never" nodeType="tmRoot"/>
-      </p:par>
-    </p:tnLst>
-  </p:timing>
 </p:sld>
 </file>
 
@@ -17153,10 +16922,9 @@
           <a:lstStyle/>
           <a:p>
             <a:r>
-              <a:rPr lang="en-US" dirty="0" smtClean="0"/>
+              <a:rPr lang="en-US" dirty="0"/>
               <a:t>Agenda</a:t>
             </a:r>
-            <a:endParaRPr lang="en-US" dirty="0"/>
           </a:p>
         </p:txBody>
       </p:sp>
@@ -17180,7 +16948,7 @@
               <a:buChar char="Ø"/>
             </a:pPr>
             <a:r>
-              <a:rPr lang="en-US" dirty="0" smtClean="0"/>
+              <a:rPr lang="en-US" dirty="0"/>
               <a:t>Introduction</a:t>
             </a:r>
           </a:p>
@@ -17224,7 +16992,7 @@
               <a:buChar char="Ø"/>
             </a:pPr>
             <a:r>
-              <a:rPr lang="en-US" dirty="0" smtClean="0"/>
+              <a:rPr lang="en-US" dirty="0"/>
               <a:t>Strengths/Weaknesses</a:t>
             </a:r>
           </a:p>
@@ -17234,10 +17002,9 @@
               <a:buChar char="Ø"/>
             </a:pPr>
             <a:r>
-              <a:rPr lang="en-US" dirty="0" smtClean="0"/>
+              <a:rPr lang="en-US" dirty="0"/>
               <a:t>Future scope</a:t>
             </a:r>
-            <a:endParaRPr lang="en-US" dirty="0"/>
           </a:p>
         </p:txBody>
       </p:sp>
@@ -17251,13 +17018,6 @@
   <p:clrMapOvr>
     <a:masterClrMapping/>
   </p:clrMapOvr>
-  <p:timing>
-    <p:tnLst>
-      <p:par>
-        <p:cTn id="1" dur="indefinite" restart="never" nodeType="tmRoot"/>
-      </p:par>
-    </p:tnLst>
-  </p:timing>
 </p:sld>
 </file>
 
@@ -17296,7 +17056,7 @@
             <a:pPr marL="0" indent="0">
               <a:buNone/>
             </a:pPr>
-            <a:endParaRPr lang="en-US" dirty="0" smtClean="0"/>
+            <a:endParaRPr lang="en-US" dirty="0"/>
           </a:p>
           <a:p>
             <a:pPr marL="0" indent="0">
@@ -17308,17 +17068,16 @@
             <a:pPr marL="0" indent="0">
               <a:buNone/>
             </a:pPr>
-            <a:endParaRPr lang="en-US" dirty="0" smtClean="0"/>
+            <a:endParaRPr lang="en-US" dirty="0"/>
           </a:p>
           <a:p>
             <a:pPr marL="0" indent="0">
               <a:buNone/>
             </a:pPr>
             <a:r>
-              <a:rPr lang="en-US" sz="2000" dirty="0" smtClean="0"/>
+              <a:rPr lang="en-US" sz="2000" dirty="0"/>
               <a:t>How can a random group of strangers manage each other’s financial transactions?</a:t>
             </a:r>
-            <a:endParaRPr lang="en-US" sz="2000" dirty="0"/>
           </a:p>
         </p:txBody>
       </p:sp>
@@ -17332,13 +17091,6 @@
   <p:clrMapOvr>
     <a:masterClrMapping/>
   </p:clrMapOvr>
-  <p:timing>
-    <p:tnLst>
-      <p:par>
-        <p:cTn id="1" dur="indefinite" restart="never" nodeType="tmRoot"/>
-      </p:par>
-    </p:tnLst>
-  </p:timing>
 </p:sld>
 </file>
 
@@ -17375,10 +17127,9 @@
           <a:lstStyle/>
           <a:p>
             <a:r>
-              <a:rPr lang="en-US" dirty="0" smtClean="0"/>
+              <a:rPr lang="en-US" dirty="0"/>
               <a:t>Sending</a:t>
             </a:r>
-            <a:endParaRPr lang="en-US" dirty="0"/>
           </a:p>
         </p:txBody>
       </p:sp>
@@ -17397,19 +17148,13 @@
           <a:bodyPr/>
           <a:lstStyle/>
           <a:p>
-            <a:endParaRPr lang="en-US" dirty="0" smtClean="0"/>
-          </a:p>
-          <a:p>
             <a:endParaRPr lang="en-US" dirty="0"/>
           </a:p>
           <a:p>
-            <a:endParaRPr lang="en-US" dirty="0" smtClean="0"/>
-          </a:p>
-          <a:p>
-            <a:pPr marL="0" indent="0">
-              <a:buNone/>
-            </a:pPr>
-            <a:endParaRPr lang="en-US" dirty="0" smtClean="0"/>
+            <a:endParaRPr lang="en-US" dirty="0"/>
+          </a:p>
+          <a:p>
+            <a:endParaRPr lang="en-US" dirty="0"/>
           </a:p>
           <a:p>
             <a:pPr marL="0" indent="0">
@@ -17421,11 +17166,16 @@
             <a:pPr marL="0" indent="0">
               <a:buNone/>
             </a:pPr>
-            <a:r>
-              <a:rPr lang="en-US" dirty="0" smtClean="0"/>
+            <a:endParaRPr lang="en-US" dirty="0"/>
+          </a:p>
+          <a:p>
+            <a:pPr marL="0" indent="0">
+              <a:buNone/>
+            </a:pPr>
+            <a:r>
+              <a:rPr lang="en-US" dirty="0"/>
               <a:t>Every node that receives this information, will update their copy of the ledger and pass along the information!</a:t>
             </a:r>
-            <a:endParaRPr lang="en-US" dirty="0"/>
           </a:p>
         </p:txBody>
       </p:sp>
@@ -17457,20 +17207,19 @@
           <a:lstStyle/>
           <a:p>
             <a:r>
-              <a:rPr lang="en-US" dirty="0" smtClean="0"/>
+              <a:rPr lang="en-US" dirty="0"/>
               <a:t>Alice </a:t>
             </a:r>
             <a:r>
-              <a:rPr lang="en-US" dirty="0" smtClean="0">
+              <a:rPr lang="en-US" dirty="0">
                 <a:sym typeface="Wingdings" panose="05000000000000000000" pitchFamily="2" charset="2"/>
               </a:rPr>
               <a:t></a:t>
             </a:r>
             <a:r>
-              <a:rPr lang="en-US" dirty="0" smtClean="0"/>
+              <a:rPr lang="en-US" dirty="0"/>
               <a:t> Bob      5.0 BTC</a:t>
             </a:r>
-            <a:endParaRPr lang="en-US" dirty="0"/>
           </a:p>
         </p:txBody>
       </p:sp>
@@ -17511,10 +17260,9 @@
           <a:p>
             <a:pPr algn="ctr"/>
             <a:r>
-              <a:rPr lang="en-US" dirty="0" smtClean="0"/>
+              <a:rPr lang="en-US" dirty="0"/>
               <a:t>Broadcast transaction to network</a:t>
             </a:r>
-            <a:endParaRPr lang="en-US" dirty="0"/>
           </a:p>
         </p:txBody>
       </p:sp>
@@ -17542,7 +17290,7 @@
           <a:p>
             <a:pPr algn="ctr"/>
             <a:r>
-              <a:rPr lang="en-US" dirty="0" smtClean="0">
+              <a:rPr lang="en-US" dirty="0">
                 <a:solidFill>
                   <a:srgbClr val="FF0000"/>
                 </a:solidFill>
@@ -17553,18 +17301,13 @@
           <a:p>
             <a:pPr algn="ctr"/>
             <a:r>
-              <a:rPr lang="en-US" dirty="0" smtClean="0">
+              <a:rPr lang="en-US" dirty="0">
                 <a:solidFill>
                   <a:srgbClr val="FF0000"/>
                 </a:solidFill>
               </a:rPr>
               <a:t>Alice should be Alice!</a:t>
             </a:r>
-            <a:endParaRPr lang="en-US" dirty="0">
-              <a:solidFill>
-                <a:srgbClr val="FF0000"/>
-              </a:solidFill>
-            </a:endParaRPr>
           </a:p>
         </p:txBody>
       </p:sp>
@@ -17692,10 +17435,9 @@
           <a:lstStyle/>
           <a:p>
             <a:r>
-              <a:rPr lang="en-US" dirty="0" smtClean="0"/>
+              <a:rPr lang="en-US" dirty="0"/>
               <a:t>Agenda</a:t>
             </a:r>
-            <a:endParaRPr lang="en-US" dirty="0"/>
           </a:p>
         </p:txBody>
       </p:sp>
@@ -17719,7 +17461,7 @@
               <a:buChar char="Ø"/>
             </a:pPr>
             <a:r>
-              <a:rPr lang="en-US" dirty="0" smtClean="0"/>
+              <a:rPr lang="en-US" dirty="0"/>
               <a:t>Introduction</a:t>
             </a:r>
           </a:p>
@@ -17729,7 +17471,7 @@
               <a:buChar char="Ø"/>
             </a:pPr>
             <a:r>
-              <a:rPr lang="en-US" dirty="0" smtClean="0"/>
+              <a:rPr lang="en-US" dirty="0"/>
               <a:t>Motivation</a:t>
             </a:r>
           </a:p>
@@ -17739,7 +17481,7 @@
               <a:buChar char="Ø"/>
             </a:pPr>
             <a:r>
-              <a:rPr lang="en-US" dirty="0" smtClean="0"/>
+              <a:rPr lang="en-US" dirty="0"/>
               <a:t>Technical Overview</a:t>
             </a:r>
           </a:p>
@@ -17749,7 +17491,7 @@
               <a:buChar char="Ø"/>
             </a:pPr>
             <a:r>
-              <a:rPr lang="en-US" dirty="0" smtClean="0"/>
+              <a:rPr lang="en-US" dirty="0"/>
               <a:t>How does it work?</a:t>
             </a:r>
           </a:p>
@@ -17759,7 +17501,7 @@
               <a:buChar char="Ø"/>
             </a:pPr>
             <a:r>
-              <a:rPr lang="en-US" dirty="0" smtClean="0"/>
+              <a:rPr lang="en-US" dirty="0"/>
               <a:t>Strengths/Weaknesses</a:t>
             </a:r>
           </a:p>
@@ -17769,10 +17511,9 @@
               <a:buChar char="Ø"/>
             </a:pPr>
             <a:r>
-              <a:rPr lang="en-US" dirty="0" smtClean="0"/>
+              <a:rPr lang="en-US" dirty="0"/>
               <a:t>Future scope</a:t>
             </a:r>
-            <a:endParaRPr lang="en-US" dirty="0"/>
           </a:p>
         </p:txBody>
       </p:sp>
@@ -17786,13 +17527,6 @@
   <p:clrMapOvr>
     <a:masterClrMapping/>
   </p:clrMapOvr>
-  <p:timing>
-    <p:tnLst>
-      <p:par>
-        <p:cTn id="1" dur="indefinite" restart="never" nodeType="tmRoot"/>
-      </p:par>
-    </p:tnLst>
-  </p:timing>
 </p:sld>
 </file>
 
@@ -17829,10 +17563,9 @@
           <a:lstStyle/>
           <a:p>
             <a:r>
-              <a:rPr lang="en-US" dirty="0" smtClean="0"/>
+              <a:rPr lang="en-US" dirty="0"/>
               <a:t>Authentication</a:t>
             </a:r>
-            <a:endParaRPr lang="en-US" dirty="0"/>
           </a:p>
         </p:txBody>
       </p:sp>
@@ -17860,14 +17593,14 @@
               <a:buFont typeface="Wingdings" panose="05000000000000000000" pitchFamily="2" charset="2"/>
               <a:buChar char="Ø"/>
             </a:pPr>
-            <a:endParaRPr lang="en-US" dirty="0" smtClean="0"/>
+            <a:endParaRPr lang="en-US" dirty="0"/>
           </a:p>
           <a:p>
             <a:pPr>
               <a:buFont typeface="Wingdings" panose="05000000000000000000" pitchFamily="2" charset="2"/>
               <a:buChar char="Ø"/>
             </a:pPr>
-            <a:endParaRPr lang="en-US" smtClean="0"/>
+            <a:endParaRPr lang="en-US"/>
           </a:p>
           <a:p>
             <a:pPr>
@@ -17875,11 +17608,11 @@
               <a:buChar char="Ø"/>
             </a:pPr>
             <a:r>
-              <a:rPr lang="en-US" smtClean="0"/>
+              <a:rPr lang="en-US"/>
               <a:t>Need </a:t>
             </a:r>
             <a:r>
-              <a:rPr lang="en-US" dirty="0" smtClean="0"/>
+              <a:rPr lang="en-US" dirty="0"/>
               <a:t>password to unlock and send funds</a:t>
             </a:r>
           </a:p>
@@ -17889,7 +17622,7 @@
               <a:buChar char="Ø"/>
             </a:pPr>
             <a:r>
-              <a:rPr lang="en-US" b="1" i="1" dirty="0" smtClean="0">
+              <a:rPr lang="en-US" b="1" i="1" dirty="0">
                 <a:solidFill>
                   <a:srgbClr val="0070C0"/>
                 </a:solidFill>
@@ -17903,7 +17636,7 @@
               <a:buChar char="Ø"/>
             </a:pPr>
             <a:r>
-              <a:rPr lang="en-US" dirty="0" smtClean="0"/>
+              <a:rPr lang="en-US" dirty="0"/>
               <a:t>Digital Signatures created by using sender’s private key and transaction, and thus every transaction has a different signature</a:t>
             </a:r>
           </a:p>
@@ -17913,10 +17646,9 @@
               <a:buChar char="Ø"/>
             </a:pPr>
             <a:r>
-              <a:rPr lang="en-US" dirty="0" smtClean="0"/>
+              <a:rPr lang="en-US" dirty="0"/>
               <a:t>This also prevents any modification of messages in the network. Because, if the message is modified, the digital signature will become invalid.</a:t>
             </a:r>
-            <a:endParaRPr lang="en-US" dirty="0"/>
           </a:p>
         </p:txBody>
       </p:sp>
@@ -17954,13 +17686,6 @@
   <p:clrMapOvr>
     <a:masterClrMapping/>
   </p:clrMapOvr>
-  <p:timing>
-    <p:tnLst>
-      <p:par>
-        <p:cTn id="1" dur="indefinite" restart="never" nodeType="tmRoot"/>
-      </p:par>
-    </p:tnLst>
-  </p:timing>
 </p:sld>
 </file>
 
@@ -17997,10 +17722,9 @@
           <a:lstStyle/>
           <a:p>
             <a:r>
-              <a:rPr lang="en-US" dirty="0" smtClean="0"/>
+              <a:rPr lang="en-US" dirty="0"/>
               <a:t>Digital Signatures</a:t>
             </a:r>
-            <a:endParaRPr lang="en-US" dirty="0"/>
           </a:p>
         </p:txBody>
       </p:sp>
@@ -18053,7 +17777,7 @@
           <a:lstStyle/>
           <a:p>
             <a:r>
-              <a:rPr lang="en-US" sz="1600" dirty="0" smtClean="0">
+              <a:rPr lang="en-US" sz="1600" dirty="0">
                 <a:solidFill>
                   <a:schemeClr val="accent3">
                     <a:lumMod val="75000"/>
@@ -18065,7 +17789,7 @@
           </a:p>
           <a:p>
             <a:r>
-              <a:rPr lang="en-US" sz="1600" dirty="0" smtClean="0">
+              <a:rPr lang="en-US" sz="1600" dirty="0">
                 <a:solidFill>
                   <a:schemeClr val="accent3">
                     <a:lumMod val="75000"/>
@@ -18074,13 +17798,6 @@
               </a:rPr>
               <a:t>True password.</a:t>
             </a:r>
-            <a:endParaRPr lang="en-US" sz="1600" dirty="0">
-              <a:solidFill>
-                <a:schemeClr val="accent3">
-                  <a:lumMod val="75000"/>
-                </a:schemeClr>
-              </a:solidFill>
-            </a:endParaRPr>
           </a:p>
         </p:txBody>
       </p:sp>
@@ -18107,7 +17824,7 @@
           <a:lstStyle/>
           <a:p>
             <a:r>
-              <a:rPr lang="en-US" sz="1600" dirty="0" smtClean="0">
+              <a:rPr lang="en-US" sz="1600" dirty="0">
                 <a:solidFill>
                   <a:schemeClr val="accent3">
                     <a:lumMod val="75000"/>
@@ -18116,13 +17833,6 @@
               </a:rPr>
               <a:t>Verifiers use public key to authenticate.</a:t>
             </a:r>
-            <a:endParaRPr lang="en-US" sz="1600" dirty="0">
-              <a:solidFill>
-                <a:schemeClr val="accent3">
-                  <a:lumMod val="75000"/>
-                </a:schemeClr>
-              </a:solidFill>
-            </a:endParaRPr>
           </a:p>
         </p:txBody>
       </p:sp>
@@ -18149,7 +17859,7 @@
           <a:lstStyle/>
           <a:p>
             <a:r>
-              <a:rPr lang="en-US" sz="1600" dirty="0" smtClean="0">
+              <a:rPr lang="en-US" sz="1600" dirty="0">
                 <a:solidFill>
                   <a:schemeClr val="accent3">
                     <a:lumMod val="75000"/>
@@ -18158,13 +17868,6 @@
               </a:rPr>
               <a:t>Intermediary that proves the sender has a password without revealing the actual password</a:t>
             </a:r>
-            <a:endParaRPr lang="en-US" sz="1600" dirty="0">
-              <a:solidFill>
-                <a:schemeClr val="accent3">
-                  <a:lumMod val="75000"/>
-                </a:schemeClr>
-              </a:solidFill>
-            </a:endParaRPr>
           </a:p>
         </p:txBody>
       </p:sp>
@@ -18295,13 +17998,6 @@
   <p:clrMapOvr>
     <a:masterClrMapping/>
   </p:clrMapOvr>
-  <p:timing>
-    <p:tnLst>
-      <p:par>
-        <p:cTn id="1" dur="indefinite" restart="never" nodeType="tmRoot"/>
-      </p:par>
-    </p:tnLst>
-  </p:timing>
 </p:sld>
 </file>
 
@@ -18345,7 +18041,7 @@
             <a:pPr marL="0" indent="0">
               <a:buNone/>
             </a:pPr>
-            <a:endParaRPr lang="en-US" dirty="0" smtClean="0"/>
+            <a:endParaRPr lang="en-US" dirty="0"/>
           </a:p>
           <a:p>
             <a:pPr marL="0" indent="0">
@@ -18357,17 +18053,16 @@
             <a:pPr marL="0" indent="0">
               <a:buNone/>
             </a:pPr>
-            <a:endParaRPr lang="en-US" dirty="0" smtClean="0"/>
+            <a:endParaRPr lang="en-US" dirty="0"/>
           </a:p>
           <a:p>
             <a:pPr marL="0" indent="0">
               <a:buNone/>
             </a:pPr>
             <a:r>
-              <a:rPr lang="en-US" sz="2000" dirty="0" smtClean="0"/>
+              <a:rPr lang="en-US" sz="2000" dirty="0"/>
               <a:t>How do you know how much account balance a user has?</a:t>
             </a:r>
-            <a:endParaRPr lang="en-US" sz="2000" dirty="0"/>
           </a:p>
         </p:txBody>
       </p:sp>
@@ -18381,13 +18076,6 @@
   <p:clrMapOvr>
     <a:masterClrMapping/>
   </p:clrMapOvr>
-  <p:timing>
-    <p:tnLst>
-      <p:par>
-        <p:cTn id="1" dur="indefinite" restart="never" nodeType="tmRoot"/>
-      </p:par>
-    </p:tnLst>
-  </p:timing>
 </p:sld>
 </file>
 
@@ -18424,10 +18112,9 @@
           <a:lstStyle/>
           <a:p>
             <a:r>
-              <a:rPr lang="en-US" dirty="0" smtClean="0"/>
+              <a:rPr lang="en-US" dirty="0"/>
               <a:t>Account Balances?</a:t>
             </a:r>
-            <a:endParaRPr lang="en-US" dirty="0"/>
           </a:p>
         </p:txBody>
       </p:sp>
@@ -18530,7 +18217,7 @@
           <a:lstStyle/>
           <a:p>
             <a:r>
-              <a:rPr lang="en-US" dirty="0" smtClean="0"/>
+              <a:rPr lang="en-US" dirty="0"/>
               <a:t>Ledgers store only transactions!!</a:t>
             </a:r>
           </a:p>
@@ -18539,7 +18226,7 @@
           </a:p>
           <a:p>
             <a:r>
-              <a:rPr lang="en-US" dirty="0" smtClean="0"/>
+              <a:rPr lang="en-US" dirty="0"/>
               <a:t>Ownership of funds are verified using links to previous transactions!!</a:t>
             </a:r>
           </a:p>
@@ -18735,13 +18422,6 @@
   <p:clrMapOvr>
     <a:masterClrMapping/>
   </p:clrMapOvr>
-  <p:timing>
-    <p:tnLst>
-      <p:par>
-        <p:cTn id="1" dur="indefinite" restart="never" nodeType="tmRoot"/>
-      </p:par>
-    </p:tnLst>
-  </p:timing>
 </p:sld>
 </file>
 
@@ -18834,13 +18514,6 @@
   <p:clrMapOvr>
     <a:masterClrMapping/>
   </p:clrMapOvr>
-  <p:timing>
-    <p:tnLst>
-      <p:par>
-        <p:cTn id="1" dur="indefinite" restart="never" nodeType="tmRoot"/>
-      </p:par>
-    </p:tnLst>
-  </p:timing>
 </p:sld>
 </file>
 
@@ -18912,7 +18585,7 @@
               <a:buChar char="Ø"/>
             </a:pPr>
             <a:r>
-              <a:rPr lang="en-US" dirty="0" smtClean="0"/>
+              <a:rPr lang="en-US" dirty="0"/>
               <a:t>Validity of  each transaction depends on the validity of previous one!</a:t>
             </a:r>
           </a:p>
@@ -18923,21 +18596,16 @@
             </a:pPr>
             <a:r>
               <a:rPr lang="en-US" dirty="0"/>
-              <a:t>The first time you install a Bitcoin Wallet Software, it downloads any transaction ever made and it checks each one’s validity all the way back to the very first transaction</a:t>
-            </a:r>
-            <a:r>
-              <a:rPr lang="en-US" dirty="0" smtClean="0"/>
-              <a:t>! (Can take </a:t>
-            </a:r>
-            <a:r>
-              <a:rPr lang="en-US" dirty="0" err="1" smtClean="0"/>
-              <a:t>upto</a:t>
-            </a:r>
-            <a:r>
-              <a:rPr lang="en-US" dirty="0" smtClean="0"/>
-              <a:t> 24 hours, but only needs to be done once!)</a:t>
-            </a:r>
-            <a:endParaRPr lang="en-US" dirty="0"/>
+              <a:t>The first time you install a Bitcoin Wallet Software, it downloads any transaction ever made and it checks each one’s validity all the way back to the very first transaction! (Can </a:t>
+            </a:r>
+            <a:r>
+              <a:rPr lang="en-US"/>
+              <a:t>take up to </a:t>
+            </a:r>
+            <a:r>
+              <a:rPr lang="en-US" dirty="0"/>
+              <a:t>24 hours, but only needs to be done once!)</a:t>
+            </a:r>
           </a:p>
         </p:txBody>
       </p:sp>
@@ -18951,13 +18619,6 @@
   <p:clrMapOvr>
     <a:masterClrMapping/>
   </p:clrMapOvr>
-  <p:timing>
-    <p:tnLst>
-      <p:par>
-        <p:cTn id="1" dur="indefinite" restart="never" nodeType="tmRoot"/>
-      </p:par>
-    </p:tnLst>
-  </p:timing>
 </p:sld>
 </file>
 
@@ -18994,10 +18655,9 @@
           <a:lstStyle/>
           <a:p>
             <a:r>
-              <a:rPr lang="en-US" dirty="0" smtClean="0"/>
+              <a:rPr lang="en-US" dirty="0"/>
               <a:t>Transaction Verification</a:t>
             </a:r>
-            <a:endParaRPr lang="en-US" dirty="0"/>
           </a:p>
         </p:txBody>
       </p:sp>
@@ -19058,7 +18718,7 @@
           <a:lstStyle/>
           <a:p>
             <a:r>
-              <a:rPr lang="en-US" b="1" i="1" dirty="0" smtClean="0">
+              <a:rPr lang="en-US" b="1" i="1" dirty="0">
                 <a:solidFill>
                   <a:schemeClr val="accent3">
                     <a:lumMod val="75000"/>
@@ -19073,7 +18733,7 @@
               <a:buAutoNum type="arabicPeriod"/>
             </a:pPr>
             <a:r>
-              <a:rPr lang="en-US" b="1" i="1" dirty="0" smtClean="0">
+              <a:rPr lang="en-US" b="1" i="1" dirty="0">
                 <a:solidFill>
                   <a:schemeClr val="accent3">
                     <a:lumMod val="75000"/>
@@ -19088,7 +18748,7 @@
               <a:buAutoNum type="arabicPeriod"/>
             </a:pPr>
             <a:r>
-              <a:rPr lang="en-US" b="1" i="1" dirty="0" smtClean="0">
+              <a:rPr lang="en-US" b="1" i="1" dirty="0">
                 <a:solidFill>
                   <a:schemeClr val="accent3">
                     <a:lumMod val="75000"/>
@@ -19103,7 +18763,7 @@
               <a:buAutoNum type="arabicPeriod"/>
             </a:pPr>
             <a:r>
-              <a:rPr lang="en-US" b="1" i="1" dirty="0" smtClean="0">
+              <a:rPr lang="en-US" b="1" i="1" dirty="0">
                 <a:solidFill>
                   <a:schemeClr val="accent3">
                     <a:lumMod val="75000"/>
@@ -19112,13 +18772,6 @@
               </a:rPr>
               <a:t>Inputs unspent</a:t>
             </a:r>
-            <a:endParaRPr lang="en-US" b="1" i="1" dirty="0">
-              <a:solidFill>
-                <a:schemeClr val="accent3">
-                  <a:lumMod val="75000"/>
-                </a:schemeClr>
-              </a:solidFill>
-            </a:endParaRPr>
           </a:p>
         </p:txBody>
       </p:sp>
@@ -19172,13 +18825,6 @@
   <p:clrMapOvr>
     <a:masterClrMapping/>
   </p:clrMapOvr>
-  <p:timing>
-    <p:tnLst>
-      <p:par>
-        <p:cTn id="1" dur="indefinite" restart="never" nodeType="tmRoot"/>
-      </p:par>
-    </p:tnLst>
-  </p:timing>
 </p:sld>
 </file>
 
@@ -19215,10 +18861,9 @@
           <a:lstStyle/>
           <a:p>
             <a:r>
-              <a:rPr lang="en-US" dirty="0" smtClean="0"/>
+              <a:rPr lang="en-US" dirty="0"/>
               <a:t>Security Hole: Transaction Ordering</a:t>
             </a:r>
-            <a:endParaRPr lang="en-US" dirty="0"/>
           </a:p>
         </p:txBody>
       </p:sp>
@@ -19260,20 +18905,12 @@
           <a:p>
             <a:pPr algn="ctr"/>
             <a:r>
-              <a:rPr lang="en-US" dirty="0" smtClean="0">
-                <a:solidFill>
-                  <a:schemeClr val="tx1"/>
-                </a:solidFill>
-              </a:rPr>
-              <a:t>Order </a:t>
-            </a:r>
-            <a:r>
               <a:rPr lang="en-US" dirty="0">
                 <a:solidFill>
                   <a:schemeClr val="tx1"/>
                 </a:solidFill>
               </a:rPr>
-              <a:t>in which transactions arrive at a node </a:t>
+              <a:t>Order in which transactions arrive at a node </a:t>
             </a:r>
           </a:p>
         </p:txBody>
@@ -19316,20 +18953,12 @@
           <a:p>
             <a:pPr algn="ctr"/>
             <a:r>
-              <a:rPr lang="en-US" dirty="0" smtClean="0">
-                <a:solidFill>
-                  <a:schemeClr val="tx1"/>
-                </a:solidFill>
-              </a:rPr>
-              <a:t>Order </a:t>
-            </a:r>
-            <a:r>
               <a:rPr lang="en-US" dirty="0">
                 <a:solidFill>
                   <a:schemeClr val="tx1"/>
                 </a:solidFill>
               </a:rPr>
-              <a:t>in which transactions were created</a:t>
+              <a:t>Order in which transactions were created</a:t>
             </a:r>
           </a:p>
         </p:txBody>
@@ -19416,18 +19045,13 @@
           <a:p>
             <a:pPr algn="ctr"/>
             <a:r>
-              <a:rPr lang="en-US" dirty="0" smtClean="0">
+              <a:rPr lang="en-US" dirty="0">
                 <a:solidFill>
                   <a:schemeClr val="tx1"/>
                 </a:solidFill>
               </a:rPr>
               <a:t>1.</a:t>
             </a:r>
-            <a:endParaRPr lang="en-US" dirty="0">
-              <a:solidFill>
-                <a:schemeClr val="tx1"/>
-              </a:solidFill>
-            </a:endParaRPr>
           </a:p>
         </p:txBody>
       </p:sp>
@@ -19474,21 +19098,8 @@
                   <a:schemeClr val="tx1"/>
                 </a:solidFill>
               </a:rPr>
-              <a:t>2</a:t>
-            </a:r>
-            <a:r>
-              <a:rPr lang="en-US" dirty="0" smtClean="0">
-                <a:solidFill>
-                  <a:schemeClr val="tx1"/>
-                </a:solidFill>
-              </a:rPr>
-              <a:t>.</a:t>
-            </a:r>
-            <a:endParaRPr lang="en-US" dirty="0">
-              <a:solidFill>
-                <a:schemeClr val="tx1"/>
-              </a:solidFill>
-            </a:endParaRPr>
+              <a:t>2.</a:t>
+            </a:r>
           </a:p>
         </p:txBody>
       </p:sp>
@@ -19624,18 +19235,13 @@
           <a:p>
             <a:pPr algn="ctr"/>
             <a:r>
-              <a:rPr lang="en-US" dirty="0" smtClean="0">
+              <a:rPr lang="en-US" dirty="0">
                 <a:solidFill>
                   <a:srgbClr val="FF0000"/>
                 </a:solidFill>
               </a:rPr>
               <a:t>Double Spending Fraud</a:t>
             </a:r>
-            <a:endParaRPr lang="en-US" dirty="0">
-              <a:solidFill>
-                <a:srgbClr val="FF0000"/>
-              </a:solidFill>
-            </a:endParaRPr>
           </a:p>
         </p:txBody>
       </p:sp>
@@ -19815,10 +19421,9 @@
           <a:lstStyle/>
           <a:p>
             <a:r>
-              <a:rPr lang="en-US" dirty="0" smtClean="0"/>
+              <a:rPr lang="en-US" dirty="0"/>
               <a:t>Double Spending Fraud</a:t>
             </a:r>
-            <a:endParaRPr lang="en-US" dirty="0"/>
           </a:p>
         </p:txBody>
       </p:sp>
@@ -19879,7 +19484,7 @@
           <a:lstStyle/>
           <a:p>
             <a:r>
-              <a:rPr lang="en-US" i="1" dirty="0" smtClean="0"/>
+              <a:rPr lang="en-US" i="1" dirty="0"/>
               <a:t>If the second transaction is received first, (by when if Bob would have already shipped the product) then first transaction would be invalidated.</a:t>
             </a:r>
           </a:p>
@@ -19888,10 +19493,9 @@
           </a:p>
           <a:p>
             <a:r>
-              <a:rPr lang="en-US" i="1" dirty="0" smtClean="0"/>
+              <a:rPr lang="en-US" i="1" dirty="0"/>
               <a:t>Bob would be out of the product as well as would not receive the payment</a:t>
             </a:r>
-            <a:endParaRPr lang="en-US" i="1" dirty="0"/>
           </a:p>
         </p:txBody>
       </p:sp>
@@ -20046,10 +19650,9 @@
           <a:lstStyle/>
           <a:p>
             <a:r>
-              <a:rPr lang="en-US" dirty="0" smtClean="0"/>
+              <a:rPr lang="en-US" dirty="0"/>
               <a:t>Agenda</a:t>
             </a:r>
-            <a:endParaRPr lang="en-US" dirty="0"/>
           </a:p>
         </p:txBody>
       </p:sp>
@@ -20073,7 +19676,7 @@
               <a:buChar char="Ø"/>
             </a:pPr>
             <a:r>
-              <a:rPr lang="en-US" dirty="0" smtClean="0">
+              <a:rPr lang="en-US" dirty="0">
                 <a:solidFill>
                   <a:srgbClr val="FF0000"/>
                 </a:solidFill>
@@ -20087,7 +19690,7 @@
               <a:buChar char="Ø"/>
             </a:pPr>
             <a:r>
-              <a:rPr lang="en-US" dirty="0" smtClean="0"/>
+              <a:rPr lang="en-US" dirty="0"/>
               <a:t>Motivation</a:t>
             </a:r>
           </a:p>
@@ -20097,7 +19700,7 @@
               <a:buChar char="Ø"/>
             </a:pPr>
             <a:r>
-              <a:rPr lang="en-US" dirty="0" smtClean="0"/>
+              <a:rPr lang="en-US" dirty="0"/>
               <a:t>Technical Overview</a:t>
             </a:r>
           </a:p>
@@ -20117,7 +19720,7 @@
               <a:buChar char="Ø"/>
             </a:pPr>
             <a:r>
-              <a:rPr lang="en-US" dirty="0" smtClean="0"/>
+              <a:rPr lang="en-US" dirty="0"/>
               <a:t>Strengths/Weaknesses</a:t>
             </a:r>
           </a:p>
@@ -20127,10 +19730,9 @@
               <a:buChar char="Ø"/>
             </a:pPr>
             <a:r>
-              <a:rPr lang="en-US" dirty="0" smtClean="0"/>
+              <a:rPr lang="en-US" dirty="0"/>
               <a:t>Future scope</a:t>
             </a:r>
-            <a:endParaRPr lang="en-US" dirty="0"/>
           </a:p>
         </p:txBody>
       </p:sp>
@@ -20144,13 +19746,6 @@
   <p:clrMapOvr>
     <a:masterClrMapping/>
   </p:clrMapOvr>
-  <p:timing>
-    <p:tnLst>
-      <p:par>
-        <p:cTn id="1" dur="indefinite" restart="never" nodeType="tmRoot"/>
-      </p:par>
-    </p:tnLst>
-  </p:timing>
 </p:sld>
 </file>
 
@@ -20194,7 +19789,7 @@
             <a:pPr marL="0" indent="0">
               <a:buNone/>
             </a:pPr>
-            <a:endParaRPr lang="en-US" dirty="0" smtClean="0"/>
+            <a:endParaRPr lang="en-US" dirty="0"/>
           </a:p>
           <a:p>
             <a:pPr marL="0" indent="0">
@@ -20206,17 +19801,16 @@
             <a:pPr marL="0" indent="0">
               <a:buNone/>
             </a:pPr>
-            <a:endParaRPr lang="en-US" dirty="0" smtClean="0"/>
+            <a:endParaRPr lang="en-US" dirty="0"/>
           </a:p>
           <a:p>
             <a:pPr marL="0" indent="0">
               <a:buNone/>
             </a:pPr>
             <a:r>
-              <a:rPr lang="en-US" sz="2800" b="1" dirty="0" smtClean="0"/>
+              <a:rPr lang="en-US" sz="2800" b="1" dirty="0"/>
               <a:t>Nodes need to agree on transaction order!</a:t>
             </a:r>
-            <a:endParaRPr lang="en-US" sz="2800" b="1" dirty="0"/>
           </a:p>
         </p:txBody>
       </p:sp>
@@ -20230,13 +19824,6 @@
   <p:clrMapOvr>
     <a:masterClrMapping/>
   </p:clrMapOvr>
-  <p:timing>
-    <p:tnLst>
-      <p:par>
-        <p:cTn id="1" dur="indefinite" restart="never" nodeType="tmRoot"/>
-      </p:par>
-    </p:tnLst>
-  </p:timing>
 </p:sld>
 </file>
 
@@ -20273,10 +19860,9 @@
           <a:lstStyle/>
           <a:p>
             <a:r>
-              <a:rPr lang="en-US" dirty="0" smtClean="0"/>
+              <a:rPr lang="en-US" dirty="0"/>
               <a:t>Ordering Solution</a:t>
             </a:r>
-            <a:endParaRPr lang="en-US" dirty="0"/>
           </a:p>
         </p:txBody>
       </p:sp>
@@ -20312,7 +19898,7 @@
               <a:buChar char="Ø"/>
             </a:pPr>
             <a:r>
-              <a:rPr lang="en-US" dirty="0" smtClean="0"/>
+              <a:rPr lang="en-US" dirty="0"/>
               <a:t>Transaction are grouped together as blocks!</a:t>
             </a:r>
           </a:p>
@@ -20322,7 +19908,7 @@
               <a:buChar char="§"/>
             </a:pPr>
             <a:r>
-              <a:rPr lang="en-US" dirty="0" smtClean="0"/>
+              <a:rPr lang="en-US" dirty="0"/>
               <a:t>Transactions in the same block are considered to have happened at the same time</a:t>
             </a:r>
           </a:p>
@@ -20332,7 +19918,7 @@
               <a:buChar char="Ø"/>
             </a:pPr>
             <a:r>
-              <a:rPr lang="en-US" dirty="0" smtClean="0"/>
+              <a:rPr lang="en-US" dirty="0"/>
               <a:t>Each block also has a reference to the previous block. </a:t>
             </a:r>
           </a:p>
@@ -20342,7 +19928,7 @@
               <a:buChar char="§"/>
             </a:pPr>
             <a:r>
-              <a:rPr lang="en-US" dirty="0" smtClean="0"/>
+              <a:rPr lang="en-US" dirty="0"/>
               <a:t>This is how order is maintained historically</a:t>
             </a:r>
           </a:p>
@@ -20409,13 +19995,6 @@
   <p:clrMapOvr>
     <a:masterClrMapping/>
   </p:clrMapOvr>
-  <p:timing>
-    <p:tnLst>
-      <p:par>
-        <p:cTn id="1" dur="indefinite" restart="never" nodeType="tmRoot"/>
-      </p:par>
-    </p:tnLst>
-  </p:timing>
 </p:sld>
 </file>
 
@@ -20452,10 +20031,9 @@
           <a:lstStyle/>
           <a:p>
             <a:r>
-              <a:rPr lang="en-US" dirty="0" smtClean="0"/>
+              <a:rPr lang="en-US" dirty="0"/>
               <a:t>Block Creation (1/2)</a:t>
             </a:r>
-            <a:endParaRPr lang="en-US" dirty="0"/>
           </a:p>
         </p:txBody>
       </p:sp>
@@ -20518,10 +20096,9 @@
           <a:lstStyle/>
           <a:p>
             <a:r>
-              <a:rPr lang="en-US" i="1" dirty="0" smtClean="0"/>
+              <a:rPr lang="en-US" i="1" dirty="0"/>
               <a:t>Any node can collect a set of unconfirmed transactions into a block and broadcast it to the network as a suggestion for what the next block in the chain could be.</a:t>
             </a:r>
-            <a:endParaRPr lang="en-US" i="1" dirty="0"/>
           </a:p>
         </p:txBody>
       </p:sp>
@@ -20535,13 +20112,6 @@
   <p:clrMapOvr>
     <a:masterClrMapping/>
   </p:clrMapOvr>
-  <p:timing>
-    <p:tnLst>
-      <p:par>
-        <p:cTn id="1" dur="indefinite" restart="never" nodeType="tmRoot"/>
-      </p:par>
-    </p:tnLst>
-  </p:timing>
 </p:sld>
 </file>
 
@@ -20578,10 +20148,9 @@
           <a:lstStyle/>
           <a:p>
             <a:r>
-              <a:rPr lang="en-US" dirty="0" smtClean="0"/>
+              <a:rPr lang="en-US" dirty="0"/>
               <a:t>Block Creation (2/2)</a:t>
             </a:r>
-            <a:endParaRPr lang="en-US" dirty="0"/>
           </a:p>
         </p:txBody>
       </p:sp>
@@ -20613,7 +20182,7 @@
           <a:lstStyle/>
           <a:p>
             <a:r>
-              <a:rPr lang="en-US" i="1" dirty="0" smtClean="0"/>
+              <a:rPr lang="en-US" i="1" dirty="0"/>
               <a:t>How to decide which one of the potential next blocks to chose from?</a:t>
             </a:r>
           </a:p>
@@ -20622,10 +20191,9 @@
           </a:p>
           <a:p>
             <a:r>
-              <a:rPr lang="en-US" i="1" dirty="0" smtClean="0"/>
+              <a:rPr lang="en-US" i="1" dirty="0"/>
               <a:t>Cannot rely on the order in which the blocks arrive.</a:t>
             </a:r>
-            <a:endParaRPr lang="en-US" i="1" dirty="0"/>
           </a:p>
         </p:txBody>
       </p:sp>
@@ -20782,10 +20350,9 @@
           <a:lstStyle/>
           <a:p>
             <a:r>
-              <a:rPr lang="en-US" dirty="0" smtClean="0"/>
+              <a:rPr lang="en-US" dirty="0"/>
               <a:t>Block Puzzle</a:t>
             </a:r>
-            <a:endParaRPr lang="en-US" dirty="0"/>
           </a:p>
         </p:txBody>
       </p:sp>
@@ -20812,25 +20379,25 @@
             <a:endParaRPr lang="en-US" dirty="0"/>
           </a:p>
           <a:p>
-            <a:endParaRPr lang="en-US" dirty="0" smtClean="0"/>
-          </a:p>
-          <a:p>
             <a:endParaRPr lang="en-US" dirty="0"/>
           </a:p>
           <a:p>
-            <a:endParaRPr lang="en-US" dirty="0" smtClean="0"/>
-          </a:p>
-          <a:p>
             <a:endParaRPr lang="en-US" dirty="0"/>
           </a:p>
           <a:p>
-            <a:endParaRPr lang="en-US" dirty="0" smtClean="0"/>
-          </a:p>
-          <a:p>
             <a:endParaRPr lang="en-US" dirty="0"/>
           </a:p>
           <a:p>
-            <a:endParaRPr lang="en-US" dirty="0" smtClean="0"/>
+            <a:endParaRPr lang="en-US" dirty="0"/>
+          </a:p>
+          <a:p>
+            <a:endParaRPr lang="en-US" dirty="0"/>
+          </a:p>
+          <a:p>
+            <a:endParaRPr lang="en-US" dirty="0"/>
+          </a:p>
+          <a:p>
+            <a:endParaRPr lang="en-US" dirty="0"/>
           </a:p>
         </p:txBody>
       </p:sp>
@@ -20891,7 +20458,7 @@
           <a:lstStyle/>
           <a:p>
             <a:r>
-              <a:rPr lang="en-US" dirty="0" smtClean="0"/>
+              <a:rPr lang="en-US" dirty="0"/>
               <a:t>Each valid block must contain answer to a very special mathematical problem.</a:t>
             </a:r>
           </a:p>
@@ -20900,10 +20467,9 @@
           </a:p>
           <a:p>
             <a:r>
-              <a:rPr lang="en-US" dirty="0" smtClean="0"/>
+              <a:rPr lang="en-US" dirty="0"/>
               <a:t>Computers run the entire text of a block plus an additional random guess through something called a “Cryptographic Hash” until the output is below a certain value!</a:t>
             </a:r>
-            <a:endParaRPr lang="en-US" dirty="0"/>
           </a:p>
         </p:txBody>
       </p:sp>
@@ -20917,13 +20483,6 @@
   <p:clrMapOvr>
     <a:masterClrMapping/>
   </p:clrMapOvr>
-  <p:timing>
-    <p:tnLst>
-      <p:par>
-        <p:cTn id="1" dur="indefinite" restart="never" nodeType="tmRoot"/>
-      </p:par>
-    </p:tnLst>
-  </p:timing>
 </p:sld>
 </file>
 
@@ -20960,10 +20519,9 @@
           <a:lstStyle/>
           <a:p>
             <a:r>
-              <a:rPr lang="en-US" dirty="0" smtClean="0"/>
+              <a:rPr lang="en-US" dirty="0"/>
               <a:t>Cryptographic Hash</a:t>
             </a:r>
-            <a:endParaRPr lang="en-US" dirty="0"/>
           </a:p>
         </p:txBody>
       </p:sp>
@@ -20991,11 +20549,11 @@
               <a:buNone/>
             </a:pPr>
             <a:r>
-              <a:rPr lang="en-US" dirty="0" smtClean="0"/>
+              <a:rPr lang="en-US" dirty="0"/>
               <a:t>Text </a:t>
             </a:r>
             <a:r>
-              <a:rPr lang="en-US" dirty="0" smtClean="0">
+              <a:rPr lang="en-US" dirty="0">
                 <a:sym typeface="Wingdings" panose="05000000000000000000" pitchFamily="2" charset="2"/>
               </a:rPr>
               <a:t> Short Digest</a:t>
@@ -21316,13 +20874,6 @@
   <p:clrMapOvr>
     <a:masterClrMapping/>
   </p:clrMapOvr>
-  <p:timing>
-    <p:tnLst>
-      <p:par>
-        <p:cTn id="1" dur="indefinite" restart="never" nodeType="tmRoot"/>
-      </p:par>
-    </p:tnLst>
-  </p:timing>
 </p:sld>
 </file>
 
@@ -21359,10 +20910,9 @@
           <a:lstStyle/>
           <a:p>
             <a:r>
-              <a:rPr lang="en-US" dirty="0" smtClean="0"/>
+              <a:rPr lang="en-US" dirty="0"/>
               <a:t>Block Puzzle</a:t>
             </a:r>
-            <a:endParaRPr lang="en-US" dirty="0"/>
           </a:p>
         </p:txBody>
       </p:sp>
@@ -21397,11 +20947,7 @@
             </a:pPr>
             <a:r>
               <a:rPr lang="en-US" dirty="0"/>
-              <a:t>The only way to find out a particular output value is to make random </a:t>
-            </a:r>
-            <a:r>
-              <a:rPr lang="en-US" dirty="0" smtClean="0"/>
-              <a:t>guesses</a:t>
+              <a:t>The only way to find out a particular output value is to make random guesses</a:t>
             </a:r>
           </a:p>
           <a:p>
@@ -21410,7 +20956,7 @@
               <a:buChar char="§"/>
             </a:pPr>
             <a:r>
-              <a:rPr lang="en-US" dirty="0" smtClean="0"/>
+              <a:rPr lang="en-US" dirty="0"/>
               <a:t>Like guessing a combination to a lock</a:t>
             </a:r>
           </a:p>
@@ -21420,7 +20966,7 @@
               <a:buChar char="Ø"/>
             </a:pPr>
             <a:r>
-              <a:rPr lang="en-US" dirty="0" smtClean="0"/>
+              <a:rPr lang="en-US" dirty="0"/>
               <a:t>In bitcoin, it will take a typical computer several years to solve a block</a:t>
             </a:r>
           </a:p>
@@ -21430,7 +20976,7 @@
               <a:buChar char="Ø"/>
             </a:pPr>
             <a:r>
-              <a:rPr lang="en-US" dirty="0" smtClean="0"/>
+              <a:rPr lang="en-US" dirty="0"/>
               <a:t>But with distributed peer to peer network, it takes on an average ten minutes, for someone to find a solution</a:t>
             </a:r>
           </a:p>
@@ -21440,7 +20986,7 @@
               <a:buChar char="Ø"/>
             </a:pPr>
             <a:r>
-              <a:rPr lang="en-US" dirty="0" smtClean="0"/>
+              <a:rPr lang="en-US" dirty="0"/>
               <a:t>The first person to solve the puzzle broadcasts their block and gets to have their block accepted to be added to the block chain</a:t>
             </a:r>
           </a:p>
@@ -21456,13 +21002,6 @@
   <p:clrMapOvr>
     <a:masterClrMapping/>
   </p:clrMapOvr>
-  <p:timing>
-    <p:tnLst>
-      <p:par>
-        <p:cTn id="1" dur="indefinite" restart="never" nodeType="tmRoot"/>
-      </p:par>
-    </p:tnLst>
-  </p:timing>
 </p:sld>
 </file>
 
@@ -21499,10 +21038,9 @@
           <a:lstStyle/>
           <a:p>
             <a:r>
-              <a:rPr lang="en-US" dirty="0" smtClean="0"/>
+              <a:rPr lang="en-US" dirty="0"/>
               <a:t>Occasional Conflicts</a:t>
             </a:r>
-            <a:endParaRPr lang="en-US" dirty="0"/>
           </a:p>
         </p:txBody>
       </p:sp>
@@ -21776,7 +21314,7 @@
               <a:buChar char="Ø"/>
             </a:pPr>
             <a:r>
-              <a:rPr lang="en-US" dirty="0" smtClean="0"/>
+              <a:rPr lang="en-US" dirty="0"/>
               <a:t>Unlikely for two people to solve the block at the same time</a:t>
             </a:r>
           </a:p>
@@ -21786,7 +21324,7 @@
               <a:buChar char="Ø"/>
             </a:pPr>
             <a:r>
-              <a:rPr lang="en-US" dirty="0" smtClean="0"/>
+              <a:rPr lang="en-US" dirty="0"/>
               <a:t>Occasionally however, two nodes can solve the block at the same time, leading to several possible branches</a:t>
             </a:r>
           </a:p>
@@ -21796,7 +21334,7 @@
               <a:buChar char="Ø"/>
             </a:pPr>
             <a:r>
-              <a:rPr lang="en-US" dirty="0" smtClean="0"/>
+              <a:rPr lang="en-US" dirty="0"/>
               <a:t>In this case, build on top of the branch you receive, other nodes may have received the blocks in different order</a:t>
             </a:r>
           </a:p>
@@ -21806,7 +21344,7 @@
               <a:buChar char="Ø"/>
             </a:pPr>
             <a:r>
-              <a:rPr lang="en-US" dirty="0" smtClean="0"/>
+              <a:rPr lang="en-US" dirty="0"/>
               <a:t>The tie is broken when someone solves the next block</a:t>
             </a:r>
           </a:p>
@@ -21816,7 +21354,7 @@
               <a:buChar char="Ø"/>
             </a:pPr>
             <a:r>
-              <a:rPr lang="en-US" b="1" dirty="0" smtClean="0"/>
+              <a:rPr lang="en-US" b="1" dirty="0"/>
               <a:t>Immediately switch to the longest chain</a:t>
             </a:r>
           </a:p>
@@ -21826,7 +21364,7 @@
               <a:buChar char="Ø"/>
             </a:pPr>
             <a:r>
-              <a:rPr lang="en-US" dirty="0" smtClean="0"/>
+              <a:rPr lang="en-US" dirty="0"/>
               <a:t>Extremely rare for multiple blocks to have been solved at the same time in a row</a:t>
             </a:r>
           </a:p>
@@ -21836,7 +21374,7 @@
               <a:buChar char="Ø"/>
             </a:pPr>
             <a:r>
-              <a:rPr lang="en-US" b="1" dirty="0" smtClean="0"/>
+              <a:rPr lang="en-US" b="1" dirty="0"/>
               <a:t>Quick stabilization</a:t>
             </a:r>
           </a:p>
@@ -21912,13 +21450,6 @@
   <p:clrMapOvr>
     <a:masterClrMapping/>
   </p:clrMapOvr>
-  <p:timing>
-    <p:tnLst>
-      <p:par>
-        <p:cTn id="1" dur="indefinite" restart="never" nodeType="tmRoot"/>
-      </p:par>
-    </p:tnLst>
-  </p:timing>
 </p:sld>
 </file>
 
@@ -21955,10 +21486,9 @@
           <a:lstStyle/>
           <a:p>
             <a:r>
-              <a:rPr lang="en-US" dirty="0" smtClean="0"/>
+              <a:rPr lang="en-US" dirty="0"/>
               <a:t>Block Chain Reordering Implications</a:t>
             </a:r>
-            <a:endParaRPr lang="en-US" dirty="0"/>
           </a:p>
         </p:txBody>
       </p:sp>
@@ -21981,7 +21511,7 @@
               <a:buFont typeface="Wingdings" panose="05000000000000000000" pitchFamily="2" charset="2"/>
               <a:buChar char="Ø"/>
             </a:pPr>
-            <a:endParaRPr lang="en-US" dirty="0" smtClean="0"/>
+            <a:endParaRPr lang="en-US" dirty="0"/>
           </a:p>
           <a:p>
             <a:pPr>
@@ -21995,7 +21525,7 @@
               <a:buFont typeface="Wingdings" panose="05000000000000000000" pitchFamily="2" charset="2"/>
               <a:buChar char="Ø"/>
             </a:pPr>
-            <a:endParaRPr lang="en-US" dirty="0" smtClean="0"/>
+            <a:endParaRPr lang="en-US" dirty="0"/>
           </a:p>
           <a:p>
             <a:pPr>
@@ -22003,7 +21533,7 @@
               <a:buChar char="Ø"/>
             </a:pPr>
             <a:r>
-              <a:rPr lang="en-US" dirty="0" smtClean="0"/>
+              <a:rPr lang="en-US" dirty="0"/>
               <a:t>Sometimes transactions can lose their place in the chain</a:t>
             </a:r>
           </a:p>
@@ -22013,10 +21543,9 @@
               <a:buChar char="Ø"/>
             </a:pPr>
             <a:r>
-              <a:rPr lang="en-US" dirty="0" smtClean="0"/>
+              <a:rPr lang="en-US" dirty="0"/>
               <a:t>Will be returned to the unprocessed pool and will be grabbed again later</a:t>
             </a:r>
-            <a:endParaRPr lang="en-US" dirty="0"/>
           </a:p>
         </p:txBody>
       </p:sp>
@@ -22030,13 +21559,6 @@
   <p:clrMapOvr>
     <a:masterClrMapping/>
   </p:clrMapOvr>
-  <p:timing>
-    <p:tnLst>
-      <p:par>
-        <p:cTn id="1" dur="indefinite" restart="never" nodeType="tmRoot"/>
-      </p:par>
-    </p:tnLst>
-  </p:timing>
 </p:sld>
 </file>
 
@@ -22073,10 +21595,9 @@
           <a:lstStyle/>
           <a:p>
             <a:r>
-              <a:rPr lang="en-US" dirty="0" smtClean="0"/>
+              <a:rPr lang="en-US" dirty="0"/>
               <a:t>Cryptographic Hash Locks Blocks in Place (1/2)</a:t>
             </a:r>
-            <a:endParaRPr lang="en-US" dirty="0"/>
           </a:p>
         </p:txBody>
       </p:sp>
@@ -22106,28 +21627,27 @@
           <a:lstStyle/>
           <a:p>
             <a:r>
-              <a:rPr lang="en-US" dirty="0" smtClean="0"/>
+              <a:rPr lang="en-US" dirty="0"/>
               <a:t>Solving a block involves trying to get the cryptographic hash of the block to be below a certain value</a:t>
             </a:r>
           </a:p>
           <a:p>
             <a:r>
-              <a:rPr lang="en-US" dirty="0" smtClean="0"/>
+              <a:rPr lang="en-US" dirty="0"/>
               <a:t>This can be done by guessing random numbers</a:t>
             </a:r>
           </a:p>
           <a:p>
             <a:r>
-              <a:rPr lang="en-US" dirty="0" smtClean="0"/>
+              <a:rPr lang="en-US" dirty="0"/>
               <a:t>The hash output is the unique identifier of a block</a:t>
             </a:r>
           </a:p>
           <a:p>
             <a:r>
-              <a:rPr lang="en-US" dirty="0" smtClean="0"/>
+              <a:rPr lang="en-US" dirty="0"/>
               <a:t>This hash will be the next block’s previous reference</a:t>
             </a:r>
-            <a:endParaRPr lang="en-US" dirty="0"/>
           </a:p>
         </p:txBody>
       </p:sp>
@@ -22199,13 +21719,6 @@
   <p:clrMapOvr>
     <a:masterClrMapping/>
   </p:clrMapOvr>
-  <p:timing>
-    <p:tnLst>
-      <p:par>
-        <p:cTn id="1" dur="indefinite" restart="never" nodeType="tmRoot"/>
-      </p:par>
-    </p:tnLst>
-  </p:timing>
 </p:sld>
 </file>
 
@@ -22247,10 +21760,9 @@
           <a:lstStyle/>
           <a:p>
             <a:r>
-              <a:rPr lang="en-US" dirty="0" smtClean="0"/>
+              <a:rPr lang="en-US" dirty="0"/>
               <a:t>One line introduction!</a:t>
             </a:r>
-            <a:endParaRPr lang="en-US" dirty="0"/>
           </a:p>
         </p:txBody>
       </p:sp>
@@ -22272,7 +21784,7 @@
             <a:pPr marL="0" indent="0">
               <a:buNone/>
             </a:pPr>
-            <a:endParaRPr lang="en-US" dirty="0" smtClean="0"/>
+            <a:endParaRPr lang="en-US" dirty="0"/>
           </a:p>
           <a:p>
             <a:pPr marL="0" indent="0">
@@ -22285,18 +21797,9 @@
               <a:buNone/>
             </a:pPr>
             <a:r>
-              <a:rPr lang="en-US" dirty="0" smtClean="0"/>
-              <a:t>“</a:t>
-            </a:r>
-            <a:r>
               <a:rPr lang="en-US" dirty="0"/>
-              <a:t>The blockchain is an incorruptible digital ledger of economic transactions that can be programmed to record not just financial transactions but virtually everything of value</a:t>
-            </a:r>
-            <a:r>
-              <a:rPr lang="en-US" dirty="0" smtClean="0"/>
-              <a:t>.”</a:t>
-            </a:r>
-            <a:endParaRPr lang="en-US" dirty="0"/>
+              <a:t>“The blockchain is an incorruptible digital ledger of economic transactions that can be programmed to record not just financial transactions but virtually everything of value.”</a:t>
+            </a:r>
           </a:p>
         </p:txBody>
       </p:sp>
@@ -22310,13 +21813,6 @@
   <p:clrMapOvr>
     <a:masterClrMapping/>
   </p:clrMapOvr>
-  <p:timing>
-    <p:tnLst>
-      <p:par>
-        <p:cTn id="1" dur="indefinite" restart="never" nodeType="tmRoot"/>
-      </p:par>
-    </p:tnLst>
-  </p:timing>
 </p:sld>
 </file>
 
@@ -22354,13 +21850,8 @@
           <a:p>
             <a:r>
               <a:rPr lang="en-US" dirty="0"/>
-              <a:t>Cryptographic Hash Locks Blocks in </a:t>
-            </a:r>
-            <a:r>
-              <a:rPr lang="en-US" dirty="0" smtClean="0"/>
-              <a:t>Place (2/2)</a:t>
-            </a:r>
-            <a:endParaRPr lang="en-US" dirty="0"/>
+              <a:t>Cryptographic Hash Locks Blocks in Place (2/2)</a:t>
+            </a:r>
           </a:p>
         </p:txBody>
       </p:sp>
@@ -22380,16 +21871,15 @@
           <a:lstStyle/>
           <a:p>
             <a:r>
-              <a:rPr lang="en-US" dirty="0" smtClean="0"/>
+              <a:rPr lang="en-US" dirty="0"/>
               <a:t>There is no way to switch out a block in the middle of the chain</a:t>
             </a:r>
           </a:p>
           <a:p>
             <a:r>
-              <a:rPr lang="en-US" dirty="0" smtClean="0"/>
+              <a:rPr lang="en-US" dirty="0"/>
               <a:t>A block cannot be solved before the previous block is solved, because the previous block’s hash will also go through the current’s block hash function</a:t>
             </a:r>
-            <a:endParaRPr lang="en-US" dirty="0"/>
           </a:p>
         </p:txBody>
       </p:sp>
@@ -22432,13 +21922,6 @@
   <p:clrMapOvr>
     <a:masterClrMapping/>
   </p:clrMapOvr>
-  <p:timing>
-    <p:tnLst>
-      <p:par>
-        <p:cTn id="1" dur="indefinite" restart="never" nodeType="tmRoot"/>
-      </p:par>
-    </p:tnLst>
-  </p:timing>
 </p:sld>
 </file>
 
@@ -22475,10 +21958,9 @@
           <a:lstStyle/>
           <a:p>
             <a:r>
-              <a:rPr lang="en-US" dirty="0" smtClean="0"/>
+              <a:rPr lang="en-US" dirty="0"/>
               <a:t>Agenda</a:t>
             </a:r>
-            <a:endParaRPr lang="en-US" dirty="0"/>
           </a:p>
         </p:txBody>
       </p:sp>
@@ -22502,7 +21984,7 @@
               <a:buChar char="Ø"/>
             </a:pPr>
             <a:r>
-              <a:rPr lang="en-US" dirty="0" smtClean="0"/>
+              <a:rPr lang="en-US" dirty="0"/>
               <a:t>Introduction</a:t>
             </a:r>
           </a:p>
@@ -22512,7 +21994,7 @@
               <a:buChar char="Ø"/>
             </a:pPr>
             <a:r>
-              <a:rPr lang="en-US" dirty="0" smtClean="0"/>
+              <a:rPr lang="en-US" dirty="0"/>
               <a:t>Motivation</a:t>
             </a:r>
           </a:p>
@@ -22522,7 +22004,7 @@
               <a:buChar char="Ø"/>
             </a:pPr>
             <a:r>
-              <a:rPr lang="en-US" dirty="0" smtClean="0"/>
+              <a:rPr lang="en-US" dirty="0"/>
               <a:t>Technical Overview</a:t>
             </a:r>
           </a:p>
@@ -22542,7 +22024,7 @@
               <a:buChar char="Ø"/>
             </a:pPr>
             <a:r>
-              <a:rPr lang="en-US" dirty="0" smtClean="0">
+              <a:rPr lang="en-US" dirty="0">
                 <a:solidFill>
                   <a:srgbClr val="FF0000"/>
                 </a:solidFill>
@@ -22556,10 +22038,9 @@
               <a:buChar char="Ø"/>
             </a:pPr>
             <a:r>
-              <a:rPr lang="en-US" dirty="0" smtClean="0"/>
+              <a:rPr lang="en-US" dirty="0"/>
               <a:t>Future scope</a:t>
             </a:r>
-            <a:endParaRPr lang="en-US" dirty="0"/>
           </a:p>
         </p:txBody>
       </p:sp>
@@ -22573,13 +22054,6 @@
   <p:clrMapOvr>
     <a:masterClrMapping/>
   </p:clrMapOvr>
-  <p:timing>
-    <p:tnLst>
-      <p:par>
-        <p:cTn id="1" dur="indefinite" restart="never" nodeType="tmRoot"/>
-      </p:par>
-    </p:tnLst>
-  </p:timing>
 </p:sld>
 </file>
 
@@ -22616,10 +22090,9 @@
           <a:lstStyle/>
           <a:p>
             <a:r>
-              <a:rPr lang="en-US" dirty="0" smtClean="0"/>
+              <a:rPr lang="en-US" dirty="0"/>
               <a:t>Strengths</a:t>
             </a:r>
-            <a:endParaRPr lang="en-US" dirty="0"/>
           </a:p>
         </p:txBody>
       </p:sp>
@@ -22643,7 +22116,7 @@
               <a:buChar char="Ø"/>
             </a:pPr>
             <a:r>
-              <a:rPr lang="en-US" dirty="0" smtClean="0"/>
+              <a:rPr lang="en-US" dirty="0"/>
               <a:t>No government control</a:t>
             </a:r>
           </a:p>
@@ -22653,10 +22126,9 @@
               <a:buChar char="Ø"/>
             </a:pPr>
             <a:r>
-              <a:rPr lang="en-US" dirty="0" smtClean="0"/>
+              <a:rPr lang="en-US" dirty="0"/>
               <a:t>Lower global transaction costs</a:t>
             </a:r>
-            <a:endParaRPr lang="en-US" dirty="0" smtClean="0"/>
           </a:p>
           <a:p>
             <a:pPr>
@@ -22664,12 +22136,8 @@
               <a:buChar char="Ø"/>
             </a:pPr>
             <a:r>
-              <a:rPr lang="en-US" dirty="0" smtClean="0"/>
-              <a:t>Complex </a:t>
-            </a:r>
-            <a:r>
-              <a:rPr lang="en-US" dirty="0" smtClean="0"/>
-              <a:t>mathematical computations make the system very secure and immutable</a:t>
+              <a:rPr lang="en-US" dirty="0"/>
+              <a:t>Complex mathematical computations make the system very secure and immutable</a:t>
             </a:r>
           </a:p>
           <a:p>
@@ -22678,7 +22146,7 @@
               <a:buChar char="Ø"/>
             </a:pPr>
             <a:r>
-              <a:rPr lang="en-US" dirty="0" smtClean="0"/>
+              <a:rPr lang="en-US" dirty="0"/>
               <a:t>Anyone can join the blockchain network as a node/miner</a:t>
             </a:r>
           </a:p>
@@ -22688,7 +22156,7 @@
               <a:buChar char="Ø"/>
             </a:pPr>
             <a:r>
-              <a:rPr lang="en-US" dirty="0" smtClean="0"/>
+              <a:rPr lang="en-US" dirty="0"/>
               <a:t>Transparency, every node has an entire copy of all the transactions ever made</a:t>
             </a:r>
           </a:p>
@@ -22698,10 +22166,9 @@
               <a:buChar char="Ø"/>
             </a:pPr>
             <a:r>
-              <a:rPr lang="en-US" dirty="0" smtClean="0"/>
+              <a:rPr lang="en-US" dirty="0"/>
               <a:t>Peer to peer means no single point of failure</a:t>
             </a:r>
-            <a:endParaRPr lang="en-US" dirty="0"/>
           </a:p>
         </p:txBody>
       </p:sp>
@@ -22715,13 +22182,6 @@
   <p:clrMapOvr>
     <a:masterClrMapping/>
   </p:clrMapOvr>
-  <p:timing>
-    <p:tnLst>
-      <p:par>
-        <p:cTn id="1" dur="indefinite" restart="never" nodeType="tmRoot"/>
-      </p:par>
-    </p:tnLst>
-  </p:timing>
 </p:sld>
 </file>
 
@@ -22758,10 +22218,9 @@
           <a:lstStyle/>
           <a:p>
             <a:r>
-              <a:rPr lang="en-US" dirty="0" smtClean="0"/>
+              <a:rPr lang="en-US" dirty="0"/>
               <a:t>Weaknesses</a:t>
             </a:r>
-            <a:endParaRPr lang="en-US" dirty="0"/>
           </a:p>
         </p:txBody>
       </p:sp>
@@ -22792,7 +22251,7 @@
               <a:buChar char="Ø"/>
             </a:pPr>
             <a:r>
-              <a:rPr lang="en-US" dirty="0" smtClean="0"/>
+              <a:rPr lang="en-US" dirty="0"/>
               <a:t>Difficult to exchange for other currencies</a:t>
             </a:r>
           </a:p>
@@ -22802,7 +22261,7 @@
               <a:buChar char="Ø"/>
             </a:pPr>
             <a:r>
-              <a:rPr lang="en-US" dirty="0" smtClean="0"/>
+              <a:rPr lang="en-US" dirty="0"/>
               <a:t>No government control leads to illegal activities</a:t>
             </a:r>
           </a:p>
@@ -22812,7 +22271,7 @@
               <a:buChar char="Ø"/>
             </a:pPr>
             <a:r>
-              <a:rPr lang="en-US" dirty="0" smtClean="0"/>
+              <a:rPr lang="en-US" dirty="0"/>
               <a:t>Mining/Solving blocks uses huge processing power</a:t>
             </a:r>
           </a:p>
@@ -22822,12 +22281,8 @@
               <a:buChar char="Ø"/>
             </a:pPr>
             <a:r>
-              <a:rPr lang="en-US" dirty="0" smtClean="0"/>
-              <a:t>Decentralization </a:t>
-            </a:r>
-            <a:r>
-              <a:rPr lang="en-US" dirty="0" smtClean="0"/>
-              <a:t>leads to “No trust”!</a:t>
+              <a:rPr lang="en-US" dirty="0"/>
+              <a:t>Decentralization leads to “No trust”!</a:t>
             </a:r>
           </a:p>
           <a:p>
@@ -22836,10 +22291,9 @@
               <a:buChar char="§"/>
             </a:pPr>
             <a:r>
-              <a:rPr lang="en-US" dirty="0" smtClean="0"/>
+              <a:rPr lang="en-US" dirty="0"/>
               <a:t>We trust our banks or if something goes wrong, we can sue our bank. In bitcoin we deal with anonymous strangers, so one cannot trust anyone.</a:t>
             </a:r>
-            <a:endParaRPr lang="en-US" dirty="0"/>
           </a:p>
           <a:p>
             <a:pPr>
@@ -22847,7 +22301,7 @@
               <a:buChar char="Ø"/>
             </a:pPr>
             <a:r>
-              <a:rPr lang="en-US" dirty="0" smtClean="0"/>
+              <a:rPr lang="en-US" dirty="0"/>
               <a:t>DIY bitcoin = Risky</a:t>
             </a:r>
           </a:p>
@@ -22857,7 +22311,7 @@
               <a:buChar char="§"/>
             </a:pPr>
             <a:r>
-              <a:rPr lang="en-US" dirty="0" smtClean="0"/>
+              <a:rPr lang="en-US" dirty="0"/>
               <a:t>Bitcoin software hides the scripting layer, one could write their own</a:t>
             </a:r>
           </a:p>
@@ -22867,7 +22321,7 @@
               <a:buChar char="§"/>
             </a:pPr>
             <a:r>
-              <a:rPr lang="en-US" dirty="0" smtClean="0"/>
+              <a:rPr lang="en-US" dirty="0"/>
               <a:t>Over 2600 bitcoins were lost in a single batch of transactions due to malformed address</a:t>
             </a:r>
           </a:p>
@@ -22877,7 +22331,7 @@
               <a:buChar char="§"/>
             </a:pPr>
             <a:r>
-              <a:rPr lang="en-US" dirty="0" smtClean="0"/>
+              <a:rPr lang="en-US" dirty="0"/>
               <a:t>Since there is no central authority, any user error mistakes can cause permanent loss of bitcoins from the economy</a:t>
             </a:r>
           </a:p>
@@ -22887,7 +22341,7 @@
               <a:buChar char="Ø"/>
             </a:pPr>
             <a:r>
-              <a:rPr lang="en-US" dirty="0" smtClean="0"/>
+              <a:rPr lang="en-US" dirty="0"/>
               <a:t>If a user loses their private key, any funds associated with the corresponding public key will be lost forever</a:t>
             </a:r>
           </a:p>
@@ -22897,14 +22351,9 @@
               <a:buChar char="§"/>
             </a:pPr>
             <a:r>
-              <a:rPr lang="en-US" dirty="0" smtClean="0"/>
-              <a:t>And because users will likely lose their private keys due to technical glitches, bitcoin currency will eventually be a deflationary one</a:t>
-            </a:r>
-            <a:r>
-              <a:rPr lang="en-US" dirty="0" smtClean="0"/>
-              <a:t>.</a:t>
-            </a:r>
-            <a:endParaRPr lang="en-US" dirty="0" smtClean="0"/>
+              <a:rPr lang="en-US" dirty="0"/>
+              <a:t>And because users will likely lose their private keys due to technical glitches, bitcoin currency will eventually be a deflationary one.</a:t>
+            </a:r>
           </a:p>
         </p:txBody>
       </p:sp>
@@ -22918,13 +22367,6 @@
   <p:clrMapOvr>
     <a:masterClrMapping/>
   </p:clrMapOvr>
-  <p:timing>
-    <p:tnLst>
-      <p:par>
-        <p:cTn id="1" dur="indefinite" restart="never" nodeType="tmRoot"/>
-      </p:par>
-    </p:tnLst>
-  </p:timing>
 </p:sld>
 </file>
 
@@ -22961,10 +22403,9 @@
           <a:lstStyle/>
           <a:p>
             <a:r>
-              <a:rPr lang="en-US" dirty="0" smtClean="0"/>
+              <a:rPr lang="en-US" dirty="0"/>
               <a:t>Agenda</a:t>
             </a:r>
-            <a:endParaRPr lang="en-US" dirty="0"/>
           </a:p>
         </p:txBody>
       </p:sp>
@@ -22988,7 +22429,7 @@
               <a:buChar char="Ø"/>
             </a:pPr>
             <a:r>
-              <a:rPr lang="en-US" dirty="0" smtClean="0"/>
+              <a:rPr lang="en-US" dirty="0"/>
               <a:t>Introduction</a:t>
             </a:r>
           </a:p>
@@ -22998,7 +22439,7 @@
               <a:buChar char="Ø"/>
             </a:pPr>
             <a:r>
-              <a:rPr lang="en-US" dirty="0" smtClean="0"/>
+              <a:rPr lang="en-US" dirty="0"/>
               <a:t>Motivation</a:t>
             </a:r>
           </a:p>
@@ -23008,7 +22449,7 @@
               <a:buChar char="Ø"/>
             </a:pPr>
             <a:r>
-              <a:rPr lang="en-US" dirty="0" smtClean="0"/>
+              <a:rPr lang="en-US" dirty="0"/>
               <a:t>Technical Overview</a:t>
             </a:r>
           </a:p>
@@ -23028,7 +22469,7 @@
               <a:buChar char="Ø"/>
             </a:pPr>
             <a:r>
-              <a:rPr lang="en-US" dirty="0" smtClean="0"/>
+              <a:rPr lang="en-US" dirty="0"/>
               <a:t>Strengths/Weaknesses</a:t>
             </a:r>
           </a:p>
@@ -23038,18 +22479,13 @@
               <a:buChar char="Ø"/>
             </a:pPr>
             <a:r>
-              <a:rPr lang="en-US" dirty="0" smtClean="0">
+              <a:rPr lang="en-US" dirty="0">
                 <a:solidFill>
                   <a:srgbClr val="FF0000"/>
                 </a:solidFill>
               </a:rPr>
               <a:t>Future scope</a:t>
             </a:r>
-            <a:endParaRPr lang="en-US" dirty="0">
-              <a:solidFill>
-                <a:srgbClr val="FF0000"/>
-              </a:solidFill>
-            </a:endParaRPr>
           </a:p>
         </p:txBody>
       </p:sp>
@@ -23063,13 +22499,6 @@
   <p:clrMapOvr>
     <a:masterClrMapping/>
   </p:clrMapOvr>
-  <p:timing>
-    <p:tnLst>
-      <p:par>
-        <p:cTn id="1" dur="indefinite" restart="never" nodeType="tmRoot"/>
-      </p:par>
-    </p:tnLst>
-  </p:timing>
 </p:sld>
 </file>
 
@@ -23109,13 +22538,8 @@
           <a:p>
             <a:r>
               <a:rPr lang="en-US" dirty="0"/>
-              <a:t>A brief summary of some use cases gaining </a:t>
-            </a:r>
-            <a:r>
-              <a:rPr lang="en-US" dirty="0" smtClean="0"/>
-              <a:t>momentum</a:t>
-            </a:r>
-            <a:endParaRPr lang="en-US" dirty="0"/>
+              <a:t>A brief summary of some use cases gaining momentum</a:t>
+            </a:r>
           </a:p>
         </p:txBody>
       </p:sp>
@@ -23146,20 +22570,8 @@
               <a:buChar char="Ø"/>
             </a:pPr>
             <a:r>
-              <a:rPr lang="en-US" dirty="0" smtClean="0"/>
-              <a:t>Document </a:t>
-            </a:r>
-            <a:r>
               <a:rPr lang="en-US" dirty="0"/>
-              <a:t>and contract </a:t>
-            </a:r>
-            <a:r>
-              <a:rPr lang="en-US" dirty="0" smtClean="0"/>
-              <a:t>digitization, </a:t>
-            </a:r>
-            <a:r>
-              <a:rPr lang="en-US" dirty="0"/>
-              <a:t>management and exploitation</a:t>
+              <a:t>Document and contract digitization, management and exploitation</a:t>
             </a:r>
           </a:p>
           <a:p>
@@ -23188,12 +22600,8 @@
               <a:buChar char="Ø"/>
             </a:pPr>
             <a:r>
-              <a:rPr lang="en-US" dirty="0" smtClean="0"/>
-              <a:t>Decentralized </a:t>
-            </a:r>
-            <a:r>
               <a:rPr lang="en-US" dirty="0"/>
-              <a:t>and cloud services including patient records and healthcare support</a:t>
+              <a:t>Decentralized and cloud services including patient records and healthcare support</a:t>
             </a:r>
           </a:p>
           <a:p>
@@ -23243,11 +22651,7 @@
             </a:pPr>
             <a:r>
               <a:rPr lang="en-US" dirty="0"/>
-              <a:t>Facilitation of sales and trading of digital assets and digital rights </a:t>
-            </a:r>
-            <a:r>
-              <a:rPr lang="en-US" dirty="0" smtClean="0"/>
-              <a:t>management</a:t>
+              <a:t>Facilitation of sales and trading of digital assets and digital rights management</a:t>
             </a:r>
           </a:p>
           <a:p>
@@ -23256,18 +22660,9 @@
               <a:buChar char="Ø"/>
             </a:pPr>
             <a:r>
-              <a:rPr lang="en-US" dirty="0" smtClean="0"/>
-              <a:t>Nine </a:t>
-            </a:r>
-            <a:r>
               <a:rPr lang="en-US" dirty="0"/>
-              <a:t>major banks (including JP Morgan and Goldman Sachs) recently joined a partnership to develop blockchain technologies</a:t>
-            </a:r>
-            <a:r>
-              <a:rPr lang="en-US" dirty="0" smtClean="0"/>
-              <a:t>.</a:t>
-            </a:r>
-            <a:endParaRPr lang="en-US" dirty="0"/>
+              <a:t>Nine major banks (including JP Morgan and Goldman Sachs) recently joined a partnership to develop blockchain technologies.</a:t>
+            </a:r>
           </a:p>
         </p:txBody>
       </p:sp>
@@ -23281,13 +22676,6 @@
   <p:clrMapOvr>
     <a:masterClrMapping/>
   </p:clrMapOvr>
-  <p:timing>
-    <p:tnLst>
-      <p:par>
-        <p:cTn id="1" dur="indefinite" restart="never" nodeType="tmRoot"/>
-      </p:par>
-    </p:tnLst>
-  </p:timing>
 </p:sld>
 </file>
 
@@ -23324,10 +22712,9 @@
           <a:lstStyle/>
           <a:p>
             <a:r>
-              <a:rPr lang="en-US" dirty="0" smtClean="0"/>
+              <a:rPr lang="en-US" dirty="0"/>
               <a:t>Blockchain Startups</a:t>
             </a:r>
-            <a:endParaRPr lang="en-US" dirty="0"/>
           </a:p>
         </p:txBody>
       </p:sp>
@@ -23367,13 +22754,6 @@
   <p:clrMapOvr>
     <a:masterClrMapping/>
   </p:clrMapOvr>
-  <p:timing>
-    <p:tnLst>
-      <p:par>
-        <p:cTn id="1" dur="indefinite" restart="never" nodeType="tmRoot"/>
-      </p:par>
-    </p:tnLst>
-  </p:timing>
 </p:sld>
 </file>
 
@@ -23410,10 +22790,9 @@
           <a:lstStyle/>
           <a:p>
             <a:r>
-              <a:rPr lang="en-US" dirty="0" smtClean="0"/>
+              <a:rPr lang="en-US" dirty="0"/>
               <a:t>References</a:t>
             </a:r>
-            <a:endParaRPr lang="en-US" dirty="0"/>
           </a:p>
         </p:txBody>
       </p:sp>
@@ -23441,7 +22820,7 @@
               <a:buNone/>
             </a:pPr>
             <a:r>
-              <a:rPr lang="en-US" dirty="0" smtClean="0">
+              <a:rPr lang="en-US" dirty="0">
                 <a:hlinkClick r:id="rId2"/>
               </a:rPr>
               <a:t>https://bitcoin.org/en/</a:t>
@@ -23453,48 +22832,36 @@
               <a:buNone/>
             </a:pPr>
             <a:r>
-              <a:rPr lang="en-US" dirty="0" smtClean="0">
+              <a:rPr lang="en-US" dirty="0">
                 <a:hlinkClick r:id="rId3"/>
               </a:rPr>
               <a:t>https://www.blockchain.com/</a:t>
             </a:r>
-            <a:endParaRPr lang="en-US" dirty="0" smtClean="0"/>
+            <a:endParaRPr lang="en-US" dirty="0"/>
           </a:p>
           <a:p>
             <a:pPr marL="0" indent="0">
               <a:buNone/>
             </a:pPr>
             <a:r>
-              <a:rPr lang="en-US" dirty="0" smtClean="0">
+              <a:rPr lang="en-US" dirty="0">
                 <a:hlinkClick r:id="rId4"/>
               </a:rPr>
               <a:t>http://blockgeeks.com/guides/what-is-blockchain-technology-a-step-by-step-guide-than-anyone-can-understand/</a:t>
             </a:r>
-            <a:endParaRPr lang="en-US" dirty="0" smtClean="0"/>
+            <a:endParaRPr lang="en-US" dirty="0"/>
           </a:p>
           <a:p>
             <a:pPr marL="0" indent="0">
               <a:buNone/>
             </a:pPr>
             <a:r>
-              <a:rPr lang="en-US" dirty="0" smtClean="0">
-                <a:hlinkClick r:id="rId5"/>
-              </a:rPr>
-              <a:t>https</a:t>
-            </a:r>
-            <a:r>
               <a:rPr lang="en-US" dirty="0">
                 <a:hlinkClick r:id="rId5"/>
               </a:rPr>
-              <a:t>://</a:t>
-            </a:r>
-            <a:r>
-              <a:rPr lang="en-US" dirty="0" smtClean="0">
-                <a:hlinkClick r:id="rId5"/>
-              </a:rPr>
-              <a:t>www.linkedin.com/pulse/blockchain-non-financial-services-use-cases-paul-forrest</a:t>
-            </a:r>
-            <a:endParaRPr lang="en-US" dirty="0" smtClean="0"/>
+              <a:t>https://www.linkedin.com/pulse/blockchain-non-financial-services-use-cases-paul-forrest</a:t>
+            </a:r>
+            <a:endParaRPr lang="en-US" dirty="0"/>
           </a:p>
           <a:p>
             <a:pPr marL="0" indent="0">
@@ -23504,15 +22871,9 @@
               <a:rPr lang="en-US" dirty="0">
                 <a:hlinkClick r:id="rId6"/>
               </a:rPr>
-              <a:t>https://</a:t>
-            </a:r>
-            <a:r>
-              <a:rPr lang="en-US" dirty="0" smtClean="0">
-                <a:hlinkClick r:id="rId6"/>
-              </a:rPr>
-              <a:t>www.youtube.com/watch?v=Lx9zgZCMqXE</a:t>
-            </a:r>
-            <a:endParaRPr lang="en-US" dirty="0" smtClean="0"/>
+              <a:t>https://www.youtube.com/watch?v=Lx9zgZCMqXE</a:t>
+            </a:r>
+            <a:endParaRPr lang="en-US" dirty="0"/>
           </a:p>
           <a:p>
             <a:pPr marL="0" indent="0">
@@ -23522,15 +22883,9 @@
               <a:rPr lang="en-US" dirty="0">
                 <a:hlinkClick r:id="rId7"/>
               </a:rPr>
-              <a:t>http://</a:t>
-            </a:r>
-            <a:r>
-              <a:rPr lang="en-US" dirty="0" smtClean="0">
-                <a:hlinkClick r:id="rId7"/>
-              </a:rPr>
-              <a:t>scet.berkeley.edu/wp-content/uploads/BlockchainPaper.pdf</a:t>
-            </a:r>
-            <a:endParaRPr lang="en-US" dirty="0" smtClean="0"/>
+              <a:t>http://scet.berkeley.edu/wp-content/uploads/BlockchainPaper.pdf</a:t>
+            </a:r>
+            <a:endParaRPr lang="en-US" dirty="0"/>
           </a:p>
           <a:p>
             <a:pPr marL="0" indent="0">
@@ -23538,31 +22893,26 @@
             </a:pPr>
             <a:r>
               <a:rPr lang="en-US" dirty="0"/>
-              <a:t>http://</a:t>
-            </a:r>
-            <a:r>
-              <a:rPr lang="en-US" dirty="0" smtClean="0"/>
-              <a:t>marmelab.com/blog/2016/04/28/blockchain-for-web-developers-the-theory.html</a:t>
-            </a:r>
-            <a:endParaRPr lang="en-US" dirty="0"/>
+              <a:t>http://marmelab.com/blog/2016/04/28/blockchain-for-web-developers-the-theory.html</a:t>
+            </a:r>
           </a:p>
           <a:p>
             <a:pPr marL="0" indent="0">
               <a:buNone/>
             </a:pPr>
-            <a:endParaRPr lang="en-US" dirty="0" smtClean="0"/>
+            <a:endParaRPr lang="en-US" dirty="0"/>
           </a:p>
           <a:p>
             <a:pPr marL="0" indent="0">
               <a:buNone/>
             </a:pPr>
-            <a:endParaRPr lang="en-US" dirty="0" smtClean="0"/>
+            <a:endParaRPr lang="en-US" dirty="0"/>
           </a:p>
           <a:p>
             <a:pPr marL="0" indent="0">
               <a:buNone/>
             </a:pPr>
-            <a:endParaRPr lang="en-US" dirty="0" smtClean="0"/>
+            <a:endParaRPr lang="en-US" dirty="0"/>
           </a:p>
           <a:p>
             <a:pPr marL="0" indent="0">
@@ -23588,13 +22938,6 @@
   <p:clrMapOvr>
     <a:masterClrMapping/>
   </p:clrMapOvr>
-  <p:timing>
-    <p:tnLst>
-      <p:par>
-        <p:cTn id="1" dur="indefinite" restart="never" nodeType="tmRoot"/>
-      </p:par>
-    </p:tnLst>
-  </p:timing>
 </p:sld>
 </file>
 
@@ -23649,13 +22992,6 @@
   <p:clrMapOvr>
     <a:masterClrMapping/>
   </p:clrMapOvr>
-  <p:timing>
-    <p:tnLst>
-      <p:par>
-        <p:cTn id="1" dur="indefinite" restart="never" nodeType="tmRoot"/>
-      </p:par>
-    </p:tnLst>
-  </p:timing>
 </p:sld>
 </file>
 
@@ -23692,7 +23028,7 @@
           <a:lstStyle/>
           <a:p>
             <a:r>
-              <a:rPr lang="en-US" b="1" dirty="0" smtClean="0"/>
+              <a:rPr lang="en-US" b="1" dirty="0"/>
               <a:t>Who will use the blockchain?</a:t>
             </a:r>
             <a:endParaRPr lang="en-US" dirty="0"/>
@@ -23717,12 +23053,8 @@
           <a:lstStyle/>
           <a:p>
             <a:r>
-              <a:rPr lang="en-US" dirty="0" smtClean="0"/>
-              <a:t>As </a:t>
-            </a:r>
-            <a:r>
               <a:rPr lang="en-US" dirty="0"/>
-              <a:t>web infrastructure, you don’t need to know about the blockchain for it to be useful in your life.</a:t>
+              <a:t>As web infrastructure, you don’t need to know about the blockchain for it to be useful in your life.</a:t>
             </a:r>
           </a:p>
           <a:p>
@@ -23758,13 +23090,6 @@
   <p:clrMapOvr>
     <a:masterClrMapping/>
   </p:clrMapOvr>
-  <p:timing>
-    <p:tnLst>
-      <p:par>
-        <p:cTn id="1" dur="indefinite" restart="never" nodeType="tmRoot"/>
-      </p:par>
-    </p:tnLst>
-  </p:timing>
 </p:sld>
 </file>
 
@@ -23801,10 +23126,9 @@
           <a:lstStyle/>
           <a:p>
             <a:r>
-              <a:rPr lang="en-US" dirty="0" smtClean="0"/>
+              <a:rPr lang="en-US" dirty="0"/>
               <a:t>Agenda</a:t>
             </a:r>
-            <a:endParaRPr lang="en-US" dirty="0"/>
           </a:p>
         </p:txBody>
       </p:sp>
@@ -23828,7 +23152,7 @@
               <a:buChar char="Ø"/>
             </a:pPr>
             <a:r>
-              <a:rPr lang="en-US" dirty="0" smtClean="0"/>
+              <a:rPr lang="en-US" dirty="0"/>
               <a:t>Introduction</a:t>
             </a:r>
           </a:p>
@@ -23838,7 +23162,7 @@
               <a:buChar char="Ø"/>
             </a:pPr>
             <a:r>
-              <a:rPr lang="en-US" dirty="0" smtClean="0">
+              <a:rPr lang="en-US" dirty="0">
                 <a:solidFill>
                   <a:srgbClr val="FF0000"/>
                 </a:solidFill>
@@ -23852,7 +23176,7 @@
               <a:buChar char="Ø"/>
             </a:pPr>
             <a:r>
-              <a:rPr lang="en-US" dirty="0" smtClean="0"/>
+              <a:rPr lang="en-US" dirty="0"/>
               <a:t>Technical Overview</a:t>
             </a:r>
           </a:p>
@@ -23872,7 +23196,7 @@
               <a:buChar char="Ø"/>
             </a:pPr>
             <a:r>
-              <a:rPr lang="en-US" dirty="0" smtClean="0"/>
+              <a:rPr lang="en-US" dirty="0"/>
               <a:t>Strengths/Weaknesses</a:t>
             </a:r>
           </a:p>
@@ -23882,10 +23206,9 @@
               <a:buChar char="Ø"/>
             </a:pPr>
             <a:r>
-              <a:rPr lang="en-US" dirty="0" smtClean="0"/>
+              <a:rPr lang="en-US" dirty="0"/>
               <a:t>Future scope</a:t>
             </a:r>
-            <a:endParaRPr lang="en-US" dirty="0"/>
           </a:p>
         </p:txBody>
       </p:sp>
@@ -23899,13 +23222,6 @@
   <p:clrMapOvr>
     <a:masterClrMapping/>
   </p:clrMapOvr>
-  <p:timing>
-    <p:tnLst>
-      <p:par>
-        <p:cTn id="1" dur="indefinite" restart="never" nodeType="tmRoot"/>
-      </p:par>
-    </p:tnLst>
-  </p:timing>
 </p:sld>
 </file>
 
@@ -23942,10 +23258,9 @@
           <a:lstStyle/>
           <a:p>
             <a:r>
-              <a:rPr lang="en-US" dirty="0" smtClean="0"/>
+              <a:rPr lang="en-US" dirty="0"/>
               <a:t>Anonymity</a:t>
             </a:r>
-            <a:endParaRPr lang="en-US" dirty="0"/>
           </a:p>
         </p:txBody>
       </p:sp>
@@ -24250,7 +23565,7 @@
               <a:buChar char="Ø"/>
             </a:pPr>
             <a:r>
-              <a:rPr lang="en-US" dirty="0" smtClean="0"/>
+              <a:rPr lang="en-US" dirty="0"/>
               <a:t>Use bitcoin network without ever revealing more than public key</a:t>
             </a:r>
           </a:p>
@@ -24261,11 +23576,7 @@
             </a:pPr>
             <a:r>
               <a:rPr lang="en-US" dirty="0"/>
-              <a:t>TOR networks hides the IP </a:t>
-            </a:r>
-            <a:r>
-              <a:rPr lang="en-US" dirty="0" smtClean="0"/>
-              <a:t>address</a:t>
+              <a:t>TOR networks hides the IP address</a:t>
             </a:r>
           </a:p>
           <a:p>
@@ -24274,7 +23585,7 @@
               <a:buChar char="Ø"/>
             </a:pPr>
             <a:r>
-              <a:rPr lang="en-US" dirty="0" smtClean="0"/>
+              <a:rPr lang="en-US" dirty="0"/>
               <a:t>Avoid linking public keys together by generating a new public key for every incoming transaction using the wallet software</a:t>
             </a:r>
           </a:p>
@@ -24290,13 +23601,6 @@
   <p:clrMapOvr>
     <a:masterClrMapping/>
   </p:clrMapOvr>
-  <p:timing>
-    <p:tnLst>
-      <p:par>
-        <p:cTn id="1" dur="indefinite" restart="never" nodeType="tmRoot"/>
-      </p:par>
-    </p:tnLst>
-  </p:timing>
 </p:sld>
 </file>
 
@@ -24351,13 +23655,6 @@
   <p:clrMapOvr>
     <a:masterClrMapping/>
   </p:clrMapOvr>
-  <p:timing>
-    <p:tnLst>
-      <p:par>
-        <p:cTn id="1" dur="indefinite" restart="never" nodeType="tmRoot"/>
-      </p:par>
-    </p:tnLst>
-  </p:timing>
 </p:sld>
 </file>
 
@@ -24399,10 +23696,9 @@
           <a:lstStyle/>
           <a:p>
             <a:r>
-              <a:rPr lang="en-US" dirty="0" smtClean="0"/>
+              <a:rPr lang="en-US" dirty="0"/>
               <a:t>Be your own bank!</a:t>
             </a:r>
-            <a:endParaRPr lang="en-US" dirty="0"/>
           </a:p>
         </p:txBody>
       </p:sp>
@@ -24423,11 +23719,7 @@
           <a:p>
             <a:r>
               <a:rPr lang="en-US" dirty="0"/>
-              <a:t>“The blockchain is an incorruptible digital ledger of economic transactions that can be programmed to record not just financial transactions but virtually everything of value</a:t>
-            </a:r>
-            <a:r>
-              <a:rPr lang="en-US" dirty="0" smtClean="0"/>
-              <a:t>.”</a:t>
+              <a:t>“The blockchain is an incorruptible digital ledger of economic transactions that can be programmed to record not just financial transactions but virtually everything of value.”</a:t>
             </a:r>
           </a:p>
           <a:p>
@@ -24456,13 +23748,6 @@
   <p:clrMapOvr>
     <a:masterClrMapping/>
   </p:clrMapOvr>
-  <p:timing>
-    <p:tnLst>
-      <p:par>
-        <p:cTn id="1" dur="indefinite" restart="never" nodeType="tmRoot"/>
-      </p:par>
-    </p:tnLst>
-  </p:timing>
 </p:sld>
 </file>
 
@@ -24523,7 +23808,7 @@
           </a:p>
           <a:p>
             <a:r>
-              <a:rPr lang="en-US" dirty="0" smtClean="0"/>
+              <a:rPr lang="en-US" dirty="0"/>
               <a:t>(Some intro about bitcoin or probably show a video!!)</a:t>
             </a:r>
           </a:p>
@@ -24532,16 +23817,11 @@
               <a:rPr lang="en-US" dirty="0"/>
               <a:t>Proponents envisage an “internet of value” that can make money flow as freely as data are flowing already.</a:t>
             </a:r>
-            <a:endParaRPr lang="en-US" dirty="0" smtClean="0"/>
           </a:p>
           <a:p>
             <a:r>
               <a:rPr lang="en-US" dirty="0"/>
-              <a:t>Cryptocurrencies, like bitcoin, are currencies that exist solely in digital. There are no physical golden coins with a big “B” on them. Moreover, owning these non-real coins entails a new idea of “ownership.” You don’t literally have it in your hands, or even in your bank account, but you have the ability to transfer “ownership” to someone else simply by creating a record in the blockchain. Rather than using bills, your transfer is pure data</a:t>
-            </a:r>
-            <a:r>
-              <a:rPr lang="en-US" dirty="0" smtClean="0"/>
-              <a:t>.</a:t>
+              <a:t>Cryptocurrencies, like bitcoin, are currencies that exist solely in digital. There are no physical golden coins with a big “B” on them. Moreover, owning these non-real coins entails a new idea of “ownership.” You don’t literally have it in your hands, or even in your bank account, but you have the ability to transfer “ownership” to someone else simply by creating a record in the blockchain. Rather than using bills, your transfer is pure data.</a:t>
             </a:r>
           </a:p>
           <a:p>
@@ -24562,13 +23842,6 @@
   <p:clrMapOvr>
     <a:masterClrMapping/>
   </p:clrMapOvr>
-  <p:timing>
-    <p:tnLst>
-      <p:par>
-        <p:cTn id="1" dur="indefinite" restart="never" nodeType="tmRoot"/>
-      </p:par>
-    </p:tnLst>
-  </p:timing>
 </p:sld>
 </file>
 
@@ -24634,16 +23907,8 @@
               <a:buNone/>
             </a:pPr>
             <a:r>
-              <a:rPr lang="en-US" dirty="0" smtClean="0"/>
-              <a:t>The </a:t>
-            </a:r>
-            <a:r>
               <a:rPr lang="en-US" dirty="0"/>
-              <a:t>blockchain network lives in a state of consensus, one that automatically checks in with itself every ten minutes.  A kind of self-auditing ecosystem of digital value, the network reconciles every transaction that happens in ten minute intervals. Each group of these transactions is referred to as a “block”. Two important properties result from this</a:t>
-            </a:r>
-            <a:r>
-              <a:rPr lang="en-US" dirty="0" smtClean="0"/>
-              <a:t>:</a:t>
+              <a:t>The blockchain network lives in a state of consensus, one that automatically checks in with itself every ten minutes.  A kind of self-auditing ecosystem of digital value, the network reconciles every transaction that happens in ten minute intervals. Each group of these transactions is referred to as a “block”. Two important properties result from this:</a:t>
             </a:r>
           </a:p>
           <a:p>
@@ -24661,20 +23926,12 @@
               <a:rPr lang="en-US" b="1" dirty="0"/>
               <a:t>Transparency</a:t>
             </a:r>
-            <a:r>
-              <a:rPr lang="en-US" dirty="0"/>
-              <a:t/>
-            </a:r>
             <a:br>
               <a:rPr lang="en-US" dirty="0"/>
             </a:br>
             <a:r>
               <a:rPr lang="en-US" dirty="0"/>
-              <a:t>data is embedded within network as a whole, by definition it is public</a:t>
-            </a:r>
-            <a:r>
-              <a:rPr lang="en-US" dirty="0" smtClean="0"/>
-              <a:t>.</a:t>
+              <a:t>data is embedded within network as a whole, by definition it is public.</a:t>
             </a:r>
           </a:p>
           <a:p>
@@ -24692,10 +23949,6 @@
             <a:r>
               <a:rPr lang="en-US" b="1" dirty="0"/>
               <a:t>It cannot be corrupted</a:t>
-            </a:r>
-            <a:r>
-              <a:rPr lang="en-US" dirty="0"/>
-              <a:t/>
             </a:r>
             <a:br>
               <a:rPr lang="en-US" dirty="0"/>
@@ -24720,13 +23973,6 @@
   <p:clrMapOvr>
     <a:masterClrMapping/>
   </p:clrMapOvr>
-  <p:timing>
-    <p:tnLst>
-      <p:par>
-        <p:cTn id="1" dur="indefinite" restart="never" nodeType="tmRoot"/>
-      </p:par>
-    </p:tnLst>
-  </p:timing>
 </p:sld>
 </file>
 
@@ -24763,10 +24009,9 @@
           <a:lstStyle/>
           <a:p>
             <a:r>
-              <a:rPr lang="en-US" dirty="0" smtClean="0"/>
+              <a:rPr lang="en-US" dirty="0"/>
               <a:t>Double Spending Problem</a:t>
             </a:r>
-            <a:endParaRPr lang="en-US" dirty="0"/>
           </a:p>
         </p:txBody>
       </p:sp>
@@ -25095,13 +24340,6 @@
   <p:clrMapOvr>
     <a:masterClrMapping/>
   </p:clrMapOvr>
-  <p:timing>
-    <p:tnLst>
-      <p:par>
-        <p:cTn id="1" dur="indefinite" restart="never" nodeType="tmRoot"/>
-      </p:par>
-    </p:tnLst>
-  </p:timing>
 </p:sld>
 </file>
 
@@ -25148,10 +24386,9 @@
               <a:buNone/>
             </a:pPr>
             <a:r>
-              <a:rPr lang="en-US" sz="4000" dirty="0" smtClean="0"/>
+              <a:rPr lang="en-US" sz="4000" dirty="0"/>
               <a:t>DIGITAL GOLD</a:t>
             </a:r>
-            <a:endParaRPr lang="en-US" sz="4000" dirty="0"/>
           </a:p>
         </p:txBody>
       </p:sp>
@@ -25425,10 +24662,9 @@
               <a:buNone/>
             </a:pPr>
             <a:r>
-              <a:rPr lang="en-US" sz="4000" dirty="0" smtClean="0"/>
+              <a:rPr lang="en-US" sz="4000" dirty="0"/>
               <a:t>“BITCOIN”</a:t>
             </a:r>
-            <a:endParaRPr lang="en-US" sz="4000" dirty="0"/>
           </a:p>
         </p:txBody>
       </p:sp>
@@ -25551,7 +24787,7 @@
           </p:nvPr>
         </p:nvPicPr>
         <p:blipFill>
-          <a:blip r:embed="rId2">
+          <a:blip r:embed="rId3">
             <a:extLst>
               <a:ext uri="{28A0092B-C50C-407E-A947-70E740481C1C}">
                 <a14:useLocalDpi xmlns:a14="http://schemas.microsoft.com/office/drawing/2010/main" val="0"/>
@@ -25629,10 +24865,9 @@
           <a:lstStyle/>
           <a:p>
             <a:r>
-              <a:rPr lang="en-US" dirty="0" smtClean="0"/>
+              <a:rPr lang="en-US" dirty="0"/>
               <a:t>Cryptocurrency</a:t>
             </a:r>
-            <a:endParaRPr lang="en-US" dirty="0"/>
           </a:p>
         </p:txBody>
       </p:sp>
@@ -25662,15 +24897,7 @@
             </a:pPr>
             <a:r>
               <a:rPr lang="en-US" dirty="0"/>
-              <a:t>M</a:t>
-            </a:r>
-            <a:r>
-              <a:rPr lang="en-US" dirty="0" smtClean="0"/>
-              <a:t>ake </a:t>
-            </a:r>
-            <a:r>
-              <a:rPr lang="en-US" dirty="0"/>
-              <a:t>money flow as freely as data are flowing already.</a:t>
+              <a:t>Make money flow as freely as data is flowing already.</a:t>
             </a:r>
           </a:p>
           <a:p>
@@ -25679,7 +24906,7 @@
               <a:buChar char="Ø"/>
             </a:pPr>
             <a:r>
-              <a:rPr lang="en-US" dirty="0" smtClean="0"/>
+              <a:rPr lang="en-US" dirty="0"/>
               <a:t>No physical form</a:t>
             </a:r>
           </a:p>
@@ -25690,11 +24917,7 @@
             </a:pPr>
             <a:r>
               <a:rPr lang="en-US" dirty="0"/>
-              <a:t>You don’t literally have it in your hands, or even in your bank </a:t>
-            </a:r>
-            <a:r>
-              <a:rPr lang="en-US" dirty="0" smtClean="0"/>
-              <a:t>account</a:t>
+              <a:t>You don’t literally have it in your hands, or even in your bank account</a:t>
             </a:r>
           </a:p>
           <a:p>
@@ -25703,16 +24926,8 @@
               <a:buChar char="§"/>
             </a:pPr>
             <a:r>
-              <a:rPr lang="en-US" dirty="0" smtClean="0"/>
-              <a:t>Ability </a:t>
-            </a:r>
-            <a:r>
               <a:rPr lang="en-US" dirty="0"/>
-              <a:t>to transfer “ownership” to someone else simply by creating a record in the </a:t>
-            </a:r>
-            <a:r>
-              <a:rPr lang="en-US" dirty="0" smtClean="0"/>
-              <a:t>blockchain</a:t>
+              <a:t>Ability to transfer “ownership” to someone else simply by creating a record in the blockchain</a:t>
             </a:r>
           </a:p>
           <a:p>
@@ -25721,12 +24936,8 @@
               <a:buChar char="Ø"/>
             </a:pPr>
             <a:r>
-              <a:rPr lang="en-US" dirty="0" smtClean="0"/>
-              <a:t>Owning </a:t>
-            </a:r>
-            <a:r>
               <a:rPr lang="en-US" dirty="0"/>
-              <a:t>bitcoin is merely having a claim on a piece of information sitting on the blockchain.</a:t>
+              <a:t>Owning bitcoin is merely having a claim on a piece of information sitting on the blockchain.</a:t>
             </a:r>
           </a:p>
           <a:p>
@@ -25777,13 +24988,6 @@
   <p:clrMapOvr>
     <a:masterClrMapping/>
   </p:clrMapOvr>
-  <p:timing>
-    <p:tnLst>
-      <p:par>
-        <p:cTn id="1" dur="indefinite" restart="never" nodeType="tmRoot"/>
-      </p:par>
-    </p:tnLst>
-  </p:timing>
 </p:sld>
 </file>
 
@@ -25820,10 +25024,9 @@
           <a:lstStyle/>
           <a:p>
             <a:r>
-              <a:rPr lang="en-US" dirty="0" smtClean="0"/>
+              <a:rPr lang="en-US" dirty="0"/>
               <a:t>Agenda</a:t>
             </a:r>
-            <a:endParaRPr lang="en-US" dirty="0"/>
           </a:p>
         </p:txBody>
       </p:sp>
@@ -25847,7 +25050,7 @@
               <a:buChar char="Ø"/>
             </a:pPr>
             <a:r>
-              <a:rPr lang="en-US" dirty="0" smtClean="0"/>
+              <a:rPr lang="en-US" dirty="0"/>
               <a:t>Introduction</a:t>
             </a:r>
           </a:p>
@@ -25867,7 +25070,7 @@
               <a:buChar char="Ø"/>
             </a:pPr>
             <a:r>
-              <a:rPr lang="en-US" dirty="0" smtClean="0">
+              <a:rPr lang="en-US" dirty="0">
                 <a:solidFill>
                   <a:srgbClr val="FF0000"/>
                 </a:solidFill>
@@ -25891,7 +25094,7 @@
               <a:buChar char="Ø"/>
             </a:pPr>
             <a:r>
-              <a:rPr lang="en-US" dirty="0" smtClean="0"/>
+              <a:rPr lang="en-US" dirty="0"/>
               <a:t>Strengths/Weaknesses</a:t>
             </a:r>
           </a:p>
@@ -25901,10 +25104,9 @@
               <a:buChar char="Ø"/>
             </a:pPr>
             <a:r>
-              <a:rPr lang="en-US" dirty="0" smtClean="0"/>
+              <a:rPr lang="en-US" dirty="0"/>
               <a:t>Future scope</a:t>
             </a:r>
-            <a:endParaRPr lang="en-US" dirty="0"/>
           </a:p>
         </p:txBody>
       </p:sp>
@@ -25918,13 +25120,6 @@
   <p:clrMapOvr>
     <a:masterClrMapping/>
   </p:clrMapOvr>
-  <p:timing>
-    <p:tnLst>
-      <p:par>
-        <p:cTn id="1" dur="indefinite" restart="never" nodeType="tmRoot"/>
-      </p:par>
-    </p:tnLst>
-  </p:timing>
 </p:sld>
 </file>
 
